--- a/Mobile Application.pptx
+++ b/Mobile Application.pptx
@@ -8132,10 +8132,16 @@
             <a:srgbClr val="FCD4BA"/>
           </a:solidFill>
           <a:ln>
-            <a:solidFill>
-              <a:srgbClr val="71B8C7"/>
-            </a:solidFill>
+            <a:noFill/>
           </a:ln>
+          <a:effectLst/>
+          <a:scene3d>
+            <a:camera prst="orthographicFront"/>
+            <a:lightRig rig="threePt" dir="t"/>
+          </a:scene3d>
+          <a:sp3d>
+            <a:bevelT/>
+          </a:sp3d>
         </p:spPr>
         <p:style>
           <a:lnRef idx="2">
@@ -8190,6 +8196,13 @@
               <a:srgbClr val="71B8C7"/>
             </a:solidFill>
           </a:ln>
+          <a:scene3d>
+            <a:camera prst="orthographicFront"/>
+            <a:lightRig rig="threePt" dir="t"/>
+          </a:scene3d>
+          <a:sp3d>
+            <a:bevelT/>
+          </a:sp3d>
         </p:spPr>
         <p:style>
           <a:lnRef idx="2">
@@ -8244,6 +8257,13 @@
               <a:srgbClr val="71B8C7"/>
             </a:solidFill>
           </a:ln>
+          <a:scene3d>
+            <a:camera prst="orthographicFront"/>
+            <a:lightRig rig="threePt" dir="t"/>
+          </a:scene3d>
+          <a:sp3d>
+            <a:bevelT/>
+          </a:sp3d>
         </p:spPr>
         <p:style>
           <a:lnRef idx="2">
@@ -8415,6 +8435,13 @@
               <a:srgbClr val="71B8C7"/>
             </a:solidFill>
           </a:ln>
+          <a:scene3d>
+            <a:camera prst="orthographicFront"/>
+            <a:lightRig rig="threePt" dir="t"/>
+          </a:scene3d>
+          <a:sp3d>
+            <a:bevelT/>
+          </a:sp3d>
         </p:spPr>
         <p:style>
           <a:lnRef idx="2">

--- a/Mobile Application.pptx
+++ b/Mobile Application.pptx
@@ -12,6 +12,9 @@
     <p:sldId id="260" r:id="rId6"/>
     <p:sldId id="261" r:id="rId7"/>
     <p:sldId id="262" r:id="rId8"/>
+    <p:sldId id="263" r:id="rId9"/>
+    <p:sldId id="266" r:id="rId10"/>
+    <p:sldId id="265" r:id="rId11"/>
   </p:sldIdLst>
   <p:sldSz cx="12192000" cy="6858000"/>
   <p:notesSz cx="6858000" cy="9144000"/>
@@ -632,7 +635,7 @@
           <a:p>
             <a:fld id="{5FAC98C3-E17B-4BEE-BC07-0E797A641A8C}" type="datetimeFigureOut">
               <a:rPr lang="en-PH" smtClean="0"/>
-              <a:t>26/10/2016</a:t>
+              <a:t>30/10/2016</a:t>
             </a:fld>
             <a:endParaRPr lang="en-PH"/>
           </a:p>
@@ -928,7 +931,7 @@
           <a:p>
             <a:fld id="{5FAC98C3-E17B-4BEE-BC07-0E797A641A8C}" type="datetimeFigureOut">
               <a:rPr lang="en-PH" smtClean="0"/>
-              <a:t>26/10/2016</a:t>
+              <a:t>30/10/2016</a:t>
             </a:fld>
             <a:endParaRPr lang="en-PH"/>
           </a:p>
@@ -1176,7 +1179,7 @@
           <a:p>
             <a:fld id="{5FAC98C3-E17B-4BEE-BC07-0E797A641A8C}" type="datetimeFigureOut">
               <a:rPr lang="en-PH" smtClean="0"/>
-              <a:t>26/10/2016</a:t>
+              <a:t>30/10/2016</a:t>
             </a:fld>
             <a:endParaRPr lang="en-PH"/>
           </a:p>
@@ -1716,7 +1719,7 @@
           <a:p>
             <a:fld id="{5FAC98C3-E17B-4BEE-BC07-0E797A641A8C}" type="datetimeFigureOut">
               <a:rPr lang="en-PH" smtClean="0"/>
-              <a:t>26/10/2016</a:t>
+              <a:t>30/10/2016</a:t>
             </a:fld>
             <a:endParaRPr lang="en-PH"/>
           </a:p>
@@ -1964,7 +1967,7 @@
           <a:p>
             <a:fld id="{5FAC98C3-E17B-4BEE-BC07-0E797A641A8C}" type="datetimeFigureOut">
               <a:rPr lang="en-PH" smtClean="0"/>
-              <a:t>26/10/2016</a:t>
+              <a:t>30/10/2016</a:t>
             </a:fld>
             <a:endParaRPr lang="en-PH"/>
           </a:p>
@@ -2496,7 +2499,7 @@
           <a:p>
             <a:fld id="{5FAC98C3-E17B-4BEE-BC07-0E797A641A8C}" type="datetimeFigureOut">
               <a:rPr lang="en-PH" smtClean="0"/>
-              <a:t>26/10/2016</a:t>
+              <a:t>30/10/2016</a:t>
             </a:fld>
             <a:endParaRPr lang="en-PH"/>
           </a:p>
@@ -2793,7 +2796,7 @@
           <a:p>
             <a:fld id="{5FAC98C3-E17B-4BEE-BC07-0E797A641A8C}" type="datetimeFigureOut">
               <a:rPr lang="en-PH" smtClean="0"/>
-              <a:t>26/10/2016</a:t>
+              <a:t>30/10/2016</a:t>
             </a:fld>
             <a:endParaRPr lang="en-PH"/>
           </a:p>
@@ -2967,7 +2970,7 @@
           <a:p>
             <a:fld id="{5FAC98C3-E17B-4BEE-BC07-0E797A641A8C}" type="datetimeFigureOut">
               <a:rPr lang="en-PH" smtClean="0"/>
-              <a:t>26/10/2016</a:t>
+              <a:t>30/10/2016</a:t>
             </a:fld>
             <a:endParaRPr lang="en-PH"/>
           </a:p>
@@ -3147,7 +3150,7 @@
           <a:p>
             <a:fld id="{5FAC98C3-E17B-4BEE-BC07-0E797A641A8C}" type="datetimeFigureOut">
               <a:rPr lang="en-PH" smtClean="0"/>
-              <a:t>26/10/2016</a:t>
+              <a:t>30/10/2016</a:t>
             </a:fld>
             <a:endParaRPr lang="en-PH"/>
           </a:p>
@@ -3317,7 +3320,7 @@
           <a:p>
             <a:fld id="{5FAC98C3-E17B-4BEE-BC07-0E797A641A8C}" type="datetimeFigureOut">
               <a:rPr lang="en-PH" smtClean="0"/>
-              <a:t>26/10/2016</a:t>
+              <a:t>30/10/2016</a:t>
             </a:fld>
             <a:endParaRPr lang="en-PH"/>
           </a:p>
@@ -3568,7 +3571,7 @@
           <a:p>
             <a:fld id="{5FAC98C3-E17B-4BEE-BC07-0E797A641A8C}" type="datetimeFigureOut">
               <a:rPr lang="en-PH" smtClean="0"/>
-              <a:t>26/10/2016</a:t>
+              <a:t>30/10/2016</a:t>
             </a:fld>
             <a:endParaRPr lang="en-PH"/>
           </a:p>
@@ -3865,7 +3868,7 @@
           <a:p>
             <a:fld id="{5FAC98C3-E17B-4BEE-BC07-0E797A641A8C}" type="datetimeFigureOut">
               <a:rPr lang="en-PH" smtClean="0"/>
-              <a:t>26/10/2016</a:t>
+              <a:t>30/10/2016</a:t>
             </a:fld>
             <a:endParaRPr lang="en-PH"/>
           </a:p>
@@ -4307,7 +4310,7 @@
           <a:p>
             <a:fld id="{5FAC98C3-E17B-4BEE-BC07-0E797A641A8C}" type="datetimeFigureOut">
               <a:rPr lang="en-PH" smtClean="0"/>
-              <a:t>26/10/2016</a:t>
+              <a:t>30/10/2016</a:t>
             </a:fld>
             <a:endParaRPr lang="en-PH"/>
           </a:p>
@@ -4425,7 +4428,7 @@
           <a:p>
             <a:fld id="{5FAC98C3-E17B-4BEE-BC07-0E797A641A8C}" type="datetimeFigureOut">
               <a:rPr lang="en-PH" smtClean="0"/>
-              <a:t>26/10/2016</a:t>
+              <a:t>30/10/2016</a:t>
             </a:fld>
             <a:endParaRPr lang="en-PH"/>
           </a:p>
@@ -4520,7 +4523,7 @@
           <a:p>
             <a:fld id="{5FAC98C3-E17B-4BEE-BC07-0E797A641A8C}" type="datetimeFigureOut">
               <a:rPr lang="en-PH" smtClean="0"/>
-              <a:t>26/10/2016</a:t>
+              <a:t>30/10/2016</a:t>
             </a:fld>
             <a:endParaRPr lang="en-PH"/>
           </a:p>
@@ -4803,7 +4806,7 @@
           <a:p>
             <a:fld id="{5FAC98C3-E17B-4BEE-BC07-0E797A641A8C}" type="datetimeFigureOut">
               <a:rPr lang="en-PH" smtClean="0"/>
-              <a:t>26/10/2016</a:t>
+              <a:t>30/10/2016</a:t>
             </a:fld>
             <a:endParaRPr lang="en-PH"/>
           </a:p>
@@ -5094,7 +5097,7 @@
           <a:p>
             <a:fld id="{5FAC98C3-E17B-4BEE-BC07-0E797A641A8C}" type="datetimeFigureOut">
               <a:rPr lang="en-PH" smtClean="0"/>
-              <a:t>26/10/2016</a:t>
+              <a:t>30/10/2016</a:t>
             </a:fld>
             <a:endParaRPr lang="en-PH"/>
           </a:p>
@@ -5624,7 +5627,7 @@
           <a:p>
             <a:fld id="{5FAC98C3-E17B-4BEE-BC07-0E797A641A8C}" type="datetimeFigureOut">
               <a:rPr lang="en-PH" smtClean="0"/>
-              <a:t>26/10/2016</a:t>
+              <a:t>30/10/2016</a:t>
             </a:fld>
             <a:endParaRPr lang="en-PH"/>
           </a:p>
@@ -6254,6 +6257,945 @@
 </p:sld>
 </file>
 
+<file path=ppt/slides/slide10.xml><?xml version="1.0" encoding="utf-8"?>
+<p:sld xmlns:a="http://schemas.openxmlformats.org/drawingml/2006/main" xmlns:r="http://schemas.openxmlformats.org/officeDocument/2006/relationships" xmlns:p="http://schemas.openxmlformats.org/presentationml/2006/main">
+  <p:cSld>
+    <p:bg>
+      <p:bgPr>
+        <a:blipFill dpi="0" rotWithShape="1">
+          <a:blip r:embed="rId2">
+            <a:duotone>
+              <a:schemeClr val="bg2">
+                <a:shade val="76000"/>
+                <a:satMod val="180000"/>
+              </a:schemeClr>
+              <a:schemeClr val="bg2">
+                <a:tint val="80000"/>
+                <a:satMod val="120000"/>
+                <a:lumMod val="180000"/>
+              </a:schemeClr>
+            </a:duotone>
+            <a:lum/>
+          </a:blip>
+          <a:srcRect/>
+          <a:stretch>
+            <a:fillRect/>
+          </a:stretch>
+        </a:blipFill>
+        <a:effectLst/>
+      </p:bgPr>
+    </p:bg>
+    <p:spTree>
+      <p:nvGrpSpPr>
+        <p:cNvPr id="1" name=""/>
+        <p:cNvGrpSpPr/>
+        <p:nvPr/>
+      </p:nvGrpSpPr>
+      <p:grpSpPr>
+        <a:xfrm>
+          <a:off x="0" y="0"/>
+          <a:ext cx="0" cy="0"/>
+          <a:chOff x="0" y="0"/>
+          <a:chExt cx="0" cy="0"/>
+        </a:xfrm>
+      </p:grpSpPr>
+      <p:sp>
+        <p:nvSpPr>
+          <p:cNvPr id="2" name="Title 1"/>
+          <p:cNvSpPr>
+            <a:spLocks noGrp="1"/>
+          </p:cNvSpPr>
+          <p:nvPr>
+            <p:ph type="title"/>
+          </p:nvPr>
+        </p:nvSpPr>
+        <p:spPr>
+          <a:xfrm>
+            <a:off x="1512446" y="140680"/>
+            <a:ext cx="10018713" cy="1223887"/>
+          </a:xfrm>
+        </p:spPr>
+        <p:txBody>
+          <a:bodyPr/>
+          <a:lstStyle/>
+          <a:p>
+            <a:r>
+              <a:rPr lang="en-PH" b="1" dirty="0"/>
+              <a:t>Features (continued)</a:t>
+            </a:r>
+          </a:p>
+        </p:txBody>
+      </p:sp>
+      <p:sp>
+        <p:nvSpPr>
+          <p:cNvPr id="5" name="Rectangle 4"/>
+          <p:cNvSpPr/>
+          <p:nvPr/>
+        </p:nvSpPr>
+        <p:spPr>
+          <a:xfrm>
+            <a:off x="4777407" y="1353127"/>
+            <a:ext cx="3488788" cy="5162844"/>
+          </a:xfrm>
+          <a:prstGeom prst="rect">
+            <a:avLst/>
+          </a:prstGeom>
+          <a:solidFill>
+            <a:srgbClr val="1789A9"/>
+          </a:solidFill>
+          <a:ln>
+            <a:solidFill>
+              <a:srgbClr val="E38C59"/>
+            </a:solidFill>
+          </a:ln>
+        </p:spPr>
+        <p:style>
+          <a:lnRef idx="2">
+            <a:schemeClr val="accent1">
+              <a:shade val="50000"/>
+            </a:schemeClr>
+          </a:lnRef>
+          <a:fillRef idx="1">
+            <a:schemeClr val="accent1"/>
+          </a:fillRef>
+          <a:effectRef idx="0">
+            <a:schemeClr val="accent1"/>
+          </a:effectRef>
+          <a:fontRef idx="minor">
+            <a:schemeClr val="lt1"/>
+          </a:fontRef>
+        </p:style>
+        <p:txBody>
+          <a:bodyPr rtlCol="0" anchor="ctr"/>
+          <a:lstStyle/>
+          <a:p>
+            <a:pPr algn="ctr"/>
+            <a:endParaRPr lang="en-PH"/>
+          </a:p>
+        </p:txBody>
+      </p:sp>
+      <p:sp>
+        <p:nvSpPr>
+          <p:cNvPr id="6" name="TextBox 5"/>
+          <p:cNvSpPr txBox="1"/>
+          <p:nvPr/>
+        </p:nvSpPr>
+        <p:spPr>
+          <a:xfrm>
+            <a:off x="9555302" y="1355152"/>
+            <a:ext cx="2133600" cy="830997"/>
+          </a:xfrm>
+          <a:prstGeom prst="rect">
+            <a:avLst/>
+          </a:prstGeom>
+          <a:noFill/>
+        </p:spPr>
+        <p:txBody>
+          <a:bodyPr wrap="square" rtlCol="0">
+            <a:spAutoFit/>
+          </a:bodyPr>
+          <a:lstStyle/>
+          <a:p>
+            <a:r>
+              <a:rPr lang="en-PH" sz="2400" dirty="0"/>
+              <a:t>LIST OF SALES PAGE</a:t>
+            </a:r>
+          </a:p>
+        </p:txBody>
+      </p:sp>
+      <p:sp>
+        <p:nvSpPr>
+          <p:cNvPr id="7" name="TextBox 6"/>
+          <p:cNvSpPr txBox="1"/>
+          <p:nvPr/>
+        </p:nvSpPr>
+        <p:spPr>
+          <a:xfrm>
+            <a:off x="5277025" y="1657674"/>
+            <a:ext cx="2489552" cy="461665"/>
+          </a:xfrm>
+          <a:prstGeom prst="rect">
+            <a:avLst/>
+          </a:prstGeom>
+          <a:noFill/>
+        </p:spPr>
+        <p:txBody>
+          <a:bodyPr wrap="square" rtlCol="0">
+            <a:spAutoFit/>
+          </a:bodyPr>
+          <a:lstStyle/>
+          <a:p>
+            <a:pPr algn="ctr"/>
+            <a:r>
+              <a:rPr lang="en-PH" sz="2400" b="1" dirty="0">
+                <a:solidFill>
+                  <a:schemeClr val="bg1"/>
+                </a:solidFill>
+                <a:latin typeface="Arial" panose="020B0604020202020204" pitchFamily="34" charset="0"/>
+                <a:cs typeface="Arial" panose="020B0604020202020204" pitchFamily="34" charset="0"/>
+              </a:rPr>
+              <a:t>ELOUS STORE</a:t>
+            </a:r>
+          </a:p>
+        </p:txBody>
+      </p:sp>
+      <p:pic>
+        <p:nvPicPr>
+          <p:cNvPr id="9" name="Picture 8"/>
+          <p:cNvPicPr>
+            <a:picLocks noChangeAspect="1"/>
+          </p:cNvPicPr>
+          <p:nvPr/>
+        </p:nvPicPr>
+        <p:blipFill>
+          <a:blip r:embed="rId3"/>
+          <a:stretch>
+            <a:fillRect/>
+          </a:stretch>
+        </p:blipFill>
+        <p:spPr>
+          <a:xfrm>
+            <a:off x="9555301" y="362098"/>
+            <a:ext cx="2133600" cy="781050"/>
+          </a:xfrm>
+          <a:prstGeom prst="rect">
+            <a:avLst/>
+          </a:prstGeom>
+        </p:spPr>
+      </p:pic>
+      <p:cxnSp>
+        <p:nvCxnSpPr>
+          <p:cNvPr id="20" name="Straight Connector 19"/>
+          <p:cNvCxnSpPr/>
+          <p:nvPr/>
+        </p:nvCxnSpPr>
+        <p:spPr>
+          <a:xfrm>
+            <a:off x="4833938" y="2295525"/>
+            <a:ext cx="3395662" cy="0"/>
+          </a:xfrm>
+          <a:prstGeom prst="line">
+            <a:avLst/>
+          </a:prstGeom>
+          <a:ln w="57150">
+            <a:solidFill>
+              <a:srgbClr val="C2F3FD"/>
+            </a:solidFill>
+          </a:ln>
+        </p:spPr>
+        <p:style>
+          <a:lnRef idx="1">
+            <a:schemeClr val="accent1"/>
+          </a:lnRef>
+          <a:fillRef idx="0">
+            <a:schemeClr val="accent1"/>
+          </a:fillRef>
+          <a:effectRef idx="0">
+            <a:schemeClr val="accent1"/>
+          </a:effectRef>
+          <a:fontRef idx="minor">
+            <a:schemeClr val="tx1"/>
+          </a:fontRef>
+        </p:style>
+      </p:cxnSp>
+      <p:sp>
+        <p:nvSpPr>
+          <p:cNvPr id="10" name="TextBox 9"/>
+          <p:cNvSpPr txBox="1"/>
+          <p:nvPr/>
+        </p:nvSpPr>
+        <p:spPr>
+          <a:xfrm>
+            <a:off x="4791695" y="2295525"/>
+            <a:ext cx="1708165" cy="369332"/>
+          </a:xfrm>
+          <a:prstGeom prst="rect">
+            <a:avLst/>
+          </a:prstGeom>
+          <a:noFill/>
+          <a:ln>
+            <a:solidFill>
+              <a:srgbClr val="C2F3FD"/>
+            </a:solidFill>
+          </a:ln>
+        </p:spPr>
+        <p:txBody>
+          <a:bodyPr wrap="square" rtlCol="0">
+            <a:spAutoFit/>
+          </a:bodyPr>
+          <a:lstStyle/>
+          <a:p>
+            <a:pPr algn="ctr"/>
+            <a:r>
+              <a:rPr lang="en-PH" dirty="0">
+                <a:solidFill>
+                  <a:srgbClr val="FDE4D3"/>
+                </a:solidFill>
+              </a:rPr>
+              <a:t>INPUT SALES</a:t>
+            </a:r>
+          </a:p>
+        </p:txBody>
+      </p:sp>
+      <p:sp>
+        <p:nvSpPr>
+          <p:cNvPr id="31" name="TextBox 30"/>
+          <p:cNvSpPr txBox="1"/>
+          <p:nvPr/>
+        </p:nvSpPr>
+        <p:spPr>
+          <a:xfrm>
+            <a:off x="6514148" y="2295524"/>
+            <a:ext cx="1723029" cy="369332"/>
+          </a:xfrm>
+          <a:prstGeom prst="rect">
+            <a:avLst/>
+          </a:prstGeom>
+          <a:noFill/>
+          <a:ln>
+            <a:solidFill>
+              <a:srgbClr val="C2F3FD"/>
+            </a:solidFill>
+          </a:ln>
+        </p:spPr>
+        <p:txBody>
+          <a:bodyPr wrap="square" rtlCol="0">
+            <a:spAutoFit/>
+          </a:bodyPr>
+          <a:lstStyle/>
+          <a:p>
+            <a:pPr algn="ctr"/>
+            <a:r>
+              <a:rPr lang="en-PH" dirty="0">
+                <a:solidFill>
+                  <a:srgbClr val="FDE4D3"/>
+                </a:solidFill>
+              </a:rPr>
+              <a:t>LIST OF SALES</a:t>
+            </a:r>
+          </a:p>
+        </p:txBody>
+      </p:sp>
+      <p:cxnSp>
+        <p:nvCxnSpPr>
+          <p:cNvPr id="34" name="Straight Connector 33"/>
+          <p:cNvCxnSpPr/>
+          <p:nvPr/>
+        </p:nvCxnSpPr>
+        <p:spPr>
+          <a:xfrm flipV="1">
+            <a:off x="6557963" y="2664856"/>
+            <a:ext cx="1665922" cy="1905"/>
+          </a:xfrm>
+          <a:prstGeom prst="line">
+            <a:avLst/>
+          </a:prstGeom>
+          <a:ln w="57150">
+            <a:solidFill>
+              <a:srgbClr val="C2F3FD"/>
+            </a:solidFill>
+          </a:ln>
+        </p:spPr>
+        <p:style>
+          <a:lnRef idx="1">
+            <a:schemeClr val="accent1"/>
+          </a:lnRef>
+          <a:fillRef idx="0">
+            <a:schemeClr val="accent1"/>
+          </a:fillRef>
+          <a:effectRef idx="0">
+            <a:schemeClr val="accent1"/>
+          </a:effectRef>
+          <a:fontRef idx="minor">
+            <a:schemeClr val="tx1"/>
+          </a:fontRef>
+        </p:style>
+      </p:cxnSp>
+      <p:sp>
+        <p:nvSpPr>
+          <p:cNvPr id="3" name="TextBox 2"/>
+          <p:cNvSpPr txBox="1"/>
+          <p:nvPr/>
+        </p:nvSpPr>
+        <p:spPr>
+          <a:xfrm>
+            <a:off x="5277025" y="2876550"/>
+            <a:ext cx="2381075" cy="338554"/>
+          </a:xfrm>
+          <a:prstGeom prst="rect">
+            <a:avLst/>
+          </a:prstGeom>
+          <a:noFill/>
+        </p:spPr>
+        <p:txBody>
+          <a:bodyPr wrap="square" rtlCol="0">
+            <a:spAutoFit/>
+          </a:bodyPr>
+          <a:lstStyle/>
+          <a:p>
+            <a:r>
+              <a:rPr lang="en-PH" sz="1600" u="sng" dirty="0">
+                <a:solidFill>
+                  <a:schemeClr val="bg1"/>
+                </a:solidFill>
+                <a:latin typeface="Arial" panose="020B0604020202020204" pitchFamily="34" charset="0"/>
+                <a:cs typeface="Arial" panose="020B0604020202020204" pitchFamily="34" charset="0"/>
+              </a:rPr>
+              <a:t>October 21, 1965</a:t>
+            </a:r>
+          </a:p>
+        </p:txBody>
+      </p:sp>
+      <p:sp>
+        <p:nvSpPr>
+          <p:cNvPr id="23" name="TextBox 22"/>
+          <p:cNvSpPr txBox="1"/>
+          <p:nvPr/>
+        </p:nvSpPr>
+        <p:spPr>
+          <a:xfrm>
+            <a:off x="5277024" y="3331786"/>
+            <a:ext cx="2381075" cy="338554"/>
+          </a:xfrm>
+          <a:prstGeom prst="rect">
+            <a:avLst/>
+          </a:prstGeom>
+          <a:noFill/>
+        </p:spPr>
+        <p:txBody>
+          <a:bodyPr wrap="square" rtlCol="0">
+            <a:spAutoFit/>
+          </a:bodyPr>
+          <a:lstStyle/>
+          <a:p>
+            <a:r>
+              <a:rPr lang="en-PH" sz="1600" u="sng" dirty="0">
+                <a:solidFill>
+                  <a:schemeClr val="bg1"/>
+                </a:solidFill>
+                <a:latin typeface="Arial" panose="020B0604020202020204" pitchFamily="34" charset="0"/>
+                <a:cs typeface="Arial" panose="020B0604020202020204" pitchFamily="34" charset="0"/>
+              </a:rPr>
+              <a:t>March 5, 1967</a:t>
+            </a:r>
+          </a:p>
+        </p:txBody>
+      </p:sp>
+      <p:sp>
+        <p:nvSpPr>
+          <p:cNvPr id="24" name="TextBox 23"/>
+          <p:cNvSpPr txBox="1"/>
+          <p:nvPr/>
+        </p:nvSpPr>
+        <p:spPr>
+          <a:xfrm>
+            <a:off x="5277023" y="3787022"/>
+            <a:ext cx="2381075" cy="338554"/>
+          </a:xfrm>
+          <a:prstGeom prst="rect">
+            <a:avLst/>
+          </a:prstGeom>
+          <a:noFill/>
+        </p:spPr>
+        <p:txBody>
+          <a:bodyPr wrap="square" rtlCol="0">
+            <a:spAutoFit/>
+          </a:bodyPr>
+          <a:lstStyle/>
+          <a:p>
+            <a:r>
+              <a:rPr lang="en-PH" sz="1600" u="sng" dirty="0">
+                <a:solidFill>
+                  <a:schemeClr val="bg1"/>
+                </a:solidFill>
+                <a:latin typeface="Arial" panose="020B0604020202020204" pitchFamily="34" charset="0"/>
+                <a:cs typeface="Arial" panose="020B0604020202020204" pitchFamily="34" charset="0"/>
+              </a:rPr>
+              <a:t>March 20, 1999</a:t>
+            </a:r>
+          </a:p>
+        </p:txBody>
+      </p:sp>
+      <p:sp>
+        <p:nvSpPr>
+          <p:cNvPr id="25" name="TextBox 24"/>
+          <p:cNvSpPr txBox="1"/>
+          <p:nvPr/>
+        </p:nvSpPr>
+        <p:spPr>
+          <a:xfrm>
+            <a:off x="5277021" y="4695026"/>
+            <a:ext cx="2381075" cy="338554"/>
+          </a:xfrm>
+          <a:prstGeom prst="rect">
+            <a:avLst/>
+          </a:prstGeom>
+          <a:noFill/>
+        </p:spPr>
+        <p:txBody>
+          <a:bodyPr wrap="square" rtlCol="0">
+            <a:spAutoFit/>
+          </a:bodyPr>
+          <a:lstStyle/>
+          <a:p>
+            <a:r>
+              <a:rPr lang="en-PH" sz="1600" u="sng" dirty="0">
+                <a:solidFill>
+                  <a:schemeClr val="bg1"/>
+                </a:solidFill>
+                <a:latin typeface="Arial" panose="020B0604020202020204" pitchFamily="34" charset="0"/>
+                <a:cs typeface="Arial" panose="020B0604020202020204" pitchFamily="34" charset="0"/>
+              </a:rPr>
+              <a:t>October 20, 1997</a:t>
+            </a:r>
+          </a:p>
+        </p:txBody>
+      </p:sp>
+      <p:sp>
+        <p:nvSpPr>
+          <p:cNvPr id="26" name="TextBox 25"/>
+          <p:cNvSpPr txBox="1"/>
+          <p:nvPr/>
+        </p:nvSpPr>
+        <p:spPr>
+          <a:xfrm>
+            <a:off x="5277022" y="4241024"/>
+            <a:ext cx="2381075" cy="338554"/>
+          </a:xfrm>
+          <a:prstGeom prst="rect">
+            <a:avLst/>
+          </a:prstGeom>
+          <a:noFill/>
+        </p:spPr>
+        <p:txBody>
+          <a:bodyPr wrap="square" rtlCol="0">
+            <a:spAutoFit/>
+          </a:bodyPr>
+          <a:lstStyle/>
+          <a:p>
+            <a:r>
+              <a:rPr lang="en-PH" sz="1600" u="sng" dirty="0">
+                <a:solidFill>
+                  <a:schemeClr val="bg1"/>
+                </a:solidFill>
+                <a:latin typeface="Arial" panose="020B0604020202020204" pitchFamily="34" charset="0"/>
+                <a:cs typeface="Arial" panose="020B0604020202020204" pitchFamily="34" charset="0"/>
+              </a:rPr>
+              <a:t>December 2, 1997</a:t>
+            </a:r>
+          </a:p>
+        </p:txBody>
+      </p:sp>
+      <p:sp>
+        <p:nvSpPr>
+          <p:cNvPr id="27" name="TextBox 26"/>
+          <p:cNvSpPr txBox="1"/>
+          <p:nvPr/>
+        </p:nvSpPr>
+        <p:spPr>
+          <a:xfrm>
+            <a:off x="5277020" y="5145015"/>
+            <a:ext cx="2381075" cy="338554"/>
+          </a:xfrm>
+          <a:prstGeom prst="rect">
+            <a:avLst/>
+          </a:prstGeom>
+          <a:noFill/>
+        </p:spPr>
+        <p:txBody>
+          <a:bodyPr wrap="square" rtlCol="0">
+            <a:spAutoFit/>
+          </a:bodyPr>
+          <a:lstStyle/>
+          <a:p>
+            <a:r>
+              <a:rPr lang="en-PH" sz="1600" u="sng" dirty="0">
+                <a:solidFill>
+                  <a:schemeClr val="bg1"/>
+                </a:solidFill>
+                <a:latin typeface="Arial" panose="020B0604020202020204" pitchFamily="34" charset="0"/>
+                <a:cs typeface="Arial" panose="020B0604020202020204" pitchFamily="34" charset="0"/>
+              </a:rPr>
+              <a:t>December 1, 1997</a:t>
+            </a:r>
+          </a:p>
+        </p:txBody>
+      </p:sp>
+      <p:sp>
+        <p:nvSpPr>
+          <p:cNvPr id="28" name="TextBox 27"/>
+          <p:cNvSpPr txBox="1"/>
+          <p:nvPr/>
+        </p:nvSpPr>
+        <p:spPr>
+          <a:xfrm>
+            <a:off x="5277019" y="5603030"/>
+            <a:ext cx="2381075" cy="338554"/>
+          </a:xfrm>
+          <a:prstGeom prst="rect">
+            <a:avLst/>
+          </a:prstGeom>
+          <a:noFill/>
+        </p:spPr>
+        <p:txBody>
+          <a:bodyPr wrap="square" rtlCol="0">
+            <a:spAutoFit/>
+          </a:bodyPr>
+          <a:lstStyle/>
+          <a:p>
+            <a:r>
+              <a:rPr lang="en-PH" sz="1600" u="sng" dirty="0">
+                <a:solidFill>
+                  <a:schemeClr val="bg1"/>
+                </a:solidFill>
+                <a:latin typeface="Arial" panose="020B0604020202020204" pitchFamily="34" charset="0"/>
+                <a:cs typeface="Arial" panose="020B0604020202020204" pitchFamily="34" charset="0"/>
+              </a:rPr>
+              <a:t>March 26, 1997</a:t>
+            </a:r>
+          </a:p>
+        </p:txBody>
+      </p:sp>
+      <p:sp>
+        <p:nvSpPr>
+          <p:cNvPr id="29" name="TextBox 28"/>
+          <p:cNvSpPr txBox="1"/>
+          <p:nvPr/>
+        </p:nvSpPr>
+        <p:spPr>
+          <a:xfrm>
+            <a:off x="4830486" y="2867444"/>
+            <a:ext cx="379690" cy="338554"/>
+          </a:xfrm>
+          <a:prstGeom prst="rect">
+            <a:avLst/>
+          </a:prstGeom>
+          <a:noFill/>
+        </p:spPr>
+        <p:txBody>
+          <a:bodyPr wrap="square" rtlCol="0">
+            <a:spAutoFit/>
+          </a:bodyPr>
+          <a:lstStyle/>
+          <a:p>
+            <a:r>
+              <a:rPr lang="en-PH" sz="1600" dirty="0">
+                <a:solidFill>
+                  <a:schemeClr val="bg1"/>
+                </a:solidFill>
+                <a:latin typeface="Arial" panose="020B0604020202020204" pitchFamily="34" charset="0"/>
+                <a:cs typeface="Arial" panose="020B0604020202020204" pitchFamily="34" charset="0"/>
+              </a:rPr>
+              <a:t>1. </a:t>
+            </a:r>
+          </a:p>
+        </p:txBody>
+      </p:sp>
+      <p:sp>
+        <p:nvSpPr>
+          <p:cNvPr id="30" name="TextBox 29"/>
+          <p:cNvSpPr txBox="1"/>
+          <p:nvPr/>
+        </p:nvSpPr>
+        <p:spPr>
+          <a:xfrm>
+            <a:off x="4837371" y="3331786"/>
+            <a:ext cx="379690" cy="338554"/>
+          </a:xfrm>
+          <a:prstGeom prst="rect">
+            <a:avLst/>
+          </a:prstGeom>
+          <a:noFill/>
+        </p:spPr>
+        <p:txBody>
+          <a:bodyPr wrap="square" rtlCol="0">
+            <a:spAutoFit/>
+          </a:bodyPr>
+          <a:lstStyle/>
+          <a:p>
+            <a:r>
+              <a:rPr lang="en-PH" sz="1600" dirty="0">
+                <a:solidFill>
+                  <a:schemeClr val="bg1"/>
+                </a:solidFill>
+                <a:latin typeface="Arial" panose="020B0604020202020204" pitchFamily="34" charset="0"/>
+                <a:cs typeface="Arial" panose="020B0604020202020204" pitchFamily="34" charset="0"/>
+              </a:rPr>
+              <a:t>2.</a:t>
+            </a:r>
+          </a:p>
+        </p:txBody>
+      </p:sp>
+      <p:sp>
+        <p:nvSpPr>
+          <p:cNvPr id="32" name="TextBox 31"/>
+          <p:cNvSpPr txBox="1"/>
+          <p:nvPr/>
+        </p:nvSpPr>
+        <p:spPr>
+          <a:xfrm>
+            <a:off x="4839602" y="3796393"/>
+            <a:ext cx="379690" cy="338554"/>
+          </a:xfrm>
+          <a:prstGeom prst="rect">
+            <a:avLst/>
+          </a:prstGeom>
+          <a:noFill/>
+        </p:spPr>
+        <p:txBody>
+          <a:bodyPr wrap="square" rtlCol="0">
+            <a:spAutoFit/>
+          </a:bodyPr>
+          <a:lstStyle/>
+          <a:p>
+            <a:r>
+              <a:rPr lang="en-PH" sz="1600" dirty="0">
+                <a:solidFill>
+                  <a:schemeClr val="bg1"/>
+                </a:solidFill>
+                <a:latin typeface="Arial" panose="020B0604020202020204" pitchFamily="34" charset="0"/>
+                <a:cs typeface="Arial" panose="020B0604020202020204" pitchFamily="34" charset="0"/>
+              </a:rPr>
+              <a:t>3. </a:t>
+            </a:r>
+          </a:p>
+        </p:txBody>
+      </p:sp>
+      <p:sp>
+        <p:nvSpPr>
+          <p:cNvPr id="33" name="TextBox 32"/>
+          <p:cNvSpPr txBox="1"/>
+          <p:nvPr/>
+        </p:nvSpPr>
+        <p:spPr>
+          <a:xfrm>
+            <a:off x="4837371" y="4241024"/>
+            <a:ext cx="379690" cy="338554"/>
+          </a:xfrm>
+          <a:prstGeom prst="rect">
+            <a:avLst/>
+          </a:prstGeom>
+          <a:noFill/>
+        </p:spPr>
+        <p:txBody>
+          <a:bodyPr wrap="square" rtlCol="0">
+            <a:spAutoFit/>
+          </a:bodyPr>
+          <a:lstStyle/>
+          <a:p>
+            <a:r>
+              <a:rPr lang="en-PH" sz="1600" dirty="0">
+                <a:solidFill>
+                  <a:schemeClr val="bg1"/>
+                </a:solidFill>
+                <a:latin typeface="Arial" panose="020B0604020202020204" pitchFamily="34" charset="0"/>
+                <a:cs typeface="Arial" panose="020B0604020202020204" pitchFamily="34" charset="0"/>
+              </a:rPr>
+              <a:t>4. </a:t>
+            </a:r>
+          </a:p>
+        </p:txBody>
+      </p:sp>
+      <p:sp>
+        <p:nvSpPr>
+          <p:cNvPr id="35" name="TextBox 34"/>
+          <p:cNvSpPr txBox="1"/>
+          <p:nvPr/>
+        </p:nvSpPr>
+        <p:spPr>
+          <a:xfrm>
+            <a:off x="4837371" y="4695026"/>
+            <a:ext cx="379690" cy="338554"/>
+          </a:xfrm>
+          <a:prstGeom prst="rect">
+            <a:avLst/>
+          </a:prstGeom>
+          <a:noFill/>
+        </p:spPr>
+        <p:txBody>
+          <a:bodyPr wrap="square" rtlCol="0">
+            <a:spAutoFit/>
+          </a:bodyPr>
+          <a:lstStyle/>
+          <a:p>
+            <a:r>
+              <a:rPr lang="en-PH" sz="1600" dirty="0">
+                <a:solidFill>
+                  <a:schemeClr val="bg1"/>
+                </a:solidFill>
+                <a:latin typeface="Arial" panose="020B0604020202020204" pitchFamily="34" charset="0"/>
+                <a:cs typeface="Arial" panose="020B0604020202020204" pitchFamily="34" charset="0"/>
+              </a:rPr>
+              <a:t>5. </a:t>
+            </a:r>
+          </a:p>
+        </p:txBody>
+      </p:sp>
+      <p:sp>
+        <p:nvSpPr>
+          <p:cNvPr id="37" name="TextBox 36"/>
+          <p:cNvSpPr txBox="1"/>
+          <p:nvPr/>
+        </p:nvSpPr>
+        <p:spPr>
+          <a:xfrm>
+            <a:off x="4837371" y="5145015"/>
+            <a:ext cx="379690" cy="338554"/>
+          </a:xfrm>
+          <a:prstGeom prst="rect">
+            <a:avLst/>
+          </a:prstGeom>
+          <a:noFill/>
+        </p:spPr>
+        <p:txBody>
+          <a:bodyPr wrap="square" rtlCol="0">
+            <a:spAutoFit/>
+          </a:bodyPr>
+          <a:lstStyle/>
+          <a:p>
+            <a:r>
+              <a:rPr lang="en-PH" sz="1600" dirty="0">
+                <a:solidFill>
+                  <a:schemeClr val="bg1"/>
+                </a:solidFill>
+                <a:latin typeface="Arial" panose="020B0604020202020204" pitchFamily="34" charset="0"/>
+                <a:cs typeface="Arial" panose="020B0604020202020204" pitchFamily="34" charset="0"/>
+              </a:rPr>
+              <a:t>6. </a:t>
+            </a:r>
+          </a:p>
+        </p:txBody>
+      </p:sp>
+      <p:sp>
+        <p:nvSpPr>
+          <p:cNvPr id="44" name="TextBox 43"/>
+          <p:cNvSpPr txBox="1"/>
+          <p:nvPr/>
+        </p:nvSpPr>
+        <p:spPr>
+          <a:xfrm>
+            <a:off x="4837371" y="5603030"/>
+            <a:ext cx="379690" cy="338554"/>
+          </a:xfrm>
+          <a:prstGeom prst="rect">
+            <a:avLst/>
+          </a:prstGeom>
+          <a:noFill/>
+        </p:spPr>
+        <p:txBody>
+          <a:bodyPr wrap="square" rtlCol="0">
+            <a:spAutoFit/>
+          </a:bodyPr>
+          <a:lstStyle/>
+          <a:p>
+            <a:r>
+              <a:rPr lang="en-PH" sz="1600" dirty="0">
+                <a:solidFill>
+                  <a:schemeClr val="bg1"/>
+                </a:solidFill>
+                <a:latin typeface="Arial" panose="020B0604020202020204" pitchFamily="34" charset="0"/>
+                <a:cs typeface="Arial" panose="020B0604020202020204" pitchFamily="34" charset="0"/>
+              </a:rPr>
+              <a:t>7. </a:t>
+            </a:r>
+          </a:p>
+        </p:txBody>
+      </p:sp>
+      <p:sp>
+        <p:nvSpPr>
+          <p:cNvPr id="48" name="TextBox 47"/>
+          <p:cNvSpPr txBox="1"/>
+          <p:nvPr/>
+        </p:nvSpPr>
+        <p:spPr>
+          <a:xfrm>
+            <a:off x="5277019" y="6055487"/>
+            <a:ext cx="2381075" cy="338554"/>
+          </a:xfrm>
+          <a:prstGeom prst="rect">
+            <a:avLst/>
+          </a:prstGeom>
+          <a:noFill/>
+        </p:spPr>
+        <p:txBody>
+          <a:bodyPr wrap="square" rtlCol="0">
+            <a:spAutoFit/>
+          </a:bodyPr>
+          <a:lstStyle/>
+          <a:p>
+            <a:r>
+              <a:rPr lang="en-PH" sz="1600" u="sng" dirty="0">
+                <a:solidFill>
+                  <a:schemeClr val="bg1"/>
+                </a:solidFill>
+                <a:latin typeface="Arial" panose="020B0604020202020204" pitchFamily="34" charset="0"/>
+                <a:cs typeface="Arial" panose="020B0604020202020204" pitchFamily="34" charset="0"/>
+              </a:rPr>
+              <a:t>March 10, 2090</a:t>
+            </a:r>
+          </a:p>
+        </p:txBody>
+      </p:sp>
+      <p:sp>
+        <p:nvSpPr>
+          <p:cNvPr id="49" name="TextBox 48"/>
+          <p:cNvSpPr txBox="1"/>
+          <p:nvPr/>
+        </p:nvSpPr>
+        <p:spPr>
+          <a:xfrm>
+            <a:off x="4837371" y="6055487"/>
+            <a:ext cx="379690" cy="338554"/>
+          </a:xfrm>
+          <a:prstGeom prst="rect">
+            <a:avLst/>
+          </a:prstGeom>
+          <a:noFill/>
+        </p:spPr>
+        <p:txBody>
+          <a:bodyPr wrap="square" rtlCol="0">
+            <a:spAutoFit/>
+          </a:bodyPr>
+          <a:lstStyle/>
+          <a:p>
+            <a:r>
+              <a:rPr lang="en-PH" sz="1600" dirty="0">
+                <a:solidFill>
+                  <a:schemeClr val="bg1"/>
+                </a:solidFill>
+                <a:latin typeface="Arial" panose="020B0604020202020204" pitchFamily="34" charset="0"/>
+                <a:cs typeface="Arial" panose="020B0604020202020204" pitchFamily="34" charset="0"/>
+              </a:rPr>
+              <a:t>8 </a:t>
+            </a:r>
+          </a:p>
+        </p:txBody>
+      </p:sp>
+    </p:spTree>
+    <p:extLst>
+      <p:ext uri="{BB962C8B-B14F-4D97-AF65-F5344CB8AC3E}">
+        <p14:creationId xmlns:p14="http://schemas.microsoft.com/office/powerpoint/2010/main" val="2261557444"/>
+      </p:ext>
+    </p:extLst>
+  </p:cSld>
+  <p:clrMapOvr>
+    <a:masterClrMapping/>
+  </p:clrMapOvr>
+  <mc:AlternateContent xmlns:mc="http://schemas.openxmlformats.org/markup-compatibility/2006" xmlns:p14="http://schemas.microsoft.com/office/powerpoint/2010/main">
+    <mc:Choice Requires="p14">
+      <p:transition spd="slow" p14:dur="1600">
+        <p14:prism isInverted="1"/>
+      </p:transition>
+    </mc:Choice>
+    <mc:Fallback xmlns="">
+      <p:transition spd="slow">
+        <p:fade/>
+      </p:transition>
+    </mc:Fallback>
+  </mc:AlternateContent>
+</p:sld>
+</file>
+
 <file path=ppt/slides/slide2.xml><?xml version="1.0" encoding="utf-8"?>
 <p:sld xmlns:a="http://schemas.openxmlformats.org/drawingml/2006/main" xmlns:r="http://schemas.openxmlformats.org/officeDocument/2006/relationships" xmlns:p="http://schemas.openxmlformats.org/presentationml/2006/main">
   <p:cSld>
@@ -7079,26 +8021,53 @@
           </a:p>
         </p:txBody>
       </p:sp>
+      <p:sp>
+        <p:nvSpPr>
+          <p:cNvPr id="3" name="TextBox 2"/>
+          <p:cNvSpPr txBox="1"/>
+          <p:nvPr/>
+        </p:nvSpPr>
+        <p:spPr>
+          <a:xfrm>
+            <a:off x="1817740" y="3655207"/>
+            <a:ext cx="2489200" cy="646331"/>
+          </a:xfrm>
+          <a:prstGeom prst="rect">
+            <a:avLst/>
+          </a:prstGeom>
+          <a:noFill/>
+        </p:spPr>
+        <p:txBody>
+          <a:bodyPr wrap="square" rtlCol="0">
+            <a:spAutoFit/>
+          </a:bodyPr>
+          <a:lstStyle/>
+          <a:p>
+            <a:r>
+              <a:rPr lang="en-PH" dirty="0"/>
+              <a:t>User needs to put the username and password </a:t>
+            </a:r>
+          </a:p>
+        </p:txBody>
+      </p:sp>
       <p:cxnSp>
         <p:nvCxnSpPr>
-          <p:cNvPr id="24" name="Straight Arrow Connector 23"/>
-          <p:cNvCxnSpPr/>
+          <p:cNvPr id="14" name="Straight Arrow Connector 13"/>
+          <p:cNvCxnSpPr>
+            <a:stCxn id="3" idx="3"/>
+            <a:endCxn id="12" idx="1"/>
+          </p:cNvCxnSpPr>
           <p:nvPr/>
         </p:nvCxnSpPr>
         <p:spPr>
-          <a:xfrm flipH="1">
-            <a:off x="8600762" y="1981200"/>
-            <a:ext cx="1698938" cy="1308100"/>
+          <a:xfrm flipV="1">
+            <a:off x="4306940" y="3682022"/>
+            <a:ext cx="831194" cy="296351"/>
           </a:xfrm>
           <a:prstGeom prst="straightConnector1">
             <a:avLst/>
           </a:prstGeom>
-          <a:ln w="19050" cap="flat" cmpd="sng" algn="ctr">
-            <a:solidFill>
-              <a:schemeClr val="accent4"/>
-            </a:solidFill>
-            <a:prstDash val="solid"/>
-            <a:round/>
+          <a:ln w="19050">
             <a:headEnd type="none" w="med" len="med"/>
             <a:tailEnd type="arrow" w="med" len="med"/>
           </a:ln>
@@ -7111,14 +8080,127 @@
           </a:effectLst>
         </p:spPr>
         <p:style>
-          <a:lnRef idx="0">
-            <a:scrgbClr r="0" g="0" b="0"/>
+          <a:lnRef idx="3">
+            <a:schemeClr val="accent4"/>
           </a:lnRef>
           <a:fillRef idx="0">
-            <a:scrgbClr r="0" g="0" b="0"/>
+            <a:schemeClr val="accent4"/>
           </a:fillRef>
-          <a:effectRef idx="0">
-            <a:scrgbClr r="0" g="0" b="0"/>
+          <a:effectRef idx="2">
+            <a:schemeClr val="accent4"/>
+          </a:effectRef>
+          <a:fontRef idx="minor">
+            <a:schemeClr val="tx1"/>
+          </a:fontRef>
+        </p:style>
+      </p:cxnSp>
+      <p:cxnSp>
+        <p:nvCxnSpPr>
+          <p:cNvPr id="22" name="Straight Arrow Connector 21"/>
+          <p:cNvCxnSpPr>
+            <a:stCxn id="3" idx="3"/>
+          </p:cNvCxnSpPr>
+          <p:nvPr/>
+        </p:nvCxnSpPr>
+        <p:spPr>
+          <a:xfrm>
+            <a:off x="4306940" y="3978373"/>
+            <a:ext cx="831194" cy="323165"/>
+          </a:xfrm>
+          <a:prstGeom prst="straightConnector1">
+            <a:avLst/>
+          </a:prstGeom>
+          <a:ln w="19050">
+            <a:headEnd type="none" w="med" len="med"/>
+            <a:tailEnd type="arrow" w="med" len="med"/>
+          </a:ln>
+          <a:effectLst>
+            <a:outerShdw blurRad="50800" dist="38100" dir="5400000" algn="t" rotWithShape="0">
+              <a:prstClr val="black">
+                <a:alpha val="40000"/>
+              </a:prstClr>
+            </a:outerShdw>
+          </a:effectLst>
+        </p:spPr>
+        <p:style>
+          <a:lnRef idx="3">
+            <a:schemeClr val="accent4"/>
+          </a:lnRef>
+          <a:fillRef idx="0">
+            <a:schemeClr val="accent4"/>
+          </a:fillRef>
+          <a:effectRef idx="2">
+            <a:schemeClr val="accent4"/>
+          </a:effectRef>
+          <a:fontRef idx="minor">
+            <a:schemeClr val="tx1"/>
+          </a:fontRef>
+        </p:style>
+      </p:cxnSp>
+      <p:sp>
+        <p:nvSpPr>
+          <p:cNvPr id="25" name="TextBox 24"/>
+          <p:cNvSpPr txBox="1"/>
+          <p:nvPr/>
+        </p:nvSpPr>
+        <p:spPr>
+          <a:xfrm>
+            <a:off x="1817740" y="5242292"/>
+            <a:ext cx="2489200" cy="923330"/>
+          </a:xfrm>
+          <a:prstGeom prst="rect">
+            <a:avLst/>
+          </a:prstGeom>
+          <a:noFill/>
+        </p:spPr>
+        <p:txBody>
+          <a:bodyPr wrap="square" rtlCol="0">
+            <a:spAutoFit/>
+          </a:bodyPr>
+          <a:lstStyle/>
+          <a:p>
+            <a:r>
+              <a:rPr lang="en-PH" dirty="0"/>
+              <a:t>If the user do not have an account yet, he needs to sign up first</a:t>
+            </a:r>
+          </a:p>
+        </p:txBody>
+      </p:sp>
+      <p:cxnSp>
+        <p:nvCxnSpPr>
+          <p:cNvPr id="26" name="Straight Arrow Connector 25"/>
+          <p:cNvCxnSpPr/>
+          <p:nvPr/>
+        </p:nvCxnSpPr>
+        <p:spPr>
+          <a:xfrm>
+            <a:off x="4161478" y="5691554"/>
+            <a:ext cx="1509660" cy="301640"/>
+          </a:xfrm>
+          <a:prstGeom prst="straightConnector1">
+            <a:avLst/>
+          </a:prstGeom>
+          <a:ln w="19050">
+            <a:headEnd type="none" w="med" len="med"/>
+            <a:tailEnd type="arrow" w="med" len="med"/>
+          </a:ln>
+          <a:effectLst>
+            <a:outerShdw blurRad="50800" dist="38100" dir="5400000" algn="t" rotWithShape="0">
+              <a:prstClr val="black">
+                <a:alpha val="40000"/>
+              </a:prstClr>
+            </a:outerShdw>
+          </a:effectLst>
+        </p:spPr>
+        <p:style>
+          <a:lnRef idx="3">
+            <a:schemeClr val="accent4"/>
+          </a:lnRef>
+          <a:fillRef idx="0">
+            <a:schemeClr val="accent4"/>
+          </a:fillRef>
+          <a:effectRef idx="2">
+            <a:schemeClr val="accent4"/>
           </a:effectRef>
           <a:fontRef idx="minor">
             <a:schemeClr val="tx1"/>
@@ -7722,26 +8804,50 @@
           </a:prstGeom>
         </p:spPr>
       </p:pic>
+      <p:sp>
+        <p:nvSpPr>
+          <p:cNvPr id="21" name="TextBox 20"/>
+          <p:cNvSpPr txBox="1"/>
+          <p:nvPr/>
+        </p:nvSpPr>
+        <p:spPr>
+          <a:xfrm>
+            <a:off x="1179996" y="3653045"/>
+            <a:ext cx="2489200" cy="1200329"/>
+          </a:xfrm>
+          <a:prstGeom prst="rect">
+            <a:avLst/>
+          </a:prstGeom>
+          <a:noFill/>
+        </p:spPr>
+        <p:txBody>
+          <a:bodyPr wrap="square" rtlCol="0">
+            <a:spAutoFit/>
+          </a:bodyPr>
+          <a:lstStyle/>
+          <a:p>
+            <a:r>
+              <a:rPr lang="en-PH" dirty="0"/>
+              <a:t>The user needs to provide name, username, password and email.</a:t>
+            </a:r>
+          </a:p>
+        </p:txBody>
+      </p:sp>
       <p:cxnSp>
         <p:nvCxnSpPr>
-          <p:cNvPr id="22" name="Straight Arrow Connector 21"/>
+          <p:cNvPr id="23" name="Straight Arrow Connector 22"/>
           <p:cNvCxnSpPr/>
           <p:nvPr/>
         </p:nvCxnSpPr>
         <p:spPr>
-          <a:xfrm flipH="1">
-            <a:off x="8600762" y="1981200"/>
-            <a:ext cx="1698938" cy="1308100"/>
+          <a:xfrm flipV="1">
+            <a:off x="3669196" y="3543300"/>
+            <a:ext cx="1468306" cy="438888"/>
           </a:xfrm>
           <a:prstGeom prst="straightConnector1">
             <a:avLst/>
           </a:prstGeom>
-          <a:ln w="19050" cap="flat" cmpd="sng" algn="ctr">
-            <a:solidFill>
-              <a:schemeClr val="accent4"/>
-            </a:solidFill>
-            <a:prstDash val="solid"/>
-            <a:round/>
+          <a:ln w="19050">
             <a:headEnd type="none" w="med" len="med"/>
             <a:tailEnd type="arrow" w="med" len="med"/>
           </a:ln>
@@ -7754,14 +8860,139 @@
           </a:effectLst>
         </p:spPr>
         <p:style>
-          <a:lnRef idx="0">
-            <a:scrgbClr r="0" g="0" b="0"/>
+          <a:lnRef idx="3">
+            <a:schemeClr val="accent4"/>
           </a:lnRef>
           <a:fillRef idx="0">
-            <a:scrgbClr r="0" g="0" b="0"/>
+            <a:schemeClr val="accent4"/>
           </a:fillRef>
-          <a:effectRef idx="0">
-            <a:scrgbClr r="0" g="0" b="0"/>
+          <a:effectRef idx="2">
+            <a:schemeClr val="accent4"/>
+          </a:effectRef>
+          <a:fontRef idx="minor">
+            <a:schemeClr val="tx1"/>
+          </a:fontRef>
+        </p:style>
+      </p:cxnSp>
+      <p:cxnSp>
+        <p:nvCxnSpPr>
+          <p:cNvPr id="24" name="Straight Arrow Connector 23"/>
+          <p:cNvCxnSpPr/>
+          <p:nvPr/>
+        </p:nvCxnSpPr>
+        <p:spPr>
+          <a:xfrm>
+            <a:off x="3648082" y="4014288"/>
+            <a:ext cx="1489420" cy="89564"/>
+          </a:xfrm>
+          <a:prstGeom prst="straightConnector1">
+            <a:avLst/>
+          </a:prstGeom>
+          <a:ln w="19050">
+            <a:headEnd type="none" w="med" len="med"/>
+            <a:tailEnd type="arrow" w="med" len="med"/>
+          </a:ln>
+          <a:effectLst>
+            <a:outerShdw blurRad="50800" dist="38100" dir="5400000" algn="t" rotWithShape="0">
+              <a:prstClr val="black">
+                <a:alpha val="40000"/>
+              </a:prstClr>
+            </a:outerShdw>
+          </a:effectLst>
+        </p:spPr>
+        <p:style>
+          <a:lnRef idx="3">
+            <a:schemeClr val="accent4"/>
+          </a:lnRef>
+          <a:fillRef idx="0">
+            <a:schemeClr val="accent4"/>
+          </a:fillRef>
+          <a:effectRef idx="2">
+            <a:schemeClr val="accent4"/>
+          </a:effectRef>
+          <a:fontRef idx="minor">
+            <a:schemeClr val="tx1"/>
+          </a:fontRef>
+        </p:style>
+      </p:cxnSp>
+      <p:cxnSp>
+        <p:nvCxnSpPr>
+          <p:cNvPr id="29" name="Straight Arrow Connector 28"/>
+          <p:cNvCxnSpPr/>
+          <p:nvPr/>
+        </p:nvCxnSpPr>
+        <p:spPr>
+          <a:xfrm>
+            <a:off x="3648082" y="4103852"/>
+            <a:ext cx="1489420" cy="633248"/>
+          </a:xfrm>
+          <a:prstGeom prst="straightConnector1">
+            <a:avLst/>
+          </a:prstGeom>
+          <a:ln w="19050">
+            <a:headEnd type="none" w="med" len="med"/>
+            <a:tailEnd type="arrow" w="med" len="med"/>
+          </a:ln>
+          <a:effectLst>
+            <a:outerShdw blurRad="50800" dist="38100" dir="5400000" algn="t" rotWithShape="0">
+              <a:prstClr val="black">
+                <a:alpha val="40000"/>
+              </a:prstClr>
+            </a:outerShdw>
+          </a:effectLst>
+        </p:spPr>
+        <p:style>
+          <a:lnRef idx="3">
+            <a:schemeClr val="accent4"/>
+          </a:lnRef>
+          <a:fillRef idx="0">
+            <a:schemeClr val="accent4"/>
+          </a:fillRef>
+          <a:effectRef idx="2">
+            <a:schemeClr val="accent4"/>
+          </a:effectRef>
+          <a:fontRef idx="minor">
+            <a:schemeClr val="tx1"/>
+          </a:fontRef>
+        </p:style>
+      </p:cxnSp>
+      <p:cxnSp>
+        <p:nvCxnSpPr>
+          <p:cNvPr id="32" name="Straight Arrow Connector 31"/>
+          <p:cNvCxnSpPr>
+            <a:stCxn id="21" idx="3"/>
+          </p:cNvCxnSpPr>
+          <p:nvPr/>
+        </p:nvCxnSpPr>
+        <p:spPr>
+          <a:xfrm>
+            <a:off x="3669196" y="4253210"/>
+            <a:ext cx="1468306" cy="1093490"/>
+          </a:xfrm>
+          <a:prstGeom prst="straightConnector1">
+            <a:avLst/>
+          </a:prstGeom>
+          <a:ln w="19050">
+            <a:headEnd type="none" w="med" len="med"/>
+            <a:tailEnd type="arrow" w="med" len="med"/>
+          </a:ln>
+          <a:effectLst>
+            <a:outerShdw blurRad="50800" dist="38100" dir="5400000" algn="t" rotWithShape="0">
+              <a:prstClr val="black">
+                <a:alpha val="40000"/>
+              </a:prstClr>
+            </a:outerShdw>
+          </a:effectLst>
+        </p:spPr>
+        <p:style>
+          <a:lnRef idx="3">
+            <a:schemeClr val="accent4"/>
+          </a:lnRef>
+          <a:fillRef idx="0">
+            <a:schemeClr val="accent4"/>
+          </a:fillRef>
+          <a:effectRef idx="2">
+            <a:schemeClr val="accent4"/>
           </a:effectRef>
           <a:fontRef idx="minor">
             <a:schemeClr val="tx1"/>
@@ -8068,52 +9299,6 @@
           </a:fontRef>
         </p:style>
       </p:cxnSp>
-      <p:cxnSp>
-        <p:nvCxnSpPr>
-          <p:cNvPr id="22" name="Straight Arrow Connector 21"/>
-          <p:cNvCxnSpPr/>
-          <p:nvPr/>
-        </p:nvCxnSpPr>
-        <p:spPr>
-          <a:xfrm flipH="1">
-            <a:off x="8600762" y="1981200"/>
-            <a:ext cx="1698938" cy="1308100"/>
-          </a:xfrm>
-          <a:prstGeom prst="straightConnector1">
-            <a:avLst/>
-          </a:prstGeom>
-          <a:ln w="19050" cap="flat" cmpd="sng" algn="ctr">
-            <a:solidFill>
-              <a:schemeClr val="accent4"/>
-            </a:solidFill>
-            <a:prstDash val="solid"/>
-            <a:round/>
-            <a:headEnd type="none" w="med" len="med"/>
-            <a:tailEnd type="arrow" w="med" len="med"/>
-          </a:ln>
-          <a:effectLst>
-            <a:outerShdw blurRad="50800" dist="38100" dir="5400000" algn="t" rotWithShape="0">
-              <a:prstClr val="black">
-                <a:alpha val="40000"/>
-              </a:prstClr>
-            </a:outerShdw>
-          </a:effectLst>
-        </p:spPr>
-        <p:style>
-          <a:lnRef idx="0">
-            <a:scrgbClr r="0" g="0" b="0"/>
-          </a:lnRef>
-          <a:fillRef idx="0">
-            <a:scrgbClr r="0" g="0" b="0"/>
-          </a:fillRef>
-          <a:effectRef idx="0">
-            <a:scrgbClr r="0" g="0" b="0"/>
-          </a:effectRef>
-          <a:fontRef idx="minor">
-            <a:schemeClr val="tx1"/>
-          </a:fontRef>
-        </p:style>
-      </p:cxnSp>
       <p:sp>
         <p:nvSpPr>
           <p:cNvPr id="21" name="Rounded Rectangle 20"/>
@@ -8566,10 +9751,2344 @@
           </a:p>
         </p:txBody>
       </p:sp>
+      <p:sp>
+        <p:nvSpPr>
+          <p:cNvPr id="20" name="TextBox 19"/>
+          <p:cNvSpPr txBox="1"/>
+          <p:nvPr/>
+        </p:nvSpPr>
+        <p:spPr>
+          <a:xfrm>
+            <a:off x="1231900" y="2986150"/>
+            <a:ext cx="2895639" cy="646331"/>
+          </a:xfrm>
+          <a:prstGeom prst="rect">
+            <a:avLst/>
+          </a:prstGeom>
+          <a:noFill/>
+        </p:spPr>
+        <p:txBody>
+          <a:bodyPr wrap="square" rtlCol="0">
+            <a:spAutoFit/>
+          </a:bodyPr>
+          <a:lstStyle/>
+          <a:p>
+            <a:r>
+              <a:rPr lang="en-PH" dirty="0"/>
+              <a:t>In sales, user can input sales and can view the list of sales</a:t>
+            </a:r>
+          </a:p>
+        </p:txBody>
+      </p:sp>
+      <p:cxnSp>
+        <p:nvCxnSpPr>
+          <p:cNvPr id="25" name="Straight Arrow Connector 24"/>
+          <p:cNvCxnSpPr>
+            <a:stCxn id="20" idx="3"/>
+          </p:cNvCxnSpPr>
+          <p:nvPr/>
+        </p:nvCxnSpPr>
+        <p:spPr>
+          <a:xfrm>
+            <a:off x="4127539" y="3309316"/>
+            <a:ext cx="1406306" cy="208584"/>
+          </a:xfrm>
+          <a:prstGeom prst="straightConnector1">
+            <a:avLst/>
+          </a:prstGeom>
+          <a:ln w="19050">
+            <a:headEnd type="none" w="med" len="med"/>
+            <a:tailEnd type="arrow" w="med" len="med"/>
+          </a:ln>
+          <a:effectLst>
+            <a:outerShdw blurRad="50800" dist="38100" dir="5400000" algn="t" rotWithShape="0">
+              <a:prstClr val="black">
+                <a:alpha val="40000"/>
+              </a:prstClr>
+            </a:outerShdw>
+          </a:effectLst>
+        </p:spPr>
+        <p:style>
+          <a:lnRef idx="3">
+            <a:schemeClr val="accent4"/>
+          </a:lnRef>
+          <a:fillRef idx="0">
+            <a:schemeClr val="accent4"/>
+          </a:fillRef>
+          <a:effectRef idx="2">
+            <a:schemeClr val="accent4"/>
+          </a:effectRef>
+          <a:fontRef idx="minor">
+            <a:schemeClr val="tx1"/>
+          </a:fontRef>
+        </p:style>
+      </p:cxnSp>
+      <p:sp>
+        <p:nvSpPr>
+          <p:cNvPr id="27" name="TextBox 26"/>
+          <p:cNvSpPr txBox="1"/>
+          <p:nvPr/>
+        </p:nvSpPr>
+        <p:spPr>
+          <a:xfrm>
+            <a:off x="8808323" y="3616270"/>
+            <a:ext cx="2895639" cy="923330"/>
+          </a:xfrm>
+          <a:prstGeom prst="rect">
+            <a:avLst/>
+          </a:prstGeom>
+          <a:noFill/>
+        </p:spPr>
+        <p:txBody>
+          <a:bodyPr wrap="square" rtlCol="0">
+            <a:spAutoFit/>
+          </a:bodyPr>
+          <a:lstStyle/>
+          <a:p>
+            <a:r>
+              <a:rPr lang="en-PH" dirty="0"/>
+              <a:t>In products, user can input products and can view the list of products</a:t>
+            </a:r>
+          </a:p>
+        </p:txBody>
+      </p:sp>
+      <p:cxnSp>
+        <p:nvCxnSpPr>
+          <p:cNvPr id="12" name="Straight Arrow Connector 11"/>
+          <p:cNvCxnSpPr>
+            <a:stCxn id="27" idx="1"/>
+            <a:endCxn id="23" idx="3"/>
+          </p:cNvCxnSpPr>
+          <p:nvPr/>
+        </p:nvCxnSpPr>
+        <p:spPr>
+          <a:xfrm flipH="1">
+            <a:off x="7466935" y="4077935"/>
+            <a:ext cx="1341388" cy="70696"/>
+          </a:xfrm>
+          <a:prstGeom prst="straightConnector1">
+            <a:avLst/>
+          </a:prstGeom>
+          <a:ln w="19050">
+            <a:solidFill>
+              <a:schemeClr val="accent4"/>
+            </a:solidFill>
+            <a:headEnd type="none" w="med" len="med"/>
+            <a:tailEnd type="arrow" w="med" len="med"/>
+          </a:ln>
+          <a:effectLst>
+            <a:outerShdw blurRad="50800" dist="38100" dir="5400000" algn="t" rotWithShape="0">
+              <a:prstClr val="black">
+                <a:alpha val="40000"/>
+              </a:prstClr>
+            </a:outerShdw>
+          </a:effectLst>
+        </p:spPr>
+        <p:style>
+          <a:lnRef idx="1">
+            <a:schemeClr val="accent1"/>
+          </a:lnRef>
+          <a:fillRef idx="0">
+            <a:schemeClr val="accent1"/>
+          </a:fillRef>
+          <a:effectRef idx="0">
+            <a:schemeClr val="accent1"/>
+          </a:effectRef>
+          <a:fontRef idx="minor">
+            <a:schemeClr val="tx1"/>
+          </a:fontRef>
+        </p:style>
+      </p:cxnSp>
+      <p:sp>
+        <p:nvSpPr>
+          <p:cNvPr id="31" name="TextBox 30"/>
+          <p:cNvSpPr txBox="1"/>
+          <p:nvPr/>
+        </p:nvSpPr>
+        <p:spPr>
+          <a:xfrm>
+            <a:off x="1231900" y="4455585"/>
+            <a:ext cx="2895639" cy="923330"/>
+          </a:xfrm>
+          <a:prstGeom prst="rect">
+            <a:avLst/>
+          </a:prstGeom>
+          <a:noFill/>
+        </p:spPr>
+        <p:txBody>
+          <a:bodyPr wrap="square" rtlCol="0">
+            <a:spAutoFit/>
+          </a:bodyPr>
+          <a:lstStyle/>
+          <a:p>
+            <a:r>
+              <a:rPr lang="en-PH" dirty="0"/>
+              <a:t>In graph, user can view the graph of profits, least and most purchased products</a:t>
+            </a:r>
+          </a:p>
+        </p:txBody>
+      </p:sp>
+      <p:cxnSp>
+        <p:nvCxnSpPr>
+          <p:cNvPr id="33" name="Straight Arrow Connector 32"/>
+          <p:cNvCxnSpPr>
+            <a:stCxn id="31" idx="3"/>
+            <a:endCxn id="24" idx="1"/>
+          </p:cNvCxnSpPr>
+          <p:nvPr/>
+        </p:nvCxnSpPr>
+        <p:spPr>
+          <a:xfrm flipV="1">
+            <a:off x="4127539" y="4778751"/>
+            <a:ext cx="1406306" cy="138499"/>
+          </a:xfrm>
+          <a:prstGeom prst="straightConnector1">
+            <a:avLst/>
+          </a:prstGeom>
+          <a:ln w="19050">
+            <a:headEnd type="none" w="med" len="med"/>
+            <a:tailEnd type="arrow" w="med" len="med"/>
+          </a:ln>
+          <a:effectLst>
+            <a:outerShdw blurRad="50800" dist="38100" dir="5400000" algn="t" rotWithShape="0">
+              <a:prstClr val="black">
+                <a:alpha val="40000"/>
+              </a:prstClr>
+            </a:outerShdw>
+          </a:effectLst>
+        </p:spPr>
+        <p:style>
+          <a:lnRef idx="3">
+            <a:schemeClr val="accent4"/>
+          </a:lnRef>
+          <a:fillRef idx="0">
+            <a:schemeClr val="accent4"/>
+          </a:fillRef>
+          <a:effectRef idx="2">
+            <a:schemeClr val="accent4"/>
+          </a:effectRef>
+          <a:fontRef idx="minor">
+            <a:schemeClr val="tx1"/>
+          </a:fontRef>
+        </p:style>
+      </p:cxnSp>
+      <p:sp>
+        <p:nvSpPr>
+          <p:cNvPr id="34" name="TextBox 33"/>
+          <p:cNvSpPr txBox="1"/>
+          <p:nvPr/>
+        </p:nvSpPr>
+        <p:spPr>
+          <a:xfrm>
+            <a:off x="8809316" y="5088753"/>
+            <a:ext cx="2895639" cy="646331"/>
+          </a:xfrm>
+          <a:prstGeom prst="rect">
+            <a:avLst/>
+          </a:prstGeom>
+          <a:noFill/>
+        </p:spPr>
+        <p:txBody>
+          <a:bodyPr wrap="square" rtlCol="0">
+            <a:spAutoFit/>
+          </a:bodyPr>
+          <a:lstStyle/>
+          <a:p>
+            <a:r>
+              <a:rPr lang="en-PH" dirty="0"/>
+              <a:t>In sales, user can view the expenses</a:t>
+            </a:r>
+          </a:p>
+        </p:txBody>
+      </p:sp>
+      <p:cxnSp>
+        <p:nvCxnSpPr>
+          <p:cNvPr id="35" name="Straight Arrow Connector 34"/>
+          <p:cNvCxnSpPr>
+            <a:stCxn id="34" idx="1"/>
+            <a:endCxn id="28" idx="3"/>
+          </p:cNvCxnSpPr>
+          <p:nvPr/>
+        </p:nvCxnSpPr>
+        <p:spPr>
+          <a:xfrm flipH="1">
+            <a:off x="7466932" y="5411919"/>
+            <a:ext cx="1342384" cy="8790"/>
+          </a:xfrm>
+          <a:prstGeom prst="straightConnector1">
+            <a:avLst/>
+          </a:prstGeom>
+          <a:ln w="19050">
+            <a:solidFill>
+              <a:schemeClr val="accent4"/>
+            </a:solidFill>
+            <a:headEnd type="none" w="med" len="med"/>
+            <a:tailEnd type="arrow" w="med" len="med"/>
+          </a:ln>
+          <a:effectLst>
+            <a:outerShdw blurRad="50800" dist="38100" dir="5400000" algn="t" rotWithShape="0">
+              <a:prstClr val="black">
+                <a:alpha val="40000"/>
+              </a:prstClr>
+            </a:outerShdw>
+          </a:effectLst>
+        </p:spPr>
+        <p:style>
+          <a:lnRef idx="1">
+            <a:schemeClr val="accent1"/>
+          </a:lnRef>
+          <a:fillRef idx="0">
+            <a:schemeClr val="accent1"/>
+          </a:fillRef>
+          <a:effectRef idx="0">
+            <a:schemeClr val="accent1"/>
+          </a:effectRef>
+          <a:fontRef idx="minor">
+            <a:schemeClr val="tx1"/>
+          </a:fontRef>
+        </p:style>
+      </p:cxnSp>
+      <p:sp>
+        <p:nvSpPr>
+          <p:cNvPr id="37" name="TextBox 36"/>
+          <p:cNvSpPr txBox="1"/>
+          <p:nvPr/>
+        </p:nvSpPr>
+        <p:spPr>
+          <a:xfrm>
+            <a:off x="1697108" y="5922906"/>
+            <a:ext cx="2430432" cy="369332"/>
+          </a:xfrm>
+          <a:prstGeom prst="rect">
+            <a:avLst/>
+          </a:prstGeom>
+          <a:noFill/>
+        </p:spPr>
+        <p:txBody>
+          <a:bodyPr wrap="square" rtlCol="0">
+            <a:spAutoFit/>
+          </a:bodyPr>
+          <a:lstStyle/>
+          <a:p>
+            <a:r>
+              <a:rPr lang="en-PH" dirty="0"/>
+              <a:t>If user wants to logout</a:t>
+            </a:r>
+          </a:p>
+        </p:txBody>
+      </p:sp>
+      <p:cxnSp>
+        <p:nvCxnSpPr>
+          <p:cNvPr id="38" name="Straight Arrow Connector 37"/>
+          <p:cNvCxnSpPr>
+            <a:stCxn id="37" idx="3"/>
+            <a:endCxn id="32" idx="1"/>
+          </p:cNvCxnSpPr>
+          <p:nvPr/>
+        </p:nvCxnSpPr>
+        <p:spPr>
+          <a:xfrm>
+            <a:off x="4127540" y="6107572"/>
+            <a:ext cx="1931828" cy="96546"/>
+          </a:xfrm>
+          <a:prstGeom prst="straightConnector1">
+            <a:avLst/>
+          </a:prstGeom>
+          <a:ln w="19050">
+            <a:headEnd type="none" w="med" len="med"/>
+            <a:tailEnd type="arrow" w="med" len="med"/>
+          </a:ln>
+          <a:effectLst>
+            <a:outerShdw blurRad="50800" dist="38100" dir="5400000" algn="t" rotWithShape="0">
+              <a:prstClr val="black">
+                <a:alpha val="40000"/>
+              </a:prstClr>
+            </a:outerShdw>
+          </a:effectLst>
+        </p:spPr>
+        <p:style>
+          <a:lnRef idx="3">
+            <a:schemeClr val="accent4"/>
+          </a:lnRef>
+          <a:fillRef idx="0">
+            <a:schemeClr val="accent4"/>
+          </a:fillRef>
+          <a:effectRef idx="2">
+            <a:schemeClr val="accent4"/>
+          </a:effectRef>
+          <a:fontRef idx="minor">
+            <a:schemeClr val="tx1"/>
+          </a:fontRef>
+        </p:style>
+      </p:cxnSp>
     </p:spTree>
     <p:extLst>
       <p:ext uri="{BB962C8B-B14F-4D97-AF65-F5344CB8AC3E}">
         <p14:creationId xmlns:p14="http://schemas.microsoft.com/office/powerpoint/2010/main" val="794207771"/>
+      </p:ext>
+    </p:extLst>
+  </p:cSld>
+  <p:clrMapOvr>
+    <a:masterClrMapping/>
+  </p:clrMapOvr>
+  <mc:AlternateContent xmlns:mc="http://schemas.openxmlformats.org/markup-compatibility/2006" xmlns:p14="http://schemas.microsoft.com/office/powerpoint/2010/main">
+    <mc:Choice Requires="p14">
+      <p:transition spd="slow" p14:dur="1600">
+        <p14:prism isInverted="1"/>
+      </p:transition>
+    </mc:Choice>
+    <mc:Fallback xmlns="">
+      <p:transition spd="slow">
+        <p:fade/>
+      </p:transition>
+    </mc:Fallback>
+  </mc:AlternateContent>
+</p:sld>
+</file>
+
+<file path=ppt/slides/slide8.xml><?xml version="1.0" encoding="utf-8"?>
+<p:sld xmlns:a="http://schemas.openxmlformats.org/drawingml/2006/main" xmlns:r="http://schemas.openxmlformats.org/officeDocument/2006/relationships" xmlns:p="http://schemas.openxmlformats.org/presentationml/2006/main">
+  <p:cSld>
+    <p:bg>
+      <p:bgPr>
+        <a:blipFill dpi="0" rotWithShape="1">
+          <a:blip r:embed="rId2">
+            <a:duotone>
+              <a:schemeClr val="bg2">
+                <a:shade val="76000"/>
+                <a:satMod val="180000"/>
+              </a:schemeClr>
+              <a:schemeClr val="bg2">
+                <a:tint val="80000"/>
+                <a:satMod val="120000"/>
+                <a:lumMod val="180000"/>
+              </a:schemeClr>
+            </a:duotone>
+            <a:lum/>
+          </a:blip>
+          <a:srcRect/>
+          <a:stretch>
+            <a:fillRect/>
+          </a:stretch>
+        </a:blipFill>
+        <a:effectLst/>
+      </p:bgPr>
+    </p:bg>
+    <p:spTree>
+      <p:nvGrpSpPr>
+        <p:cNvPr id="1" name=""/>
+        <p:cNvGrpSpPr/>
+        <p:nvPr/>
+      </p:nvGrpSpPr>
+      <p:grpSpPr>
+        <a:xfrm>
+          <a:off x="0" y="0"/>
+          <a:ext cx="0" cy="0"/>
+          <a:chOff x="0" y="0"/>
+          <a:chExt cx="0" cy="0"/>
+        </a:xfrm>
+      </p:grpSpPr>
+      <p:sp>
+        <p:nvSpPr>
+          <p:cNvPr id="2" name="Title 1"/>
+          <p:cNvSpPr>
+            <a:spLocks noGrp="1"/>
+          </p:cNvSpPr>
+          <p:nvPr>
+            <p:ph type="title"/>
+          </p:nvPr>
+        </p:nvSpPr>
+        <p:spPr>
+          <a:xfrm>
+            <a:off x="1512446" y="140680"/>
+            <a:ext cx="10018713" cy="1223887"/>
+          </a:xfrm>
+        </p:spPr>
+        <p:txBody>
+          <a:bodyPr/>
+          <a:lstStyle/>
+          <a:p>
+            <a:r>
+              <a:rPr lang="en-PH" b="1" dirty="0"/>
+              <a:t>Features (continued)</a:t>
+            </a:r>
+          </a:p>
+        </p:txBody>
+      </p:sp>
+      <p:sp>
+        <p:nvSpPr>
+          <p:cNvPr id="5" name="Rectangle 4"/>
+          <p:cNvSpPr/>
+          <p:nvPr/>
+        </p:nvSpPr>
+        <p:spPr>
+          <a:xfrm>
+            <a:off x="4777407" y="1353127"/>
+            <a:ext cx="3488788" cy="5162844"/>
+          </a:xfrm>
+          <a:prstGeom prst="rect">
+            <a:avLst/>
+          </a:prstGeom>
+          <a:solidFill>
+            <a:srgbClr val="1789A9"/>
+          </a:solidFill>
+          <a:ln>
+            <a:solidFill>
+              <a:srgbClr val="E38C59"/>
+            </a:solidFill>
+          </a:ln>
+        </p:spPr>
+        <p:style>
+          <a:lnRef idx="2">
+            <a:schemeClr val="accent1">
+              <a:shade val="50000"/>
+            </a:schemeClr>
+          </a:lnRef>
+          <a:fillRef idx="1">
+            <a:schemeClr val="accent1"/>
+          </a:fillRef>
+          <a:effectRef idx="0">
+            <a:schemeClr val="accent1"/>
+          </a:effectRef>
+          <a:fontRef idx="minor">
+            <a:schemeClr val="lt1"/>
+          </a:fontRef>
+        </p:style>
+        <p:txBody>
+          <a:bodyPr rtlCol="0" anchor="ctr"/>
+          <a:lstStyle/>
+          <a:p>
+            <a:pPr algn="ctr"/>
+            <a:endParaRPr lang="en-PH"/>
+          </a:p>
+        </p:txBody>
+      </p:sp>
+      <p:sp>
+        <p:nvSpPr>
+          <p:cNvPr id="6" name="TextBox 5"/>
+          <p:cNvSpPr txBox="1"/>
+          <p:nvPr/>
+        </p:nvSpPr>
+        <p:spPr>
+          <a:xfrm>
+            <a:off x="9555302" y="1355152"/>
+            <a:ext cx="2133600" cy="461665"/>
+          </a:xfrm>
+          <a:prstGeom prst="rect">
+            <a:avLst/>
+          </a:prstGeom>
+          <a:noFill/>
+        </p:spPr>
+        <p:txBody>
+          <a:bodyPr wrap="square" rtlCol="0">
+            <a:spAutoFit/>
+          </a:bodyPr>
+          <a:lstStyle/>
+          <a:p>
+            <a:r>
+              <a:rPr lang="en-PH" sz="2400" dirty="0"/>
+              <a:t>SALES PAGE</a:t>
+            </a:r>
+          </a:p>
+        </p:txBody>
+      </p:sp>
+      <p:sp>
+        <p:nvSpPr>
+          <p:cNvPr id="7" name="TextBox 6"/>
+          <p:cNvSpPr txBox="1"/>
+          <p:nvPr/>
+        </p:nvSpPr>
+        <p:spPr>
+          <a:xfrm>
+            <a:off x="5277025" y="1657674"/>
+            <a:ext cx="2489552" cy="461665"/>
+          </a:xfrm>
+          <a:prstGeom prst="rect">
+            <a:avLst/>
+          </a:prstGeom>
+          <a:noFill/>
+        </p:spPr>
+        <p:txBody>
+          <a:bodyPr wrap="square" rtlCol="0">
+            <a:spAutoFit/>
+          </a:bodyPr>
+          <a:lstStyle/>
+          <a:p>
+            <a:pPr algn="ctr"/>
+            <a:r>
+              <a:rPr lang="en-PH" sz="2400" b="1" dirty="0">
+                <a:solidFill>
+                  <a:schemeClr val="bg1"/>
+                </a:solidFill>
+                <a:latin typeface="Arial" panose="020B0604020202020204" pitchFamily="34" charset="0"/>
+                <a:cs typeface="Arial" panose="020B0604020202020204" pitchFamily="34" charset="0"/>
+              </a:rPr>
+              <a:t>ELOUS STORE</a:t>
+            </a:r>
+          </a:p>
+        </p:txBody>
+      </p:sp>
+      <p:pic>
+        <p:nvPicPr>
+          <p:cNvPr id="9" name="Picture 8"/>
+          <p:cNvPicPr>
+            <a:picLocks noChangeAspect="1"/>
+          </p:cNvPicPr>
+          <p:nvPr/>
+        </p:nvPicPr>
+        <p:blipFill>
+          <a:blip r:embed="rId3"/>
+          <a:stretch>
+            <a:fillRect/>
+          </a:stretch>
+        </p:blipFill>
+        <p:spPr>
+          <a:xfrm>
+            <a:off x="9555301" y="362098"/>
+            <a:ext cx="2133600" cy="781050"/>
+          </a:xfrm>
+          <a:prstGeom prst="rect">
+            <a:avLst/>
+          </a:prstGeom>
+        </p:spPr>
+      </p:pic>
+      <p:cxnSp>
+        <p:nvCxnSpPr>
+          <p:cNvPr id="20" name="Straight Connector 19"/>
+          <p:cNvCxnSpPr/>
+          <p:nvPr/>
+        </p:nvCxnSpPr>
+        <p:spPr>
+          <a:xfrm>
+            <a:off x="4833938" y="2295525"/>
+            <a:ext cx="3395662" cy="0"/>
+          </a:xfrm>
+          <a:prstGeom prst="line">
+            <a:avLst/>
+          </a:prstGeom>
+          <a:ln w="57150">
+            <a:solidFill>
+              <a:srgbClr val="C2F3FD"/>
+            </a:solidFill>
+          </a:ln>
+        </p:spPr>
+        <p:style>
+          <a:lnRef idx="1">
+            <a:schemeClr val="accent1"/>
+          </a:lnRef>
+          <a:fillRef idx="0">
+            <a:schemeClr val="accent1"/>
+          </a:fillRef>
+          <a:effectRef idx="0">
+            <a:schemeClr val="accent1"/>
+          </a:effectRef>
+          <a:fontRef idx="minor">
+            <a:schemeClr val="tx1"/>
+          </a:fontRef>
+        </p:style>
+      </p:cxnSp>
+      <p:sp>
+        <p:nvSpPr>
+          <p:cNvPr id="10" name="TextBox 9"/>
+          <p:cNvSpPr txBox="1"/>
+          <p:nvPr/>
+        </p:nvSpPr>
+        <p:spPr>
+          <a:xfrm>
+            <a:off x="4791695" y="2295525"/>
+            <a:ext cx="1708165" cy="369332"/>
+          </a:xfrm>
+          <a:prstGeom prst="rect">
+            <a:avLst/>
+          </a:prstGeom>
+          <a:noFill/>
+          <a:ln>
+            <a:solidFill>
+              <a:srgbClr val="C2F3FD"/>
+            </a:solidFill>
+          </a:ln>
+        </p:spPr>
+        <p:txBody>
+          <a:bodyPr wrap="square" rtlCol="0">
+            <a:spAutoFit/>
+          </a:bodyPr>
+          <a:lstStyle/>
+          <a:p>
+            <a:pPr algn="ctr"/>
+            <a:r>
+              <a:rPr lang="en-PH" dirty="0">
+                <a:solidFill>
+                  <a:srgbClr val="FDE4D3"/>
+                </a:solidFill>
+              </a:rPr>
+              <a:t>INPUT SALES</a:t>
+            </a:r>
+          </a:p>
+        </p:txBody>
+      </p:sp>
+      <p:sp>
+        <p:nvSpPr>
+          <p:cNvPr id="31" name="TextBox 30"/>
+          <p:cNvSpPr txBox="1"/>
+          <p:nvPr/>
+        </p:nvSpPr>
+        <p:spPr>
+          <a:xfrm>
+            <a:off x="6514148" y="2295524"/>
+            <a:ext cx="1723029" cy="369332"/>
+          </a:xfrm>
+          <a:prstGeom prst="rect">
+            <a:avLst/>
+          </a:prstGeom>
+          <a:noFill/>
+          <a:ln>
+            <a:solidFill>
+              <a:srgbClr val="C2F3FD"/>
+            </a:solidFill>
+          </a:ln>
+        </p:spPr>
+        <p:txBody>
+          <a:bodyPr wrap="square" rtlCol="0">
+            <a:spAutoFit/>
+          </a:bodyPr>
+          <a:lstStyle/>
+          <a:p>
+            <a:pPr algn="ctr"/>
+            <a:r>
+              <a:rPr lang="en-PH" dirty="0">
+                <a:solidFill>
+                  <a:srgbClr val="FDE4D3"/>
+                </a:solidFill>
+              </a:rPr>
+              <a:t>LIST OF SALES</a:t>
+            </a:r>
+          </a:p>
+        </p:txBody>
+      </p:sp>
+      <p:cxnSp>
+        <p:nvCxnSpPr>
+          <p:cNvPr id="34" name="Straight Connector 33"/>
+          <p:cNvCxnSpPr/>
+          <p:nvPr/>
+        </p:nvCxnSpPr>
+        <p:spPr>
+          <a:xfrm flipV="1">
+            <a:off x="4833938" y="2664856"/>
+            <a:ext cx="1665922" cy="1905"/>
+          </a:xfrm>
+          <a:prstGeom prst="line">
+            <a:avLst/>
+          </a:prstGeom>
+          <a:ln w="57150">
+            <a:solidFill>
+              <a:srgbClr val="C2F3FD"/>
+            </a:solidFill>
+          </a:ln>
+        </p:spPr>
+        <p:style>
+          <a:lnRef idx="1">
+            <a:schemeClr val="accent1"/>
+          </a:lnRef>
+          <a:fillRef idx="0">
+            <a:schemeClr val="accent1"/>
+          </a:fillRef>
+          <a:effectRef idx="0">
+            <a:schemeClr val="accent1"/>
+          </a:effectRef>
+          <a:fontRef idx="minor">
+            <a:schemeClr val="tx1"/>
+          </a:fontRef>
+        </p:style>
+      </p:cxnSp>
+      <p:sp>
+        <p:nvSpPr>
+          <p:cNvPr id="38" name="TextBox 37"/>
+          <p:cNvSpPr txBox="1"/>
+          <p:nvPr/>
+        </p:nvSpPr>
+        <p:spPr>
+          <a:xfrm>
+            <a:off x="5645777" y="2962454"/>
+            <a:ext cx="2273300" cy="338554"/>
+          </a:xfrm>
+          <a:prstGeom prst="rect">
+            <a:avLst/>
+          </a:prstGeom>
+          <a:solidFill>
+            <a:srgbClr val="FEF6F0"/>
+          </a:solidFill>
+          <a:ln>
+            <a:solidFill>
+              <a:srgbClr val="C2F3FD"/>
+            </a:solidFill>
+          </a:ln>
+        </p:spPr>
+        <p:txBody>
+          <a:bodyPr wrap="square" rtlCol="0">
+            <a:spAutoFit/>
+          </a:bodyPr>
+          <a:lstStyle/>
+          <a:p>
+            <a:r>
+              <a:rPr lang="en-PH" sz="1600" dirty="0">
+                <a:solidFill>
+                  <a:schemeClr val="bg2">
+                    <a:lumMod val="75000"/>
+                  </a:schemeClr>
+                </a:solidFill>
+              </a:rPr>
+              <a:t>Date</a:t>
+            </a:r>
+          </a:p>
+        </p:txBody>
+      </p:sp>
+      <p:sp>
+        <p:nvSpPr>
+          <p:cNvPr id="39" name="TextBox 38"/>
+          <p:cNvSpPr txBox="1"/>
+          <p:nvPr/>
+        </p:nvSpPr>
+        <p:spPr>
+          <a:xfrm>
+            <a:off x="5645777" y="3484222"/>
+            <a:ext cx="2273300" cy="338554"/>
+          </a:xfrm>
+          <a:prstGeom prst="rect">
+            <a:avLst/>
+          </a:prstGeom>
+          <a:solidFill>
+            <a:srgbClr val="FEF6F0"/>
+          </a:solidFill>
+          <a:ln>
+            <a:solidFill>
+              <a:srgbClr val="C2F3FD"/>
+            </a:solidFill>
+          </a:ln>
+        </p:spPr>
+        <p:txBody>
+          <a:bodyPr wrap="square" rtlCol="0">
+            <a:spAutoFit/>
+          </a:bodyPr>
+          <a:lstStyle/>
+          <a:p>
+            <a:r>
+              <a:rPr lang="en-PH" sz="1600" dirty="0">
+                <a:solidFill>
+                  <a:schemeClr val="bg2">
+                    <a:lumMod val="75000"/>
+                  </a:schemeClr>
+                </a:solidFill>
+              </a:rPr>
+              <a:t>Gross sales</a:t>
+            </a:r>
+          </a:p>
+        </p:txBody>
+      </p:sp>
+      <p:sp>
+        <p:nvSpPr>
+          <p:cNvPr id="40" name="TextBox 39"/>
+          <p:cNvSpPr txBox="1"/>
+          <p:nvPr/>
+        </p:nvSpPr>
+        <p:spPr>
+          <a:xfrm>
+            <a:off x="5645777" y="4008463"/>
+            <a:ext cx="1078873" cy="338554"/>
+          </a:xfrm>
+          <a:prstGeom prst="rect">
+            <a:avLst/>
+          </a:prstGeom>
+          <a:solidFill>
+            <a:srgbClr val="FEF6F0"/>
+          </a:solidFill>
+          <a:ln>
+            <a:solidFill>
+              <a:srgbClr val="C2F3FD"/>
+            </a:solidFill>
+          </a:ln>
+        </p:spPr>
+        <p:txBody>
+          <a:bodyPr wrap="square" rtlCol="0">
+            <a:spAutoFit/>
+          </a:bodyPr>
+          <a:lstStyle/>
+          <a:p>
+            <a:r>
+              <a:rPr lang="en-PH" sz="1600" dirty="0">
+                <a:solidFill>
+                  <a:schemeClr val="bg2">
+                    <a:lumMod val="75000"/>
+                  </a:schemeClr>
+                </a:solidFill>
+              </a:rPr>
+              <a:t>Bread</a:t>
+            </a:r>
+          </a:p>
+        </p:txBody>
+      </p:sp>
+      <p:sp>
+        <p:nvSpPr>
+          <p:cNvPr id="41" name="TextBox 40"/>
+          <p:cNvSpPr txBox="1"/>
+          <p:nvPr/>
+        </p:nvSpPr>
+        <p:spPr>
+          <a:xfrm>
+            <a:off x="6840204" y="4003096"/>
+            <a:ext cx="1078873" cy="338554"/>
+          </a:xfrm>
+          <a:prstGeom prst="rect">
+            <a:avLst/>
+          </a:prstGeom>
+          <a:solidFill>
+            <a:srgbClr val="FEF6F0"/>
+          </a:solidFill>
+          <a:ln>
+            <a:solidFill>
+              <a:srgbClr val="C2F3FD"/>
+            </a:solidFill>
+          </a:ln>
+        </p:spPr>
+        <p:txBody>
+          <a:bodyPr wrap="square" rtlCol="0">
+            <a:spAutoFit/>
+          </a:bodyPr>
+          <a:lstStyle/>
+          <a:p>
+            <a:r>
+              <a:rPr lang="en-PH" sz="1600" dirty="0">
+                <a:solidFill>
+                  <a:schemeClr val="bg2">
+                    <a:lumMod val="75000"/>
+                  </a:schemeClr>
+                </a:solidFill>
+              </a:rPr>
+              <a:t>Grocery</a:t>
+            </a:r>
+          </a:p>
+        </p:txBody>
+      </p:sp>
+      <p:sp>
+        <p:nvSpPr>
+          <p:cNvPr id="42" name="TextBox 41"/>
+          <p:cNvSpPr txBox="1"/>
+          <p:nvPr/>
+        </p:nvSpPr>
+        <p:spPr>
+          <a:xfrm>
+            <a:off x="5645777" y="4519565"/>
+            <a:ext cx="2273300" cy="338554"/>
+          </a:xfrm>
+          <a:prstGeom prst="rect">
+            <a:avLst/>
+          </a:prstGeom>
+          <a:solidFill>
+            <a:srgbClr val="FEF6F0"/>
+          </a:solidFill>
+          <a:ln>
+            <a:solidFill>
+              <a:srgbClr val="C2F3FD"/>
+            </a:solidFill>
+          </a:ln>
+        </p:spPr>
+        <p:txBody>
+          <a:bodyPr wrap="square" rtlCol="0">
+            <a:spAutoFit/>
+          </a:bodyPr>
+          <a:lstStyle/>
+          <a:p>
+            <a:r>
+              <a:rPr lang="en-PH" sz="1600" dirty="0">
+                <a:solidFill>
+                  <a:schemeClr val="bg2">
+                    <a:lumMod val="75000"/>
+                  </a:schemeClr>
+                </a:solidFill>
+              </a:rPr>
+              <a:t>E-load</a:t>
+            </a:r>
+          </a:p>
+        </p:txBody>
+      </p:sp>
+      <p:sp>
+        <p:nvSpPr>
+          <p:cNvPr id="43" name="TextBox 42"/>
+          <p:cNvSpPr txBox="1"/>
+          <p:nvPr/>
+        </p:nvSpPr>
+        <p:spPr>
+          <a:xfrm>
+            <a:off x="5645777" y="5030667"/>
+            <a:ext cx="707398" cy="338554"/>
+          </a:xfrm>
+          <a:prstGeom prst="rect">
+            <a:avLst/>
+          </a:prstGeom>
+          <a:solidFill>
+            <a:srgbClr val="FEF6F0"/>
+          </a:solidFill>
+          <a:ln>
+            <a:solidFill>
+              <a:srgbClr val="C2F3FD"/>
+            </a:solidFill>
+          </a:ln>
+        </p:spPr>
+        <p:txBody>
+          <a:bodyPr wrap="square" rtlCol="0">
+            <a:spAutoFit/>
+          </a:bodyPr>
+          <a:lstStyle/>
+          <a:p>
+            <a:r>
+              <a:rPr lang="en-PH" sz="1600" dirty="0">
+                <a:solidFill>
+                  <a:schemeClr val="bg2">
+                    <a:lumMod val="75000"/>
+                  </a:schemeClr>
+                </a:solidFill>
+              </a:rPr>
+              <a:t>Smart</a:t>
+            </a:r>
+          </a:p>
+        </p:txBody>
+      </p:sp>
+      <p:sp>
+        <p:nvSpPr>
+          <p:cNvPr id="45" name="TextBox 44"/>
+          <p:cNvSpPr txBox="1"/>
+          <p:nvPr/>
+        </p:nvSpPr>
+        <p:spPr>
+          <a:xfrm>
+            <a:off x="6419840" y="5030667"/>
+            <a:ext cx="707398" cy="338554"/>
+          </a:xfrm>
+          <a:prstGeom prst="rect">
+            <a:avLst/>
+          </a:prstGeom>
+          <a:solidFill>
+            <a:srgbClr val="FEF6F0"/>
+          </a:solidFill>
+          <a:ln>
+            <a:solidFill>
+              <a:srgbClr val="C2F3FD"/>
+            </a:solidFill>
+          </a:ln>
+        </p:spPr>
+        <p:txBody>
+          <a:bodyPr wrap="square" rtlCol="0">
+            <a:spAutoFit/>
+          </a:bodyPr>
+          <a:lstStyle/>
+          <a:p>
+            <a:r>
+              <a:rPr lang="en-PH" sz="1600" dirty="0">
+                <a:solidFill>
+                  <a:schemeClr val="bg2">
+                    <a:lumMod val="75000"/>
+                  </a:schemeClr>
+                </a:solidFill>
+              </a:rPr>
+              <a:t>Globe</a:t>
+            </a:r>
+          </a:p>
+        </p:txBody>
+      </p:sp>
+      <p:sp>
+        <p:nvSpPr>
+          <p:cNvPr id="46" name="TextBox 45"/>
+          <p:cNvSpPr txBox="1"/>
+          <p:nvPr/>
+        </p:nvSpPr>
+        <p:spPr>
+          <a:xfrm>
+            <a:off x="7193903" y="5030667"/>
+            <a:ext cx="707398" cy="338554"/>
+          </a:xfrm>
+          <a:prstGeom prst="rect">
+            <a:avLst/>
+          </a:prstGeom>
+          <a:solidFill>
+            <a:srgbClr val="FEF6F0"/>
+          </a:solidFill>
+          <a:ln>
+            <a:solidFill>
+              <a:srgbClr val="C2F3FD"/>
+            </a:solidFill>
+          </a:ln>
+        </p:spPr>
+        <p:txBody>
+          <a:bodyPr wrap="square" rtlCol="0">
+            <a:spAutoFit/>
+          </a:bodyPr>
+          <a:lstStyle/>
+          <a:p>
+            <a:r>
+              <a:rPr lang="en-PH" sz="1600" dirty="0">
+                <a:solidFill>
+                  <a:schemeClr val="bg2">
+                    <a:lumMod val="75000"/>
+                  </a:schemeClr>
+                </a:solidFill>
+              </a:rPr>
+              <a:t>Sun</a:t>
+            </a:r>
+          </a:p>
+        </p:txBody>
+      </p:sp>
+      <p:pic>
+        <p:nvPicPr>
+          <p:cNvPr id="3" name="Picture 2"/>
+          <p:cNvPicPr>
+            <a:picLocks noChangeAspect="1"/>
+          </p:cNvPicPr>
+          <p:nvPr/>
+        </p:nvPicPr>
+        <p:blipFill>
+          <a:blip r:embed="rId4"/>
+          <a:stretch>
+            <a:fillRect/>
+          </a:stretch>
+        </p:blipFill>
+        <p:spPr>
+          <a:xfrm>
+            <a:off x="5105400" y="2962454"/>
+            <a:ext cx="315912" cy="326847"/>
+          </a:xfrm>
+          <a:prstGeom prst="rect">
+            <a:avLst/>
+          </a:prstGeom>
+        </p:spPr>
+      </p:pic>
+      <p:pic>
+        <p:nvPicPr>
+          <p:cNvPr id="28" name="Picture 27"/>
+          <p:cNvPicPr>
+            <a:picLocks noChangeAspect="1"/>
+          </p:cNvPicPr>
+          <p:nvPr/>
+        </p:nvPicPr>
+        <p:blipFill>
+          <a:blip r:embed="rId5">
+            <a:extLst>
+              <a:ext uri="{BEBA8EAE-BF5A-486C-A8C5-ECC9F3942E4B}">
+                <a14:imgProps xmlns:a14="http://schemas.microsoft.com/office/drawing/2010/main">
+                  <a14:imgLayer r:embed="rId6">
+                    <a14:imgEffect>
+                      <a14:brightnessContrast bright="40000" contrast="-40000"/>
+                    </a14:imgEffect>
+                  </a14:imgLayer>
+                </a14:imgProps>
+              </a:ext>
+            </a:extLst>
+          </a:blip>
+          <a:stretch>
+            <a:fillRect/>
+          </a:stretch>
+        </p:blipFill>
+        <p:spPr>
+          <a:xfrm>
+            <a:off x="5105400" y="3484222"/>
+            <a:ext cx="335718" cy="338554"/>
+          </a:xfrm>
+          <a:prstGeom prst="rect">
+            <a:avLst/>
+          </a:prstGeom>
+          <a:effectLst>
+            <a:softEdge rad="25400"/>
+          </a:effectLst>
+        </p:spPr>
+      </p:pic>
+      <p:pic>
+        <p:nvPicPr>
+          <p:cNvPr id="4" name="Picture 3"/>
+          <p:cNvPicPr>
+            <a:picLocks noChangeAspect="1"/>
+          </p:cNvPicPr>
+          <p:nvPr/>
+        </p:nvPicPr>
+        <p:blipFill>
+          <a:blip r:embed="rId7"/>
+          <a:stretch>
+            <a:fillRect/>
+          </a:stretch>
+        </p:blipFill>
+        <p:spPr>
+          <a:xfrm>
+            <a:off x="5105400" y="4017697"/>
+            <a:ext cx="335718" cy="323638"/>
+          </a:xfrm>
+          <a:prstGeom prst="rect">
+            <a:avLst/>
+          </a:prstGeom>
+        </p:spPr>
+      </p:pic>
+      <p:pic>
+        <p:nvPicPr>
+          <p:cNvPr id="8" name="Picture 7"/>
+          <p:cNvPicPr>
+            <a:picLocks noChangeAspect="1"/>
+          </p:cNvPicPr>
+          <p:nvPr/>
+        </p:nvPicPr>
+        <p:blipFill>
+          <a:blip r:embed="rId8"/>
+          <a:stretch>
+            <a:fillRect/>
+          </a:stretch>
+        </p:blipFill>
+        <p:spPr>
+          <a:xfrm>
+            <a:off x="5105400" y="4517112"/>
+            <a:ext cx="335718" cy="341008"/>
+          </a:xfrm>
+          <a:prstGeom prst="rect">
+            <a:avLst/>
+          </a:prstGeom>
+        </p:spPr>
+      </p:pic>
+      <p:pic>
+        <p:nvPicPr>
+          <p:cNvPr id="11" name="Picture 10"/>
+          <p:cNvPicPr>
+            <a:picLocks noChangeAspect="1"/>
+          </p:cNvPicPr>
+          <p:nvPr/>
+        </p:nvPicPr>
+        <p:blipFill>
+          <a:blip r:embed="rId9"/>
+          <a:stretch>
+            <a:fillRect/>
+          </a:stretch>
+        </p:blipFill>
+        <p:spPr>
+          <a:xfrm>
+            <a:off x="5105400" y="5030667"/>
+            <a:ext cx="342900" cy="338554"/>
+          </a:xfrm>
+          <a:prstGeom prst="rect">
+            <a:avLst/>
+          </a:prstGeom>
+        </p:spPr>
+      </p:pic>
+      <p:sp>
+        <p:nvSpPr>
+          <p:cNvPr id="32" name="Rounded Rectangle 31"/>
+          <p:cNvSpPr/>
+          <p:nvPr/>
+        </p:nvSpPr>
+        <p:spPr>
+          <a:xfrm>
+            <a:off x="5770978" y="5703445"/>
+            <a:ext cx="1521582" cy="367121"/>
+          </a:xfrm>
+          <a:prstGeom prst="roundRect">
+            <a:avLst/>
+          </a:prstGeom>
+          <a:solidFill>
+            <a:srgbClr val="FCD4BA"/>
+          </a:solidFill>
+          <a:ln>
+            <a:solidFill>
+              <a:srgbClr val="71B8C7"/>
+            </a:solidFill>
+          </a:ln>
+          <a:scene3d>
+            <a:camera prst="orthographicFront"/>
+            <a:lightRig rig="threePt" dir="t"/>
+          </a:scene3d>
+          <a:sp3d>
+            <a:bevelT/>
+          </a:sp3d>
+        </p:spPr>
+        <p:style>
+          <a:lnRef idx="2">
+            <a:schemeClr val="accent1">
+              <a:shade val="50000"/>
+            </a:schemeClr>
+          </a:lnRef>
+          <a:fillRef idx="1">
+            <a:schemeClr val="accent1"/>
+          </a:fillRef>
+          <a:effectRef idx="0">
+            <a:schemeClr val="accent1"/>
+          </a:effectRef>
+          <a:fontRef idx="minor">
+            <a:schemeClr val="lt1"/>
+          </a:fontRef>
+        </p:style>
+        <p:txBody>
+          <a:bodyPr rtlCol="0" anchor="ctr"/>
+          <a:lstStyle/>
+          <a:p>
+            <a:pPr algn="ctr"/>
+            <a:r>
+              <a:rPr lang="en-PH" b="1" dirty="0">
+                <a:solidFill>
+                  <a:srgbClr val="0B4555"/>
+                </a:solidFill>
+              </a:rPr>
+              <a:t>Add expense</a:t>
+            </a:r>
+          </a:p>
+        </p:txBody>
+      </p:sp>
+      <p:sp>
+        <p:nvSpPr>
+          <p:cNvPr id="33" name="TextBox 32"/>
+          <p:cNvSpPr txBox="1"/>
+          <p:nvPr/>
+        </p:nvSpPr>
+        <p:spPr>
+          <a:xfrm>
+            <a:off x="6062240" y="6019766"/>
+            <a:ext cx="939057" cy="369332"/>
+          </a:xfrm>
+          <a:prstGeom prst="rect">
+            <a:avLst/>
+          </a:prstGeom>
+          <a:noFill/>
+        </p:spPr>
+        <p:txBody>
+          <a:bodyPr wrap="square" rtlCol="0">
+            <a:spAutoFit/>
+          </a:bodyPr>
+          <a:lstStyle/>
+          <a:p>
+            <a:r>
+              <a:rPr lang="en-PH" u="sng" dirty="0">
+                <a:solidFill>
+                  <a:srgbClr val="C2F3FD"/>
+                </a:solidFill>
+              </a:rPr>
+              <a:t>Logout</a:t>
+            </a:r>
+          </a:p>
+        </p:txBody>
+      </p:sp>
+      <p:sp>
+        <p:nvSpPr>
+          <p:cNvPr id="35" name="TextBox 34"/>
+          <p:cNvSpPr txBox="1"/>
+          <p:nvPr/>
+        </p:nvSpPr>
+        <p:spPr>
+          <a:xfrm>
+            <a:off x="1271219" y="2837891"/>
+            <a:ext cx="2895639" cy="1754326"/>
+          </a:xfrm>
+          <a:prstGeom prst="rect">
+            <a:avLst/>
+          </a:prstGeom>
+          <a:noFill/>
+        </p:spPr>
+        <p:txBody>
+          <a:bodyPr wrap="square" rtlCol="0">
+            <a:spAutoFit/>
+          </a:bodyPr>
+          <a:lstStyle/>
+          <a:p>
+            <a:r>
+              <a:rPr lang="en-PH" dirty="0"/>
+              <a:t>Under the sales-input sales, this is where the user can input the actual sales. Per day sales consist of two shifts, from 4 a.m. – 3 p.m. and 3 p.m. to 12 a.m.</a:t>
+            </a:r>
+          </a:p>
+        </p:txBody>
+      </p:sp>
+      <p:sp>
+        <p:nvSpPr>
+          <p:cNvPr id="36" name="TextBox 35"/>
+          <p:cNvSpPr txBox="1"/>
+          <p:nvPr/>
+        </p:nvSpPr>
+        <p:spPr>
+          <a:xfrm>
+            <a:off x="8793262" y="5460609"/>
+            <a:ext cx="2895639" cy="646331"/>
+          </a:xfrm>
+          <a:prstGeom prst="rect">
+            <a:avLst/>
+          </a:prstGeom>
+          <a:noFill/>
+        </p:spPr>
+        <p:txBody>
+          <a:bodyPr wrap="square" rtlCol="0">
+            <a:spAutoFit/>
+          </a:bodyPr>
+          <a:lstStyle/>
+          <a:p>
+            <a:r>
+              <a:rPr lang="en-PH" dirty="0"/>
+              <a:t>After inputting the sales, the user can add expenses</a:t>
+            </a:r>
+          </a:p>
+        </p:txBody>
+      </p:sp>
+      <p:cxnSp>
+        <p:nvCxnSpPr>
+          <p:cNvPr id="37" name="Straight Arrow Connector 36"/>
+          <p:cNvCxnSpPr>
+            <a:stCxn id="36" idx="1"/>
+            <a:endCxn id="32" idx="3"/>
+          </p:cNvCxnSpPr>
+          <p:nvPr/>
+        </p:nvCxnSpPr>
+        <p:spPr>
+          <a:xfrm flipH="1">
+            <a:off x="7292560" y="5783775"/>
+            <a:ext cx="1500702" cy="103231"/>
+          </a:xfrm>
+          <a:prstGeom prst="straightConnector1">
+            <a:avLst/>
+          </a:prstGeom>
+          <a:ln w="19050" cap="flat" cmpd="sng" algn="ctr">
+            <a:solidFill>
+              <a:schemeClr val="accent4"/>
+            </a:solidFill>
+            <a:prstDash val="solid"/>
+            <a:round/>
+            <a:headEnd type="none" w="med" len="med"/>
+            <a:tailEnd type="arrow" w="med" len="med"/>
+          </a:ln>
+          <a:effectLst>
+            <a:outerShdw blurRad="50800" dist="38100" dir="5400000" algn="t" rotWithShape="0">
+              <a:prstClr val="black">
+                <a:alpha val="40000"/>
+              </a:prstClr>
+            </a:outerShdw>
+          </a:effectLst>
+        </p:spPr>
+        <p:style>
+          <a:lnRef idx="0">
+            <a:scrgbClr r="0" g="0" b="0"/>
+          </a:lnRef>
+          <a:fillRef idx="0">
+            <a:scrgbClr r="0" g="0" b="0"/>
+          </a:fillRef>
+          <a:effectRef idx="0">
+            <a:scrgbClr r="0" g="0" b="0"/>
+          </a:effectRef>
+          <a:fontRef idx="minor">
+            <a:schemeClr val="tx1"/>
+          </a:fontRef>
+        </p:style>
+      </p:cxnSp>
+    </p:spTree>
+    <p:extLst>
+      <p:ext uri="{BB962C8B-B14F-4D97-AF65-F5344CB8AC3E}">
+        <p14:creationId xmlns:p14="http://schemas.microsoft.com/office/powerpoint/2010/main" val="960623059"/>
+      </p:ext>
+    </p:extLst>
+  </p:cSld>
+  <p:clrMapOvr>
+    <a:masterClrMapping/>
+  </p:clrMapOvr>
+  <mc:AlternateContent xmlns:mc="http://schemas.openxmlformats.org/markup-compatibility/2006" xmlns:p14="http://schemas.microsoft.com/office/powerpoint/2010/main">
+    <mc:Choice Requires="p14">
+      <p:transition spd="slow" p14:dur="1600">
+        <p14:prism isInverted="1"/>
+      </p:transition>
+    </mc:Choice>
+    <mc:Fallback xmlns="">
+      <p:transition spd="slow">
+        <p:fade/>
+      </p:transition>
+    </mc:Fallback>
+  </mc:AlternateContent>
+</p:sld>
+</file>
+
+<file path=ppt/slides/slide9.xml><?xml version="1.0" encoding="utf-8"?>
+<p:sld xmlns:a="http://schemas.openxmlformats.org/drawingml/2006/main" xmlns:r="http://schemas.openxmlformats.org/officeDocument/2006/relationships" xmlns:p="http://schemas.openxmlformats.org/presentationml/2006/main">
+  <p:cSld>
+    <p:bg>
+      <p:bgPr>
+        <a:blipFill dpi="0" rotWithShape="1">
+          <a:blip r:embed="rId2">
+            <a:duotone>
+              <a:schemeClr val="bg2">
+                <a:shade val="76000"/>
+                <a:satMod val="180000"/>
+              </a:schemeClr>
+              <a:schemeClr val="bg2">
+                <a:tint val="80000"/>
+                <a:satMod val="120000"/>
+                <a:lumMod val="180000"/>
+              </a:schemeClr>
+            </a:duotone>
+            <a:lum/>
+          </a:blip>
+          <a:srcRect/>
+          <a:stretch>
+            <a:fillRect/>
+          </a:stretch>
+        </a:blipFill>
+        <a:effectLst/>
+      </p:bgPr>
+    </p:bg>
+    <p:spTree>
+      <p:nvGrpSpPr>
+        <p:cNvPr id="1" name=""/>
+        <p:cNvGrpSpPr/>
+        <p:nvPr/>
+      </p:nvGrpSpPr>
+      <p:grpSpPr>
+        <a:xfrm>
+          <a:off x="0" y="0"/>
+          <a:ext cx="0" cy="0"/>
+          <a:chOff x="0" y="0"/>
+          <a:chExt cx="0" cy="0"/>
+        </a:xfrm>
+      </p:grpSpPr>
+      <p:sp>
+        <p:nvSpPr>
+          <p:cNvPr id="2" name="Title 1"/>
+          <p:cNvSpPr>
+            <a:spLocks noGrp="1"/>
+          </p:cNvSpPr>
+          <p:nvPr>
+            <p:ph type="title"/>
+          </p:nvPr>
+        </p:nvSpPr>
+        <p:spPr>
+          <a:xfrm>
+            <a:off x="1512446" y="140680"/>
+            <a:ext cx="10018713" cy="1223887"/>
+          </a:xfrm>
+        </p:spPr>
+        <p:txBody>
+          <a:bodyPr/>
+          <a:lstStyle/>
+          <a:p>
+            <a:r>
+              <a:rPr lang="en-PH" b="1" dirty="0"/>
+              <a:t>Features (continued)</a:t>
+            </a:r>
+          </a:p>
+        </p:txBody>
+      </p:sp>
+      <p:sp>
+        <p:nvSpPr>
+          <p:cNvPr id="5" name="Rectangle 4"/>
+          <p:cNvSpPr/>
+          <p:nvPr/>
+        </p:nvSpPr>
+        <p:spPr>
+          <a:xfrm>
+            <a:off x="4777407" y="1353127"/>
+            <a:ext cx="3488788" cy="5162844"/>
+          </a:xfrm>
+          <a:prstGeom prst="rect">
+            <a:avLst/>
+          </a:prstGeom>
+          <a:solidFill>
+            <a:srgbClr val="1789A9"/>
+          </a:solidFill>
+          <a:ln>
+            <a:solidFill>
+              <a:srgbClr val="E38C59"/>
+            </a:solidFill>
+          </a:ln>
+        </p:spPr>
+        <p:style>
+          <a:lnRef idx="2">
+            <a:schemeClr val="accent1">
+              <a:shade val="50000"/>
+            </a:schemeClr>
+          </a:lnRef>
+          <a:fillRef idx="1">
+            <a:schemeClr val="accent1"/>
+          </a:fillRef>
+          <a:effectRef idx="0">
+            <a:schemeClr val="accent1"/>
+          </a:effectRef>
+          <a:fontRef idx="minor">
+            <a:schemeClr val="lt1"/>
+          </a:fontRef>
+        </p:style>
+        <p:txBody>
+          <a:bodyPr rtlCol="0" anchor="ctr"/>
+          <a:lstStyle/>
+          <a:p>
+            <a:pPr algn="ctr"/>
+            <a:endParaRPr lang="en-PH"/>
+          </a:p>
+        </p:txBody>
+      </p:sp>
+      <p:sp>
+        <p:nvSpPr>
+          <p:cNvPr id="6" name="TextBox 5"/>
+          <p:cNvSpPr txBox="1"/>
+          <p:nvPr/>
+        </p:nvSpPr>
+        <p:spPr>
+          <a:xfrm>
+            <a:off x="9555302" y="1355152"/>
+            <a:ext cx="2133600" cy="830997"/>
+          </a:xfrm>
+          <a:prstGeom prst="rect">
+            <a:avLst/>
+          </a:prstGeom>
+          <a:noFill/>
+        </p:spPr>
+        <p:txBody>
+          <a:bodyPr wrap="square" rtlCol="0">
+            <a:spAutoFit/>
+          </a:bodyPr>
+          <a:lstStyle/>
+          <a:p>
+            <a:r>
+              <a:rPr lang="en-PH" sz="2400" dirty="0"/>
+              <a:t>EXPENSE PAGE</a:t>
+            </a:r>
+          </a:p>
+        </p:txBody>
+      </p:sp>
+      <p:sp>
+        <p:nvSpPr>
+          <p:cNvPr id="7" name="TextBox 6"/>
+          <p:cNvSpPr txBox="1"/>
+          <p:nvPr/>
+        </p:nvSpPr>
+        <p:spPr>
+          <a:xfrm>
+            <a:off x="5277025" y="1657674"/>
+            <a:ext cx="2489552" cy="461665"/>
+          </a:xfrm>
+          <a:prstGeom prst="rect">
+            <a:avLst/>
+          </a:prstGeom>
+          <a:noFill/>
+        </p:spPr>
+        <p:txBody>
+          <a:bodyPr wrap="square" rtlCol="0">
+            <a:spAutoFit/>
+          </a:bodyPr>
+          <a:lstStyle/>
+          <a:p>
+            <a:pPr algn="ctr"/>
+            <a:r>
+              <a:rPr lang="en-PH" sz="2400" b="1" dirty="0">
+                <a:solidFill>
+                  <a:schemeClr val="bg1"/>
+                </a:solidFill>
+                <a:latin typeface="Arial" panose="020B0604020202020204" pitchFamily="34" charset="0"/>
+                <a:cs typeface="Arial" panose="020B0604020202020204" pitchFamily="34" charset="0"/>
+              </a:rPr>
+              <a:t>ELOUS STORE</a:t>
+            </a:r>
+          </a:p>
+        </p:txBody>
+      </p:sp>
+      <p:pic>
+        <p:nvPicPr>
+          <p:cNvPr id="9" name="Picture 8"/>
+          <p:cNvPicPr>
+            <a:picLocks noChangeAspect="1"/>
+          </p:cNvPicPr>
+          <p:nvPr/>
+        </p:nvPicPr>
+        <p:blipFill>
+          <a:blip r:embed="rId3"/>
+          <a:stretch>
+            <a:fillRect/>
+          </a:stretch>
+        </p:blipFill>
+        <p:spPr>
+          <a:xfrm>
+            <a:off x="9555301" y="362098"/>
+            <a:ext cx="2133600" cy="781050"/>
+          </a:xfrm>
+          <a:prstGeom prst="rect">
+            <a:avLst/>
+          </a:prstGeom>
+        </p:spPr>
+      </p:pic>
+      <p:cxnSp>
+        <p:nvCxnSpPr>
+          <p:cNvPr id="20" name="Straight Connector 19"/>
+          <p:cNvCxnSpPr/>
+          <p:nvPr/>
+        </p:nvCxnSpPr>
+        <p:spPr>
+          <a:xfrm>
+            <a:off x="4814886" y="2295525"/>
+            <a:ext cx="3420000" cy="0"/>
+          </a:xfrm>
+          <a:prstGeom prst="line">
+            <a:avLst/>
+          </a:prstGeom>
+          <a:ln w="57150">
+            <a:solidFill>
+              <a:srgbClr val="C2F3FD"/>
+            </a:solidFill>
+          </a:ln>
+        </p:spPr>
+        <p:style>
+          <a:lnRef idx="1">
+            <a:schemeClr val="accent1"/>
+          </a:lnRef>
+          <a:fillRef idx="0">
+            <a:schemeClr val="accent1"/>
+          </a:fillRef>
+          <a:effectRef idx="0">
+            <a:schemeClr val="accent1"/>
+          </a:effectRef>
+          <a:fontRef idx="minor">
+            <a:schemeClr val="tx1"/>
+          </a:fontRef>
+        </p:style>
+      </p:cxnSp>
+      <p:sp>
+        <p:nvSpPr>
+          <p:cNvPr id="31" name="TextBox 30"/>
+          <p:cNvSpPr txBox="1"/>
+          <p:nvPr/>
+        </p:nvSpPr>
+        <p:spPr>
+          <a:xfrm>
+            <a:off x="4791071" y="2295524"/>
+            <a:ext cx="3466800" cy="369332"/>
+          </a:xfrm>
+          <a:prstGeom prst="rect">
+            <a:avLst/>
+          </a:prstGeom>
+          <a:noFill/>
+          <a:ln>
+            <a:solidFill>
+              <a:srgbClr val="C2F3FD"/>
+            </a:solidFill>
+          </a:ln>
+        </p:spPr>
+        <p:txBody>
+          <a:bodyPr wrap="square" rtlCol="0">
+            <a:spAutoFit/>
+          </a:bodyPr>
+          <a:lstStyle/>
+          <a:p>
+            <a:pPr algn="ctr"/>
+            <a:r>
+              <a:rPr lang="en-PH" dirty="0">
+                <a:solidFill>
+                  <a:srgbClr val="FDE4D3"/>
+                </a:solidFill>
+              </a:rPr>
+              <a:t>EXPENSES</a:t>
+            </a:r>
+          </a:p>
+        </p:txBody>
+      </p:sp>
+      <p:sp>
+        <p:nvSpPr>
+          <p:cNvPr id="38" name="TextBox 37"/>
+          <p:cNvSpPr txBox="1"/>
+          <p:nvPr/>
+        </p:nvSpPr>
+        <p:spPr>
+          <a:xfrm>
+            <a:off x="5645777" y="2962454"/>
+            <a:ext cx="2273300" cy="338554"/>
+          </a:xfrm>
+          <a:prstGeom prst="rect">
+            <a:avLst/>
+          </a:prstGeom>
+          <a:solidFill>
+            <a:srgbClr val="FEF6F0"/>
+          </a:solidFill>
+          <a:ln>
+            <a:solidFill>
+              <a:srgbClr val="C2F3FD"/>
+            </a:solidFill>
+          </a:ln>
+        </p:spPr>
+        <p:txBody>
+          <a:bodyPr wrap="square" rtlCol="0">
+            <a:spAutoFit/>
+          </a:bodyPr>
+          <a:lstStyle/>
+          <a:p>
+            <a:r>
+              <a:rPr lang="en-PH" sz="1600" dirty="0">
+                <a:solidFill>
+                  <a:schemeClr val="bg2">
+                    <a:lumMod val="75000"/>
+                  </a:schemeClr>
+                </a:solidFill>
+              </a:rPr>
+              <a:t>Name of expense</a:t>
+            </a:r>
+          </a:p>
+        </p:txBody>
+      </p:sp>
+      <p:sp>
+        <p:nvSpPr>
+          <p:cNvPr id="39" name="TextBox 38"/>
+          <p:cNvSpPr txBox="1"/>
+          <p:nvPr/>
+        </p:nvSpPr>
+        <p:spPr>
+          <a:xfrm>
+            <a:off x="5645777" y="3484222"/>
+            <a:ext cx="2273300" cy="338554"/>
+          </a:xfrm>
+          <a:prstGeom prst="rect">
+            <a:avLst/>
+          </a:prstGeom>
+          <a:solidFill>
+            <a:srgbClr val="FEF6F0"/>
+          </a:solidFill>
+          <a:ln>
+            <a:solidFill>
+              <a:srgbClr val="C2F3FD"/>
+            </a:solidFill>
+          </a:ln>
+        </p:spPr>
+        <p:txBody>
+          <a:bodyPr wrap="square" rtlCol="0">
+            <a:spAutoFit/>
+          </a:bodyPr>
+          <a:lstStyle/>
+          <a:p>
+            <a:r>
+              <a:rPr lang="en-PH" sz="1600" dirty="0">
+                <a:solidFill>
+                  <a:schemeClr val="bg2">
+                    <a:lumMod val="75000"/>
+                  </a:schemeClr>
+                </a:solidFill>
+              </a:rPr>
+              <a:t>How much?</a:t>
+            </a:r>
+          </a:p>
+        </p:txBody>
+      </p:sp>
+      <p:pic>
+        <p:nvPicPr>
+          <p:cNvPr id="28" name="Picture 27"/>
+          <p:cNvPicPr>
+            <a:picLocks noChangeAspect="1"/>
+          </p:cNvPicPr>
+          <p:nvPr/>
+        </p:nvPicPr>
+        <p:blipFill>
+          <a:blip r:embed="rId4">
+            <a:extLst>
+              <a:ext uri="{BEBA8EAE-BF5A-486C-A8C5-ECC9F3942E4B}">
+                <a14:imgProps xmlns:a14="http://schemas.microsoft.com/office/drawing/2010/main">
+                  <a14:imgLayer r:embed="rId5">
+                    <a14:imgEffect>
+                      <a14:brightnessContrast bright="40000" contrast="-40000"/>
+                    </a14:imgEffect>
+                  </a14:imgLayer>
+                </a14:imgProps>
+              </a:ext>
+            </a:extLst>
+          </a:blip>
+          <a:stretch>
+            <a:fillRect/>
+          </a:stretch>
+        </p:blipFill>
+        <p:spPr>
+          <a:xfrm>
+            <a:off x="5105400" y="3484222"/>
+            <a:ext cx="335718" cy="338554"/>
+          </a:xfrm>
+          <a:prstGeom prst="rect">
+            <a:avLst/>
+          </a:prstGeom>
+          <a:effectLst>
+            <a:softEdge rad="25400"/>
+          </a:effectLst>
+        </p:spPr>
+      </p:pic>
+      <p:sp>
+        <p:nvSpPr>
+          <p:cNvPr id="32" name="Rounded Rectangle 31"/>
+          <p:cNvSpPr/>
+          <p:nvPr/>
+        </p:nvSpPr>
+        <p:spPr>
+          <a:xfrm>
+            <a:off x="6710288" y="5652645"/>
+            <a:ext cx="1315333" cy="367121"/>
+          </a:xfrm>
+          <a:prstGeom prst="roundRect">
+            <a:avLst/>
+          </a:prstGeom>
+          <a:solidFill>
+            <a:srgbClr val="FCD4BA"/>
+          </a:solidFill>
+          <a:ln>
+            <a:solidFill>
+              <a:srgbClr val="71B8C7"/>
+            </a:solidFill>
+          </a:ln>
+          <a:scene3d>
+            <a:camera prst="orthographicFront"/>
+            <a:lightRig rig="threePt" dir="t"/>
+          </a:scene3d>
+          <a:sp3d>
+            <a:bevelT/>
+          </a:sp3d>
+        </p:spPr>
+        <p:style>
+          <a:lnRef idx="2">
+            <a:schemeClr val="accent1">
+              <a:shade val="50000"/>
+            </a:schemeClr>
+          </a:lnRef>
+          <a:fillRef idx="1">
+            <a:schemeClr val="accent1"/>
+          </a:fillRef>
+          <a:effectRef idx="0">
+            <a:schemeClr val="accent1"/>
+          </a:effectRef>
+          <a:fontRef idx="minor">
+            <a:schemeClr val="lt1"/>
+          </a:fontRef>
+        </p:style>
+        <p:txBody>
+          <a:bodyPr rtlCol="0" anchor="ctr"/>
+          <a:lstStyle/>
+          <a:p>
+            <a:pPr algn="ctr"/>
+            <a:r>
+              <a:rPr lang="en-PH" b="1" dirty="0">
+                <a:solidFill>
+                  <a:srgbClr val="0B4555"/>
+                </a:solidFill>
+              </a:rPr>
+              <a:t>Add more</a:t>
+            </a:r>
+          </a:p>
+        </p:txBody>
+      </p:sp>
+      <p:pic>
+        <p:nvPicPr>
+          <p:cNvPr id="12" name="Picture 11"/>
+          <p:cNvPicPr>
+            <a:picLocks noChangeAspect="1"/>
+          </p:cNvPicPr>
+          <p:nvPr/>
+        </p:nvPicPr>
+        <p:blipFill>
+          <a:blip r:embed="rId6"/>
+          <a:stretch>
+            <a:fillRect/>
+          </a:stretch>
+        </p:blipFill>
+        <p:spPr>
+          <a:xfrm>
+            <a:off x="5105400" y="2962455"/>
+            <a:ext cx="335718" cy="338554"/>
+          </a:xfrm>
+          <a:prstGeom prst="rect">
+            <a:avLst/>
+          </a:prstGeom>
+        </p:spPr>
+      </p:pic>
+      <p:cxnSp>
+        <p:nvCxnSpPr>
+          <p:cNvPr id="27" name="Straight Connector 26"/>
+          <p:cNvCxnSpPr/>
+          <p:nvPr/>
+        </p:nvCxnSpPr>
+        <p:spPr>
+          <a:xfrm>
+            <a:off x="5155073" y="5408923"/>
+            <a:ext cx="2753391" cy="6232"/>
+          </a:xfrm>
+          <a:prstGeom prst="line">
+            <a:avLst/>
+          </a:prstGeom>
+          <a:ln>
+            <a:solidFill>
+              <a:srgbClr val="C2F3FD"/>
+            </a:solidFill>
+          </a:ln>
+        </p:spPr>
+        <p:style>
+          <a:lnRef idx="1">
+            <a:schemeClr val="accent1"/>
+          </a:lnRef>
+          <a:fillRef idx="0">
+            <a:schemeClr val="accent1"/>
+          </a:fillRef>
+          <a:effectRef idx="0">
+            <a:schemeClr val="accent1"/>
+          </a:effectRef>
+          <a:fontRef idx="minor">
+            <a:schemeClr val="tx1"/>
+          </a:fontRef>
+        </p:style>
+      </p:cxnSp>
+      <p:sp>
+        <p:nvSpPr>
+          <p:cNvPr id="29" name="TextBox 28"/>
+          <p:cNvSpPr txBox="1"/>
+          <p:nvPr/>
+        </p:nvSpPr>
+        <p:spPr>
+          <a:xfrm>
+            <a:off x="6062240" y="6019766"/>
+            <a:ext cx="939057" cy="369332"/>
+          </a:xfrm>
+          <a:prstGeom prst="rect">
+            <a:avLst/>
+          </a:prstGeom>
+          <a:noFill/>
+        </p:spPr>
+        <p:txBody>
+          <a:bodyPr wrap="square" rtlCol="0">
+            <a:spAutoFit/>
+          </a:bodyPr>
+          <a:lstStyle/>
+          <a:p>
+            <a:r>
+              <a:rPr lang="en-PH" u="sng" dirty="0">
+                <a:solidFill>
+                  <a:srgbClr val="C2F3FD"/>
+                </a:solidFill>
+              </a:rPr>
+              <a:t>Logout</a:t>
+            </a:r>
+          </a:p>
+        </p:txBody>
+      </p:sp>
+      <p:sp>
+        <p:nvSpPr>
+          <p:cNvPr id="30" name="TextBox 29"/>
+          <p:cNvSpPr txBox="1"/>
+          <p:nvPr/>
+        </p:nvSpPr>
+        <p:spPr>
+          <a:xfrm>
+            <a:off x="1447583" y="3007168"/>
+            <a:ext cx="2895639" cy="1477328"/>
+          </a:xfrm>
+          <a:prstGeom prst="rect">
+            <a:avLst/>
+          </a:prstGeom>
+          <a:noFill/>
+        </p:spPr>
+        <p:txBody>
+          <a:bodyPr wrap="square" rtlCol="0">
+            <a:spAutoFit/>
+          </a:bodyPr>
+          <a:lstStyle/>
+          <a:p>
+            <a:r>
+              <a:rPr lang="en-PH" dirty="0"/>
+              <a:t>After clicking the ‘add expense’ button, the user can now input the name of expense and the value of the expense.</a:t>
+            </a:r>
+          </a:p>
+        </p:txBody>
+      </p:sp>
+      <p:cxnSp>
+        <p:nvCxnSpPr>
+          <p:cNvPr id="33" name="Straight Arrow Connector 32"/>
+          <p:cNvCxnSpPr>
+            <a:stCxn id="30" idx="3"/>
+            <a:endCxn id="12" idx="1"/>
+          </p:cNvCxnSpPr>
+          <p:nvPr/>
+        </p:nvCxnSpPr>
+        <p:spPr>
+          <a:xfrm flipV="1">
+            <a:off x="4343222" y="3131732"/>
+            <a:ext cx="762178" cy="614100"/>
+          </a:xfrm>
+          <a:prstGeom prst="straightConnector1">
+            <a:avLst/>
+          </a:prstGeom>
+          <a:ln w="19050">
+            <a:headEnd type="none" w="med" len="med"/>
+            <a:tailEnd type="arrow" w="med" len="med"/>
+          </a:ln>
+          <a:effectLst>
+            <a:outerShdw blurRad="50800" dist="38100" dir="5400000" algn="t" rotWithShape="0">
+              <a:prstClr val="black">
+                <a:alpha val="40000"/>
+              </a:prstClr>
+            </a:outerShdw>
+          </a:effectLst>
+        </p:spPr>
+        <p:style>
+          <a:lnRef idx="3">
+            <a:schemeClr val="accent4"/>
+          </a:lnRef>
+          <a:fillRef idx="0">
+            <a:schemeClr val="accent4"/>
+          </a:fillRef>
+          <a:effectRef idx="2">
+            <a:schemeClr val="accent4"/>
+          </a:effectRef>
+          <a:fontRef idx="minor">
+            <a:schemeClr val="tx1"/>
+          </a:fontRef>
+        </p:style>
+      </p:cxnSp>
+      <p:cxnSp>
+        <p:nvCxnSpPr>
+          <p:cNvPr id="35" name="Straight Arrow Connector 34"/>
+          <p:cNvCxnSpPr>
+            <a:stCxn id="30" idx="3"/>
+            <a:endCxn id="28" idx="1"/>
+          </p:cNvCxnSpPr>
+          <p:nvPr/>
+        </p:nvCxnSpPr>
+        <p:spPr>
+          <a:xfrm flipV="1">
+            <a:off x="4343222" y="3653499"/>
+            <a:ext cx="762178" cy="92333"/>
+          </a:xfrm>
+          <a:prstGeom prst="straightConnector1">
+            <a:avLst/>
+          </a:prstGeom>
+          <a:ln w="19050">
+            <a:headEnd type="none" w="med" len="med"/>
+            <a:tailEnd type="arrow" w="med" len="med"/>
+          </a:ln>
+          <a:effectLst>
+            <a:outerShdw blurRad="50800" dist="38100" dir="5400000" algn="t" rotWithShape="0">
+              <a:prstClr val="black">
+                <a:alpha val="40000"/>
+              </a:prstClr>
+            </a:outerShdw>
+          </a:effectLst>
+        </p:spPr>
+        <p:style>
+          <a:lnRef idx="3">
+            <a:schemeClr val="accent4"/>
+          </a:lnRef>
+          <a:fillRef idx="0">
+            <a:schemeClr val="accent4"/>
+          </a:fillRef>
+          <a:effectRef idx="2">
+            <a:schemeClr val="accent4"/>
+          </a:effectRef>
+          <a:fontRef idx="minor">
+            <a:schemeClr val="tx1"/>
+          </a:fontRef>
+        </p:style>
+      </p:cxnSp>
+      <p:sp>
+        <p:nvSpPr>
+          <p:cNvPr id="37" name="TextBox 36"/>
+          <p:cNvSpPr txBox="1"/>
+          <p:nvPr/>
+        </p:nvSpPr>
+        <p:spPr>
+          <a:xfrm>
+            <a:off x="9174281" y="5093869"/>
+            <a:ext cx="2895639" cy="923330"/>
+          </a:xfrm>
+          <a:prstGeom prst="rect">
+            <a:avLst/>
+          </a:prstGeom>
+          <a:noFill/>
+        </p:spPr>
+        <p:txBody>
+          <a:bodyPr wrap="square" rtlCol="0">
+            <a:spAutoFit/>
+          </a:bodyPr>
+          <a:lstStyle/>
+          <a:p>
+            <a:r>
+              <a:rPr lang="en-PH" dirty="0"/>
+              <a:t>If there are more expenses, the user can add more expenses.</a:t>
+            </a:r>
+          </a:p>
+        </p:txBody>
+      </p:sp>
+      <p:cxnSp>
+        <p:nvCxnSpPr>
+          <p:cNvPr id="44" name="Straight Arrow Connector 43"/>
+          <p:cNvCxnSpPr>
+            <a:stCxn id="37" idx="1"/>
+            <a:endCxn id="32" idx="3"/>
+          </p:cNvCxnSpPr>
+          <p:nvPr/>
+        </p:nvCxnSpPr>
+        <p:spPr>
+          <a:xfrm flipH="1">
+            <a:off x="8025621" y="5555534"/>
+            <a:ext cx="1148660" cy="280672"/>
+          </a:xfrm>
+          <a:prstGeom prst="straightConnector1">
+            <a:avLst/>
+          </a:prstGeom>
+          <a:ln w="19050" cap="flat" cmpd="sng" algn="ctr">
+            <a:solidFill>
+              <a:schemeClr val="accent4"/>
+            </a:solidFill>
+            <a:prstDash val="solid"/>
+            <a:round/>
+            <a:headEnd type="none" w="med" len="med"/>
+            <a:tailEnd type="arrow" w="med" len="med"/>
+          </a:ln>
+          <a:effectLst>
+            <a:outerShdw blurRad="50800" dist="38100" dir="5400000" algn="t" rotWithShape="0">
+              <a:prstClr val="black">
+                <a:alpha val="40000"/>
+              </a:prstClr>
+            </a:outerShdw>
+          </a:effectLst>
+        </p:spPr>
+        <p:style>
+          <a:lnRef idx="0">
+            <a:scrgbClr r="0" g="0" b="0"/>
+          </a:lnRef>
+          <a:fillRef idx="0">
+            <a:scrgbClr r="0" g="0" b="0"/>
+          </a:fillRef>
+          <a:effectRef idx="0">
+            <a:scrgbClr r="0" g="0" b="0"/>
+          </a:effectRef>
+          <a:fontRef idx="minor">
+            <a:schemeClr val="tx1"/>
+          </a:fontRef>
+        </p:style>
+      </p:cxnSp>
+      <p:sp>
+        <p:nvSpPr>
+          <p:cNvPr id="48" name="Rounded Rectangle 47"/>
+          <p:cNvSpPr/>
+          <p:nvPr/>
+        </p:nvSpPr>
+        <p:spPr>
+          <a:xfrm>
+            <a:off x="5060634" y="5650078"/>
+            <a:ext cx="1315333" cy="367121"/>
+          </a:xfrm>
+          <a:prstGeom prst="roundRect">
+            <a:avLst/>
+          </a:prstGeom>
+          <a:solidFill>
+            <a:srgbClr val="FCD4BA"/>
+          </a:solidFill>
+          <a:ln>
+            <a:solidFill>
+              <a:srgbClr val="71B8C7"/>
+            </a:solidFill>
+          </a:ln>
+          <a:scene3d>
+            <a:camera prst="orthographicFront"/>
+            <a:lightRig rig="threePt" dir="t"/>
+          </a:scene3d>
+          <a:sp3d>
+            <a:bevelT/>
+          </a:sp3d>
+        </p:spPr>
+        <p:style>
+          <a:lnRef idx="2">
+            <a:schemeClr val="accent1">
+              <a:shade val="50000"/>
+            </a:schemeClr>
+          </a:lnRef>
+          <a:fillRef idx="1">
+            <a:schemeClr val="accent1"/>
+          </a:fillRef>
+          <a:effectRef idx="0">
+            <a:schemeClr val="accent1"/>
+          </a:effectRef>
+          <a:fontRef idx="minor">
+            <a:schemeClr val="lt1"/>
+          </a:fontRef>
+        </p:style>
+        <p:txBody>
+          <a:bodyPr rtlCol="0" anchor="ctr"/>
+          <a:lstStyle/>
+          <a:p>
+            <a:pPr algn="ctr"/>
+            <a:r>
+              <a:rPr lang="en-PH" b="1" dirty="0">
+                <a:solidFill>
+                  <a:srgbClr val="0B4555"/>
+                </a:solidFill>
+              </a:rPr>
+              <a:t>Compute</a:t>
+            </a:r>
+          </a:p>
+        </p:txBody>
+      </p:sp>
+      <p:sp>
+        <p:nvSpPr>
+          <p:cNvPr id="49" name="TextBox 48"/>
+          <p:cNvSpPr txBox="1"/>
+          <p:nvPr/>
+        </p:nvSpPr>
+        <p:spPr>
+          <a:xfrm>
+            <a:off x="1394758" y="4816870"/>
+            <a:ext cx="2895639" cy="1200329"/>
+          </a:xfrm>
+          <a:prstGeom prst="rect">
+            <a:avLst/>
+          </a:prstGeom>
+          <a:noFill/>
+        </p:spPr>
+        <p:txBody>
+          <a:bodyPr wrap="square" rtlCol="0">
+            <a:spAutoFit/>
+          </a:bodyPr>
+          <a:lstStyle/>
+          <a:p>
+            <a:r>
+              <a:rPr lang="en-PH" dirty="0"/>
+              <a:t>After putting the expense(s), to compute the sales input, user must click ‘compute’ button</a:t>
+            </a:r>
+          </a:p>
+        </p:txBody>
+      </p:sp>
+      <p:cxnSp>
+        <p:nvCxnSpPr>
+          <p:cNvPr id="50" name="Straight Arrow Connector 49"/>
+          <p:cNvCxnSpPr>
+            <a:stCxn id="49" idx="3"/>
+            <a:endCxn id="48" idx="1"/>
+          </p:cNvCxnSpPr>
+          <p:nvPr/>
+        </p:nvCxnSpPr>
+        <p:spPr>
+          <a:xfrm>
+            <a:off x="4290397" y="5417035"/>
+            <a:ext cx="770237" cy="416604"/>
+          </a:xfrm>
+          <a:prstGeom prst="straightConnector1">
+            <a:avLst/>
+          </a:prstGeom>
+          <a:ln w="19050">
+            <a:headEnd type="none" w="med" len="med"/>
+            <a:tailEnd type="arrow" w="med" len="med"/>
+          </a:ln>
+          <a:effectLst>
+            <a:outerShdw blurRad="50800" dist="38100" dir="5400000" algn="t" rotWithShape="0">
+              <a:prstClr val="black">
+                <a:alpha val="40000"/>
+              </a:prstClr>
+            </a:outerShdw>
+          </a:effectLst>
+        </p:spPr>
+        <p:style>
+          <a:lnRef idx="3">
+            <a:schemeClr val="accent4"/>
+          </a:lnRef>
+          <a:fillRef idx="0">
+            <a:schemeClr val="accent4"/>
+          </a:fillRef>
+          <a:effectRef idx="2">
+            <a:schemeClr val="accent4"/>
+          </a:effectRef>
+          <a:fontRef idx="minor">
+            <a:schemeClr val="tx1"/>
+          </a:fontRef>
+        </p:style>
+      </p:cxnSp>
+    </p:spTree>
+    <p:extLst>
+      <p:ext uri="{BB962C8B-B14F-4D97-AF65-F5344CB8AC3E}">
+        <p14:creationId xmlns:p14="http://schemas.microsoft.com/office/powerpoint/2010/main" val="2273938558"/>
       </p:ext>
     </p:extLst>
   </p:cSld>

--- a/Mobile Application.pptx
+++ b/Mobile Application.pptx
@@ -12,9 +12,13 @@
     <p:sldId id="260" r:id="rId6"/>
     <p:sldId id="261" r:id="rId7"/>
     <p:sldId id="262" r:id="rId8"/>
-    <p:sldId id="263" r:id="rId9"/>
-    <p:sldId id="266" r:id="rId10"/>
-    <p:sldId id="265" r:id="rId11"/>
+    <p:sldId id="268" r:id="rId9"/>
+    <p:sldId id="263" r:id="rId10"/>
+    <p:sldId id="266" r:id="rId11"/>
+    <p:sldId id="265" r:id="rId12"/>
+    <p:sldId id="269" r:id="rId13"/>
+    <p:sldId id="270" r:id="rId14"/>
+    <p:sldId id="271" r:id="rId15"/>
   </p:sldIdLst>
   <p:sldSz cx="12192000" cy="6858000"/>
   <p:notesSz cx="6858000" cy="9144000"/>
@@ -635,7 +639,7 @@
           <a:p>
             <a:fld id="{5FAC98C3-E17B-4BEE-BC07-0E797A641A8C}" type="datetimeFigureOut">
               <a:rPr lang="en-PH" smtClean="0"/>
-              <a:t>30/10/2016</a:t>
+              <a:t>30/11/2016</a:t>
             </a:fld>
             <a:endParaRPr lang="en-PH"/>
           </a:p>
@@ -931,7 +935,7 @@
           <a:p>
             <a:fld id="{5FAC98C3-E17B-4BEE-BC07-0E797A641A8C}" type="datetimeFigureOut">
               <a:rPr lang="en-PH" smtClean="0"/>
-              <a:t>30/10/2016</a:t>
+              <a:t>30/11/2016</a:t>
             </a:fld>
             <a:endParaRPr lang="en-PH"/>
           </a:p>
@@ -1179,7 +1183,7 @@
           <a:p>
             <a:fld id="{5FAC98C3-E17B-4BEE-BC07-0E797A641A8C}" type="datetimeFigureOut">
               <a:rPr lang="en-PH" smtClean="0"/>
-              <a:t>30/10/2016</a:t>
+              <a:t>30/11/2016</a:t>
             </a:fld>
             <a:endParaRPr lang="en-PH"/>
           </a:p>
@@ -1719,7 +1723,7 @@
           <a:p>
             <a:fld id="{5FAC98C3-E17B-4BEE-BC07-0E797A641A8C}" type="datetimeFigureOut">
               <a:rPr lang="en-PH" smtClean="0"/>
-              <a:t>30/10/2016</a:t>
+              <a:t>30/11/2016</a:t>
             </a:fld>
             <a:endParaRPr lang="en-PH"/>
           </a:p>
@@ -1967,7 +1971,7 @@
           <a:p>
             <a:fld id="{5FAC98C3-E17B-4BEE-BC07-0E797A641A8C}" type="datetimeFigureOut">
               <a:rPr lang="en-PH" smtClean="0"/>
-              <a:t>30/10/2016</a:t>
+              <a:t>30/11/2016</a:t>
             </a:fld>
             <a:endParaRPr lang="en-PH"/>
           </a:p>
@@ -2499,7 +2503,7 @@
           <a:p>
             <a:fld id="{5FAC98C3-E17B-4BEE-BC07-0E797A641A8C}" type="datetimeFigureOut">
               <a:rPr lang="en-PH" smtClean="0"/>
-              <a:t>30/10/2016</a:t>
+              <a:t>30/11/2016</a:t>
             </a:fld>
             <a:endParaRPr lang="en-PH"/>
           </a:p>
@@ -2796,7 +2800,7 @@
           <a:p>
             <a:fld id="{5FAC98C3-E17B-4BEE-BC07-0E797A641A8C}" type="datetimeFigureOut">
               <a:rPr lang="en-PH" smtClean="0"/>
-              <a:t>30/10/2016</a:t>
+              <a:t>30/11/2016</a:t>
             </a:fld>
             <a:endParaRPr lang="en-PH"/>
           </a:p>
@@ -2970,7 +2974,7 @@
           <a:p>
             <a:fld id="{5FAC98C3-E17B-4BEE-BC07-0E797A641A8C}" type="datetimeFigureOut">
               <a:rPr lang="en-PH" smtClean="0"/>
-              <a:t>30/10/2016</a:t>
+              <a:t>30/11/2016</a:t>
             </a:fld>
             <a:endParaRPr lang="en-PH"/>
           </a:p>
@@ -3150,7 +3154,7 @@
           <a:p>
             <a:fld id="{5FAC98C3-E17B-4BEE-BC07-0E797A641A8C}" type="datetimeFigureOut">
               <a:rPr lang="en-PH" smtClean="0"/>
-              <a:t>30/10/2016</a:t>
+              <a:t>30/11/2016</a:t>
             </a:fld>
             <a:endParaRPr lang="en-PH"/>
           </a:p>
@@ -3320,7 +3324,7 @@
           <a:p>
             <a:fld id="{5FAC98C3-E17B-4BEE-BC07-0E797A641A8C}" type="datetimeFigureOut">
               <a:rPr lang="en-PH" smtClean="0"/>
-              <a:t>30/10/2016</a:t>
+              <a:t>30/11/2016</a:t>
             </a:fld>
             <a:endParaRPr lang="en-PH"/>
           </a:p>
@@ -3571,7 +3575,7 @@
           <a:p>
             <a:fld id="{5FAC98C3-E17B-4BEE-BC07-0E797A641A8C}" type="datetimeFigureOut">
               <a:rPr lang="en-PH" smtClean="0"/>
-              <a:t>30/10/2016</a:t>
+              <a:t>30/11/2016</a:t>
             </a:fld>
             <a:endParaRPr lang="en-PH"/>
           </a:p>
@@ -3868,7 +3872,7 @@
           <a:p>
             <a:fld id="{5FAC98C3-E17B-4BEE-BC07-0E797A641A8C}" type="datetimeFigureOut">
               <a:rPr lang="en-PH" smtClean="0"/>
-              <a:t>30/10/2016</a:t>
+              <a:t>30/11/2016</a:t>
             </a:fld>
             <a:endParaRPr lang="en-PH"/>
           </a:p>
@@ -4310,7 +4314,7 @@
           <a:p>
             <a:fld id="{5FAC98C3-E17B-4BEE-BC07-0E797A641A8C}" type="datetimeFigureOut">
               <a:rPr lang="en-PH" smtClean="0"/>
-              <a:t>30/10/2016</a:t>
+              <a:t>30/11/2016</a:t>
             </a:fld>
             <a:endParaRPr lang="en-PH"/>
           </a:p>
@@ -4428,7 +4432,7 @@
           <a:p>
             <a:fld id="{5FAC98C3-E17B-4BEE-BC07-0E797A641A8C}" type="datetimeFigureOut">
               <a:rPr lang="en-PH" smtClean="0"/>
-              <a:t>30/10/2016</a:t>
+              <a:t>30/11/2016</a:t>
             </a:fld>
             <a:endParaRPr lang="en-PH"/>
           </a:p>
@@ -4523,7 +4527,7 @@
           <a:p>
             <a:fld id="{5FAC98C3-E17B-4BEE-BC07-0E797A641A8C}" type="datetimeFigureOut">
               <a:rPr lang="en-PH" smtClean="0"/>
-              <a:t>30/10/2016</a:t>
+              <a:t>30/11/2016</a:t>
             </a:fld>
             <a:endParaRPr lang="en-PH"/>
           </a:p>
@@ -4806,7 +4810,7 @@
           <a:p>
             <a:fld id="{5FAC98C3-E17B-4BEE-BC07-0E797A641A8C}" type="datetimeFigureOut">
               <a:rPr lang="en-PH" smtClean="0"/>
-              <a:t>30/10/2016</a:t>
+              <a:t>30/11/2016</a:t>
             </a:fld>
             <a:endParaRPr lang="en-PH"/>
           </a:p>
@@ -5097,7 +5101,7 @@
           <a:p>
             <a:fld id="{5FAC98C3-E17B-4BEE-BC07-0E797A641A8C}" type="datetimeFigureOut">
               <a:rPr lang="en-PH" smtClean="0"/>
-              <a:t>30/10/2016</a:t>
+              <a:t>30/11/2016</a:t>
             </a:fld>
             <a:endParaRPr lang="en-PH"/>
           </a:p>
@@ -5627,7 +5631,7 @@
           <a:p>
             <a:fld id="{5FAC98C3-E17B-4BEE-BC07-0E797A641A8C}" type="datetimeFigureOut">
               <a:rPr lang="en-PH" smtClean="0"/>
-              <a:t>30/10/2016</a:t>
+              <a:t>30/11/2016</a:t>
             </a:fld>
             <a:endParaRPr lang="en-PH"/>
           </a:p>
@@ -6170,20 +6174,29 @@
         </p:nvSpPr>
         <p:spPr/>
         <p:txBody>
-          <a:bodyPr/>
+          <a:bodyPr>
+            <a:normAutofit fontScale="90000"/>
+          </a:bodyPr>
           <a:lstStyle/>
           <a:p>
             <a:r>
               <a:rPr lang="en-PH" b="1" dirty="0"/>
               <a:t>Mobile Application</a:t>
+            </a:r>
+            <a:br>
+              <a:rPr lang="en-PH" b="1" dirty="0"/>
+            </a:br>
+            <a:r>
+              <a:rPr lang="en-PH" b="1" dirty="0"/>
+              <a:t>(</a:t>
+            </a:r>
+            <a:r>
+              <a:rPr lang="en-PH" sz="4900" b="1" dirty="0"/>
+              <a:t>Sales and Product Report)</a:t>
             </a:r>
             <a:br>
               <a:rPr lang="en-PH" dirty="0"/>
             </a:br>
-            <a:r>
-              <a:rPr lang="en-PH" sz="3600" dirty="0"/>
-              <a:t>(Utility)</a:t>
-            </a:r>
             <a:endParaRPr lang="en-PH" dirty="0"/>
           </a:p>
         </p:txBody>
@@ -6398,7 +6411,7 @@
           <a:p>
             <a:r>
               <a:rPr lang="en-PH" sz="2400" dirty="0"/>
-              <a:t>LIST OF SALES PAGE</a:t>
+              <a:t>EXPENSE PAGE</a:t>
             </a:r>
           </a:p>
         </p:txBody>
@@ -6471,8 +6484,8 @@
         </p:nvCxnSpPr>
         <p:spPr>
           <a:xfrm>
-            <a:off x="4833938" y="2295525"/>
-            <a:ext cx="3395662" cy="0"/>
+            <a:off x="4814886" y="2295525"/>
+            <a:ext cx="3420000" cy="0"/>
           </a:xfrm>
           <a:prstGeom prst="line">
             <a:avLst/>
@@ -6500,14 +6513,14 @@
       </p:cxnSp>
       <p:sp>
         <p:nvSpPr>
-          <p:cNvPr id="10" name="TextBox 9"/>
+          <p:cNvPr id="31" name="TextBox 30"/>
           <p:cNvSpPr txBox="1"/>
           <p:nvPr/>
         </p:nvSpPr>
         <p:spPr>
           <a:xfrm>
-            <a:off x="4791695" y="2295525"/>
-            <a:ext cx="1708165" cy="369332"/>
+            <a:off x="4791071" y="2295524"/>
+            <a:ext cx="3466800" cy="369332"/>
           </a:xfrm>
           <a:prstGeom prst="rect">
             <a:avLst/>
@@ -6532,26 +6545,28 @@
                   <a:srgbClr val="FDE4D3"/>
                 </a:solidFill>
               </a:rPr>
-              <a:t>INPUT SALES</a:t>
-            </a:r>
-          </a:p>
-        </p:txBody>
-      </p:sp>
-      <p:sp>
-        <p:nvSpPr>
-          <p:cNvPr id="31" name="TextBox 30"/>
+              <a:t>EXPENSES</a:t>
+            </a:r>
+          </a:p>
+        </p:txBody>
+      </p:sp>
+      <p:sp>
+        <p:nvSpPr>
+          <p:cNvPr id="38" name="TextBox 37"/>
           <p:cNvSpPr txBox="1"/>
           <p:nvPr/>
         </p:nvSpPr>
         <p:spPr>
           <a:xfrm>
-            <a:off x="6514148" y="2295524"/>
-            <a:ext cx="1723029" cy="369332"/>
+            <a:off x="5645777" y="2962454"/>
+            <a:ext cx="2273300" cy="338554"/>
           </a:xfrm>
           <a:prstGeom prst="rect">
             <a:avLst/>
           </a:prstGeom>
-          <a:noFill/>
+          <a:solidFill>
+            <a:srgbClr val="FEF6F0"/>
+          </a:solidFill>
           <a:ln>
             <a:solidFill>
               <a:srgbClr val="C2F3FD"/>
@@ -6564,33 +6579,201 @@
           </a:bodyPr>
           <a:lstStyle/>
           <a:p>
+            <a:r>
+              <a:rPr lang="en-PH" sz="1600" dirty="0">
+                <a:solidFill>
+                  <a:schemeClr val="bg2">
+                    <a:lumMod val="75000"/>
+                  </a:schemeClr>
+                </a:solidFill>
+              </a:rPr>
+              <a:t>Name of expense</a:t>
+            </a:r>
+          </a:p>
+        </p:txBody>
+      </p:sp>
+      <p:sp>
+        <p:nvSpPr>
+          <p:cNvPr id="39" name="TextBox 38"/>
+          <p:cNvSpPr txBox="1"/>
+          <p:nvPr/>
+        </p:nvSpPr>
+        <p:spPr>
+          <a:xfrm>
+            <a:off x="5645777" y="3484222"/>
+            <a:ext cx="2273300" cy="338554"/>
+          </a:xfrm>
+          <a:prstGeom prst="rect">
+            <a:avLst/>
+          </a:prstGeom>
+          <a:solidFill>
+            <a:srgbClr val="FEF6F0"/>
+          </a:solidFill>
+          <a:ln>
+            <a:solidFill>
+              <a:srgbClr val="C2F3FD"/>
+            </a:solidFill>
+          </a:ln>
+        </p:spPr>
+        <p:txBody>
+          <a:bodyPr wrap="square" rtlCol="0">
+            <a:spAutoFit/>
+          </a:bodyPr>
+          <a:lstStyle/>
+          <a:p>
+            <a:r>
+              <a:rPr lang="en-PH" sz="1600" dirty="0">
+                <a:solidFill>
+                  <a:schemeClr val="bg2">
+                    <a:lumMod val="75000"/>
+                  </a:schemeClr>
+                </a:solidFill>
+              </a:rPr>
+              <a:t>How much?</a:t>
+            </a:r>
+          </a:p>
+        </p:txBody>
+      </p:sp>
+      <p:pic>
+        <p:nvPicPr>
+          <p:cNvPr id="28" name="Picture 27"/>
+          <p:cNvPicPr>
+            <a:picLocks noChangeAspect="1"/>
+          </p:cNvPicPr>
+          <p:nvPr/>
+        </p:nvPicPr>
+        <p:blipFill>
+          <a:blip r:embed="rId4">
+            <a:extLst>
+              <a:ext uri="{BEBA8EAE-BF5A-486C-A8C5-ECC9F3942E4B}">
+                <a14:imgProps xmlns:a14="http://schemas.microsoft.com/office/drawing/2010/main">
+                  <a14:imgLayer r:embed="rId5">
+                    <a14:imgEffect>
+                      <a14:brightnessContrast bright="40000" contrast="-40000"/>
+                    </a14:imgEffect>
+                  </a14:imgLayer>
+                </a14:imgProps>
+              </a:ext>
+            </a:extLst>
+          </a:blip>
+          <a:stretch>
+            <a:fillRect/>
+          </a:stretch>
+        </p:blipFill>
+        <p:spPr>
+          <a:xfrm>
+            <a:off x="5105400" y="3484222"/>
+            <a:ext cx="335718" cy="338554"/>
+          </a:xfrm>
+          <a:prstGeom prst="rect">
+            <a:avLst/>
+          </a:prstGeom>
+          <a:effectLst>
+            <a:softEdge rad="25400"/>
+          </a:effectLst>
+        </p:spPr>
+      </p:pic>
+      <p:sp>
+        <p:nvSpPr>
+          <p:cNvPr id="32" name="Rounded Rectangle 31"/>
+          <p:cNvSpPr/>
+          <p:nvPr/>
+        </p:nvSpPr>
+        <p:spPr>
+          <a:xfrm>
+            <a:off x="6710288" y="5652645"/>
+            <a:ext cx="1315333" cy="367121"/>
+          </a:xfrm>
+          <a:prstGeom prst="roundRect">
+            <a:avLst/>
+          </a:prstGeom>
+          <a:solidFill>
+            <a:srgbClr val="FCD4BA"/>
+          </a:solidFill>
+          <a:ln>
+            <a:solidFill>
+              <a:srgbClr val="71B8C7"/>
+            </a:solidFill>
+          </a:ln>
+          <a:scene3d>
+            <a:camera prst="orthographicFront"/>
+            <a:lightRig rig="threePt" dir="t"/>
+          </a:scene3d>
+          <a:sp3d>
+            <a:bevelT/>
+          </a:sp3d>
+        </p:spPr>
+        <p:style>
+          <a:lnRef idx="2">
+            <a:schemeClr val="accent1">
+              <a:shade val="50000"/>
+            </a:schemeClr>
+          </a:lnRef>
+          <a:fillRef idx="1">
+            <a:schemeClr val="accent1"/>
+          </a:fillRef>
+          <a:effectRef idx="0">
+            <a:schemeClr val="accent1"/>
+          </a:effectRef>
+          <a:fontRef idx="minor">
+            <a:schemeClr val="lt1"/>
+          </a:fontRef>
+        </p:style>
+        <p:txBody>
+          <a:bodyPr rtlCol="0" anchor="ctr"/>
+          <a:lstStyle/>
+          <a:p>
             <a:pPr algn="ctr"/>
             <a:r>
-              <a:rPr lang="en-PH" dirty="0">
-                <a:solidFill>
-                  <a:srgbClr val="FDE4D3"/>
+              <a:rPr lang="en-PH" b="1" dirty="0">
+                <a:solidFill>
+                  <a:srgbClr val="0B4555"/>
                 </a:solidFill>
               </a:rPr>
-              <a:t>LIST OF SALES</a:t>
-            </a:r>
-          </a:p>
-        </p:txBody>
-      </p:sp>
+              <a:t>Add more</a:t>
+            </a:r>
+          </a:p>
+        </p:txBody>
+      </p:sp>
+      <p:pic>
+        <p:nvPicPr>
+          <p:cNvPr id="12" name="Picture 11"/>
+          <p:cNvPicPr>
+            <a:picLocks noChangeAspect="1"/>
+          </p:cNvPicPr>
+          <p:nvPr/>
+        </p:nvPicPr>
+        <p:blipFill>
+          <a:blip r:embed="rId6"/>
+          <a:stretch>
+            <a:fillRect/>
+          </a:stretch>
+        </p:blipFill>
+        <p:spPr>
+          <a:xfrm>
+            <a:off x="5105400" y="2962455"/>
+            <a:ext cx="335718" cy="338554"/>
+          </a:xfrm>
+          <a:prstGeom prst="rect">
+            <a:avLst/>
+          </a:prstGeom>
+        </p:spPr>
+      </p:pic>
       <p:cxnSp>
         <p:nvCxnSpPr>
-          <p:cNvPr id="34" name="Straight Connector 33"/>
+          <p:cNvPr id="27" name="Straight Connector 26"/>
           <p:cNvCxnSpPr/>
           <p:nvPr/>
         </p:nvCxnSpPr>
         <p:spPr>
-          <a:xfrm flipV="1">
-            <a:off x="6557963" y="2664856"/>
-            <a:ext cx="1665922" cy="1905"/>
+          <a:xfrm>
+            <a:off x="5155073" y="5408923"/>
+            <a:ext cx="2753391" cy="6232"/>
           </a:xfrm>
           <a:prstGeom prst="line">
             <a:avLst/>
           </a:prstGeom>
-          <a:ln w="57150">
+          <a:ln>
             <a:solidFill>
               <a:srgbClr val="C2F3FD"/>
             </a:solidFill>
@@ -6613,6 +6796,748 @@
       </p:cxnSp>
       <p:sp>
         <p:nvSpPr>
+          <p:cNvPr id="29" name="TextBox 28"/>
+          <p:cNvSpPr txBox="1"/>
+          <p:nvPr/>
+        </p:nvSpPr>
+        <p:spPr>
+          <a:xfrm>
+            <a:off x="6062240" y="6019766"/>
+            <a:ext cx="939057" cy="369332"/>
+          </a:xfrm>
+          <a:prstGeom prst="rect">
+            <a:avLst/>
+          </a:prstGeom>
+          <a:noFill/>
+        </p:spPr>
+        <p:txBody>
+          <a:bodyPr wrap="square" rtlCol="0">
+            <a:spAutoFit/>
+          </a:bodyPr>
+          <a:lstStyle/>
+          <a:p>
+            <a:r>
+              <a:rPr lang="en-PH" u="sng" dirty="0">
+                <a:solidFill>
+                  <a:srgbClr val="C2F3FD"/>
+                </a:solidFill>
+              </a:rPr>
+              <a:t>Logout</a:t>
+            </a:r>
+          </a:p>
+        </p:txBody>
+      </p:sp>
+      <p:sp>
+        <p:nvSpPr>
+          <p:cNvPr id="30" name="TextBox 29"/>
+          <p:cNvSpPr txBox="1"/>
+          <p:nvPr/>
+        </p:nvSpPr>
+        <p:spPr>
+          <a:xfrm>
+            <a:off x="1447583" y="3007168"/>
+            <a:ext cx="2895639" cy="1477328"/>
+          </a:xfrm>
+          <a:prstGeom prst="rect">
+            <a:avLst/>
+          </a:prstGeom>
+          <a:noFill/>
+        </p:spPr>
+        <p:txBody>
+          <a:bodyPr wrap="square" rtlCol="0">
+            <a:spAutoFit/>
+          </a:bodyPr>
+          <a:lstStyle/>
+          <a:p>
+            <a:r>
+              <a:rPr lang="en-PH" dirty="0"/>
+              <a:t>After clicking the ‘add expense’ button, the user can now input the name of expense and the value of the expense.</a:t>
+            </a:r>
+          </a:p>
+        </p:txBody>
+      </p:sp>
+      <p:cxnSp>
+        <p:nvCxnSpPr>
+          <p:cNvPr id="33" name="Straight Arrow Connector 32"/>
+          <p:cNvCxnSpPr>
+            <a:stCxn id="30" idx="3"/>
+            <a:endCxn id="12" idx="1"/>
+          </p:cNvCxnSpPr>
+          <p:nvPr/>
+        </p:nvCxnSpPr>
+        <p:spPr>
+          <a:xfrm flipV="1">
+            <a:off x="4343222" y="3131732"/>
+            <a:ext cx="762178" cy="614100"/>
+          </a:xfrm>
+          <a:prstGeom prst="straightConnector1">
+            <a:avLst/>
+          </a:prstGeom>
+          <a:ln w="19050">
+            <a:headEnd type="none" w="med" len="med"/>
+            <a:tailEnd type="arrow" w="med" len="med"/>
+          </a:ln>
+          <a:effectLst>
+            <a:outerShdw blurRad="50800" dist="38100" dir="5400000" algn="t" rotWithShape="0">
+              <a:prstClr val="black">
+                <a:alpha val="40000"/>
+              </a:prstClr>
+            </a:outerShdw>
+          </a:effectLst>
+        </p:spPr>
+        <p:style>
+          <a:lnRef idx="3">
+            <a:schemeClr val="accent4"/>
+          </a:lnRef>
+          <a:fillRef idx="0">
+            <a:schemeClr val="accent4"/>
+          </a:fillRef>
+          <a:effectRef idx="2">
+            <a:schemeClr val="accent4"/>
+          </a:effectRef>
+          <a:fontRef idx="minor">
+            <a:schemeClr val="tx1"/>
+          </a:fontRef>
+        </p:style>
+      </p:cxnSp>
+      <p:cxnSp>
+        <p:nvCxnSpPr>
+          <p:cNvPr id="35" name="Straight Arrow Connector 34"/>
+          <p:cNvCxnSpPr>
+            <a:stCxn id="30" idx="3"/>
+            <a:endCxn id="28" idx="1"/>
+          </p:cNvCxnSpPr>
+          <p:nvPr/>
+        </p:nvCxnSpPr>
+        <p:spPr>
+          <a:xfrm flipV="1">
+            <a:off x="4343222" y="3653499"/>
+            <a:ext cx="762178" cy="92333"/>
+          </a:xfrm>
+          <a:prstGeom prst="straightConnector1">
+            <a:avLst/>
+          </a:prstGeom>
+          <a:ln w="19050">
+            <a:headEnd type="none" w="med" len="med"/>
+            <a:tailEnd type="arrow" w="med" len="med"/>
+          </a:ln>
+          <a:effectLst>
+            <a:outerShdw blurRad="50800" dist="38100" dir="5400000" algn="t" rotWithShape="0">
+              <a:prstClr val="black">
+                <a:alpha val="40000"/>
+              </a:prstClr>
+            </a:outerShdw>
+          </a:effectLst>
+        </p:spPr>
+        <p:style>
+          <a:lnRef idx="3">
+            <a:schemeClr val="accent4"/>
+          </a:lnRef>
+          <a:fillRef idx="0">
+            <a:schemeClr val="accent4"/>
+          </a:fillRef>
+          <a:effectRef idx="2">
+            <a:schemeClr val="accent4"/>
+          </a:effectRef>
+          <a:fontRef idx="minor">
+            <a:schemeClr val="tx1"/>
+          </a:fontRef>
+        </p:style>
+      </p:cxnSp>
+      <p:sp>
+        <p:nvSpPr>
+          <p:cNvPr id="37" name="TextBox 36"/>
+          <p:cNvSpPr txBox="1"/>
+          <p:nvPr/>
+        </p:nvSpPr>
+        <p:spPr>
+          <a:xfrm>
+            <a:off x="9174281" y="5093869"/>
+            <a:ext cx="2895639" cy="923330"/>
+          </a:xfrm>
+          <a:prstGeom prst="rect">
+            <a:avLst/>
+          </a:prstGeom>
+          <a:noFill/>
+        </p:spPr>
+        <p:txBody>
+          <a:bodyPr wrap="square" rtlCol="0">
+            <a:spAutoFit/>
+          </a:bodyPr>
+          <a:lstStyle/>
+          <a:p>
+            <a:r>
+              <a:rPr lang="en-PH" dirty="0"/>
+              <a:t>If there are more expenses, the user can add more expenses.</a:t>
+            </a:r>
+          </a:p>
+        </p:txBody>
+      </p:sp>
+      <p:cxnSp>
+        <p:nvCxnSpPr>
+          <p:cNvPr id="44" name="Straight Arrow Connector 43"/>
+          <p:cNvCxnSpPr>
+            <a:stCxn id="37" idx="1"/>
+            <a:endCxn id="32" idx="3"/>
+          </p:cNvCxnSpPr>
+          <p:nvPr/>
+        </p:nvCxnSpPr>
+        <p:spPr>
+          <a:xfrm flipH="1">
+            <a:off x="8025621" y="5555534"/>
+            <a:ext cx="1148660" cy="280672"/>
+          </a:xfrm>
+          <a:prstGeom prst="straightConnector1">
+            <a:avLst/>
+          </a:prstGeom>
+          <a:ln w="19050" cap="flat" cmpd="sng" algn="ctr">
+            <a:solidFill>
+              <a:schemeClr val="accent4"/>
+            </a:solidFill>
+            <a:prstDash val="solid"/>
+            <a:round/>
+            <a:headEnd type="none" w="med" len="med"/>
+            <a:tailEnd type="arrow" w="med" len="med"/>
+          </a:ln>
+          <a:effectLst>
+            <a:outerShdw blurRad="50800" dist="38100" dir="5400000" algn="t" rotWithShape="0">
+              <a:prstClr val="black">
+                <a:alpha val="40000"/>
+              </a:prstClr>
+            </a:outerShdw>
+          </a:effectLst>
+        </p:spPr>
+        <p:style>
+          <a:lnRef idx="0">
+            <a:scrgbClr r="0" g="0" b="0"/>
+          </a:lnRef>
+          <a:fillRef idx="0">
+            <a:scrgbClr r="0" g="0" b="0"/>
+          </a:fillRef>
+          <a:effectRef idx="0">
+            <a:scrgbClr r="0" g="0" b="0"/>
+          </a:effectRef>
+          <a:fontRef idx="minor">
+            <a:schemeClr val="tx1"/>
+          </a:fontRef>
+        </p:style>
+      </p:cxnSp>
+      <p:sp>
+        <p:nvSpPr>
+          <p:cNvPr id="48" name="Rounded Rectangle 47"/>
+          <p:cNvSpPr/>
+          <p:nvPr/>
+        </p:nvSpPr>
+        <p:spPr>
+          <a:xfrm>
+            <a:off x="5060634" y="5650078"/>
+            <a:ext cx="1315333" cy="367121"/>
+          </a:xfrm>
+          <a:prstGeom prst="roundRect">
+            <a:avLst/>
+          </a:prstGeom>
+          <a:solidFill>
+            <a:srgbClr val="FCD4BA"/>
+          </a:solidFill>
+          <a:ln>
+            <a:solidFill>
+              <a:srgbClr val="71B8C7"/>
+            </a:solidFill>
+          </a:ln>
+          <a:scene3d>
+            <a:camera prst="orthographicFront"/>
+            <a:lightRig rig="threePt" dir="t"/>
+          </a:scene3d>
+          <a:sp3d>
+            <a:bevelT/>
+          </a:sp3d>
+        </p:spPr>
+        <p:style>
+          <a:lnRef idx="2">
+            <a:schemeClr val="accent1">
+              <a:shade val="50000"/>
+            </a:schemeClr>
+          </a:lnRef>
+          <a:fillRef idx="1">
+            <a:schemeClr val="accent1"/>
+          </a:fillRef>
+          <a:effectRef idx="0">
+            <a:schemeClr val="accent1"/>
+          </a:effectRef>
+          <a:fontRef idx="minor">
+            <a:schemeClr val="lt1"/>
+          </a:fontRef>
+        </p:style>
+        <p:txBody>
+          <a:bodyPr rtlCol="0" anchor="ctr"/>
+          <a:lstStyle/>
+          <a:p>
+            <a:pPr algn="ctr"/>
+            <a:r>
+              <a:rPr lang="en-PH" b="1" dirty="0">
+                <a:solidFill>
+                  <a:srgbClr val="0B4555"/>
+                </a:solidFill>
+              </a:rPr>
+              <a:t>Compute</a:t>
+            </a:r>
+          </a:p>
+        </p:txBody>
+      </p:sp>
+      <p:sp>
+        <p:nvSpPr>
+          <p:cNvPr id="49" name="TextBox 48"/>
+          <p:cNvSpPr txBox="1"/>
+          <p:nvPr/>
+        </p:nvSpPr>
+        <p:spPr>
+          <a:xfrm>
+            <a:off x="1394758" y="4816870"/>
+            <a:ext cx="2895639" cy="1200329"/>
+          </a:xfrm>
+          <a:prstGeom prst="rect">
+            <a:avLst/>
+          </a:prstGeom>
+          <a:noFill/>
+        </p:spPr>
+        <p:txBody>
+          <a:bodyPr wrap="square" rtlCol="0">
+            <a:spAutoFit/>
+          </a:bodyPr>
+          <a:lstStyle/>
+          <a:p>
+            <a:r>
+              <a:rPr lang="en-PH" dirty="0"/>
+              <a:t>After putting the expense(s), to compute the sales input, user must click ‘compute’ button</a:t>
+            </a:r>
+          </a:p>
+        </p:txBody>
+      </p:sp>
+      <p:cxnSp>
+        <p:nvCxnSpPr>
+          <p:cNvPr id="50" name="Straight Arrow Connector 49"/>
+          <p:cNvCxnSpPr>
+            <a:stCxn id="49" idx="3"/>
+            <a:endCxn id="48" idx="1"/>
+          </p:cNvCxnSpPr>
+          <p:nvPr/>
+        </p:nvCxnSpPr>
+        <p:spPr>
+          <a:xfrm>
+            <a:off x="4290397" y="5417035"/>
+            <a:ext cx="770237" cy="416604"/>
+          </a:xfrm>
+          <a:prstGeom prst="straightConnector1">
+            <a:avLst/>
+          </a:prstGeom>
+          <a:ln w="19050">
+            <a:headEnd type="none" w="med" len="med"/>
+            <a:tailEnd type="arrow" w="med" len="med"/>
+          </a:ln>
+          <a:effectLst>
+            <a:outerShdw blurRad="50800" dist="38100" dir="5400000" algn="t" rotWithShape="0">
+              <a:prstClr val="black">
+                <a:alpha val="40000"/>
+              </a:prstClr>
+            </a:outerShdw>
+          </a:effectLst>
+        </p:spPr>
+        <p:style>
+          <a:lnRef idx="3">
+            <a:schemeClr val="accent4"/>
+          </a:lnRef>
+          <a:fillRef idx="0">
+            <a:schemeClr val="accent4"/>
+          </a:fillRef>
+          <a:effectRef idx="2">
+            <a:schemeClr val="accent4"/>
+          </a:effectRef>
+          <a:fontRef idx="minor">
+            <a:schemeClr val="tx1"/>
+          </a:fontRef>
+        </p:style>
+      </p:cxnSp>
+    </p:spTree>
+    <p:extLst>
+      <p:ext uri="{BB962C8B-B14F-4D97-AF65-F5344CB8AC3E}">
+        <p14:creationId xmlns:p14="http://schemas.microsoft.com/office/powerpoint/2010/main" val="2273938558"/>
+      </p:ext>
+    </p:extLst>
+  </p:cSld>
+  <p:clrMapOvr>
+    <a:masterClrMapping/>
+  </p:clrMapOvr>
+  <mc:AlternateContent xmlns:mc="http://schemas.openxmlformats.org/markup-compatibility/2006" xmlns:p14="http://schemas.microsoft.com/office/powerpoint/2010/main">
+    <mc:Choice Requires="p14">
+      <p:transition spd="slow" p14:dur="1600">
+        <p14:prism isInverted="1"/>
+      </p:transition>
+    </mc:Choice>
+    <mc:Fallback xmlns="">
+      <p:transition spd="slow">
+        <p:fade/>
+      </p:transition>
+    </mc:Fallback>
+  </mc:AlternateContent>
+</p:sld>
+</file>
+
+<file path=ppt/slides/slide11.xml><?xml version="1.0" encoding="utf-8"?>
+<p:sld xmlns:a="http://schemas.openxmlformats.org/drawingml/2006/main" xmlns:r="http://schemas.openxmlformats.org/officeDocument/2006/relationships" xmlns:p="http://schemas.openxmlformats.org/presentationml/2006/main">
+  <p:cSld>
+    <p:bg>
+      <p:bgPr>
+        <a:blipFill dpi="0" rotWithShape="1">
+          <a:blip r:embed="rId2">
+            <a:duotone>
+              <a:schemeClr val="bg2">
+                <a:shade val="76000"/>
+                <a:satMod val="180000"/>
+              </a:schemeClr>
+              <a:schemeClr val="bg2">
+                <a:tint val="80000"/>
+                <a:satMod val="120000"/>
+                <a:lumMod val="180000"/>
+              </a:schemeClr>
+            </a:duotone>
+            <a:lum/>
+          </a:blip>
+          <a:srcRect/>
+          <a:stretch>
+            <a:fillRect/>
+          </a:stretch>
+        </a:blipFill>
+        <a:effectLst/>
+      </p:bgPr>
+    </p:bg>
+    <p:spTree>
+      <p:nvGrpSpPr>
+        <p:cNvPr id="1" name=""/>
+        <p:cNvGrpSpPr/>
+        <p:nvPr/>
+      </p:nvGrpSpPr>
+      <p:grpSpPr>
+        <a:xfrm>
+          <a:off x="0" y="0"/>
+          <a:ext cx="0" cy="0"/>
+          <a:chOff x="0" y="0"/>
+          <a:chExt cx="0" cy="0"/>
+        </a:xfrm>
+      </p:grpSpPr>
+      <p:sp>
+        <p:nvSpPr>
+          <p:cNvPr id="2" name="Title 1"/>
+          <p:cNvSpPr>
+            <a:spLocks noGrp="1"/>
+          </p:cNvSpPr>
+          <p:nvPr>
+            <p:ph type="title"/>
+          </p:nvPr>
+        </p:nvSpPr>
+        <p:spPr>
+          <a:xfrm>
+            <a:off x="1512446" y="140680"/>
+            <a:ext cx="10018713" cy="1223887"/>
+          </a:xfrm>
+        </p:spPr>
+        <p:txBody>
+          <a:bodyPr/>
+          <a:lstStyle/>
+          <a:p>
+            <a:r>
+              <a:rPr lang="en-PH" b="1" dirty="0"/>
+              <a:t>Features (continued)</a:t>
+            </a:r>
+          </a:p>
+        </p:txBody>
+      </p:sp>
+      <p:sp>
+        <p:nvSpPr>
+          <p:cNvPr id="5" name="Rectangle 4"/>
+          <p:cNvSpPr/>
+          <p:nvPr/>
+        </p:nvSpPr>
+        <p:spPr>
+          <a:xfrm>
+            <a:off x="4777407" y="1353127"/>
+            <a:ext cx="3488788" cy="5162844"/>
+          </a:xfrm>
+          <a:prstGeom prst="rect">
+            <a:avLst/>
+          </a:prstGeom>
+          <a:solidFill>
+            <a:srgbClr val="1789A9"/>
+          </a:solidFill>
+          <a:ln>
+            <a:solidFill>
+              <a:srgbClr val="E38C59"/>
+            </a:solidFill>
+          </a:ln>
+        </p:spPr>
+        <p:style>
+          <a:lnRef idx="2">
+            <a:schemeClr val="accent1">
+              <a:shade val="50000"/>
+            </a:schemeClr>
+          </a:lnRef>
+          <a:fillRef idx="1">
+            <a:schemeClr val="accent1"/>
+          </a:fillRef>
+          <a:effectRef idx="0">
+            <a:schemeClr val="accent1"/>
+          </a:effectRef>
+          <a:fontRef idx="minor">
+            <a:schemeClr val="lt1"/>
+          </a:fontRef>
+        </p:style>
+        <p:txBody>
+          <a:bodyPr rtlCol="0" anchor="ctr"/>
+          <a:lstStyle/>
+          <a:p>
+            <a:pPr algn="ctr"/>
+            <a:endParaRPr lang="en-PH"/>
+          </a:p>
+        </p:txBody>
+      </p:sp>
+      <p:sp>
+        <p:nvSpPr>
+          <p:cNvPr id="6" name="TextBox 5"/>
+          <p:cNvSpPr txBox="1"/>
+          <p:nvPr/>
+        </p:nvSpPr>
+        <p:spPr>
+          <a:xfrm>
+            <a:off x="9555302" y="1355152"/>
+            <a:ext cx="2133600" cy="830997"/>
+          </a:xfrm>
+          <a:prstGeom prst="rect">
+            <a:avLst/>
+          </a:prstGeom>
+          <a:noFill/>
+        </p:spPr>
+        <p:txBody>
+          <a:bodyPr wrap="square" rtlCol="0">
+            <a:spAutoFit/>
+          </a:bodyPr>
+          <a:lstStyle/>
+          <a:p>
+            <a:r>
+              <a:rPr lang="en-PH" sz="2400" dirty="0"/>
+              <a:t>LIST OF SALES PAGE</a:t>
+            </a:r>
+          </a:p>
+        </p:txBody>
+      </p:sp>
+      <p:sp>
+        <p:nvSpPr>
+          <p:cNvPr id="7" name="TextBox 6"/>
+          <p:cNvSpPr txBox="1"/>
+          <p:nvPr/>
+        </p:nvSpPr>
+        <p:spPr>
+          <a:xfrm>
+            <a:off x="5277025" y="1657674"/>
+            <a:ext cx="2489552" cy="461665"/>
+          </a:xfrm>
+          <a:prstGeom prst="rect">
+            <a:avLst/>
+          </a:prstGeom>
+          <a:noFill/>
+        </p:spPr>
+        <p:txBody>
+          <a:bodyPr wrap="square" rtlCol="0">
+            <a:spAutoFit/>
+          </a:bodyPr>
+          <a:lstStyle/>
+          <a:p>
+            <a:pPr algn="ctr"/>
+            <a:r>
+              <a:rPr lang="en-PH" sz="2400" b="1" dirty="0">
+                <a:solidFill>
+                  <a:schemeClr val="bg1"/>
+                </a:solidFill>
+                <a:latin typeface="Arial" panose="020B0604020202020204" pitchFamily="34" charset="0"/>
+                <a:cs typeface="Arial" panose="020B0604020202020204" pitchFamily="34" charset="0"/>
+              </a:rPr>
+              <a:t>ELOUS STORE</a:t>
+            </a:r>
+          </a:p>
+        </p:txBody>
+      </p:sp>
+      <p:pic>
+        <p:nvPicPr>
+          <p:cNvPr id="9" name="Picture 8"/>
+          <p:cNvPicPr>
+            <a:picLocks noChangeAspect="1"/>
+          </p:cNvPicPr>
+          <p:nvPr/>
+        </p:nvPicPr>
+        <p:blipFill>
+          <a:blip r:embed="rId3"/>
+          <a:stretch>
+            <a:fillRect/>
+          </a:stretch>
+        </p:blipFill>
+        <p:spPr>
+          <a:xfrm>
+            <a:off x="9555301" y="362098"/>
+            <a:ext cx="2133600" cy="781050"/>
+          </a:xfrm>
+          <a:prstGeom prst="rect">
+            <a:avLst/>
+          </a:prstGeom>
+        </p:spPr>
+      </p:pic>
+      <p:cxnSp>
+        <p:nvCxnSpPr>
+          <p:cNvPr id="20" name="Straight Connector 19"/>
+          <p:cNvCxnSpPr/>
+          <p:nvPr/>
+        </p:nvCxnSpPr>
+        <p:spPr>
+          <a:xfrm>
+            <a:off x="4833938" y="2295525"/>
+            <a:ext cx="3395662" cy="0"/>
+          </a:xfrm>
+          <a:prstGeom prst="line">
+            <a:avLst/>
+          </a:prstGeom>
+          <a:ln w="57150">
+            <a:solidFill>
+              <a:srgbClr val="C2F3FD"/>
+            </a:solidFill>
+          </a:ln>
+        </p:spPr>
+        <p:style>
+          <a:lnRef idx="1">
+            <a:schemeClr val="accent1"/>
+          </a:lnRef>
+          <a:fillRef idx="0">
+            <a:schemeClr val="accent1"/>
+          </a:fillRef>
+          <a:effectRef idx="0">
+            <a:schemeClr val="accent1"/>
+          </a:effectRef>
+          <a:fontRef idx="minor">
+            <a:schemeClr val="tx1"/>
+          </a:fontRef>
+        </p:style>
+      </p:cxnSp>
+      <p:sp>
+        <p:nvSpPr>
+          <p:cNvPr id="10" name="TextBox 9"/>
+          <p:cNvSpPr txBox="1"/>
+          <p:nvPr/>
+        </p:nvSpPr>
+        <p:spPr>
+          <a:xfrm>
+            <a:off x="4791695" y="2295525"/>
+            <a:ext cx="1708165" cy="369332"/>
+          </a:xfrm>
+          <a:prstGeom prst="rect">
+            <a:avLst/>
+          </a:prstGeom>
+          <a:noFill/>
+          <a:ln>
+            <a:solidFill>
+              <a:srgbClr val="C2F3FD"/>
+            </a:solidFill>
+          </a:ln>
+        </p:spPr>
+        <p:txBody>
+          <a:bodyPr wrap="square" rtlCol="0">
+            <a:spAutoFit/>
+          </a:bodyPr>
+          <a:lstStyle/>
+          <a:p>
+            <a:pPr algn="ctr"/>
+            <a:r>
+              <a:rPr lang="en-PH" dirty="0">
+                <a:solidFill>
+                  <a:srgbClr val="FDE4D3"/>
+                </a:solidFill>
+              </a:rPr>
+              <a:t>INPUT SALES</a:t>
+            </a:r>
+          </a:p>
+        </p:txBody>
+      </p:sp>
+      <p:sp>
+        <p:nvSpPr>
+          <p:cNvPr id="31" name="TextBox 30"/>
+          <p:cNvSpPr txBox="1"/>
+          <p:nvPr/>
+        </p:nvSpPr>
+        <p:spPr>
+          <a:xfrm>
+            <a:off x="6514148" y="2295524"/>
+            <a:ext cx="1723029" cy="369332"/>
+          </a:xfrm>
+          <a:prstGeom prst="rect">
+            <a:avLst/>
+          </a:prstGeom>
+          <a:noFill/>
+          <a:ln>
+            <a:solidFill>
+              <a:srgbClr val="C2F3FD"/>
+            </a:solidFill>
+          </a:ln>
+        </p:spPr>
+        <p:txBody>
+          <a:bodyPr wrap="square" rtlCol="0">
+            <a:spAutoFit/>
+          </a:bodyPr>
+          <a:lstStyle/>
+          <a:p>
+            <a:pPr algn="ctr"/>
+            <a:r>
+              <a:rPr lang="en-PH" dirty="0">
+                <a:solidFill>
+                  <a:srgbClr val="FDE4D3"/>
+                </a:solidFill>
+              </a:rPr>
+              <a:t>LIST OF SALES</a:t>
+            </a:r>
+          </a:p>
+        </p:txBody>
+      </p:sp>
+      <p:cxnSp>
+        <p:nvCxnSpPr>
+          <p:cNvPr id="34" name="Straight Connector 33"/>
+          <p:cNvCxnSpPr/>
+          <p:nvPr/>
+        </p:nvCxnSpPr>
+        <p:spPr>
+          <a:xfrm flipV="1">
+            <a:off x="6557963" y="2664856"/>
+            <a:ext cx="1665922" cy="1905"/>
+          </a:xfrm>
+          <a:prstGeom prst="line">
+            <a:avLst/>
+          </a:prstGeom>
+          <a:ln w="57150">
+            <a:solidFill>
+              <a:srgbClr val="C2F3FD"/>
+            </a:solidFill>
+          </a:ln>
+        </p:spPr>
+        <p:style>
+          <a:lnRef idx="1">
+            <a:schemeClr val="accent1"/>
+          </a:lnRef>
+          <a:fillRef idx="0">
+            <a:schemeClr val="accent1"/>
+          </a:fillRef>
+          <a:effectRef idx="0">
+            <a:schemeClr val="accent1"/>
+          </a:effectRef>
+          <a:fontRef idx="minor">
+            <a:schemeClr val="tx1"/>
+          </a:fontRef>
+        </p:style>
+      </p:cxnSp>
+      <p:sp>
+        <p:nvSpPr>
           <p:cNvPr id="3" name="TextBox 2"/>
           <p:cNvSpPr txBox="1"/>
           <p:nvPr/>
@@ -7171,10 +8096,2353 @@
           </a:p>
         </p:txBody>
       </p:sp>
+      <p:pic>
+        <p:nvPicPr>
+          <p:cNvPr id="4" name="Picture 3"/>
+          <p:cNvPicPr>
+            <a:picLocks noChangeAspect="1"/>
+          </p:cNvPicPr>
+          <p:nvPr/>
+        </p:nvPicPr>
+        <p:blipFill>
+          <a:blip r:embed="rId4"/>
+          <a:stretch>
+            <a:fillRect/>
+          </a:stretch>
+        </p:blipFill>
+        <p:spPr>
+          <a:xfrm>
+            <a:off x="8057322" y="2690575"/>
+            <a:ext cx="195691" cy="3825396"/>
+          </a:xfrm>
+          <a:prstGeom prst="rect">
+            <a:avLst/>
+          </a:prstGeom>
+        </p:spPr>
+      </p:pic>
     </p:spTree>
     <p:extLst>
       <p:ext uri="{BB962C8B-B14F-4D97-AF65-F5344CB8AC3E}">
         <p14:creationId xmlns:p14="http://schemas.microsoft.com/office/powerpoint/2010/main" val="2261557444"/>
+      </p:ext>
+    </p:extLst>
+  </p:cSld>
+  <p:clrMapOvr>
+    <a:masterClrMapping/>
+  </p:clrMapOvr>
+  <mc:AlternateContent xmlns:mc="http://schemas.openxmlformats.org/markup-compatibility/2006" xmlns:p14="http://schemas.microsoft.com/office/powerpoint/2010/main">
+    <mc:Choice Requires="p14">
+      <p:transition spd="slow" p14:dur="1600">
+        <p14:prism isInverted="1"/>
+      </p:transition>
+    </mc:Choice>
+    <mc:Fallback xmlns="">
+      <p:transition spd="slow">
+        <p:fade/>
+      </p:transition>
+    </mc:Fallback>
+  </mc:AlternateContent>
+</p:sld>
+</file>
+
+<file path=ppt/slides/slide12.xml><?xml version="1.0" encoding="utf-8"?>
+<p:sld xmlns:a="http://schemas.openxmlformats.org/drawingml/2006/main" xmlns:r="http://schemas.openxmlformats.org/officeDocument/2006/relationships" xmlns:p="http://schemas.openxmlformats.org/presentationml/2006/main">
+  <p:cSld>
+    <p:spTree>
+      <p:nvGrpSpPr>
+        <p:cNvPr id="1" name=""/>
+        <p:cNvGrpSpPr/>
+        <p:nvPr/>
+      </p:nvGrpSpPr>
+      <p:grpSpPr>
+        <a:xfrm>
+          <a:off x="0" y="0"/>
+          <a:ext cx="0" cy="0"/>
+          <a:chOff x="0" y="0"/>
+          <a:chExt cx="0" cy="0"/>
+        </a:xfrm>
+      </p:grpSpPr>
+      <p:sp>
+        <p:nvSpPr>
+          <p:cNvPr id="2" name="Title 1"/>
+          <p:cNvSpPr>
+            <a:spLocks noGrp="1"/>
+          </p:cNvSpPr>
+          <p:nvPr>
+            <p:ph type="title"/>
+          </p:nvPr>
+        </p:nvSpPr>
+        <p:spPr>
+          <a:xfrm>
+            <a:off x="1512446" y="140680"/>
+            <a:ext cx="10018713" cy="1223887"/>
+          </a:xfrm>
+        </p:spPr>
+        <p:txBody>
+          <a:bodyPr/>
+          <a:lstStyle/>
+          <a:p>
+            <a:r>
+              <a:rPr lang="en-PH" b="1" dirty="0"/>
+              <a:t>Features (continued)</a:t>
+            </a:r>
+          </a:p>
+        </p:txBody>
+      </p:sp>
+      <p:sp>
+        <p:nvSpPr>
+          <p:cNvPr id="5" name="Rectangle 4"/>
+          <p:cNvSpPr/>
+          <p:nvPr/>
+        </p:nvSpPr>
+        <p:spPr>
+          <a:xfrm>
+            <a:off x="4777407" y="1353127"/>
+            <a:ext cx="3488788" cy="5162844"/>
+          </a:xfrm>
+          <a:prstGeom prst="rect">
+            <a:avLst/>
+          </a:prstGeom>
+          <a:solidFill>
+            <a:srgbClr val="1789A9"/>
+          </a:solidFill>
+          <a:ln>
+            <a:solidFill>
+              <a:srgbClr val="E38C59"/>
+            </a:solidFill>
+          </a:ln>
+        </p:spPr>
+        <p:style>
+          <a:lnRef idx="2">
+            <a:schemeClr val="accent1">
+              <a:shade val="50000"/>
+            </a:schemeClr>
+          </a:lnRef>
+          <a:fillRef idx="1">
+            <a:schemeClr val="accent1"/>
+          </a:fillRef>
+          <a:effectRef idx="0">
+            <a:schemeClr val="accent1"/>
+          </a:effectRef>
+          <a:fontRef idx="minor">
+            <a:schemeClr val="lt1"/>
+          </a:fontRef>
+        </p:style>
+        <p:txBody>
+          <a:bodyPr rtlCol="0" anchor="ctr"/>
+          <a:lstStyle/>
+          <a:p>
+            <a:pPr algn="ctr"/>
+            <a:endParaRPr lang="en-PH"/>
+          </a:p>
+        </p:txBody>
+      </p:sp>
+      <p:sp>
+        <p:nvSpPr>
+          <p:cNvPr id="7" name="TextBox 6"/>
+          <p:cNvSpPr txBox="1"/>
+          <p:nvPr/>
+        </p:nvSpPr>
+        <p:spPr>
+          <a:xfrm>
+            <a:off x="5284121" y="1816817"/>
+            <a:ext cx="2489552" cy="461665"/>
+          </a:xfrm>
+          <a:prstGeom prst="rect">
+            <a:avLst/>
+          </a:prstGeom>
+          <a:noFill/>
+        </p:spPr>
+        <p:txBody>
+          <a:bodyPr wrap="square" rtlCol="0">
+            <a:spAutoFit/>
+          </a:bodyPr>
+          <a:lstStyle/>
+          <a:p>
+            <a:pPr algn="ctr"/>
+            <a:r>
+              <a:rPr lang="en-PH" sz="2400" b="1" dirty="0">
+                <a:solidFill>
+                  <a:schemeClr val="bg1"/>
+                </a:solidFill>
+                <a:latin typeface="Arial" panose="020B0604020202020204" pitchFamily="34" charset="0"/>
+                <a:cs typeface="Arial" panose="020B0604020202020204" pitchFamily="34" charset="0"/>
+              </a:rPr>
+              <a:t>ELOUS STORE</a:t>
+            </a:r>
+          </a:p>
+        </p:txBody>
+      </p:sp>
+      <p:sp>
+        <p:nvSpPr>
+          <p:cNvPr id="8" name="TextBox 7"/>
+          <p:cNvSpPr txBox="1"/>
+          <p:nvPr/>
+        </p:nvSpPr>
+        <p:spPr>
+          <a:xfrm>
+            <a:off x="5385152" y="2551011"/>
+            <a:ext cx="2273300" cy="369332"/>
+          </a:xfrm>
+          <a:prstGeom prst="rect">
+            <a:avLst/>
+          </a:prstGeom>
+          <a:noFill/>
+        </p:spPr>
+        <p:txBody>
+          <a:bodyPr wrap="square" rtlCol="0">
+            <a:spAutoFit/>
+          </a:bodyPr>
+          <a:lstStyle/>
+          <a:p>
+            <a:pPr algn="ctr"/>
+            <a:r>
+              <a:rPr lang="en-PH" dirty="0">
+                <a:solidFill>
+                  <a:schemeClr val="bg1"/>
+                </a:solidFill>
+              </a:rPr>
+              <a:t>Welcome!</a:t>
+            </a:r>
+          </a:p>
+        </p:txBody>
+      </p:sp>
+      <p:pic>
+        <p:nvPicPr>
+          <p:cNvPr id="9" name="Picture 8"/>
+          <p:cNvPicPr>
+            <a:picLocks noChangeAspect="1"/>
+          </p:cNvPicPr>
+          <p:nvPr/>
+        </p:nvPicPr>
+        <p:blipFill>
+          <a:blip r:embed="rId2"/>
+          <a:stretch>
+            <a:fillRect/>
+          </a:stretch>
+        </p:blipFill>
+        <p:spPr>
+          <a:xfrm>
+            <a:off x="9555301" y="362098"/>
+            <a:ext cx="2133600" cy="781050"/>
+          </a:xfrm>
+          <a:prstGeom prst="rect">
+            <a:avLst/>
+          </a:prstGeom>
+        </p:spPr>
+      </p:pic>
+      <p:cxnSp>
+        <p:nvCxnSpPr>
+          <p:cNvPr id="15" name="Straight Connector 14"/>
+          <p:cNvCxnSpPr/>
+          <p:nvPr/>
+        </p:nvCxnSpPr>
+        <p:spPr>
+          <a:xfrm>
+            <a:off x="5138134" y="3035300"/>
+            <a:ext cx="2753391" cy="6232"/>
+          </a:xfrm>
+          <a:prstGeom prst="line">
+            <a:avLst/>
+          </a:prstGeom>
+          <a:ln>
+            <a:solidFill>
+              <a:srgbClr val="C2F3FD"/>
+            </a:solidFill>
+          </a:ln>
+        </p:spPr>
+        <p:style>
+          <a:lnRef idx="1">
+            <a:schemeClr val="accent1"/>
+          </a:lnRef>
+          <a:fillRef idx="0">
+            <a:schemeClr val="accent1"/>
+          </a:fillRef>
+          <a:effectRef idx="0">
+            <a:schemeClr val="accent1"/>
+          </a:effectRef>
+          <a:fontRef idx="minor">
+            <a:schemeClr val="tx1"/>
+          </a:fontRef>
+        </p:style>
+      </p:cxnSp>
+      <p:sp>
+        <p:nvSpPr>
+          <p:cNvPr id="21" name="Rounded Rectangle 20"/>
+          <p:cNvSpPr/>
+          <p:nvPr/>
+        </p:nvSpPr>
+        <p:spPr>
+          <a:xfrm>
+            <a:off x="5533848" y="3294793"/>
+            <a:ext cx="1933087" cy="478302"/>
+          </a:xfrm>
+          <a:prstGeom prst="roundRect">
+            <a:avLst/>
+          </a:prstGeom>
+          <a:solidFill>
+            <a:srgbClr val="FCD4BA"/>
+          </a:solidFill>
+          <a:ln>
+            <a:noFill/>
+          </a:ln>
+          <a:effectLst/>
+          <a:scene3d>
+            <a:camera prst="orthographicFront"/>
+            <a:lightRig rig="threePt" dir="t"/>
+          </a:scene3d>
+          <a:sp3d>
+            <a:bevelT/>
+          </a:sp3d>
+        </p:spPr>
+        <p:style>
+          <a:lnRef idx="2">
+            <a:schemeClr val="accent1">
+              <a:shade val="50000"/>
+            </a:schemeClr>
+          </a:lnRef>
+          <a:fillRef idx="1">
+            <a:schemeClr val="accent1"/>
+          </a:fillRef>
+          <a:effectRef idx="0">
+            <a:schemeClr val="accent1"/>
+          </a:effectRef>
+          <a:fontRef idx="minor">
+            <a:schemeClr val="lt1"/>
+          </a:fontRef>
+        </p:style>
+        <p:txBody>
+          <a:bodyPr rtlCol="0" anchor="ctr"/>
+          <a:lstStyle/>
+          <a:p>
+            <a:r>
+              <a:rPr lang="en-PH" b="1" dirty="0">
+                <a:solidFill>
+                  <a:srgbClr val="0B4555"/>
+                </a:solidFill>
+              </a:rPr>
+              <a:t>Sales</a:t>
+            </a:r>
+          </a:p>
+        </p:txBody>
+      </p:sp>
+      <p:sp>
+        <p:nvSpPr>
+          <p:cNvPr id="23" name="Rounded Rectangle 22"/>
+          <p:cNvSpPr/>
+          <p:nvPr/>
+        </p:nvSpPr>
+        <p:spPr>
+          <a:xfrm>
+            <a:off x="5533848" y="3909480"/>
+            <a:ext cx="1933087" cy="478302"/>
+          </a:xfrm>
+          <a:prstGeom prst="roundRect">
+            <a:avLst/>
+          </a:prstGeom>
+          <a:solidFill>
+            <a:srgbClr val="FCD4BA"/>
+          </a:solidFill>
+          <a:ln>
+            <a:solidFill>
+              <a:srgbClr val="71B8C7"/>
+            </a:solidFill>
+          </a:ln>
+          <a:scene3d>
+            <a:camera prst="orthographicFront"/>
+            <a:lightRig rig="threePt" dir="t"/>
+          </a:scene3d>
+          <a:sp3d>
+            <a:bevelT/>
+          </a:sp3d>
+        </p:spPr>
+        <p:style>
+          <a:lnRef idx="2">
+            <a:schemeClr val="accent1">
+              <a:shade val="50000"/>
+            </a:schemeClr>
+          </a:lnRef>
+          <a:fillRef idx="1">
+            <a:schemeClr val="accent1"/>
+          </a:fillRef>
+          <a:effectRef idx="0">
+            <a:schemeClr val="accent1"/>
+          </a:effectRef>
+          <a:fontRef idx="minor">
+            <a:schemeClr val="lt1"/>
+          </a:fontRef>
+        </p:style>
+        <p:txBody>
+          <a:bodyPr rtlCol="0" anchor="ctr"/>
+          <a:lstStyle/>
+          <a:p>
+            <a:r>
+              <a:rPr lang="en-PH" b="1" dirty="0">
+                <a:solidFill>
+                  <a:srgbClr val="0B4555"/>
+                </a:solidFill>
+              </a:rPr>
+              <a:t>Products</a:t>
+            </a:r>
+          </a:p>
+        </p:txBody>
+      </p:sp>
+      <p:sp>
+        <p:nvSpPr>
+          <p:cNvPr id="24" name="Rounded Rectangle 23"/>
+          <p:cNvSpPr/>
+          <p:nvPr/>
+        </p:nvSpPr>
+        <p:spPr>
+          <a:xfrm>
+            <a:off x="5533845" y="4539600"/>
+            <a:ext cx="1933087" cy="478302"/>
+          </a:xfrm>
+          <a:prstGeom prst="roundRect">
+            <a:avLst/>
+          </a:prstGeom>
+          <a:solidFill>
+            <a:srgbClr val="FCD4BA"/>
+          </a:solidFill>
+          <a:ln>
+            <a:solidFill>
+              <a:srgbClr val="71B8C7"/>
+            </a:solidFill>
+          </a:ln>
+          <a:scene3d>
+            <a:camera prst="orthographicFront"/>
+            <a:lightRig rig="threePt" dir="t"/>
+          </a:scene3d>
+          <a:sp3d>
+            <a:bevelT/>
+          </a:sp3d>
+        </p:spPr>
+        <p:style>
+          <a:lnRef idx="2">
+            <a:schemeClr val="accent1">
+              <a:shade val="50000"/>
+            </a:schemeClr>
+          </a:lnRef>
+          <a:fillRef idx="1">
+            <a:schemeClr val="accent1"/>
+          </a:fillRef>
+          <a:effectRef idx="0">
+            <a:schemeClr val="accent1"/>
+          </a:effectRef>
+          <a:fontRef idx="minor">
+            <a:schemeClr val="lt1"/>
+          </a:fontRef>
+        </p:style>
+        <p:txBody>
+          <a:bodyPr rtlCol="0" anchor="ctr"/>
+          <a:lstStyle/>
+          <a:p>
+            <a:r>
+              <a:rPr lang="en-PH" b="1" dirty="0">
+                <a:solidFill>
+                  <a:srgbClr val="0B4555"/>
+                </a:solidFill>
+              </a:rPr>
+              <a:t>Graph</a:t>
+            </a:r>
+          </a:p>
+        </p:txBody>
+      </p:sp>
+      <p:pic>
+        <p:nvPicPr>
+          <p:cNvPr id="14" name="Picture 13"/>
+          <p:cNvPicPr>
+            <a:picLocks noChangeAspect="1"/>
+          </p:cNvPicPr>
+          <p:nvPr/>
+        </p:nvPicPr>
+        <p:blipFill>
+          <a:blip r:embed="rId3">
+            <a:extLst>
+              <a:ext uri="{BEBA8EAE-BF5A-486C-A8C5-ECC9F3942E4B}">
+                <a14:imgProps xmlns:a14="http://schemas.microsoft.com/office/drawing/2010/main">
+                  <a14:imgLayer r:embed="rId4">
+                    <a14:imgEffect>
+                      <a14:brightnessContrast bright="20000"/>
+                    </a14:imgEffect>
+                  </a14:imgLayer>
+                </a14:imgProps>
+              </a:ext>
+            </a:extLst>
+          </a:blip>
+          <a:stretch>
+            <a:fillRect/>
+          </a:stretch>
+        </p:blipFill>
+        <p:spPr>
+          <a:xfrm>
+            <a:off x="6970996" y="4658209"/>
+            <a:ext cx="442148" cy="343892"/>
+          </a:xfrm>
+          <a:prstGeom prst="rect">
+            <a:avLst/>
+          </a:prstGeom>
+          <a:effectLst>
+            <a:softEdge rad="25400"/>
+          </a:effectLst>
+        </p:spPr>
+      </p:pic>
+      <p:pic>
+        <p:nvPicPr>
+          <p:cNvPr id="18" name="Picture 17"/>
+          <p:cNvPicPr>
+            <a:picLocks noChangeAspect="1"/>
+          </p:cNvPicPr>
+          <p:nvPr/>
+        </p:nvPicPr>
+        <p:blipFill>
+          <a:blip r:embed="rId5">
+            <a:extLst>
+              <a:ext uri="{BEBA8EAE-BF5A-486C-A8C5-ECC9F3942E4B}">
+                <a14:imgProps xmlns:a14="http://schemas.microsoft.com/office/drawing/2010/main">
+                  <a14:imgLayer r:embed="rId6">
+                    <a14:imgEffect>
+                      <a14:brightnessContrast bright="20000"/>
+                    </a14:imgEffect>
+                  </a14:imgLayer>
+                </a14:imgProps>
+              </a:ext>
+            </a:extLst>
+          </a:blip>
+          <a:stretch>
+            <a:fillRect/>
+          </a:stretch>
+        </p:blipFill>
+        <p:spPr>
+          <a:xfrm>
+            <a:off x="6970996" y="3362441"/>
+            <a:ext cx="442147" cy="341668"/>
+          </a:xfrm>
+          <a:prstGeom prst="rect">
+            <a:avLst/>
+          </a:prstGeom>
+          <a:effectLst>
+            <a:softEdge rad="25400"/>
+          </a:effectLst>
+        </p:spPr>
+      </p:pic>
+      <p:pic>
+        <p:nvPicPr>
+          <p:cNvPr id="26" name="Picture 25"/>
+          <p:cNvPicPr>
+            <a:picLocks noChangeAspect="1"/>
+          </p:cNvPicPr>
+          <p:nvPr/>
+        </p:nvPicPr>
+        <p:blipFill>
+          <a:blip r:embed="rId7">
+            <a:extLst>
+              <a:ext uri="{BEBA8EAE-BF5A-486C-A8C5-ECC9F3942E4B}">
+                <a14:imgProps xmlns:a14="http://schemas.microsoft.com/office/drawing/2010/main">
+                  <a14:imgLayer r:embed="rId8">
+                    <a14:imgEffect>
+                      <a14:brightnessContrast bright="20000"/>
+                    </a14:imgEffect>
+                  </a14:imgLayer>
+                </a14:imgProps>
+              </a:ext>
+            </a:extLst>
+          </a:blip>
+          <a:stretch>
+            <a:fillRect/>
+          </a:stretch>
+        </p:blipFill>
+        <p:spPr>
+          <a:xfrm>
+            <a:off x="6971993" y="3995343"/>
+            <a:ext cx="442147" cy="343892"/>
+          </a:xfrm>
+          <a:prstGeom prst="rect">
+            <a:avLst/>
+          </a:prstGeom>
+          <a:effectLst>
+            <a:softEdge rad="25400"/>
+          </a:effectLst>
+        </p:spPr>
+      </p:pic>
+      <p:sp>
+        <p:nvSpPr>
+          <p:cNvPr id="28" name="Rounded Rectangle 27"/>
+          <p:cNvSpPr/>
+          <p:nvPr/>
+        </p:nvSpPr>
+        <p:spPr>
+          <a:xfrm>
+            <a:off x="5533845" y="5181558"/>
+            <a:ext cx="1933087" cy="478302"/>
+          </a:xfrm>
+          <a:prstGeom prst="roundRect">
+            <a:avLst/>
+          </a:prstGeom>
+          <a:solidFill>
+            <a:srgbClr val="FCD4BA"/>
+          </a:solidFill>
+          <a:ln>
+            <a:solidFill>
+              <a:srgbClr val="71B8C7"/>
+            </a:solidFill>
+          </a:ln>
+          <a:scene3d>
+            <a:camera prst="orthographicFront"/>
+            <a:lightRig rig="threePt" dir="t"/>
+          </a:scene3d>
+          <a:sp3d>
+            <a:bevelT/>
+          </a:sp3d>
+        </p:spPr>
+        <p:style>
+          <a:lnRef idx="2">
+            <a:schemeClr val="accent1">
+              <a:shade val="50000"/>
+            </a:schemeClr>
+          </a:lnRef>
+          <a:fillRef idx="1">
+            <a:schemeClr val="accent1"/>
+          </a:fillRef>
+          <a:effectRef idx="0">
+            <a:schemeClr val="accent1"/>
+          </a:effectRef>
+          <a:fontRef idx="minor">
+            <a:schemeClr val="lt1"/>
+          </a:fontRef>
+        </p:style>
+        <p:txBody>
+          <a:bodyPr rtlCol="0" anchor="ctr"/>
+          <a:lstStyle/>
+          <a:p>
+            <a:r>
+              <a:rPr lang="en-PH" b="1" dirty="0">
+                <a:solidFill>
+                  <a:srgbClr val="0B4555"/>
+                </a:solidFill>
+              </a:rPr>
+              <a:t>Expenses</a:t>
+            </a:r>
+          </a:p>
+        </p:txBody>
+      </p:sp>
+      <p:pic>
+        <p:nvPicPr>
+          <p:cNvPr id="29" name="Picture 28"/>
+          <p:cNvPicPr>
+            <a:picLocks noChangeAspect="1"/>
+          </p:cNvPicPr>
+          <p:nvPr/>
+        </p:nvPicPr>
+        <p:blipFill>
+          <a:blip r:embed="rId9"/>
+          <a:stretch>
+            <a:fillRect/>
+          </a:stretch>
+        </p:blipFill>
+        <p:spPr>
+          <a:xfrm>
+            <a:off x="6970995" y="5240770"/>
+            <a:ext cx="442147" cy="343892"/>
+          </a:xfrm>
+          <a:prstGeom prst="rect">
+            <a:avLst/>
+          </a:prstGeom>
+        </p:spPr>
+      </p:pic>
+      <p:cxnSp>
+        <p:nvCxnSpPr>
+          <p:cNvPr id="30" name="Straight Connector 29"/>
+          <p:cNvCxnSpPr/>
+          <p:nvPr/>
+        </p:nvCxnSpPr>
+        <p:spPr>
+          <a:xfrm>
+            <a:off x="5123692" y="5934015"/>
+            <a:ext cx="2753391" cy="6232"/>
+          </a:xfrm>
+          <a:prstGeom prst="line">
+            <a:avLst/>
+          </a:prstGeom>
+          <a:ln>
+            <a:solidFill>
+              <a:srgbClr val="C2F3FD"/>
+            </a:solidFill>
+          </a:ln>
+        </p:spPr>
+        <p:style>
+          <a:lnRef idx="1">
+            <a:schemeClr val="accent1"/>
+          </a:lnRef>
+          <a:fillRef idx="0">
+            <a:schemeClr val="accent1"/>
+          </a:fillRef>
+          <a:effectRef idx="0">
+            <a:schemeClr val="accent1"/>
+          </a:effectRef>
+          <a:fontRef idx="minor">
+            <a:schemeClr val="tx1"/>
+          </a:fontRef>
+        </p:style>
+      </p:cxnSp>
+      <p:sp>
+        <p:nvSpPr>
+          <p:cNvPr id="32" name="TextBox 31"/>
+          <p:cNvSpPr txBox="1"/>
+          <p:nvPr/>
+        </p:nvSpPr>
+        <p:spPr>
+          <a:xfrm>
+            <a:off x="6059368" y="6019452"/>
+            <a:ext cx="939057" cy="369332"/>
+          </a:xfrm>
+          <a:prstGeom prst="rect">
+            <a:avLst/>
+          </a:prstGeom>
+          <a:noFill/>
+        </p:spPr>
+        <p:txBody>
+          <a:bodyPr wrap="square" rtlCol="0">
+            <a:spAutoFit/>
+          </a:bodyPr>
+          <a:lstStyle/>
+          <a:p>
+            <a:r>
+              <a:rPr lang="en-PH" u="sng" dirty="0">
+                <a:solidFill>
+                  <a:srgbClr val="C2F3FD"/>
+                </a:solidFill>
+              </a:rPr>
+              <a:t>Logout</a:t>
+            </a:r>
+          </a:p>
+        </p:txBody>
+      </p:sp>
+      <p:sp>
+        <p:nvSpPr>
+          <p:cNvPr id="36" name="TextBox 35"/>
+          <p:cNvSpPr txBox="1"/>
+          <p:nvPr/>
+        </p:nvSpPr>
+        <p:spPr>
+          <a:xfrm>
+            <a:off x="9494151" y="1324499"/>
+            <a:ext cx="2446326" cy="461665"/>
+          </a:xfrm>
+          <a:prstGeom prst="rect">
+            <a:avLst/>
+          </a:prstGeom>
+          <a:noFill/>
+        </p:spPr>
+        <p:txBody>
+          <a:bodyPr wrap="square" rtlCol="0">
+            <a:spAutoFit/>
+          </a:bodyPr>
+          <a:lstStyle/>
+          <a:p>
+            <a:r>
+              <a:rPr lang="en-PH" sz="2400" dirty="0"/>
+              <a:t>MAIN ACTIVITY</a:t>
+            </a:r>
+          </a:p>
+        </p:txBody>
+      </p:sp>
+      <p:sp>
+        <p:nvSpPr>
+          <p:cNvPr id="3" name="Oval 2"/>
+          <p:cNvSpPr/>
+          <p:nvPr/>
+        </p:nvSpPr>
+        <p:spPr>
+          <a:xfrm>
+            <a:off x="5138134" y="3660578"/>
+            <a:ext cx="2635540" cy="944242"/>
+          </a:xfrm>
+          <a:prstGeom prst="ellipse">
+            <a:avLst/>
+          </a:prstGeom>
+          <a:noFill/>
+          <a:ln>
+            <a:solidFill>
+              <a:srgbClr val="FF0000"/>
+            </a:solidFill>
+          </a:ln>
+        </p:spPr>
+        <p:style>
+          <a:lnRef idx="2">
+            <a:schemeClr val="accent1">
+              <a:shade val="50000"/>
+            </a:schemeClr>
+          </a:lnRef>
+          <a:fillRef idx="1">
+            <a:schemeClr val="accent1"/>
+          </a:fillRef>
+          <a:effectRef idx="0">
+            <a:schemeClr val="accent1"/>
+          </a:effectRef>
+          <a:fontRef idx="minor">
+            <a:schemeClr val="lt1"/>
+          </a:fontRef>
+        </p:style>
+        <p:txBody>
+          <a:bodyPr rtlCol="0" anchor="ctr"/>
+          <a:lstStyle/>
+          <a:p>
+            <a:pPr algn="ctr"/>
+            <a:endParaRPr lang="en-PH"/>
+          </a:p>
+        </p:txBody>
+      </p:sp>
+    </p:spTree>
+    <p:extLst>
+      <p:ext uri="{BB962C8B-B14F-4D97-AF65-F5344CB8AC3E}">
+        <p14:creationId xmlns:p14="http://schemas.microsoft.com/office/powerpoint/2010/main" val="2102585841"/>
+      </p:ext>
+    </p:extLst>
+  </p:cSld>
+  <p:clrMapOvr>
+    <a:masterClrMapping/>
+  </p:clrMapOvr>
+  <mc:AlternateContent xmlns:mc="http://schemas.openxmlformats.org/markup-compatibility/2006" xmlns:p14="http://schemas.microsoft.com/office/powerpoint/2010/main">
+    <mc:Choice Requires="p14">
+      <p:transition spd="slow" p14:dur="1600">
+        <p14:prism isInverted="1"/>
+      </p:transition>
+    </mc:Choice>
+    <mc:Fallback xmlns="">
+      <p:transition spd="slow">
+        <p:fade/>
+      </p:transition>
+    </mc:Fallback>
+  </mc:AlternateContent>
+</p:sld>
+</file>
+
+<file path=ppt/slides/slide13.xml><?xml version="1.0" encoding="utf-8"?>
+<p:sld xmlns:a="http://schemas.openxmlformats.org/drawingml/2006/main" xmlns:r="http://schemas.openxmlformats.org/officeDocument/2006/relationships" xmlns:p="http://schemas.openxmlformats.org/presentationml/2006/main">
+  <p:cSld>
+    <p:spTree>
+      <p:nvGrpSpPr>
+        <p:cNvPr id="1" name=""/>
+        <p:cNvGrpSpPr/>
+        <p:nvPr/>
+      </p:nvGrpSpPr>
+      <p:grpSpPr>
+        <a:xfrm>
+          <a:off x="0" y="0"/>
+          <a:ext cx="0" cy="0"/>
+          <a:chOff x="0" y="0"/>
+          <a:chExt cx="0" cy="0"/>
+        </a:xfrm>
+      </p:grpSpPr>
+      <p:sp>
+        <p:nvSpPr>
+          <p:cNvPr id="2" name="Title 1"/>
+          <p:cNvSpPr>
+            <a:spLocks noGrp="1"/>
+          </p:cNvSpPr>
+          <p:nvPr>
+            <p:ph type="title"/>
+          </p:nvPr>
+        </p:nvSpPr>
+        <p:spPr>
+          <a:xfrm>
+            <a:off x="1512446" y="140680"/>
+            <a:ext cx="10018713" cy="1223887"/>
+          </a:xfrm>
+        </p:spPr>
+        <p:txBody>
+          <a:bodyPr/>
+          <a:lstStyle/>
+          <a:p>
+            <a:r>
+              <a:rPr lang="en-PH" b="1" dirty="0"/>
+              <a:t>Features (continued)</a:t>
+            </a:r>
+          </a:p>
+        </p:txBody>
+      </p:sp>
+      <p:sp>
+        <p:nvSpPr>
+          <p:cNvPr id="5" name="Rectangle 4"/>
+          <p:cNvSpPr/>
+          <p:nvPr/>
+        </p:nvSpPr>
+        <p:spPr>
+          <a:xfrm>
+            <a:off x="4777407" y="1353127"/>
+            <a:ext cx="3488788" cy="5162844"/>
+          </a:xfrm>
+          <a:prstGeom prst="rect">
+            <a:avLst/>
+          </a:prstGeom>
+          <a:solidFill>
+            <a:srgbClr val="1789A9"/>
+          </a:solidFill>
+          <a:ln>
+            <a:solidFill>
+              <a:srgbClr val="E38C59"/>
+            </a:solidFill>
+          </a:ln>
+        </p:spPr>
+        <p:style>
+          <a:lnRef idx="2">
+            <a:schemeClr val="accent1">
+              <a:shade val="50000"/>
+            </a:schemeClr>
+          </a:lnRef>
+          <a:fillRef idx="1">
+            <a:schemeClr val="accent1"/>
+          </a:fillRef>
+          <a:effectRef idx="0">
+            <a:schemeClr val="accent1"/>
+          </a:effectRef>
+          <a:fontRef idx="minor">
+            <a:schemeClr val="lt1"/>
+          </a:fontRef>
+        </p:style>
+        <p:txBody>
+          <a:bodyPr rtlCol="0" anchor="ctr"/>
+          <a:lstStyle/>
+          <a:p>
+            <a:pPr algn="ctr"/>
+            <a:endParaRPr lang="en-PH"/>
+          </a:p>
+        </p:txBody>
+      </p:sp>
+      <p:sp>
+        <p:nvSpPr>
+          <p:cNvPr id="7" name="TextBox 6"/>
+          <p:cNvSpPr txBox="1"/>
+          <p:nvPr/>
+        </p:nvSpPr>
+        <p:spPr>
+          <a:xfrm>
+            <a:off x="5284121" y="1816817"/>
+            <a:ext cx="2489552" cy="461665"/>
+          </a:xfrm>
+          <a:prstGeom prst="rect">
+            <a:avLst/>
+          </a:prstGeom>
+          <a:noFill/>
+        </p:spPr>
+        <p:txBody>
+          <a:bodyPr wrap="square" rtlCol="0">
+            <a:spAutoFit/>
+          </a:bodyPr>
+          <a:lstStyle/>
+          <a:p>
+            <a:pPr algn="ctr"/>
+            <a:r>
+              <a:rPr lang="en-PH" sz="2400" b="1" dirty="0">
+                <a:solidFill>
+                  <a:schemeClr val="bg1"/>
+                </a:solidFill>
+                <a:latin typeface="Arial" panose="020B0604020202020204" pitchFamily="34" charset="0"/>
+                <a:cs typeface="Arial" panose="020B0604020202020204" pitchFamily="34" charset="0"/>
+              </a:rPr>
+              <a:t>ELOUS STORE</a:t>
+            </a:r>
+          </a:p>
+        </p:txBody>
+      </p:sp>
+      <p:sp>
+        <p:nvSpPr>
+          <p:cNvPr id="8" name="TextBox 7"/>
+          <p:cNvSpPr txBox="1"/>
+          <p:nvPr/>
+        </p:nvSpPr>
+        <p:spPr>
+          <a:xfrm>
+            <a:off x="5385152" y="2551011"/>
+            <a:ext cx="2273300" cy="369332"/>
+          </a:xfrm>
+          <a:prstGeom prst="rect">
+            <a:avLst/>
+          </a:prstGeom>
+          <a:noFill/>
+        </p:spPr>
+        <p:txBody>
+          <a:bodyPr wrap="square" rtlCol="0">
+            <a:spAutoFit/>
+          </a:bodyPr>
+          <a:lstStyle/>
+          <a:p>
+            <a:pPr algn="ctr"/>
+            <a:r>
+              <a:rPr lang="en-PH" dirty="0">
+                <a:solidFill>
+                  <a:schemeClr val="bg1"/>
+                </a:solidFill>
+              </a:rPr>
+              <a:t>Welcome!</a:t>
+            </a:r>
+          </a:p>
+        </p:txBody>
+      </p:sp>
+      <p:pic>
+        <p:nvPicPr>
+          <p:cNvPr id="9" name="Picture 8"/>
+          <p:cNvPicPr>
+            <a:picLocks noChangeAspect="1"/>
+          </p:cNvPicPr>
+          <p:nvPr/>
+        </p:nvPicPr>
+        <p:blipFill>
+          <a:blip r:embed="rId2"/>
+          <a:stretch>
+            <a:fillRect/>
+          </a:stretch>
+        </p:blipFill>
+        <p:spPr>
+          <a:xfrm>
+            <a:off x="9555301" y="362098"/>
+            <a:ext cx="2133600" cy="781050"/>
+          </a:xfrm>
+          <a:prstGeom prst="rect">
+            <a:avLst/>
+          </a:prstGeom>
+        </p:spPr>
+      </p:pic>
+      <p:cxnSp>
+        <p:nvCxnSpPr>
+          <p:cNvPr id="15" name="Straight Connector 14"/>
+          <p:cNvCxnSpPr/>
+          <p:nvPr/>
+        </p:nvCxnSpPr>
+        <p:spPr>
+          <a:xfrm>
+            <a:off x="5138134" y="3035300"/>
+            <a:ext cx="2753391" cy="6232"/>
+          </a:xfrm>
+          <a:prstGeom prst="line">
+            <a:avLst/>
+          </a:prstGeom>
+          <a:ln>
+            <a:solidFill>
+              <a:srgbClr val="C2F3FD"/>
+            </a:solidFill>
+          </a:ln>
+        </p:spPr>
+        <p:style>
+          <a:lnRef idx="1">
+            <a:schemeClr val="accent1"/>
+          </a:lnRef>
+          <a:fillRef idx="0">
+            <a:schemeClr val="accent1"/>
+          </a:fillRef>
+          <a:effectRef idx="0">
+            <a:schemeClr val="accent1"/>
+          </a:effectRef>
+          <a:fontRef idx="minor">
+            <a:schemeClr val="tx1"/>
+          </a:fontRef>
+        </p:style>
+      </p:cxnSp>
+      <p:sp>
+        <p:nvSpPr>
+          <p:cNvPr id="21" name="Rounded Rectangle 20"/>
+          <p:cNvSpPr/>
+          <p:nvPr/>
+        </p:nvSpPr>
+        <p:spPr>
+          <a:xfrm>
+            <a:off x="5533848" y="3294793"/>
+            <a:ext cx="1933087" cy="478302"/>
+          </a:xfrm>
+          <a:prstGeom prst="roundRect">
+            <a:avLst/>
+          </a:prstGeom>
+          <a:solidFill>
+            <a:srgbClr val="FCD4BA"/>
+          </a:solidFill>
+          <a:ln>
+            <a:noFill/>
+          </a:ln>
+          <a:effectLst/>
+          <a:scene3d>
+            <a:camera prst="orthographicFront"/>
+            <a:lightRig rig="threePt" dir="t"/>
+          </a:scene3d>
+          <a:sp3d>
+            <a:bevelT/>
+          </a:sp3d>
+        </p:spPr>
+        <p:style>
+          <a:lnRef idx="2">
+            <a:schemeClr val="accent1">
+              <a:shade val="50000"/>
+            </a:schemeClr>
+          </a:lnRef>
+          <a:fillRef idx="1">
+            <a:schemeClr val="accent1"/>
+          </a:fillRef>
+          <a:effectRef idx="0">
+            <a:schemeClr val="accent1"/>
+          </a:effectRef>
+          <a:fontRef idx="minor">
+            <a:schemeClr val="lt1"/>
+          </a:fontRef>
+        </p:style>
+        <p:txBody>
+          <a:bodyPr rtlCol="0" anchor="ctr"/>
+          <a:lstStyle/>
+          <a:p>
+            <a:r>
+              <a:rPr lang="en-PH" b="1" dirty="0">
+                <a:solidFill>
+                  <a:srgbClr val="0B4555"/>
+                </a:solidFill>
+              </a:rPr>
+              <a:t>Sales</a:t>
+            </a:r>
+          </a:p>
+        </p:txBody>
+      </p:sp>
+      <p:sp>
+        <p:nvSpPr>
+          <p:cNvPr id="23" name="Rounded Rectangle 22"/>
+          <p:cNvSpPr/>
+          <p:nvPr/>
+        </p:nvSpPr>
+        <p:spPr>
+          <a:xfrm>
+            <a:off x="5533848" y="3909480"/>
+            <a:ext cx="1933087" cy="478302"/>
+          </a:xfrm>
+          <a:prstGeom prst="roundRect">
+            <a:avLst/>
+          </a:prstGeom>
+          <a:solidFill>
+            <a:srgbClr val="FCD4BA"/>
+          </a:solidFill>
+          <a:ln>
+            <a:solidFill>
+              <a:srgbClr val="71B8C7"/>
+            </a:solidFill>
+          </a:ln>
+          <a:scene3d>
+            <a:camera prst="orthographicFront"/>
+            <a:lightRig rig="threePt" dir="t"/>
+          </a:scene3d>
+          <a:sp3d>
+            <a:bevelT/>
+          </a:sp3d>
+        </p:spPr>
+        <p:style>
+          <a:lnRef idx="2">
+            <a:schemeClr val="accent1">
+              <a:shade val="50000"/>
+            </a:schemeClr>
+          </a:lnRef>
+          <a:fillRef idx="1">
+            <a:schemeClr val="accent1"/>
+          </a:fillRef>
+          <a:effectRef idx="0">
+            <a:schemeClr val="accent1"/>
+          </a:effectRef>
+          <a:fontRef idx="minor">
+            <a:schemeClr val="lt1"/>
+          </a:fontRef>
+        </p:style>
+        <p:txBody>
+          <a:bodyPr rtlCol="0" anchor="ctr"/>
+          <a:lstStyle/>
+          <a:p>
+            <a:r>
+              <a:rPr lang="en-PH" b="1" dirty="0">
+                <a:solidFill>
+                  <a:srgbClr val="0B4555"/>
+                </a:solidFill>
+              </a:rPr>
+              <a:t>Products</a:t>
+            </a:r>
+          </a:p>
+        </p:txBody>
+      </p:sp>
+      <p:sp>
+        <p:nvSpPr>
+          <p:cNvPr id="24" name="Rounded Rectangle 23"/>
+          <p:cNvSpPr/>
+          <p:nvPr/>
+        </p:nvSpPr>
+        <p:spPr>
+          <a:xfrm>
+            <a:off x="5533845" y="4539600"/>
+            <a:ext cx="1933087" cy="478302"/>
+          </a:xfrm>
+          <a:prstGeom prst="roundRect">
+            <a:avLst/>
+          </a:prstGeom>
+          <a:solidFill>
+            <a:srgbClr val="FCD4BA"/>
+          </a:solidFill>
+          <a:ln>
+            <a:solidFill>
+              <a:srgbClr val="71B8C7"/>
+            </a:solidFill>
+          </a:ln>
+          <a:scene3d>
+            <a:camera prst="orthographicFront"/>
+            <a:lightRig rig="threePt" dir="t"/>
+          </a:scene3d>
+          <a:sp3d>
+            <a:bevelT/>
+          </a:sp3d>
+        </p:spPr>
+        <p:style>
+          <a:lnRef idx="2">
+            <a:schemeClr val="accent1">
+              <a:shade val="50000"/>
+            </a:schemeClr>
+          </a:lnRef>
+          <a:fillRef idx="1">
+            <a:schemeClr val="accent1"/>
+          </a:fillRef>
+          <a:effectRef idx="0">
+            <a:schemeClr val="accent1"/>
+          </a:effectRef>
+          <a:fontRef idx="minor">
+            <a:schemeClr val="lt1"/>
+          </a:fontRef>
+        </p:style>
+        <p:txBody>
+          <a:bodyPr rtlCol="0" anchor="ctr"/>
+          <a:lstStyle/>
+          <a:p>
+            <a:r>
+              <a:rPr lang="en-PH" b="1" dirty="0">
+                <a:solidFill>
+                  <a:srgbClr val="0B4555"/>
+                </a:solidFill>
+              </a:rPr>
+              <a:t>Graph</a:t>
+            </a:r>
+          </a:p>
+        </p:txBody>
+      </p:sp>
+      <p:pic>
+        <p:nvPicPr>
+          <p:cNvPr id="14" name="Picture 13"/>
+          <p:cNvPicPr>
+            <a:picLocks noChangeAspect="1"/>
+          </p:cNvPicPr>
+          <p:nvPr/>
+        </p:nvPicPr>
+        <p:blipFill>
+          <a:blip r:embed="rId3">
+            <a:extLst>
+              <a:ext uri="{BEBA8EAE-BF5A-486C-A8C5-ECC9F3942E4B}">
+                <a14:imgProps xmlns:a14="http://schemas.microsoft.com/office/drawing/2010/main">
+                  <a14:imgLayer r:embed="rId4">
+                    <a14:imgEffect>
+                      <a14:brightnessContrast bright="20000"/>
+                    </a14:imgEffect>
+                  </a14:imgLayer>
+                </a14:imgProps>
+              </a:ext>
+            </a:extLst>
+          </a:blip>
+          <a:stretch>
+            <a:fillRect/>
+          </a:stretch>
+        </p:blipFill>
+        <p:spPr>
+          <a:xfrm>
+            <a:off x="6970996" y="4658209"/>
+            <a:ext cx="442148" cy="343892"/>
+          </a:xfrm>
+          <a:prstGeom prst="rect">
+            <a:avLst/>
+          </a:prstGeom>
+          <a:effectLst>
+            <a:softEdge rad="25400"/>
+          </a:effectLst>
+        </p:spPr>
+      </p:pic>
+      <p:pic>
+        <p:nvPicPr>
+          <p:cNvPr id="18" name="Picture 17"/>
+          <p:cNvPicPr>
+            <a:picLocks noChangeAspect="1"/>
+          </p:cNvPicPr>
+          <p:nvPr/>
+        </p:nvPicPr>
+        <p:blipFill>
+          <a:blip r:embed="rId5">
+            <a:extLst>
+              <a:ext uri="{BEBA8EAE-BF5A-486C-A8C5-ECC9F3942E4B}">
+                <a14:imgProps xmlns:a14="http://schemas.microsoft.com/office/drawing/2010/main">
+                  <a14:imgLayer r:embed="rId6">
+                    <a14:imgEffect>
+                      <a14:brightnessContrast bright="20000"/>
+                    </a14:imgEffect>
+                  </a14:imgLayer>
+                </a14:imgProps>
+              </a:ext>
+            </a:extLst>
+          </a:blip>
+          <a:stretch>
+            <a:fillRect/>
+          </a:stretch>
+        </p:blipFill>
+        <p:spPr>
+          <a:xfrm>
+            <a:off x="6970996" y="3362441"/>
+            <a:ext cx="442147" cy="341668"/>
+          </a:xfrm>
+          <a:prstGeom prst="rect">
+            <a:avLst/>
+          </a:prstGeom>
+          <a:effectLst>
+            <a:softEdge rad="25400"/>
+          </a:effectLst>
+        </p:spPr>
+      </p:pic>
+      <p:pic>
+        <p:nvPicPr>
+          <p:cNvPr id="26" name="Picture 25"/>
+          <p:cNvPicPr>
+            <a:picLocks noChangeAspect="1"/>
+          </p:cNvPicPr>
+          <p:nvPr/>
+        </p:nvPicPr>
+        <p:blipFill>
+          <a:blip r:embed="rId7">
+            <a:extLst>
+              <a:ext uri="{BEBA8EAE-BF5A-486C-A8C5-ECC9F3942E4B}">
+                <a14:imgProps xmlns:a14="http://schemas.microsoft.com/office/drawing/2010/main">
+                  <a14:imgLayer r:embed="rId8">
+                    <a14:imgEffect>
+                      <a14:brightnessContrast bright="20000"/>
+                    </a14:imgEffect>
+                  </a14:imgLayer>
+                </a14:imgProps>
+              </a:ext>
+            </a:extLst>
+          </a:blip>
+          <a:stretch>
+            <a:fillRect/>
+          </a:stretch>
+        </p:blipFill>
+        <p:spPr>
+          <a:xfrm>
+            <a:off x="6971993" y="3995343"/>
+            <a:ext cx="442147" cy="343892"/>
+          </a:xfrm>
+          <a:prstGeom prst="rect">
+            <a:avLst/>
+          </a:prstGeom>
+          <a:effectLst>
+            <a:softEdge rad="25400"/>
+          </a:effectLst>
+        </p:spPr>
+      </p:pic>
+      <p:sp>
+        <p:nvSpPr>
+          <p:cNvPr id="28" name="Rounded Rectangle 27"/>
+          <p:cNvSpPr/>
+          <p:nvPr/>
+        </p:nvSpPr>
+        <p:spPr>
+          <a:xfrm>
+            <a:off x="5533845" y="5181558"/>
+            <a:ext cx="1933087" cy="478302"/>
+          </a:xfrm>
+          <a:prstGeom prst="roundRect">
+            <a:avLst/>
+          </a:prstGeom>
+          <a:solidFill>
+            <a:srgbClr val="FCD4BA"/>
+          </a:solidFill>
+          <a:ln>
+            <a:solidFill>
+              <a:srgbClr val="71B8C7"/>
+            </a:solidFill>
+          </a:ln>
+          <a:scene3d>
+            <a:camera prst="orthographicFront"/>
+            <a:lightRig rig="threePt" dir="t"/>
+          </a:scene3d>
+          <a:sp3d>
+            <a:bevelT/>
+          </a:sp3d>
+        </p:spPr>
+        <p:style>
+          <a:lnRef idx="2">
+            <a:schemeClr val="accent1">
+              <a:shade val="50000"/>
+            </a:schemeClr>
+          </a:lnRef>
+          <a:fillRef idx="1">
+            <a:schemeClr val="accent1"/>
+          </a:fillRef>
+          <a:effectRef idx="0">
+            <a:schemeClr val="accent1"/>
+          </a:effectRef>
+          <a:fontRef idx="minor">
+            <a:schemeClr val="lt1"/>
+          </a:fontRef>
+        </p:style>
+        <p:txBody>
+          <a:bodyPr rtlCol="0" anchor="ctr"/>
+          <a:lstStyle/>
+          <a:p>
+            <a:r>
+              <a:rPr lang="en-PH" b="1" dirty="0">
+                <a:solidFill>
+                  <a:srgbClr val="0B4555"/>
+                </a:solidFill>
+              </a:rPr>
+              <a:t>Expenses</a:t>
+            </a:r>
+          </a:p>
+        </p:txBody>
+      </p:sp>
+      <p:pic>
+        <p:nvPicPr>
+          <p:cNvPr id="29" name="Picture 28"/>
+          <p:cNvPicPr>
+            <a:picLocks noChangeAspect="1"/>
+          </p:cNvPicPr>
+          <p:nvPr/>
+        </p:nvPicPr>
+        <p:blipFill>
+          <a:blip r:embed="rId9"/>
+          <a:stretch>
+            <a:fillRect/>
+          </a:stretch>
+        </p:blipFill>
+        <p:spPr>
+          <a:xfrm>
+            <a:off x="6970995" y="5240770"/>
+            <a:ext cx="442147" cy="343892"/>
+          </a:xfrm>
+          <a:prstGeom prst="rect">
+            <a:avLst/>
+          </a:prstGeom>
+        </p:spPr>
+      </p:pic>
+      <p:cxnSp>
+        <p:nvCxnSpPr>
+          <p:cNvPr id="30" name="Straight Connector 29"/>
+          <p:cNvCxnSpPr/>
+          <p:nvPr/>
+        </p:nvCxnSpPr>
+        <p:spPr>
+          <a:xfrm>
+            <a:off x="5123692" y="5934015"/>
+            <a:ext cx="2753391" cy="6232"/>
+          </a:xfrm>
+          <a:prstGeom prst="line">
+            <a:avLst/>
+          </a:prstGeom>
+          <a:ln>
+            <a:solidFill>
+              <a:srgbClr val="C2F3FD"/>
+            </a:solidFill>
+          </a:ln>
+        </p:spPr>
+        <p:style>
+          <a:lnRef idx="1">
+            <a:schemeClr val="accent1"/>
+          </a:lnRef>
+          <a:fillRef idx="0">
+            <a:schemeClr val="accent1"/>
+          </a:fillRef>
+          <a:effectRef idx="0">
+            <a:schemeClr val="accent1"/>
+          </a:effectRef>
+          <a:fontRef idx="minor">
+            <a:schemeClr val="tx1"/>
+          </a:fontRef>
+        </p:style>
+      </p:cxnSp>
+      <p:sp>
+        <p:nvSpPr>
+          <p:cNvPr id="32" name="TextBox 31"/>
+          <p:cNvSpPr txBox="1"/>
+          <p:nvPr/>
+        </p:nvSpPr>
+        <p:spPr>
+          <a:xfrm>
+            <a:off x="6059368" y="6019452"/>
+            <a:ext cx="939057" cy="369332"/>
+          </a:xfrm>
+          <a:prstGeom prst="rect">
+            <a:avLst/>
+          </a:prstGeom>
+          <a:noFill/>
+        </p:spPr>
+        <p:txBody>
+          <a:bodyPr wrap="square" rtlCol="0">
+            <a:spAutoFit/>
+          </a:bodyPr>
+          <a:lstStyle/>
+          <a:p>
+            <a:r>
+              <a:rPr lang="en-PH" u="sng" dirty="0">
+                <a:solidFill>
+                  <a:srgbClr val="C2F3FD"/>
+                </a:solidFill>
+              </a:rPr>
+              <a:t>Logout</a:t>
+            </a:r>
+          </a:p>
+        </p:txBody>
+      </p:sp>
+      <p:sp>
+        <p:nvSpPr>
+          <p:cNvPr id="36" name="TextBox 35"/>
+          <p:cNvSpPr txBox="1"/>
+          <p:nvPr/>
+        </p:nvSpPr>
+        <p:spPr>
+          <a:xfrm>
+            <a:off x="9494151" y="1324499"/>
+            <a:ext cx="2446326" cy="461665"/>
+          </a:xfrm>
+          <a:prstGeom prst="rect">
+            <a:avLst/>
+          </a:prstGeom>
+          <a:noFill/>
+        </p:spPr>
+        <p:txBody>
+          <a:bodyPr wrap="square" rtlCol="0">
+            <a:spAutoFit/>
+          </a:bodyPr>
+          <a:lstStyle/>
+          <a:p>
+            <a:r>
+              <a:rPr lang="en-PH" sz="2400" dirty="0"/>
+              <a:t>MAIN ACTIVITY</a:t>
+            </a:r>
+          </a:p>
+        </p:txBody>
+      </p:sp>
+      <p:sp>
+        <p:nvSpPr>
+          <p:cNvPr id="3" name="Oval 2"/>
+          <p:cNvSpPr/>
+          <p:nvPr/>
+        </p:nvSpPr>
+        <p:spPr>
+          <a:xfrm>
+            <a:off x="5197059" y="4283100"/>
+            <a:ext cx="2635540" cy="944242"/>
+          </a:xfrm>
+          <a:prstGeom prst="ellipse">
+            <a:avLst/>
+          </a:prstGeom>
+          <a:noFill/>
+          <a:ln>
+            <a:solidFill>
+              <a:srgbClr val="FF0000"/>
+            </a:solidFill>
+          </a:ln>
+        </p:spPr>
+        <p:style>
+          <a:lnRef idx="2">
+            <a:schemeClr val="accent1">
+              <a:shade val="50000"/>
+            </a:schemeClr>
+          </a:lnRef>
+          <a:fillRef idx="1">
+            <a:schemeClr val="accent1"/>
+          </a:fillRef>
+          <a:effectRef idx="0">
+            <a:schemeClr val="accent1"/>
+          </a:effectRef>
+          <a:fontRef idx="minor">
+            <a:schemeClr val="lt1"/>
+          </a:fontRef>
+        </p:style>
+        <p:txBody>
+          <a:bodyPr rtlCol="0" anchor="ctr"/>
+          <a:lstStyle/>
+          <a:p>
+            <a:pPr algn="ctr"/>
+            <a:endParaRPr lang="en-PH"/>
+          </a:p>
+        </p:txBody>
+      </p:sp>
+    </p:spTree>
+    <p:extLst>
+      <p:ext uri="{BB962C8B-B14F-4D97-AF65-F5344CB8AC3E}">
+        <p14:creationId xmlns:p14="http://schemas.microsoft.com/office/powerpoint/2010/main" val="2048705685"/>
+      </p:ext>
+    </p:extLst>
+  </p:cSld>
+  <p:clrMapOvr>
+    <a:masterClrMapping/>
+  </p:clrMapOvr>
+  <mc:AlternateContent xmlns:mc="http://schemas.openxmlformats.org/markup-compatibility/2006" xmlns:p14="http://schemas.microsoft.com/office/powerpoint/2010/main">
+    <mc:Choice Requires="p14">
+      <p:transition spd="slow" p14:dur="1600">
+        <p14:prism isInverted="1"/>
+      </p:transition>
+    </mc:Choice>
+    <mc:Fallback xmlns="">
+      <p:transition spd="slow">
+        <p:fade/>
+      </p:transition>
+    </mc:Fallback>
+  </mc:AlternateContent>
+</p:sld>
+</file>
+
+<file path=ppt/slides/slide14.xml><?xml version="1.0" encoding="utf-8"?>
+<p:sld xmlns:a="http://schemas.openxmlformats.org/drawingml/2006/main" xmlns:r="http://schemas.openxmlformats.org/officeDocument/2006/relationships" xmlns:p="http://schemas.openxmlformats.org/presentationml/2006/main">
+  <p:cSld>
+    <p:spTree>
+      <p:nvGrpSpPr>
+        <p:cNvPr id="1" name=""/>
+        <p:cNvGrpSpPr/>
+        <p:nvPr/>
+      </p:nvGrpSpPr>
+      <p:grpSpPr>
+        <a:xfrm>
+          <a:off x="0" y="0"/>
+          <a:ext cx="0" cy="0"/>
+          <a:chOff x="0" y="0"/>
+          <a:chExt cx="0" cy="0"/>
+        </a:xfrm>
+      </p:grpSpPr>
+      <p:sp>
+        <p:nvSpPr>
+          <p:cNvPr id="2" name="Title 1"/>
+          <p:cNvSpPr>
+            <a:spLocks noGrp="1"/>
+          </p:cNvSpPr>
+          <p:nvPr>
+            <p:ph type="title"/>
+          </p:nvPr>
+        </p:nvSpPr>
+        <p:spPr>
+          <a:xfrm>
+            <a:off x="1512446" y="140680"/>
+            <a:ext cx="10018713" cy="1223887"/>
+          </a:xfrm>
+        </p:spPr>
+        <p:txBody>
+          <a:bodyPr/>
+          <a:lstStyle/>
+          <a:p>
+            <a:r>
+              <a:rPr lang="en-PH" b="1" dirty="0"/>
+              <a:t>Features (continued)</a:t>
+            </a:r>
+          </a:p>
+        </p:txBody>
+      </p:sp>
+      <p:sp>
+        <p:nvSpPr>
+          <p:cNvPr id="5" name="Rectangle 4"/>
+          <p:cNvSpPr/>
+          <p:nvPr/>
+        </p:nvSpPr>
+        <p:spPr>
+          <a:xfrm>
+            <a:off x="4777407" y="1353127"/>
+            <a:ext cx="3488788" cy="5162844"/>
+          </a:xfrm>
+          <a:prstGeom prst="rect">
+            <a:avLst/>
+          </a:prstGeom>
+          <a:solidFill>
+            <a:srgbClr val="1789A9"/>
+          </a:solidFill>
+          <a:ln>
+            <a:solidFill>
+              <a:srgbClr val="E38C59"/>
+            </a:solidFill>
+          </a:ln>
+        </p:spPr>
+        <p:style>
+          <a:lnRef idx="2">
+            <a:schemeClr val="accent1">
+              <a:shade val="50000"/>
+            </a:schemeClr>
+          </a:lnRef>
+          <a:fillRef idx="1">
+            <a:schemeClr val="accent1"/>
+          </a:fillRef>
+          <a:effectRef idx="0">
+            <a:schemeClr val="accent1"/>
+          </a:effectRef>
+          <a:fontRef idx="minor">
+            <a:schemeClr val="lt1"/>
+          </a:fontRef>
+        </p:style>
+        <p:txBody>
+          <a:bodyPr rtlCol="0" anchor="ctr"/>
+          <a:lstStyle/>
+          <a:p>
+            <a:pPr algn="ctr"/>
+            <a:endParaRPr lang="en-PH"/>
+          </a:p>
+        </p:txBody>
+      </p:sp>
+      <p:sp>
+        <p:nvSpPr>
+          <p:cNvPr id="7" name="TextBox 6"/>
+          <p:cNvSpPr txBox="1"/>
+          <p:nvPr/>
+        </p:nvSpPr>
+        <p:spPr>
+          <a:xfrm>
+            <a:off x="5284121" y="1816817"/>
+            <a:ext cx="2489552" cy="461665"/>
+          </a:xfrm>
+          <a:prstGeom prst="rect">
+            <a:avLst/>
+          </a:prstGeom>
+          <a:noFill/>
+        </p:spPr>
+        <p:txBody>
+          <a:bodyPr wrap="square" rtlCol="0">
+            <a:spAutoFit/>
+          </a:bodyPr>
+          <a:lstStyle/>
+          <a:p>
+            <a:pPr algn="ctr"/>
+            <a:r>
+              <a:rPr lang="en-PH" sz="2400" b="1" dirty="0">
+                <a:solidFill>
+                  <a:schemeClr val="bg1"/>
+                </a:solidFill>
+                <a:latin typeface="Arial" panose="020B0604020202020204" pitchFamily="34" charset="0"/>
+                <a:cs typeface="Arial" panose="020B0604020202020204" pitchFamily="34" charset="0"/>
+              </a:rPr>
+              <a:t>ELOUS STORE</a:t>
+            </a:r>
+          </a:p>
+        </p:txBody>
+      </p:sp>
+      <p:sp>
+        <p:nvSpPr>
+          <p:cNvPr id="8" name="TextBox 7"/>
+          <p:cNvSpPr txBox="1"/>
+          <p:nvPr/>
+        </p:nvSpPr>
+        <p:spPr>
+          <a:xfrm>
+            <a:off x="5385152" y="2551011"/>
+            <a:ext cx="2273300" cy="369332"/>
+          </a:xfrm>
+          <a:prstGeom prst="rect">
+            <a:avLst/>
+          </a:prstGeom>
+          <a:noFill/>
+        </p:spPr>
+        <p:txBody>
+          <a:bodyPr wrap="square" rtlCol="0">
+            <a:spAutoFit/>
+          </a:bodyPr>
+          <a:lstStyle/>
+          <a:p>
+            <a:pPr algn="ctr"/>
+            <a:r>
+              <a:rPr lang="en-PH" dirty="0">
+                <a:solidFill>
+                  <a:schemeClr val="bg1"/>
+                </a:solidFill>
+              </a:rPr>
+              <a:t>Welcome!</a:t>
+            </a:r>
+          </a:p>
+        </p:txBody>
+      </p:sp>
+      <p:pic>
+        <p:nvPicPr>
+          <p:cNvPr id="9" name="Picture 8"/>
+          <p:cNvPicPr>
+            <a:picLocks noChangeAspect="1"/>
+          </p:cNvPicPr>
+          <p:nvPr/>
+        </p:nvPicPr>
+        <p:blipFill>
+          <a:blip r:embed="rId2"/>
+          <a:stretch>
+            <a:fillRect/>
+          </a:stretch>
+        </p:blipFill>
+        <p:spPr>
+          <a:xfrm>
+            <a:off x="9555301" y="362098"/>
+            <a:ext cx="2133600" cy="781050"/>
+          </a:xfrm>
+          <a:prstGeom prst="rect">
+            <a:avLst/>
+          </a:prstGeom>
+        </p:spPr>
+      </p:pic>
+      <p:cxnSp>
+        <p:nvCxnSpPr>
+          <p:cNvPr id="15" name="Straight Connector 14"/>
+          <p:cNvCxnSpPr/>
+          <p:nvPr/>
+        </p:nvCxnSpPr>
+        <p:spPr>
+          <a:xfrm>
+            <a:off x="5138134" y="3035300"/>
+            <a:ext cx="2753391" cy="6232"/>
+          </a:xfrm>
+          <a:prstGeom prst="line">
+            <a:avLst/>
+          </a:prstGeom>
+          <a:ln>
+            <a:solidFill>
+              <a:srgbClr val="C2F3FD"/>
+            </a:solidFill>
+          </a:ln>
+        </p:spPr>
+        <p:style>
+          <a:lnRef idx="1">
+            <a:schemeClr val="accent1"/>
+          </a:lnRef>
+          <a:fillRef idx="0">
+            <a:schemeClr val="accent1"/>
+          </a:fillRef>
+          <a:effectRef idx="0">
+            <a:schemeClr val="accent1"/>
+          </a:effectRef>
+          <a:fontRef idx="minor">
+            <a:schemeClr val="tx1"/>
+          </a:fontRef>
+        </p:style>
+      </p:cxnSp>
+      <p:sp>
+        <p:nvSpPr>
+          <p:cNvPr id="21" name="Rounded Rectangle 20"/>
+          <p:cNvSpPr/>
+          <p:nvPr/>
+        </p:nvSpPr>
+        <p:spPr>
+          <a:xfrm>
+            <a:off x="5533848" y="3294793"/>
+            <a:ext cx="1933087" cy="478302"/>
+          </a:xfrm>
+          <a:prstGeom prst="roundRect">
+            <a:avLst/>
+          </a:prstGeom>
+          <a:solidFill>
+            <a:srgbClr val="FCD4BA"/>
+          </a:solidFill>
+          <a:ln>
+            <a:noFill/>
+          </a:ln>
+          <a:effectLst/>
+          <a:scene3d>
+            <a:camera prst="orthographicFront"/>
+            <a:lightRig rig="threePt" dir="t"/>
+          </a:scene3d>
+          <a:sp3d>
+            <a:bevelT/>
+          </a:sp3d>
+        </p:spPr>
+        <p:style>
+          <a:lnRef idx="2">
+            <a:schemeClr val="accent1">
+              <a:shade val="50000"/>
+            </a:schemeClr>
+          </a:lnRef>
+          <a:fillRef idx="1">
+            <a:schemeClr val="accent1"/>
+          </a:fillRef>
+          <a:effectRef idx="0">
+            <a:schemeClr val="accent1"/>
+          </a:effectRef>
+          <a:fontRef idx="minor">
+            <a:schemeClr val="lt1"/>
+          </a:fontRef>
+        </p:style>
+        <p:txBody>
+          <a:bodyPr rtlCol="0" anchor="ctr"/>
+          <a:lstStyle/>
+          <a:p>
+            <a:r>
+              <a:rPr lang="en-PH" b="1" dirty="0">
+                <a:solidFill>
+                  <a:srgbClr val="0B4555"/>
+                </a:solidFill>
+              </a:rPr>
+              <a:t>Sales</a:t>
+            </a:r>
+          </a:p>
+        </p:txBody>
+      </p:sp>
+      <p:sp>
+        <p:nvSpPr>
+          <p:cNvPr id="23" name="Rounded Rectangle 22"/>
+          <p:cNvSpPr/>
+          <p:nvPr/>
+        </p:nvSpPr>
+        <p:spPr>
+          <a:xfrm>
+            <a:off x="5533848" y="3909480"/>
+            <a:ext cx="1933087" cy="478302"/>
+          </a:xfrm>
+          <a:prstGeom prst="roundRect">
+            <a:avLst/>
+          </a:prstGeom>
+          <a:solidFill>
+            <a:srgbClr val="FCD4BA"/>
+          </a:solidFill>
+          <a:ln>
+            <a:solidFill>
+              <a:srgbClr val="71B8C7"/>
+            </a:solidFill>
+          </a:ln>
+          <a:scene3d>
+            <a:camera prst="orthographicFront"/>
+            <a:lightRig rig="threePt" dir="t"/>
+          </a:scene3d>
+          <a:sp3d>
+            <a:bevelT/>
+          </a:sp3d>
+        </p:spPr>
+        <p:style>
+          <a:lnRef idx="2">
+            <a:schemeClr val="accent1">
+              <a:shade val="50000"/>
+            </a:schemeClr>
+          </a:lnRef>
+          <a:fillRef idx="1">
+            <a:schemeClr val="accent1"/>
+          </a:fillRef>
+          <a:effectRef idx="0">
+            <a:schemeClr val="accent1"/>
+          </a:effectRef>
+          <a:fontRef idx="minor">
+            <a:schemeClr val="lt1"/>
+          </a:fontRef>
+        </p:style>
+        <p:txBody>
+          <a:bodyPr rtlCol="0" anchor="ctr"/>
+          <a:lstStyle/>
+          <a:p>
+            <a:r>
+              <a:rPr lang="en-PH" b="1" dirty="0">
+                <a:solidFill>
+                  <a:srgbClr val="0B4555"/>
+                </a:solidFill>
+              </a:rPr>
+              <a:t>Products</a:t>
+            </a:r>
+          </a:p>
+        </p:txBody>
+      </p:sp>
+      <p:sp>
+        <p:nvSpPr>
+          <p:cNvPr id="24" name="Rounded Rectangle 23"/>
+          <p:cNvSpPr/>
+          <p:nvPr/>
+        </p:nvSpPr>
+        <p:spPr>
+          <a:xfrm>
+            <a:off x="5533845" y="4539600"/>
+            <a:ext cx="1933087" cy="478302"/>
+          </a:xfrm>
+          <a:prstGeom prst="roundRect">
+            <a:avLst/>
+          </a:prstGeom>
+          <a:solidFill>
+            <a:srgbClr val="FCD4BA"/>
+          </a:solidFill>
+          <a:ln>
+            <a:solidFill>
+              <a:srgbClr val="71B8C7"/>
+            </a:solidFill>
+          </a:ln>
+          <a:scene3d>
+            <a:camera prst="orthographicFront"/>
+            <a:lightRig rig="threePt" dir="t"/>
+          </a:scene3d>
+          <a:sp3d>
+            <a:bevelT/>
+          </a:sp3d>
+        </p:spPr>
+        <p:style>
+          <a:lnRef idx="2">
+            <a:schemeClr val="accent1">
+              <a:shade val="50000"/>
+            </a:schemeClr>
+          </a:lnRef>
+          <a:fillRef idx="1">
+            <a:schemeClr val="accent1"/>
+          </a:fillRef>
+          <a:effectRef idx="0">
+            <a:schemeClr val="accent1"/>
+          </a:effectRef>
+          <a:fontRef idx="minor">
+            <a:schemeClr val="lt1"/>
+          </a:fontRef>
+        </p:style>
+        <p:txBody>
+          <a:bodyPr rtlCol="0" anchor="ctr"/>
+          <a:lstStyle/>
+          <a:p>
+            <a:r>
+              <a:rPr lang="en-PH" b="1" dirty="0">
+                <a:solidFill>
+                  <a:srgbClr val="0B4555"/>
+                </a:solidFill>
+              </a:rPr>
+              <a:t>Graph</a:t>
+            </a:r>
+          </a:p>
+        </p:txBody>
+      </p:sp>
+      <p:pic>
+        <p:nvPicPr>
+          <p:cNvPr id="14" name="Picture 13"/>
+          <p:cNvPicPr>
+            <a:picLocks noChangeAspect="1"/>
+          </p:cNvPicPr>
+          <p:nvPr/>
+        </p:nvPicPr>
+        <p:blipFill>
+          <a:blip r:embed="rId3">
+            <a:extLst>
+              <a:ext uri="{BEBA8EAE-BF5A-486C-A8C5-ECC9F3942E4B}">
+                <a14:imgProps xmlns:a14="http://schemas.microsoft.com/office/drawing/2010/main">
+                  <a14:imgLayer r:embed="rId4">
+                    <a14:imgEffect>
+                      <a14:brightnessContrast bright="20000"/>
+                    </a14:imgEffect>
+                  </a14:imgLayer>
+                </a14:imgProps>
+              </a:ext>
+            </a:extLst>
+          </a:blip>
+          <a:stretch>
+            <a:fillRect/>
+          </a:stretch>
+        </p:blipFill>
+        <p:spPr>
+          <a:xfrm>
+            <a:off x="6970996" y="4658209"/>
+            <a:ext cx="442148" cy="343892"/>
+          </a:xfrm>
+          <a:prstGeom prst="rect">
+            <a:avLst/>
+          </a:prstGeom>
+          <a:effectLst>
+            <a:softEdge rad="25400"/>
+          </a:effectLst>
+        </p:spPr>
+      </p:pic>
+      <p:pic>
+        <p:nvPicPr>
+          <p:cNvPr id="18" name="Picture 17"/>
+          <p:cNvPicPr>
+            <a:picLocks noChangeAspect="1"/>
+          </p:cNvPicPr>
+          <p:nvPr/>
+        </p:nvPicPr>
+        <p:blipFill>
+          <a:blip r:embed="rId5">
+            <a:extLst>
+              <a:ext uri="{BEBA8EAE-BF5A-486C-A8C5-ECC9F3942E4B}">
+                <a14:imgProps xmlns:a14="http://schemas.microsoft.com/office/drawing/2010/main">
+                  <a14:imgLayer r:embed="rId6">
+                    <a14:imgEffect>
+                      <a14:brightnessContrast bright="20000"/>
+                    </a14:imgEffect>
+                  </a14:imgLayer>
+                </a14:imgProps>
+              </a:ext>
+            </a:extLst>
+          </a:blip>
+          <a:stretch>
+            <a:fillRect/>
+          </a:stretch>
+        </p:blipFill>
+        <p:spPr>
+          <a:xfrm>
+            <a:off x="6970996" y="3362441"/>
+            <a:ext cx="442147" cy="341668"/>
+          </a:xfrm>
+          <a:prstGeom prst="rect">
+            <a:avLst/>
+          </a:prstGeom>
+          <a:effectLst>
+            <a:softEdge rad="25400"/>
+          </a:effectLst>
+        </p:spPr>
+      </p:pic>
+      <p:pic>
+        <p:nvPicPr>
+          <p:cNvPr id="26" name="Picture 25"/>
+          <p:cNvPicPr>
+            <a:picLocks noChangeAspect="1"/>
+          </p:cNvPicPr>
+          <p:nvPr/>
+        </p:nvPicPr>
+        <p:blipFill>
+          <a:blip r:embed="rId7">
+            <a:extLst>
+              <a:ext uri="{BEBA8EAE-BF5A-486C-A8C5-ECC9F3942E4B}">
+                <a14:imgProps xmlns:a14="http://schemas.microsoft.com/office/drawing/2010/main">
+                  <a14:imgLayer r:embed="rId8">
+                    <a14:imgEffect>
+                      <a14:brightnessContrast bright="20000"/>
+                    </a14:imgEffect>
+                  </a14:imgLayer>
+                </a14:imgProps>
+              </a:ext>
+            </a:extLst>
+          </a:blip>
+          <a:stretch>
+            <a:fillRect/>
+          </a:stretch>
+        </p:blipFill>
+        <p:spPr>
+          <a:xfrm>
+            <a:off x="6971993" y="3995343"/>
+            <a:ext cx="442147" cy="343892"/>
+          </a:xfrm>
+          <a:prstGeom prst="rect">
+            <a:avLst/>
+          </a:prstGeom>
+          <a:effectLst>
+            <a:softEdge rad="25400"/>
+          </a:effectLst>
+        </p:spPr>
+      </p:pic>
+      <p:sp>
+        <p:nvSpPr>
+          <p:cNvPr id="28" name="Rounded Rectangle 27"/>
+          <p:cNvSpPr/>
+          <p:nvPr/>
+        </p:nvSpPr>
+        <p:spPr>
+          <a:xfrm>
+            <a:off x="5533845" y="5181558"/>
+            <a:ext cx="1933087" cy="478302"/>
+          </a:xfrm>
+          <a:prstGeom prst="roundRect">
+            <a:avLst/>
+          </a:prstGeom>
+          <a:solidFill>
+            <a:srgbClr val="FCD4BA"/>
+          </a:solidFill>
+          <a:ln>
+            <a:solidFill>
+              <a:srgbClr val="71B8C7"/>
+            </a:solidFill>
+          </a:ln>
+          <a:scene3d>
+            <a:camera prst="orthographicFront"/>
+            <a:lightRig rig="threePt" dir="t"/>
+          </a:scene3d>
+          <a:sp3d>
+            <a:bevelT/>
+          </a:sp3d>
+        </p:spPr>
+        <p:style>
+          <a:lnRef idx="2">
+            <a:schemeClr val="accent1">
+              <a:shade val="50000"/>
+            </a:schemeClr>
+          </a:lnRef>
+          <a:fillRef idx="1">
+            <a:schemeClr val="accent1"/>
+          </a:fillRef>
+          <a:effectRef idx="0">
+            <a:schemeClr val="accent1"/>
+          </a:effectRef>
+          <a:fontRef idx="minor">
+            <a:schemeClr val="lt1"/>
+          </a:fontRef>
+        </p:style>
+        <p:txBody>
+          <a:bodyPr rtlCol="0" anchor="ctr"/>
+          <a:lstStyle/>
+          <a:p>
+            <a:r>
+              <a:rPr lang="en-PH" b="1" dirty="0">
+                <a:solidFill>
+                  <a:srgbClr val="0B4555"/>
+                </a:solidFill>
+              </a:rPr>
+              <a:t>Expenses</a:t>
+            </a:r>
+          </a:p>
+        </p:txBody>
+      </p:sp>
+      <p:pic>
+        <p:nvPicPr>
+          <p:cNvPr id="29" name="Picture 28"/>
+          <p:cNvPicPr>
+            <a:picLocks noChangeAspect="1"/>
+          </p:cNvPicPr>
+          <p:nvPr/>
+        </p:nvPicPr>
+        <p:blipFill>
+          <a:blip r:embed="rId9"/>
+          <a:stretch>
+            <a:fillRect/>
+          </a:stretch>
+        </p:blipFill>
+        <p:spPr>
+          <a:xfrm>
+            <a:off x="6970995" y="5240770"/>
+            <a:ext cx="442147" cy="343892"/>
+          </a:xfrm>
+          <a:prstGeom prst="rect">
+            <a:avLst/>
+          </a:prstGeom>
+        </p:spPr>
+      </p:pic>
+      <p:cxnSp>
+        <p:nvCxnSpPr>
+          <p:cNvPr id="30" name="Straight Connector 29"/>
+          <p:cNvCxnSpPr/>
+          <p:nvPr/>
+        </p:nvCxnSpPr>
+        <p:spPr>
+          <a:xfrm>
+            <a:off x="5123692" y="5934015"/>
+            <a:ext cx="2753391" cy="6232"/>
+          </a:xfrm>
+          <a:prstGeom prst="line">
+            <a:avLst/>
+          </a:prstGeom>
+          <a:ln>
+            <a:solidFill>
+              <a:srgbClr val="C2F3FD"/>
+            </a:solidFill>
+          </a:ln>
+        </p:spPr>
+        <p:style>
+          <a:lnRef idx="1">
+            <a:schemeClr val="accent1"/>
+          </a:lnRef>
+          <a:fillRef idx="0">
+            <a:schemeClr val="accent1"/>
+          </a:fillRef>
+          <a:effectRef idx="0">
+            <a:schemeClr val="accent1"/>
+          </a:effectRef>
+          <a:fontRef idx="minor">
+            <a:schemeClr val="tx1"/>
+          </a:fontRef>
+        </p:style>
+      </p:cxnSp>
+      <p:sp>
+        <p:nvSpPr>
+          <p:cNvPr id="32" name="TextBox 31"/>
+          <p:cNvSpPr txBox="1"/>
+          <p:nvPr/>
+        </p:nvSpPr>
+        <p:spPr>
+          <a:xfrm>
+            <a:off x="6059368" y="6019452"/>
+            <a:ext cx="939057" cy="369332"/>
+          </a:xfrm>
+          <a:prstGeom prst="rect">
+            <a:avLst/>
+          </a:prstGeom>
+          <a:noFill/>
+        </p:spPr>
+        <p:txBody>
+          <a:bodyPr wrap="square" rtlCol="0">
+            <a:spAutoFit/>
+          </a:bodyPr>
+          <a:lstStyle/>
+          <a:p>
+            <a:r>
+              <a:rPr lang="en-PH" u="sng" dirty="0">
+                <a:solidFill>
+                  <a:srgbClr val="C2F3FD"/>
+                </a:solidFill>
+              </a:rPr>
+              <a:t>Logout</a:t>
+            </a:r>
+          </a:p>
+        </p:txBody>
+      </p:sp>
+      <p:sp>
+        <p:nvSpPr>
+          <p:cNvPr id="36" name="TextBox 35"/>
+          <p:cNvSpPr txBox="1"/>
+          <p:nvPr/>
+        </p:nvSpPr>
+        <p:spPr>
+          <a:xfrm>
+            <a:off x="9494151" y="1324499"/>
+            <a:ext cx="2446326" cy="461665"/>
+          </a:xfrm>
+          <a:prstGeom prst="rect">
+            <a:avLst/>
+          </a:prstGeom>
+          <a:noFill/>
+        </p:spPr>
+        <p:txBody>
+          <a:bodyPr wrap="square" rtlCol="0">
+            <a:spAutoFit/>
+          </a:bodyPr>
+          <a:lstStyle/>
+          <a:p>
+            <a:r>
+              <a:rPr lang="en-PH" sz="2400" dirty="0"/>
+              <a:t>MAIN ACTIVITY</a:t>
+            </a:r>
+          </a:p>
+        </p:txBody>
+      </p:sp>
+      <p:sp>
+        <p:nvSpPr>
+          <p:cNvPr id="3" name="Oval 2"/>
+          <p:cNvSpPr/>
+          <p:nvPr/>
+        </p:nvSpPr>
+        <p:spPr>
+          <a:xfrm>
+            <a:off x="5138134" y="4948023"/>
+            <a:ext cx="2635540" cy="944242"/>
+          </a:xfrm>
+          <a:prstGeom prst="ellipse">
+            <a:avLst/>
+          </a:prstGeom>
+          <a:noFill/>
+          <a:ln>
+            <a:solidFill>
+              <a:srgbClr val="FF0000"/>
+            </a:solidFill>
+          </a:ln>
+        </p:spPr>
+        <p:style>
+          <a:lnRef idx="2">
+            <a:schemeClr val="accent1">
+              <a:shade val="50000"/>
+            </a:schemeClr>
+          </a:lnRef>
+          <a:fillRef idx="1">
+            <a:schemeClr val="accent1"/>
+          </a:fillRef>
+          <a:effectRef idx="0">
+            <a:schemeClr val="accent1"/>
+          </a:effectRef>
+          <a:fontRef idx="minor">
+            <a:schemeClr val="lt1"/>
+          </a:fontRef>
+        </p:style>
+        <p:txBody>
+          <a:bodyPr rtlCol="0" anchor="ctr"/>
+          <a:lstStyle/>
+          <a:p>
+            <a:pPr algn="ctr"/>
+            <a:endParaRPr lang="en-PH"/>
+          </a:p>
+        </p:txBody>
+      </p:sp>
+    </p:spTree>
+    <p:extLst>
+      <p:ext uri="{BB962C8B-B14F-4D97-AF65-F5344CB8AC3E}">
+        <p14:creationId xmlns:p14="http://schemas.microsoft.com/office/powerpoint/2010/main" val="698287339"/>
       </p:ext>
     </p:extLst>
   </p:cSld>
@@ -7265,7 +10533,7 @@
             </a:r>
             <a:r>
               <a:rPr lang="en-PH" dirty="0"/>
-              <a:t> that can be used to measure and improve the performance of a specific business’ operation by inputting actual sales then computing it and analyzing the profits through graph in a certain period of time.</a:t>
+              <a:t> that can be used to measure and improve the performance of a specific business’ operation by inputting actual sales then computing it and analyzing the sales (but not actual profit) through graph in a certain period of time.</a:t>
             </a:r>
           </a:p>
           <a:p>
@@ -7615,8 +10883,8 @@
         </p:nvSpPr>
         <p:spPr>
           <a:xfrm>
-            <a:off x="9663154" y="1355152"/>
-            <a:ext cx="2025747" cy="461665"/>
+            <a:off x="9494151" y="1324499"/>
+            <a:ext cx="2446326" cy="461665"/>
           </a:xfrm>
           <a:prstGeom prst="rect">
             <a:avLst/>
@@ -7631,7 +10899,7 @@
           <a:p>
             <a:r>
               <a:rPr lang="en-PH" sz="2400" dirty="0"/>
-              <a:t>LOGIN PAGE</a:t>
+              <a:t>LOGIN ACTIVITY</a:t>
             </a:r>
           </a:p>
         </p:txBody>
@@ -8201,6 +11469,81 @@
           </a:fillRef>
           <a:effectRef idx="2">
             <a:schemeClr val="accent4"/>
+          </a:effectRef>
+          <a:fontRef idx="minor">
+            <a:schemeClr val="tx1"/>
+          </a:fontRef>
+        </p:style>
+      </p:cxnSp>
+      <p:sp>
+        <p:nvSpPr>
+          <p:cNvPr id="23" name="TextBox 22"/>
+          <p:cNvSpPr txBox="1"/>
+          <p:nvPr/>
+        </p:nvSpPr>
+        <p:spPr>
+          <a:xfrm>
+            <a:off x="9232913" y="4076701"/>
+            <a:ext cx="2895639" cy="369332"/>
+          </a:xfrm>
+          <a:prstGeom prst="rect">
+            <a:avLst/>
+          </a:prstGeom>
+          <a:noFill/>
+        </p:spPr>
+        <p:txBody>
+          <a:bodyPr wrap="square" rtlCol="0">
+            <a:spAutoFit/>
+          </a:bodyPr>
+          <a:lstStyle/>
+          <a:p>
+            <a:r>
+              <a:rPr lang="en-PH" dirty="0"/>
+              <a:t>When user forgot password</a:t>
+            </a:r>
+          </a:p>
+        </p:txBody>
+      </p:sp>
+      <p:cxnSp>
+        <p:nvCxnSpPr>
+          <p:cNvPr id="24" name="Straight Arrow Connector 23"/>
+          <p:cNvCxnSpPr>
+            <a:stCxn id="23" idx="1"/>
+          </p:cNvCxnSpPr>
+          <p:nvPr/>
+        </p:nvCxnSpPr>
+        <p:spPr>
+          <a:xfrm flipH="1">
+            <a:off x="7891525" y="4261367"/>
+            <a:ext cx="1341388" cy="347695"/>
+          </a:xfrm>
+          <a:prstGeom prst="straightConnector1">
+            <a:avLst/>
+          </a:prstGeom>
+          <a:ln w="19050">
+            <a:solidFill>
+              <a:schemeClr val="accent4"/>
+            </a:solidFill>
+            <a:headEnd type="none" w="med" len="med"/>
+            <a:tailEnd type="arrow" w="med" len="med"/>
+          </a:ln>
+          <a:effectLst>
+            <a:outerShdw blurRad="50800" dist="38100" dir="5400000" algn="t" rotWithShape="0">
+              <a:prstClr val="black">
+                <a:alpha val="40000"/>
+              </a:prstClr>
+            </a:outerShdw>
+          </a:effectLst>
+        </p:spPr>
+        <p:style>
+          <a:lnRef idx="1">
+            <a:schemeClr val="accent1"/>
+          </a:lnRef>
+          <a:fillRef idx="0">
+            <a:schemeClr val="accent1"/>
+          </a:fillRef>
+          <a:effectRef idx="0">
+            <a:schemeClr val="accent1"/>
           </a:effectRef>
           <a:fontRef idx="minor">
             <a:schemeClr val="tx1"/>
@@ -8326,35 +11669,6 @@
       </p:sp>
       <p:sp>
         <p:nvSpPr>
-          <p:cNvPr id="6" name="TextBox 5"/>
-          <p:cNvSpPr txBox="1"/>
-          <p:nvPr/>
-        </p:nvSpPr>
-        <p:spPr>
-          <a:xfrm>
-            <a:off x="9555302" y="1355152"/>
-            <a:ext cx="2133600" cy="461665"/>
-          </a:xfrm>
-          <a:prstGeom prst="rect">
-            <a:avLst/>
-          </a:prstGeom>
-          <a:noFill/>
-        </p:spPr>
-        <p:txBody>
-          <a:bodyPr wrap="square" rtlCol="0">
-            <a:spAutoFit/>
-          </a:bodyPr>
-          <a:lstStyle/>
-          <a:p>
-            <a:r>
-              <a:rPr lang="en-PH" sz="2400" dirty="0"/>
-              <a:t>SIGN UP PAGE</a:t>
-            </a:r>
-          </a:p>
-        </p:txBody>
-      </p:sp>
-      <p:sp>
-        <p:nvSpPr>
           <p:cNvPr id="7" name="TextBox 6"/>
           <p:cNvSpPr txBox="1"/>
           <p:nvPr/>
@@ -8999,6 +12313,35 @@
           </a:fontRef>
         </p:style>
       </p:cxnSp>
+      <p:sp>
+        <p:nvSpPr>
+          <p:cNvPr id="26" name="TextBox 25"/>
+          <p:cNvSpPr txBox="1"/>
+          <p:nvPr/>
+        </p:nvSpPr>
+        <p:spPr>
+          <a:xfrm>
+            <a:off x="9374408" y="1324499"/>
+            <a:ext cx="2566069" cy="461665"/>
+          </a:xfrm>
+          <a:prstGeom prst="rect">
+            <a:avLst/>
+          </a:prstGeom>
+          <a:noFill/>
+        </p:spPr>
+        <p:txBody>
+          <a:bodyPr wrap="square" rtlCol="0">
+            <a:spAutoFit/>
+          </a:bodyPr>
+          <a:lstStyle/>
+          <a:p>
+            <a:r>
+              <a:rPr lang="en-PH" sz="2400" dirty="0"/>
+              <a:t>SIGN UP ACTIVITY</a:t>
+            </a:r>
+          </a:p>
+        </p:txBody>
+      </p:sp>
     </p:spTree>
     <p:extLst>
       <p:ext uri="{BB962C8B-B14F-4D97-AF65-F5344CB8AC3E}">
@@ -9143,35 +12486,6 @@
       </p:sp>
       <p:sp>
         <p:nvSpPr>
-          <p:cNvPr id="6" name="TextBox 5"/>
-          <p:cNvSpPr txBox="1"/>
-          <p:nvPr/>
-        </p:nvSpPr>
-        <p:spPr>
-          <a:xfrm>
-            <a:off x="9555302" y="1355152"/>
-            <a:ext cx="2133600" cy="461665"/>
-          </a:xfrm>
-          <a:prstGeom prst="rect">
-            <a:avLst/>
-          </a:prstGeom>
-          <a:noFill/>
-        </p:spPr>
-        <p:txBody>
-          <a:bodyPr wrap="square" rtlCol="0">
-            <a:spAutoFit/>
-          </a:bodyPr>
-          <a:lstStyle/>
-          <a:p>
-            <a:r>
-              <a:rPr lang="en-PH" sz="2400" dirty="0"/>
-              <a:t>MAIN PAGE</a:t>
-            </a:r>
-          </a:p>
-        </p:txBody>
-      </p:sp>
-      <p:sp>
-        <p:nvSpPr>
           <p:cNvPr id="7" name="TextBox 6"/>
           <p:cNvSpPr txBox="1"/>
           <p:nvPr/>
@@ -9923,7 +13237,7 @@
           <a:p>
             <a:r>
               <a:rPr lang="en-PH" dirty="0"/>
-              <a:t>In graph, user can view the graph of profits, least and most purchased products</a:t>
+              <a:t>In graph, user can view the graph of sales, least and most purchased products</a:t>
             </a:r>
           </a:p>
         </p:txBody>
@@ -10121,6 +13435,35 @@
           </a:fontRef>
         </p:style>
       </p:cxnSp>
+      <p:sp>
+        <p:nvSpPr>
+          <p:cNvPr id="36" name="TextBox 35"/>
+          <p:cNvSpPr txBox="1"/>
+          <p:nvPr/>
+        </p:nvSpPr>
+        <p:spPr>
+          <a:xfrm>
+            <a:off x="9494151" y="1324499"/>
+            <a:ext cx="2446326" cy="461665"/>
+          </a:xfrm>
+          <a:prstGeom prst="rect">
+            <a:avLst/>
+          </a:prstGeom>
+          <a:noFill/>
+        </p:spPr>
+        <p:txBody>
+          <a:bodyPr wrap="square" rtlCol="0">
+            <a:spAutoFit/>
+          </a:bodyPr>
+          <a:lstStyle/>
+          <a:p>
+            <a:r>
+              <a:rPr lang="en-PH" sz="2400" dirty="0"/>
+              <a:t>MAIN ACTIVITY</a:t>
+            </a:r>
+          </a:p>
+        </p:txBody>
+      </p:sp>
     </p:spTree>
     <p:extLst>
       <p:ext uri="{BB962C8B-B14F-4D97-AF65-F5344CB8AC3E}">
@@ -10149,31 +13492,6 @@
 <file path=ppt/slides/slide8.xml><?xml version="1.0" encoding="utf-8"?>
 <p:sld xmlns:a="http://schemas.openxmlformats.org/drawingml/2006/main" xmlns:r="http://schemas.openxmlformats.org/officeDocument/2006/relationships" xmlns:p="http://schemas.openxmlformats.org/presentationml/2006/main">
   <p:cSld>
-    <p:bg>
-      <p:bgPr>
-        <a:blipFill dpi="0" rotWithShape="1">
-          <a:blip r:embed="rId2">
-            <a:duotone>
-              <a:schemeClr val="bg2">
-                <a:shade val="76000"/>
-                <a:satMod val="180000"/>
-              </a:schemeClr>
-              <a:schemeClr val="bg2">
-                <a:tint val="80000"/>
-                <a:satMod val="120000"/>
-                <a:lumMod val="180000"/>
-              </a:schemeClr>
-            </a:duotone>
-            <a:lum/>
-          </a:blip>
-          <a:srcRect/>
-          <a:stretch>
-            <a:fillRect/>
-          </a:stretch>
-        </a:blipFill>
-        <a:effectLst/>
-      </p:bgPr>
-    </p:bg>
     <p:spTree>
       <p:nvGrpSpPr>
         <p:cNvPr id="1" name=""/>
@@ -10265,42 +13583,13 @@
       </p:sp>
       <p:sp>
         <p:nvSpPr>
-          <p:cNvPr id="6" name="TextBox 5"/>
-          <p:cNvSpPr txBox="1"/>
-          <p:nvPr/>
-        </p:nvSpPr>
-        <p:spPr>
-          <a:xfrm>
-            <a:off x="9555302" y="1355152"/>
-            <a:ext cx="2133600" cy="461665"/>
-          </a:xfrm>
-          <a:prstGeom prst="rect">
-            <a:avLst/>
-          </a:prstGeom>
-          <a:noFill/>
-        </p:spPr>
-        <p:txBody>
-          <a:bodyPr wrap="square" rtlCol="0">
-            <a:spAutoFit/>
-          </a:bodyPr>
-          <a:lstStyle/>
-          <a:p>
-            <a:r>
-              <a:rPr lang="en-PH" sz="2400" dirty="0"/>
-              <a:t>SALES PAGE</a:t>
-            </a:r>
-          </a:p>
-        </p:txBody>
-      </p:sp>
-      <p:sp>
-        <p:nvSpPr>
           <p:cNvPr id="7" name="TextBox 6"/>
           <p:cNvSpPr txBox="1"/>
           <p:nvPr/>
         </p:nvSpPr>
         <p:spPr>
           <a:xfrm>
-            <a:off x="5277025" y="1657674"/>
+            <a:off x="5284121" y="1816817"/>
             <a:ext cx="2489552" cy="461665"/>
           </a:xfrm>
           <a:prstGeom prst="rect">
@@ -10324,6 +13613,40 @@
                 <a:cs typeface="Arial" panose="020B0604020202020204" pitchFamily="34" charset="0"/>
               </a:rPr>
               <a:t>ELOUS STORE</a:t>
+            </a:r>
+          </a:p>
+        </p:txBody>
+      </p:sp>
+      <p:sp>
+        <p:nvSpPr>
+          <p:cNvPr id="8" name="TextBox 7"/>
+          <p:cNvSpPr txBox="1"/>
+          <p:nvPr/>
+        </p:nvSpPr>
+        <p:spPr>
+          <a:xfrm>
+            <a:off x="5385152" y="2551011"/>
+            <a:ext cx="2273300" cy="369332"/>
+          </a:xfrm>
+          <a:prstGeom prst="rect">
+            <a:avLst/>
+          </a:prstGeom>
+          <a:noFill/>
+        </p:spPr>
+        <p:txBody>
+          <a:bodyPr wrap="square" rtlCol="0">
+            <a:spAutoFit/>
+          </a:bodyPr>
+          <a:lstStyle/>
+          <a:p>
+            <a:pPr algn="ctr"/>
+            <a:r>
+              <a:rPr lang="en-PH" dirty="0">
+                <a:solidFill>
+                  <a:schemeClr val="bg1"/>
+                </a:solidFill>
+              </a:rPr>
+              <a:t>Welcome!</a:t>
             </a:r>
           </a:p>
         </p:txBody>
@@ -10337,7 +13660,7 @@
           <p:nvPr/>
         </p:nvPicPr>
         <p:blipFill>
-          <a:blip r:embed="rId3"/>
+          <a:blip r:embed="rId2"/>
           <a:stretch>
             <a:fillRect/>
           </a:stretch>
@@ -10354,19 +13677,19 @@
       </p:pic>
       <p:cxnSp>
         <p:nvCxnSpPr>
-          <p:cNvPr id="20" name="Straight Connector 19"/>
+          <p:cNvPr id="15" name="Straight Connector 14"/>
           <p:cNvCxnSpPr/>
           <p:nvPr/>
         </p:nvCxnSpPr>
         <p:spPr>
           <a:xfrm>
-            <a:off x="4833938" y="2295525"/>
-            <a:ext cx="3395662" cy="0"/>
+            <a:off x="5138134" y="3035300"/>
+            <a:ext cx="2753391" cy="6232"/>
           </a:xfrm>
           <a:prstGeom prst="line">
             <a:avLst/>
           </a:prstGeom>
-          <a:ln w="57150">
+          <a:ln>
             <a:solidFill>
               <a:srgbClr val="C2F3FD"/>
             </a:solidFill>
@@ -10389,598 +13712,14 @@
       </p:cxnSp>
       <p:sp>
         <p:nvSpPr>
-          <p:cNvPr id="10" name="TextBox 9"/>
-          <p:cNvSpPr txBox="1"/>
-          <p:nvPr/>
-        </p:nvSpPr>
-        <p:spPr>
-          <a:xfrm>
-            <a:off x="4791695" y="2295525"/>
-            <a:ext cx="1708165" cy="369332"/>
-          </a:xfrm>
-          <a:prstGeom prst="rect">
-            <a:avLst/>
-          </a:prstGeom>
-          <a:noFill/>
-          <a:ln>
-            <a:solidFill>
-              <a:srgbClr val="C2F3FD"/>
-            </a:solidFill>
-          </a:ln>
-        </p:spPr>
-        <p:txBody>
-          <a:bodyPr wrap="square" rtlCol="0">
-            <a:spAutoFit/>
-          </a:bodyPr>
-          <a:lstStyle/>
-          <a:p>
-            <a:pPr algn="ctr"/>
-            <a:r>
-              <a:rPr lang="en-PH" dirty="0">
-                <a:solidFill>
-                  <a:srgbClr val="FDE4D3"/>
-                </a:solidFill>
-              </a:rPr>
-              <a:t>INPUT SALES</a:t>
-            </a:r>
-          </a:p>
-        </p:txBody>
-      </p:sp>
-      <p:sp>
-        <p:nvSpPr>
-          <p:cNvPr id="31" name="TextBox 30"/>
-          <p:cNvSpPr txBox="1"/>
-          <p:nvPr/>
-        </p:nvSpPr>
-        <p:spPr>
-          <a:xfrm>
-            <a:off x="6514148" y="2295524"/>
-            <a:ext cx="1723029" cy="369332"/>
-          </a:xfrm>
-          <a:prstGeom prst="rect">
-            <a:avLst/>
-          </a:prstGeom>
-          <a:noFill/>
-          <a:ln>
-            <a:solidFill>
-              <a:srgbClr val="C2F3FD"/>
-            </a:solidFill>
-          </a:ln>
-        </p:spPr>
-        <p:txBody>
-          <a:bodyPr wrap="square" rtlCol="0">
-            <a:spAutoFit/>
-          </a:bodyPr>
-          <a:lstStyle/>
-          <a:p>
-            <a:pPr algn="ctr"/>
-            <a:r>
-              <a:rPr lang="en-PH" dirty="0">
-                <a:solidFill>
-                  <a:srgbClr val="FDE4D3"/>
-                </a:solidFill>
-              </a:rPr>
-              <a:t>LIST OF SALES</a:t>
-            </a:r>
-          </a:p>
-        </p:txBody>
-      </p:sp>
-      <p:cxnSp>
-        <p:nvCxnSpPr>
-          <p:cNvPr id="34" name="Straight Connector 33"/>
-          <p:cNvCxnSpPr/>
-          <p:nvPr/>
-        </p:nvCxnSpPr>
-        <p:spPr>
-          <a:xfrm flipV="1">
-            <a:off x="4833938" y="2664856"/>
-            <a:ext cx="1665922" cy="1905"/>
-          </a:xfrm>
-          <a:prstGeom prst="line">
-            <a:avLst/>
-          </a:prstGeom>
-          <a:ln w="57150">
-            <a:solidFill>
-              <a:srgbClr val="C2F3FD"/>
-            </a:solidFill>
-          </a:ln>
-        </p:spPr>
-        <p:style>
-          <a:lnRef idx="1">
-            <a:schemeClr val="accent1"/>
-          </a:lnRef>
-          <a:fillRef idx="0">
-            <a:schemeClr val="accent1"/>
-          </a:fillRef>
-          <a:effectRef idx="0">
-            <a:schemeClr val="accent1"/>
-          </a:effectRef>
-          <a:fontRef idx="minor">
-            <a:schemeClr val="tx1"/>
-          </a:fontRef>
-        </p:style>
-      </p:cxnSp>
-      <p:sp>
-        <p:nvSpPr>
-          <p:cNvPr id="38" name="TextBox 37"/>
-          <p:cNvSpPr txBox="1"/>
-          <p:nvPr/>
-        </p:nvSpPr>
-        <p:spPr>
-          <a:xfrm>
-            <a:off x="5645777" y="2962454"/>
-            <a:ext cx="2273300" cy="338554"/>
-          </a:xfrm>
-          <a:prstGeom prst="rect">
-            <a:avLst/>
-          </a:prstGeom>
-          <a:solidFill>
-            <a:srgbClr val="FEF6F0"/>
-          </a:solidFill>
-          <a:ln>
-            <a:solidFill>
-              <a:srgbClr val="C2F3FD"/>
-            </a:solidFill>
-          </a:ln>
-        </p:spPr>
-        <p:txBody>
-          <a:bodyPr wrap="square" rtlCol="0">
-            <a:spAutoFit/>
-          </a:bodyPr>
-          <a:lstStyle/>
-          <a:p>
-            <a:r>
-              <a:rPr lang="en-PH" sz="1600" dirty="0">
-                <a:solidFill>
-                  <a:schemeClr val="bg2">
-                    <a:lumMod val="75000"/>
-                  </a:schemeClr>
-                </a:solidFill>
-              </a:rPr>
-              <a:t>Date</a:t>
-            </a:r>
-          </a:p>
-        </p:txBody>
-      </p:sp>
-      <p:sp>
-        <p:nvSpPr>
-          <p:cNvPr id="39" name="TextBox 38"/>
-          <p:cNvSpPr txBox="1"/>
-          <p:nvPr/>
-        </p:nvSpPr>
-        <p:spPr>
-          <a:xfrm>
-            <a:off x="5645777" y="3484222"/>
-            <a:ext cx="2273300" cy="338554"/>
-          </a:xfrm>
-          <a:prstGeom prst="rect">
-            <a:avLst/>
-          </a:prstGeom>
-          <a:solidFill>
-            <a:srgbClr val="FEF6F0"/>
-          </a:solidFill>
-          <a:ln>
-            <a:solidFill>
-              <a:srgbClr val="C2F3FD"/>
-            </a:solidFill>
-          </a:ln>
-        </p:spPr>
-        <p:txBody>
-          <a:bodyPr wrap="square" rtlCol="0">
-            <a:spAutoFit/>
-          </a:bodyPr>
-          <a:lstStyle/>
-          <a:p>
-            <a:r>
-              <a:rPr lang="en-PH" sz="1600" dirty="0">
-                <a:solidFill>
-                  <a:schemeClr val="bg2">
-                    <a:lumMod val="75000"/>
-                  </a:schemeClr>
-                </a:solidFill>
-              </a:rPr>
-              <a:t>Gross sales</a:t>
-            </a:r>
-          </a:p>
-        </p:txBody>
-      </p:sp>
-      <p:sp>
-        <p:nvSpPr>
-          <p:cNvPr id="40" name="TextBox 39"/>
-          <p:cNvSpPr txBox="1"/>
-          <p:nvPr/>
-        </p:nvSpPr>
-        <p:spPr>
-          <a:xfrm>
-            <a:off x="5645777" y="4008463"/>
-            <a:ext cx="1078873" cy="338554"/>
-          </a:xfrm>
-          <a:prstGeom prst="rect">
-            <a:avLst/>
-          </a:prstGeom>
-          <a:solidFill>
-            <a:srgbClr val="FEF6F0"/>
-          </a:solidFill>
-          <a:ln>
-            <a:solidFill>
-              <a:srgbClr val="C2F3FD"/>
-            </a:solidFill>
-          </a:ln>
-        </p:spPr>
-        <p:txBody>
-          <a:bodyPr wrap="square" rtlCol="0">
-            <a:spAutoFit/>
-          </a:bodyPr>
-          <a:lstStyle/>
-          <a:p>
-            <a:r>
-              <a:rPr lang="en-PH" sz="1600" dirty="0">
-                <a:solidFill>
-                  <a:schemeClr val="bg2">
-                    <a:lumMod val="75000"/>
-                  </a:schemeClr>
-                </a:solidFill>
-              </a:rPr>
-              <a:t>Bread</a:t>
-            </a:r>
-          </a:p>
-        </p:txBody>
-      </p:sp>
-      <p:sp>
-        <p:nvSpPr>
-          <p:cNvPr id="41" name="TextBox 40"/>
-          <p:cNvSpPr txBox="1"/>
-          <p:nvPr/>
-        </p:nvSpPr>
-        <p:spPr>
-          <a:xfrm>
-            <a:off x="6840204" y="4003096"/>
-            <a:ext cx="1078873" cy="338554"/>
-          </a:xfrm>
-          <a:prstGeom prst="rect">
-            <a:avLst/>
-          </a:prstGeom>
-          <a:solidFill>
-            <a:srgbClr val="FEF6F0"/>
-          </a:solidFill>
-          <a:ln>
-            <a:solidFill>
-              <a:srgbClr val="C2F3FD"/>
-            </a:solidFill>
-          </a:ln>
-        </p:spPr>
-        <p:txBody>
-          <a:bodyPr wrap="square" rtlCol="0">
-            <a:spAutoFit/>
-          </a:bodyPr>
-          <a:lstStyle/>
-          <a:p>
-            <a:r>
-              <a:rPr lang="en-PH" sz="1600" dirty="0">
-                <a:solidFill>
-                  <a:schemeClr val="bg2">
-                    <a:lumMod val="75000"/>
-                  </a:schemeClr>
-                </a:solidFill>
-              </a:rPr>
-              <a:t>Grocery</a:t>
-            </a:r>
-          </a:p>
-        </p:txBody>
-      </p:sp>
-      <p:sp>
-        <p:nvSpPr>
-          <p:cNvPr id="42" name="TextBox 41"/>
-          <p:cNvSpPr txBox="1"/>
-          <p:nvPr/>
-        </p:nvSpPr>
-        <p:spPr>
-          <a:xfrm>
-            <a:off x="5645777" y="4519565"/>
-            <a:ext cx="2273300" cy="338554"/>
-          </a:xfrm>
-          <a:prstGeom prst="rect">
-            <a:avLst/>
-          </a:prstGeom>
-          <a:solidFill>
-            <a:srgbClr val="FEF6F0"/>
-          </a:solidFill>
-          <a:ln>
-            <a:solidFill>
-              <a:srgbClr val="C2F3FD"/>
-            </a:solidFill>
-          </a:ln>
-        </p:spPr>
-        <p:txBody>
-          <a:bodyPr wrap="square" rtlCol="0">
-            <a:spAutoFit/>
-          </a:bodyPr>
-          <a:lstStyle/>
-          <a:p>
-            <a:r>
-              <a:rPr lang="en-PH" sz="1600" dirty="0">
-                <a:solidFill>
-                  <a:schemeClr val="bg2">
-                    <a:lumMod val="75000"/>
-                  </a:schemeClr>
-                </a:solidFill>
-              </a:rPr>
-              <a:t>E-load</a:t>
-            </a:r>
-          </a:p>
-        </p:txBody>
-      </p:sp>
-      <p:sp>
-        <p:nvSpPr>
-          <p:cNvPr id="43" name="TextBox 42"/>
-          <p:cNvSpPr txBox="1"/>
-          <p:nvPr/>
-        </p:nvSpPr>
-        <p:spPr>
-          <a:xfrm>
-            <a:off x="5645777" y="5030667"/>
-            <a:ext cx="707398" cy="338554"/>
-          </a:xfrm>
-          <a:prstGeom prst="rect">
-            <a:avLst/>
-          </a:prstGeom>
-          <a:solidFill>
-            <a:srgbClr val="FEF6F0"/>
-          </a:solidFill>
-          <a:ln>
-            <a:solidFill>
-              <a:srgbClr val="C2F3FD"/>
-            </a:solidFill>
-          </a:ln>
-        </p:spPr>
-        <p:txBody>
-          <a:bodyPr wrap="square" rtlCol="0">
-            <a:spAutoFit/>
-          </a:bodyPr>
-          <a:lstStyle/>
-          <a:p>
-            <a:r>
-              <a:rPr lang="en-PH" sz="1600" dirty="0">
-                <a:solidFill>
-                  <a:schemeClr val="bg2">
-                    <a:lumMod val="75000"/>
-                  </a:schemeClr>
-                </a:solidFill>
-              </a:rPr>
-              <a:t>Smart</a:t>
-            </a:r>
-          </a:p>
-        </p:txBody>
-      </p:sp>
-      <p:sp>
-        <p:nvSpPr>
-          <p:cNvPr id="45" name="TextBox 44"/>
-          <p:cNvSpPr txBox="1"/>
-          <p:nvPr/>
-        </p:nvSpPr>
-        <p:spPr>
-          <a:xfrm>
-            <a:off x="6419840" y="5030667"/>
-            <a:ext cx="707398" cy="338554"/>
-          </a:xfrm>
-          <a:prstGeom prst="rect">
-            <a:avLst/>
-          </a:prstGeom>
-          <a:solidFill>
-            <a:srgbClr val="FEF6F0"/>
-          </a:solidFill>
-          <a:ln>
-            <a:solidFill>
-              <a:srgbClr val="C2F3FD"/>
-            </a:solidFill>
-          </a:ln>
-        </p:spPr>
-        <p:txBody>
-          <a:bodyPr wrap="square" rtlCol="0">
-            <a:spAutoFit/>
-          </a:bodyPr>
-          <a:lstStyle/>
-          <a:p>
-            <a:r>
-              <a:rPr lang="en-PH" sz="1600" dirty="0">
-                <a:solidFill>
-                  <a:schemeClr val="bg2">
-                    <a:lumMod val="75000"/>
-                  </a:schemeClr>
-                </a:solidFill>
-              </a:rPr>
-              <a:t>Globe</a:t>
-            </a:r>
-          </a:p>
-        </p:txBody>
-      </p:sp>
-      <p:sp>
-        <p:nvSpPr>
-          <p:cNvPr id="46" name="TextBox 45"/>
-          <p:cNvSpPr txBox="1"/>
-          <p:nvPr/>
-        </p:nvSpPr>
-        <p:spPr>
-          <a:xfrm>
-            <a:off x="7193903" y="5030667"/>
-            <a:ext cx="707398" cy="338554"/>
-          </a:xfrm>
-          <a:prstGeom prst="rect">
-            <a:avLst/>
-          </a:prstGeom>
-          <a:solidFill>
-            <a:srgbClr val="FEF6F0"/>
-          </a:solidFill>
-          <a:ln>
-            <a:solidFill>
-              <a:srgbClr val="C2F3FD"/>
-            </a:solidFill>
-          </a:ln>
-        </p:spPr>
-        <p:txBody>
-          <a:bodyPr wrap="square" rtlCol="0">
-            <a:spAutoFit/>
-          </a:bodyPr>
-          <a:lstStyle/>
-          <a:p>
-            <a:r>
-              <a:rPr lang="en-PH" sz="1600" dirty="0">
-                <a:solidFill>
-                  <a:schemeClr val="bg2">
-                    <a:lumMod val="75000"/>
-                  </a:schemeClr>
-                </a:solidFill>
-              </a:rPr>
-              <a:t>Sun</a:t>
-            </a:r>
-          </a:p>
-        </p:txBody>
-      </p:sp>
-      <p:pic>
-        <p:nvPicPr>
-          <p:cNvPr id="3" name="Picture 2"/>
-          <p:cNvPicPr>
-            <a:picLocks noChangeAspect="1"/>
-          </p:cNvPicPr>
-          <p:nvPr/>
-        </p:nvPicPr>
-        <p:blipFill>
-          <a:blip r:embed="rId4"/>
-          <a:stretch>
-            <a:fillRect/>
-          </a:stretch>
-        </p:blipFill>
-        <p:spPr>
-          <a:xfrm>
-            <a:off x="5105400" y="2962454"/>
-            <a:ext cx="315912" cy="326847"/>
-          </a:xfrm>
-          <a:prstGeom prst="rect">
-            <a:avLst/>
-          </a:prstGeom>
-        </p:spPr>
-      </p:pic>
-      <p:pic>
-        <p:nvPicPr>
-          <p:cNvPr id="28" name="Picture 27"/>
-          <p:cNvPicPr>
-            <a:picLocks noChangeAspect="1"/>
-          </p:cNvPicPr>
-          <p:nvPr/>
-        </p:nvPicPr>
-        <p:blipFill>
-          <a:blip r:embed="rId5">
-            <a:extLst>
-              <a:ext uri="{BEBA8EAE-BF5A-486C-A8C5-ECC9F3942E4B}">
-                <a14:imgProps xmlns:a14="http://schemas.microsoft.com/office/drawing/2010/main">
-                  <a14:imgLayer r:embed="rId6">
-                    <a14:imgEffect>
-                      <a14:brightnessContrast bright="40000" contrast="-40000"/>
-                    </a14:imgEffect>
-                  </a14:imgLayer>
-                </a14:imgProps>
-              </a:ext>
-            </a:extLst>
-          </a:blip>
-          <a:stretch>
-            <a:fillRect/>
-          </a:stretch>
-        </p:blipFill>
-        <p:spPr>
-          <a:xfrm>
-            <a:off x="5105400" y="3484222"/>
-            <a:ext cx="335718" cy="338554"/>
-          </a:xfrm>
-          <a:prstGeom prst="rect">
-            <a:avLst/>
-          </a:prstGeom>
-          <a:effectLst>
-            <a:softEdge rad="25400"/>
-          </a:effectLst>
-        </p:spPr>
-      </p:pic>
-      <p:pic>
-        <p:nvPicPr>
-          <p:cNvPr id="4" name="Picture 3"/>
-          <p:cNvPicPr>
-            <a:picLocks noChangeAspect="1"/>
-          </p:cNvPicPr>
-          <p:nvPr/>
-        </p:nvPicPr>
-        <p:blipFill>
-          <a:blip r:embed="rId7"/>
-          <a:stretch>
-            <a:fillRect/>
-          </a:stretch>
-        </p:blipFill>
-        <p:spPr>
-          <a:xfrm>
-            <a:off x="5105400" y="4017697"/>
-            <a:ext cx="335718" cy="323638"/>
-          </a:xfrm>
-          <a:prstGeom prst="rect">
-            <a:avLst/>
-          </a:prstGeom>
-        </p:spPr>
-      </p:pic>
-      <p:pic>
-        <p:nvPicPr>
-          <p:cNvPr id="8" name="Picture 7"/>
-          <p:cNvPicPr>
-            <a:picLocks noChangeAspect="1"/>
-          </p:cNvPicPr>
-          <p:nvPr/>
-        </p:nvPicPr>
-        <p:blipFill>
-          <a:blip r:embed="rId8"/>
-          <a:stretch>
-            <a:fillRect/>
-          </a:stretch>
-        </p:blipFill>
-        <p:spPr>
-          <a:xfrm>
-            <a:off x="5105400" y="4517112"/>
-            <a:ext cx="335718" cy="341008"/>
-          </a:xfrm>
-          <a:prstGeom prst="rect">
-            <a:avLst/>
-          </a:prstGeom>
-        </p:spPr>
-      </p:pic>
-      <p:pic>
-        <p:nvPicPr>
-          <p:cNvPr id="11" name="Picture 10"/>
-          <p:cNvPicPr>
-            <a:picLocks noChangeAspect="1"/>
-          </p:cNvPicPr>
-          <p:nvPr/>
-        </p:nvPicPr>
-        <p:blipFill>
-          <a:blip r:embed="rId9"/>
-          <a:stretch>
-            <a:fillRect/>
-          </a:stretch>
-        </p:blipFill>
-        <p:spPr>
-          <a:xfrm>
-            <a:off x="5105400" y="5030667"/>
-            <a:ext cx="342900" cy="338554"/>
-          </a:xfrm>
-          <a:prstGeom prst="rect">
-            <a:avLst/>
-          </a:prstGeom>
-        </p:spPr>
-      </p:pic>
-      <p:sp>
-        <p:nvSpPr>
-          <p:cNvPr id="32" name="Rounded Rectangle 31"/>
+          <p:cNvPr id="21" name="Rounded Rectangle 20"/>
           <p:cNvSpPr/>
           <p:nvPr/>
         </p:nvSpPr>
         <p:spPr>
           <a:xfrm>
-            <a:off x="5770978" y="5703445"/>
-            <a:ext cx="1521582" cy="367121"/>
+            <a:off x="5533848" y="3294793"/>
+            <a:ext cx="1933087" cy="478302"/>
           </a:xfrm>
           <a:prstGeom prst="roundRect">
             <a:avLst/>
@@ -10989,10 +13728,9 @@
             <a:srgbClr val="FCD4BA"/>
           </a:solidFill>
           <a:ln>
-            <a:solidFill>
-              <a:srgbClr val="71B8C7"/>
-            </a:solidFill>
+            <a:noFill/>
           </a:ln>
+          <a:effectLst/>
           <a:scene3d>
             <a:camera prst="orthographicFront"/>
             <a:lightRig rig="threePt" dir="t"/>
@@ -11021,162 +13759,488 @@
           <a:bodyPr rtlCol="0" anchor="ctr"/>
           <a:lstStyle/>
           <a:p>
-            <a:pPr algn="ctr"/>
             <a:r>
               <a:rPr lang="en-PH" b="1" dirty="0">
                 <a:solidFill>
                   <a:srgbClr val="0B4555"/>
                 </a:solidFill>
               </a:rPr>
-              <a:t>Add expense</a:t>
-            </a:r>
-          </a:p>
-        </p:txBody>
-      </p:sp>
-      <p:sp>
-        <p:nvSpPr>
-          <p:cNvPr id="33" name="TextBox 32"/>
-          <p:cNvSpPr txBox="1"/>
-          <p:nvPr/>
-        </p:nvSpPr>
-        <p:spPr>
-          <a:xfrm>
-            <a:off x="6062240" y="6019766"/>
-            <a:ext cx="939057" cy="369332"/>
+              <a:t>Sales</a:t>
+            </a:r>
+          </a:p>
+        </p:txBody>
+      </p:sp>
+      <p:sp>
+        <p:nvSpPr>
+          <p:cNvPr id="23" name="Rounded Rectangle 22"/>
+          <p:cNvSpPr/>
+          <p:nvPr/>
+        </p:nvSpPr>
+        <p:spPr>
+          <a:xfrm>
+            <a:off x="5533848" y="3909480"/>
+            <a:ext cx="1933087" cy="478302"/>
+          </a:xfrm>
+          <a:prstGeom prst="roundRect">
+            <a:avLst/>
+          </a:prstGeom>
+          <a:solidFill>
+            <a:srgbClr val="FCD4BA"/>
+          </a:solidFill>
+          <a:ln>
+            <a:solidFill>
+              <a:srgbClr val="71B8C7"/>
+            </a:solidFill>
+          </a:ln>
+          <a:scene3d>
+            <a:camera prst="orthographicFront"/>
+            <a:lightRig rig="threePt" dir="t"/>
+          </a:scene3d>
+          <a:sp3d>
+            <a:bevelT/>
+          </a:sp3d>
+        </p:spPr>
+        <p:style>
+          <a:lnRef idx="2">
+            <a:schemeClr val="accent1">
+              <a:shade val="50000"/>
+            </a:schemeClr>
+          </a:lnRef>
+          <a:fillRef idx="1">
+            <a:schemeClr val="accent1"/>
+          </a:fillRef>
+          <a:effectRef idx="0">
+            <a:schemeClr val="accent1"/>
+          </a:effectRef>
+          <a:fontRef idx="minor">
+            <a:schemeClr val="lt1"/>
+          </a:fontRef>
+        </p:style>
+        <p:txBody>
+          <a:bodyPr rtlCol="0" anchor="ctr"/>
+          <a:lstStyle/>
+          <a:p>
+            <a:r>
+              <a:rPr lang="en-PH" b="1" dirty="0">
+                <a:solidFill>
+                  <a:srgbClr val="0B4555"/>
+                </a:solidFill>
+              </a:rPr>
+              <a:t>Products</a:t>
+            </a:r>
+          </a:p>
+        </p:txBody>
+      </p:sp>
+      <p:sp>
+        <p:nvSpPr>
+          <p:cNvPr id="24" name="Rounded Rectangle 23"/>
+          <p:cNvSpPr/>
+          <p:nvPr/>
+        </p:nvSpPr>
+        <p:spPr>
+          <a:xfrm>
+            <a:off x="5533845" y="4539600"/>
+            <a:ext cx="1933087" cy="478302"/>
+          </a:xfrm>
+          <a:prstGeom prst="roundRect">
+            <a:avLst/>
+          </a:prstGeom>
+          <a:solidFill>
+            <a:srgbClr val="FCD4BA"/>
+          </a:solidFill>
+          <a:ln>
+            <a:solidFill>
+              <a:srgbClr val="71B8C7"/>
+            </a:solidFill>
+          </a:ln>
+          <a:scene3d>
+            <a:camera prst="orthographicFront"/>
+            <a:lightRig rig="threePt" dir="t"/>
+          </a:scene3d>
+          <a:sp3d>
+            <a:bevelT/>
+          </a:sp3d>
+        </p:spPr>
+        <p:style>
+          <a:lnRef idx="2">
+            <a:schemeClr val="accent1">
+              <a:shade val="50000"/>
+            </a:schemeClr>
+          </a:lnRef>
+          <a:fillRef idx="1">
+            <a:schemeClr val="accent1"/>
+          </a:fillRef>
+          <a:effectRef idx="0">
+            <a:schemeClr val="accent1"/>
+          </a:effectRef>
+          <a:fontRef idx="minor">
+            <a:schemeClr val="lt1"/>
+          </a:fontRef>
+        </p:style>
+        <p:txBody>
+          <a:bodyPr rtlCol="0" anchor="ctr"/>
+          <a:lstStyle/>
+          <a:p>
+            <a:r>
+              <a:rPr lang="en-PH" b="1" dirty="0">
+                <a:solidFill>
+                  <a:srgbClr val="0B4555"/>
+                </a:solidFill>
+              </a:rPr>
+              <a:t>Graph</a:t>
+            </a:r>
+          </a:p>
+        </p:txBody>
+      </p:sp>
+      <p:pic>
+        <p:nvPicPr>
+          <p:cNvPr id="14" name="Picture 13"/>
+          <p:cNvPicPr>
+            <a:picLocks noChangeAspect="1"/>
+          </p:cNvPicPr>
+          <p:nvPr/>
+        </p:nvPicPr>
+        <p:blipFill>
+          <a:blip r:embed="rId3">
+            <a:extLst>
+              <a:ext uri="{BEBA8EAE-BF5A-486C-A8C5-ECC9F3942E4B}">
+                <a14:imgProps xmlns:a14="http://schemas.microsoft.com/office/drawing/2010/main">
+                  <a14:imgLayer r:embed="rId4">
+                    <a14:imgEffect>
+                      <a14:brightnessContrast bright="20000"/>
+                    </a14:imgEffect>
+                  </a14:imgLayer>
+                </a14:imgProps>
+              </a:ext>
+            </a:extLst>
+          </a:blip>
+          <a:stretch>
+            <a:fillRect/>
+          </a:stretch>
+        </p:blipFill>
+        <p:spPr>
+          <a:xfrm>
+            <a:off x="6970996" y="4658209"/>
+            <a:ext cx="442148" cy="343892"/>
           </a:xfrm>
           <a:prstGeom prst="rect">
             <a:avLst/>
           </a:prstGeom>
-          <a:noFill/>
-        </p:spPr>
-        <p:txBody>
-          <a:bodyPr wrap="square" rtlCol="0">
-            <a:spAutoFit/>
-          </a:bodyPr>
-          <a:lstStyle/>
-          <a:p>
-            <a:r>
-              <a:rPr lang="en-PH" u="sng" dirty="0">
-                <a:solidFill>
-                  <a:srgbClr val="C2F3FD"/>
+          <a:effectLst>
+            <a:softEdge rad="25400"/>
+          </a:effectLst>
+        </p:spPr>
+      </p:pic>
+      <p:pic>
+        <p:nvPicPr>
+          <p:cNvPr id="18" name="Picture 17"/>
+          <p:cNvPicPr>
+            <a:picLocks noChangeAspect="1"/>
+          </p:cNvPicPr>
+          <p:nvPr/>
+        </p:nvPicPr>
+        <p:blipFill>
+          <a:blip r:embed="rId5">
+            <a:extLst>
+              <a:ext uri="{BEBA8EAE-BF5A-486C-A8C5-ECC9F3942E4B}">
+                <a14:imgProps xmlns:a14="http://schemas.microsoft.com/office/drawing/2010/main">
+                  <a14:imgLayer r:embed="rId6">
+                    <a14:imgEffect>
+                      <a14:brightnessContrast bright="20000"/>
+                    </a14:imgEffect>
+                  </a14:imgLayer>
+                </a14:imgProps>
+              </a:ext>
+            </a:extLst>
+          </a:blip>
+          <a:stretch>
+            <a:fillRect/>
+          </a:stretch>
+        </p:blipFill>
+        <p:spPr>
+          <a:xfrm>
+            <a:off x="6970996" y="3362441"/>
+            <a:ext cx="442147" cy="341668"/>
+          </a:xfrm>
+          <a:prstGeom prst="rect">
+            <a:avLst/>
+          </a:prstGeom>
+          <a:effectLst>
+            <a:softEdge rad="25400"/>
+          </a:effectLst>
+        </p:spPr>
+      </p:pic>
+      <p:pic>
+        <p:nvPicPr>
+          <p:cNvPr id="26" name="Picture 25"/>
+          <p:cNvPicPr>
+            <a:picLocks noChangeAspect="1"/>
+          </p:cNvPicPr>
+          <p:nvPr/>
+        </p:nvPicPr>
+        <p:blipFill>
+          <a:blip r:embed="rId7">
+            <a:extLst>
+              <a:ext uri="{BEBA8EAE-BF5A-486C-A8C5-ECC9F3942E4B}">
+                <a14:imgProps xmlns:a14="http://schemas.microsoft.com/office/drawing/2010/main">
+                  <a14:imgLayer r:embed="rId8">
+                    <a14:imgEffect>
+                      <a14:brightnessContrast bright="20000"/>
+                    </a14:imgEffect>
+                  </a14:imgLayer>
+                </a14:imgProps>
+              </a:ext>
+            </a:extLst>
+          </a:blip>
+          <a:stretch>
+            <a:fillRect/>
+          </a:stretch>
+        </p:blipFill>
+        <p:spPr>
+          <a:xfrm>
+            <a:off x="6971993" y="3995343"/>
+            <a:ext cx="442147" cy="343892"/>
+          </a:xfrm>
+          <a:prstGeom prst="rect">
+            <a:avLst/>
+          </a:prstGeom>
+          <a:effectLst>
+            <a:softEdge rad="25400"/>
+          </a:effectLst>
+        </p:spPr>
+      </p:pic>
+      <p:sp>
+        <p:nvSpPr>
+          <p:cNvPr id="28" name="Rounded Rectangle 27"/>
+          <p:cNvSpPr/>
+          <p:nvPr/>
+        </p:nvSpPr>
+        <p:spPr>
+          <a:xfrm>
+            <a:off x="5533845" y="5181558"/>
+            <a:ext cx="1933087" cy="478302"/>
+          </a:xfrm>
+          <a:prstGeom prst="roundRect">
+            <a:avLst/>
+          </a:prstGeom>
+          <a:solidFill>
+            <a:srgbClr val="FCD4BA"/>
+          </a:solidFill>
+          <a:ln>
+            <a:solidFill>
+              <a:srgbClr val="71B8C7"/>
+            </a:solidFill>
+          </a:ln>
+          <a:scene3d>
+            <a:camera prst="orthographicFront"/>
+            <a:lightRig rig="threePt" dir="t"/>
+          </a:scene3d>
+          <a:sp3d>
+            <a:bevelT/>
+          </a:sp3d>
+        </p:spPr>
+        <p:style>
+          <a:lnRef idx="2">
+            <a:schemeClr val="accent1">
+              <a:shade val="50000"/>
+            </a:schemeClr>
+          </a:lnRef>
+          <a:fillRef idx="1">
+            <a:schemeClr val="accent1"/>
+          </a:fillRef>
+          <a:effectRef idx="0">
+            <a:schemeClr val="accent1"/>
+          </a:effectRef>
+          <a:fontRef idx="minor">
+            <a:schemeClr val="lt1"/>
+          </a:fontRef>
+        </p:style>
+        <p:txBody>
+          <a:bodyPr rtlCol="0" anchor="ctr"/>
+          <a:lstStyle/>
+          <a:p>
+            <a:r>
+              <a:rPr lang="en-PH" b="1" dirty="0">
+                <a:solidFill>
+                  <a:srgbClr val="0B4555"/>
                 </a:solidFill>
               </a:rPr>
-              <a:t>Logout</a:t>
-            </a:r>
-          </a:p>
-        </p:txBody>
-      </p:sp>
-      <p:sp>
-        <p:nvSpPr>
-          <p:cNvPr id="35" name="TextBox 34"/>
-          <p:cNvSpPr txBox="1"/>
-          <p:nvPr/>
-        </p:nvSpPr>
-        <p:spPr>
-          <a:xfrm>
-            <a:off x="1271219" y="2837891"/>
-            <a:ext cx="2895639" cy="1754326"/>
+              <a:t>Expenses</a:t>
+            </a:r>
+          </a:p>
+        </p:txBody>
+      </p:sp>
+      <p:pic>
+        <p:nvPicPr>
+          <p:cNvPr id="29" name="Picture 28"/>
+          <p:cNvPicPr>
+            <a:picLocks noChangeAspect="1"/>
+          </p:cNvPicPr>
+          <p:nvPr/>
+        </p:nvPicPr>
+        <p:blipFill>
+          <a:blip r:embed="rId9"/>
+          <a:stretch>
+            <a:fillRect/>
+          </a:stretch>
+        </p:blipFill>
+        <p:spPr>
+          <a:xfrm>
+            <a:off x="6970995" y="5240770"/>
+            <a:ext cx="442147" cy="343892"/>
           </a:xfrm>
           <a:prstGeom prst="rect">
             <a:avLst/>
           </a:prstGeom>
-          <a:noFill/>
-        </p:spPr>
-        <p:txBody>
-          <a:bodyPr wrap="square" rtlCol="0">
-            <a:spAutoFit/>
-          </a:bodyPr>
-          <a:lstStyle/>
-          <a:p>
-            <a:r>
-              <a:rPr lang="en-PH" dirty="0"/>
-              <a:t>Under the sales-input sales, this is where the user can input the actual sales. Per day sales consist of two shifts, from 4 a.m. – 3 p.m. and 3 p.m. to 12 a.m.</a:t>
-            </a:r>
-          </a:p>
-        </p:txBody>
-      </p:sp>
-      <p:sp>
-        <p:nvSpPr>
-          <p:cNvPr id="36" name="TextBox 35"/>
-          <p:cNvSpPr txBox="1"/>
-          <p:nvPr/>
-        </p:nvSpPr>
-        <p:spPr>
-          <a:xfrm>
-            <a:off x="8793262" y="5460609"/>
-            <a:ext cx="2895639" cy="646331"/>
-          </a:xfrm>
-          <a:prstGeom prst="rect">
-            <a:avLst/>
-          </a:prstGeom>
-          <a:noFill/>
-        </p:spPr>
-        <p:txBody>
-          <a:bodyPr wrap="square" rtlCol="0">
-            <a:spAutoFit/>
-          </a:bodyPr>
-          <a:lstStyle/>
-          <a:p>
-            <a:r>
-              <a:rPr lang="en-PH" dirty="0"/>
-              <a:t>After inputting the sales, the user can add expenses</a:t>
-            </a:r>
-          </a:p>
-        </p:txBody>
-      </p:sp>
+        </p:spPr>
+      </p:pic>
       <p:cxnSp>
         <p:nvCxnSpPr>
-          <p:cNvPr id="37" name="Straight Arrow Connector 36"/>
-          <p:cNvCxnSpPr>
-            <a:stCxn id="36" idx="1"/>
-            <a:endCxn id="32" idx="3"/>
-          </p:cNvCxnSpPr>
+          <p:cNvPr id="30" name="Straight Connector 29"/>
+          <p:cNvCxnSpPr/>
           <p:nvPr/>
         </p:nvCxnSpPr>
         <p:spPr>
-          <a:xfrm flipH="1">
-            <a:off x="7292560" y="5783775"/>
-            <a:ext cx="1500702" cy="103231"/>
-          </a:xfrm>
-          <a:prstGeom prst="straightConnector1">
-            <a:avLst/>
-          </a:prstGeom>
-          <a:ln w="19050" cap="flat" cmpd="sng" algn="ctr">
+          <a:xfrm>
+            <a:off x="5123692" y="5934015"/>
+            <a:ext cx="2753391" cy="6232"/>
+          </a:xfrm>
+          <a:prstGeom prst="line">
+            <a:avLst/>
+          </a:prstGeom>
+          <a:ln>
             <a:solidFill>
-              <a:schemeClr val="accent4"/>
+              <a:srgbClr val="C2F3FD"/>
             </a:solidFill>
-            <a:prstDash val="solid"/>
-            <a:round/>
-            <a:headEnd type="none" w="med" len="med"/>
-            <a:tailEnd type="arrow" w="med" len="med"/>
           </a:ln>
-          <a:effectLst>
-            <a:outerShdw blurRad="50800" dist="38100" dir="5400000" algn="t" rotWithShape="0">
-              <a:prstClr val="black">
-                <a:alpha val="40000"/>
-              </a:prstClr>
-            </a:outerShdw>
-          </a:effectLst>
         </p:spPr>
         <p:style>
-          <a:lnRef idx="0">
-            <a:scrgbClr r="0" g="0" b="0"/>
+          <a:lnRef idx="1">
+            <a:schemeClr val="accent1"/>
           </a:lnRef>
           <a:fillRef idx="0">
-            <a:scrgbClr r="0" g="0" b="0"/>
+            <a:schemeClr val="accent1"/>
           </a:fillRef>
           <a:effectRef idx="0">
-            <a:scrgbClr r="0" g="0" b="0"/>
+            <a:schemeClr val="accent1"/>
           </a:effectRef>
           <a:fontRef idx="minor">
             <a:schemeClr val="tx1"/>
           </a:fontRef>
         </p:style>
       </p:cxnSp>
+      <p:sp>
+        <p:nvSpPr>
+          <p:cNvPr id="32" name="TextBox 31"/>
+          <p:cNvSpPr txBox="1"/>
+          <p:nvPr/>
+        </p:nvSpPr>
+        <p:spPr>
+          <a:xfrm>
+            <a:off x="6059368" y="6019452"/>
+            <a:ext cx="939057" cy="369332"/>
+          </a:xfrm>
+          <a:prstGeom prst="rect">
+            <a:avLst/>
+          </a:prstGeom>
+          <a:noFill/>
+        </p:spPr>
+        <p:txBody>
+          <a:bodyPr wrap="square" rtlCol="0">
+            <a:spAutoFit/>
+          </a:bodyPr>
+          <a:lstStyle/>
+          <a:p>
+            <a:r>
+              <a:rPr lang="en-PH" u="sng" dirty="0">
+                <a:solidFill>
+                  <a:srgbClr val="C2F3FD"/>
+                </a:solidFill>
+              </a:rPr>
+              <a:t>Logout</a:t>
+            </a:r>
+          </a:p>
+        </p:txBody>
+      </p:sp>
+      <p:sp>
+        <p:nvSpPr>
+          <p:cNvPr id="36" name="TextBox 35"/>
+          <p:cNvSpPr txBox="1"/>
+          <p:nvPr/>
+        </p:nvSpPr>
+        <p:spPr>
+          <a:xfrm>
+            <a:off x="9494151" y="1324499"/>
+            <a:ext cx="2446326" cy="461665"/>
+          </a:xfrm>
+          <a:prstGeom prst="rect">
+            <a:avLst/>
+          </a:prstGeom>
+          <a:noFill/>
+        </p:spPr>
+        <p:txBody>
+          <a:bodyPr wrap="square" rtlCol="0">
+            <a:spAutoFit/>
+          </a:bodyPr>
+          <a:lstStyle/>
+          <a:p>
+            <a:r>
+              <a:rPr lang="en-PH" sz="2400" dirty="0"/>
+              <a:t>MAIN ACTIVITY</a:t>
+            </a:r>
+          </a:p>
+        </p:txBody>
+      </p:sp>
+      <p:sp>
+        <p:nvSpPr>
+          <p:cNvPr id="3" name="Oval 2"/>
+          <p:cNvSpPr/>
+          <p:nvPr/>
+        </p:nvSpPr>
+        <p:spPr>
+          <a:xfrm>
+            <a:off x="5138134" y="3035301"/>
+            <a:ext cx="2635540" cy="944242"/>
+          </a:xfrm>
+          <a:prstGeom prst="ellipse">
+            <a:avLst/>
+          </a:prstGeom>
+          <a:noFill/>
+          <a:ln>
+            <a:solidFill>
+              <a:srgbClr val="FF0000"/>
+            </a:solidFill>
+          </a:ln>
+        </p:spPr>
+        <p:style>
+          <a:lnRef idx="2">
+            <a:schemeClr val="accent1">
+              <a:shade val="50000"/>
+            </a:schemeClr>
+          </a:lnRef>
+          <a:fillRef idx="1">
+            <a:schemeClr val="accent1"/>
+          </a:fillRef>
+          <a:effectRef idx="0">
+            <a:schemeClr val="accent1"/>
+          </a:effectRef>
+          <a:fontRef idx="minor">
+            <a:schemeClr val="lt1"/>
+          </a:fontRef>
+        </p:style>
+        <p:txBody>
+          <a:bodyPr rtlCol="0" anchor="ctr"/>
+          <a:lstStyle/>
+          <a:p>
+            <a:pPr algn="ctr"/>
+            <a:endParaRPr lang="en-PH"/>
+          </a:p>
+        </p:txBody>
+      </p:sp>
     </p:spTree>
     <p:extLst>
       <p:ext uri="{BB962C8B-B14F-4D97-AF65-F5344CB8AC3E}">
-        <p14:creationId xmlns:p14="http://schemas.microsoft.com/office/powerpoint/2010/main" val="960623059"/>
+        <p14:creationId xmlns:p14="http://schemas.microsoft.com/office/powerpoint/2010/main" val="2986606923"/>
       </p:ext>
     </p:extLst>
   </p:cSld>
@@ -11324,7 +14388,7 @@
         <p:spPr>
           <a:xfrm>
             <a:off x="9555302" y="1355152"/>
-            <a:ext cx="2133600" cy="830997"/>
+            <a:ext cx="2331898" cy="461665"/>
           </a:xfrm>
           <a:prstGeom prst="rect">
             <a:avLst/>
@@ -11339,7 +14403,7 @@
           <a:p>
             <a:r>
               <a:rPr lang="en-PH" sz="2400" dirty="0"/>
-              <a:t>EXPENSE PAGE</a:t>
+              <a:t>SALES ACTIVITY</a:t>
             </a:r>
           </a:p>
         </p:txBody>
@@ -11412,8 +14476,8 @@
         </p:nvCxnSpPr>
         <p:spPr>
           <a:xfrm>
-            <a:off x="4814886" y="2295525"/>
-            <a:ext cx="3420000" cy="0"/>
+            <a:off x="4833938" y="2295525"/>
+            <a:ext cx="3395662" cy="0"/>
           </a:xfrm>
           <a:prstGeom prst="line">
             <a:avLst/>
@@ -11441,14 +14505,14 @@
       </p:cxnSp>
       <p:sp>
         <p:nvSpPr>
-          <p:cNvPr id="31" name="TextBox 30"/>
+          <p:cNvPr id="10" name="TextBox 9"/>
           <p:cNvSpPr txBox="1"/>
           <p:nvPr/>
         </p:nvSpPr>
         <p:spPr>
           <a:xfrm>
-            <a:off x="4791071" y="2295524"/>
-            <a:ext cx="3466800" cy="369332"/>
+            <a:off x="4791695" y="2295525"/>
+            <a:ext cx="1708165" cy="369332"/>
           </a:xfrm>
           <a:prstGeom prst="rect">
             <a:avLst/>
@@ -11473,11 +14537,85 @@
                   <a:srgbClr val="FDE4D3"/>
                 </a:solidFill>
               </a:rPr>
-              <a:t>EXPENSES</a:t>
-            </a:r>
-          </a:p>
-        </p:txBody>
-      </p:sp>
+              <a:t>INPUT SALES</a:t>
+            </a:r>
+          </a:p>
+        </p:txBody>
+      </p:sp>
+      <p:sp>
+        <p:nvSpPr>
+          <p:cNvPr id="31" name="TextBox 30"/>
+          <p:cNvSpPr txBox="1"/>
+          <p:nvPr/>
+        </p:nvSpPr>
+        <p:spPr>
+          <a:xfrm>
+            <a:off x="6514148" y="2295524"/>
+            <a:ext cx="1723029" cy="369332"/>
+          </a:xfrm>
+          <a:prstGeom prst="rect">
+            <a:avLst/>
+          </a:prstGeom>
+          <a:noFill/>
+          <a:ln>
+            <a:solidFill>
+              <a:srgbClr val="C2F3FD"/>
+            </a:solidFill>
+          </a:ln>
+        </p:spPr>
+        <p:txBody>
+          <a:bodyPr wrap="square" rtlCol="0">
+            <a:spAutoFit/>
+          </a:bodyPr>
+          <a:lstStyle/>
+          <a:p>
+            <a:pPr algn="ctr"/>
+            <a:r>
+              <a:rPr lang="en-PH" dirty="0">
+                <a:solidFill>
+                  <a:srgbClr val="FDE4D3"/>
+                </a:solidFill>
+              </a:rPr>
+              <a:t>LIST OF SALES</a:t>
+            </a:r>
+          </a:p>
+        </p:txBody>
+      </p:sp>
+      <p:cxnSp>
+        <p:nvCxnSpPr>
+          <p:cNvPr id="34" name="Straight Connector 33"/>
+          <p:cNvCxnSpPr/>
+          <p:nvPr/>
+        </p:nvCxnSpPr>
+        <p:spPr>
+          <a:xfrm flipV="1">
+            <a:off x="4833938" y="2664856"/>
+            <a:ext cx="1665922" cy="1905"/>
+          </a:xfrm>
+          <a:prstGeom prst="line">
+            <a:avLst/>
+          </a:prstGeom>
+          <a:ln w="57150">
+            <a:solidFill>
+              <a:srgbClr val="C2F3FD"/>
+            </a:solidFill>
+          </a:ln>
+        </p:spPr>
+        <p:style>
+          <a:lnRef idx="1">
+            <a:schemeClr val="accent1"/>
+          </a:lnRef>
+          <a:fillRef idx="0">
+            <a:schemeClr val="accent1"/>
+          </a:fillRef>
+          <a:effectRef idx="0">
+            <a:schemeClr val="accent1"/>
+          </a:effectRef>
+          <a:fontRef idx="minor">
+            <a:schemeClr val="tx1"/>
+          </a:fontRef>
+        </p:style>
+      </p:cxnSp>
       <p:sp>
         <p:nvSpPr>
           <p:cNvPr id="38" name="TextBox 37"/>
@@ -11515,7 +14653,7 @@
                   </a:schemeClr>
                 </a:solidFill>
               </a:rPr>
-              <a:t>Name of expense</a:t>
+              <a:t>Date</a:t>
             </a:r>
           </a:p>
         </p:txBody>
@@ -11557,11 +14695,287 @@
                   </a:schemeClr>
                 </a:solidFill>
               </a:rPr>
-              <a:t>How much?</a:t>
-            </a:r>
-          </a:p>
-        </p:txBody>
-      </p:sp>
+              <a:t>Gross sales</a:t>
+            </a:r>
+          </a:p>
+        </p:txBody>
+      </p:sp>
+      <p:sp>
+        <p:nvSpPr>
+          <p:cNvPr id="40" name="TextBox 39"/>
+          <p:cNvSpPr txBox="1"/>
+          <p:nvPr/>
+        </p:nvSpPr>
+        <p:spPr>
+          <a:xfrm>
+            <a:off x="5645777" y="4008463"/>
+            <a:ext cx="1078873" cy="338554"/>
+          </a:xfrm>
+          <a:prstGeom prst="rect">
+            <a:avLst/>
+          </a:prstGeom>
+          <a:solidFill>
+            <a:srgbClr val="FEF6F0"/>
+          </a:solidFill>
+          <a:ln>
+            <a:solidFill>
+              <a:srgbClr val="C2F3FD"/>
+            </a:solidFill>
+          </a:ln>
+        </p:spPr>
+        <p:txBody>
+          <a:bodyPr wrap="square" rtlCol="0">
+            <a:spAutoFit/>
+          </a:bodyPr>
+          <a:lstStyle/>
+          <a:p>
+            <a:r>
+              <a:rPr lang="en-PH" sz="1600" dirty="0">
+                <a:solidFill>
+                  <a:schemeClr val="bg2">
+                    <a:lumMod val="75000"/>
+                  </a:schemeClr>
+                </a:solidFill>
+              </a:rPr>
+              <a:t>Bread</a:t>
+            </a:r>
+          </a:p>
+        </p:txBody>
+      </p:sp>
+      <p:sp>
+        <p:nvSpPr>
+          <p:cNvPr id="41" name="TextBox 40"/>
+          <p:cNvSpPr txBox="1"/>
+          <p:nvPr/>
+        </p:nvSpPr>
+        <p:spPr>
+          <a:xfrm>
+            <a:off x="6840204" y="4003096"/>
+            <a:ext cx="1078873" cy="338554"/>
+          </a:xfrm>
+          <a:prstGeom prst="rect">
+            <a:avLst/>
+          </a:prstGeom>
+          <a:solidFill>
+            <a:srgbClr val="FEF6F0"/>
+          </a:solidFill>
+          <a:ln>
+            <a:solidFill>
+              <a:srgbClr val="C2F3FD"/>
+            </a:solidFill>
+          </a:ln>
+        </p:spPr>
+        <p:txBody>
+          <a:bodyPr wrap="square" rtlCol="0">
+            <a:spAutoFit/>
+          </a:bodyPr>
+          <a:lstStyle/>
+          <a:p>
+            <a:r>
+              <a:rPr lang="en-PH" sz="1600" dirty="0">
+                <a:solidFill>
+                  <a:schemeClr val="bg2">
+                    <a:lumMod val="75000"/>
+                  </a:schemeClr>
+                </a:solidFill>
+              </a:rPr>
+              <a:t>Grocery</a:t>
+            </a:r>
+          </a:p>
+        </p:txBody>
+      </p:sp>
+      <p:sp>
+        <p:nvSpPr>
+          <p:cNvPr id="42" name="TextBox 41"/>
+          <p:cNvSpPr txBox="1"/>
+          <p:nvPr/>
+        </p:nvSpPr>
+        <p:spPr>
+          <a:xfrm>
+            <a:off x="5645777" y="4519565"/>
+            <a:ext cx="2273300" cy="338554"/>
+          </a:xfrm>
+          <a:prstGeom prst="rect">
+            <a:avLst/>
+          </a:prstGeom>
+          <a:solidFill>
+            <a:srgbClr val="FEF6F0"/>
+          </a:solidFill>
+          <a:ln>
+            <a:solidFill>
+              <a:srgbClr val="C2F3FD"/>
+            </a:solidFill>
+          </a:ln>
+        </p:spPr>
+        <p:txBody>
+          <a:bodyPr wrap="square" rtlCol="0">
+            <a:spAutoFit/>
+          </a:bodyPr>
+          <a:lstStyle/>
+          <a:p>
+            <a:r>
+              <a:rPr lang="en-PH" sz="1600" dirty="0">
+                <a:solidFill>
+                  <a:schemeClr val="bg2">
+                    <a:lumMod val="75000"/>
+                  </a:schemeClr>
+                </a:solidFill>
+              </a:rPr>
+              <a:t>E-load</a:t>
+            </a:r>
+          </a:p>
+        </p:txBody>
+      </p:sp>
+      <p:sp>
+        <p:nvSpPr>
+          <p:cNvPr id="43" name="TextBox 42"/>
+          <p:cNvSpPr txBox="1"/>
+          <p:nvPr/>
+        </p:nvSpPr>
+        <p:spPr>
+          <a:xfrm>
+            <a:off x="5645777" y="5030667"/>
+            <a:ext cx="707398" cy="338554"/>
+          </a:xfrm>
+          <a:prstGeom prst="rect">
+            <a:avLst/>
+          </a:prstGeom>
+          <a:solidFill>
+            <a:srgbClr val="FEF6F0"/>
+          </a:solidFill>
+          <a:ln>
+            <a:solidFill>
+              <a:srgbClr val="C2F3FD"/>
+            </a:solidFill>
+          </a:ln>
+        </p:spPr>
+        <p:txBody>
+          <a:bodyPr wrap="square" rtlCol="0">
+            <a:spAutoFit/>
+          </a:bodyPr>
+          <a:lstStyle/>
+          <a:p>
+            <a:r>
+              <a:rPr lang="en-PH" sz="1600" dirty="0">
+                <a:solidFill>
+                  <a:schemeClr val="bg2">
+                    <a:lumMod val="75000"/>
+                  </a:schemeClr>
+                </a:solidFill>
+              </a:rPr>
+              <a:t>Smart</a:t>
+            </a:r>
+          </a:p>
+        </p:txBody>
+      </p:sp>
+      <p:sp>
+        <p:nvSpPr>
+          <p:cNvPr id="45" name="TextBox 44"/>
+          <p:cNvSpPr txBox="1"/>
+          <p:nvPr/>
+        </p:nvSpPr>
+        <p:spPr>
+          <a:xfrm>
+            <a:off x="6419840" y="5030667"/>
+            <a:ext cx="707398" cy="338554"/>
+          </a:xfrm>
+          <a:prstGeom prst="rect">
+            <a:avLst/>
+          </a:prstGeom>
+          <a:solidFill>
+            <a:srgbClr val="FEF6F0"/>
+          </a:solidFill>
+          <a:ln>
+            <a:solidFill>
+              <a:srgbClr val="C2F3FD"/>
+            </a:solidFill>
+          </a:ln>
+        </p:spPr>
+        <p:txBody>
+          <a:bodyPr wrap="square" rtlCol="0">
+            <a:spAutoFit/>
+          </a:bodyPr>
+          <a:lstStyle/>
+          <a:p>
+            <a:r>
+              <a:rPr lang="en-PH" sz="1600" dirty="0">
+                <a:solidFill>
+                  <a:schemeClr val="bg2">
+                    <a:lumMod val="75000"/>
+                  </a:schemeClr>
+                </a:solidFill>
+              </a:rPr>
+              <a:t>Globe</a:t>
+            </a:r>
+          </a:p>
+        </p:txBody>
+      </p:sp>
+      <p:sp>
+        <p:nvSpPr>
+          <p:cNvPr id="46" name="TextBox 45"/>
+          <p:cNvSpPr txBox="1"/>
+          <p:nvPr/>
+        </p:nvSpPr>
+        <p:spPr>
+          <a:xfrm>
+            <a:off x="7193903" y="5030667"/>
+            <a:ext cx="707398" cy="338554"/>
+          </a:xfrm>
+          <a:prstGeom prst="rect">
+            <a:avLst/>
+          </a:prstGeom>
+          <a:solidFill>
+            <a:srgbClr val="FEF6F0"/>
+          </a:solidFill>
+          <a:ln>
+            <a:solidFill>
+              <a:srgbClr val="C2F3FD"/>
+            </a:solidFill>
+          </a:ln>
+        </p:spPr>
+        <p:txBody>
+          <a:bodyPr wrap="square" rtlCol="0">
+            <a:spAutoFit/>
+          </a:bodyPr>
+          <a:lstStyle/>
+          <a:p>
+            <a:r>
+              <a:rPr lang="en-PH" sz="1600" dirty="0">
+                <a:solidFill>
+                  <a:schemeClr val="bg2">
+                    <a:lumMod val="75000"/>
+                  </a:schemeClr>
+                </a:solidFill>
+              </a:rPr>
+              <a:t>Sun</a:t>
+            </a:r>
+          </a:p>
+        </p:txBody>
+      </p:sp>
+      <p:pic>
+        <p:nvPicPr>
+          <p:cNvPr id="3" name="Picture 2"/>
+          <p:cNvPicPr>
+            <a:picLocks noChangeAspect="1"/>
+          </p:cNvPicPr>
+          <p:nvPr/>
+        </p:nvPicPr>
+        <p:blipFill>
+          <a:blip r:embed="rId4"/>
+          <a:stretch>
+            <a:fillRect/>
+          </a:stretch>
+        </p:blipFill>
+        <p:spPr>
+          <a:xfrm>
+            <a:off x="5105400" y="2962454"/>
+            <a:ext cx="315912" cy="326847"/>
+          </a:xfrm>
+          <a:prstGeom prst="rect">
+            <a:avLst/>
+          </a:prstGeom>
+        </p:spPr>
+      </p:pic>
       <p:pic>
         <p:nvPicPr>
           <p:cNvPr id="28" name="Picture 27"/>
@@ -11571,11 +14985,11 @@
           <p:nvPr/>
         </p:nvPicPr>
         <p:blipFill>
-          <a:blip r:embed="rId4">
+          <a:blip r:embed="rId5">
             <a:extLst>
               <a:ext uri="{BEBA8EAE-BF5A-486C-A8C5-ECC9F3942E4B}">
                 <a14:imgProps xmlns:a14="http://schemas.microsoft.com/office/drawing/2010/main">
-                  <a14:imgLayer r:embed="rId5">
+                  <a14:imgLayer r:embed="rId6">
                     <a14:imgEffect>
                       <a14:brightnessContrast bright="40000" contrast="-40000"/>
                     </a14:imgEffect>
@@ -11601,6 +15015,78 @@
           </a:effectLst>
         </p:spPr>
       </p:pic>
+      <p:pic>
+        <p:nvPicPr>
+          <p:cNvPr id="4" name="Picture 3"/>
+          <p:cNvPicPr>
+            <a:picLocks noChangeAspect="1"/>
+          </p:cNvPicPr>
+          <p:nvPr/>
+        </p:nvPicPr>
+        <p:blipFill>
+          <a:blip r:embed="rId7"/>
+          <a:stretch>
+            <a:fillRect/>
+          </a:stretch>
+        </p:blipFill>
+        <p:spPr>
+          <a:xfrm>
+            <a:off x="5105400" y="4017697"/>
+            <a:ext cx="335718" cy="323638"/>
+          </a:xfrm>
+          <a:prstGeom prst="rect">
+            <a:avLst/>
+          </a:prstGeom>
+        </p:spPr>
+      </p:pic>
+      <p:pic>
+        <p:nvPicPr>
+          <p:cNvPr id="8" name="Picture 7"/>
+          <p:cNvPicPr>
+            <a:picLocks noChangeAspect="1"/>
+          </p:cNvPicPr>
+          <p:nvPr/>
+        </p:nvPicPr>
+        <p:blipFill>
+          <a:blip r:embed="rId8"/>
+          <a:stretch>
+            <a:fillRect/>
+          </a:stretch>
+        </p:blipFill>
+        <p:spPr>
+          <a:xfrm>
+            <a:off x="5105400" y="4517112"/>
+            <a:ext cx="335718" cy="341008"/>
+          </a:xfrm>
+          <a:prstGeom prst="rect">
+            <a:avLst/>
+          </a:prstGeom>
+        </p:spPr>
+      </p:pic>
+      <p:pic>
+        <p:nvPicPr>
+          <p:cNvPr id="11" name="Picture 10"/>
+          <p:cNvPicPr>
+            <a:picLocks noChangeAspect="1"/>
+          </p:cNvPicPr>
+          <p:nvPr/>
+        </p:nvPicPr>
+        <p:blipFill>
+          <a:blip r:embed="rId9"/>
+          <a:stretch>
+            <a:fillRect/>
+          </a:stretch>
+        </p:blipFill>
+        <p:spPr>
+          <a:xfrm>
+            <a:off x="5105400" y="5030667"/>
+            <a:ext cx="342900" cy="338554"/>
+          </a:xfrm>
+          <a:prstGeom prst="rect">
+            <a:avLst/>
+          </a:prstGeom>
+        </p:spPr>
+      </p:pic>
       <p:sp>
         <p:nvSpPr>
           <p:cNvPr id="32" name="Rounded Rectangle 31"/>
@@ -11609,8 +15095,8 @@
         </p:nvSpPr>
         <p:spPr>
           <a:xfrm>
-            <a:off x="6710288" y="5652645"/>
-            <a:ext cx="1315333" cy="367121"/>
+            <a:off x="5770978" y="5703445"/>
+            <a:ext cx="1521582" cy="367121"/>
           </a:xfrm>
           <a:prstGeom prst="roundRect">
             <a:avLst/>
@@ -11658,73 +15144,14 @@
                   <a:srgbClr val="0B4555"/>
                 </a:solidFill>
               </a:rPr>
-              <a:t>Add more</a:t>
-            </a:r>
-          </a:p>
-        </p:txBody>
-      </p:sp>
-      <p:pic>
-        <p:nvPicPr>
-          <p:cNvPr id="12" name="Picture 11"/>
-          <p:cNvPicPr>
-            <a:picLocks noChangeAspect="1"/>
-          </p:cNvPicPr>
-          <p:nvPr/>
-        </p:nvPicPr>
-        <p:blipFill>
-          <a:blip r:embed="rId6"/>
-          <a:stretch>
-            <a:fillRect/>
-          </a:stretch>
-        </p:blipFill>
-        <p:spPr>
-          <a:xfrm>
-            <a:off x="5105400" y="2962455"/>
-            <a:ext cx="335718" cy="338554"/>
-          </a:xfrm>
-          <a:prstGeom prst="rect">
-            <a:avLst/>
-          </a:prstGeom>
-        </p:spPr>
-      </p:pic>
-      <p:cxnSp>
-        <p:nvCxnSpPr>
-          <p:cNvPr id="27" name="Straight Connector 26"/>
-          <p:cNvCxnSpPr/>
-          <p:nvPr/>
-        </p:nvCxnSpPr>
-        <p:spPr>
-          <a:xfrm>
-            <a:off x="5155073" y="5408923"/>
-            <a:ext cx="2753391" cy="6232"/>
-          </a:xfrm>
-          <a:prstGeom prst="line">
-            <a:avLst/>
-          </a:prstGeom>
-          <a:ln>
-            <a:solidFill>
-              <a:srgbClr val="C2F3FD"/>
-            </a:solidFill>
-          </a:ln>
-        </p:spPr>
-        <p:style>
-          <a:lnRef idx="1">
-            <a:schemeClr val="accent1"/>
-          </a:lnRef>
-          <a:fillRef idx="0">
-            <a:schemeClr val="accent1"/>
-          </a:fillRef>
-          <a:effectRef idx="0">
-            <a:schemeClr val="accent1"/>
-          </a:effectRef>
-          <a:fontRef idx="minor">
-            <a:schemeClr val="tx1"/>
-          </a:fontRef>
-        </p:style>
-      </p:cxnSp>
-      <p:sp>
-        <p:nvSpPr>
-          <p:cNvPr id="29" name="TextBox 28"/>
+              <a:t>Add expense</a:t>
+            </a:r>
+          </a:p>
+        </p:txBody>
+      </p:sp>
+      <p:sp>
+        <p:nvSpPr>
+          <p:cNvPr id="33" name="TextBox 32"/>
           <p:cNvSpPr txBox="1"/>
           <p:nvPr/>
         </p:nvSpPr>
@@ -11757,14 +15184,14 @@
       </p:sp>
       <p:sp>
         <p:nvSpPr>
-          <p:cNvPr id="30" name="TextBox 29"/>
+          <p:cNvPr id="35" name="TextBox 34"/>
           <p:cNvSpPr txBox="1"/>
           <p:nvPr/>
         </p:nvSpPr>
         <p:spPr>
           <a:xfrm>
-            <a:off x="1447583" y="3007168"/>
-            <a:ext cx="2895639" cy="1477328"/>
+            <a:off x="1271219" y="2837891"/>
+            <a:ext cx="2895639" cy="1754326"/>
           </a:xfrm>
           <a:prstGeom prst="rect">
             <a:avLst/>
@@ -11779,109 +15206,21 @@
           <a:p>
             <a:r>
               <a:rPr lang="en-PH" dirty="0"/>
-              <a:t>After clicking the ‘add expense’ button, the user can now input the name of expense and the value of the expense.</a:t>
-            </a:r>
-          </a:p>
-        </p:txBody>
-      </p:sp>
-      <p:cxnSp>
-        <p:nvCxnSpPr>
-          <p:cNvPr id="33" name="Straight Arrow Connector 32"/>
-          <p:cNvCxnSpPr>
-            <a:stCxn id="30" idx="3"/>
-            <a:endCxn id="12" idx="1"/>
-          </p:cNvCxnSpPr>
-          <p:nvPr/>
-        </p:nvCxnSpPr>
-        <p:spPr>
-          <a:xfrm flipV="1">
-            <a:off x="4343222" y="3131732"/>
-            <a:ext cx="762178" cy="614100"/>
-          </a:xfrm>
-          <a:prstGeom prst="straightConnector1">
-            <a:avLst/>
-          </a:prstGeom>
-          <a:ln w="19050">
-            <a:headEnd type="none" w="med" len="med"/>
-            <a:tailEnd type="arrow" w="med" len="med"/>
-          </a:ln>
-          <a:effectLst>
-            <a:outerShdw blurRad="50800" dist="38100" dir="5400000" algn="t" rotWithShape="0">
-              <a:prstClr val="black">
-                <a:alpha val="40000"/>
-              </a:prstClr>
-            </a:outerShdw>
-          </a:effectLst>
-        </p:spPr>
-        <p:style>
-          <a:lnRef idx="3">
-            <a:schemeClr val="accent4"/>
-          </a:lnRef>
-          <a:fillRef idx="0">
-            <a:schemeClr val="accent4"/>
-          </a:fillRef>
-          <a:effectRef idx="2">
-            <a:schemeClr val="accent4"/>
-          </a:effectRef>
-          <a:fontRef idx="minor">
-            <a:schemeClr val="tx1"/>
-          </a:fontRef>
-        </p:style>
-      </p:cxnSp>
-      <p:cxnSp>
-        <p:nvCxnSpPr>
-          <p:cNvPr id="35" name="Straight Arrow Connector 34"/>
-          <p:cNvCxnSpPr>
-            <a:stCxn id="30" idx="3"/>
-            <a:endCxn id="28" idx="1"/>
-          </p:cNvCxnSpPr>
-          <p:nvPr/>
-        </p:nvCxnSpPr>
-        <p:spPr>
-          <a:xfrm flipV="1">
-            <a:off x="4343222" y="3653499"/>
-            <a:ext cx="762178" cy="92333"/>
-          </a:xfrm>
-          <a:prstGeom prst="straightConnector1">
-            <a:avLst/>
-          </a:prstGeom>
-          <a:ln w="19050">
-            <a:headEnd type="none" w="med" len="med"/>
-            <a:tailEnd type="arrow" w="med" len="med"/>
-          </a:ln>
-          <a:effectLst>
-            <a:outerShdw blurRad="50800" dist="38100" dir="5400000" algn="t" rotWithShape="0">
-              <a:prstClr val="black">
-                <a:alpha val="40000"/>
-              </a:prstClr>
-            </a:outerShdw>
-          </a:effectLst>
-        </p:spPr>
-        <p:style>
-          <a:lnRef idx="3">
-            <a:schemeClr val="accent4"/>
-          </a:lnRef>
-          <a:fillRef idx="0">
-            <a:schemeClr val="accent4"/>
-          </a:fillRef>
-          <a:effectRef idx="2">
-            <a:schemeClr val="accent4"/>
-          </a:effectRef>
-          <a:fontRef idx="minor">
-            <a:schemeClr val="tx1"/>
-          </a:fontRef>
-        </p:style>
-      </p:cxnSp>
-      <p:sp>
-        <p:nvSpPr>
-          <p:cNvPr id="37" name="TextBox 36"/>
+              <a:t>Under the sales-input sales, this is where the user can input the actual sales. Per day sales consist of two shifts, from 4 a.m. – 3 p.m. and 3 p.m. to 12 a.m.</a:t>
+            </a:r>
+          </a:p>
+        </p:txBody>
+      </p:sp>
+      <p:sp>
+        <p:nvSpPr>
+          <p:cNvPr id="36" name="TextBox 35"/>
           <p:cNvSpPr txBox="1"/>
           <p:nvPr/>
         </p:nvSpPr>
         <p:spPr>
           <a:xfrm>
-            <a:off x="9174281" y="5093869"/>
-            <a:ext cx="2895639" cy="923330"/>
+            <a:off x="8793262" y="5460609"/>
+            <a:ext cx="2895639" cy="646331"/>
           </a:xfrm>
           <a:prstGeom prst="rect">
             <a:avLst/>
@@ -11896,24 +15235,24 @@
           <a:p>
             <a:r>
               <a:rPr lang="en-PH" dirty="0"/>
-              <a:t>If there are more expenses, the user can add more expenses.</a:t>
+              <a:t>After inputting the sales, the user can add expenses</a:t>
             </a:r>
           </a:p>
         </p:txBody>
       </p:sp>
       <p:cxnSp>
         <p:nvCxnSpPr>
-          <p:cNvPr id="44" name="Straight Arrow Connector 43"/>
+          <p:cNvPr id="37" name="Straight Arrow Connector 36"/>
           <p:cNvCxnSpPr>
-            <a:stCxn id="37" idx="1"/>
+            <a:stCxn id="36" idx="1"/>
             <a:endCxn id="32" idx="3"/>
           </p:cNvCxnSpPr>
           <p:nvPr/>
         </p:nvCxnSpPr>
         <p:spPr>
           <a:xfrm flipH="1">
-            <a:off x="8025621" y="5555534"/>
-            <a:ext cx="1148660" cy="280672"/>
+            <a:off x="7292560" y="5783775"/>
+            <a:ext cx="1500702" cy="103231"/>
           </a:xfrm>
           <a:prstGeom prst="straightConnector1">
             <a:avLst/>
@@ -11952,76 +15291,14 @@
       </p:cxnSp>
       <p:sp>
         <p:nvSpPr>
-          <p:cNvPr id="48" name="Rounded Rectangle 47"/>
-          <p:cNvSpPr/>
-          <p:nvPr/>
-        </p:nvSpPr>
-        <p:spPr>
-          <a:xfrm>
-            <a:off x="5060634" y="5650078"/>
-            <a:ext cx="1315333" cy="367121"/>
-          </a:xfrm>
-          <a:prstGeom prst="roundRect">
-            <a:avLst/>
-          </a:prstGeom>
-          <a:solidFill>
-            <a:srgbClr val="FCD4BA"/>
-          </a:solidFill>
-          <a:ln>
-            <a:solidFill>
-              <a:srgbClr val="71B8C7"/>
-            </a:solidFill>
-          </a:ln>
-          <a:scene3d>
-            <a:camera prst="orthographicFront"/>
-            <a:lightRig rig="threePt" dir="t"/>
-          </a:scene3d>
-          <a:sp3d>
-            <a:bevelT/>
-          </a:sp3d>
-        </p:spPr>
-        <p:style>
-          <a:lnRef idx="2">
-            <a:schemeClr val="accent1">
-              <a:shade val="50000"/>
-            </a:schemeClr>
-          </a:lnRef>
-          <a:fillRef idx="1">
-            <a:schemeClr val="accent1"/>
-          </a:fillRef>
-          <a:effectRef idx="0">
-            <a:schemeClr val="accent1"/>
-          </a:effectRef>
-          <a:fontRef idx="minor">
-            <a:schemeClr val="lt1"/>
-          </a:fontRef>
-        </p:style>
-        <p:txBody>
-          <a:bodyPr rtlCol="0" anchor="ctr"/>
-          <a:lstStyle/>
-          <a:p>
-            <a:pPr algn="ctr"/>
-            <a:r>
-              <a:rPr lang="en-PH" b="1" dirty="0">
-                <a:solidFill>
-                  <a:srgbClr val="0B4555"/>
-                </a:solidFill>
-              </a:rPr>
-              <a:t>Compute</a:t>
-            </a:r>
-          </a:p>
-        </p:txBody>
-      </p:sp>
-      <p:sp>
-        <p:nvSpPr>
-          <p:cNvPr id="49" name="TextBox 48"/>
+          <p:cNvPr id="29" name="TextBox 28"/>
           <p:cNvSpPr txBox="1"/>
           <p:nvPr/>
         </p:nvSpPr>
         <p:spPr>
           <a:xfrm>
-            <a:off x="1394758" y="4816870"/>
-            <a:ext cx="2895639" cy="1200329"/>
+            <a:off x="8876744" y="2669216"/>
+            <a:ext cx="2895639" cy="646331"/>
           </a:xfrm>
           <a:prstGeom prst="rect">
             <a:avLst/>
@@ -12036,29 +15313,33 @@
           <a:p>
             <a:r>
               <a:rPr lang="en-PH" dirty="0"/>
-              <a:t>After putting the expense(s), to compute the sales input, user must click ‘compute’ button</a:t>
+              <a:t>Date is needed for the listing of sales</a:t>
             </a:r>
           </a:p>
         </p:txBody>
       </p:sp>
       <p:cxnSp>
         <p:nvCxnSpPr>
-          <p:cNvPr id="50" name="Straight Arrow Connector 49"/>
+          <p:cNvPr id="30" name="Straight Arrow Connector 29"/>
           <p:cNvCxnSpPr>
-            <a:stCxn id="49" idx="3"/>
-            <a:endCxn id="48" idx="1"/>
+            <a:stCxn id="29" idx="1"/>
           </p:cNvCxnSpPr>
           <p:nvPr/>
         </p:nvCxnSpPr>
         <p:spPr>
-          <a:xfrm>
-            <a:off x="4290397" y="5417035"/>
-            <a:ext cx="770237" cy="416604"/>
+          <a:xfrm flipH="1">
+            <a:off x="7933366" y="2992382"/>
+            <a:ext cx="943378" cy="165388"/>
           </a:xfrm>
           <a:prstGeom prst="straightConnector1">
             <a:avLst/>
           </a:prstGeom>
-          <a:ln w="19050">
+          <a:ln w="19050" cap="flat" cmpd="sng" algn="ctr">
+            <a:solidFill>
+              <a:schemeClr val="accent4"/>
+            </a:solidFill>
+            <a:prstDash val="solid"/>
+            <a:round/>
             <a:headEnd type="none" w="med" len="med"/>
             <a:tailEnd type="arrow" w="med" len="med"/>
           </a:ln>
@@ -12071,14 +15352,14 @@
           </a:effectLst>
         </p:spPr>
         <p:style>
-          <a:lnRef idx="3">
-            <a:schemeClr val="accent4"/>
+          <a:lnRef idx="0">
+            <a:scrgbClr r="0" g="0" b="0"/>
           </a:lnRef>
           <a:fillRef idx="0">
-            <a:schemeClr val="accent4"/>
+            <a:scrgbClr r="0" g="0" b="0"/>
           </a:fillRef>
-          <a:effectRef idx="2">
-            <a:schemeClr val="accent4"/>
+          <a:effectRef idx="0">
+            <a:scrgbClr r="0" g="0" b="0"/>
           </a:effectRef>
           <a:fontRef idx="minor">
             <a:schemeClr val="tx1"/>
@@ -12088,7 +15369,7 @@
     </p:spTree>
     <p:extLst>
       <p:ext uri="{BB962C8B-B14F-4D97-AF65-F5344CB8AC3E}">
-        <p14:creationId xmlns:p14="http://schemas.microsoft.com/office/powerpoint/2010/main" val="2273938558"/>
+        <p14:creationId xmlns:p14="http://schemas.microsoft.com/office/powerpoint/2010/main" val="960623059"/>
       </p:ext>
     </p:extLst>
   </p:cSld>

--- a/Mobile Application.pptx
+++ b/Mobile Application.pptx
@@ -14,11 +14,13 @@
     <p:sldId id="262" r:id="rId8"/>
     <p:sldId id="268" r:id="rId9"/>
     <p:sldId id="263" r:id="rId10"/>
-    <p:sldId id="266" r:id="rId11"/>
-    <p:sldId id="265" r:id="rId12"/>
-    <p:sldId id="269" r:id="rId13"/>
-    <p:sldId id="270" r:id="rId14"/>
-    <p:sldId id="271" r:id="rId15"/>
+    <p:sldId id="265" r:id="rId11"/>
+    <p:sldId id="272" r:id="rId12"/>
+    <p:sldId id="273" r:id="rId13"/>
+    <p:sldId id="269" r:id="rId14"/>
+    <p:sldId id="270" r:id="rId15"/>
+    <p:sldId id="271" r:id="rId16"/>
+    <p:sldId id="266" r:id="rId17"/>
   </p:sldIdLst>
   <p:sldSz cx="12192000" cy="6858000"/>
   <p:notesSz cx="6858000" cy="9144000"/>
@@ -6411,7 +6413,7 @@
           <a:p>
             <a:r>
               <a:rPr lang="en-PH" sz="2400" dirty="0"/>
-              <a:t>EXPENSE PAGE</a:t>
+              <a:t>LIST OF SALES PAGE</a:t>
             </a:r>
           </a:p>
         </p:txBody>
@@ -6484,8 +6486,8 @@
         </p:nvCxnSpPr>
         <p:spPr>
           <a:xfrm>
-            <a:off x="4814886" y="2295525"/>
-            <a:ext cx="3420000" cy="0"/>
+            <a:off x="4833938" y="2295525"/>
+            <a:ext cx="3395662" cy="0"/>
           </a:xfrm>
           <a:prstGeom prst="line">
             <a:avLst/>
@@ -6513,14 +6515,14 @@
       </p:cxnSp>
       <p:sp>
         <p:nvSpPr>
-          <p:cNvPr id="31" name="TextBox 30"/>
+          <p:cNvPr id="10" name="TextBox 9"/>
           <p:cNvSpPr txBox="1"/>
           <p:nvPr/>
         </p:nvSpPr>
         <p:spPr>
           <a:xfrm>
-            <a:off x="4791071" y="2295524"/>
-            <a:ext cx="3466800" cy="369332"/>
+            <a:off x="4791695" y="2295525"/>
+            <a:ext cx="1708165" cy="369332"/>
           </a:xfrm>
           <a:prstGeom prst="rect">
             <a:avLst/>
@@ -6545,28 +6547,26 @@
                   <a:srgbClr val="FDE4D3"/>
                 </a:solidFill>
               </a:rPr>
-              <a:t>EXPENSES</a:t>
-            </a:r>
-          </a:p>
-        </p:txBody>
-      </p:sp>
-      <p:sp>
-        <p:nvSpPr>
-          <p:cNvPr id="38" name="TextBox 37"/>
+              <a:t>INPUT SALES</a:t>
+            </a:r>
+          </a:p>
+        </p:txBody>
+      </p:sp>
+      <p:sp>
+        <p:nvSpPr>
+          <p:cNvPr id="31" name="TextBox 30"/>
           <p:cNvSpPr txBox="1"/>
           <p:nvPr/>
         </p:nvSpPr>
         <p:spPr>
           <a:xfrm>
-            <a:off x="5645777" y="2962454"/>
-            <a:ext cx="2273300" cy="338554"/>
-          </a:xfrm>
-          <a:prstGeom prst="rect">
-            <a:avLst/>
-          </a:prstGeom>
-          <a:solidFill>
-            <a:srgbClr val="FEF6F0"/>
-          </a:solidFill>
+            <a:off x="6514148" y="2295524"/>
+            <a:ext cx="1723029" cy="369332"/>
+          </a:xfrm>
+          <a:prstGeom prst="rect">
+            <a:avLst/>
+          </a:prstGeom>
+          <a:noFill/>
           <a:ln>
             <a:solidFill>
               <a:srgbClr val="C2F3FD"/>
@@ -6579,201 +6579,33 @@
           </a:bodyPr>
           <a:lstStyle/>
           <a:p>
-            <a:r>
-              <a:rPr lang="en-PH" sz="1600" dirty="0">
-                <a:solidFill>
-                  <a:schemeClr val="bg2">
-                    <a:lumMod val="75000"/>
-                  </a:schemeClr>
+            <a:pPr algn="ctr"/>
+            <a:r>
+              <a:rPr lang="en-PH" dirty="0">
+                <a:solidFill>
+                  <a:srgbClr val="FDE4D3"/>
                 </a:solidFill>
               </a:rPr>
-              <a:t>Name of expense</a:t>
-            </a:r>
-          </a:p>
-        </p:txBody>
-      </p:sp>
-      <p:sp>
-        <p:nvSpPr>
-          <p:cNvPr id="39" name="TextBox 38"/>
-          <p:cNvSpPr txBox="1"/>
-          <p:nvPr/>
-        </p:nvSpPr>
-        <p:spPr>
-          <a:xfrm>
-            <a:off x="5645777" y="3484222"/>
-            <a:ext cx="2273300" cy="338554"/>
-          </a:xfrm>
-          <a:prstGeom prst="rect">
-            <a:avLst/>
-          </a:prstGeom>
-          <a:solidFill>
-            <a:srgbClr val="FEF6F0"/>
-          </a:solidFill>
-          <a:ln>
-            <a:solidFill>
-              <a:srgbClr val="C2F3FD"/>
-            </a:solidFill>
-          </a:ln>
-        </p:spPr>
-        <p:txBody>
-          <a:bodyPr wrap="square" rtlCol="0">
-            <a:spAutoFit/>
-          </a:bodyPr>
-          <a:lstStyle/>
-          <a:p>
-            <a:r>
-              <a:rPr lang="en-PH" sz="1600" dirty="0">
-                <a:solidFill>
-                  <a:schemeClr val="bg2">
-                    <a:lumMod val="75000"/>
-                  </a:schemeClr>
-                </a:solidFill>
-              </a:rPr>
-              <a:t>How much?</a:t>
-            </a:r>
-          </a:p>
-        </p:txBody>
-      </p:sp>
-      <p:pic>
-        <p:nvPicPr>
-          <p:cNvPr id="28" name="Picture 27"/>
-          <p:cNvPicPr>
-            <a:picLocks noChangeAspect="1"/>
-          </p:cNvPicPr>
-          <p:nvPr/>
-        </p:nvPicPr>
-        <p:blipFill>
-          <a:blip r:embed="rId4">
-            <a:extLst>
-              <a:ext uri="{BEBA8EAE-BF5A-486C-A8C5-ECC9F3942E4B}">
-                <a14:imgProps xmlns:a14="http://schemas.microsoft.com/office/drawing/2010/main">
-                  <a14:imgLayer r:embed="rId5">
-                    <a14:imgEffect>
-                      <a14:brightnessContrast bright="40000" contrast="-40000"/>
-                    </a14:imgEffect>
-                  </a14:imgLayer>
-                </a14:imgProps>
-              </a:ext>
-            </a:extLst>
-          </a:blip>
-          <a:stretch>
-            <a:fillRect/>
-          </a:stretch>
-        </p:blipFill>
-        <p:spPr>
-          <a:xfrm>
-            <a:off x="5105400" y="3484222"/>
-            <a:ext cx="335718" cy="338554"/>
-          </a:xfrm>
-          <a:prstGeom prst="rect">
-            <a:avLst/>
-          </a:prstGeom>
-          <a:effectLst>
-            <a:softEdge rad="25400"/>
-          </a:effectLst>
-        </p:spPr>
-      </p:pic>
-      <p:sp>
-        <p:nvSpPr>
-          <p:cNvPr id="32" name="Rounded Rectangle 31"/>
-          <p:cNvSpPr/>
-          <p:nvPr/>
-        </p:nvSpPr>
-        <p:spPr>
-          <a:xfrm>
-            <a:off x="6710288" y="5652645"/>
-            <a:ext cx="1315333" cy="367121"/>
-          </a:xfrm>
-          <a:prstGeom prst="roundRect">
-            <a:avLst/>
-          </a:prstGeom>
-          <a:solidFill>
-            <a:srgbClr val="FCD4BA"/>
-          </a:solidFill>
-          <a:ln>
-            <a:solidFill>
-              <a:srgbClr val="71B8C7"/>
-            </a:solidFill>
-          </a:ln>
-          <a:scene3d>
-            <a:camera prst="orthographicFront"/>
-            <a:lightRig rig="threePt" dir="t"/>
-          </a:scene3d>
-          <a:sp3d>
-            <a:bevelT/>
-          </a:sp3d>
-        </p:spPr>
-        <p:style>
-          <a:lnRef idx="2">
-            <a:schemeClr val="accent1">
-              <a:shade val="50000"/>
-            </a:schemeClr>
-          </a:lnRef>
-          <a:fillRef idx="1">
-            <a:schemeClr val="accent1"/>
-          </a:fillRef>
-          <a:effectRef idx="0">
-            <a:schemeClr val="accent1"/>
-          </a:effectRef>
-          <a:fontRef idx="minor">
-            <a:schemeClr val="lt1"/>
-          </a:fontRef>
-        </p:style>
-        <p:txBody>
-          <a:bodyPr rtlCol="0" anchor="ctr"/>
-          <a:lstStyle/>
-          <a:p>
-            <a:pPr algn="ctr"/>
-            <a:r>
-              <a:rPr lang="en-PH" b="1" dirty="0">
-                <a:solidFill>
-                  <a:srgbClr val="0B4555"/>
-                </a:solidFill>
-              </a:rPr>
-              <a:t>Add more</a:t>
-            </a:r>
-          </a:p>
-        </p:txBody>
-      </p:sp>
-      <p:pic>
-        <p:nvPicPr>
-          <p:cNvPr id="12" name="Picture 11"/>
-          <p:cNvPicPr>
-            <a:picLocks noChangeAspect="1"/>
-          </p:cNvPicPr>
-          <p:nvPr/>
-        </p:nvPicPr>
-        <p:blipFill>
-          <a:blip r:embed="rId6"/>
-          <a:stretch>
-            <a:fillRect/>
-          </a:stretch>
-        </p:blipFill>
-        <p:spPr>
-          <a:xfrm>
-            <a:off x="5105400" y="2962455"/>
-            <a:ext cx="335718" cy="338554"/>
-          </a:xfrm>
-          <a:prstGeom prst="rect">
-            <a:avLst/>
-          </a:prstGeom>
-        </p:spPr>
-      </p:pic>
+              <a:t>LIST OF SALES</a:t>
+            </a:r>
+          </a:p>
+        </p:txBody>
+      </p:sp>
       <p:cxnSp>
         <p:nvCxnSpPr>
-          <p:cNvPr id="27" name="Straight Connector 26"/>
+          <p:cNvPr id="34" name="Straight Connector 33"/>
           <p:cNvCxnSpPr/>
           <p:nvPr/>
         </p:nvCxnSpPr>
         <p:spPr>
-          <a:xfrm>
-            <a:off x="5155073" y="5408923"/>
-            <a:ext cx="2753391" cy="6232"/>
+          <a:xfrm flipV="1">
+            <a:off x="6557963" y="2664856"/>
+            <a:ext cx="1665922" cy="1905"/>
           </a:xfrm>
           <a:prstGeom prst="line">
             <a:avLst/>
           </a:prstGeom>
-          <a:ln>
+          <a:ln w="57150">
             <a:solidFill>
               <a:srgbClr val="C2F3FD"/>
             </a:solidFill>
@@ -6796,14 +6628,14 @@
       </p:cxnSp>
       <p:sp>
         <p:nvSpPr>
-          <p:cNvPr id="29" name="TextBox 28"/>
+          <p:cNvPr id="3" name="TextBox 2"/>
           <p:cNvSpPr txBox="1"/>
           <p:nvPr/>
         </p:nvSpPr>
         <p:spPr>
           <a:xfrm>
-            <a:off x="6062240" y="6019766"/>
-            <a:ext cx="939057" cy="369332"/>
+            <a:off x="5277025" y="2876550"/>
+            <a:ext cx="2381075" cy="338554"/>
           </a:xfrm>
           <a:prstGeom prst="rect">
             <a:avLst/>
@@ -6817,26 +6649,28 @@
           <a:lstStyle/>
           <a:p>
             <a:r>
-              <a:rPr lang="en-PH" u="sng" dirty="0">
-                <a:solidFill>
-                  <a:srgbClr val="C2F3FD"/>
-                </a:solidFill>
+              <a:rPr lang="en-PH" sz="1600" u="sng" dirty="0">
+                <a:solidFill>
+                  <a:schemeClr val="bg1"/>
+                </a:solidFill>
+                <a:latin typeface="Arial" panose="020B0604020202020204" pitchFamily="34" charset="0"/>
+                <a:cs typeface="Arial" panose="020B0604020202020204" pitchFamily="34" charset="0"/>
               </a:rPr>
-              <a:t>Logout</a:t>
-            </a:r>
-          </a:p>
-        </p:txBody>
-      </p:sp>
-      <p:sp>
-        <p:nvSpPr>
-          <p:cNvPr id="30" name="TextBox 29"/>
+              <a:t>October 21, 1965</a:t>
+            </a:r>
+          </a:p>
+        </p:txBody>
+      </p:sp>
+      <p:sp>
+        <p:nvSpPr>
+          <p:cNvPr id="23" name="TextBox 22"/>
           <p:cNvSpPr txBox="1"/>
           <p:nvPr/>
         </p:nvSpPr>
         <p:spPr>
           <a:xfrm>
-            <a:off x="1447583" y="3007168"/>
-            <a:ext cx="2895639" cy="1477328"/>
+            <a:off x="5277024" y="3331786"/>
+            <a:ext cx="2381075" cy="338554"/>
           </a:xfrm>
           <a:prstGeom prst="rect">
             <a:avLst/>
@@ -6850,110 +6684,28 @@
           <a:lstStyle/>
           <a:p>
             <a:r>
-              <a:rPr lang="en-PH" dirty="0"/>
-              <a:t>After clicking the ‘add expense’ button, the user can now input the name of expense and the value of the expense.</a:t>
-            </a:r>
-          </a:p>
-        </p:txBody>
-      </p:sp>
-      <p:cxnSp>
-        <p:nvCxnSpPr>
-          <p:cNvPr id="33" name="Straight Arrow Connector 32"/>
-          <p:cNvCxnSpPr>
-            <a:stCxn id="30" idx="3"/>
-            <a:endCxn id="12" idx="1"/>
-          </p:cNvCxnSpPr>
-          <p:nvPr/>
-        </p:nvCxnSpPr>
-        <p:spPr>
-          <a:xfrm flipV="1">
-            <a:off x="4343222" y="3131732"/>
-            <a:ext cx="762178" cy="614100"/>
-          </a:xfrm>
-          <a:prstGeom prst="straightConnector1">
-            <a:avLst/>
-          </a:prstGeom>
-          <a:ln w="19050">
-            <a:headEnd type="none" w="med" len="med"/>
-            <a:tailEnd type="arrow" w="med" len="med"/>
-          </a:ln>
-          <a:effectLst>
-            <a:outerShdw blurRad="50800" dist="38100" dir="5400000" algn="t" rotWithShape="0">
-              <a:prstClr val="black">
-                <a:alpha val="40000"/>
-              </a:prstClr>
-            </a:outerShdw>
-          </a:effectLst>
-        </p:spPr>
-        <p:style>
-          <a:lnRef idx="3">
-            <a:schemeClr val="accent4"/>
-          </a:lnRef>
-          <a:fillRef idx="0">
-            <a:schemeClr val="accent4"/>
-          </a:fillRef>
-          <a:effectRef idx="2">
-            <a:schemeClr val="accent4"/>
-          </a:effectRef>
-          <a:fontRef idx="minor">
-            <a:schemeClr val="tx1"/>
-          </a:fontRef>
-        </p:style>
-      </p:cxnSp>
-      <p:cxnSp>
-        <p:nvCxnSpPr>
-          <p:cNvPr id="35" name="Straight Arrow Connector 34"/>
-          <p:cNvCxnSpPr>
-            <a:stCxn id="30" idx="3"/>
-            <a:endCxn id="28" idx="1"/>
-          </p:cNvCxnSpPr>
-          <p:nvPr/>
-        </p:nvCxnSpPr>
-        <p:spPr>
-          <a:xfrm flipV="1">
-            <a:off x="4343222" y="3653499"/>
-            <a:ext cx="762178" cy="92333"/>
-          </a:xfrm>
-          <a:prstGeom prst="straightConnector1">
-            <a:avLst/>
-          </a:prstGeom>
-          <a:ln w="19050">
-            <a:headEnd type="none" w="med" len="med"/>
-            <a:tailEnd type="arrow" w="med" len="med"/>
-          </a:ln>
-          <a:effectLst>
-            <a:outerShdw blurRad="50800" dist="38100" dir="5400000" algn="t" rotWithShape="0">
-              <a:prstClr val="black">
-                <a:alpha val="40000"/>
-              </a:prstClr>
-            </a:outerShdw>
-          </a:effectLst>
-        </p:spPr>
-        <p:style>
-          <a:lnRef idx="3">
-            <a:schemeClr val="accent4"/>
-          </a:lnRef>
-          <a:fillRef idx="0">
-            <a:schemeClr val="accent4"/>
-          </a:fillRef>
-          <a:effectRef idx="2">
-            <a:schemeClr val="accent4"/>
-          </a:effectRef>
-          <a:fontRef idx="minor">
-            <a:schemeClr val="tx1"/>
-          </a:fontRef>
-        </p:style>
-      </p:cxnSp>
-      <p:sp>
-        <p:nvSpPr>
-          <p:cNvPr id="37" name="TextBox 36"/>
+              <a:rPr lang="en-PH" sz="1600" u="sng" dirty="0">
+                <a:solidFill>
+                  <a:schemeClr val="bg1"/>
+                </a:solidFill>
+                <a:latin typeface="Arial" panose="020B0604020202020204" pitchFamily="34" charset="0"/>
+                <a:cs typeface="Arial" panose="020B0604020202020204" pitchFamily="34" charset="0"/>
+              </a:rPr>
+              <a:t>March 5, 1967</a:t>
+            </a:r>
+          </a:p>
+        </p:txBody>
+      </p:sp>
+      <p:sp>
+        <p:nvSpPr>
+          <p:cNvPr id="24" name="TextBox 23"/>
           <p:cNvSpPr txBox="1"/>
           <p:nvPr/>
         </p:nvSpPr>
         <p:spPr>
           <a:xfrm>
-            <a:off x="9174281" y="5093869"/>
-            <a:ext cx="2895639" cy="923330"/>
+            <a:off x="5277023" y="3787022"/>
+            <a:ext cx="2381075" cy="338554"/>
           </a:xfrm>
           <a:prstGeom prst="rect">
             <a:avLst/>
@@ -6967,133 +6719,28 @@
           <a:lstStyle/>
           <a:p>
             <a:r>
-              <a:rPr lang="en-PH" dirty="0"/>
-              <a:t>If there are more expenses, the user can add more expenses.</a:t>
-            </a:r>
-          </a:p>
-        </p:txBody>
-      </p:sp>
-      <p:cxnSp>
-        <p:nvCxnSpPr>
-          <p:cNvPr id="44" name="Straight Arrow Connector 43"/>
-          <p:cNvCxnSpPr>
-            <a:stCxn id="37" idx="1"/>
-            <a:endCxn id="32" idx="3"/>
-          </p:cNvCxnSpPr>
-          <p:nvPr/>
-        </p:nvCxnSpPr>
-        <p:spPr>
-          <a:xfrm flipH="1">
-            <a:off x="8025621" y="5555534"/>
-            <a:ext cx="1148660" cy="280672"/>
-          </a:xfrm>
-          <a:prstGeom prst="straightConnector1">
-            <a:avLst/>
-          </a:prstGeom>
-          <a:ln w="19050" cap="flat" cmpd="sng" algn="ctr">
-            <a:solidFill>
-              <a:schemeClr val="accent4"/>
-            </a:solidFill>
-            <a:prstDash val="solid"/>
-            <a:round/>
-            <a:headEnd type="none" w="med" len="med"/>
-            <a:tailEnd type="arrow" w="med" len="med"/>
-          </a:ln>
-          <a:effectLst>
-            <a:outerShdw blurRad="50800" dist="38100" dir="5400000" algn="t" rotWithShape="0">
-              <a:prstClr val="black">
-                <a:alpha val="40000"/>
-              </a:prstClr>
-            </a:outerShdw>
-          </a:effectLst>
-        </p:spPr>
-        <p:style>
-          <a:lnRef idx="0">
-            <a:scrgbClr r="0" g="0" b="0"/>
-          </a:lnRef>
-          <a:fillRef idx="0">
-            <a:scrgbClr r="0" g="0" b="0"/>
-          </a:fillRef>
-          <a:effectRef idx="0">
-            <a:scrgbClr r="0" g="0" b="0"/>
-          </a:effectRef>
-          <a:fontRef idx="minor">
-            <a:schemeClr val="tx1"/>
-          </a:fontRef>
-        </p:style>
-      </p:cxnSp>
-      <p:sp>
-        <p:nvSpPr>
-          <p:cNvPr id="48" name="Rounded Rectangle 47"/>
-          <p:cNvSpPr/>
-          <p:nvPr/>
-        </p:nvSpPr>
-        <p:spPr>
-          <a:xfrm>
-            <a:off x="5060634" y="5650078"/>
-            <a:ext cx="1315333" cy="367121"/>
-          </a:xfrm>
-          <a:prstGeom prst="roundRect">
-            <a:avLst/>
-          </a:prstGeom>
-          <a:solidFill>
-            <a:srgbClr val="FCD4BA"/>
-          </a:solidFill>
-          <a:ln>
-            <a:solidFill>
-              <a:srgbClr val="71B8C7"/>
-            </a:solidFill>
-          </a:ln>
-          <a:scene3d>
-            <a:camera prst="orthographicFront"/>
-            <a:lightRig rig="threePt" dir="t"/>
-          </a:scene3d>
-          <a:sp3d>
-            <a:bevelT/>
-          </a:sp3d>
-        </p:spPr>
-        <p:style>
-          <a:lnRef idx="2">
-            <a:schemeClr val="accent1">
-              <a:shade val="50000"/>
-            </a:schemeClr>
-          </a:lnRef>
-          <a:fillRef idx="1">
-            <a:schemeClr val="accent1"/>
-          </a:fillRef>
-          <a:effectRef idx="0">
-            <a:schemeClr val="accent1"/>
-          </a:effectRef>
-          <a:fontRef idx="minor">
-            <a:schemeClr val="lt1"/>
-          </a:fontRef>
-        </p:style>
-        <p:txBody>
-          <a:bodyPr rtlCol="0" anchor="ctr"/>
-          <a:lstStyle/>
-          <a:p>
-            <a:pPr algn="ctr"/>
-            <a:r>
-              <a:rPr lang="en-PH" b="1" dirty="0">
-                <a:solidFill>
-                  <a:srgbClr val="0B4555"/>
-                </a:solidFill>
+              <a:rPr lang="en-PH" sz="1600" u="sng" dirty="0">
+                <a:solidFill>
+                  <a:schemeClr val="bg1"/>
+                </a:solidFill>
+                <a:latin typeface="Arial" panose="020B0604020202020204" pitchFamily="34" charset="0"/>
+                <a:cs typeface="Arial" panose="020B0604020202020204" pitchFamily="34" charset="0"/>
               </a:rPr>
-              <a:t>Compute</a:t>
-            </a:r>
-          </a:p>
-        </p:txBody>
-      </p:sp>
-      <p:sp>
-        <p:nvSpPr>
-          <p:cNvPr id="49" name="TextBox 48"/>
+              <a:t>March 20, 1999</a:t>
+            </a:r>
+          </a:p>
+        </p:txBody>
+      </p:sp>
+      <p:sp>
+        <p:nvSpPr>
+          <p:cNvPr id="25" name="TextBox 24"/>
           <p:cNvSpPr txBox="1"/>
           <p:nvPr/>
         </p:nvSpPr>
         <p:spPr>
           <a:xfrm>
-            <a:off x="1394758" y="4816870"/>
-            <a:ext cx="2895639" cy="1200329"/>
+            <a:off x="5277021" y="4695026"/>
+            <a:ext cx="2381075" cy="338554"/>
           </a:xfrm>
           <a:prstGeom prst="rect">
             <a:avLst/>
@@ -7107,60 +6754,466 @@
           <a:lstStyle/>
           <a:p>
             <a:r>
-              <a:rPr lang="en-PH" dirty="0"/>
-              <a:t>After putting the expense(s), to compute the sales input, user must click ‘compute’ button</a:t>
-            </a:r>
-          </a:p>
-        </p:txBody>
-      </p:sp>
-      <p:cxnSp>
-        <p:nvCxnSpPr>
-          <p:cNvPr id="50" name="Straight Arrow Connector 49"/>
-          <p:cNvCxnSpPr>
-            <a:stCxn id="49" idx="3"/>
-            <a:endCxn id="48" idx="1"/>
-          </p:cNvCxnSpPr>
-          <p:nvPr/>
-        </p:nvCxnSpPr>
-        <p:spPr>
-          <a:xfrm>
-            <a:off x="4290397" y="5417035"/>
-            <a:ext cx="770237" cy="416604"/>
-          </a:xfrm>
-          <a:prstGeom prst="straightConnector1">
-            <a:avLst/>
-          </a:prstGeom>
-          <a:ln w="19050">
-            <a:headEnd type="none" w="med" len="med"/>
-            <a:tailEnd type="arrow" w="med" len="med"/>
-          </a:ln>
-          <a:effectLst>
-            <a:outerShdw blurRad="50800" dist="38100" dir="5400000" algn="t" rotWithShape="0">
-              <a:prstClr val="black">
-                <a:alpha val="40000"/>
-              </a:prstClr>
-            </a:outerShdw>
-          </a:effectLst>
-        </p:spPr>
-        <p:style>
-          <a:lnRef idx="3">
-            <a:schemeClr val="accent4"/>
-          </a:lnRef>
-          <a:fillRef idx="0">
-            <a:schemeClr val="accent4"/>
-          </a:fillRef>
-          <a:effectRef idx="2">
-            <a:schemeClr val="accent4"/>
-          </a:effectRef>
-          <a:fontRef idx="minor">
-            <a:schemeClr val="tx1"/>
-          </a:fontRef>
-        </p:style>
-      </p:cxnSp>
+              <a:rPr lang="en-PH" sz="1600" u="sng" dirty="0">
+                <a:solidFill>
+                  <a:schemeClr val="bg1"/>
+                </a:solidFill>
+                <a:latin typeface="Arial" panose="020B0604020202020204" pitchFamily="34" charset="0"/>
+                <a:cs typeface="Arial" panose="020B0604020202020204" pitchFamily="34" charset="0"/>
+              </a:rPr>
+              <a:t>October 20, 1997</a:t>
+            </a:r>
+          </a:p>
+        </p:txBody>
+      </p:sp>
+      <p:sp>
+        <p:nvSpPr>
+          <p:cNvPr id="26" name="TextBox 25"/>
+          <p:cNvSpPr txBox="1"/>
+          <p:nvPr/>
+        </p:nvSpPr>
+        <p:spPr>
+          <a:xfrm>
+            <a:off x="5277022" y="4241024"/>
+            <a:ext cx="2381075" cy="338554"/>
+          </a:xfrm>
+          <a:prstGeom prst="rect">
+            <a:avLst/>
+          </a:prstGeom>
+          <a:noFill/>
+        </p:spPr>
+        <p:txBody>
+          <a:bodyPr wrap="square" rtlCol="0">
+            <a:spAutoFit/>
+          </a:bodyPr>
+          <a:lstStyle/>
+          <a:p>
+            <a:r>
+              <a:rPr lang="en-PH" sz="1600" u="sng" dirty="0">
+                <a:solidFill>
+                  <a:schemeClr val="bg1"/>
+                </a:solidFill>
+                <a:latin typeface="Arial" panose="020B0604020202020204" pitchFamily="34" charset="0"/>
+                <a:cs typeface="Arial" panose="020B0604020202020204" pitchFamily="34" charset="0"/>
+              </a:rPr>
+              <a:t>December 2, 1997</a:t>
+            </a:r>
+          </a:p>
+        </p:txBody>
+      </p:sp>
+      <p:sp>
+        <p:nvSpPr>
+          <p:cNvPr id="27" name="TextBox 26"/>
+          <p:cNvSpPr txBox="1"/>
+          <p:nvPr/>
+        </p:nvSpPr>
+        <p:spPr>
+          <a:xfrm>
+            <a:off x="5277020" y="5145015"/>
+            <a:ext cx="2381075" cy="338554"/>
+          </a:xfrm>
+          <a:prstGeom prst="rect">
+            <a:avLst/>
+          </a:prstGeom>
+          <a:noFill/>
+        </p:spPr>
+        <p:txBody>
+          <a:bodyPr wrap="square" rtlCol="0">
+            <a:spAutoFit/>
+          </a:bodyPr>
+          <a:lstStyle/>
+          <a:p>
+            <a:r>
+              <a:rPr lang="en-PH" sz="1600" u="sng" dirty="0">
+                <a:solidFill>
+                  <a:schemeClr val="bg1"/>
+                </a:solidFill>
+                <a:latin typeface="Arial" panose="020B0604020202020204" pitchFamily="34" charset="0"/>
+                <a:cs typeface="Arial" panose="020B0604020202020204" pitchFamily="34" charset="0"/>
+              </a:rPr>
+              <a:t>December 1, 1997</a:t>
+            </a:r>
+          </a:p>
+        </p:txBody>
+      </p:sp>
+      <p:sp>
+        <p:nvSpPr>
+          <p:cNvPr id="28" name="TextBox 27"/>
+          <p:cNvSpPr txBox="1"/>
+          <p:nvPr/>
+        </p:nvSpPr>
+        <p:spPr>
+          <a:xfrm>
+            <a:off x="5277019" y="5603030"/>
+            <a:ext cx="2381075" cy="338554"/>
+          </a:xfrm>
+          <a:prstGeom prst="rect">
+            <a:avLst/>
+          </a:prstGeom>
+          <a:noFill/>
+        </p:spPr>
+        <p:txBody>
+          <a:bodyPr wrap="square" rtlCol="0">
+            <a:spAutoFit/>
+          </a:bodyPr>
+          <a:lstStyle/>
+          <a:p>
+            <a:r>
+              <a:rPr lang="en-PH" sz="1600" u="sng" dirty="0">
+                <a:solidFill>
+                  <a:schemeClr val="bg1"/>
+                </a:solidFill>
+                <a:latin typeface="Arial" panose="020B0604020202020204" pitchFamily="34" charset="0"/>
+                <a:cs typeface="Arial" panose="020B0604020202020204" pitchFamily="34" charset="0"/>
+              </a:rPr>
+              <a:t>March 26, 1997</a:t>
+            </a:r>
+          </a:p>
+        </p:txBody>
+      </p:sp>
+      <p:sp>
+        <p:nvSpPr>
+          <p:cNvPr id="29" name="TextBox 28"/>
+          <p:cNvSpPr txBox="1"/>
+          <p:nvPr/>
+        </p:nvSpPr>
+        <p:spPr>
+          <a:xfrm>
+            <a:off x="4830486" y="2867444"/>
+            <a:ext cx="379690" cy="338554"/>
+          </a:xfrm>
+          <a:prstGeom prst="rect">
+            <a:avLst/>
+          </a:prstGeom>
+          <a:noFill/>
+        </p:spPr>
+        <p:txBody>
+          <a:bodyPr wrap="square" rtlCol="0">
+            <a:spAutoFit/>
+          </a:bodyPr>
+          <a:lstStyle/>
+          <a:p>
+            <a:r>
+              <a:rPr lang="en-PH" sz="1600" dirty="0">
+                <a:solidFill>
+                  <a:schemeClr val="bg1"/>
+                </a:solidFill>
+                <a:latin typeface="Arial" panose="020B0604020202020204" pitchFamily="34" charset="0"/>
+                <a:cs typeface="Arial" panose="020B0604020202020204" pitchFamily="34" charset="0"/>
+              </a:rPr>
+              <a:t>1. </a:t>
+            </a:r>
+          </a:p>
+        </p:txBody>
+      </p:sp>
+      <p:sp>
+        <p:nvSpPr>
+          <p:cNvPr id="30" name="TextBox 29"/>
+          <p:cNvSpPr txBox="1"/>
+          <p:nvPr/>
+        </p:nvSpPr>
+        <p:spPr>
+          <a:xfrm>
+            <a:off x="4837371" y="3331786"/>
+            <a:ext cx="379690" cy="338554"/>
+          </a:xfrm>
+          <a:prstGeom prst="rect">
+            <a:avLst/>
+          </a:prstGeom>
+          <a:noFill/>
+        </p:spPr>
+        <p:txBody>
+          <a:bodyPr wrap="square" rtlCol="0">
+            <a:spAutoFit/>
+          </a:bodyPr>
+          <a:lstStyle/>
+          <a:p>
+            <a:r>
+              <a:rPr lang="en-PH" sz="1600" dirty="0">
+                <a:solidFill>
+                  <a:schemeClr val="bg1"/>
+                </a:solidFill>
+                <a:latin typeface="Arial" panose="020B0604020202020204" pitchFamily="34" charset="0"/>
+                <a:cs typeface="Arial" panose="020B0604020202020204" pitchFamily="34" charset="0"/>
+              </a:rPr>
+              <a:t>2.</a:t>
+            </a:r>
+          </a:p>
+        </p:txBody>
+      </p:sp>
+      <p:sp>
+        <p:nvSpPr>
+          <p:cNvPr id="32" name="TextBox 31"/>
+          <p:cNvSpPr txBox="1"/>
+          <p:nvPr/>
+        </p:nvSpPr>
+        <p:spPr>
+          <a:xfrm>
+            <a:off x="4839602" y="3796393"/>
+            <a:ext cx="379690" cy="338554"/>
+          </a:xfrm>
+          <a:prstGeom prst="rect">
+            <a:avLst/>
+          </a:prstGeom>
+          <a:noFill/>
+        </p:spPr>
+        <p:txBody>
+          <a:bodyPr wrap="square" rtlCol="0">
+            <a:spAutoFit/>
+          </a:bodyPr>
+          <a:lstStyle/>
+          <a:p>
+            <a:r>
+              <a:rPr lang="en-PH" sz="1600" dirty="0">
+                <a:solidFill>
+                  <a:schemeClr val="bg1"/>
+                </a:solidFill>
+                <a:latin typeface="Arial" panose="020B0604020202020204" pitchFamily="34" charset="0"/>
+                <a:cs typeface="Arial" panose="020B0604020202020204" pitchFamily="34" charset="0"/>
+              </a:rPr>
+              <a:t>3. </a:t>
+            </a:r>
+          </a:p>
+        </p:txBody>
+      </p:sp>
+      <p:sp>
+        <p:nvSpPr>
+          <p:cNvPr id="33" name="TextBox 32"/>
+          <p:cNvSpPr txBox="1"/>
+          <p:nvPr/>
+        </p:nvSpPr>
+        <p:spPr>
+          <a:xfrm>
+            <a:off x="4837371" y="4241024"/>
+            <a:ext cx="379690" cy="338554"/>
+          </a:xfrm>
+          <a:prstGeom prst="rect">
+            <a:avLst/>
+          </a:prstGeom>
+          <a:noFill/>
+        </p:spPr>
+        <p:txBody>
+          <a:bodyPr wrap="square" rtlCol="0">
+            <a:spAutoFit/>
+          </a:bodyPr>
+          <a:lstStyle/>
+          <a:p>
+            <a:r>
+              <a:rPr lang="en-PH" sz="1600" dirty="0">
+                <a:solidFill>
+                  <a:schemeClr val="bg1"/>
+                </a:solidFill>
+                <a:latin typeface="Arial" panose="020B0604020202020204" pitchFamily="34" charset="0"/>
+                <a:cs typeface="Arial" panose="020B0604020202020204" pitchFamily="34" charset="0"/>
+              </a:rPr>
+              <a:t>4. </a:t>
+            </a:r>
+          </a:p>
+        </p:txBody>
+      </p:sp>
+      <p:sp>
+        <p:nvSpPr>
+          <p:cNvPr id="35" name="TextBox 34"/>
+          <p:cNvSpPr txBox="1"/>
+          <p:nvPr/>
+        </p:nvSpPr>
+        <p:spPr>
+          <a:xfrm>
+            <a:off x="4837371" y="4695026"/>
+            <a:ext cx="379690" cy="338554"/>
+          </a:xfrm>
+          <a:prstGeom prst="rect">
+            <a:avLst/>
+          </a:prstGeom>
+          <a:noFill/>
+        </p:spPr>
+        <p:txBody>
+          <a:bodyPr wrap="square" rtlCol="0">
+            <a:spAutoFit/>
+          </a:bodyPr>
+          <a:lstStyle/>
+          <a:p>
+            <a:r>
+              <a:rPr lang="en-PH" sz="1600" dirty="0">
+                <a:solidFill>
+                  <a:schemeClr val="bg1"/>
+                </a:solidFill>
+                <a:latin typeface="Arial" panose="020B0604020202020204" pitchFamily="34" charset="0"/>
+                <a:cs typeface="Arial" panose="020B0604020202020204" pitchFamily="34" charset="0"/>
+              </a:rPr>
+              <a:t>5. </a:t>
+            </a:r>
+          </a:p>
+        </p:txBody>
+      </p:sp>
+      <p:sp>
+        <p:nvSpPr>
+          <p:cNvPr id="37" name="TextBox 36"/>
+          <p:cNvSpPr txBox="1"/>
+          <p:nvPr/>
+        </p:nvSpPr>
+        <p:spPr>
+          <a:xfrm>
+            <a:off x="4837371" y="5145015"/>
+            <a:ext cx="379690" cy="338554"/>
+          </a:xfrm>
+          <a:prstGeom prst="rect">
+            <a:avLst/>
+          </a:prstGeom>
+          <a:noFill/>
+        </p:spPr>
+        <p:txBody>
+          <a:bodyPr wrap="square" rtlCol="0">
+            <a:spAutoFit/>
+          </a:bodyPr>
+          <a:lstStyle/>
+          <a:p>
+            <a:r>
+              <a:rPr lang="en-PH" sz="1600" dirty="0">
+                <a:solidFill>
+                  <a:schemeClr val="bg1"/>
+                </a:solidFill>
+                <a:latin typeface="Arial" panose="020B0604020202020204" pitchFamily="34" charset="0"/>
+                <a:cs typeface="Arial" panose="020B0604020202020204" pitchFamily="34" charset="0"/>
+              </a:rPr>
+              <a:t>6. </a:t>
+            </a:r>
+          </a:p>
+        </p:txBody>
+      </p:sp>
+      <p:sp>
+        <p:nvSpPr>
+          <p:cNvPr id="44" name="TextBox 43"/>
+          <p:cNvSpPr txBox="1"/>
+          <p:nvPr/>
+        </p:nvSpPr>
+        <p:spPr>
+          <a:xfrm>
+            <a:off x="4837371" y="5603030"/>
+            <a:ext cx="379690" cy="338554"/>
+          </a:xfrm>
+          <a:prstGeom prst="rect">
+            <a:avLst/>
+          </a:prstGeom>
+          <a:noFill/>
+        </p:spPr>
+        <p:txBody>
+          <a:bodyPr wrap="square" rtlCol="0">
+            <a:spAutoFit/>
+          </a:bodyPr>
+          <a:lstStyle/>
+          <a:p>
+            <a:r>
+              <a:rPr lang="en-PH" sz="1600" dirty="0">
+                <a:solidFill>
+                  <a:schemeClr val="bg1"/>
+                </a:solidFill>
+                <a:latin typeface="Arial" panose="020B0604020202020204" pitchFamily="34" charset="0"/>
+                <a:cs typeface="Arial" panose="020B0604020202020204" pitchFamily="34" charset="0"/>
+              </a:rPr>
+              <a:t>7. </a:t>
+            </a:r>
+          </a:p>
+        </p:txBody>
+      </p:sp>
+      <p:sp>
+        <p:nvSpPr>
+          <p:cNvPr id="48" name="TextBox 47"/>
+          <p:cNvSpPr txBox="1"/>
+          <p:nvPr/>
+        </p:nvSpPr>
+        <p:spPr>
+          <a:xfrm>
+            <a:off x="5277019" y="6055487"/>
+            <a:ext cx="2381075" cy="338554"/>
+          </a:xfrm>
+          <a:prstGeom prst="rect">
+            <a:avLst/>
+          </a:prstGeom>
+          <a:noFill/>
+        </p:spPr>
+        <p:txBody>
+          <a:bodyPr wrap="square" rtlCol="0">
+            <a:spAutoFit/>
+          </a:bodyPr>
+          <a:lstStyle/>
+          <a:p>
+            <a:r>
+              <a:rPr lang="en-PH" sz="1600" u="sng" dirty="0">
+                <a:solidFill>
+                  <a:schemeClr val="bg1"/>
+                </a:solidFill>
+                <a:latin typeface="Arial" panose="020B0604020202020204" pitchFamily="34" charset="0"/>
+                <a:cs typeface="Arial" panose="020B0604020202020204" pitchFamily="34" charset="0"/>
+              </a:rPr>
+              <a:t>March 10, 2090</a:t>
+            </a:r>
+          </a:p>
+        </p:txBody>
+      </p:sp>
+      <p:sp>
+        <p:nvSpPr>
+          <p:cNvPr id="49" name="TextBox 48"/>
+          <p:cNvSpPr txBox="1"/>
+          <p:nvPr/>
+        </p:nvSpPr>
+        <p:spPr>
+          <a:xfrm>
+            <a:off x="4837371" y="6055487"/>
+            <a:ext cx="379690" cy="338554"/>
+          </a:xfrm>
+          <a:prstGeom prst="rect">
+            <a:avLst/>
+          </a:prstGeom>
+          <a:noFill/>
+        </p:spPr>
+        <p:txBody>
+          <a:bodyPr wrap="square" rtlCol="0">
+            <a:spAutoFit/>
+          </a:bodyPr>
+          <a:lstStyle/>
+          <a:p>
+            <a:r>
+              <a:rPr lang="en-PH" sz="1600" dirty="0">
+                <a:solidFill>
+                  <a:schemeClr val="bg1"/>
+                </a:solidFill>
+                <a:latin typeface="Arial" panose="020B0604020202020204" pitchFamily="34" charset="0"/>
+                <a:cs typeface="Arial" panose="020B0604020202020204" pitchFamily="34" charset="0"/>
+              </a:rPr>
+              <a:t>8 </a:t>
+            </a:r>
+          </a:p>
+        </p:txBody>
+      </p:sp>
+      <p:pic>
+        <p:nvPicPr>
+          <p:cNvPr id="4" name="Picture 3"/>
+          <p:cNvPicPr>
+            <a:picLocks noChangeAspect="1"/>
+          </p:cNvPicPr>
+          <p:nvPr/>
+        </p:nvPicPr>
+        <p:blipFill>
+          <a:blip r:embed="rId4"/>
+          <a:stretch>
+            <a:fillRect/>
+          </a:stretch>
+        </p:blipFill>
+        <p:spPr>
+          <a:xfrm>
+            <a:off x="8057322" y="2690575"/>
+            <a:ext cx="195691" cy="3825396"/>
+          </a:xfrm>
+          <a:prstGeom prst="rect">
+            <a:avLst/>
+          </a:prstGeom>
+        </p:spPr>
+      </p:pic>
     </p:spTree>
     <p:extLst>
       <p:ext uri="{BB962C8B-B14F-4D97-AF65-F5344CB8AC3E}">
-        <p14:creationId xmlns:p14="http://schemas.microsoft.com/office/powerpoint/2010/main" val="2273938558"/>
+        <p14:creationId xmlns:p14="http://schemas.microsoft.com/office/powerpoint/2010/main" val="2261557444"/>
       </p:ext>
     </p:extLst>
   </p:cSld>
@@ -7183,6 +7236,3289 @@
 </file>
 
 <file path=ppt/slides/slide11.xml><?xml version="1.0" encoding="utf-8"?>
+<p:sld xmlns:a="http://schemas.openxmlformats.org/drawingml/2006/main" xmlns:r="http://schemas.openxmlformats.org/officeDocument/2006/relationships" xmlns:p="http://schemas.openxmlformats.org/presentationml/2006/main">
+  <p:cSld>
+    <p:spTree>
+      <p:nvGrpSpPr>
+        <p:cNvPr id="1" name=""/>
+        <p:cNvGrpSpPr/>
+        <p:nvPr/>
+      </p:nvGrpSpPr>
+      <p:grpSpPr>
+        <a:xfrm>
+          <a:off x="0" y="0"/>
+          <a:ext cx="0" cy="0"/>
+          <a:chOff x="0" y="0"/>
+          <a:chExt cx="0" cy="0"/>
+        </a:xfrm>
+      </p:grpSpPr>
+      <p:sp>
+        <p:nvSpPr>
+          <p:cNvPr id="2" name="Title 1"/>
+          <p:cNvSpPr>
+            <a:spLocks noGrp="1"/>
+          </p:cNvSpPr>
+          <p:nvPr>
+            <p:ph type="title"/>
+          </p:nvPr>
+        </p:nvSpPr>
+        <p:spPr>
+          <a:xfrm>
+            <a:off x="1512446" y="140680"/>
+            <a:ext cx="10018713" cy="1223887"/>
+          </a:xfrm>
+        </p:spPr>
+        <p:txBody>
+          <a:bodyPr/>
+          <a:lstStyle/>
+          <a:p>
+            <a:r>
+              <a:rPr lang="en-PH" b="1" dirty="0"/>
+              <a:t>Features (continued)</a:t>
+            </a:r>
+          </a:p>
+        </p:txBody>
+      </p:sp>
+      <p:sp>
+        <p:nvSpPr>
+          <p:cNvPr id="5" name="Rectangle 4"/>
+          <p:cNvSpPr/>
+          <p:nvPr/>
+        </p:nvSpPr>
+        <p:spPr>
+          <a:xfrm>
+            <a:off x="4777407" y="1353127"/>
+            <a:ext cx="3488788" cy="5162844"/>
+          </a:xfrm>
+          <a:prstGeom prst="rect">
+            <a:avLst/>
+          </a:prstGeom>
+          <a:solidFill>
+            <a:srgbClr val="1789A9"/>
+          </a:solidFill>
+          <a:ln>
+            <a:solidFill>
+              <a:srgbClr val="E38C59"/>
+            </a:solidFill>
+          </a:ln>
+        </p:spPr>
+        <p:style>
+          <a:lnRef idx="2">
+            <a:schemeClr val="accent1">
+              <a:shade val="50000"/>
+            </a:schemeClr>
+          </a:lnRef>
+          <a:fillRef idx="1">
+            <a:schemeClr val="accent1"/>
+          </a:fillRef>
+          <a:effectRef idx="0">
+            <a:schemeClr val="accent1"/>
+          </a:effectRef>
+          <a:fontRef idx="minor">
+            <a:schemeClr val="lt1"/>
+          </a:fontRef>
+        </p:style>
+        <p:txBody>
+          <a:bodyPr rtlCol="0" anchor="ctr"/>
+          <a:lstStyle/>
+          <a:p>
+            <a:pPr algn="ctr"/>
+            <a:endParaRPr lang="en-PH" dirty="0"/>
+          </a:p>
+        </p:txBody>
+      </p:sp>
+      <p:sp>
+        <p:nvSpPr>
+          <p:cNvPr id="6" name="TextBox 5"/>
+          <p:cNvSpPr txBox="1"/>
+          <p:nvPr/>
+        </p:nvSpPr>
+        <p:spPr>
+          <a:xfrm>
+            <a:off x="9555302" y="1355152"/>
+            <a:ext cx="2133600" cy="830997"/>
+          </a:xfrm>
+          <a:prstGeom prst="rect">
+            <a:avLst/>
+          </a:prstGeom>
+          <a:noFill/>
+        </p:spPr>
+        <p:txBody>
+          <a:bodyPr wrap="square" rtlCol="0">
+            <a:spAutoFit/>
+          </a:bodyPr>
+          <a:lstStyle/>
+          <a:p>
+            <a:r>
+              <a:rPr lang="en-PH" sz="2400" dirty="0"/>
+              <a:t>LIST OF SALES PAGE</a:t>
+            </a:r>
+          </a:p>
+        </p:txBody>
+      </p:sp>
+      <p:sp>
+        <p:nvSpPr>
+          <p:cNvPr id="7" name="TextBox 6"/>
+          <p:cNvSpPr txBox="1"/>
+          <p:nvPr/>
+        </p:nvSpPr>
+        <p:spPr>
+          <a:xfrm>
+            <a:off x="5277025" y="1657674"/>
+            <a:ext cx="2489552" cy="461665"/>
+          </a:xfrm>
+          <a:prstGeom prst="rect">
+            <a:avLst/>
+          </a:prstGeom>
+          <a:noFill/>
+        </p:spPr>
+        <p:txBody>
+          <a:bodyPr wrap="square" rtlCol="0">
+            <a:spAutoFit/>
+          </a:bodyPr>
+          <a:lstStyle/>
+          <a:p>
+            <a:pPr algn="ctr"/>
+            <a:r>
+              <a:rPr lang="en-PH" sz="2400" b="1" dirty="0">
+                <a:solidFill>
+                  <a:schemeClr val="bg1"/>
+                </a:solidFill>
+                <a:latin typeface="Arial" panose="020B0604020202020204" pitchFamily="34" charset="0"/>
+                <a:cs typeface="Arial" panose="020B0604020202020204" pitchFamily="34" charset="0"/>
+              </a:rPr>
+              <a:t>ELOUS STORE</a:t>
+            </a:r>
+          </a:p>
+        </p:txBody>
+      </p:sp>
+      <p:pic>
+        <p:nvPicPr>
+          <p:cNvPr id="9" name="Picture 8"/>
+          <p:cNvPicPr>
+            <a:picLocks noChangeAspect="1"/>
+          </p:cNvPicPr>
+          <p:nvPr/>
+        </p:nvPicPr>
+        <p:blipFill>
+          <a:blip r:embed="rId2"/>
+          <a:stretch>
+            <a:fillRect/>
+          </a:stretch>
+        </p:blipFill>
+        <p:spPr>
+          <a:xfrm>
+            <a:off x="9555301" y="362098"/>
+            <a:ext cx="2133600" cy="781050"/>
+          </a:xfrm>
+          <a:prstGeom prst="rect">
+            <a:avLst/>
+          </a:prstGeom>
+        </p:spPr>
+      </p:pic>
+      <p:cxnSp>
+        <p:nvCxnSpPr>
+          <p:cNvPr id="20" name="Straight Connector 19"/>
+          <p:cNvCxnSpPr/>
+          <p:nvPr/>
+        </p:nvCxnSpPr>
+        <p:spPr>
+          <a:xfrm>
+            <a:off x="4833938" y="2295525"/>
+            <a:ext cx="3395662" cy="0"/>
+          </a:xfrm>
+          <a:prstGeom prst="line">
+            <a:avLst/>
+          </a:prstGeom>
+          <a:ln w="57150">
+            <a:solidFill>
+              <a:srgbClr val="C2F3FD"/>
+            </a:solidFill>
+          </a:ln>
+        </p:spPr>
+        <p:style>
+          <a:lnRef idx="1">
+            <a:schemeClr val="accent1"/>
+          </a:lnRef>
+          <a:fillRef idx="0">
+            <a:schemeClr val="accent1"/>
+          </a:fillRef>
+          <a:effectRef idx="0">
+            <a:schemeClr val="accent1"/>
+          </a:effectRef>
+          <a:fontRef idx="minor">
+            <a:schemeClr val="tx1"/>
+          </a:fontRef>
+        </p:style>
+      </p:cxnSp>
+      <p:sp>
+        <p:nvSpPr>
+          <p:cNvPr id="10" name="TextBox 9"/>
+          <p:cNvSpPr txBox="1"/>
+          <p:nvPr/>
+        </p:nvSpPr>
+        <p:spPr>
+          <a:xfrm>
+            <a:off x="4791695" y="2295525"/>
+            <a:ext cx="1708165" cy="369332"/>
+          </a:xfrm>
+          <a:prstGeom prst="rect">
+            <a:avLst/>
+          </a:prstGeom>
+          <a:noFill/>
+          <a:ln>
+            <a:solidFill>
+              <a:srgbClr val="C2F3FD"/>
+            </a:solidFill>
+          </a:ln>
+        </p:spPr>
+        <p:txBody>
+          <a:bodyPr wrap="square" rtlCol="0">
+            <a:spAutoFit/>
+          </a:bodyPr>
+          <a:lstStyle/>
+          <a:p>
+            <a:pPr algn="ctr"/>
+            <a:r>
+              <a:rPr lang="en-PH" dirty="0">
+                <a:solidFill>
+                  <a:srgbClr val="FDE4D3"/>
+                </a:solidFill>
+              </a:rPr>
+              <a:t>INPUT SALES</a:t>
+            </a:r>
+          </a:p>
+        </p:txBody>
+      </p:sp>
+      <p:sp>
+        <p:nvSpPr>
+          <p:cNvPr id="31" name="TextBox 30"/>
+          <p:cNvSpPr txBox="1"/>
+          <p:nvPr/>
+        </p:nvSpPr>
+        <p:spPr>
+          <a:xfrm>
+            <a:off x="6514148" y="2295524"/>
+            <a:ext cx="1723029" cy="369332"/>
+          </a:xfrm>
+          <a:prstGeom prst="rect">
+            <a:avLst/>
+          </a:prstGeom>
+          <a:noFill/>
+          <a:ln>
+            <a:solidFill>
+              <a:srgbClr val="C2F3FD"/>
+            </a:solidFill>
+          </a:ln>
+        </p:spPr>
+        <p:txBody>
+          <a:bodyPr wrap="square" rtlCol="0">
+            <a:spAutoFit/>
+          </a:bodyPr>
+          <a:lstStyle/>
+          <a:p>
+            <a:pPr algn="ctr"/>
+            <a:r>
+              <a:rPr lang="en-PH" dirty="0">
+                <a:solidFill>
+                  <a:srgbClr val="FDE4D3"/>
+                </a:solidFill>
+              </a:rPr>
+              <a:t>LIST OF SALES</a:t>
+            </a:r>
+          </a:p>
+        </p:txBody>
+      </p:sp>
+      <p:cxnSp>
+        <p:nvCxnSpPr>
+          <p:cNvPr id="34" name="Straight Connector 33"/>
+          <p:cNvCxnSpPr/>
+          <p:nvPr/>
+        </p:nvCxnSpPr>
+        <p:spPr>
+          <a:xfrm flipV="1">
+            <a:off x="6557963" y="2664856"/>
+            <a:ext cx="1665922" cy="1905"/>
+          </a:xfrm>
+          <a:prstGeom prst="line">
+            <a:avLst/>
+          </a:prstGeom>
+          <a:ln w="57150">
+            <a:solidFill>
+              <a:srgbClr val="C2F3FD"/>
+            </a:solidFill>
+          </a:ln>
+        </p:spPr>
+        <p:style>
+          <a:lnRef idx="1">
+            <a:schemeClr val="accent1"/>
+          </a:lnRef>
+          <a:fillRef idx="0">
+            <a:schemeClr val="accent1"/>
+          </a:fillRef>
+          <a:effectRef idx="0">
+            <a:schemeClr val="accent1"/>
+          </a:effectRef>
+          <a:fontRef idx="minor">
+            <a:schemeClr val="tx1"/>
+          </a:fontRef>
+        </p:style>
+      </p:cxnSp>
+      <p:sp>
+        <p:nvSpPr>
+          <p:cNvPr id="29" name="TextBox 28"/>
+          <p:cNvSpPr txBox="1"/>
+          <p:nvPr/>
+        </p:nvSpPr>
+        <p:spPr>
+          <a:xfrm>
+            <a:off x="4830486" y="2867444"/>
+            <a:ext cx="379690" cy="338554"/>
+          </a:xfrm>
+          <a:prstGeom prst="rect">
+            <a:avLst/>
+          </a:prstGeom>
+          <a:noFill/>
+        </p:spPr>
+        <p:txBody>
+          <a:bodyPr wrap="square" rtlCol="0">
+            <a:spAutoFit/>
+          </a:bodyPr>
+          <a:lstStyle/>
+          <a:p>
+            <a:r>
+              <a:rPr lang="en-PH" sz="1600" dirty="0">
+                <a:solidFill>
+                  <a:schemeClr val="bg1"/>
+                </a:solidFill>
+                <a:latin typeface="Arial" panose="020B0604020202020204" pitchFamily="34" charset="0"/>
+                <a:cs typeface="Arial" panose="020B0604020202020204" pitchFamily="34" charset="0"/>
+              </a:rPr>
+              <a:t> </a:t>
+            </a:r>
+          </a:p>
+        </p:txBody>
+      </p:sp>
+      <p:sp>
+        <p:nvSpPr>
+          <p:cNvPr id="48" name="TextBox 47"/>
+          <p:cNvSpPr txBox="1"/>
+          <p:nvPr/>
+        </p:nvSpPr>
+        <p:spPr>
+          <a:xfrm>
+            <a:off x="5331263" y="3499891"/>
+            <a:ext cx="2381075" cy="461665"/>
+          </a:xfrm>
+          <a:prstGeom prst="rect">
+            <a:avLst/>
+          </a:prstGeom>
+          <a:noFill/>
+        </p:spPr>
+        <p:txBody>
+          <a:bodyPr wrap="square" rtlCol="0">
+            <a:spAutoFit/>
+          </a:bodyPr>
+          <a:lstStyle/>
+          <a:p>
+            <a:pPr algn="ctr"/>
+            <a:r>
+              <a:rPr lang="en-PH" sz="2400" u="sng" dirty="0">
+                <a:solidFill>
+                  <a:schemeClr val="bg1"/>
+                </a:solidFill>
+                <a:latin typeface="Arial" panose="020B0604020202020204" pitchFamily="34" charset="0"/>
+                <a:cs typeface="Arial" panose="020B0604020202020204" pitchFamily="34" charset="0"/>
+              </a:rPr>
+              <a:t>Sale 1</a:t>
+            </a:r>
+          </a:p>
+        </p:txBody>
+      </p:sp>
+      <p:sp>
+        <p:nvSpPr>
+          <p:cNvPr id="36" name="TextBox 35"/>
+          <p:cNvSpPr txBox="1"/>
+          <p:nvPr/>
+        </p:nvSpPr>
+        <p:spPr>
+          <a:xfrm>
+            <a:off x="5341231" y="4377876"/>
+            <a:ext cx="2381075" cy="461665"/>
+          </a:xfrm>
+          <a:prstGeom prst="rect">
+            <a:avLst/>
+          </a:prstGeom>
+          <a:noFill/>
+        </p:spPr>
+        <p:txBody>
+          <a:bodyPr wrap="square" rtlCol="0">
+            <a:spAutoFit/>
+          </a:bodyPr>
+          <a:lstStyle/>
+          <a:p>
+            <a:pPr algn="ctr"/>
+            <a:r>
+              <a:rPr lang="en-PH" sz="2400" u="sng" dirty="0">
+                <a:solidFill>
+                  <a:schemeClr val="bg1"/>
+                </a:solidFill>
+                <a:latin typeface="Arial" panose="020B0604020202020204" pitchFamily="34" charset="0"/>
+                <a:cs typeface="Arial" panose="020B0604020202020204" pitchFamily="34" charset="0"/>
+              </a:rPr>
+              <a:t>Sale 2</a:t>
+            </a:r>
+          </a:p>
+        </p:txBody>
+      </p:sp>
+    </p:spTree>
+    <p:extLst>
+      <p:ext uri="{BB962C8B-B14F-4D97-AF65-F5344CB8AC3E}">
+        <p14:creationId xmlns:p14="http://schemas.microsoft.com/office/powerpoint/2010/main" val="2266409488"/>
+      </p:ext>
+    </p:extLst>
+  </p:cSld>
+  <p:clrMapOvr>
+    <a:masterClrMapping/>
+  </p:clrMapOvr>
+  <mc:AlternateContent xmlns:mc="http://schemas.openxmlformats.org/markup-compatibility/2006" xmlns:p14="http://schemas.microsoft.com/office/powerpoint/2010/main">
+    <mc:Choice Requires="p14">
+      <p:transition spd="slow" p14:dur="1600">
+        <p14:prism isInverted="1"/>
+      </p:transition>
+    </mc:Choice>
+    <mc:Fallback xmlns="">
+      <p:transition spd="slow">
+        <p:fade/>
+      </p:transition>
+    </mc:Fallback>
+  </mc:AlternateContent>
+</p:sld>
+</file>
+
+<file path=ppt/slides/slide12.xml><?xml version="1.0" encoding="utf-8"?>
+<p:sld xmlns:a="http://schemas.openxmlformats.org/drawingml/2006/main" xmlns:r="http://schemas.openxmlformats.org/officeDocument/2006/relationships" xmlns:p="http://schemas.openxmlformats.org/presentationml/2006/main">
+  <p:cSld>
+    <p:spTree>
+      <p:nvGrpSpPr>
+        <p:cNvPr id="1" name=""/>
+        <p:cNvGrpSpPr/>
+        <p:nvPr/>
+      </p:nvGrpSpPr>
+      <p:grpSpPr>
+        <a:xfrm>
+          <a:off x="0" y="0"/>
+          <a:ext cx="0" cy="0"/>
+          <a:chOff x="0" y="0"/>
+          <a:chExt cx="0" cy="0"/>
+        </a:xfrm>
+      </p:grpSpPr>
+      <p:sp>
+        <p:nvSpPr>
+          <p:cNvPr id="2" name="Title 1"/>
+          <p:cNvSpPr>
+            <a:spLocks noGrp="1"/>
+          </p:cNvSpPr>
+          <p:nvPr>
+            <p:ph type="title"/>
+          </p:nvPr>
+        </p:nvSpPr>
+        <p:spPr>
+          <a:xfrm>
+            <a:off x="1512446" y="140680"/>
+            <a:ext cx="10018713" cy="1223887"/>
+          </a:xfrm>
+        </p:spPr>
+        <p:txBody>
+          <a:bodyPr/>
+          <a:lstStyle/>
+          <a:p>
+            <a:r>
+              <a:rPr lang="en-PH" b="1" dirty="0"/>
+              <a:t>Features (continued)</a:t>
+            </a:r>
+          </a:p>
+        </p:txBody>
+      </p:sp>
+      <p:sp>
+        <p:nvSpPr>
+          <p:cNvPr id="5" name="Rectangle 4"/>
+          <p:cNvSpPr/>
+          <p:nvPr/>
+        </p:nvSpPr>
+        <p:spPr>
+          <a:xfrm>
+            <a:off x="4777407" y="1353127"/>
+            <a:ext cx="3488788" cy="5162844"/>
+          </a:xfrm>
+          <a:prstGeom prst="rect">
+            <a:avLst/>
+          </a:prstGeom>
+          <a:solidFill>
+            <a:srgbClr val="1789A9"/>
+          </a:solidFill>
+          <a:ln>
+            <a:solidFill>
+              <a:srgbClr val="E38C59"/>
+            </a:solidFill>
+          </a:ln>
+        </p:spPr>
+        <p:style>
+          <a:lnRef idx="2">
+            <a:schemeClr val="accent1">
+              <a:shade val="50000"/>
+            </a:schemeClr>
+          </a:lnRef>
+          <a:fillRef idx="1">
+            <a:schemeClr val="accent1"/>
+          </a:fillRef>
+          <a:effectRef idx="0">
+            <a:schemeClr val="accent1"/>
+          </a:effectRef>
+          <a:fontRef idx="minor">
+            <a:schemeClr val="lt1"/>
+          </a:fontRef>
+        </p:style>
+        <p:txBody>
+          <a:bodyPr rtlCol="0" anchor="ctr"/>
+          <a:lstStyle/>
+          <a:p>
+            <a:pPr algn="ctr"/>
+            <a:endParaRPr lang="en-PH" dirty="0"/>
+          </a:p>
+        </p:txBody>
+      </p:sp>
+      <p:sp>
+        <p:nvSpPr>
+          <p:cNvPr id="6" name="TextBox 5"/>
+          <p:cNvSpPr txBox="1"/>
+          <p:nvPr/>
+        </p:nvSpPr>
+        <p:spPr>
+          <a:xfrm>
+            <a:off x="9555302" y="1355152"/>
+            <a:ext cx="2133600" cy="830997"/>
+          </a:xfrm>
+          <a:prstGeom prst="rect">
+            <a:avLst/>
+          </a:prstGeom>
+          <a:noFill/>
+        </p:spPr>
+        <p:txBody>
+          <a:bodyPr wrap="square" rtlCol="0">
+            <a:spAutoFit/>
+          </a:bodyPr>
+          <a:lstStyle/>
+          <a:p>
+            <a:r>
+              <a:rPr lang="en-PH" sz="2400" dirty="0"/>
+              <a:t>LIST OF SALES PAGE</a:t>
+            </a:r>
+          </a:p>
+        </p:txBody>
+      </p:sp>
+      <p:sp>
+        <p:nvSpPr>
+          <p:cNvPr id="7" name="TextBox 6"/>
+          <p:cNvSpPr txBox="1"/>
+          <p:nvPr/>
+        </p:nvSpPr>
+        <p:spPr>
+          <a:xfrm>
+            <a:off x="5277025" y="1657674"/>
+            <a:ext cx="2489552" cy="461665"/>
+          </a:xfrm>
+          <a:prstGeom prst="rect">
+            <a:avLst/>
+          </a:prstGeom>
+          <a:noFill/>
+        </p:spPr>
+        <p:txBody>
+          <a:bodyPr wrap="square" rtlCol="0">
+            <a:spAutoFit/>
+          </a:bodyPr>
+          <a:lstStyle/>
+          <a:p>
+            <a:pPr algn="ctr"/>
+            <a:r>
+              <a:rPr lang="en-PH" sz="2400" b="1" dirty="0">
+                <a:solidFill>
+                  <a:schemeClr val="bg1"/>
+                </a:solidFill>
+                <a:latin typeface="Arial" panose="020B0604020202020204" pitchFamily="34" charset="0"/>
+                <a:cs typeface="Arial" panose="020B0604020202020204" pitchFamily="34" charset="0"/>
+              </a:rPr>
+              <a:t>ELOUS STORE</a:t>
+            </a:r>
+          </a:p>
+        </p:txBody>
+      </p:sp>
+      <p:pic>
+        <p:nvPicPr>
+          <p:cNvPr id="9" name="Picture 8"/>
+          <p:cNvPicPr>
+            <a:picLocks noChangeAspect="1"/>
+          </p:cNvPicPr>
+          <p:nvPr/>
+        </p:nvPicPr>
+        <p:blipFill>
+          <a:blip r:embed="rId2"/>
+          <a:stretch>
+            <a:fillRect/>
+          </a:stretch>
+        </p:blipFill>
+        <p:spPr>
+          <a:xfrm>
+            <a:off x="9555301" y="362098"/>
+            <a:ext cx="2133600" cy="781050"/>
+          </a:xfrm>
+          <a:prstGeom prst="rect">
+            <a:avLst/>
+          </a:prstGeom>
+        </p:spPr>
+      </p:pic>
+      <p:cxnSp>
+        <p:nvCxnSpPr>
+          <p:cNvPr id="20" name="Straight Connector 19"/>
+          <p:cNvCxnSpPr/>
+          <p:nvPr/>
+        </p:nvCxnSpPr>
+        <p:spPr>
+          <a:xfrm>
+            <a:off x="4833938" y="2295525"/>
+            <a:ext cx="3395662" cy="0"/>
+          </a:xfrm>
+          <a:prstGeom prst="line">
+            <a:avLst/>
+          </a:prstGeom>
+          <a:ln w="57150">
+            <a:solidFill>
+              <a:srgbClr val="C2F3FD"/>
+            </a:solidFill>
+          </a:ln>
+        </p:spPr>
+        <p:style>
+          <a:lnRef idx="1">
+            <a:schemeClr val="accent1"/>
+          </a:lnRef>
+          <a:fillRef idx="0">
+            <a:schemeClr val="accent1"/>
+          </a:fillRef>
+          <a:effectRef idx="0">
+            <a:schemeClr val="accent1"/>
+          </a:effectRef>
+          <a:fontRef idx="minor">
+            <a:schemeClr val="tx1"/>
+          </a:fontRef>
+        </p:style>
+      </p:cxnSp>
+      <p:sp>
+        <p:nvSpPr>
+          <p:cNvPr id="10" name="TextBox 9"/>
+          <p:cNvSpPr txBox="1"/>
+          <p:nvPr/>
+        </p:nvSpPr>
+        <p:spPr>
+          <a:xfrm>
+            <a:off x="4791695" y="2295525"/>
+            <a:ext cx="1708165" cy="369332"/>
+          </a:xfrm>
+          <a:prstGeom prst="rect">
+            <a:avLst/>
+          </a:prstGeom>
+          <a:noFill/>
+          <a:ln>
+            <a:solidFill>
+              <a:srgbClr val="C2F3FD"/>
+            </a:solidFill>
+          </a:ln>
+        </p:spPr>
+        <p:txBody>
+          <a:bodyPr wrap="square" rtlCol="0">
+            <a:spAutoFit/>
+          </a:bodyPr>
+          <a:lstStyle/>
+          <a:p>
+            <a:pPr algn="ctr"/>
+            <a:r>
+              <a:rPr lang="en-PH" dirty="0">
+                <a:solidFill>
+                  <a:srgbClr val="FDE4D3"/>
+                </a:solidFill>
+              </a:rPr>
+              <a:t>INPUT SALES</a:t>
+            </a:r>
+          </a:p>
+        </p:txBody>
+      </p:sp>
+      <p:sp>
+        <p:nvSpPr>
+          <p:cNvPr id="31" name="TextBox 30"/>
+          <p:cNvSpPr txBox="1"/>
+          <p:nvPr/>
+        </p:nvSpPr>
+        <p:spPr>
+          <a:xfrm>
+            <a:off x="6514148" y="2295524"/>
+            <a:ext cx="1723029" cy="369332"/>
+          </a:xfrm>
+          <a:prstGeom prst="rect">
+            <a:avLst/>
+          </a:prstGeom>
+          <a:noFill/>
+          <a:ln>
+            <a:solidFill>
+              <a:srgbClr val="C2F3FD"/>
+            </a:solidFill>
+          </a:ln>
+        </p:spPr>
+        <p:txBody>
+          <a:bodyPr wrap="square" rtlCol="0">
+            <a:spAutoFit/>
+          </a:bodyPr>
+          <a:lstStyle/>
+          <a:p>
+            <a:pPr algn="ctr"/>
+            <a:r>
+              <a:rPr lang="en-PH" dirty="0">
+                <a:solidFill>
+                  <a:srgbClr val="FDE4D3"/>
+                </a:solidFill>
+              </a:rPr>
+              <a:t>LIST OF SALES</a:t>
+            </a:r>
+          </a:p>
+        </p:txBody>
+      </p:sp>
+      <p:cxnSp>
+        <p:nvCxnSpPr>
+          <p:cNvPr id="34" name="Straight Connector 33"/>
+          <p:cNvCxnSpPr/>
+          <p:nvPr/>
+        </p:nvCxnSpPr>
+        <p:spPr>
+          <a:xfrm flipV="1">
+            <a:off x="6557963" y="2664856"/>
+            <a:ext cx="1665922" cy="1905"/>
+          </a:xfrm>
+          <a:prstGeom prst="line">
+            <a:avLst/>
+          </a:prstGeom>
+          <a:ln w="57150">
+            <a:solidFill>
+              <a:srgbClr val="C2F3FD"/>
+            </a:solidFill>
+          </a:ln>
+        </p:spPr>
+        <p:style>
+          <a:lnRef idx="1">
+            <a:schemeClr val="accent1"/>
+          </a:lnRef>
+          <a:fillRef idx="0">
+            <a:schemeClr val="accent1"/>
+          </a:fillRef>
+          <a:effectRef idx="0">
+            <a:schemeClr val="accent1"/>
+          </a:effectRef>
+          <a:fontRef idx="minor">
+            <a:schemeClr val="tx1"/>
+          </a:fontRef>
+        </p:style>
+      </p:cxnSp>
+      <p:sp>
+        <p:nvSpPr>
+          <p:cNvPr id="29" name="TextBox 28"/>
+          <p:cNvSpPr txBox="1"/>
+          <p:nvPr/>
+        </p:nvSpPr>
+        <p:spPr>
+          <a:xfrm>
+            <a:off x="4830486" y="2867444"/>
+            <a:ext cx="379690" cy="338554"/>
+          </a:xfrm>
+          <a:prstGeom prst="rect">
+            <a:avLst/>
+          </a:prstGeom>
+          <a:noFill/>
+        </p:spPr>
+        <p:txBody>
+          <a:bodyPr wrap="square" rtlCol="0">
+            <a:spAutoFit/>
+          </a:bodyPr>
+          <a:lstStyle/>
+          <a:p>
+            <a:r>
+              <a:rPr lang="en-PH" sz="1600" dirty="0">
+                <a:solidFill>
+                  <a:schemeClr val="bg1"/>
+                </a:solidFill>
+                <a:latin typeface="Arial" panose="020B0604020202020204" pitchFamily="34" charset="0"/>
+                <a:cs typeface="Arial" panose="020B0604020202020204" pitchFamily="34" charset="0"/>
+              </a:rPr>
+              <a:t> </a:t>
+            </a:r>
+          </a:p>
+        </p:txBody>
+      </p:sp>
+      <p:sp>
+        <p:nvSpPr>
+          <p:cNvPr id="48" name="TextBox 47"/>
+          <p:cNvSpPr txBox="1"/>
+          <p:nvPr/>
+        </p:nvSpPr>
+        <p:spPr>
+          <a:xfrm>
+            <a:off x="5331263" y="3499891"/>
+            <a:ext cx="2381075" cy="461665"/>
+          </a:xfrm>
+          <a:prstGeom prst="rect">
+            <a:avLst/>
+          </a:prstGeom>
+          <a:noFill/>
+        </p:spPr>
+        <p:txBody>
+          <a:bodyPr wrap="square" rtlCol="0">
+            <a:spAutoFit/>
+          </a:bodyPr>
+          <a:lstStyle/>
+          <a:p>
+            <a:pPr algn="ctr"/>
+            <a:r>
+              <a:rPr lang="en-PH" sz="2400" dirty="0">
+                <a:solidFill>
+                  <a:schemeClr val="bg1"/>
+                </a:solidFill>
+                <a:latin typeface="Arial" panose="020B0604020202020204" pitchFamily="34" charset="0"/>
+                <a:cs typeface="Arial" panose="020B0604020202020204" pitchFamily="34" charset="0"/>
+              </a:rPr>
+              <a:t>OUTPUT</a:t>
+            </a:r>
+          </a:p>
+        </p:txBody>
+      </p:sp>
+      <p:sp>
+        <p:nvSpPr>
+          <p:cNvPr id="14" name="TextBox 13"/>
+          <p:cNvSpPr txBox="1"/>
+          <p:nvPr/>
+        </p:nvSpPr>
+        <p:spPr>
+          <a:xfrm>
+            <a:off x="4777407" y="2744333"/>
+            <a:ext cx="1175012" cy="338554"/>
+          </a:xfrm>
+          <a:prstGeom prst="rect">
+            <a:avLst/>
+          </a:prstGeom>
+          <a:noFill/>
+        </p:spPr>
+        <p:txBody>
+          <a:bodyPr wrap="square" rtlCol="0">
+            <a:spAutoFit/>
+          </a:bodyPr>
+          <a:lstStyle/>
+          <a:p>
+            <a:r>
+              <a:rPr lang="en-PH" sz="1600" dirty="0">
+                <a:solidFill>
+                  <a:schemeClr val="bg1"/>
+                </a:solidFill>
+                <a:latin typeface="Arial" panose="020B0604020202020204" pitchFamily="34" charset="0"/>
+                <a:cs typeface="Arial" panose="020B0604020202020204" pitchFamily="34" charset="0"/>
+              </a:rPr>
+              <a:t>Sale 1</a:t>
+            </a:r>
+          </a:p>
+        </p:txBody>
+      </p:sp>
+      <p:sp>
+        <p:nvSpPr>
+          <p:cNvPr id="16" name="TextBox 15"/>
+          <p:cNvSpPr txBox="1"/>
+          <p:nvPr/>
+        </p:nvSpPr>
+        <p:spPr>
+          <a:xfrm>
+            <a:off x="5210176" y="5285191"/>
+            <a:ext cx="2744003" cy="338554"/>
+          </a:xfrm>
+          <a:prstGeom prst="rect">
+            <a:avLst/>
+          </a:prstGeom>
+          <a:noFill/>
+        </p:spPr>
+        <p:txBody>
+          <a:bodyPr wrap="square" rtlCol="0">
+            <a:spAutoFit/>
+          </a:bodyPr>
+          <a:lstStyle/>
+          <a:p>
+            <a:pPr algn="ctr"/>
+            <a:r>
+              <a:rPr lang="en-PH" sz="1600" u="sng" dirty="0">
+                <a:solidFill>
+                  <a:schemeClr val="bg1"/>
+                </a:solidFill>
+                <a:latin typeface="Arial" panose="020B0604020202020204" pitchFamily="34" charset="0"/>
+                <a:cs typeface="Arial" panose="020B0604020202020204" pitchFamily="34" charset="0"/>
+              </a:rPr>
+              <a:t>To add expense, click here</a:t>
+            </a:r>
+            <a:endParaRPr lang="en-PH" sz="2000" u="sng" dirty="0">
+              <a:solidFill>
+                <a:schemeClr val="bg1"/>
+              </a:solidFill>
+              <a:latin typeface="Arial" panose="020B0604020202020204" pitchFamily="34" charset="0"/>
+              <a:cs typeface="Arial" panose="020B0604020202020204" pitchFamily="34" charset="0"/>
+            </a:endParaRPr>
+          </a:p>
+        </p:txBody>
+      </p:sp>
+    </p:spTree>
+    <p:extLst>
+      <p:ext uri="{BB962C8B-B14F-4D97-AF65-F5344CB8AC3E}">
+        <p14:creationId xmlns:p14="http://schemas.microsoft.com/office/powerpoint/2010/main" val="1496374706"/>
+      </p:ext>
+    </p:extLst>
+  </p:cSld>
+  <p:clrMapOvr>
+    <a:masterClrMapping/>
+  </p:clrMapOvr>
+  <mc:AlternateContent xmlns:mc="http://schemas.openxmlformats.org/markup-compatibility/2006" xmlns:p14="http://schemas.microsoft.com/office/powerpoint/2010/main">
+    <mc:Choice Requires="p14">
+      <p:transition spd="slow" p14:dur="1600">
+        <p14:prism isInverted="1"/>
+      </p:transition>
+    </mc:Choice>
+    <mc:Fallback xmlns="">
+      <p:transition spd="slow">
+        <p:fade/>
+      </p:transition>
+    </mc:Fallback>
+  </mc:AlternateContent>
+</p:sld>
+</file>
+
+<file path=ppt/slides/slide13.xml><?xml version="1.0" encoding="utf-8"?>
+<p:sld xmlns:a="http://schemas.openxmlformats.org/drawingml/2006/main" xmlns:r="http://schemas.openxmlformats.org/officeDocument/2006/relationships" xmlns:p="http://schemas.openxmlformats.org/presentationml/2006/main">
+  <p:cSld>
+    <p:spTree>
+      <p:nvGrpSpPr>
+        <p:cNvPr id="1" name=""/>
+        <p:cNvGrpSpPr/>
+        <p:nvPr/>
+      </p:nvGrpSpPr>
+      <p:grpSpPr>
+        <a:xfrm>
+          <a:off x="0" y="0"/>
+          <a:ext cx="0" cy="0"/>
+          <a:chOff x="0" y="0"/>
+          <a:chExt cx="0" cy="0"/>
+        </a:xfrm>
+      </p:grpSpPr>
+      <p:sp>
+        <p:nvSpPr>
+          <p:cNvPr id="2" name="Title 1"/>
+          <p:cNvSpPr>
+            <a:spLocks noGrp="1"/>
+          </p:cNvSpPr>
+          <p:nvPr>
+            <p:ph type="title"/>
+          </p:nvPr>
+        </p:nvSpPr>
+        <p:spPr>
+          <a:xfrm>
+            <a:off x="1512446" y="140680"/>
+            <a:ext cx="10018713" cy="1223887"/>
+          </a:xfrm>
+        </p:spPr>
+        <p:txBody>
+          <a:bodyPr/>
+          <a:lstStyle/>
+          <a:p>
+            <a:r>
+              <a:rPr lang="en-PH" b="1" dirty="0"/>
+              <a:t>Features (continued)</a:t>
+            </a:r>
+          </a:p>
+        </p:txBody>
+      </p:sp>
+      <p:sp>
+        <p:nvSpPr>
+          <p:cNvPr id="5" name="Rectangle 4"/>
+          <p:cNvSpPr/>
+          <p:nvPr/>
+        </p:nvSpPr>
+        <p:spPr>
+          <a:xfrm>
+            <a:off x="4777407" y="1353127"/>
+            <a:ext cx="3488788" cy="5162844"/>
+          </a:xfrm>
+          <a:prstGeom prst="rect">
+            <a:avLst/>
+          </a:prstGeom>
+          <a:solidFill>
+            <a:srgbClr val="1789A9"/>
+          </a:solidFill>
+          <a:ln>
+            <a:solidFill>
+              <a:srgbClr val="E38C59"/>
+            </a:solidFill>
+          </a:ln>
+        </p:spPr>
+        <p:style>
+          <a:lnRef idx="2">
+            <a:schemeClr val="accent1">
+              <a:shade val="50000"/>
+            </a:schemeClr>
+          </a:lnRef>
+          <a:fillRef idx="1">
+            <a:schemeClr val="accent1"/>
+          </a:fillRef>
+          <a:effectRef idx="0">
+            <a:schemeClr val="accent1"/>
+          </a:effectRef>
+          <a:fontRef idx="minor">
+            <a:schemeClr val="lt1"/>
+          </a:fontRef>
+        </p:style>
+        <p:txBody>
+          <a:bodyPr rtlCol="0" anchor="ctr"/>
+          <a:lstStyle/>
+          <a:p>
+            <a:pPr algn="ctr"/>
+            <a:endParaRPr lang="en-PH"/>
+          </a:p>
+        </p:txBody>
+      </p:sp>
+      <p:sp>
+        <p:nvSpPr>
+          <p:cNvPr id="7" name="TextBox 6"/>
+          <p:cNvSpPr txBox="1"/>
+          <p:nvPr/>
+        </p:nvSpPr>
+        <p:spPr>
+          <a:xfrm>
+            <a:off x="5284121" y="1816817"/>
+            <a:ext cx="2489552" cy="461665"/>
+          </a:xfrm>
+          <a:prstGeom prst="rect">
+            <a:avLst/>
+          </a:prstGeom>
+          <a:noFill/>
+        </p:spPr>
+        <p:txBody>
+          <a:bodyPr wrap="square" rtlCol="0">
+            <a:spAutoFit/>
+          </a:bodyPr>
+          <a:lstStyle/>
+          <a:p>
+            <a:pPr algn="ctr"/>
+            <a:r>
+              <a:rPr lang="en-PH" sz="2400" b="1" dirty="0">
+                <a:solidFill>
+                  <a:schemeClr val="bg1"/>
+                </a:solidFill>
+                <a:latin typeface="Arial" panose="020B0604020202020204" pitchFamily="34" charset="0"/>
+                <a:cs typeface="Arial" panose="020B0604020202020204" pitchFamily="34" charset="0"/>
+              </a:rPr>
+              <a:t>ELOUS STORE</a:t>
+            </a:r>
+          </a:p>
+        </p:txBody>
+      </p:sp>
+      <p:sp>
+        <p:nvSpPr>
+          <p:cNvPr id="8" name="TextBox 7"/>
+          <p:cNvSpPr txBox="1"/>
+          <p:nvPr/>
+        </p:nvSpPr>
+        <p:spPr>
+          <a:xfrm>
+            <a:off x="5385152" y="2551011"/>
+            <a:ext cx="2273300" cy="369332"/>
+          </a:xfrm>
+          <a:prstGeom prst="rect">
+            <a:avLst/>
+          </a:prstGeom>
+          <a:noFill/>
+        </p:spPr>
+        <p:txBody>
+          <a:bodyPr wrap="square" rtlCol="0">
+            <a:spAutoFit/>
+          </a:bodyPr>
+          <a:lstStyle/>
+          <a:p>
+            <a:pPr algn="ctr"/>
+            <a:r>
+              <a:rPr lang="en-PH" dirty="0">
+                <a:solidFill>
+                  <a:schemeClr val="bg1"/>
+                </a:solidFill>
+              </a:rPr>
+              <a:t>Welcome!</a:t>
+            </a:r>
+          </a:p>
+        </p:txBody>
+      </p:sp>
+      <p:pic>
+        <p:nvPicPr>
+          <p:cNvPr id="9" name="Picture 8"/>
+          <p:cNvPicPr>
+            <a:picLocks noChangeAspect="1"/>
+          </p:cNvPicPr>
+          <p:nvPr/>
+        </p:nvPicPr>
+        <p:blipFill>
+          <a:blip r:embed="rId2"/>
+          <a:stretch>
+            <a:fillRect/>
+          </a:stretch>
+        </p:blipFill>
+        <p:spPr>
+          <a:xfrm>
+            <a:off x="9555301" y="362098"/>
+            <a:ext cx="2133600" cy="781050"/>
+          </a:xfrm>
+          <a:prstGeom prst="rect">
+            <a:avLst/>
+          </a:prstGeom>
+        </p:spPr>
+      </p:pic>
+      <p:cxnSp>
+        <p:nvCxnSpPr>
+          <p:cNvPr id="15" name="Straight Connector 14"/>
+          <p:cNvCxnSpPr/>
+          <p:nvPr/>
+        </p:nvCxnSpPr>
+        <p:spPr>
+          <a:xfrm>
+            <a:off x="5138134" y="3035300"/>
+            <a:ext cx="2753391" cy="6232"/>
+          </a:xfrm>
+          <a:prstGeom prst="line">
+            <a:avLst/>
+          </a:prstGeom>
+          <a:ln>
+            <a:solidFill>
+              <a:srgbClr val="C2F3FD"/>
+            </a:solidFill>
+          </a:ln>
+        </p:spPr>
+        <p:style>
+          <a:lnRef idx="1">
+            <a:schemeClr val="accent1"/>
+          </a:lnRef>
+          <a:fillRef idx="0">
+            <a:schemeClr val="accent1"/>
+          </a:fillRef>
+          <a:effectRef idx="0">
+            <a:schemeClr val="accent1"/>
+          </a:effectRef>
+          <a:fontRef idx="minor">
+            <a:schemeClr val="tx1"/>
+          </a:fontRef>
+        </p:style>
+      </p:cxnSp>
+      <p:sp>
+        <p:nvSpPr>
+          <p:cNvPr id="21" name="Rounded Rectangle 20"/>
+          <p:cNvSpPr/>
+          <p:nvPr/>
+        </p:nvSpPr>
+        <p:spPr>
+          <a:xfrm>
+            <a:off x="5533848" y="3294793"/>
+            <a:ext cx="1933087" cy="478302"/>
+          </a:xfrm>
+          <a:prstGeom prst="roundRect">
+            <a:avLst/>
+          </a:prstGeom>
+          <a:solidFill>
+            <a:srgbClr val="FCD4BA"/>
+          </a:solidFill>
+          <a:ln>
+            <a:noFill/>
+          </a:ln>
+          <a:effectLst/>
+          <a:scene3d>
+            <a:camera prst="orthographicFront"/>
+            <a:lightRig rig="threePt" dir="t"/>
+          </a:scene3d>
+          <a:sp3d>
+            <a:bevelT/>
+          </a:sp3d>
+        </p:spPr>
+        <p:style>
+          <a:lnRef idx="2">
+            <a:schemeClr val="accent1">
+              <a:shade val="50000"/>
+            </a:schemeClr>
+          </a:lnRef>
+          <a:fillRef idx="1">
+            <a:schemeClr val="accent1"/>
+          </a:fillRef>
+          <a:effectRef idx="0">
+            <a:schemeClr val="accent1"/>
+          </a:effectRef>
+          <a:fontRef idx="minor">
+            <a:schemeClr val="lt1"/>
+          </a:fontRef>
+        </p:style>
+        <p:txBody>
+          <a:bodyPr rtlCol="0" anchor="ctr"/>
+          <a:lstStyle/>
+          <a:p>
+            <a:r>
+              <a:rPr lang="en-PH" b="1" dirty="0">
+                <a:solidFill>
+                  <a:srgbClr val="0B4555"/>
+                </a:solidFill>
+              </a:rPr>
+              <a:t>Sales</a:t>
+            </a:r>
+          </a:p>
+        </p:txBody>
+      </p:sp>
+      <p:sp>
+        <p:nvSpPr>
+          <p:cNvPr id="23" name="Rounded Rectangle 22"/>
+          <p:cNvSpPr/>
+          <p:nvPr/>
+        </p:nvSpPr>
+        <p:spPr>
+          <a:xfrm>
+            <a:off x="5533848" y="3909480"/>
+            <a:ext cx="1933087" cy="478302"/>
+          </a:xfrm>
+          <a:prstGeom prst="roundRect">
+            <a:avLst/>
+          </a:prstGeom>
+          <a:solidFill>
+            <a:srgbClr val="FCD4BA"/>
+          </a:solidFill>
+          <a:ln>
+            <a:solidFill>
+              <a:srgbClr val="71B8C7"/>
+            </a:solidFill>
+          </a:ln>
+          <a:scene3d>
+            <a:camera prst="orthographicFront"/>
+            <a:lightRig rig="threePt" dir="t"/>
+          </a:scene3d>
+          <a:sp3d>
+            <a:bevelT/>
+          </a:sp3d>
+        </p:spPr>
+        <p:style>
+          <a:lnRef idx="2">
+            <a:schemeClr val="accent1">
+              <a:shade val="50000"/>
+            </a:schemeClr>
+          </a:lnRef>
+          <a:fillRef idx="1">
+            <a:schemeClr val="accent1"/>
+          </a:fillRef>
+          <a:effectRef idx="0">
+            <a:schemeClr val="accent1"/>
+          </a:effectRef>
+          <a:fontRef idx="minor">
+            <a:schemeClr val="lt1"/>
+          </a:fontRef>
+        </p:style>
+        <p:txBody>
+          <a:bodyPr rtlCol="0" anchor="ctr"/>
+          <a:lstStyle/>
+          <a:p>
+            <a:r>
+              <a:rPr lang="en-PH" b="1" dirty="0">
+                <a:solidFill>
+                  <a:srgbClr val="0B4555"/>
+                </a:solidFill>
+              </a:rPr>
+              <a:t>Products</a:t>
+            </a:r>
+          </a:p>
+        </p:txBody>
+      </p:sp>
+      <p:sp>
+        <p:nvSpPr>
+          <p:cNvPr id="24" name="Rounded Rectangle 23"/>
+          <p:cNvSpPr/>
+          <p:nvPr/>
+        </p:nvSpPr>
+        <p:spPr>
+          <a:xfrm>
+            <a:off x="5533845" y="4539600"/>
+            <a:ext cx="1933087" cy="478302"/>
+          </a:xfrm>
+          <a:prstGeom prst="roundRect">
+            <a:avLst/>
+          </a:prstGeom>
+          <a:solidFill>
+            <a:srgbClr val="FCD4BA"/>
+          </a:solidFill>
+          <a:ln>
+            <a:solidFill>
+              <a:srgbClr val="71B8C7"/>
+            </a:solidFill>
+          </a:ln>
+          <a:scene3d>
+            <a:camera prst="orthographicFront"/>
+            <a:lightRig rig="threePt" dir="t"/>
+          </a:scene3d>
+          <a:sp3d>
+            <a:bevelT/>
+          </a:sp3d>
+        </p:spPr>
+        <p:style>
+          <a:lnRef idx="2">
+            <a:schemeClr val="accent1">
+              <a:shade val="50000"/>
+            </a:schemeClr>
+          </a:lnRef>
+          <a:fillRef idx="1">
+            <a:schemeClr val="accent1"/>
+          </a:fillRef>
+          <a:effectRef idx="0">
+            <a:schemeClr val="accent1"/>
+          </a:effectRef>
+          <a:fontRef idx="minor">
+            <a:schemeClr val="lt1"/>
+          </a:fontRef>
+        </p:style>
+        <p:txBody>
+          <a:bodyPr rtlCol="0" anchor="ctr"/>
+          <a:lstStyle/>
+          <a:p>
+            <a:r>
+              <a:rPr lang="en-PH" b="1" dirty="0">
+                <a:solidFill>
+                  <a:srgbClr val="0B4555"/>
+                </a:solidFill>
+              </a:rPr>
+              <a:t>Graph</a:t>
+            </a:r>
+          </a:p>
+        </p:txBody>
+      </p:sp>
+      <p:pic>
+        <p:nvPicPr>
+          <p:cNvPr id="14" name="Picture 13"/>
+          <p:cNvPicPr>
+            <a:picLocks noChangeAspect="1"/>
+          </p:cNvPicPr>
+          <p:nvPr/>
+        </p:nvPicPr>
+        <p:blipFill>
+          <a:blip r:embed="rId3">
+            <a:extLst>
+              <a:ext uri="{BEBA8EAE-BF5A-486C-A8C5-ECC9F3942E4B}">
+                <a14:imgProps xmlns:a14="http://schemas.microsoft.com/office/drawing/2010/main">
+                  <a14:imgLayer r:embed="rId4">
+                    <a14:imgEffect>
+                      <a14:brightnessContrast bright="20000"/>
+                    </a14:imgEffect>
+                  </a14:imgLayer>
+                </a14:imgProps>
+              </a:ext>
+            </a:extLst>
+          </a:blip>
+          <a:stretch>
+            <a:fillRect/>
+          </a:stretch>
+        </p:blipFill>
+        <p:spPr>
+          <a:xfrm>
+            <a:off x="6970996" y="4658209"/>
+            <a:ext cx="442148" cy="343892"/>
+          </a:xfrm>
+          <a:prstGeom prst="rect">
+            <a:avLst/>
+          </a:prstGeom>
+          <a:effectLst>
+            <a:softEdge rad="25400"/>
+          </a:effectLst>
+        </p:spPr>
+      </p:pic>
+      <p:pic>
+        <p:nvPicPr>
+          <p:cNvPr id="18" name="Picture 17"/>
+          <p:cNvPicPr>
+            <a:picLocks noChangeAspect="1"/>
+          </p:cNvPicPr>
+          <p:nvPr/>
+        </p:nvPicPr>
+        <p:blipFill>
+          <a:blip r:embed="rId5">
+            <a:extLst>
+              <a:ext uri="{BEBA8EAE-BF5A-486C-A8C5-ECC9F3942E4B}">
+                <a14:imgProps xmlns:a14="http://schemas.microsoft.com/office/drawing/2010/main">
+                  <a14:imgLayer r:embed="rId6">
+                    <a14:imgEffect>
+                      <a14:brightnessContrast bright="20000"/>
+                    </a14:imgEffect>
+                  </a14:imgLayer>
+                </a14:imgProps>
+              </a:ext>
+            </a:extLst>
+          </a:blip>
+          <a:stretch>
+            <a:fillRect/>
+          </a:stretch>
+        </p:blipFill>
+        <p:spPr>
+          <a:xfrm>
+            <a:off x="6970996" y="3362441"/>
+            <a:ext cx="442147" cy="341668"/>
+          </a:xfrm>
+          <a:prstGeom prst="rect">
+            <a:avLst/>
+          </a:prstGeom>
+          <a:effectLst>
+            <a:softEdge rad="25400"/>
+          </a:effectLst>
+        </p:spPr>
+      </p:pic>
+      <p:pic>
+        <p:nvPicPr>
+          <p:cNvPr id="26" name="Picture 25"/>
+          <p:cNvPicPr>
+            <a:picLocks noChangeAspect="1"/>
+          </p:cNvPicPr>
+          <p:nvPr/>
+        </p:nvPicPr>
+        <p:blipFill>
+          <a:blip r:embed="rId7">
+            <a:extLst>
+              <a:ext uri="{BEBA8EAE-BF5A-486C-A8C5-ECC9F3942E4B}">
+                <a14:imgProps xmlns:a14="http://schemas.microsoft.com/office/drawing/2010/main">
+                  <a14:imgLayer r:embed="rId8">
+                    <a14:imgEffect>
+                      <a14:brightnessContrast bright="20000"/>
+                    </a14:imgEffect>
+                  </a14:imgLayer>
+                </a14:imgProps>
+              </a:ext>
+            </a:extLst>
+          </a:blip>
+          <a:stretch>
+            <a:fillRect/>
+          </a:stretch>
+        </p:blipFill>
+        <p:spPr>
+          <a:xfrm>
+            <a:off x="6971993" y="3995343"/>
+            <a:ext cx="442147" cy="343892"/>
+          </a:xfrm>
+          <a:prstGeom prst="rect">
+            <a:avLst/>
+          </a:prstGeom>
+          <a:effectLst>
+            <a:softEdge rad="25400"/>
+          </a:effectLst>
+        </p:spPr>
+      </p:pic>
+      <p:sp>
+        <p:nvSpPr>
+          <p:cNvPr id="28" name="Rounded Rectangle 27"/>
+          <p:cNvSpPr/>
+          <p:nvPr/>
+        </p:nvSpPr>
+        <p:spPr>
+          <a:xfrm>
+            <a:off x="5533845" y="5181558"/>
+            <a:ext cx="1933087" cy="478302"/>
+          </a:xfrm>
+          <a:prstGeom prst="roundRect">
+            <a:avLst/>
+          </a:prstGeom>
+          <a:solidFill>
+            <a:srgbClr val="FCD4BA"/>
+          </a:solidFill>
+          <a:ln>
+            <a:solidFill>
+              <a:srgbClr val="71B8C7"/>
+            </a:solidFill>
+          </a:ln>
+          <a:scene3d>
+            <a:camera prst="orthographicFront"/>
+            <a:lightRig rig="threePt" dir="t"/>
+          </a:scene3d>
+          <a:sp3d>
+            <a:bevelT/>
+          </a:sp3d>
+        </p:spPr>
+        <p:style>
+          <a:lnRef idx="2">
+            <a:schemeClr val="accent1">
+              <a:shade val="50000"/>
+            </a:schemeClr>
+          </a:lnRef>
+          <a:fillRef idx="1">
+            <a:schemeClr val="accent1"/>
+          </a:fillRef>
+          <a:effectRef idx="0">
+            <a:schemeClr val="accent1"/>
+          </a:effectRef>
+          <a:fontRef idx="minor">
+            <a:schemeClr val="lt1"/>
+          </a:fontRef>
+        </p:style>
+        <p:txBody>
+          <a:bodyPr rtlCol="0" anchor="ctr"/>
+          <a:lstStyle/>
+          <a:p>
+            <a:r>
+              <a:rPr lang="en-PH" b="1" dirty="0">
+                <a:solidFill>
+                  <a:srgbClr val="0B4555"/>
+                </a:solidFill>
+              </a:rPr>
+              <a:t>Expenses</a:t>
+            </a:r>
+          </a:p>
+        </p:txBody>
+      </p:sp>
+      <p:pic>
+        <p:nvPicPr>
+          <p:cNvPr id="29" name="Picture 28"/>
+          <p:cNvPicPr>
+            <a:picLocks noChangeAspect="1"/>
+          </p:cNvPicPr>
+          <p:nvPr/>
+        </p:nvPicPr>
+        <p:blipFill>
+          <a:blip r:embed="rId9"/>
+          <a:stretch>
+            <a:fillRect/>
+          </a:stretch>
+        </p:blipFill>
+        <p:spPr>
+          <a:xfrm>
+            <a:off x="6970995" y="5240770"/>
+            <a:ext cx="442147" cy="343892"/>
+          </a:xfrm>
+          <a:prstGeom prst="rect">
+            <a:avLst/>
+          </a:prstGeom>
+        </p:spPr>
+      </p:pic>
+      <p:cxnSp>
+        <p:nvCxnSpPr>
+          <p:cNvPr id="30" name="Straight Connector 29"/>
+          <p:cNvCxnSpPr/>
+          <p:nvPr/>
+        </p:nvCxnSpPr>
+        <p:spPr>
+          <a:xfrm>
+            <a:off x="5123692" y="5934015"/>
+            <a:ext cx="2753391" cy="6232"/>
+          </a:xfrm>
+          <a:prstGeom prst="line">
+            <a:avLst/>
+          </a:prstGeom>
+          <a:ln>
+            <a:solidFill>
+              <a:srgbClr val="C2F3FD"/>
+            </a:solidFill>
+          </a:ln>
+        </p:spPr>
+        <p:style>
+          <a:lnRef idx="1">
+            <a:schemeClr val="accent1"/>
+          </a:lnRef>
+          <a:fillRef idx="0">
+            <a:schemeClr val="accent1"/>
+          </a:fillRef>
+          <a:effectRef idx="0">
+            <a:schemeClr val="accent1"/>
+          </a:effectRef>
+          <a:fontRef idx="minor">
+            <a:schemeClr val="tx1"/>
+          </a:fontRef>
+        </p:style>
+      </p:cxnSp>
+      <p:sp>
+        <p:nvSpPr>
+          <p:cNvPr id="32" name="TextBox 31"/>
+          <p:cNvSpPr txBox="1"/>
+          <p:nvPr/>
+        </p:nvSpPr>
+        <p:spPr>
+          <a:xfrm>
+            <a:off x="6059368" y="6019452"/>
+            <a:ext cx="939057" cy="369332"/>
+          </a:xfrm>
+          <a:prstGeom prst="rect">
+            <a:avLst/>
+          </a:prstGeom>
+          <a:noFill/>
+        </p:spPr>
+        <p:txBody>
+          <a:bodyPr wrap="square" rtlCol="0">
+            <a:spAutoFit/>
+          </a:bodyPr>
+          <a:lstStyle/>
+          <a:p>
+            <a:r>
+              <a:rPr lang="en-PH" u="sng" dirty="0">
+                <a:solidFill>
+                  <a:srgbClr val="C2F3FD"/>
+                </a:solidFill>
+              </a:rPr>
+              <a:t>Logout</a:t>
+            </a:r>
+          </a:p>
+        </p:txBody>
+      </p:sp>
+      <p:sp>
+        <p:nvSpPr>
+          <p:cNvPr id="36" name="TextBox 35"/>
+          <p:cNvSpPr txBox="1"/>
+          <p:nvPr/>
+        </p:nvSpPr>
+        <p:spPr>
+          <a:xfrm>
+            <a:off x="9494151" y="1324499"/>
+            <a:ext cx="2446326" cy="461665"/>
+          </a:xfrm>
+          <a:prstGeom prst="rect">
+            <a:avLst/>
+          </a:prstGeom>
+          <a:noFill/>
+        </p:spPr>
+        <p:txBody>
+          <a:bodyPr wrap="square" rtlCol="0">
+            <a:spAutoFit/>
+          </a:bodyPr>
+          <a:lstStyle/>
+          <a:p>
+            <a:r>
+              <a:rPr lang="en-PH" sz="2400" dirty="0"/>
+              <a:t>MAIN ACTIVITY</a:t>
+            </a:r>
+          </a:p>
+        </p:txBody>
+      </p:sp>
+      <p:sp>
+        <p:nvSpPr>
+          <p:cNvPr id="3" name="Oval 2"/>
+          <p:cNvSpPr/>
+          <p:nvPr/>
+        </p:nvSpPr>
+        <p:spPr>
+          <a:xfrm>
+            <a:off x="5138134" y="3660578"/>
+            <a:ext cx="2635540" cy="944242"/>
+          </a:xfrm>
+          <a:prstGeom prst="ellipse">
+            <a:avLst/>
+          </a:prstGeom>
+          <a:noFill/>
+          <a:ln>
+            <a:solidFill>
+              <a:srgbClr val="FF0000"/>
+            </a:solidFill>
+          </a:ln>
+        </p:spPr>
+        <p:style>
+          <a:lnRef idx="2">
+            <a:schemeClr val="accent1">
+              <a:shade val="50000"/>
+            </a:schemeClr>
+          </a:lnRef>
+          <a:fillRef idx="1">
+            <a:schemeClr val="accent1"/>
+          </a:fillRef>
+          <a:effectRef idx="0">
+            <a:schemeClr val="accent1"/>
+          </a:effectRef>
+          <a:fontRef idx="minor">
+            <a:schemeClr val="lt1"/>
+          </a:fontRef>
+        </p:style>
+        <p:txBody>
+          <a:bodyPr rtlCol="0" anchor="ctr"/>
+          <a:lstStyle/>
+          <a:p>
+            <a:pPr algn="ctr"/>
+            <a:endParaRPr lang="en-PH"/>
+          </a:p>
+        </p:txBody>
+      </p:sp>
+    </p:spTree>
+    <p:extLst>
+      <p:ext uri="{BB962C8B-B14F-4D97-AF65-F5344CB8AC3E}">
+        <p14:creationId xmlns:p14="http://schemas.microsoft.com/office/powerpoint/2010/main" val="2102585841"/>
+      </p:ext>
+    </p:extLst>
+  </p:cSld>
+  <p:clrMapOvr>
+    <a:masterClrMapping/>
+  </p:clrMapOvr>
+  <mc:AlternateContent xmlns:mc="http://schemas.openxmlformats.org/markup-compatibility/2006" xmlns:p14="http://schemas.microsoft.com/office/powerpoint/2010/main">
+    <mc:Choice Requires="p14">
+      <p:transition spd="slow" p14:dur="1600">
+        <p14:prism isInverted="1"/>
+      </p:transition>
+    </mc:Choice>
+    <mc:Fallback xmlns="">
+      <p:transition spd="slow">
+        <p:fade/>
+      </p:transition>
+    </mc:Fallback>
+  </mc:AlternateContent>
+</p:sld>
+</file>
+
+<file path=ppt/slides/slide14.xml><?xml version="1.0" encoding="utf-8"?>
+<p:sld xmlns:a="http://schemas.openxmlformats.org/drawingml/2006/main" xmlns:r="http://schemas.openxmlformats.org/officeDocument/2006/relationships" xmlns:p="http://schemas.openxmlformats.org/presentationml/2006/main">
+  <p:cSld>
+    <p:spTree>
+      <p:nvGrpSpPr>
+        <p:cNvPr id="1" name=""/>
+        <p:cNvGrpSpPr/>
+        <p:nvPr/>
+      </p:nvGrpSpPr>
+      <p:grpSpPr>
+        <a:xfrm>
+          <a:off x="0" y="0"/>
+          <a:ext cx="0" cy="0"/>
+          <a:chOff x="0" y="0"/>
+          <a:chExt cx="0" cy="0"/>
+        </a:xfrm>
+      </p:grpSpPr>
+      <p:sp>
+        <p:nvSpPr>
+          <p:cNvPr id="2" name="Title 1"/>
+          <p:cNvSpPr>
+            <a:spLocks noGrp="1"/>
+          </p:cNvSpPr>
+          <p:nvPr>
+            <p:ph type="title"/>
+          </p:nvPr>
+        </p:nvSpPr>
+        <p:spPr>
+          <a:xfrm>
+            <a:off x="1512446" y="140680"/>
+            <a:ext cx="10018713" cy="1223887"/>
+          </a:xfrm>
+        </p:spPr>
+        <p:txBody>
+          <a:bodyPr/>
+          <a:lstStyle/>
+          <a:p>
+            <a:r>
+              <a:rPr lang="en-PH" b="1" dirty="0"/>
+              <a:t>Features (continued)</a:t>
+            </a:r>
+          </a:p>
+        </p:txBody>
+      </p:sp>
+      <p:sp>
+        <p:nvSpPr>
+          <p:cNvPr id="5" name="Rectangle 4"/>
+          <p:cNvSpPr/>
+          <p:nvPr/>
+        </p:nvSpPr>
+        <p:spPr>
+          <a:xfrm>
+            <a:off x="4777407" y="1353127"/>
+            <a:ext cx="3488788" cy="5162844"/>
+          </a:xfrm>
+          <a:prstGeom prst="rect">
+            <a:avLst/>
+          </a:prstGeom>
+          <a:solidFill>
+            <a:srgbClr val="1789A9"/>
+          </a:solidFill>
+          <a:ln>
+            <a:solidFill>
+              <a:srgbClr val="E38C59"/>
+            </a:solidFill>
+          </a:ln>
+        </p:spPr>
+        <p:style>
+          <a:lnRef idx="2">
+            <a:schemeClr val="accent1">
+              <a:shade val="50000"/>
+            </a:schemeClr>
+          </a:lnRef>
+          <a:fillRef idx="1">
+            <a:schemeClr val="accent1"/>
+          </a:fillRef>
+          <a:effectRef idx="0">
+            <a:schemeClr val="accent1"/>
+          </a:effectRef>
+          <a:fontRef idx="minor">
+            <a:schemeClr val="lt1"/>
+          </a:fontRef>
+        </p:style>
+        <p:txBody>
+          <a:bodyPr rtlCol="0" anchor="ctr"/>
+          <a:lstStyle/>
+          <a:p>
+            <a:pPr algn="ctr"/>
+            <a:endParaRPr lang="en-PH"/>
+          </a:p>
+        </p:txBody>
+      </p:sp>
+      <p:sp>
+        <p:nvSpPr>
+          <p:cNvPr id="7" name="TextBox 6"/>
+          <p:cNvSpPr txBox="1"/>
+          <p:nvPr/>
+        </p:nvSpPr>
+        <p:spPr>
+          <a:xfrm>
+            <a:off x="5284121" y="1816817"/>
+            <a:ext cx="2489552" cy="461665"/>
+          </a:xfrm>
+          <a:prstGeom prst="rect">
+            <a:avLst/>
+          </a:prstGeom>
+          <a:noFill/>
+        </p:spPr>
+        <p:txBody>
+          <a:bodyPr wrap="square" rtlCol="0">
+            <a:spAutoFit/>
+          </a:bodyPr>
+          <a:lstStyle/>
+          <a:p>
+            <a:pPr algn="ctr"/>
+            <a:r>
+              <a:rPr lang="en-PH" sz="2400" b="1" dirty="0">
+                <a:solidFill>
+                  <a:schemeClr val="bg1"/>
+                </a:solidFill>
+                <a:latin typeface="Arial" panose="020B0604020202020204" pitchFamily="34" charset="0"/>
+                <a:cs typeface="Arial" panose="020B0604020202020204" pitchFamily="34" charset="0"/>
+              </a:rPr>
+              <a:t>ELOUS STORE</a:t>
+            </a:r>
+          </a:p>
+        </p:txBody>
+      </p:sp>
+      <p:sp>
+        <p:nvSpPr>
+          <p:cNvPr id="8" name="TextBox 7"/>
+          <p:cNvSpPr txBox="1"/>
+          <p:nvPr/>
+        </p:nvSpPr>
+        <p:spPr>
+          <a:xfrm>
+            <a:off x="5385152" y="2551011"/>
+            <a:ext cx="2273300" cy="369332"/>
+          </a:xfrm>
+          <a:prstGeom prst="rect">
+            <a:avLst/>
+          </a:prstGeom>
+          <a:noFill/>
+        </p:spPr>
+        <p:txBody>
+          <a:bodyPr wrap="square" rtlCol="0">
+            <a:spAutoFit/>
+          </a:bodyPr>
+          <a:lstStyle/>
+          <a:p>
+            <a:pPr algn="ctr"/>
+            <a:r>
+              <a:rPr lang="en-PH" dirty="0">
+                <a:solidFill>
+                  <a:schemeClr val="bg1"/>
+                </a:solidFill>
+              </a:rPr>
+              <a:t>Welcome!</a:t>
+            </a:r>
+          </a:p>
+        </p:txBody>
+      </p:sp>
+      <p:pic>
+        <p:nvPicPr>
+          <p:cNvPr id="9" name="Picture 8"/>
+          <p:cNvPicPr>
+            <a:picLocks noChangeAspect="1"/>
+          </p:cNvPicPr>
+          <p:nvPr/>
+        </p:nvPicPr>
+        <p:blipFill>
+          <a:blip r:embed="rId2"/>
+          <a:stretch>
+            <a:fillRect/>
+          </a:stretch>
+        </p:blipFill>
+        <p:spPr>
+          <a:xfrm>
+            <a:off x="9555301" y="362098"/>
+            <a:ext cx="2133600" cy="781050"/>
+          </a:xfrm>
+          <a:prstGeom prst="rect">
+            <a:avLst/>
+          </a:prstGeom>
+        </p:spPr>
+      </p:pic>
+      <p:cxnSp>
+        <p:nvCxnSpPr>
+          <p:cNvPr id="15" name="Straight Connector 14"/>
+          <p:cNvCxnSpPr/>
+          <p:nvPr/>
+        </p:nvCxnSpPr>
+        <p:spPr>
+          <a:xfrm>
+            <a:off x="5138134" y="3035300"/>
+            <a:ext cx="2753391" cy="6232"/>
+          </a:xfrm>
+          <a:prstGeom prst="line">
+            <a:avLst/>
+          </a:prstGeom>
+          <a:ln>
+            <a:solidFill>
+              <a:srgbClr val="C2F3FD"/>
+            </a:solidFill>
+          </a:ln>
+        </p:spPr>
+        <p:style>
+          <a:lnRef idx="1">
+            <a:schemeClr val="accent1"/>
+          </a:lnRef>
+          <a:fillRef idx="0">
+            <a:schemeClr val="accent1"/>
+          </a:fillRef>
+          <a:effectRef idx="0">
+            <a:schemeClr val="accent1"/>
+          </a:effectRef>
+          <a:fontRef idx="minor">
+            <a:schemeClr val="tx1"/>
+          </a:fontRef>
+        </p:style>
+      </p:cxnSp>
+      <p:sp>
+        <p:nvSpPr>
+          <p:cNvPr id="21" name="Rounded Rectangle 20"/>
+          <p:cNvSpPr/>
+          <p:nvPr/>
+        </p:nvSpPr>
+        <p:spPr>
+          <a:xfrm>
+            <a:off x="5533848" y="3294793"/>
+            <a:ext cx="1933087" cy="478302"/>
+          </a:xfrm>
+          <a:prstGeom prst="roundRect">
+            <a:avLst/>
+          </a:prstGeom>
+          <a:solidFill>
+            <a:srgbClr val="FCD4BA"/>
+          </a:solidFill>
+          <a:ln>
+            <a:noFill/>
+          </a:ln>
+          <a:effectLst/>
+          <a:scene3d>
+            <a:camera prst="orthographicFront"/>
+            <a:lightRig rig="threePt" dir="t"/>
+          </a:scene3d>
+          <a:sp3d>
+            <a:bevelT/>
+          </a:sp3d>
+        </p:spPr>
+        <p:style>
+          <a:lnRef idx="2">
+            <a:schemeClr val="accent1">
+              <a:shade val="50000"/>
+            </a:schemeClr>
+          </a:lnRef>
+          <a:fillRef idx="1">
+            <a:schemeClr val="accent1"/>
+          </a:fillRef>
+          <a:effectRef idx="0">
+            <a:schemeClr val="accent1"/>
+          </a:effectRef>
+          <a:fontRef idx="minor">
+            <a:schemeClr val="lt1"/>
+          </a:fontRef>
+        </p:style>
+        <p:txBody>
+          <a:bodyPr rtlCol="0" anchor="ctr"/>
+          <a:lstStyle/>
+          <a:p>
+            <a:r>
+              <a:rPr lang="en-PH" b="1" dirty="0">
+                <a:solidFill>
+                  <a:srgbClr val="0B4555"/>
+                </a:solidFill>
+              </a:rPr>
+              <a:t>Sales</a:t>
+            </a:r>
+          </a:p>
+        </p:txBody>
+      </p:sp>
+      <p:sp>
+        <p:nvSpPr>
+          <p:cNvPr id="23" name="Rounded Rectangle 22"/>
+          <p:cNvSpPr/>
+          <p:nvPr/>
+        </p:nvSpPr>
+        <p:spPr>
+          <a:xfrm>
+            <a:off x="5533848" y="3909480"/>
+            <a:ext cx="1933087" cy="478302"/>
+          </a:xfrm>
+          <a:prstGeom prst="roundRect">
+            <a:avLst/>
+          </a:prstGeom>
+          <a:solidFill>
+            <a:srgbClr val="FCD4BA"/>
+          </a:solidFill>
+          <a:ln>
+            <a:solidFill>
+              <a:srgbClr val="71B8C7"/>
+            </a:solidFill>
+          </a:ln>
+          <a:scene3d>
+            <a:camera prst="orthographicFront"/>
+            <a:lightRig rig="threePt" dir="t"/>
+          </a:scene3d>
+          <a:sp3d>
+            <a:bevelT/>
+          </a:sp3d>
+        </p:spPr>
+        <p:style>
+          <a:lnRef idx="2">
+            <a:schemeClr val="accent1">
+              <a:shade val="50000"/>
+            </a:schemeClr>
+          </a:lnRef>
+          <a:fillRef idx="1">
+            <a:schemeClr val="accent1"/>
+          </a:fillRef>
+          <a:effectRef idx="0">
+            <a:schemeClr val="accent1"/>
+          </a:effectRef>
+          <a:fontRef idx="minor">
+            <a:schemeClr val="lt1"/>
+          </a:fontRef>
+        </p:style>
+        <p:txBody>
+          <a:bodyPr rtlCol="0" anchor="ctr"/>
+          <a:lstStyle/>
+          <a:p>
+            <a:r>
+              <a:rPr lang="en-PH" b="1" dirty="0">
+                <a:solidFill>
+                  <a:srgbClr val="0B4555"/>
+                </a:solidFill>
+              </a:rPr>
+              <a:t>Products</a:t>
+            </a:r>
+          </a:p>
+        </p:txBody>
+      </p:sp>
+      <p:sp>
+        <p:nvSpPr>
+          <p:cNvPr id="24" name="Rounded Rectangle 23"/>
+          <p:cNvSpPr/>
+          <p:nvPr/>
+        </p:nvSpPr>
+        <p:spPr>
+          <a:xfrm>
+            <a:off x="5533845" y="4539600"/>
+            <a:ext cx="1933087" cy="478302"/>
+          </a:xfrm>
+          <a:prstGeom prst="roundRect">
+            <a:avLst/>
+          </a:prstGeom>
+          <a:solidFill>
+            <a:srgbClr val="FCD4BA"/>
+          </a:solidFill>
+          <a:ln>
+            <a:solidFill>
+              <a:srgbClr val="71B8C7"/>
+            </a:solidFill>
+          </a:ln>
+          <a:scene3d>
+            <a:camera prst="orthographicFront"/>
+            <a:lightRig rig="threePt" dir="t"/>
+          </a:scene3d>
+          <a:sp3d>
+            <a:bevelT/>
+          </a:sp3d>
+        </p:spPr>
+        <p:style>
+          <a:lnRef idx="2">
+            <a:schemeClr val="accent1">
+              <a:shade val="50000"/>
+            </a:schemeClr>
+          </a:lnRef>
+          <a:fillRef idx="1">
+            <a:schemeClr val="accent1"/>
+          </a:fillRef>
+          <a:effectRef idx="0">
+            <a:schemeClr val="accent1"/>
+          </a:effectRef>
+          <a:fontRef idx="minor">
+            <a:schemeClr val="lt1"/>
+          </a:fontRef>
+        </p:style>
+        <p:txBody>
+          <a:bodyPr rtlCol="0" anchor="ctr"/>
+          <a:lstStyle/>
+          <a:p>
+            <a:r>
+              <a:rPr lang="en-PH" b="1" dirty="0">
+                <a:solidFill>
+                  <a:srgbClr val="0B4555"/>
+                </a:solidFill>
+              </a:rPr>
+              <a:t>Graph</a:t>
+            </a:r>
+          </a:p>
+        </p:txBody>
+      </p:sp>
+      <p:pic>
+        <p:nvPicPr>
+          <p:cNvPr id="14" name="Picture 13"/>
+          <p:cNvPicPr>
+            <a:picLocks noChangeAspect="1"/>
+          </p:cNvPicPr>
+          <p:nvPr/>
+        </p:nvPicPr>
+        <p:blipFill>
+          <a:blip r:embed="rId3">
+            <a:extLst>
+              <a:ext uri="{BEBA8EAE-BF5A-486C-A8C5-ECC9F3942E4B}">
+                <a14:imgProps xmlns:a14="http://schemas.microsoft.com/office/drawing/2010/main">
+                  <a14:imgLayer r:embed="rId4">
+                    <a14:imgEffect>
+                      <a14:brightnessContrast bright="20000"/>
+                    </a14:imgEffect>
+                  </a14:imgLayer>
+                </a14:imgProps>
+              </a:ext>
+            </a:extLst>
+          </a:blip>
+          <a:stretch>
+            <a:fillRect/>
+          </a:stretch>
+        </p:blipFill>
+        <p:spPr>
+          <a:xfrm>
+            <a:off x="6970996" y="4658209"/>
+            <a:ext cx="442148" cy="343892"/>
+          </a:xfrm>
+          <a:prstGeom prst="rect">
+            <a:avLst/>
+          </a:prstGeom>
+          <a:effectLst>
+            <a:softEdge rad="25400"/>
+          </a:effectLst>
+        </p:spPr>
+      </p:pic>
+      <p:pic>
+        <p:nvPicPr>
+          <p:cNvPr id="18" name="Picture 17"/>
+          <p:cNvPicPr>
+            <a:picLocks noChangeAspect="1"/>
+          </p:cNvPicPr>
+          <p:nvPr/>
+        </p:nvPicPr>
+        <p:blipFill>
+          <a:blip r:embed="rId5">
+            <a:extLst>
+              <a:ext uri="{BEBA8EAE-BF5A-486C-A8C5-ECC9F3942E4B}">
+                <a14:imgProps xmlns:a14="http://schemas.microsoft.com/office/drawing/2010/main">
+                  <a14:imgLayer r:embed="rId6">
+                    <a14:imgEffect>
+                      <a14:brightnessContrast bright="20000"/>
+                    </a14:imgEffect>
+                  </a14:imgLayer>
+                </a14:imgProps>
+              </a:ext>
+            </a:extLst>
+          </a:blip>
+          <a:stretch>
+            <a:fillRect/>
+          </a:stretch>
+        </p:blipFill>
+        <p:spPr>
+          <a:xfrm>
+            <a:off x="6970996" y="3362441"/>
+            <a:ext cx="442147" cy="341668"/>
+          </a:xfrm>
+          <a:prstGeom prst="rect">
+            <a:avLst/>
+          </a:prstGeom>
+          <a:effectLst>
+            <a:softEdge rad="25400"/>
+          </a:effectLst>
+        </p:spPr>
+      </p:pic>
+      <p:pic>
+        <p:nvPicPr>
+          <p:cNvPr id="26" name="Picture 25"/>
+          <p:cNvPicPr>
+            <a:picLocks noChangeAspect="1"/>
+          </p:cNvPicPr>
+          <p:nvPr/>
+        </p:nvPicPr>
+        <p:blipFill>
+          <a:blip r:embed="rId7">
+            <a:extLst>
+              <a:ext uri="{BEBA8EAE-BF5A-486C-A8C5-ECC9F3942E4B}">
+                <a14:imgProps xmlns:a14="http://schemas.microsoft.com/office/drawing/2010/main">
+                  <a14:imgLayer r:embed="rId8">
+                    <a14:imgEffect>
+                      <a14:brightnessContrast bright="20000"/>
+                    </a14:imgEffect>
+                  </a14:imgLayer>
+                </a14:imgProps>
+              </a:ext>
+            </a:extLst>
+          </a:blip>
+          <a:stretch>
+            <a:fillRect/>
+          </a:stretch>
+        </p:blipFill>
+        <p:spPr>
+          <a:xfrm>
+            <a:off x="6971993" y="3995343"/>
+            <a:ext cx="442147" cy="343892"/>
+          </a:xfrm>
+          <a:prstGeom prst="rect">
+            <a:avLst/>
+          </a:prstGeom>
+          <a:effectLst>
+            <a:softEdge rad="25400"/>
+          </a:effectLst>
+        </p:spPr>
+      </p:pic>
+      <p:sp>
+        <p:nvSpPr>
+          <p:cNvPr id="28" name="Rounded Rectangle 27"/>
+          <p:cNvSpPr/>
+          <p:nvPr/>
+        </p:nvSpPr>
+        <p:spPr>
+          <a:xfrm>
+            <a:off x="5533845" y="5181558"/>
+            <a:ext cx="1933087" cy="478302"/>
+          </a:xfrm>
+          <a:prstGeom prst="roundRect">
+            <a:avLst/>
+          </a:prstGeom>
+          <a:solidFill>
+            <a:srgbClr val="FCD4BA"/>
+          </a:solidFill>
+          <a:ln>
+            <a:solidFill>
+              <a:srgbClr val="71B8C7"/>
+            </a:solidFill>
+          </a:ln>
+          <a:scene3d>
+            <a:camera prst="orthographicFront"/>
+            <a:lightRig rig="threePt" dir="t"/>
+          </a:scene3d>
+          <a:sp3d>
+            <a:bevelT/>
+          </a:sp3d>
+        </p:spPr>
+        <p:style>
+          <a:lnRef idx="2">
+            <a:schemeClr val="accent1">
+              <a:shade val="50000"/>
+            </a:schemeClr>
+          </a:lnRef>
+          <a:fillRef idx="1">
+            <a:schemeClr val="accent1"/>
+          </a:fillRef>
+          <a:effectRef idx="0">
+            <a:schemeClr val="accent1"/>
+          </a:effectRef>
+          <a:fontRef idx="minor">
+            <a:schemeClr val="lt1"/>
+          </a:fontRef>
+        </p:style>
+        <p:txBody>
+          <a:bodyPr rtlCol="0" anchor="ctr"/>
+          <a:lstStyle/>
+          <a:p>
+            <a:r>
+              <a:rPr lang="en-PH" b="1" dirty="0">
+                <a:solidFill>
+                  <a:srgbClr val="0B4555"/>
+                </a:solidFill>
+              </a:rPr>
+              <a:t>Expenses</a:t>
+            </a:r>
+          </a:p>
+        </p:txBody>
+      </p:sp>
+      <p:pic>
+        <p:nvPicPr>
+          <p:cNvPr id="29" name="Picture 28"/>
+          <p:cNvPicPr>
+            <a:picLocks noChangeAspect="1"/>
+          </p:cNvPicPr>
+          <p:nvPr/>
+        </p:nvPicPr>
+        <p:blipFill>
+          <a:blip r:embed="rId9"/>
+          <a:stretch>
+            <a:fillRect/>
+          </a:stretch>
+        </p:blipFill>
+        <p:spPr>
+          <a:xfrm>
+            <a:off x="6970995" y="5240770"/>
+            <a:ext cx="442147" cy="343892"/>
+          </a:xfrm>
+          <a:prstGeom prst="rect">
+            <a:avLst/>
+          </a:prstGeom>
+        </p:spPr>
+      </p:pic>
+      <p:cxnSp>
+        <p:nvCxnSpPr>
+          <p:cNvPr id="30" name="Straight Connector 29"/>
+          <p:cNvCxnSpPr/>
+          <p:nvPr/>
+        </p:nvCxnSpPr>
+        <p:spPr>
+          <a:xfrm>
+            <a:off x="5123692" y="5934015"/>
+            <a:ext cx="2753391" cy="6232"/>
+          </a:xfrm>
+          <a:prstGeom prst="line">
+            <a:avLst/>
+          </a:prstGeom>
+          <a:ln>
+            <a:solidFill>
+              <a:srgbClr val="C2F3FD"/>
+            </a:solidFill>
+          </a:ln>
+        </p:spPr>
+        <p:style>
+          <a:lnRef idx="1">
+            <a:schemeClr val="accent1"/>
+          </a:lnRef>
+          <a:fillRef idx="0">
+            <a:schemeClr val="accent1"/>
+          </a:fillRef>
+          <a:effectRef idx="0">
+            <a:schemeClr val="accent1"/>
+          </a:effectRef>
+          <a:fontRef idx="minor">
+            <a:schemeClr val="tx1"/>
+          </a:fontRef>
+        </p:style>
+      </p:cxnSp>
+      <p:sp>
+        <p:nvSpPr>
+          <p:cNvPr id="32" name="TextBox 31"/>
+          <p:cNvSpPr txBox="1"/>
+          <p:nvPr/>
+        </p:nvSpPr>
+        <p:spPr>
+          <a:xfrm>
+            <a:off x="6059368" y="6019452"/>
+            <a:ext cx="939057" cy="369332"/>
+          </a:xfrm>
+          <a:prstGeom prst="rect">
+            <a:avLst/>
+          </a:prstGeom>
+          <a:noFill/>
+        </p:spPr>
+        <p:txBody>
+          <a:bodyPr wrap="square" rtlCol="0">
+            <a:spAutoFit/>
+          </a:bodyPr>
+          <a:lstStyle/>
+          <a:p>
+            <a:r>
+              <a:rPr lang="en-PH" u="sng" dirty="0">
+                <a:solidFill>
+                  <a:srgbClr val="C2F3FD"/>
+                </a:solidFill>
+              </a:rPr>
+              <a:t>Logout</a:t>
+            </a:r>
+          </a:p>
+        </p:txBody>
+      </p:sp>
+      <p:sp>
+        <p:nvSpPr>
+          <p:cNvPr id="36" name="TextBox 35"/>
+          <p:cNvSpPr txBox="1"/>
+          <p:nvPr/>
+        </p:nvSpPr>
+        <p:spPr>
+          <a:xfrm>
+            <a:off x="9494151" y="1324499"/>
+            <a:ext cx="2446326" cy="461665"/>
+          </a:xfrm>
+          <a:prstGeom prst="rect">
+            <a:avLst/>
+          </a:prstGeom>
+          <a:noFill/>
+        </p:spPr>
+        <p:txBody>
+          <a:bodyPr wrap="square" rtlCol="0">
+            <a:spAutoFit/>
+          </a:bodyPr>
+          <a:lstStyle/>
+          <a:p>
+            <a:r>
+              <a:rPr lang="en-PH" sz="2400" dirty="0"/>
+              <a:t>MAIN ACTIVITY</a:t>
+            </a:r>
+          </a:p>
+        </p:txBody>
+      </p:sp>
+      <p:sp>
+        <p:nvSpPr>
+          <p:cNvPr id="3" name="Oval 2"/>
+          <p:cNvSpPr/>
+          <p:nvPr/>
+        </p:nvSpPr>
+        <p:spPr>
+          <a:xfrm>
+            <a:off x="5197059" y="4283100"/>
+            <a:ext cx="2635540" cy="944242"/>
+          </a:xfrm>
+          <a:prstGeom prst="ellipse">
+            <a:avLst/>
+          </a:prstGeom>
+          <a:noFill/>
+          <a:ln>
+            <a:solidFill>
+              <a:srgbClr val="FF0000"/>
+            </a:solidFill>
+          </a:ln>
+        </p:spPr>
+        <p:style>
+          <a:lnRef idx="2">
+            <a:schemeClr val="accent1">
+              <a:shade val="50000"/>
+            </a:schemeClr>
+          </a:lnRef>
+          <a:fillRef idx="1">
+            <a:schemeClr val="accent1"/>
+          </a:fillRef>
+          <a:effectRef idx="0">
+            <a:schemeClr val="accent1"/>
+          </a:effectRef>
+          <a:fontRef idx="minor">
+            <a:schemeClr val="lt1"/>
+          </a:fontRef>
+        </p:style>
+        <p:txBody>
+          <a:bodyPr rtlCol="0" anchor="ctr"/>
+          <a:lstStyle/>
+          <a:p>
+            <a:pPr algn="ctr"/>
+            <a:endParaRPr lang="en-PH"/>
+          </a:p>
+        </p:txBody>
+      </p:sp>
+    </p:spTree>
+    <p:extLst>
+      <p:ext uri="{BB962C8B-B14F-4D97-AF65-F5344CB8AC3E}">
+        <p14:creationId xmlns:p14="http://schemas.microsoft.com/office/powerpoint/2010/main" val="2048705685"/>
+      </p:ext>
+    </p:extLst>
+  </p:cSld>
+  <p:clrMapOvr>
+    <a:masterClrMapping/>
+  </p:clrMapOvr>
+  <mc:AlternateContent xmlns:mc="http://schemas.openxmlformats.org/markup-compatibility/2006" xmlns:p14="http://schemas.microsoft.com/office/powerpoint/2010/main">
+    <mc:Choice Requires="p14">
+      <p:transition spd="slow" p14:dur="1600">
+        <p14:prism isInverted="1"/>
+      </p:transition>
+    </mc:Choice>
+    <mc:Fallback xmlns="">
+      <p:transition spd="slow">
+        <p:fade/>
+      </p:transition>
+    </mc:Fallback>
+  </mc:AlternateContent>
+</p:sld>
+</file>
+
+<file path=ppt/slides/slide15.xml><?xml version="1.0" encoding="utf-8"?>
+<p:sld xmlns:a="http://schemas.openxmlformats.org/drawingml/2006/main" xmlns:r="http://schemas.openxmlformats.org/officeDocument/2006/relationships" xmlns:p="http://schemas.openxmlformats.org/presentationml/2006/main">
+  <p:cSld>
+    <p:spTree>
+      <p:nvGrpSpPr>
+        <p:cNvPr id="1" name=""/>
+        <p:cNvGrpSpPr/>
+        <p:nvPr/>
+      </p:nvGrpSpPr>
+      <p:grpSpPr>
+        <a:xfrm>
+          <a:off x="0" y="0"/>
+          <a:ext cx="0" cy="0"/>
+          <a:chOff x="0" y="0"/>
+          <a:chExt cx="0" cy="0"/>
+        </a:xfrm>
+      </p:grpSpPr>
+      <p:sp>
+        <p:nvSpPr>
+          <p:cNvPr id="2" name="Title 1"/>
+          <p:cNvSpPr>
+            <a:spLocks noGrp="1"/>
+          </p:cNvSpPr>
+          <p:nvPr>
+            <p:ph type="title"/>
+          </p:nvPr>
+        </p:nvSpPr>
+        <p:spPr>
+          <a:xfrm>
+            <a:off x="1512446" y="140680"/>
+            <a:ext cx="10018713" cy="1223887"/>
+          </a:xfrm>
+        </p:spPr>
+        <p:txBody>
+          <a:bodyPr/>
+          <a:lstStyle/>
+          <a:p>
+            <a:r>
+              <a:rPr lang="en-PH" b="1" dirty="0"/>
+              <a:t>Features (continued)</a:t>
+            </a:r>
+          </a:p>
+        </p:txBody>
+      </p:sp>
+      <p:sp>
+        <p:nvSpPr>
+          <p:cNvPr id="5" name="Rectangle 4"/>
+          <p:cNvSpPr/>
+          <p:nvPr/>
+        </p:nvSpPr>
+        <p:spPr>
+          <a:xfrm>
+            <a:off x="4777407" y="1353127"/>
+            <a:ext cx="3488788" cy="5162844"/>
+          </a:xfrm>
+          <a:prstGeom prst="rect">
+            <a:avLst/>
+          </a:prstGeom>
+          <a:solidFill>
+            <a:srgbClr val="1789A9"/>
+          </a:solidFill>
+          <a:ln>
+            <a:solidFill>
+              <a:srgbClr val="E38C59"/>
+            </a:solidFill>
+          </a:ln>
+        </p:spPr>
+        <p:style>
+          <a:lnRef idx="2">
+            <a:schemeClr val="accent1">
+              <a:shade val="50000"/>
+            </a:schemeClr>
+          </a:lnRef>
+          <a:fillRef idx="1">
+            <a:schemeClr val="accent1"/>
+          </a:fillRef>
+          <a:effectRef idx="0">
+            <a:schemeClr val="accent1"/>
+          </a:effectRef>
+          <a:fontRef idx="minor">
+            <a:schemeClr val="lt1"/>
+          </a:fontRef>
+        </p:style>
+        <p:txBody>
+          <a:bodyPr rtlCol="0" anchor="ctr"/>
+          <a:lstStyle/>
+          <a:p>
+            <a:pPr algn="ctr"/>
+            <a:endParaRPr lang="en-PH"/>
+          </a:p>
+        </p:txBody>
+      </p:sp>
+      <p:sp>
+        <p:nvSpPr>
+          <p:cNvPr id="7" name="TextBox 6"/>
+          <p:cNvSpPr txBox="1"/>
+          <p:nvPr/>
+        </p:nvSpPr>
+        <p:spPr>
+          <a:xfrm>
+            <a:off x="5284121" y="1816817"/>
+            <a:ext cx="2489552" cy="461665"/>
+          </a:xfrm>
+          <a:prstGeom prst="rect">
+            <a:avLst/>
+          </a:prstGeom>
+          <a:noFill/>
+        </p:spPr>
+        <p:txBody>
+          <a:bodyPr wrap="square" rtlCol="0">
+            <a:spAutoFit/>
+          </a:bodyPr>
+          <a:lstStyle/>
+          <a:p>
+            <a:pPr algn="ctr"/>
+            <a:r>
+              <a:rPr lang="en-PH" sz="2400" b="1" dirty="0">
+                <a:solidFill>
+                  <a:schemeClr val="bg1"/>
+                </a:solidFill>
+                <a:latin typeface="Arial" panose="020B0604020202020204" pitchFamily="34" charset="0"/>
+                <a:cs typeface="Arial" panose="020B0604020202020204" pitchFamily="34" charset="0"/>
+              </a:rPr>
+              <a:t>ELOUS STORE</a:t>
+            </a:r>
+          </a:p>
+        </p:txBody>
+      </p:sp>
+      <p:sp>
+        <p:nvSpPr>
+          <p:cNvPr id="8" name="TextBox 7"/>
+          <p:cNvSpPr txBox="1"/>
+          <p:nvPr/>
+        </p:nvSpPr>
+        <p:spPr>
+          <a:xfrm>
+            <a:off x="5385152" y="2551011"/>
+            <a:ext cx="2273300" cy="369332"/>
+          </a:xfrm>
+          <a:prstGeom prst="rect">
+            <a:avLst/>
+          </a:prstGeom>
+          <a:noFill/>
+        </p:spPr>
+        <p:txBody>
+          <a:bodyPr wrap="square" rtlCol="0">
+            <a:spAutoFit/>
+          </a:bodyPr>
+          <a:lstStyle/>
+          <a:p>
+            <a:pPr algn="ctr"/>
+            <a:r>
+              <a:rPr lang="en-PH" dirty="0">
+                <a:solidFill>
+                  <a:schemeClr val="bg1"/>
+                </a:solidFill>
+              </a:rPr>
+              <a:t>Welcome!</a:t>
+            </a:r>
+          </a:p>
+        </p:txBody>
+      </p:sp>
+      <p:pic>
+        <p:nvPicPr>
+          <p:cNvPr id="9" name="Picture 8"/>
+          <p:cNvPicPr>
+            <a:picLocks noChangeAspect="1"/>
+          </p:cNvPicPr>
+          <p:nvPr/>
+        </p:nvPicPr>
+        <p:blipFill>
+          <a:blip r:embed="rId2"/>
+          <a:stretch>
+            <a:fillRect/>
+          </a:stretch>
+        </p:blipFill>
+        <p:spPr>
+          <a:xfrm>
+            <a:off x="9555301" y="362098"/>
+            <a:ext cx="2133600" cy="781050"/>
+          </a:xfrm>
+          <a:prstGeom prst="rect">
+            <a:avLst/>
+          </a:prstGeom>
+        </p:spPr>
+      </p:pic>
+      <p:cxnSp>
+        <p:nvCxnSpPr>
+          <p:cNvPr id="15" name="Straight Connector 14"/>
+          <p:cNvCxnSpPr/>
+          <p:nvPr/>
+        </p:nvCxnSpPr>
+        <p:spPr>
+          <a:xfrm>
+            <a:off x="5138134" y="3035300"/>
+            <a:ext cx="2753391" cy="6232"/>
+          </a:xfrm>
+          <a:prstGeom prst="line">
+            <a:avLst/>
+          </a:prstGeom>
+          <a:ln>
+            <a:solidFill>
+              <a:srgbClr val="C2F3FD"/>
+            </a:solidFill>
+          </a:ln>
+        </p:spPr>
+        <p:style>
+          <a:lnRef idx="1">
+            <a:schemeClr val="accent1"/>
+          </a:lnRef>
+          <a:fillRef idx="0">
+            <a:schemeClr val="accent1"/>
+          </a:fillRef>
+          <a:effectRef idx="0">
+            <a:schemeClr val="accent1"/>
+          </a:effectRef>
+          <a:fontRef idx="minor">
+            <a:schemeClr val="tx1"/>
+          </a:fontRef>
+        </p:style>
+      </p:cxnSp>
+      <p:sp>
+        <p:nvSpPr>
+          <p:cNvPr id="21" name="Rounded Rectangle 20"/>
+          <p:cNvSpPr/>
+          <p:nvPr/>
+        </p:nvSpPr>
+        <p:spPr>
+          <a:xfrm>
+            <a:off x="5533848" y="3294793"/>
+            <a:ext cx="1933087" cy="478302"/>
+          </a:xfrm>
+          <a:prstGeom prst="roundRect">
+            <a:avLst/>
+          </a:prstGeom>
+          <a:solidFill>
+            <a:srgbClr val="FCD4BA"/>
+          </a:solidFill>
+          <a:ln>
+            <a:noFill/>
+          </a:ln>
+          <a:effectLst/>
+          <a:scene3d>
+            <a:camera prst="orthographicFront"/>
+            <a:lightRig rig="threePt" dir="t"/>
+          </a:scene3d>
+          <a:sp3d>
+            <a:bevelT/>
+          </a:sp3d>
+        </p:spPr>
+        <p:style>
+          <a:lnRef idx="2">
+            <a:schemeClr val="accent1">
+              <a:shade val="50000"/>
+            </a:schemeClr>
+          </a:lnRef>
+          <a:fillRef idx="1">
+            <a:schemeClr val="accent1"/>
+          </a:fillRef>
+          <a:effectRef idx="0">
+            <a:schemeClr val="accent1"/>
+          </a:effectRef>
+          <a:fontRef idx="minor">
+            <a:schemeClr val="lt1"/>
+          </a:fontRef>
+        </p:style>
+        <p:txBody>
+          <a:bodyPr rtlCol="0" anchor="ctr"/>
+          <a:lstStyle/>
+          <a:p>
+            <a:r>
+              <a:rPr lang="en-PH" b="1" dirty="0">
+                <a:solidFill>
+                  <a:srgbClr val="0B4555"/>
+                </a:solidFill>
+              </a:rPr>
+              <a:t>Sales</a:t>
+            </a:r>
+          </a:p>
+        </p:txBody>
+      </p:sp>
+      <p:sp>
+        <p:nvSpPr>
+          <p:cNvPr id="23" name="Rounded Rectangle 22"/>
+          <p:cNvSpPr/>
+          <p:nvPr/>
+        </p:nvSpPr>
+        <p:spPr>
+          <a:xfrm>
+            <a:off x="5533848" y="3909480"/>
+            <a:ext cx="1933087" cy="478302"/>
+          </a:xfrm>
+          <a:prstGeom prst="roundRect">
+            <a:avLst/>
+          </a:prstGeom>
+          <a:solidFill>
+            <a:srgbClr val="FCD4BA"/>
+          </a:solidFill>
+          <a:ln>
+            <a:solidFill>
+              <a:srgbClr val="71B8C7"/>
+            </a:solidFill>
+          </a:ln>
+          <a:scene3d>
+            <a:camera prst="orthographicFront"/>
+            <a:lightRig rig="threePt" dir="t"/>
+          </a:scene3d>
+          <a:sp3d>
+            <a:bevelT/>
+          </a:sp3d>
+        </p:spPr>
+        <p:style>
+          <a:lnRef idx="2">
+            <a:schemeClr val="accent1">
+              <a:shade val="50000"/>
+            </a:schemeClr>
+          </a:lnRef>
+          <a:fillRef idx="1">
+            <a:schemeClr val="accent1"/>
+          </a:fillRef>
+          <a:effectRef idx="0">
+            <a:schemeClr val="accent1"/>
+          </a:effectRef>
+          <a:fontRef idx="minor">
+            <a:schemeClr val="lt1"/>
+          </a:fontRef>
+        </p:style>
+        <p:txBody>
+          <a:bodyPr rtlCol="0" anchor="ctr"/>
+          <a:lstStyle/>
+          <a:p>
+            <a:r>
+              <a:rPr lang="en-PH" b="1" dirty="0">
+                <a:solidFill>
+                  <a:srgbClr val="0B4555"/>
+                </a:solidFill>
+              </a:rPr>
+              <a:t>Products</a:t>
+            </a:r>
+          </a:p>
+        </p:txBody>
+      </p:sp>
+      <p:sp>
+        <p:nvSpPr>
+          <p:cNvPr id="24" name="Rounded Rectangle 23"/>
+          <p:cNvSpPr/>
+          <p:nvPr/>
+        </p:nvSpPr>
+        <p:spPr>
+          <a:xfrm>
+            <a:off x="5533845" y="4539600"/>
+            <a:ext cx="1933087" cy="478302"/>
+          </a:xfrm>
+          <a:prstGeom prst="roundRect">
+            <a:avLst/>
+          </a:prstGeom>
+          <a:solidFill>
+            <a:srgbClr val="FCD4BA"/>
+          </a:solidFill>
+          <a:ln>
+            <a:solidFill>
+              <a:srgbClr val="71B8C7"/>
+            </a:solidFill>
+          </a:ln>
+          <a:scene3d>
+            <a:camera prst="orthographicFront"/>
+            <a:lightRig rig="threePt" dir="t"/>
+          </a:scene3d>
+          <a:sp3d>
+            <a:bevelT/>
+          </a:sp3d>
+        </p:spPr>
+        <p:style>
+          <a:lnRef idx="2">
+            <a:schemeClr val="accent1">
+              <a:shade val="50000"/>
+            </a:schemeClr>
+          </a:lnRef>
+          <a:fillRef idx="1">
+            <a:schemeClr val="accent1"/>
+          </a:fillRef>
+          <a:effectRef idx="0">
+            <a:schemeClr val="accent1"/>
+          </a:effectRef>
+          <a:fontRef idx="minor">
+            <a:schemeClr val="lt1"/>
+          </a:fontRef>
+        </p:style>
+        <p:txBody>
+          <a:bodyPr rtlCol="0" anchor="ctr"/>
+          <a:lstStyle/>
+          <a:p>
+            <a:r>
+              <a:rPr lang="en-PH" b="1" dirty="0">
+                <a:solidFill>
+                  <a:srgbClr val="0B4555"/>
+                </a:solidFill>
+              </a:rPr>
+              <a:t>Graph</a:t>
+            </a:r>
+          </a:p>
+        </p:txBody>
+      </p:sp>
+      <p:pic>
+        <p:nvPicPr>
+          <p:cNvPr id="14" name="Picture 13"/>
+          <p:cNvPicPr>
+            <a:picLocks noChangeAspect="1"/>
+          </p:cNvPicPr>
+          <p:nvPr/>
+        </p:nvPicPr>
+        <p:blipFill>
+          <a:blip r:embed="rId3">
+            <a:extLst>
+              <a:ext uri="{BEBA8EAE-BF5A-486C-A8C5-ECC9F3942E4B}">
+                <a14:imgProps xmlns:a14="http://schemas.microsoft.com/office/drawing/2010/main">
+                  <a14:imgLayer r:embed="rId4">
+                    <a14:imgEffect>
+                      <a14:brightnessContrast bright="20000"/>
+                    </a14:imgEffect>
+                  </a14:imgLayer>
+                </a14:imgProps>
+              </a:ext>
+            </a:extLst>
+          </a:blip>
+          <a:stretch>
+            <a:fillRect/>
+          </a:stretch>
+        </p:blipFill>
+        <p:spPr>
+          <a:xfrm>
+            <a:off x="6970996" y="4658209"/>
+            <a:ext cx="442148" cy="343892"/>
+          </a:xfrm>
+          <a:prstGeom prst="rect">
+            <a:avLst/>
+          </a:prstGeom>
+          <a:effectLst>
+            <a:softEdge rad="25400"/>
+          </a:effectLst>
+        </p:spPr>
+      </p:pic>
+      <p:pic>
+        <p:nvPicPr>
+          <p:cNvPr id="18" name="Picture 17"/>
+          <p:cNvPicPr>
+            <a:picLocks noChangeAspect="1"/>
+          </p:cNvPicPr>
+          <p:nvPr/>
+        </p:nvPicPr>
+        <p:blipFill>
+          <a:blip r:embed="rId5">
+            <a:extLst>
+              <a:ext uri="{BEBA8EAE-BF5A-486C-A8C5-ECC9F3942E4B}">
+                <a14:imgProps xmlns:a14="http://schemas.microsoft.com/office/drawing/2010/main">
+                  <a14:imgLayer r:embed="rId6">
+                    <a14:imgEffect>
+                      <a14:brightnessContrast bright="20000"/>
+                    </a14:imgEffect>
+                  </a14:imgLayer>
+                </a14:imgProps>
+              </a:ext>
+            </a:extLst>
+          </a:blip>
+          <a:stretch>
+            <a:fillRect/>
+          </a:stretch>
+        </p:blipFill>
+        <p:spPr>
+          <a:xfrm>
+            <a:off x="6970996" y="3362441"/>
+            <a:ext cx="442147" cy="341668"/>
+          </a:xfrm>
+          <a:prstGeom prst="rect">
+            <a:avLst/>
+          </a:prstGeom>
+          <a:effectLst>
+            <a:softEdge rad="25400"/>
+          </a:effectLst>
+        </p:spPr>
+      </p:pic>
+      <p:pic>
+        <p:nvPicPr>
+          <p:cNvPr id="26" name="Picture 25"/>
+          <p:cNvPicPr>
+            <a:picLocks noChangeAspect="1"/>
+          </p:cNvPicPr>
+          <p:nvPr/>
+        </p:nvPicPr>
+        <p:blipFill>
+          <a:blip r:embed="rId7">
+            <a:extLst>
+              <a:ext uri="{BEBA8EAE-BF5A-486C-A8C5-ECC9F3942E4B}">
+                <a14:imgProps xmlns:a14="http://schemas.microsoft.com/office/drawing/2010/main">
+                  <a14:imgLayer r:embed="rId8">
+                    <a14:imgEffect>
+                      <a14:brightnessContrast bright="20000"/>
+                    </a14:imgEffect>
+                  </a14:imgLayer>
+                </a14:imgProps>
+              </a:ext>
+            </a:extLst>
+          </a:blip>
+          <a:stretch>
+            <a:fillRect/>
+          </a:stretch>
+        </p:blipFill>
+        <p:spPr>
+          <a:xfrm>
+            <a:off x="6971993" y="3995343"/>
+            <a:ext cx="442147" cy="343892"/>
+          </a:xfrm>
+          <a:prstGeom prst="rect">
+            <a:avLst/>
+          </a:prstGeom>
+          <a:effectLst>
+            <a:softEdge rad="25400"/>
+          </a:effectLst>
+        </p:spPr>
+      </p:pic>
+      <p:sp>
+        <p:nvSpPr>
+          <p:cNvPr id="28" name="Rounded Rectangle 27"/>
+          <p:cNvSpPr/>
+          <p:nvPr/>
+        </p:nvSpPr>
+        <p:spPr>
+          <a:xfrm>
+            <a:off x="5533845" y="5181558"/>
+            <a:ext cx="1933087" cy="478302"/>
+          </a:xfrm>
+          <a:prstGeom prst="roundRect">
+            <a:avLst/>
+          </a:prstGeom>
+          <a:solidFill>
+            <a:srgbClr val="FCD4BA"/>
+          </a:solidFill>
+          <a:ln>
+            <a:solidFill>
+              <a:srgbClr val="71B8C7"/>
+            </a:solidFill>
+          </a:ln>
+          <a:scene3d>
+            <a:camera prst="orthographicFront"/>
+            <a:lightRig rig="threePt" dir="t"/>
+          </a:scene3d>
+          <a:sp3d>
+            <a:bevelT/>
+          </a:sp3d>
+        </p:spPr>
+        <p:style>
+          <a:lnRef idx="2">
+            <a:schemeClr val="accent1">
+              <a:shade val="50000"/>
+            </a:schemeClr>
+          </a:lnRef>
+          <a:fillRef idx="1">
+            <a:schemeClr val="accent1"/>
+          </a:fillRef>
+          <a:effectRef idx="0">
+            <a:schemeClr val="accent1"/>
+          </a:effectRef>
+          <a:fontRef idx="minor">
+            <a:schemeClr val="lt1"/>
+          </a:fontRef>
+        </p:style>
+        <p:txBody>
+          <a:bodyPr rtlCol="0" anchor="ctr"/>
+          <a:lstStyle/>
+          <a:p>
+            <a:r>
+              <a:rPr lang="en-PH" b="1" dirty="0">
+                <a:solidFill>
+                  <a:srgbClr val="0B4555"/>
+                </a:solidFill>
+              </a:rPr>
+              <a:t>Expenses</a:t>
+            </a:r>
+          </a:p>
+        </p:txBody>
+      </p:sp>
+      <p:pic>
+        <p:nvPicPr>
+          <p:cNvPr id="29" name="Picture 28"/>
+          <p:cNvPicPr>
+            <a:picLocks noChangeAspect="1"/>
+          </p:cNvPicPr>
+          <p:nvPr/>
+        </p:nvPicPr>
+        <p:blipFill>
+          <a:blip r:embed="rId9"/>
+          <a:stretch>
+            <a:fillRect/>
+          </a:stretch>
+        </p:blipFill>
+        <p:spPr>
+          <a:xfrm>
+            <a:off x="6970995" y="5240770"/>
+            <a:ext cx="442147" cy="343892"/>
+          </a:xfrm>
+          <a:prstGeom prst="rect">
+            <a:avLst/>
+          </a:prstGeom>
+        </p:spPr>
+      </p:pic>
+      <p:cxnSp>
+        <p:nvCxnSpPr>
+          <p:cNvPr id="30" name="Straight Connector 29"/>
+          <p:cNvCxnSpPr/>
+          <p:nvPr/>
+        </p:nvCxnSpPr>
+        <p:spPr>
+          <a:xfrm>
+            <a:off x="5123692" y="5934015"/>
+            <a:ext cx="2753391" cy="6232"/>
+          </a:xfrm>
+          <a:prstGeom prst="line">
+            <a:avLst/>
+          </a:prstGeom>
+          <a:ln>
+            <a:solidFill>
+              <a:srgbClr val="C2F3FD"/>
+            </a:solidFill>
+          </a:ln>
+        </p:spPr>
+        <p:style>
+          <a:lnRef idx="1">
+            <a:schemeClr val="accent1"/>
+          </a:lnRef>
+          <a:fillRef idx="0">
+            <a:schemeClr val="accent1"/>
+          </a:fillRef>
+          <a:effectRef idx="0">
+            <a:schemeClr val="accent1"/>
+          </a:effectRef>
+          <a:fontRef idx="minor">
+            <a:schemeClr val="tx1"/>
+          </a:fontRef>
+        </p:style>
+      </p:cxnSp>
+      <p:sp>
+        <p:nvSpPr>
+          <p:cNvPr id="32" name="TextBox 31"/>
+          <p:cNvSpPr txBox="1"/>
+          <p:nvPr/>
+        </p:nvSpPr>
+        <p:spPr>
+          <a:xfrm>
+            <a:off x="6059368" y="6019452"/>
+            <a:ext cx="939057" cy="369332"/>
+          </a:xfrm>
+          <a:prstGeom prst="rect">
+            <a:avLst/>
+          </a:prstGeom>
+          <a:noFill/>
+        </p:spPr>
+        <p:txBody>
+          <a:bodyPr wrap="square" rtlCol="0">
+            <a:spAutoFit/>
+          </a:bodyPr>
+          <a:lstStyle/>
+          <a:p>
+            <a:r>
+              <a:rPr lang="en-PH" u="sng" dirty="0">
+                <a:solidFill>
+                  <a:srgbClr val="C2F3FD"/>
+                </a:solidFill>
+              </a:rPr>
+              <a:t>Logout</a:t>
+            </a:r>
+          </a:p>
+        </p:txBody>
+      </p:sp>
+      <p:sp>
+        <p:nvSpPr>
+          <p:cNvPr id="36" name="TextBox 35"/>
+          <p:cNvSpPr txBox="1"/>
+          <p:nvPr/>
+        </p:nvSpPr>
+        <p:spPr>
+          <a:xfrm>
+            <a:off x="9494151" y="1324499"/>
+            <a:ext cx="2446326" cy="461665"/>
+          </a:xfrm>
+          <a:prstGeom prst="rect">
+            <a:avLst/>
+          </a:prstGeom>
+          <a:noFill/>
+        </p:spPr>
+        <p:txBody>
+          <a:bodyPr wrap="square" rtlCol="0">
+            <a:spAutoFit/>
+          </a:bodyPr>
+          <a:lstStyle/>
+          <a:p>
+            <a:r>
+              <a:rPr lang="en-PH" sz="2400" dirty="0"/>
+              <a:t>MAIN ACTIVITY</a:t>
+            </a:r>
+          </a:p>
+        </p:txBody>
+      </p:sp>
+      <p:sp>
+        <p:nvSpPr>
+          <p:cNvPr id="3" name="Oval 2"/>
+          <p:cNvSpPr/>
+          <p:nvPr/>
+        </p:nvSpPr>
+        <p:spPr>
+          <a:xfrm>
+            <a:off x="5138134" y="4948023"/>
+            <a:ext cx="2635540" cy="944242"/>
+          </a:xfrm>
+          <a:prstGeom prst="ellipse">
+            <a:avLst/>
+          </a:prstGeom>
+          <a:noFill/>
+          <a:ln>
+            <a:solidFill>
+              <a:srgbClr val="FF0000"/>
+            </a:solidFill>
+          </a:ln>
+        </p:spPr>
+        <p:style>
+          <a:lnRef idx="2">
+            <a:schemeClr val="accent1">
+              <a:shade val="50000"/>
+            </a:schemeClr>
+          </a:lnRef>
+          <a:fillRef idx="1">
+            <a:schemeClr val="accent1"/>
+          </a:fillRef>
+          <a:effectRef idx="0">
+            <a:schemeClr val="accent1"/>
+          </a:effectRef>
+          <a:fontRef idx="minor">
+            <a:schemeClr val="lt1"/>
+          </a:fontRef>
+        </p:style>
+        <p:txBody>
+          <a:bodyPr rtlCol="0" anchor="ctr"/>
+          <a:lstStyle/>
+          <a:p>
+            <a:pPr algn="ctr"/>
+            <a:endParaRPr lang="en-PH"/>
+          </a:p>
+        </p:txBody>
+      </p:sp>
+    </p:spTree>
+    <p:extLst>
+      <p:ext uri="{BB962C8B-B14F-4D97-AF65-F5344CB8AC3E}">
+        <p14:creationId xmlns:p14="http://schemas.microsoft.com/office/powerpoint/2010/main" val="698287339"/>
+      </p:ext>
+    </p:extLst>
+  </p:cSld>
+  <p:clrMapOvr>
+    <a:masterClrMapping/>
+  </p:clrMapOvr>
+  <mc:AlternateContent xmlns:mc="http://schemas.openxmlformats.org/markup-compatibility/2006" xmlns:p14="http://schemas.microsoft.com/office/powerpoint/2010/main">
+    <mc:Choice Requires="p14">
+      <p:transition spd="slow" p14:dur="1600">
+        <p14:prism isInverted="1"/>
+      </p:transition>
+    </mc:Choice>
+    <mc:Fallback xmlns="">
+      <p:transition spd="slow">
+        <p:fade/>
+      </p:transition>
+    </mc:Fallback>
+  </mc:AlternateContent>
+</p:sld>
+</file>
+
+<file path=ppt/slides/slide16.xml><?xml version="1.0" encoding="utf-8"?>
 <p:sld xmlns:a="http://schemas.openxmlformats.org/drawingml/2006/main" xmlns:r="http://schemas.openxmlformats.org/officeDocument/2006/relationships" xmlns:p="http://schemas.openxmlformats.org/presentationml/2006/main">
   <p:cSld>
     <p:bg>
@@ -7323,7 +10659,7 @@
           <a:p>
             <a:r>
               <a:rPr lang="en-PH" sz="2400" dirty="0"/>
-              <a:t>LIST OF SALES PAGE</a:t>
+              <a:t>EXPENSE PAGE</a:t>
             </a:r>
           </a:p>
         </p:txBody>
@@ -7396,8 +10732,8 @@
         </p:nvCxnSpPr>
         <p:spPr>
           <a:xfrm>
-            <a:off x="4833938" y="2295525"/>
-            <a:ext cx="3395662" cy="0"/>
+            <a:off x="4814886" y="2295525"/>
+            <a:ext cx="3420000" cy="0"/>
           </a:xfrm>
           <a:prstGeom prst="line">
             <a:avLst/>
@@ -7425,14 +10761,14 @@
       </p:cxnSp>
       <p:sp>
         <p:nvSpPr>
-          <p:cNvPr id="10" name="TextBox 9"/>
+          <p:cNvPr id="31" name="TextBox 30"/>
           <p:cNvSpPr txBox="1"/>
           <p:nvPr/>
         </p:nvSpPr>
         <p:spPr>
           <a:xfrm>
-            <a:off x="4791695" y="2295525"/>
-            <a:ext cx="1708165" cy="369332"/>
+            <a:off x="4791071" y="2295524"/>
+            <a:ext cx="3466800" cy="369332"/>
           </a:xfrm>
           <a:prstGeom prst="rect">
             <a:avLst/>
@@ -7457,26 +10793,28 @@
                   <a:srgbClr val="FDE4D3"/>
                 </a:solidFill>
               </a:rPr>
-              <a:t>INPUT SALES</a:t>
-            </a:r>
-          </a:p>
-        </p:txBody>
-      </p:sp>
-      <p:sp>
-        <p:nvSpPr>
-          <p:cNvPr id="31" name="TextBox 30"/>
+              <a:t>EXPENSES</a:t>
+            </a:r>
+          </a:p>
+        </p:txBody>
+      </p:sp>
+      <p:sp>
+        <p:nvSpPr>
+          <p:cNvPr id="38" name="TextBox 37"/>
           <p:cNvSpPr txBox="1"/>
           <p:nvPr/>
         </p:nvSpPr>
         <p:spPr>
           <a:xfrm>
-            <a:off x="6514148" y="2295524"/>
-            <a:ext cx="1723029" cy="369332"/>
-          </a:xfrm>
-          <a:prstGeom prst="rect">
-            <a:avLst/>
-          </a:prstGeom>
-          <a:noFill/>
+            <a:off x="5645777" y="3426278"/>
+            <a:ext cx="2273300" cy="338554"/>
+          </a:xfrm>
+          <a:prstGeom prst="rect">
+            <a:avLst/>
+          </a:prstGeom>
+          <a:solidFill>
+            <a:srgbClr val="FEF6F0"/>
+          </a:solidFill>
           <a:ln>
             <a:solidFill>
               <a:srgbClr val="C2F3FD"/>
@@ -7489,69 +10827,42 @@
           </a:bodyPr>
           <a:lstStyle/>
           <a:p>
-            <a:pPr algn="ctr"/>
-            <a:r>
-              <a:rPr lang="en-PH" dirty="0">
-                <a:solidFill>
-                  <a:srgbClr val="FDE4D3"/>
+            <a:r>
+              <a:rPr lang="en-PH" sz="1600" dirty="0">
+                <a:solidFill>
+                  <a:schemeClr val="bg2">
+                    <a:lumMod val="75000"/>
+                  </a:schemeClr>
                 </a:solidFill>
               </a:rPr>
-              <a:t>LIST OF SALES</a:t>
-            </a:r>
-          </a:p>
-        </p:txBody>
-      </p:sp>
-      <p:cxnSp>
-        <p:nvCxnSpPr>
-          <p:cNvPr id="34" name="Straight Connector 33"/>
-          <p:cNvCxnSpPr/>
-          <p:nvPr/>
-        </p:nvCxnSpPr>
-        <p:spPr>
-          <a:xfrm flipV="1">
-            <a:off x="6557963" y="2664856"/>
-            <a:ext cx="1665922" cy="1905"/>
-          </a:xfrm>
-          <a:prstGeom prst="line">
-            <a:avLst/>
-          </a:prstGeom>
-          <a:ln w="57150">
+              <a:t>Name of expense</a:t>
+            </a:r>
+          </a:p>
+        </p:txBody>
+      </p:sp>
+      <p:sp>
+        <p:nvSpPr>
+          <p:cNvPr id="39" name="TextBox 38"/>
+          <p:cNvSpPr txBox="1"/>
+          <p:nvPr/>
+        </p:nvSpPr>
+        <p:spPr>
+          <a:xfrm>
+            <a:off x="5645777" y="3948046"/>
+            <a:ext cx="2273300" cy="338554"/>
+          </a:xfrm>
+          <a:prstGeom prst="rect">
+            <a:avLst/>
+          </a:prstGeom>
+          <a:solidFill>
+            <a:srgbClr val="FEF6F0"/>
+          </a:solidFill>
+          <a:ln>
             <a:solidFill>
               <a:srgbClr val="C2F3FD"/>
             </a:solidFill>
           </a:ln>
         </p:spPr>
-        <p:style>
-          <a:lnRef idx="1">
-            <a:schemeClr val="accent1"/>
-          </a:lnRef>
-          <a:fillRef idx="0">
-            <a:schemeClr val="accent1"/>
-          </a:fillRef>
-          <a:effectRef idx="0">
-            <a:schemeClr val="accent1"/>
-          </a:effectRef>
-          <a:fontRef idx="minor">
-            <a:schemeClr val="tx1"/>
-          </a:fontRef>
-        </p:style>
-      </p:cxnSp>
-      <p:sp>
-        <p:nvSpPr>
-          <p:cNvPr id="3" name="TextBox 2"/>
-          <p:cNvSpPr txBox="1"/>
-          <p:nvPr/>
-        </p:nvSpPr>
-        <p:spPr>
-          <a:xfrm>
-            <a:off x="5277025" y="2876550"/>
-            <a:ext cx="2381075" cy="338554"/>
-          </a:xfrm>
-          <a:prstGeom prst="rect">
-            <a:avLst/>
-          </a:prstGeom>
-          <a:noFill/>
-        </p:spPr>
         <p:txBody>
           <a:bodyPr wrap="square" rtlCol="0">
             <a:spAutoFit/>
@@ -7559,658 +10870,86 @@
           <a:lstStyle/>
           <a:p>
             <a:r>
-              <a:rPr lang="en-PH" sz="1600" u="sng" dirty="0">
-                <a:solidFill>
-                  <a:schemeClr val="bg1"/>
-                </a:solidFill>
-                <a:latin typeface="Arial" panose="020B0604020202020204" pitchFamily="34" charset="0"/>
-                <a:cs typeface="Arial" panose="020B0604020202020204" pitchFamily="34" charset="0"/>
+              <a:rPr lang="en-PH" sz="1600" dirty="0">
+                <a:solidFill>
+                  <a:schemeClr val="bg2">
+                    <a:lumMod val="75000"/>
+                  </a:schemeClr>
+                </a:solidFill>
               </a:rPr>
-              <a:t>October 21, 1965</a:t>
-            </a:r>
-          </a:p>
-        </p:txBody>
-      </p:sp>
-      <p:sp>
-        <p:nvSpPr>
-          <p:cNvPr id="23" name="TextBox 22"/>
-          <p:cNvSpPr txBox="1"/>
-          <p:nvPr/>
-        </p:nvSpPr>
-        <p:spPr>
-          <a:xfrm>
-            <a:off x="5277024" y="3331786"/>
-            <a:ext cx="2381075" cy="338554"/>
-          </a:xfrm>
-          <a:prstGeom prst="rect">
-            <a:avLst/>
-          </a:prstGeom>
-          <a:noFill/>
-        </p:spPr>
-        <p:txBody>
-          <a:bodyPr wrap="square" rtlCol="0">
-            <a:spAutoFit/>
-          </a:bodyPr>
-          <a:lstStyle/>
-          <a:p>
-            <a:r>
-              <a:rPr lang="en-PH" sz="1600" u="sng" dirty="0">
-                <a:solidFill>
-                  <a:schemeClr val="bg1"/>
-                </a:solidFill>
-                <a:latin typeface="Arial" panose="020B0604020202020204" pitchFamily="34" charset="0"/>
-                <a:cs typeface="Arial" panose="020B0604020202020204" pitchFamily="34" charset="0"/>
-              </a:rPr>
-              <a:t>March 5, 1967</a:t>
-            </a:r>
-          </a:p>
-        </p:txBody>
-      </p:sp>
-      <p:sp>
-        <p:nvSpPr>
-          <p:cNvPr id="24" name="TextBox 23"/>
-          <p:cNvSpPr txBox="1"/>
-          <p:nvPr/>
-        </p:nvSpPr>
-        <p:spPr>
-          <a:xfrm>
-            <a:off x="5277023" y="3787022"/>
-            <a:ext cx="2381075" cy="338554"/>
-          </a:xfrm>
-          <a:prstGeom prst="rect">
-            <a:avLst/>
-          </a:prstGeom>
-          <a:noFill/>
-        </p:spPr>
-        <p:txBody>
-          <a:bodyPr wrap="square" rtlCol="0">
-            <a:spAutoFit/>
-          </a:bodyPr>
-          <a:lstStyle/>
-          <a:p>
-            <a:r>
-              <a:rPr lang="en-PH" sz="1600" u="sng" dirty="0">
-                <a:solidFill>
-                  <a:schemeClr val="bg1"/>
-                </a:solidFill>
-                <a:latin typeface="Arial" panose="020B0604020202020204" pitchFamily="34" charset="0"/>
-                <a:cs typeface="Arial" panose="020B0604020202020204" pitchFamily="34" charset="0"/>
-              </a:rPr>
-              <a:t>March 20, 1999</a:t>
-            </a:r>
-          </a:p>
-        </p:txBody>
-      </p:sp>
-      <p:sp>
-        <p:nvSpPr>
-          <p:cNvPr id="25" name="TextBox 24"/>
-          <p:cNvSpPr txBox="1"/>
-          <p:nvPr/>
-        </p:nvSpPr>
-        <p:spPr>
-          <a:xfrm>
-            <a:off x="5277021" y="4695026"/>
-            <a:ext cx="2381075" cy="338554"/>
-          </a:xfrm>
-          <a:prstGeom prst="rect">
-            <a:avLst/>
-          </a:prstGeom>
-          <a:noFill/>
-        </p:spPr>
-        <p:txBody>
-          <a:bodyPr wrap="square" rtlCol="0">
-            <a:spAutoFit/>
-          </a:bodyPr>
-          <a:lstStyle/>
-          <a:p>
-            <a:r>
-              <a:rPr lang="en-PH" sz="1600" u="sng" dirty="0">
-                <a:solidFill>
-                  <a:schemeClr val="bg1"/>
-                </a:solidFill>
-                <a:latin typeface="Arial" panose="020B0604020202020204" pitchFamily="34" charset="0"/>
-                <a:cs typeface="Arial" panose="020B0604020202020204" pitchFamily="34" charset="0"/>
-              </a:rPr>
-              <a:t>October 20, 1997</a:t>
-            </a:r>
-          </a:p>
-        </p:txBody>
-      </p:sp>
-      <p:sp>
-        <p:nvSpPr>
-          <p:cNvPr id="26" name="TextBox 25"/>
-          <p:cNvSpPr txBox="1"/>
-          <p:nvPr/>
-        </p:nvSpPr>
-        <p:spPr>
-          <a:xfrm>
-            <a:off x="5277022" y="4241024"/>
-            <a:ext cx="2381075" cy="338554"/>
-          </a:xfrm>
-          <a:prstGeom prst="rect">
-            <a:avLst/>
-          </a:prstGeom>
-          <a:noFill/>
-        </p:spPr>
-        <p:txBody>
-          <a:bodyPr wrap="square" rtlCol="0">
-            <a:spAutoFit/>
-          </a:bodyPr>
-          <a:lstStyle/>
-          <a:p>
-            <a:r>
-              <a:rPr lang="en-PH" sz="1600" u="sng" dirty="0">
-                <a:solidFill>
-                  <a:schemeClr val="bg1"/>
-                </a:solidFill>
-                <a:latin typeface="Arial" panose="020B0604020202020204" pitchFamily="34" charset="0"/>
-                <a:cs typeface="Arial" panose="020B0604020202020204" pitchFamily="34" charset="0"/>
-              </a:rPr>
-              <a:t>December 2, 1997</a:t>
-            </a:r>
-          </a:p>
-        </p:txBody>
-      </p:sp>
-      <p:sp>
-        <p:nvSpPr>
-          <p:cNvPr id="27" name="TextBox 26"/>
-          <p:cNvSpPr txBox="1"/>
-          <p:nvPr/>
-        </p:nvSpPr>
-        <p:spPr>
-          <a:xfrm>
-            <a:off x="5277020" y="5145015"/>
-            <a:ext cx="2381075" cy="338554"/>
-          </a:xfrm>
-          <a:prstGeom prst="rect">
-            <a:avLst/>
-          </a:prstGeom>
-          <a:noFill/>
-        </p:spPr>
-        <p:txBody>
-          <a:bodyPr wrap="square" rtlCol="0">
-            <a:spAutoFit/>
-          </a:bodyPr>
-          <a:lstStyle/>
-          <a:p>
-            <a:r>
-              <a:rPr lang="en-PH" sz="1600" u="sng" dirty="0">
-                <a:solidFill>
-                  <a:schemeClr val="bg1"/>
-                </a:solidFill>
-                <a:latin typeface="Arial" panose="020B0604020202020204" pitchFamily="34" charset="0"/>
-                <a:cs typeface="Arial" panose="020B0604020202020204" pitchFamily="34" charset="0"/>
-              </a:rPr>
-              <a:t>December 1, 1997</a:t>
-            </a:r>
-          </a:p>
-        </p:txBody>
-      </p:sp>
-      <p:sp>
-        <p:nvSpPr>
-          <p:cNvPr id="28" name="TextBox 27"/>
-          <p:cNvSpPr txBox="1"/>
-          <p:nvPr/>
-        </p:nvSpPr>
-        <p:spPr>
-          <a:xfrm>
-            <a:off x="5277019" y="5603030"/>
-            <a:ext cx="2381075" cy="338554"/>
-          </a:xfrm>
-          <a:prstGeom prst="rect">
-            <a:avLst/>
-          </a:prstGeom>
-          <a:noFill/>
-        </p:spPr>
-        <p:txBody>
-          <a:bodyPr wrap="square" rtlCol="0">
-            <a:spAutoFit/>
-          </a:bodyPr>
-          <a:lstStyle/>
-          <a:p>
-            <a:r>
-              <a:rPr lang="en-PH" sz="1600" u="sng" dirty="0">
-                <a:solidFill>
-                  <a:schemeClr val="bg1"/>
-                </a:solidFill>
-                <a:latin typeface="Arial" panose="020B0604020202020204" pitchFamily="34" charset="0"/>
-                <a:cs typeface="Arial" panose="020B0604020202020204" pitchFamily="34" charset="0"/>
-              </a:rPr>
-              <a:t>March 26, 1997</a:t>
-            </a:r>
-          </a:p>
-        </p:txBody>
-      </p:sp>
-      <p:sp>
-        <p:nvSpPr>
-          <p:cNvPr id="29" name="TextBox 28"/>
-          <p:cNvSpPr txBox="1"/>
-          <p:nvPr/>
-        </p:nvSpPr>
-        <p:spPr>
-          <a:xfrm>
-            <a:off x="4830486" y="2867444"/>
-            <a:ext cx="379690" cy="338554"/>
-          </a:xfrm>
-          <a:prstGeom prst="rect">
-            <a:avLst/>
-          </a:prstGeom>
-          <a:noFill/>
-        </p:spPr>
-        <p:txBody>
-          <a:bodyPr wrap="square" rtlCol="0">
-            <a:spAutoFit/>
-          </a:bodyPr>
-          <a:lstStyle/>
-          <a:p>
-            <a:r>
-              <a:rPr lang="en-PH" sz="1600" dirty="0">
-                <a:solidFill>
-                  <a:schemeClr val="bg1"/>
-                </a:solidFill>
-                <a:latin typeface="Arial" panose="020B0604020202020204" pitchFamily="34" charset="0"/>
-                <a:cs typeface="Arial" panose="020B0604020202020204" pitchFamily="34" charset="0"/>
-              </a:rPr>
-              <a:t>1. </a:t>
-            </a:r>
-          </a:p>
-        </p:txBody>
-      </p:sp>
-      <p:sp>
-        <p:nvSpPr>
-          <p:cNvPr id="30" name="TextBox 29"/>
-          <p:cNvSpPr txBox="1"/>
-          <p:nvPr/>
-        </p:nvSpPr>
-        <p:spPr>
-          <a:xfrm>
-            <a:off x="4837371" y="3331786"/>
-            <a:ext cx="379690" cy="338554"/>
-          </a:xfrm>
-          <a:prstGeom prst="rect">
-            <a:avLst/>
-          </a:prstGeom>
-          <a:noFill/>
-        </p:spPr>
-        <p:txBody>
-          <a:bodyPr wrap="square" rtlCol="0">
-            <a:spAutoFit/>
-          </a:bodyPr>
-          <a:lstStyle/>
-          <a:p>
-            <a:r>
-              <a:rPr lang="en-PH" sz="1600" dirty="0">
-                <a:solidFill>
-                  <a:schemeClr val="bg1"/>
-                </a:solidFill>
-                <a:latin typeface="Arial" panose="020B0604020202020204" pitchFamily="34" charset="0"/>
-                <a:cs typeface="Arial" panose="020B0604020202020204" pitchFamily="34" charset="0"/>
-              </a:rPr>
-              <a:t>2.</a:t>
-            </a:r>
-          </a:p>
-        </p:txBody>
-      </p:sp>
-      <p:sp>
-        <p:nvSpPr>
-          <p:cNvPr id="32" name="TextBox 31"/>
-          <p:cNvSpPr txBox="1"/>
-          <p:nvPr/>
-        </p:nvSpPr>
-        <p:spPr>
-          <a:xfrm>
-            <a:off x="4839602" y="3796393"/>
-            <a:ext cx="379690" cy="338554"/>
-          </a:xfrm>
-          <a:prstGeom prst="rect">
-            <a:avLst/>
-          </a:prstGeom>
-          <a:noFill/>
-        </p:spPr>
-        <p:txBody>
-          <a:bodyPr wrap="square" rtlCol="0">
-            <a:spAutoFit/>
-          </a:bodyPr>
-          <a:lstStyle/>
-          <a:p>
-            <a:r>
-              <a:rPr lang="en-PH" sz="1600" dirty="0">
-                <a:solidFill>
-                  <a:schemeClr val="bg1"/>
-                </a:solidFill>
-                <a:latin typeface="Arial" panose="020B0604020202020204" pitchFamily="34" charset="0"/>
-                <a:cs typeface="Arial" panose="020B0604020202020204" pitchFamily="34" charset="0"/>
-              </a:rPr>
-              <a:t>3. </a:t>
-            </a:r>
-          </a:p>
-        </p:txBody>
-      </p:sp>
-      <p:sp>
-        <p:nvSpPr>
-          <p:cNvPr id="33" name="TextBox 32"/>
-          <p:cNvSpPr txBox="1"/>
-          <p:nvPr/>
-        </p:nvSpPr>
-        <p:spPr>
-          <a:xfrm>
-            <a:off x="4837371" y="4241024"/>
-            <a:ext cx="379690" cy="338554"/>
-          </a:xfrm>
-          <a:prstGeom prst="rect">
-            <a:avLst/>
-          </a:prstGeom>
-          <a:noFill/>
-        </p:spPr>
-        <p:txBody>
-          <a:bodyPr wrap="square" rtlCol="0">
-            <a:spAutoFit/>
-          </a:bodyPr>
-          <a:lstStyle/>
-          <a:p>
-            <a:r>
-              <a:rPr lang="en-PH" sz="1600" dirty="0">
-                <a:solidFill>
-                  <a:schemeClr val="bg1"/>
-                </a:solidFill>
-                <a:latin typeface="Arial" panose="020B0604020202020204" pitchFamily="34" charset="0"/>
-                <a:cs typeface="Arial" panose="020B0604020202020204" pitchFamily="34" charset="0"/>
-              </a:rPr>
-              <a:t>4. </a:t>
-            </a:r>
-          </a:p>
-        </p:txBody>
-      </p:sp>
-      <p:sp>
-        <p:nvSpPr>
-          <p:cNvPr id="35" name="TextBox 34"/>
-          <p:cNvSpPr txBox="1"/>
-          <p:nvPr/>
-        </p:nvSpPr>
-        <p:spPr>
-          <a:xfrm>
-            <a:off x="4837371" y="4695026"/>
-            <a:ext cx="379690" cy="338554"/>
-          </a:xfrm>
-          <a:prstGeom prst="rect">
-            <a:avLst/>
-          </a:prstGeom>
-          <a:noFill/>
-        </p:spPr>
-        <p:txBody>
-          <a:bodyPr wrap="square" rtlCol="0">
-            <a:spAutoFit/>
-          </a:bodyPr>
-          <a:lstStyle/>
-          <a:p>
-            <a:r>
-              <a:rPr lang="en-PH" sz="1600" dirty="0">
-                <a:solidFill>
-                  <a:schemeClr val="bg1"/>
-                </a:solidFill>
-                <a:latin typeface="Arial" panose="020B0604020202020204" pitchFamily="34" charset="0"/>
-                <a:cs typeface="Arial" panose="020B0604020202020204" pitchFamily="34" charset="0"/>
-              </a:rPr>
-              <a:t>5. </a:t>
-            </a:r>
-          </a:p>
-        </p:txBody>
-      </p:sp>
-      <p:sp>
-        <p:nvSpPr>
-          <p:cNvPr id="37" name="TextBox 36"/>
-          <p:cNvSpPr txBox="1"/>
-          <p:nvPr/>
-        </p:nvSpPr>
-        <p:spPr>
-          <a:xfrm>
-            <a:off x="4837371" y="5145015"/>
-            <a:ext cx="379690" cy="338554"/>
-          </a:xfrm>
-          <a:prstGeom prst="rect">
-            <a:avLst/>
-          </a:prstGeom>
-          <a:noFill/>
-        </p:spPr>
-        <p:txBody>
-          <a:bodyPr wrap="square" rtlCol="0">
-            <a:spAutoFit/>
-          </a:bodyPr>
-          <a:lstStyle/>
-          <a:p>
-            <a:r>
-              <a:rPr lang="en-PH" sz="1600" dirty="0">
-                <a:solidFill>
-                  <a:schemeClr val="bg1"/>
-                </a:solidFill>
-                <a:latin typeface="Arial" panose="020B0604020202020204" pitchFamily="34" charset="0"/>
-                <a:cs typeface="Arial" panose="020B0604020202020204" pitchFamily="34" charset="0"/>
-              </a:rPr>
-              <a:t>6. </a:t>
-            </a:r>
-          </a:p>
-        </p:txBody>
-      </p:sp>
-      <p:sp>
-        <p:nvSpPr>
-          <p:cNvPr id="44" name="TextBox 43"/>
-          <p:cNvSpPr txBox="1"/>
-          <p:nvPr/>
-        </p:nvSpPr>
-        <p:spPr>
-          <a:xfrm>
-            <a:off x="4837371" y="5603030"/>
-            <a:ext cx="379690" cy="338554"/>
-          </a:xfrm>
-          <a:prstGeom prst="rect">
-            <a:avLst/>
-          </a:prstGeom>
-          <a:noFill/>
-        </p:spPr>
-        <p:txBody>
-          <a:bodyPr wrap="square" rtlCol="0">
-            <a:spAutoFit/>
-          </a:bodyPr>
-          <a:lstStyle/>
-          <a:p>
-            <a:r>
-              <a:rPr lang="en-PH" sz="1600" dirty="0">
-                <a:solidFill>
-                  <a:schemeClr val="bg1"/>
-                </a:solidFill>
-                <a:latin typeface="Arial" panose="020B0604020202020204" pitchFamily="34" charset="0"/>
-                <a:cs typeface="Arial" panose="020B0604020202020204" pitchFamily="34" charset="0"/>
-              </a:rPr>
-              <a:t>7. </a:t>
-            </a:r>
-          </a:p>
-        </p:txBody>
-      </p:sp>
-      <p:sp>
-        <p:nvSpPr>
-          <p:cNvPr id="48" name="TextBox 47"/>
-          <p:cNvSpPr txBox="1"/>
-          <p:nvPr/>
-        </p:nvSpPr>
-        <p:spPr>
-          <a:xfrm>
-            <a:off x="5277019" y="6055487"/>
-            <a:ext cx="2381075" cy="338554"/>
-          </a:xfrm>
-          <a:prstGeom prst="rect">
-            <a:avLst/>
-          </a:prstGeom>
-          <a:noFill/>
-        </p:spPr>
-        <p:txBody>
-          <a:bodyPr wrap="square" rtlCol="0">
-            <a:spAutoFit/>
-          </a:bodyPr>
-          <a:lstStyle/>
-          <a:p>
-            <a:r>
-              <a:rPr lang="en-PH" sz="1600" u="sng" dirty="0">
-                <a:solidFill>
-                  <a:schemeClr val="bg1"/>
-                </a:solidFill>
-                <a:latin typeface="Arial" panose="020B0604020202020204" pitchFamily="34" charset="0"/>
-                <a:cs typeface="Arial" panose="020B0604020202020204" pitchFamily="34" charset="0"/>
-              </a:rPr>
-              <a:t>March 10, 2090</a:t>
-            </a:r>
-          </a:p>
-        </p:txBody>
-      </p:sp>
-      <p:sp>
-        <p:nvSpPr>
-          <p:cNvPr id="49" name="TextBox 48"/>
-          <p:cNvSpPr txBox="1"/>
-          <p:nvPr/>
-        </p:nvSpPr>
-        <p:spPr>
-          <a:xfrm>
-            <a:off x="4837371" y="6055487"/>
-            <a:ext cx="379690" cy="338554"/>
-          </a:xfrm>
-          <a:prstGeom prst="rect">
-            <a:avLst/>
-          </a:prstGeom>
-          <a:noFill/>
-        </p:spPr>
-        <p:txBody>
-          <a:bodyPr wrap="square" rtlCol="0">
-            <a:spAutoFit/>
-          </a:bodyPr>
-          <a:lstStyle/>
-          <a:p>
-            <a:r>
-              <a:rPr lang="en-PH" sz="1600" dirty="0">
-                <a:solidFill>
-                  <a:schemeClr val="bg1"/>
-                </a:solidFill>
-                <a:latin typeface="Arial" panose="020B0604020202020204" pitchFamily="34" charset="0"/>
-                <a:cs typeface="Arial" panose="020B0604020202020204" pitchFamily="34" charset="0"/>
-              </a:rPr>
-              <a:t>8 </a:t>
+              <a:t>How much?</a:t>
             </a:r>
           </a:p>
         </p:txBody>
       </p:sp>
       <p:pic>
         <p:nvPicPr>
-          <p:cNvPr id="4" name="Picture 3"/>
+          <p:cNvPr id="28" name="Picture 27"/>
           <p:cNvPicPr>
             <a:picLocks noChangeAspect="1"/>
           </p:cNvPicPr>
           <p:nvPr/>
         </p:nvPicPr>
         <p:blipFill>
-          <a:blip r:embed="rId4"/>
+          <a:blip r:embed="rId4">
+            <a:extLst>
+              <a:ext uri="{BEBA8EAE-BF5A-486C-A8C5-ECC9F3942E4B}">
+                <a14:imgProps xmlns:a14="http://schemas.microsoft.com/office/drawing/2010/main">
+                  <a14:imgLayer r:embed="rId5">
+                    <a14:imgEffect>
+                      <a14:brightnessContrast bright="40000" contrast="-40000"/>
+                    </a14:imgEffect>
+                  </a14:imgLayer>
+                </a14:imgProps>
+              </a:ext>
+            </a:extLst>
+          </a:blip>
           <a:stretch>
             <a:fillRect/>
           </a:stretch>
         </p:blipFill>
         <p:spPr>
           <a:xfrm>
-            <a:off x="8057322" y="2690575"/>
-            <a:ext cx="195691" cy="3825396"/>
-          </a:xfrm>
-          <a:prstGeom prst="rect">
-            <a:avLst/>
-          </a:prstGeom>
+            <a:off x="5105400" y="3948046"/>
+            <a:ext cx="335718" cy="338554"/>
+          </a:xfrm>
+          <a:prstGeom prst="rect">
+            <a:avLst/>
+          </a:prstGeom>
+          <a:effectLst>
+            <a:softEdge rad="25400"/>
+          </a:effectLst>
         </p:spPr>
       </p:pic>
-    </p:spTree>
-    <p:extLst>
-      <p:ext uri="{BB962C8B-B14F-4D97-AF65-F5344CB8AC3E}">
-        <p14:creationId xmlns:p14="http://schemas.microsoft.com/office/powerpoint/2010/main" val="2261557444"/>
-      </p:ext>
-    </p:extLst>
-  </p:cSld>
-  <p:clrMapOvr>
-    <a:masterClrMapping/>
-  </p:clrMapOvr>
-  <mc:AlternateContent xmlns:mc="http://schemas.openxmlformats.org/markup-compatibility/2006" xmlns:p14="http://schemas.microsoft.com/office/powerpoint/2010/main">
-    <mc:Choice Requires="p14">
-      <p:transition spd="slow" p14:dur="1600">
-        <p14:prism isInverted="1"/>
-      </p:transition>
-    </mc:Choice>
-    <mc:Fallback xmlns="">
-      <p:transition spd="slow">
-        <p:fade/>
-      </p:transition>
-    </mc:Fallback>
-  </mc:AlternateContent>
-</p:sld>
-</file>
-
-<file path=ppt/slides/slide12.xml><?xml version="1.0" encoding="utf-8"?>
-<p:sld xmlns:a="http://schemas.openxmlformats.org/drawingml/2006/main" xmlns:r="http://schemas.openxmlformats.org/officeDocument/2006/relationships" xmlns:p="http://schemas.openxmlformats.org/presentationml/2006/main">
-  <p:cSld>
-    <p:spTree>
-      <p:nvGrpSpPr>
-        <p:cNvPr id="1" name=""/>
-        <p:cNvGrpSpPr/>
-        <p:nvPr/>
-      </p:nvGrpSpPr>
-      <p:grpSpPr>
-        <a:xfrm>
-          <a:off x="0" y="0"/>
-          <a:ext cx="0" cy="0"/>
-          <a:chOff x="0" y="0"/>
-          <a:chExt cx="0" cy="0"/>
-        </a:xfrm>
-      </p:grpSpPr>
-      <p:sp>
-        <p:nvSpPr>
-          <p:cNvPr id="2" name="Title 1"/>
-          <p:cNvSpPr>
-            <a:spLocks noGrp="1"/>
-          </p:cNvSpPr>
-          <p:nvPr>
-            <p:ph type="title"/>
-          </p:nvPr>
-        </p:nvSpPr>
-        <p:spPr>
-          <a:xfrm>
-            <a:off x="1512446" y="140680"/>
-            <a:ext cx="10018713" cy="1223887"/>
-          </a:xfrm>
-        </p:spPr>
-        <p:txBody>
-          <a:bodyPr/>
-          <a:lstStyle/>
-          <a:p>
-            <a:r>
-              <a:rPr lang="en-PH" b="1" dirty="0"/>
-              <a:t>Features (continued)</a:t>
-            </a:r>
-          </a:p>
-        </p:txBody>
-      </p:sp>
-      <p:sp>
-        <p:nvSpPr>
-          <p:cNvPr id="5" name="Rectangle 4"/>
+      <p:sp>
+        <p:nvSpPr>
+          <p:cNvPr id="32" name="Rounded Rectangle 31"/>
           <p:cNvSpPr/>
           <p:nvPr/>
         </p:nvSpPr>
         <p:spPr>
           <a:xfrm>
-            <a:off x="4777407" y="1353127"/>
-            <a:ext cx="3488788" cy="5162844"/>
-          </a:xfrm>
-          <a:prstGeom prst="rect">
+            <a:off x="6710288" y="5652645"/>
+            <a:ext cx="1315333" cy="367121"/>
+          </a:xfrm>
+          <a:prstGeom prst="roundRect">
             <a:avLst/>
           </a:prstGeom>
           <a:solidFill>
-            <a:srgbClr val="1789A9"/>
+            <a:srgbClr val="FCD4BA"/>
           </a:solidFill>
           <a:ln>
             <a:solidFill>
-              <a:srgbClr val="E38C59"/>
+              <a:srgbClr val="71B8C7"/>
             </a:solidFill>
           </a:ln>
+          <a:scene3d>
+            <a:camera prst="orthographicFront"/>
+            <a:lightRig rig="threePt" dir="t"/>
+          </a:scene3d>
+          <a:sp3d>
+            <a:bevelT/>
+          </a:sp3d>
         </p:spPr>
         <p:style>
           <a:lnRef idx="2">
@@ -8233,98 +10972,35 @@
           <a:lstStyle/>
           <a:p>
             <a:pPr algn="ctr"/>
-            <a:endParaRPr lang="en-PH"/>
-          </a:p>
-        </p:txBody>
-      </p:sp>
-      <p:sp>
-        <p:nvSpPr>
-          <p:cNvPr id="7" name="TextBox 6"/>
-          <p:cNvSpPr txBox="1"/>
-          <p:nvPr/>
-        </p:nvSpPr>
-        <p:spPr>
-          <a:xfrm>
-            <a:off x="5284121" y="1816817"/>
-            <a:ext cx="2489552" cy="461665"/>
-          </a:xfrm>
-          <a:prstGeom prst="rect">
-            <a:avLst/>
-          </a:prstGeom>
-          <a:noFill/>
-        </p:spPr>
-        <p:txBody>
-          <a:bodyPr wrap="square" rtlCol="0">
-            <a:spAutoFit/>
-          </a:bodyPr>
-          <a:lstStyle/>
-          <a:p>
-            <a:pPr algn="ctr"/>
-            <a:r>
-              <a:rPr lang="en-PH" sz="2400" b="1" dirty="0">
-                <a:solidFill>
-                  <a:schemeClr val="bg1"/>
-                </a:solidFill>
-                <a:latin typeface="Arial" panose="020B0604020202020204" pitchFamily="34" charset="0"/>
-                <a:cs typeface="Arial" panose="020B0604020202020204" pitchFamily="34" charset="0"/>
+            <a:r>
+              <a:rPr lang="en-PH" b="1" dirty="0">
+                <a:solidFill>
+                  <a:srgbClr val="0B4555"/>
+                </a:solidFill>
               </a:rPr>
-              <a:t>ELOUS STORE</a:t>
-            </a:r>
-          </a:p>
-        </p:txBody>
-      </p:sp>
-      <p:sp>
-        <p:nvSpPr>
-          <p:cNvPr id="8" name="TextBox 7"/>
-          <p:cNvSpPr txBox="1"/>
-          <p:nvPr/>
-        </p:nvSpPr>
-        <p:spPr>
-          <a:xfrm>
-            <a:off x="5385152" y="2551011"/>
-            <a:ext cx="2273300" cy="369332"/>
-          </a:xfrm>
-          <a:prstGeom prst="rect">
-            <a:avLst/>
-          </a:prstGeom>
-          <a:noFill/>
-        </p:spPr>
-        <p:txBody>
-          <a:bodyPr wrap="square" rtlCol="0">
-            <a:spAutoFit/>
-          </a:bodyPr>
-          <a:lstStyle/>
-          <a:p>
-            <a:pPr algn="ctr"/>
-            <a:r>
-              <a:rPr lang="en-PH" dirty="0">
-                <a:solidFill>
-                  <a:schemeClr val="bg1"/>
-                </a:solidFill>
-              </a:rPr>
-              <a:t>Welcome!</a:t>
+              <a:t>Add more</a:t>
             </a:r>
           </a:p>
         </p:txBody>
       </p:sp>
       <p:pic>
         <p:nvPicPr>
-          <p:cNvPr id="9" name="Picture 8"/>
+          <p:cNvPr id="12" name="Picture 11"/>
           <p:cNvPicPr>
             <a:picLocks noChangeAspect="1"/>
           </p:cNvPicPr>
           <p:nvPr/>
         </p:nvPicPr>
         <p:blipFill>
-          <a:blip r:embed="rId2"/>
+          <a:blip r:embed="rId6"/>
           <a:stretch>
             <a:fillRect/>
           </a:stretch>
         </p:blipFill>
         <p:spPr>
           <a:xfrm>
-            <a:off x="9555301" y="362098"/>
-            <a:ext cx="2133600" cy="781050"/>
+            <a:off x="5105400" y="3426279"/>
+            <a:ext cx="335718" cy="338554"/>
           </a:xfrm>
           <a:prstGeom prst="rect">
             <a:avLst/>
@@ -8333,13 +11009,13 @@
       </p:pic>
       <p:cxnSp>
         <p:nvCxnSpPr>
-          <p:cNvPr id="15" name="Straight Connector 14"/>
+          <p:cNvPr id="27" name="Straight Connector 26"/>
           <p:cNvCxnSpPr/>
           <p:nvPr/>
         </p:nvCxnSpPr>
         <p:spPr>
           <a:xfrm>
-            <a:off x="5138134" y="3035300"/>
+            <a:off x="5155073" y="5475183"/>
             <a:ext cx="2753391" cy="6232"/>
           </a:xfrm>
           <a:prstGeom prst="line">
@@ -8368,14 +11044,242 @@
       </p:cxnSp>
       <p:sp>
         <p:nvSpPr>
-          <p:cNvPr id="21" name="Rounded Rectangle 20"/>
+          <p:cNvPr id="29" name="TextBox 28"/>
+          <p:cNvSpPr txBox="1"/>
+          <p:nvPr/>
+        </p:nvSpPr>
+        <p:spPr>
+          <a:xfrm>
+            <a:off x="6062240" y="6019766"/>
+            <a:ext cx="939057" cy="369332"/>
+          </a:xfrm>
+          <a:prstGeom prst="rect">
+            <a:avLst/>
+          </a:prstGeom>
+          <a:noFill/>
+        </p:spPr>
+        <p:txBody>
+          <a:bodyPr wrap="square" rtlCol="0">
+            <a:spAutoFit/>
+          </a:bodyPr>
+          <a:lstStyle/>
+          <a:p>
+            <a:r>
+              <a:rPr lang="en-PH" u="sng" dirty="0">
+                <a:solidFill>
+                  <a:srgbClr val="C2F3FD"/>
+                </a:solidFill>
+              </a:rPr>
+              <a:t>Logout</a:t>
+            </a:r>
+          </a:p>
+        </p:txBody>
+      </p:sp>
+      <p:sp>
+        <p:nvSpPr>
+          <p:cNvPr id="30" name="TextBox 29"/>
+          <p:cNvSpPr txBox="1"/>
+          <p:nvPr/>
+        </p:nvSpPr>
+        <p:spPr>
+          <a:xfrm>
+            <a:off x="1447583" y="3007168"/>
+            <a:ext cx="2895639" cy="1477328"/>
+          </a:xfrm>
+          <a:prstGeom prst="rect">
+            <a:avLst/>
+          </a:prstGeom>
+          <a:noFill/>
+        </p:spPr>
+        <p:txBody>
+          <a:bodyPr wrap="square" rtlCol="0">
+            <a:spAutoFit/>
+          </a:bodyPr>
+          <a:lstStyle/>
+          <a:p>
+            <a:r>
+              <a:rPr lang="en-PH" dirty="0"/>
+              <a:t>After clicking the ‘add expense’ button, the user can now input the name of expense and the value of the expense.</a:t>
+            </a:r>
+          </a:p>
+        </p:txBody>
+      </p:sp>
+      <p:cxnSp>
+        <p:nvCxnSpPr>
+          <p:cNvPr id="33" name="Straight Arrow Connector 32"/>
+          <p:cNvCxnSpPr>
+            <a:stCxn id="30" idx="3"/>
+            <a:endCxn id="12" idx="1"/>
+          </p:cNvCxnSpPr>
+          <p:nvPr/>
+        </p:nvCxnSpPr>
+        <p:spPr>
+          <a:xfrm flipV="1">
+            <a:off x="4343222" y="3595556"/>
+            <a:ext cx="762178" cy="150276"/>
+          </a:xfrm>
+          <a:prstGeom prst="straightConnector1">
+            <a:avLst/>
+          </a:prstGeom>
+          <a:ln w="19050">
+            <a:headEnd type="none" w="med" len="med"/>
+            <a:tailEnd type="arrow" w="med" len="med"/>
+          </a:ln>
+          <a:effectLst>
+            <a:outerShdw blurRad="50800" dist="38100" dir="5400000" algn="t" rotWithShape="0">
+              <a:prstClr val="black">
+                <a:alpha val="40000"/>
+              </a:prstClr>
+            </a:outerShdw>
+          </a:effectLst>
+        </p:spPr>
+        <p:style>
+          <a:lnRef idx="3">
+            <a:schemeClr val="accent4"/>
+          </a:lnRef>
+          <a:fillRef idx="0">
+            <a:schemeClr val="accent4"/>
+          </a:fillRef>
+          <a:effectRef idx="2">
+            <a:schemeClr val="accent4"/>
+          </a:effectRef>
+          <a:fontRef idx="minor">
+            <a:schemeClr val="tx1"/>
+          </a:fontRef>
+        </p:style>
+      </p:cxnSp>
+      <p:cxnSp>
+        <p:nvCxnSpPr>
+          <p:cNvPr id="35" name="Straight Arrow Connector 34"/>
+          <p:cNvCxnSpPr>
+            <a:stCxn id="30" idx="3"/>
+            <a:endCxn id="28" idx="1"/>
+          </p:cNvCxnSpPr>
+          <p:nvPr/>
+        </p:nvCxnSpPr>
+        <p:spPr>
+          <a:xfrm>
+            <a:off x="4343222" y="3745832"/>
+            <a:ext cx="762178" cy="371491"/>
+          </a:xfrm>
+          <a:prstGeom prst="straightConnector1">
+            <a:avLst/>
+          </a:prstGeom>
+          <a:ln w="19050">
+            <a:headEnd type="none" w="med" len="med"/>
+            <a:tailEnd type="arrow" w="med" len="med"/>
+          </a:ln>
+          <a:effectLst>
+            <a:outerShdw blurRad="50800" dist="38100" dir="5400000" algn="t" rotWithShape="0">
+              <a:prstClr val="black">
+                <a:alpha val="40000"/>
+              </a:prstClr>
+            </a:outerShdw>
+          </a:effectLst>
+        </p:spPr>
+        <p:style>
+          <a:lnRef idx="3">
+            <a:schemeClr val="accent4"/>
+          </a:lnRef>
+          <a:fillRef idx="0">
+            <a:schemeClr val="accent4"/>
+          </a:fillRef>
+          <a:effectRef idx="2">
+            <a:schemeClr val="accent4"/>
+          </a:effectRef>
+          <a:fontRef idx="minor">
+            <a:schemeClr val="tx1"/>
+          </a:fontRef>
+        </p:style>
+      </p:cxnSp>
+      <p:sp>
+        <p:nvSpPr>
+          <p:cNvPr id="37" name="TextBox 36"/>
+          <p:cNvSpPr txBox="1"/>
+          <p:nvPr/>
+        </p:nvSpPr>
+        <p:spPr>
+          <a:xfrm>
+            <a:off x="9174281" y="5093869"/>
+            <a:ext cx="2895639" cy="923330"/>
+          </a:xfrm>
+          <a:prstGeom prst="rect">
+            <a:avLst/>
+          </a:prstGeom>
+          <a:noFill/>
+        </p:spPr>
+        <p:txBody>
+          <a:bodyPr wrap="square" rtlCol="0">
+            <a:spAutoFit/>
+          </a:bodyPr>
+          <a:lstStyle/>
+          <a:p>
+            <a:r>
+              <a:rPr lang="en-PH" dirty="0"/>
+              <a:t>If there are more expenses, the user can add more expenses.</a:t>
+            </a:r>
+          </a:p>
+        </p:txBody>
+      </p:sp>
+      <p:cxnSp>
+        <p:nvCxnSpPr>
+          <p:cNvPr id="44" name="Straight Arrow Connector 43"/>
+          <p:cNvCxnSpPr>
+            <a:stCxn id="37" idx="1"/>
+            <a:endCxn id="32" idx="3"/>
+          </p:cNvCxnSpPr>
+          <p:nvPr/>
+        </p:nvCxnSpPr>
+        <p:spPr>
+          <a:xfrm flipH="1">
+            <a:off x="8025621" y="5555534"/>
+            <a:ext cx="1148660" cy="280672"/>
+          </a:xfrm>
+          <a:prstGeom prst="straightConnector1">
+            <a:avLst/>
+          </a:prstGeom>
+          <a:ln w="19050" cap="flat" cmpd="sng" algn="ctr">
+            <a:solidFill>
+              <a:schemeClr val="accent4"/>
+            </a:solidFill>
+            <a:prstDash val="solid"/>
+            <a:round/>
+            <a:headEnd type="none" w="med" len="med"/>
+            <a:tailEnd type="arrow" w="med" len="med"/>
+          </a:ln>
+          <a:effectLst>
+            <a:outerShdw blurRad="50800" dist="38100" dir="5400000" algn="t" rotWithShape="0">
+              <a:prstClr val="black">
+                <a:alpha val="40000"/>
+              </a:prstClr>
+            </a:outerShdw>
+          </a:effectLst>
+        </p:spPr>
+        <p:style>
+          <a:lnRef idx="0">
+            <a:scrgbClr r="0" g="0" b="0"/>
+          </a:lnRef>
+          <a:fillRef idx="0">
+            <a:scrgbClr r="0" g="0" b="0"/>
+          </a:fillRef>
+          <a:effectRef idx="0">
+            <a:scrgbClr r="0" g="0" b="0"/>
+          </a:effectRef>
+          <a:fontRef idx="minor">
+            <a:schemeClr val="tx1"/>
+          </a:fontRef>
+        </p:style>
+      </p:cxnSp>
+      <p:sp>
+        <p:nvSpPr>
+          <p:cNvPr id="48" name="Rounded Rectangle 47"/>
           <p:cNvSpPr/>
           <p:nvPr/>
         </p:nvSpPr>
         <p:spPr>
           <a:xfrm>
-            <a:off x="5533848" y="3294793"/>
-            <a:ext cx="1933087" cy="478302"/>
+            <a:off x="5060634" y="5650078"/>
+            <a:ext cx="1315333" cy="367121"/>
           </a:xfrm>
           <a:prstGeom prst="roundRect">
             <a:avLst/>
@@ -8384,9 +11288,10 @@
             <a:srgbClr val="FCD4BA"/>
           </a:solidFill>
           <a:ln>
-            <a:noFill/>
+            <a:solidFill>
+              <a:srgbClr val="71B8C7"/>
+            </a:solidFill>
           </a:ln>
-          <a:effectLst/>
           <a:scene3d>
             <a:camera prst="orthographicFront"/>
             <a:lightRig rig="threePt" dir="t"/>
@@ -8415,217 +11320,133 @@
           <a:bodyPr rtlCol="0" anchor="ctr"/>
           <a:lstStyle/>
           <a:p>
+            <a:pPr algn="ctr"/>
             <a:r>
               <a:rPr lang="en-PH" b="1" dirty="0">
                 <a:solidFill>
                   <a:srgbClr val="0B4555"/>
                 </a:solidFill>
               </a:rPr>
-              <a:t>Sales</a:t>
-            </a:r>
-          </a:p>
-        </p:txBody>
-      </p:sp>
-      <p:sp>
-        <p:nvSpPr>
-          <p:cNvPr id="23" name="Rounded Rectangle 22"/>
-          <p:cNvSpPr/>
-          <p:nvPr/>
-        </p:nvSpPr>
-        <p:spPr>
-          <a:xfrm>
-            <a:off x="5533848" y="3909480"/>
-            <a:ext cx="1933087" cy="478302"/>
-          </a:xfrm>
-          <a:prstGeom prst="roundRect">
+              <a:t>Compute</a:t>
+            </a:r>
+          </a:p>
+        </p:txBody>
+      </p:sp>
+      <p:sp>
+        <p:nvSpPr>
+          <p:cNvPr id="49" name="TextBox 48"/>
+          <p:cNvSpPr txBox="1"/>
+          <p:nvPr/>
+        </p:nvSpPr>
+        <p:spPr>
+          <a:xfrm>
+            <a:off x="1394758" y="4816870"/>
+            <a:ext cx="2895639" cy="1200329"/>
+          </a:xfrm>
+          <a:prstGeom prst="rect">
+            <a:avLst/>
+          </a:prstGeom>
+          <a:noFill/>
+        </p:spPr>
+        <p:txBody>
+          <a:bodyPr wrap="square" rtlCol="0">
+            <a:spAutoFit/>
+          </a:bodyPr>
+          <a:lstStyle/>
+          <a:p>
+            <a:r>
+              <a:rPr lang="en-PH" dirty="0"/>
+              <a:t>After putting the expense(s), to compute the sales input, user must click ‘compute’ button</a:t>
+            </a:r>
+          </a:p>
+        </p:txBody>
+      </p:sp>
+      <p:cxnSp>
+        <p:nvCxnSpPr>
+          <p:cNvPr id="50" name="Straight Arrow Connector 49"/>
+          <p:cNvCxnSpPr>
+            <a:stCxn id="49" idx="3"/>
+            <a:endCxn id="48" idx="1"/>
+          </p:cNvCxnSpPr>
+          <p:nvPr/>
+        </p:nvCxnSpPr>
+        <p:spPr>
+          <a:xfrm>
+            <a:off x="4290397" y="5417035"/>
+            <a:ext cx="770237" cy="416604"/>
+          </a:xfrm>
+          <a:prstGeom prst="straightConnector1">
+            <a:avLst/>
+          </a:prstGeom>
+          <a:ln w="19050">
+            <a:headEnd type="none" w="med" len="med"/>
+            <a:tailEnd type="arrow" w="med" len="med"/>
+          </a:ln>
+          <a:effectLst>
+            <a:outerShdw blurRad="50800" dist="38100" dir="5400000" algn="t" rotWithShape="0">
+              <a:prstClr val="black">
+                <a:alpha val="40000"/>
+              </a:prstClr>
+            </a:outerShdw>
+          </a:effectLst>
+        </p:spPr>
+        <p:style>
+          <a:lnRef idx="3">
+            <a:schemeClr val="accent4"/>
+          </a:lnRef>
+          <a:fillRef idx="0">
+            <a:schemeClr val="accent4"/>
+          </a:fillRef>
+          <a:effectRef idx="2">
+            <a:schemeClr val="accent4"/>
+          </a:effectRef>
+          <a:fontRef idx="minor">
+            <a:schemeClr val="tx1"/>
+          </a:fontRef>
+        </p:style>
+      </p:cxnSp>
+      <p:sp>
+        <p:nvSpPr>
+          <p:cNvPr id="25" name="TextBox 24"/>
+          <p:cNvSpPr txBox="1"/>
+          <p:nvPr/>
+        </p:nvSpPr>
+        <p:spPr>
+          <a:xfrm>
+            <a:off x="5635164" y="2887669"/>
+            <a:ext cx="2273300" cy="338554"/>
+          </a:xfrm>
+          <a:prstGeom prst="rect">
             <a:avLst/>
           </a:prstGeom>
           <a:solidFill>
-            <a:srgbClr val="FCD4BA"/>
+            <a:srgbClr val="FEF6F0"/>
           </a:solidFill>
           <a:ln>
             <a:solidFill>
-              <a:srgbClr val="71B8C7"/>
+              <a:srgbClr val="C2F3FD"/>
             </a:solidFill>
           </a:ln>
-          <a:scene3d>
-            <a:camera prst="orthographicFront"/>
-            <a:lightRig rig="threePt" dir="t"/>
-          </a:scene3d>
-          <a:sp3d>
-            <a:bevelT/>
-          </a:sp3d>
-        </p:spPr>
-        <p:style>
-          <a:lnRef idx="2">
-            <a:schemeClr val="accent1">
-              <a:shade val="50000"/>
-            </a:schemeClr>
-          </a:lnRef>
-          <a:fillRef idx="1">
-            <a:schemeClr val="accent1"/>
-          </a:fillRef>
-          <a:effectRef idx="0">
-            <a:schemeClr val="accent1"/>
-          </a:effectRef>
-          <a:fontRef idx="minor">
-            <a:schemeClr val="lt1"/>
-          </a:fontRef>
-        </p:style>
-        <p:txBody>
-          <a:bodyPr rtlCol="0" anchor="ctr"/>
-          <a:lstStyle/>
-          <a:p>
-            <a:r>
-              <a:rPr lang="en-PH" b="1" dirty="0">
-                <a:solidFill>
-                  <a:srgbClr val="0B4555"/>
+        </p:spPr>
+        <p:txBody>
+          <a:bodyPr wrap="square" rtlCol="0">
+            <a:spAutoFit/>
+          </a:bodyPr>
+          <a:lstStyle/>
+          <a:p>
+            <a:r>
+              <a:rPr lang="en-PH" sz="1600" dirty="0">
+                <a:solidFill>
+                  <a:schemeClr val="bg2">
+                    <a:lumMod val="75000"/>
+                  </a:schemeClr>
                 </a:solidFill>
               </a:rPr>
-              <a:t>Products</a:t>
-            </a:r>
-          </a:p>
-        </p:txBody>
-      </p:sp>
-      <p:sp>
-        <p:nvSpPr>
-          <p:cNvPr id="24" name="Rounded Rectangle 23"/>
-          <p:cNvSpPr/>
-          <p:nvPr/>
-        </p:nvSpPr>
-        <p:spPr>
-          <a:xfrm>
-            <a:off x="5533845" y="4539600"/>
-            <a:ext cx="1933087" cy="478302"/>
-          </a:xfrm>
-          <a:prstGeom prst="roundRect">
-            <a:avLst/>
-          </a:prstGeom>
-          <a:solidFill>
-            <a:srgbClr val="FCD4BA"/>
-          </a:solidFill>
-          <a:ln>
-            <a:solidFill>
-              <a:srgbClr val="71B8C7"/>
-            </a:solidFill>
-          </a:ln>
-          <a:scene3d>
-            <a:camera prst="orthographicFront"/>
-            <a:lightRig rig="threePt" dir="t"/>
-          </a:scene3d>
-          <a:sp3d>
-            <a:bevelT/>
-          </a:sp3d>
-        </p:spPr>
-        <p:style>
-          <a:lnRef idx="2">
-            <a:schemeClr val="accent1">
-              <a:shade val="50000"/>
-            </a:schemeClr>
-          </a:lnRef>
-          <a:fillRef idx="1">
-            <a:schemeClr val="accent1"/>
-          </a:fillRef>
-          <a:effectRef idx="0">
-            <a:schemeClr val="accent1"/>
-          </a:effectRef>
-          <a:fontRef idx="minor">
-            <a:schemeClr val="lt1"/>
-          </a:fontRef>
-        </p:style>
-        <p:txBody>
-          <a:bodyPr rtlCol="0" anchor="ctr"/>
-          <a:lstStyle/>
-          <a:p>
-            <a:r>
-              <a:rPr lang="en-PH" b="1" dirty="0">
-                <a:solidFill>
-                  <a:srgbClr val="0B4555"/>
-                </a:solidFill>
-              </a:rPr>
-              <a:t>Graph</a:t>
-            </a:r>
-          </a:p>
-        </p:txBody>
-      </p:sp>
-      <p:pic>
-        <p:nvPicPr>
-          <p:cNvPr id="14" name="Picture 13"/>
-          <p:cNvPicPr>
-            <a:picLocks noChangeAspect="1"/>
-          </p:cNvPicPr>
-          <p:nvPr/>
-        </p:nvPicPr>
-        <p:blipFill>
-          <a:blip r:embed="rId3">
-            <a:extLst>
-              <a:ext uri="{BEBA8EAE-BF5A-486C-A8C5-ECC9F3942E4B}">
-                <a14:imgProps xmlns:a14="http://schemas.microsoft.com/office/drawing/2010/main">
-                  <a14:imgLayer r:embed="rId4">
-                    <a14:imgEffect>
-                      <a14:brightnessContrast bright="20000"/>
-                    </a14:imgEffect>
-                  </a14:imgLayer>
-                </a14:imgProps>
-              </a:ext>
-            </a:extLst>
-          </a:blip>
-          <a:stretch>
-            <a:fillRect/>
-          </a:stretch>
-        </p:blipFill>
-        <p:spPr>
-          <a:xfrm>
-            <a:off x="6970996" y="4658209"/>
-            <a:ext cx="442148" cy="343892"/>
-          </a:xfrm>
-          <a:prstGeom prst="rect">
-            <a:avLst/>
-          </a:prstGeom>
-          <a:effectLst>
-            <a:softEdge rad="25400"/>
-          </a:effectLst>
-        </p:spPr>
-      </p:pic>
-      <p:pic>
-        <p:nvPicPr>
-          <p:cNvPr id="18" name="Picture 17"/>
-          <p:cNvPicPr>
-            <a:picLocks noChangeAspect="1"/>
-          </p:cNvPicPr>
-          <p:nvPr/>
-        </p:nvPicPr>
-        <p:blipFill>
-          <a:blip r:embed="rId5">
-            <a:extLst>
-              <a:ext uri="{BEBA8EAE-BF5A-486C-A8C5-ECC9F3942E4B}">
-                <a14:imgProps xmlns:a14="http://schemas.microsoft.com/office/drawing/2010/main">
-                  <a14:imgLayer r:embed="rId6">
-                    <a14:imgEffect>
-                      <a14:brightnessContrast bright="20000"/>
-                    </a14:imgEffect>
-                  </a14:imgLayer>
-                </a14:imgProps>
-              </a:ext>
-            </a:extLst>
-          </a:blip>
-          <a:stretch>
-            <a:fillRect/>
-          </a:stretch>
-        </p:blipFill>
-        <p:spPr>
-          <a:xfrm>
-            <a:off x="6970996" y="3362441"/>
-            <a:ext cx="442147" cy="341668"/>
-          </a:xfrm>
-          <a:prstGeom prst="rect">
-            <a:avLst/>
-          </a:prstGeom>
-          <a:effectLst>
-            <a:softEdge rad="25400"/>
-          </a:effectLst>
-        </p:spPr>
-      </p:pic>
+              <a:t>Date</a:t>
+            </a:r>
+          </a:p>
+        </p:txBody>
+      </p:sp>
       <p:pic>
         <p:nvPicPr>
           <p:cNvPr id="26" name="Picture 25"/>
@@ -8635,1814 +11456,25 @@
           <p:nvPr/>
         </p:nvPicPr>
         <p:blipFill>
-          <a:blip r:embed="rId7">
-            <a:extLst>
-              <a:ext uri="{BEBA8EAE-BF5A-486C-A8C5-ECC9F3942E4B}">
-                <a14:imgProps xmlns:a14="http://schemas.microsoft.com/office/drawing/2010/main">
-                  <a14:imgLayer r:embed="rId8">
-                    <a14:imgEffect>
-                      <a14:brightnessContrast bright="20000"/>
-                    </a14:imgEffect>
-                  </a14:imgLayer>
-                </a14:imgProps>
-              </a:ext>
-            </a:extLst>
-          </a:blip>
+          <a:blip r:embed="rId6"/>
           <a:stretch>
             <a:fillRect/>
           </a:stretch>
         </p:blipFill>
         <p:spPr>
           <a:xfrm>
-            <a:off x="6971993" y="3995343"/>
-            <a:ext cx="442147" cy="343892"/>
-          </a:xfrm>
-          <a:prstGeom prst="rect">
-            <a:avLst/>
-          </a:prstGeom>
-          <a:effectLst>
-            <a:softEdge rad="25400"/>
-          </a:effectLst>
+            <a:off x="5094787" y="2887670"/>
+            <a:ext cx="335718" cy="338554"/>
+          </a:xfrm>
+          <a:prstGeom prst="rect">
+            <a:avLst/>
+          </a:prstGeom>
         </p:spPr>
       </p:pic>
-      <p:sp>
-        <p:nvSpPr>
-          <p:cNvPr id="28" name="Rounded Rectangle 27"/>
-          <p:cNvSpPr/>
-          <p:nvPr/>
-        </p:nvSpPr>
-        <p:spPr>
-          <a:xfrm>
-            <a:off x="5533845" y="5181558"/>
-            <a:ext cx="1933087" cy="478302"/>
-          </a:xfrm>
-          <a:prstGeom prst="roundRect">
-            <a:avLst/>
-          </a:prstGeom>
-          <a:solidFill>
-            <a:srgbClr val="FCD4BA"/>
-          </a:solidFill>
-          <a:ln>
-            <a:solidFill>
-              <a:srgbClr val="71B8C7"/>
-            </a:solidFill>
-          </a:ln>
-          <a:scene3d>
-            <a:camera prst="orthographicFront"/>
-            <a:lightRig rig="threePt" dir="t"/>
-          </a:scene3d>
-          <a:sp3d>
-            <a:bevelT/>
-          </a:sp3d>
-        </p:spPr>
-        <p:style>
-          <a:lnRef idx="2">
-            <a:schemeClr val="accent1">
-              <a:shade val="50000"/>
-            </a:schemeClr>
-          </a:lnRef>
-          <a:fillRef idx="1">
-            <a:schemeClr val="accent1"/>
-          </a:fillRef>
-          <a:effectRef idx="0">
-            <a:schemeClr val="accent1"/>
-          </a:effectRef>
-          <a:fontRef idx="minor">
-            <a:schemeClr val="lt1"/>
-          </a:fontRef>
-        </p:style>
-        <p:txBody>
-          <a:bodyPr rtlCol="0" anchor="ctr"/>
-          <a:lstStyle/>
-          <a:p>
-            <a:r>
-              <a:rPr lang="en-PH" b="1" dirty="0">
-                <a:solidFill>
-                  <a:srgbClr val="0B4555"/>
-                </a:solidFill>
-              </a:rPr>
-              <a:t>Expenses</a:t>
-            </a:r>
-          </a:p>
-        </p:txBody>
-      </p:sp>
-      <p:pic>
-        <p:nvPicPr>
-          <p:cNvPr id="29" name="Picture 28"/>
-          <p:cNvPicPr>
-            <a:picLocks noChangeAspect="1"/>
-          </p:cNvPicPr>
-          <p:nvPr/>
-        </p:nvPicPr>
-        <p:blipFill>
-          <a:blip r:embed="rId9"/>
-          <a:stretch>
-            <a:fillRect/>
-          </a:stretch>
-        </p:blipFill>
-        <p:spPr>
-          <a:xfrm>
-            <a:off x="6970995" y="5240770"/>
-            <a:ext cx="442147" cy="343892"/>
-          </a:xfrm>
-          <a:prstGeom prst="rect">
-            <a:avLst/>
-          </a:prstGeom>
-        </p:spPr>
-      </p:pic>
-      <p:cxnSp>
-        <p:nvCxnSpPr>
-          <p:cNvPr id="30" name="Straight Connector 29"/>
-          <p:cNvCxnSpPr/>
-          <p:nvPr/>
-        </p:nvCxnSpPr>
-        <p:spPr>
-          <a:xfrm>
-            <a:off x="5123692" y="5934015"/>
-            <a:ext cx="2753391" cy="6232"/>
-          </a:xfrm>
-          <a:prstGeom prst="line">
-            <a:avLst/>
-          </a:prstGeom>
-          <a:ln>
-            <a:solidFill>
-              <a:srgbClr val="C2F3FD"/>
-            </a:solidFill>
-          </a:ln>
-        </p:spPr>
-        <p:style>
-          <a:lnRef idx="1">
-            <a:schemeClr val="accent1"/>
-          </a:lnRef>
-          <a:fillRef idx="0">
-            <a:schemeClr val="accent1"/>
-          </a:fillRef>
-          <a:effectRef idx="0">
-            <a:schemeClr val="accent1"/>
-          </a:effectRef>
-          <a:fontRef idx="minor">
-            <a:schemeClr val="tx1"/>
-          </a:fontRef>
-        </p:style>
-      </p:cxnSp>
-      <p:sp>
-        <p:nvSpPr>
-          <p:cNvPr id="32" name="TextBox 31"/>
-          <p:cNvSpPr txBox="1"/>
-          <p:nvPr/>
-        </p:nvSpPr>
-        <p:spPr>
-          <a:xfrm>
-            <a:off x="6059368" y="6019452"/>
-            <a:ext cx="939057" cy="369332"/>
-          </a:xfrm>
-          <a:prstGeom prst="rect">
-            <a:avLst/>
-          </a:prstGeom>
-          <a:noFill/>
-        </p:spPr>
-        <p:txBody>
-          <a:bodyPr wrap="square" rtlCol="0">
-            <a:spAutoFit/>
-          </a:bodyPr>
-          <a:lstStyle/>
-          <a:p>
-            <a:r>
-              <a:rPr lang="en-PH" u="sng" dirty="0">
-                <a:solidFill>
-                  <a:srgbClr val="C2F3FD"/>
-                </a:solidFill>
-              </a:rPr>
-              <a:t>Logout</a:t>
-            </a:r>
-          </a:p>
-        </p:txBody>
-      </p:sp>
-      <p:sp>
-        <p:nvSpPr>
-          <p:cNvPr id="36" name="TextBox 35"/>
-          <p:cNvSpPr txBox="1"/>
-          <p:nvPr/>
-        </p:nvSpPr>
-        <p:spPr>
-          <a:xfrm>
-            <a:off x="9494151" y="1324499"/>
-            <a:ext cx="2446326" cy="461665"/>
-          </a:xfrm>
-          <a:prstGeom prst="rect">
-            <a:avLst/>
-          </a:prstGeom>
-          <a:noFill/>
-        </p:spPr>
-        <p:txBody>
-          <a:bodyPr wrap="square" rtlCol="0">
-            <a:spAutoFit/>
-          </a:bodyPr>
-          <a:lstStyle/>
-          <a:p>
-            <a:r>
-              <a:rPr lang="en-PH" sz="2400" dirty="0"/>
-              <a:t>MAIN ACTIVITY</a:t>
-            </a:r>
-          </a:p>
-        </p:txBody>
-      </p:sp>
-      <p:sp>
-        <p:nvSpPr>
-          <p:cNvPr id="3" name="Oval 2"/>
-          <p:cNvSpPr/>
-          <p:nvPr/>
-        </p:nvSpPr>
-        <p:spPr>
-          <a:xfrm>
-            <a:off x="5138134" y="3660578"/>
-            <a:ext cx="2635540" cy="944242"/>
-          </a:xfrm>
-          <a:prstGeom prst="ellipse">
-            <a:avLst/>
-          </a:prstGeom>
-          <a:noFill/>
-          <a:ln>
-            <a:solidFill>
-              <a:srgbClr val="FF0000"/>
-            </a:solidFill>
-          </a:ln>
-        </p:spPr>
-        <p:style>
-          <a:lnRef idx="2">
-            <a:schemeClr val="accent1">
-              <a:shade val="50000"/>
-            </a:schemeClr>
-          </a:lnRef>
-          <a:fillRef idx="1">
-            <a:schemeClr val="accent1"/>
-          </a:fillRef>
-          <a:effectRef idx="0">
-            <a:schemeClr val="accent1"/>
-          </a:effectRef>
-          <a:fontRef idx="minor">
-            <a:schemeClr val="lt1"/>
-          </a:fontRef>
-        </p:style>
-        <p:txBody>
-          <a:bodyPr rtlCol="0" anchor="ctr"/>
-          <a:lstStyle/>
-          <a:p>
-            <a:pPr algn="ctr"/>
-            <a:endParaRPr lang="en-PH"/>
-          </a:p>
-        </p:txBody>
-      </p:sp>
     </p:spTree>
     <p:extLst>
       <p:ext uri="{BB962C8B-B14F-4D97-AF65-F5344CB8AC3E}">
-        <p14:creationId xmlns:p14="http://schemas.microsoft.com/office/powerpoint/2010/main" val="2102585841"/>
-      </p:ext>
-    </p:extLst>
-  </p:cSld>
-  <p:clrMapOvr>
-    <a:masterClrMapping/>
-  </p:clrMapOvr>
-  <mc:AlternateContent xmlns:mc="http://schemas.openxmlformats.org/markup-compatibility/2006" xmlns:p14="http://schemas.microsoft.com/office/powerpoint/2010/main">
-    <mc:Choice Requires="p14">
-      <p:transition spd="slow" p14:dur="1600">
-        <p14:prism isInverted="1"/>
-      </p:transition>
-    </mc:Choice>
-    <mc:Fallback xmlns="">
-      <p:transition spd="slow">
-        <p:fade/>
-      </p:transition>
-    </mc:Fallback>
-  </mc:AlternateContent>
-</p:sld>
-</file>
-
-<file path=ppt/slides/slide13.xml><?xml version="1.0" encoding="utf-8"?>
-<p:sld xmlns:a="http://schemas.openxmlformats.org/drawingml/2006/main" xmlns:r="http://schemas.openxmlformats.org/officeDocument/2006/relationships" xmlns:p="http://schemas.openxmlformats.org/presentationml/2006/main">
-  <p:cSld>
-    <p:spTree>
-      <p:nvGrpSpPr>
-        <p:cNvPr id="1" name=""/>
-        <p:cNvGrpSpPr/>
-        <p:nvPr/>
-      </p:nvGrpSpPr>
-      <p:grpSpPr>
-        <a:xfrm>
-          <a:off x="0" y="0"/>
-          <a:ext cx="0" cy="0"/>
-          <a:chOff x="0" y="0"/>
-          <a:chExt cx="0" cy="0"/>
-        </a:xfrm>
-      </p:grpSpPr>
-      <p:sp>
-        <p:nvSpPr>
-          <p:cNvPr id="2" name="Title 1"/>
-          <p:cNvSpPr>
-            <a:spLocks noGrp="1"/>
-          </p:cNvSpPr>
-          <p:nvPr>
-            <p:ph type="title"/>
-          </p:nvPr>
-        </p:nvSpPr>
-        <p:spPr>
-          <a:xfrm>
-            <a:off x="1512446" y="140680"/>
-            <a:ext cx="10018713" cy="1223887"/>
-          </a:xfrm>
-        </p:spPr>
-        <p:txBody>
-          <a:bodyPr/>
-          <a:lstStyle/>
-          <a:p>
-            <a:r>
-              <a:rPr lang="en-PH" b="1" dirty="0"/>
-              <a:t>Features (continued)</a:t>
-            </a:r>
-          </a:p>
-        </p:txBody>
-      </p:sp>
-      <p:sp>
-        <p:nvSpPr>
-          <p:cNvPr id="5" name="Rectangle 4"/>
-          <p:cNvSpPr/>
-          <p:nvPr/>
-        </p:nvSpPr>
-        <p:spPr>
-          <a:xfrm>
-            <a:off x="4777407" y="1353127"/>
-            <a:ext cx="3488788" cy="5162844"/>
-          </a:xfrm>
-          <a:prstGeom prst="rect">
-            <a:avLst/>
-          </a:prstGeom>
-          <a:solidFill>
-            <a:srgbClr val="1789A9"/>
-          </a:solidFill>
-          <a:ln>
-            <a:solidFill>
-              <a:srgbClr val="E38C59"/>
-            </a:solidFill>
-          </a:ln>
-        </p:spPr>
-        <p:style>
-          <a:lnRef idx="2">
-            <a:schemeClr val="accent1">
-              <a:shade val="50000"/>
-            </a:schemeClr>
-          </a:lnRef>
-          <a:fillRef idx="1">
-            <a:schemeClr val="accent1"/>
-          </a:fillRef>
-          <a:effectRef idx="0">
-            <a:schemeClr val="accent1"/>
-          </a:effectRef>
-          <a:fontRef idx="minor">
-            <a:schemeClr val="lt1"/>
-          </a:fontRef>
-        </p:style>
-        <p:txBody>
-          <a:bodyPr rtlCol="0" anchor="ctr"/>
-          <a:lstStyle/>
-          <a:p>
-            <a:pPr algn="ctr"/>
-            <a:endParaRPr lang="en-PH"/>
-          </a:p>
-        </p:txBody>
-      </p:sp>
-      <p:sp>
-        <p:nvSpPr>
-          <p:cNvPr id="7" name="TextBox 6"/>
-          <p:cNvSpPr txBox="1"/>
-          <p:nvPr/>
-        </p:nvSpPr>
-        <p:spPr>
-          <a:xfrm>
-            <a:off x="5284121" y="1816817"/>
-            <a:ext cx="2489552" cy="461665"/>
-          </a:xfrm>
-          <a:prstGeom prst="rect">
-            <a:avLst/>
-          </a:prstGeom>
-          <a:noFill/>
-        </p:spPr>
-        <p:txBody>
-          <a:bodyPr wrap="square" rtlCol="0">
-            <a:spAutoFit/>
-          </a:bodyPr>
-          <a:lstStyle/>
-          <a:p>
-            <a:pPr algn="ctr"/>
-            <a:r>
-              <a:rPr lang="en-PH" sz="2400" b="1" dirty="0">
-                <a:solidFill>
-                  <a:schemeClr val="bg1"/>
-                </a:solidFill>
-                <a:latin typeface="Arial" panose="020B0604020202020204" pitchFamily="34" charset="0"/>
-                <a:cs typeface="Arial" panose="020B0604020202020204" pitchFamily="34" charset="0"/>
-              </a:rPr>
-              <a:t>ELOUS STORE</a:t>
-            </a:r>
-          </a:p>
-        </p:txBody>
-      </p:sp>
-      <p:sp>
-        <p:nvSpPr>
-          <p:cNvPr id="8" name="TextBox 7"/>
-          <p:cNvSpPr txBox="1"/>
-          <p:nvPr/>
-        </p:nvSpPr>
-        <p:spPr>
-          <a:xfrm>
-            <a:off x="5385152" y="2551011"/>
-            <a:ext cx="2273300" cy="369332"/>
-          </a:xfrm>
-          <a:prstGeom prst="rect">
-            <a:avLst/>
-          </a:prstGeom>
-          <a:noFill/>
-        </p:spPr>
-        <p:txBody>
-          <a:bodyPr wrap="square" rtlCol="0">
-            <a:spAutoFit/>
-          </a:bodyPr>
-          <a:lstStyle/>
-          <a:p>
-            <a:pPr algn="ctr"/>
-            <a:r>
-              <a:rPr lang="en-PH" dirty="0">
-                <a:solidFill>
-                  <a:schemeClr val="bg1"/>
-                </a:solidFill>
-              </a:rPr>
-              <a:t>Welcome!</a:t>
-            </a:r>
-          </a:p>
-        </p:txBody>
-      </p:sp>
-      <p:pic>
-        <p:nvPicPr>
-          <p:cNvPr id="9" name="Picture 8"/>
-          <p:cNvPicPr>
-            <a:picLocks noChangeAspect="1"/>
-          </p:cNvPicPr>
-          <p:nvPr/>
-        </p:nvPicPr>
-        <p:blipFill>
-          <a:blip r:embed="rId2"/>
-          <a:stretch>
-            <a:fillRect/>
-          </a:stretch>
-        </p:blipFill>
-        <p:spPr>
-          <a:xfrm>
-            <a:off x="9555301" y="362098"/>
-            <a:ext cx="2133600" cy="781050"/>
-          </a:xfrm>
-          <a:prstGeom prst="rect">
-            <a:avLst/>
-          </a:prstGeom>
-        </p:spPr>
-      </p:pic>
-      <p:cxnSp>
-        <p:nvCxnSpPr>
-          <p:cNvPr id="15" name="Straight Connector 14"/>
-          <p:cNvCxnSpPr/>
-          <p:nvPr/>
-        </p:nvCxnSpPr>
-        <p:spPr>
-          <a:xfrm>
-            <a:off x="5138134" y="3035300"/>
-            <a:ext cx="2753391" cy="6232"/>
-          </a:xfrm>
-          <a:prstGeom prst="line">
-            <a:avLst/>
-          </a:prstGeom>
-          <a:ln>
-            <a:solidFill>
-              <a:srgbClr val="C2F3FD"/>
-            </a:solidFill>
-          </a:ln>
-        </p:spPr>
-        <p:style>
-          <a:lnRef idx="1">
-            <a:schemeClr val="accent1"/>
-          </a:lnRef>
-          <a:fillRef idx="0">
-            <a:schemeClr val="accent1"/>
-          </a:fillRef>
-          <a:effectRef idx="0">
-            <a:schemeClr val="accent1"/>
-          </a:effectRef>
-          <a:fontRef idx="minor">
-            <a:schemeClr val="tx1"/>
-          </a:fontRef>
-        </p:style>
-      </p:cxnSp>
-      <p:sp>
-        <p:nvSpPr>
-          <p:cNvPr id="21" name="Rounded Rectangle 20"/>
-          <p:cNvSpPr/>
-          <p:nvPr/>
-        </p:nvSpPr>
-        <p:spPr>
-          <a:xfrm>
-            <a:off x="5533848" y="3294793"/>
-            <a:ext cx="1933087" cy="478302"/>
-          </a:xfrm>
-          <a:prstGeom prst="roundRect">
-            <a:avLst/>
-          </a:prstGeom>
-          <a:solidFill>
-            <a:srgbClr val="FCD4BA"/>
-          </a:solidFill>
-          <a:ln>
-            <a:noFill/>
-          </a:ln>
-          <a:effectLst/>
-          <a:scene3d>
-            <a:camera prst="orthographicFront"/>
-            <a:lightRig rig="threePt" dir="t"/>
-          </a:scene3d>
-          <a:sp3d>
-            <a:bevelT/>
-          </a:sp3d>
-        </p:spPr>
-        <p:style>
-          <a:lnRef idx="2">
-            <a:schemeClr val="accent1">
-              <a:shade val="50000"/>
-            </a:schemeClr>
-          </a:lnRef>
-          <a:fillRef idx="1">
-            <a:schemeClr val="accent1"/>
-          </a:fillRef>
-          <a:effectRef idx="0">
-            <a:schemeClr val="accent1"/>
-          </a:effectRef>
-          <a:fontRef idx="minor">
-            <a:schemeClr val="lt1"/>
-          </a:fontRef>
-        </p:style>
-        <p:txBody>
-          <a:bodyPr rtlCol="0" anchor="ctr"/>
-          <a:lstStyle/>
-          <a:p>
-            <a:r>
-              <a:rPr lang="en-PH" b="1" dirty="0">
-                <a:solidFill>
-                  <a:srgbClr val="0B4555"/>
-                </a:solidFill>
-              </a:rPr>
-              <a:t>Sales</a:t>
-            </a:r>
-          </a:p>
-        </p:txBody>
-      </p:sp>
-      <p:sp>
-        <p:nvSpPr>
-          <p:cNvPr id="23" name="Rounded Rectangle 22"/>
-          <p:cNvSpPr/>
-          <p:nvPr/>
-        </p:nvSpPr>
-        <p:spPr>
-          <a:xfrm>
-            <a:off x="5533848" y="3909480"/>
-            <a:ext cx="1933087" cy="478302"/>
-          </a:xfrm>
-          <a:prstGeom prst="roundRect">
-            <a:avLst/>
-          </a:prstGeom>
-          <a:solidFill>
-            <a:srgbClr val="FCD4BA"/>
-          </a:solidFill>
-          <a:ln>
-            <a:solidFill>
-              <a:srgbClr val="71B8C7"/>
-            </a:solidFill>
-          </a:ln>
-          <a:scene3d>
-            <a:camera prst="orthographicFront"/>
-            <a:lightRig rig="threePt" dir="t"/>
-          </a:scene3d>
-          <a:sp3d>
-            <a:bevelT/>
-          </a:sp3d>
-        </p:spPr>
-        <p:style>
-          <a:lnRef idx="2">
-            <a:schemeClr val="accent1">
-              <a:shade val="50000"/>
-            </a:schemeClr>
-          </a:lnRef>
-          <a:fillRef idx="1">
-            <a:schemeClr val="accent1"/>
-          </a:fillRef>
-          <a:effectRef idx="0">
-            <a:schemeClr val="accent1"/>
-          </a:effectRef>
-          <a:fontRef idx="minor">
-            <a:schemeClr val="lt1"/>
-          </a:fontRef>
-        </p:style>
-        <p:txBody>
-          <a:bodyPr rtlCol="0" anchor="ctr"/>
-          <a:lstStyle/>
-          <a:p>
-            <a:r>
-              <a:rPr lang="en-PH" b="1" dirty="0">
-                <a:solidFill>
-                  <a:srgbClr val="0B4555"/>
-                </a:solidFill>
-              </a:rPr>
-              <a:t>Products</a:t>
-            </a:r>
-          </a:p>
-        </p:txBody>
-      </p:sp>
-      <p:sp>
-        <p:nvSpPr>
-          <p:cNvPr id="24" name="Rounded Rectangle 23"/>
-          <p:cNvSpPr/>
-          <p:nvPr/>
-        </p:nvSpPr>
-        <p:spPr>
-          <a:xfrm>
-            <a:off x="5533845" y="4539600"/>
-            <a:ext cx="1933087" cy="478302"/>
-          </a:xfrm>
-          <a:prstGeom prst="roundRect">
-            <a:avLst/>
-          </a:prstGeom>
-          <a:solidFill>
-            <a:srgbClr val="FCD4BA"/>
-          </a:solidFill>
-          <a:ln>
-            <a:solidFill>
-              <a:srgbClr val="71B8C7"/>
-            </a:solidFill>
-          </a:ln>
-          <a:scene3d>
-            <a:camera prst="orthographicFront"/>
-            <a:lightRig rig="threePt" dir="t"/>
-          </a:scene3d>
-          <a:sp3d>
-            <a:bevelT/>
-          </a:sp3d>
-        </p:spPr>
-        <p:style>
-          <a:lnRef idx="2">
-            <a:schemeClr val="accent1">
-              <a:shade val="50000"/>
-            </a:schemeClr>
-          </a:lnRef>
-          <a:fillRef idx="1">
-            <a:schemeClr val="accent1"/>
-          </a:fillRef>
-          <a:effectRef idx="0">
-            <a:schemeClr val="accent1"/>
-          </a:effectRef>
-          <a:fontRef idx="minor">
-            <a:schemeClr val="lt1"/>
-          </a:fontRef>
-        </p:style>
-        <p:txBody>
-          <a:bodyPr rtlCol="0" anchor="ctr"/>
-          <a:lstStyle/>
-          <a:p>
-            <a:r>
-              <a:rPr lang="en-PH" b="1" dirty="0">
-                <a:solidFill>
-                  <a:srgbClr val="0B4555"/>
-                </a:solidFill>
-              </a:rPr>
-              <a:t>Graph</a:t>
-            </a:r>
-          </a:p>
-        </p:txBody>
-      </p:sp>
-      <p:pic>
-        <p:nvPicPr>
-          <p:cNvPr id="14" name="Picture 13"/>
-          <p:cNvPicPr>
-            <a:picLocks noChangeAspect="1"/>
-          </p:cNvPicPr>
-          <p:nvPr/>
-        </p:nvPicPr>
-        <p:blipFill>
-          <a:blip r:embed="rId3">
-            <a:extLst>
-              <a:ext uri="{BEBA8EAE-BF5A-486C-A8C5-ECC9F3942E4B}">
-                <a14:imgProps xmlns:a14="http://schemas.microsoft.com/office/drawing/2010/main">
-                  <a14:imgLayer r:embed="rId4">
-                    <a14:imgEffect>
-                      <a14:brightnessContrast bright="20000"/>
-                    </a14:imgEffect>
-                  </a14:imgLayer>
-                </a14:imgProps>
-              </a:ext>
-            </a:extLst>
-          </a:blip>
-          <a:stretch>
-            <a:fillRect/>
-          </a:stretch>
-        </p:blipFill>
-        <p:spPr>
-          <a:xfrm>
-            <a:off x="6970996" y="4658209"/>
-            <a:ext cx="442148" cy="343892"/>
-          </a:xfrm>
-          <a:prstGeom prst="rect">
-            <a:avLst/>
-          </a:prstGeom>
-          <a:effectLst>
-            <a:softEdge rad="25400"/>
-          </a:effectLst>
-        </p:spPr>
-      </p:pic>
-      <p:pic>
-        <p:nvPicPr>
-          <p:cNvPr id="18" name="Picture 17"/>
-          <p:cNvPicPr>
-            <a:picLocks noChangeAspect="1"/>
-          </p:cNvPicPr>
-          <p:nvPr/>
-        </p:nvPicPr>
-        <p:blipFill>
-          <a:blip r:embed="rId5">
-            <a:extLst>
-              <a:ext uri="{BEBA8EAE-BF5A-486C-A8C5-ECC9F3942E4B}">
-                <a14:imgProps xmlns:a14="http://schemas.microsoft.com/office/drawing/2010/main">
-                  <a14:imgLayer r:embed="rId6">
-                    <a14:imgEffect>
-                      <a14:brightnessContrast bright="20000"/>
-                    </a14:imgEffect>
-                  </a14:imgLayer>
-                </a14:imgProps>
-              </a:ext>
-            </a:extLst>
-          </a:blip>
-          <a:stretch>
-            <a:fillRect/>
-          </a:stretch>
-        </p:blipFill>
-        <p:spPr>
-          <a:xfrm>
-            <a:off x="6970996" y="3362441"/>
-            <a:ext cx="442147" cy="341668"/>
-          </a:xfrm>
-          <a:prstGeom prst="rect">
-            <a:avLst/>
-          </a:prstGeom>
-          <a:effectLst>
-            <a:softEdge rad="25400"/>
-          </a:effectLst>
-        </p:spPr>
-      </p:pic>
-      <p:pic>
-        <p:nvPicPr>
-          <p:cNvPr id="26" name="Picture 25"/>
-          <p:cNvPicPr>
-            <a:picLocks noChangeAspect="1"/>
-          </p:cNvPicPr>
-          <p:nvPr/>
-        </p:nvPicPr>
-        <p:blipFill>
-          <a:blip r:embed="rId7">
-            <a:extLst>
-              <a:ext uri="{BEBA8EAE-BF5A-486C-A8C5-ECC9F3942E4B}">
-                <a14:imgProps xmlns:a14="http://schemas.microsoft.com/office/drawing/2010/main">
-                  <a14:imgLayer r:embed="rId8">
-                    <a14:imgEffect>
-                      <a14:brightnessContrast bright="20000"/>
-                    </a14:imgEffect>
-                  </a14:imgLayer>
-                </a14:imgProps>
-              </a:ext>
-            </a:extLst>
-          </a:blip>
-          <a:stretch>
-            <a:fillRect/>
-          </a:stretch>
-        </p:blipFill>
-        <p:spPr>
-          <a:xfrm>
-            <a:off x="6971993" y="3995343"/>
-            <a:ext cx="442147" cy="343892"/>
-          </a:xfrm>
-          <a:prstGeom prst="rect">
-            <a:avLst/>
-          </a:prstGeom>
-          <a:effectLst>
-            <a:softEdge rad="25400"/>
-          </a:effectLst>
-        </p:spPr>
-      </p:pic>
-      <p:sp>
-        <p:nvSpPr>
-          <p:cNvPr id="28" name="Rounded Rectangle 27"/>
-          <p:cNvSpPr/>
-          <p:nvPr/>
-        </p:nvSpPr>
-        <p:spPr>
-          <a:xfrm>
-            <a:off x="5533845" y="5181558"/>
-            <a:ext cx="1933087" cy="478302"/>
-          </a:xfrm>
-          <a:prstGeom prst="roundRect">
-            <a:avLst/>
-          </a:prstGeom>
-          <a:solidFill>
-            <a:srgbClr val="FCD4BA"/>
-          </a:solidFill>
-          <a:ln>
-            <a:solidFill>
-              <a:srgbClr val="71B8C7"/>
-            </a:solidFill>
-          </a:ln>
-          <a:scene3d>
-            <a:camera prst="orthographicFront"/>
-            <a:lightRig rig="threePt" dir="t"/>
-          </a:scene3d>
-          <a:sp3d>
-            <a:bevelT/>
-          </a:sp3d>
-        </p:spPr>
-        <p:style>
-          <a:lnRef idx="2">
-            <a:schemeClr val="accent1">
-              <a:shade val="50000"/>
-            </a:schemeClr>
-          </a:lnRef>
-          <a:fillRef idx="1">
-            <a:schemeClr val="accent1"/>
-          </a:fillRef>
-          <a:effectRef idx="0">
-            <a:schemeClr val="accent1"/>
-          </a:effectRef>
-          <a:fontRef idx="minor">
-            <a:schemeClr val="lt1"/>
-          </a:fontRef>
-        </p:style>
-        <p:txBody>
-          <a:bodyPr rtlCol="0" anchor="ctr"/>
-          <a:lstStyle/>
-          <a:p>
-            <a:r>
-              <a:rPr lang="en-PH" b="1" dirty="0">
-                <a:solidFill>
-                  <a:srgbClr val="0B4555"/>
-                </a:solidFill>
-              </a:rPr>
-              <a:t>Expenses</a:t>
-            </a:r>
-          </a:p>
-        </p:txBody>
-      </p:sp>
-      <p:pic>
-        <p:nvPicPr>
-          <p:cNvPr id="29" name="Picture 28"/>
-          <p:cNvPicPr>
-            <a:picLocks noChangeAspect="1"/>
-          </p:cNvPicPr>
-          <p:nvPr/>
-        </p:nvPicPr>
-        <p:blipFill>
-          <a:blip r:embed="rId9"/>
-          <a:stretch>
-            <a:fillRect/>
-          </a:stretch>
-        </p:blipFill>
-        <p:spPr>
-          <a:xfrm>
-            <a:off x="6970995" y="5240770"/>
-            <a:ext cx="442147" cy="343892"/>
-          </a:xfrm>
-          <a:prstGeom prst="rect">
-            <a:avLst/>
-          </a:prstGeom>
-        </p:spPr>
-      </p:pic>
-      <p:cxnSp>
-        <p:nvCxnSpPr>
-          <p:cNvPr id="30" name="Straight Connector 29"/>
-          <p:cNvCxnSpPr/>
-          <p:nvPr/>
-        </p:nvCxnSpPr>
-        <p:spPr>
-          <a:xfrm>
-            <a:off x="5123692" y="5934015"/>
-            <a:ext cx="2753391" cy="6232"/>
-          </a:xfrm>
-          <a:prstGeom prst="line">
-            <a:avLst/>
-          </a:prstGeom>
-          <a:ln>
-            <a:solidFill>
-              <a:srgbClr val="C2F3FD"/>
-            </a:solidFill>
-          </a:ln>
-        </p:spPr>
-        <p:style>
-          <a:lnRef idx="1">
-            <a:schemeClr val="accent1"/>
-          </a:lnRef>
-          <a:fillRef idx="0">
-            <a:schemeClr val="accent1"/>
-          </a:fillRef>
-          <a:effectRef idx="0">
-            <a:schemeClr val="accent1"/>
-          </a:effectRef>
-          <a:fontRef idx="minor">
-            <a:schemeClr val="tx1"/>
-          </a:fontRef>
-        </p:style>
-      </p:cxnSp>
-      <p:sp>
-        <p:nvSpPr>
-          <p:cNvPr id="32" name="TextBox 31"/>
-          <p:cNvSpPr txBox="1"/>
-          <p:nvPr/>
-        </p:nvSpPr>
-        <p:spPr>
-          <a:xfrm>
-            <a:off x="6059368" y="6019452"/>
-            <a:ext cx="939057" cy="369332"/>
-          </a:xfrm>
-          <a:prstGeom prst="rect">
-            <a:avLst/>
-          </a:prstGeom>
-          <a:noFill/>
-        </p:spPr>
-        <p:txBody>
-          <a:bodyPr wrap="square" rtlCol="0">
-            <a:spAutoFit/>
-          </a:bodyPr>
-          <a:lstStyle/>
-          <a:p>
-            <a:r>
-              <a:rPr lang="en-PH" u="sng" dirty="0">
-                <a:solidFill>
-                  <a:srgbClr val="C2F3FD"/>
-                </a:solidFill>
-              </a:rPr>
-              <a:t>Logout</a:t>
-            </a:r>
-          </a:p>
-        </p:txBody>
-      </p:sp>
-      <p:sp>
-        <p:nvSpPr>
-          <p:cNvPr id="36" name="TextBox 35"/>
-          <p:cNvSpPr txBox="1"/>
-          <p:nvPr/>
-        </p:nvSpPr>
-        <p:spPr>
-          <a:xfrm>
-            <a:off x="9494151" y="1324499"/>
-            <a:ext cx="2446326" cy="461665"/>
-          </a:xfrm>
-          <a:prstGeom prst="rect">
-            <a:avLst/>
-          </a:prstGeom>
-          <a:noFill/>
-        </p:spPr>
-        <p:txBody>
-          <a:bodyPr wrap="square" rtlCol="0">
-            <a:spAutoFit/>
-          </a:bodyPr>
-          <a:lstStyle/>
-          <a:p>
-            <a:r>
-              <a:rPr lang="en-PH" sz="2400" dirty="0"/>
-              <a:t>MAIN ACTIVITY</a:t>
-            </a:r>
-          </a:p>
-        </p:txBody>
-      </p:sp>
-      <p:sp>
-        <p:nvSpPr>
-          <p:cNvPr id="3" name="Oval 2"/>
-          <p:cNvSpPr/>
-          <p:nvPr/>
-        </p:nvSpPr>
-        <p:spPr>
-          <a:xfrm>
-            <a:off x="5197059" y="4283100"/>
-            <a:ext cx="2635540" cy="944242"/>
-          </a:xfrm>
-          <a:prstGeom prst="ellipse">
-            <a:avLst/>
-          </a:prstGeom>
-          <a:noFill/>
-          <a:ln>
-            <a:solidFill>
-              <a:srgbClr val="FF0000"/>
-            </a:solidFill>
-          </a:ln>
-        </p:spPr>
-        <p:style>
-          <a:lnRef idx="2">
-            <a:schemeClr val="accent1">
-              <a:shade val="50000"/>
-            </a:schemeClr>
-          </a:lnRef>
-          <a:fillRef idx="1">
-            <a:schemeClr val="accent1"/>
-          </a:fillRef>
-          <a:effectRef idx="0">
-            <a:schemeClr val="accent1"/>
-          </a:effectRef>
-          <a:fontRef idx="minor">
-            <a:schemeClr val="lt1"/>
-          </a:fontRef>
-        </p:style>
-        <p:txBody>
-          <a:bodyPr rtlCol="0" anchor="ctr"/>
-          <a:lstStyle/>
-          <a:p>
-            <a:pPr algn="ctr"/>
-            <a:endParaRPr lang="en-PH"/>
-          </a:p>
-        </p:txBody>
-      </p:sp>
-    </p:spTree>
-    <p:extLst>
-      <p:ext uri="{BB962C8B-B14F-4D97-AF65-F5344CB8AC3E}">
-        <p14:creationId xmlns:p14="http://schemas.microsoft.com/office/powerpoint/2010/main" val="2048705685"/>
-      </p:ext>
-    </p:extLst>
-  </p:cSld>
-  <p:clrMapOvr>
-    <a:masterClrMapping/>
-  </p:clrMapOvr>
-  <mc:AlternateContent xmlns:mc="http://schemas.openxmlformats.org/markup-compatibility/2006" xmlns:p14="http://schemas.microsoft.com/office/powerpoint/2010/main">
-    <mc:Choice Requires="p14">
-      <p:transition spd="slow" p14:dur="1600">
-        <p14:prism isInverted="1"/>
-      </p:transition>
-    </mc:Choice>
-    <mc:Fallback xmlns="">
-      <p:transition spd="slow">
-        <p:fade/>
-      </p:transition>
-    </mc:Fallback>
-  </mc:AlternateContent>
-</p:sld>
-</file>
-
-<file path=ppt/slides/slide14.xml><?xml version="1.0" encoding="utf-8"?>
-<p:sld xmlns:a="http://schemas.openxmlformats.org/drawingml/2006/main" xmlns:r="http://schemas.openxmlformats.org/officeDocument/2006/relationships" xmlns:p="http://schemas.openxmlformats.org/presentationml/2006/main">
-  <p:cSld>
-    <p:spTree>
-      <p:nvGrpSpPr>
-        <p:cNvPr id="1" name=""/>
-        <p:cNvGrpSpPr/>
-        <p:nvPr/>
-      </p:nvGrpSpPr>
-      <p:grpSpPr>
-        <a:xfrm>
-          <a:off x="0" y="0"/>
-          <a:ext cx="0" cy="0"/>
-          <a:chOff x="0" y="0"/>
-          <a:chExt cx="0" cy="0"/>
-        </a:xfrm>
-      </p:grpSpPr>
-      <p:sp>
-        <p:nvSpPr>
-          <p:cNvPr id="2" name="Title 1"/>
-          <p:cNvSpPr>
-            <a:spLocks noGrp="1"/>
-          </p:cNvSpPr>
-          <p:nvPr>
-            <p:ph type="title"/>
-          </p:nvPr>
-        </p:nvSpPr>
-        <p:spPr>
-          <a:xfrm>
-            <a:off x="1512446" y="140680"/>
-            <a:ext cx="10018713" cy="1223887"/>
-          </a:xfrm>
-        </p:spPr>
-        <p:txBody>
-          <a:bodyPr/>
-          <a:lstStyle/>
-          <a:p>
-            <a:r>
-              <a:rPr lang="en-PH" b="1" dirty="0"/>
-              <a:t>Features (continued)</a:t>
-            </a:r>
-          </a:p>
-        </p:txBody>
-      </p:sp>
-      <p:sp>
-        <p:nvSpPr>
-          <p:cNvPr id="5" name="Rectangle 4"/>
-          <p:cNvSpPr/>
-          <p:nvPr/>
-        </p:nvSpPr>
-        <p:spPr>
-          <a:xfrm>
-            <a:off x="4777407" y="1353127"/>
-            <a:ext cx="3488788" cy="5162844"/>
-          </a:xfrm>
-          <a:prstGeom prst="rect">
-            <a:avLst/>
-          </a:prstGeom>
-          <a:solidFill>
-            <a:srgbClr val="1789A9"/>
-          </a:solidFill>
-          <a:ln>
-            <a:solidFill>
-              <a:srgbClr val="E38C59"/>
-            </a:solidFill>
-          </a:ln>
-        </p:spPr>
-        <p:style>
-          <a:lnRef idx="2">
-            <a:schemeClr val="accent1">
-              <a:shade val="50000"/>
-            </a:schemeClr>
-          </a:lnRef>
-          <a:fillRef idx="1">
-            <a:schemeClr val="accent1"/>
-          </a:fillRef>
-          <a:effectRef idx="0">
-            <a:schemeClr val="accent1"/>
-          </a:effectRef>
-          <a:fontRef idx="minor">
-            <a:schemeClr val="lt1"/>
-          </a:fontRef>
-        </p:style>
-        <p:txBody>
-          <a:bodyPr rtlCol="0" anchor="ctr"/>
-          <a:lstStyle/>
-          <a:p>
-            <a:pPr algn="ctr"/>
-            <a:endParaRPr lang="en-PH"/>
-          </a:p>
-        </p:txBody>
-      </p:sp>
-      <p:sp>
-        <p:nvSpPr>
-          <p:cNvPr id="7" name="TextBox 6"/>
-          <p:cNvSpPr txBox="1"/>
-          <p:nvPr/>
-        </p:nvSpPr>
-        <p:spPr>
-          <a:xfrm>
-            <a:off x="5284121" y="1816817"/>
-            <a:ext cx="2489552" cy="461665"/>
-          </a:xfrm>
-          <a:prstGeom prst="rect">
-            <a:avLst/>
-          </a:prstGeom>
-          <a:noFill/>
-        </p:spPr>
-        <p:txBody>
-          <a:bodyPr wrap="square" rtlCol="0">
-            <a:spAutoFit/>
-          </a:bodyPr>
-          <a:lstStyle/>
-          <a:p>
-            <a:pPr algn="ctr"/>
-            <a:r>
-              <a:rPr lang="en-PH" sz="2400" b="1" dirty="0">
-                <a:solidFill>
-                  <a:schemeClr val="bg1"/>
-                </a:solidFill>
-                <a:latin typeface="Arial" panose="020B0604020202020204" pitchFamily="34" charset="0"/>
-                <a:cs typeface="Arial" panose="020B0604020202020204" pitchFamily="34" charset="0"/>
-              </a:rPr>
-              <a:t>ELOUS STORE</a:t>
-            </a:r>
-          </a:p>
-        </p:txBody>
-      </p:sp>
-      <p:sp>
-        <p:nvSpPr>
-          <p:cNvPr id="8" name="TextBox 7"/>
-          <p:cNvSpPr txBox="1"/>
-          <p:nvPr/>
-        </p:nvSpPr>
-        <p:spPr>
-          <a:xfrm>
-            <a:off x="5385152" y="2551011"/>
-            <a:ext cx="2273300" cy="369332"/>
-          </a:xfrm>
-          <a:prstGeom prst="rect">
-            <a:avLst/>
-          </a:prstGeom>
-          <a:noFill/>
-        </p:spPr>
-        <p:txBody>
-          <a:bodyPr wrap="square" rtlCol="0">
-            <a:spAutoFit/>
-          </a:bodyPr>
-          <a:lstStyle/>
-          <a:p>
-            <a:pPr algn="ctr"/>
-            <a:r>
-              <a:rPr lang="en-PH" dirty="0">
-                <a:solidFill>
-                  <a:schemeClr val="bg1"/>
-                </a:solidFill>
-              </a:rPr>
-              <a:t>Welcome!</a:t>
-            </a:r>
-          </a:p>
-        </p:txBody>
-      </p:sp>
-      <p:pic>
-        <p:nvPicPr>
-          <p:cNvPr id="9" name="Picture 8"/>
-          <p:cNvPicPr>
-            <a:picLocks noChangeAspect="1"/>
-          </p:cNvPicPr>
-          <p:nvPr/>
-        </p:nvPicPr>
-        <p:blipFill>
-          <a:blip r:embed="rId2"/>
-          <a:stretch>
-            <a:fillRect/>
-          </a:stretch>
-        </p:blipFill>
-        <p:spPr>
-          <a:xfrm>
-            <a:off x="9555301" y="362098"/>
-            <a:ext cx="2133600" cy="781050"/>
-          </a:xfrm>
-          <a:prstGeom prst="rect">
-            <a:avLst/>
-          </a:prstGeom>
-        </p:spPr>
-      </p:pic>
-      <p:cxnSp>
-        <p:nvCxnSpPr>
-          <p:cNvPr id="15" name="Straight Connector 14"/>
-          <p:cNvCxnSpPr/>
-          <p:nvPr/>
-        </p:nvCxnSpPr>
-        <p:spPr>
-          <a:xfrm>
-            <a:off x="5138134" y="3035300"/>
-            <a:ext cx="2753391" cy="6232"/>
-          </a:xfrm>
-          <a:prstGeom prst="line">
-            <a:avLst/>
-          </a:prstGeom>
-          <a:ln>
-            <a:solidFill>
-              <a:srgbClr val="C2F3FD"/>
-            </a:solidFill>
-          </a:ln>
-        </p:spPr>
-        <p:style>
-          <a:lnRef idx="1">
-            <a:schemeClr val="accent1"/>
-          </a:lnRef>
-          <a:fillRef idx="0">
-            <a:schemeClr val="accent1"/>
-          </a:fillRef>
-          <a:effectRef idx="0">
-            <a:schemeClr val="accent1"/>
-          </a:effectRef>
-          <a:fontRef idx="minor">
-            <a:schemeClr val="tx1"/>
-          </a:fontRef>
-        </p:style>
-      </p:cxnSp>
-      <p:sp>
-        <p:nvSpPr>
-          <p:cNvPr id="21" name="Rounded Rectangle 20"/>
-          <p:cNvSpPr/>
-          <p:nvPr/>
-        </p:nvSpPr>
-        <p:spPr>
-          <a:xfrm>
-            <a:off x="5533848" y="3294793"/>
-            <a:ext cx="1933087" cy="478302"/>
-          </a:xfrm>
-          <a:prstGeom prst="roundRect">
-            <a:avLst/>
-          </a:prstGeom>
-          <a:solidFill>
-            <a:srgbClr val="FCD4BA"/>
-          </a:solidFill>
-          <a:ln>
-            <a:noFill/>
-          </a:ln>
-          <a:effectLst/>
-          <a:scene3d>
-            <a:camera prst="orthographicFront"/>
-            <a:lightRig rig="threePt" dir="t"/>
-          </a:scene3d>
-          <a:sp3d>
-            <a:bevelT/>
-          </a:sp3d>
-        </p:spPr>
-        <p:style>
-          <a:lnRef idx="2">
-            <a:schemeClr val="accent1">
-              <a:shade val="50000"/>
-            </a:schemeClr>
-          </a:lnRef>
-          <a:fillRef idx="1">
-            <a:schemeClr val="accent1"/>
-          </a:fillRef>
-          <a:effectRef idx="0">
-            <a:schemeClr val="accent1"/>
-          </a:effectRef>
-          <a:fontRef idx="minor">
-            <a:schemeClr val="lt1"/>
-          </a:fontRef>
-        </p:style>
-        <p:txBody>
-          <a:bodyPr rtlCol="0" anchor="ctr"/>
-          <a:lstStyle/>
-          <a:p>
-            <a:r>
-              <a:rPr lang="en-PH" b="1" dirty="0">
-                <a:solidFill>
-                  <a:srgbClr val="0B4555"/>
-                </a:solidFill>
-              </a:rPr>
-              <a:t>Sales</a:t>
-            </a:r>
-          </a:p>
-        </p:txBody>
-      </p:sp>
-      <p:sp>
-        <p:nvSpPr>
-          <p:cNvPr id="23" name="Rounded Rectangle 22"/>
-          <p:cNvSpPr/>
-          <p:nvPr/>
-        </p:nvSpPr>
-        <p:spPr>
-          <a:xfrm>
-            <a:off x="5533848" y="3909480"/>
-            <a:ext cx="1933087" cy="478302"/>
-          </a:xfrm>
-          <a:prstGeom prst="roundRect">
-            <a:avLst/>
-          </a:prstGeom>
-          <a:solidFill>
-            <a:srgbClr val="FCD4BA"/>
-          </a:solidFill>
-          <a:ln>
-            <a:solidFill>
-              <a:srgbClr val="71B8C7"/>
-            </a:solidFill>
-          </a:ln>
-          <a:scene3d>
-            <a:camera prst="orthographicFront"/>
-            <a:lightRig rig="threePt" dir="t"/>
-          </a:scene3d>
-          <a:sp3d>
-            <a:bevelT/>
-          </a:sp3d>
-        </p:spPr>
-        <p:style>
-          <a:lnRef idx="2">
-            <a:schemeClr val="accent1">
-              <a:shade val="50000"/>
-            </a:schemeClr>
-          </a:lnRef>
-          <a:fillRef idx="1">
-            <a:schemeClr val="accent1"/>
-          </a:fillRef>
-          <a:effectRef idx="0">
-            <a:schemeClr val="accent1"/>
-          </a:effectRef>
-          <a:fontRef idx="minor">
-            <a:schemeClr val="lt1"/>
-          </a:fontRef>
-        </p:style>
-        <p:txBody>
-          <a:bodyPr rtlCol="0" anchor="ctr"/>
-          <a:lstStyle/>
-          <a:p>
-            <a:r>
-              <a:rPr lang="en-PH" b="1" dirty="0">
-                <a:solidFill>
-                  <a:srgbClr val="0B4555"/>
-                </a:solidFill>
-              </a:rPr>
-              <a:t>Products</a:t>
-            </a:r>
-          </a:p>
-        </p:txBody>
-      </p:sp>
-      <p:sp>
-        <p:nvSpPr>
-          <p:cNvPr id="24" name="Rounded Rectangle 23"/>
-          <p:cNvSpPr/>
-          <p:nvPr/>
-        </p:nvSpPr>
-        <p:spPr>
-          <a:xfrm>
-            <a:off x="5533845" y="4539600"/>
-            <a:ext cx="1933087" cy="478302"/>
-          </a:xfrm>
-          <a:prstGeom prst="roundRect">
-            <a:avLst/>
-          </a:prstGeom>
-          <a:solidFill>
-            <a:srgbClr val="FCD4BA"/>
-          </a:solidFill>
-          <a:ln>
-            <a:solidFill>
-              <a:srgbClr val="71B8C7"/>
-            </a:solidFill>
-          </a:ln>
-          <a:scene3d>
-            <a:camera prst="orthographicFront"/>
-            <a:lightRig rig="threePt" dir="t"/>
-          </a:scene3d>
-          <a:sp3d>
-            <a:bevelT/>
-          </a:sp3d>
-        </p:spPr>
-        <p:style>
-          <a:lnRef idx="2">
-            <a:schemeClr val="accent1">
-              <a:shade val="50000"/>
-            </a:schemeClr>
-          </a:lnRef>
-          <a:fillRef idx="1">
-            <a:schemeClr val="accent1"/>
-          </a:fillRef>
-          <a:effectRef idx="0">
-            <a:schemeClr val="accent1"/>
-          </a:effectRef>
-          <a:fontRef idx="minor">
-            <a:schemeClr val="lt1"/>
-          </a:fontRef>
-        </p:style>
-        <p:txBody>
-          <a:bodyPr rtlCol="0" anchor="ctr"/>
-          <a:lstStyle/>
-          <a:p>
-            <a:r>
-              <a:rPr lang="en-PH" b="1" dirty="0">
-                <a:solidFill>
-                  <a:srgbClr val="0B4555"/>
-                </a:solidFill>
-              </a:rPr>
-              <a:t>Graph</a:t>
-            </a:r>
-          </a:p>
-        </p:txBody>
-      </p:sp>
-      <p:pic>
-        <p:nvPicPr>
-          <p:cNvPr id="14" name="Picture 13"/>
-          <p:cNvPicPr>
-            <a:picLocks noChangeAspect="1"/>
-          </p:cNvPicPr>
-          <p:nvPr/>
-        </p:nvPicPr>
-        <p:blipFill>
-          <a:blip r:embed="rId3">
-            <a:extLst>
-              <a:ext uri="{BEBA8EAE-BF5A-486C-A8C5-ECC9F3942E4B}">
-                <a14:imgProps xmlns:a14="http://schemas.microsoft.com/office/drawing/2010/main">
-                  <a14:imgLayer r:embed="rId4">
-                    <a14:imgEffect>
-                      <a14:brightnessContrast bright="20000"/>
-                    </a14:imgEffect>
-                  </a14:imgLayer>
-                </a14:imgProps>
-              </a:ext>
-            </a:extLst>
-          </a:blip>
-          <a:stretch>
-            <a:fillRect/>
-          </a:stretch>
-        </p:blipFill>
-        <p:spPr>
-          <a:xfrm>
-            <a:off x="6970996" y="4658209"/>
-            <a:ext cx="442148" cy="343892"/>
-          </a:xfrm>
-          <a:prstGeom prst="rect">
-            <a:avLst/>
-          </a:prstGeom>
-          <a:effectLst>
-            <a:softEdge rad="25400"/>
-          </a:effectLst>
-        </p:spPr>
-      </p:pic>
-      <p:pic>
-        <p:nvPicPr>
-          <p:cNvPr id="18" name="Picture 17"/>
-          <p:cNvPicPr>
-            <a:picLocks noChangeAspect="1"/>
-          </p:cNvPicPr>
-          <p:nvPr/>
-        </p:nvPicPr>
-        <p:blipFill>
-          <a:blip r:embed="rId5">
-            <a:extLst>
-              <a:ext uri="{BEBA8EAE-BF5A-486C-A8C5-ECC9F3942E4B}">
-                <a14:imgProps xmlns:a14="http://schemas.microsoft.com/office/drawing/2010/main">
-                  <a14:imgLayer r:embed="rId6">
-                    <a14:imgEffect>
-                      <a14:brightnessContrast bright="20000"/>
-                    </a14:imgEffect>
-                  </a14:imgLayer>
-                </a14:imgProps>
-              </a:ext>
-            </a:extLst>
-          </a:blip>
-          <a:stretch>
-            <a:fillRect/>
-          </a:stretch>
-        </p:blipFill>
-        <p:spPr>
-          <a:xfrm>
-            <a:off x="6970996" y="3362441"/>
-            <a:ext cx="442147" cy="341668"/>
-          </a:xfrm>
-          <a:prstGeom prst="rect">
-            <a:avLst/>
-          </a:prstGeom>
-          <a:effectLst>
-            <a:softEdge rad="25400"/>
-          </a:effectLst>
-        </p:spPr>
-      </p:pic>
-      <p:pic>
-        <p:nvPicPr>
-          <p:cNvPr id="26" name="Picture 25"/>
-          <p:cNvPicPr>
-            <a:picLocks noChangeAspect="1"/>
-          </p:cNvPicPr>
-          <p:nvPr/>
-        </p:nvPicPr>
-        <p:blipFill>
-          <a:blip r:embed="rId7">
-            <a:extLst>
-              <a:ext uri="{BEBA8EAE-BF5A-486C-A8C5-ECC9F3942E4B}">
-                <a14:imgProps xmlns:a14="http://schemas.microsoft.com/office/drawing/2010/main">
-                  <a14:imgLayer r:embed="rId8">
-                    <a14:imgEffect>
-                      <a14:brightnessContrast bright="20000"/>
-                    </a14:imgEffect>
-                  </a14:imgLayer>
-                </a14:imgProps>
-              </a:ext>
-            </a:extLst>
-          </a:blip>
-          <a:stretch>
-            <a:fillRect/>
-          </a:stretch>
-        </p:blipFill>
-        <p:spPr>
-          <a:xfrm>
-            <a:off x="6971993" y="3995343"/>
-            <a:ext cx="442147" cy="343892"/>
-          </a:xfrm>
-          <a:prstGeom prst="rect">
-            <a:avLst/>
-          </a:prstGeom>
-          <a:effectLst>
-            <a:softEdge rad="25400"/>
-          </a:effectLst>
-        </p:spPr>
-      </p:pic>
-      <p:sp>
-        <p:nvSpPr>
-          <p:cNvPr id="28" name="Rounded Rectangle 27"/>
-          <p:cNvSpPr/>
-          <p:nvPr/>
-        </p:nvSpPr>
-        <p:spPr>
-          <a:xfrm>
-            <a:off x="5533845" y="5181558"/>
-            <a:ext cx="1933087" cy="478302"/>
-          </a:xfrm>
-          <a:prstGeom prst="roundRect">
-            <a:avLst/>
-          </a:prstGeom>
-          <a:solidFill>
-            <a:srgbClr val="FCD4BA"/>
-          </a:solidFill>
-          <a:ln>
-            <a:solidFill>
-              <a:srgbClr val="71B8C7"/>
-            </a:solidFill>
-          </a:ln>
-          <a:scene3d>
-            <a:camera prst="orthographicFront"/>
-            <a:lightRig rig="threePt" dir="t"/>
-          </a:scene3d>
-          <a:sp3d>
-            <a:bevelT/>
-          </a:sp3d>
-        </p:spPr>
-        <p:style>
-          <a:lnRef idx="2">
-            <a:schemeClr val="accent1">
-              <a:shade val="50000"/>
-            </a:schemeClr>
-          </a:lnRef>
-          <a:fillRef idx="1">
-            <a:schemeClr val="accent1"/>
-          </a:fillRef>
-          <a:effectRef idx="0">
-            <a:schemeClr val="accent1"/>
-          </a:effectRef>
-          <a:fontRef idx="minor">
-            <a:schemeClr val="lt1"/>
-          </a:fontRef>
-        </p:style>
-        <p:txBody>
-          <a:bodyPr rtlCol="0" anchor="ctr"/>
-          <a:lstStyle/>
-          <a:p>
-            <a:r>
-              <a:rPr lang="en-PH" b="1" dirty="0">
-                <a:solidFill>
-                  <a:srgbClr val="0B4555"/>
-                </a:solidFill>
-              </a:rPr>
-              <a:t>Expenses</a:t>
-            </a:r>
-          </a:p>
-        </p:txBody>
-      </p:sp>
-      <p:pic>
-        <p:nvPicPr>
-          <p:cNvPr id="29" name="Picture 28"/>
-          <p:cNvPicPr>
-            <a:picLocks noChangeAspect="1"/>
-          </p:cNvPicPr>
-          <p:nvPr/>
-        </p:nvPicPr>
-        <p:blipFill>
-          <a:blip r:embed="rId9"/>
-          <a:stretch>
-            <a:fillRect/>
-          </a:stretch>
-        </p:blipFill>
-        <p:spPr>
-          <a:xfrm>
-            <a:off x="6970995" y="5240770"/>
-            <a:ext cx="442147" cy="343892"/>
-          </a:xfrm>
-          <a:prstGeom prst="rect">
-            <a:avLst/>
-          </a:prstGeom>
-        </p:spPr>
-      </p:pic>
-      <p:cxnSp>
-        <p:nvCxnSpPr>
-          <p:cNvPr id="30" name="Straight Connector 29"/>
-          <p:cNvCxnSpPr/>
-          <p:nvPr/>
-        </p:nvCxnSpPr>
-        <p:spPr>
-          <a:xfrm>
-            <a:off x="5123692" y="5934015"/>
-            <a:ext cx="2753391" cy="6232"/>
-          </a:xfrm>
-          <a:prstGeom prst="line">
-            <a:avLst/>
-          </a:prstGeom>
-          <a:ln>
-            <a:solidFill>
-              <a:srgbClr val="C2F3FD"/>
-            </a:solidFill>
-          </a:ln>
-        </p:spPr>
-        <p:style>
-          <a:lnRef idx="1">
-            <a:schemeClr val="accent1"/>
-          </a:lnRef>
-          <a:fillRef idx="0">
-            <a:schemeClr val="accent1"/>
-          </a:fillRef>
-          <a:effectRef idx="0">
-            <a:schemeClr val="accent1"/>
-          </a:effectRef>
-          <a:fontRef idx="minor">
-            <a:schemeClr val="tx1"/>
-          </a:fontRef>
-        </p:style>
-      </p:cxnSp>
-      <p:sp>
-        <p:nvSpPr>
-          <p:cNvPr id="32" name="TextBox 31"/>
-          <p:cNvSpPr txBox="1"/>
-          <p:nvPr/>
-        </p:nvSpPr>
-        <p:spPr>
-          <a:xfrm>
-            <a:off x="6059368" y="6019452"/>
-            <a:ext cx="939057" cy="369332"/>
-          </a:xfrm>
-          <a:prstGeom prst="rect">
-            <a:avLst/>
-          </a:prstGeom>
-          <a:noFill/>
-        </p:spPr>
-        <p:txBody>
-          <a:bodyPr wrap="square" rtlCol="0">
-            <a:spAutoFit/>
-          </a:bodyPr>
-          <a:lstStyle/>
-          <a:p>
-            <a:r>
-              <a:rPr lang="en-PH" u="sng" dirty="0">
-                <a:solidFill>
-                  <a:srgbClr val="C2F3FD"/>
-                </a:solidFill>
-              </a:rPr>
-              <a:t>Logout</a:t>
-            </a:r>
-          </a:p>
-        </p:txBody>
-      </p:sp>
-      <p:sp>
-        <p:nvSpPr>
-          <p:cNvPr id="36" name="TextBox 35"/>
-          <p:cNvSpPr txBox="1"/>
-          <p:nvPr/>
-        </p:nvSpPr>
-        <p:spPr>
-          <a:xfrm>
-            <a:off x="9494151" y="1324499"/>
-            <a:ext cx="2446326" cy="461665"/>
-          </a:xfrm>
-          <a:prstGeom prst="rect">
-            <a:avLst/>
-          </a:prstGeom>
-          <a:noFill/>
-        </p:spPr>
-        <p:txBody>
-          <a:bodyPr wrap="square" rtlCol="0">
-            <a:spAutoFit/>
-          </a:bodyPr>
-          <a:lstStyle/>
-          <a:p>
-            <a:r>
-              <a:rPr lang="en-PH" sz="2400" dirty="0"/>
-              <a:t>MAIN ACTIVITY</a:t>
-            </a:r>
-          </a:p>
-        </p:txBody>
-      </p:sp>
-      <p:sp>
-        <p:nvSpPr>
-          <p:cNvPr id="3" name="Oval 2"/>
-          <p:cNvSpPr/>
-          <p:nvPr/>
-        </p:nvSpPr>
-        <p:spPr>
-          <a:xfrm>
-            <a:off x="5138134" y="4948023"/>
-            <a:ext cx="2635540" cy="944242"/>
-          </a:xfrm>
-          <a:prstGeom prst="ellipse">
-            <a:avLst/>
-          </a:prstGeom>
-          <a:noFill/>
-          <a:ln>
-            <a:solidFill>
-              <a:srgbClr val="FF0000"/>
-            </a:solidFill>
-          </a:ln>
-        </p:spPr>
-        <p:style>
-          <a:lnRef idx="2">
-            <a:schemeClr val="accent1">
-              <a:shade val="50000"/>
-            </a:schemeClr>
-          </a:lnRef>
-          <a:fillRef idx="1">
-            <a:schemeClr val="accent1"/>
-          </a:fillRef>
-          <a:effectRef idx="0">
-            <a:schemeClr val="accent1"/>
-          </a:effectRef>
-          <a:fontRef idx="minor">
-            <a:schemeClr val="lt1"/>
-          </a:fontRef>
-        </p:style>
-        <p:txBody>
-          <a:bodyPr rtlCol="0" anchor="ctr"/>
-          <a:lstStyle/>
-          <a:p>
-            <a:pPr algn="ctr"/>
-            <a:endParaRPr lang="en-PH"/>
-          </a:p>
-        </p:txBody>
-      </p:sp>
-    </p:spTree>
-    <p:extLst>
-      <p:ext uri="{BB962C8B-B14F-4D97-AF65-F5344CB8AC3E}">
-        <p14:creationId xmlns:p14="http://schemas.microsoft.com/office/powerpoint/2010/main" val="698287339"/>
+        <p14:creationId xmlns:p14="http://schemas.microsoft.com/office/powerpoint/2010/main" val="2273938558"/>
       </p:ext>
     </p:extLst>
   </p:cSld>
@@ -15095,7 +16127,7 @@
         </p:nvSpPr>
         <p:spPr>
           <a:xfrm>
-            <a:off x="5770978" y="5703445"/>
+            <a:off x="5770978" y="5690193"/>
             <a:ext cx="1521582" cy="367121"/>
           </a:xfrm>
           <a:prstGeom prst="roundRect">
@@ -15144,7 +16176,7 @@
                   <a:srgbClr val="0B4555"/>
                 </a:solidFill>
               </a:rPr>
-              <a:t>Add expense</a:t>
+              <a:t>Compute</a:t>
             </a:r>
           </a:p>
         </p:txBody>
@@ -15252,7 +16284,7 @@
         <p:spPr>
           <a:xfrm flipH="1">
             <a:off x="7292560" y="5783775"/>
-            <a:ext cx="1500702" cy="103231"/>
+            <a:ext cx="1500702" cy="89979"/>
           </a:xfrm>
           <a:prstGeom prst="straightConnector1">
             <a:avLst/>

--- a/Mobile Application.pptx
+++ b/Mobile Application.pptx
@@ -7671,6 +7671,74 @@
           </a:p>
         </p:txBody>
       </p:sp>
+      <p:cxnSp>
+        <p:nvCxnSpPr>
+          <p:cNvPr id="39" name="Straight Connector 38"/>
+          <p:cNvCxnSpPr/>
+          <p:nvPr/>
+        </p:nvCxnSpPr>
+        <p:spPr>
+          <a:xfrm>
+            <a:off x="5123692" y="5934015"/>
+            <a:ext cx="2753391" cy="6232"/>
+          </a:xfrm>
+          <a:prstGeom prst="line">
+            <a:avLst/>
+          </a:prstGeom>
+          <a:ln>
+            <a:solidFill>
+              <a:srgbClr val="C2F3FD"/>
+            </a:solidFill>
+          </a:ln>
+        </p:spPr>
+        <p:style>
+          <a:lnRef idx="1">
+            <a:schemeClr val="accent1"/>
+          </a:lnRef>
+          <a:fillRef idx="0">
+            <a:schemeClr val="accent1"/>
+          </a:fillRef>
+          <a:effectRef idx="0">
+            <a:schemeClr val="accent1"/>
+          </a:effectRef>
+          <a:fontRef idx="minor">
+            <a:schemeClr val="tx1"/>
+          </a:fontRef>
+        </p:style>
+      </p:cxnSp>
+      <p:sp>
+        <p:nvSpPr>
+          <p:cNvPr id="40" name="TextBox 39"/>
+          <p:cNvSpPr txBox="1"/>
+          <p:nvPr/>
+        </p:nvSpPr>
+        <p:spPr>
+          <a:xfrm>
+            <a:off x="6059368" y="6019452"/>
+            <a:ext cx="939057" cy="369332"/>
+          </a:xfrm>
+          <a:prstGeom prst="rect">
+            <a:avLst/>
+          </a:prstGeom>
+          <a:noFill/>
+        </p:spPr>
+        <p:txBody>
+          <a:bodyPr wrap="square" rtlCol="0">
+            <a:spAutoFit/>
+          </a:bodyPr>
+          <a:lstStyle/>
+          <a:p>
+            <a:r>
+              <a:rPr lang="en-PH" u="sng" dirty="0">
+                <a:solidFill>
+                  <a:srgbClr val="C2F3FD"/>
+                </a:solidFill>
+              </a:rPr>
+              <a:t>Logout</a:t>
+            </a:r>
+          </a:p>
+        </p:txBody>
+      </p:sp>
     </p:spTree>
     <p:extLst>
       <p:ext uri="{BB962C8B-B14F-4D97-AF65-F5344CB8AC3E}">
@@ -8171,6 +8239,74 @@
               <a:latin typeface="Arial" panose="020B0604020202020204" pitchFamily="34" charset="0"/>
               <a:cs typeface="Arial" panose="020B0604020202020204" pitchFamily="34" charset="0"/>
             </a:endParaRPr>
+          </a:p>
+        </p:txBody>
+      </p:sp>
+      <p:cxnSp>
+        <p:nvCxnSpPr>
+          <p:cNvPr id="17" name="Straight Connector 16"/>
+          <p:cNvCxnSpPr/>
+          <p:nvPr/>
+        </p:nvCxnSpPr>
+        <p:spPr>
+          <a:xfrm>
+            <a:off x="5123692" y="5934015"/>
+            <a:ext cx="2753391" cy="6232"/>
+          </a:xfrm>
+          <a:prstGeom prst="line">
+            <a:avLst/>
+          </a:prstGeom>
+          <a:ln>
+            <a:solidFill>
+              <a:srgbClr val="C2F3FD"/>
+            </a:solidFill>
+          </a:ln>
+        </p:spPr>
+        <p:style>
+          <a:lnRef idx="1">
+            <a:schemeClr val="accent1"/>
+          </a:lnRef>
+          <a:fillRef idx="0">
+            <a:schemeClr val="accent1"/>
+          </a:fillRef>
+          <a:effectRef idx="0">
+            <a:schemeClr val="accent1"/>
+          </a:effectRef>
+          <a:fontRef idx="minor">
+            <a:schemeClr val="tx1"/>
+          </a:fontRef>
+        </p:style>
+      </p:cxnSp>
+      <p:sp>
+        <p:nvSpPr>
+          <p:cNvPr id="18" name="TextBox 17"/>
+          <p:cNvSpPr txBox="1"/>
+          <p:nvPr/>
+        </p:nvSpPr>
+        <p:spPr>
+          <a:xfrm>
+            <a:off x="6059368" y="6019452"/>
+            <a:ext cx="939057" cy="369332"/>
+          </a:xfrm>
+          <a:prstGeom prst="rect">
+            <a:avLst/>
+          </a:prstGeom>
+          <a:noFill/>
+        </p:spPr>
+        <p:txBody>
+          <a:bodyPr wrap="square" rtlCol="0">
+            <a:spAutoFit/>
+          </a:bodyPr>
+          <a:lstStyle/>
+          <a:p>
+            <a:r>
+              <a:rPr lang="en-PH" u="sng" dirty="0">
+                <a:solidFill>
+                  <a:srgbClr val="C2F3FD"/>
+                </a:solidFill>
+              </a:rPr>
+              <a:t>Logout</a:t>
+            </a:r>
           </a:p>
         </p:txBody>
       </p:sp>
@@ -10929,7 +11065,7 @@
         </p:nvSpPr>
         <p:spPr>
           <a:xfrm>
-            <a:off x="6710288" y="5652645"/>
+            <a:off x="6710288" y="5453865"/>
             <a:ext cx="1315333" cy="367121"/>
           </a:xfrm>
           <a:prstGeom prst="roundRect">
@@ -11007,74 +11143,6 @@
           </a:prstGeom>
         </p:spPr>
       </p:pic>
-      <p:cxnSp>
-        <p:nvCxnSpPr>
-          <p:cNvPr id="27" name="Straight Connector 26"/>
-          <p:cNvCxnSpPr/>
-          <p:nvPr/>
-        </p:nvCxnSpPr>
-        <p:spPr>
-          <a:xfrm>
-            <a:off x="5155073" y="5475183"/>
-            <a:ext cx="2753391" cy="6232"/>
-          </a:xfrm>
-          <a:prstGeom prst="line">
-            <a:avLst/>
-          </a:prstGeom>
-          <a:ln>
-            <a:solidFill>
-              <a:srgbClr val="C2F3FD"/>
-            </a:solidFill>
-          </a:ln>
-        </p:spPr>
-        <p:style>
-          <a:lnRef idx="1">
-            <a:schemeClr val="accent1"/>
-          </a:lnRef>
-          <a:fillRef idx="0">
-            <a:schemeClr val="accent1"/>
-          </a:fillRef>
-          <a:effectRef idx="0">
-            <a:schemeClr val="accent1"/>
-          </a:effectRef>
-          <a:fontRef idx="minor">
-            <a:schemeClr val="tx1"/>
-          </a:fontRef>
-        </p:style>
-      </p:cxnSp>
-      <p:sp>
-        <p:nvSpPr>
-          <p:cNvPr id="29" name="TextBox 28"/>
-          <p:cNvSpPr txBox="1"/>
-          <p:nvPr/>
-        </p:nvSpPr>
-        <p:spPr>
-          <a:xfrm>
-            <a:off x="6062240" y="6019766"/>
-            <a:ext cx="939057" cy="369332"/>
-          </a:xfrm>
-          <a:prstGeom prst="rect">
-            <a:avLst/>
-          </a:prstGeom>
-          <a:noFill/>
-        </p:spPr>
-        <p:txBody>
-          <a:bodyPr wrap="square" rtlCol="0">
-            <a:spAutoFit/>
-          </a:bodyPr>
-          <a:lstStyle/>
-          <a:p>
-            <a:r>
-              <a:rPr lang="en-PH" u="sng" dirty="0">
-                <a:solidFill>
-                  <a:srgbClr val="C2F3FD"/>
-                </a:solidFill>
-              </a:rPr>
-              <a:t>Logout</a:t>
-            </a:r>
-          </a:p>
-        </p:txBody>
-      </p:sp>
       <p:sp>
         <p:nvSpPr>
           <p:cNvPr id="30" name="TextBox 29"/>
@@ -11233,7 +11301,7 @@
         <p:spPr>
           <a:xfrm flipH="1">
             <a:off x="8025621" y="5555534"/>
-            <a:ext cx="1148660" cy="280672"/>
+            <a:ext cx="1148660" cy="81892"/>
           </a:xfrm>
           <a:prstGeom prst="straightConnector1">
             <a:avLst/>
@@ -11278,7 +11346,7 @@
         </p:nvSpPr>
         <p:spPr>
           <a:xfrm>
-            <a:off x="5060634" y="5650078"/>
+            <a:off x="5060634" y="5451298"/>
             <a:ext cx="1315333" cy="367121"/>
           </a:xfrm>
           <a:prstGeom prst="roundRect">
@@ -11373,7 +11441,7 @@
         <p:spPr>
           <a:xfrm>
             <a:off x="4290397" y="5417035"/>
-            <a:ext cx="770237" cy="416604"/>
+            <a:ext cx="770237" cy="217824"/>
           </a:xfrm>
           <a:prstGeom prst="straightConnector1">
             <a:avLst/>
@@ -11471,6 +11539,74 @@
           </a:prstGeom>
         </p:spPr>
       </p:pic>
+      <p:cxnSp>
+        <p:nvCxnSpPr>
+          <p:cNvPr id="34" name="Straight Connector 33"/>
+          <p:cNvCxnSpPr/>
+          <p:nvPr/>
+        </p:nvCxnSpPr>
+        <p:spPr>
+          <a:xfrm>
+            <a:off x="5123692" y="5934015"/>
+            <a:ext cx="2753391" cy="6232"/>
+          </a:xfrm>
+          <a:prstGeom prst="line">
+            <a:avLst/>
+          </a:prstGeom>
+          <a:ln>
+            <a:solidFill>
+              <a:srgbClr val="C2F3FD"/>
+            </a:solidFill>
+          </a:ln>
+        </p:spPr>
+        <p:style>
+          <a:lnRef idx="1">
+            <a:schemeClr val="accent1"/>
+          </a:lnRef>
+          <a:fillRef idx="0">
+            <a:schemeClr val="accent1"/>
+          </a:fillRef>
+          <a:effectRef idx="0">
+            <a:schemeClr val="accent1"/>
+          </a:effectRef>
+          <a:fontRef idx="minor">
+            <a:schemeClr val="tx1"/>
+          </a:fontRef>
+        </p:style>
+      </p:cxnSp>
+      <p:sp>
+        <p:nvSpPr>
+          <p:cNvPr id="36" name="TextBox 35"/>
+          <p:cNvSpPr txBox="1"/>
+          <p:nvPr/>
+        </p:nvSpPr>
+        <p:spPr>
+          <a:xfrm>
+            <a:off x="6059368" y="6019452"/>
+            <a:ext cx="939057" cy="369332"/>
+          </a:xfrm>
+          <a:prstGeom prst="rect">
+            <a:avLst/>
+          </a:prstGeom>
+          <a:noFill/>
+        </p:spPr>
+        <p:txBody>
+          <a:bodyPr wrap="square" rtlCol="0">
+            <a:spAutoFit/>
+          </a:bodyPr>
+          <a:lstStyle/>
+          <a:p>
+            <a:r>
+              <a:rPr lang="en-PH" u="sng" dirty="0">
+                <a:solidFill>
+                  <a:srgbClr val="C2F3FD"/>
+                </a:solidFill>
+              </a:rPr>
+              <a:t>Logout</a:t>
+            </a:r>
+          </a:p>
+        </p:txBody>
+      </p:sp>
     </p:spTree>
     <p:extLst>
       <p:ext uri="{BB962C8B-B14F-4D97-AF65-F5344CB8AC3E}">

--- a/Mobile Application.pptx
+++ b/Mobile Application.pptx
@@ -11395,7 +11395,7 @@
                   <a:srgbClr val="0B4555"/>
                 </a:solidFill>
               </a:rPr>
-              <a:t>Compute</a:t>
+              <a:t>Done</a:t>
             </a:r>
           </a:p>
         </p:txBody>

--- a/Mobile Application.pptx
+++ b/Mobile Application.pptx
@@ -18,9 +18,8 @@
     <p:sldId id="272" r:id="rId12"/>
     <p:sldId id="273" r:id="rId13"/>
     <p:sldId id="269" r:id="rId14"/>
-    <p:sldId id="270" r:id="rId15"/>
-    <p:sldId id="271" r:id="rId16"/>
-    <p:sldId id="266" r:id="rId17"/>
+    <p:sldId id="271" r:id="rId15"/>
+    <p:sldId id="266" r:id="rId16"/>
   </p:sldIdLst>
   <p:sldSz cx="12192000" cy="6858000"/>
   <p:notesSz cx="6858000" cy="9144000"/>
@@ -9818,779 +9817,6 @@
         </p:nvSpPr>
         <p:spPr>
           <a:xfrm>
-            <a:off x="5197059" y="4283100"/>
-            <a:ext cx="2635540" cy="944242"/>
-          </a:xfrm>
-          <a:prstGeom prst="ellipse">
-            <a:avLst/>
-          </a:prstGeom>
-          <a:noFill/>
-          <a:ln>
-            <a:solidFill>
-              <a:srgbClr val="FF0000"/>
-            </a:solidFill>
-          </a:ln>
-        </p:spPr>
-        <p:style>
-          <a:lnRef idx="2">
-            <a:schemeClr val="accent1">
-              <a:shade val="50000"/>
-            </a:schemeClr>
-          </a:lnRef>
-          <a:fillRef idx="1">
-            <a:schemeClr val="accent1"/>
-          </a:fillRef>
-          <a:effectRef idx="0">
-            <a:schemeClr val="accent1"/>
-          </a:effectRef>
-          <a:fontRef idx="minor">
-            <a:schemeClr val="lt1"/>
-          </a:fontRef>
-        </p:style>
-        <p:txBody>
-          <a:bodyPr rtlCol="0" anchor="ctr"/>
-          <a:lstStyle/>
-          <a:p>
-            <a:pPr algn="ctr"/>
-            <a:endParaRPr lang="en-PH"/>
-          </a:p>
-        </p:txBody>
-      </p:sp>
-    </p:spTree>
-    <p:extLst>
-      <p:ext uri="{BB962C8B-B14F-4D97-AF65-F5344CB8AC3E}">
-        <p14:creationId xmlns:p14="http://schemas.microsoft.com/office/powerpoint/2010/main" val="2048705685"/>
-      </p:ext>
-    </p:extLst>
-  </p:cSld>
-  <p:clrMapOvr>
-    <a:masterClrMapping/>
-  </p:clrMapOvr>
-  <mc:AlternateContent xmlns:mc="http://schemas.openxmlformats.org/markup-compatibility/2006" xmlns:p14="http://schemas.microsoft.com/office/powerpoint/2010/main">
-    <mc:Choice Requires="p14">
-      <p:transition spd="slow" p14:dur="1600">
-        <p14:prism isInverted="1"/>
-      </p:transition>
-    </mc:Choice>
-    <mc:Fallback xmlns="">
-      <p:transition spd="slow">
-        <p:fade/>
-      </p:transition>
-    </mc:Fallback>
-  </mc:AlternateContent>
-</p:sld>
-</file>
-
-<file path=ppt/slides/slide15.xml><?xml version="1.0" encoding="utf-8"?>
-<p:sld xmlns:a="http://schemas.openxmlformats.org/drawingml/2006/main" xmlns:r="http://schemas.openxmlformats.org/officeDocument/2006/relationships" xmlns:p="http://schemas.openxmlformats.org/presentationml/2006/main">
-  <p:cSld>
-    <p:spTree>
-      <p:nvGrpSpPr>
-        <p:cNvPr id="1" name=""/>
-        <p:cNvGrpSpPr/>
-        <p:nvPr/>
-      </p:nvGrpSpPr>
-      <p:grpSpPr>
-        <a:xfrm>
-          <a:off x="0" y="0"/>
-          <a:ext cx="0" cy="0"/>
-          <a:chOff x="0" y="0"/>
-          <a:chExt cx="0" cy="0"/>
-        </a:xfrm>
-      </p:grpSpPr>
-      <p:sp>
-        <p:nvSpPr>
-          <p:cNvPr id="2" name="Title 1"/>
-          <p:cNvSpPr>
-            <a:spLocks noGrp="1"/>
-          </p:cNvSpPr>
-          <p:nvPr>
-            <p:ph type="title"/>
-          </p:nvPr>
-        </p:nvSpPr>
-        <p:spPr>
-          <a:xfrm>
-            <a:off x="1512446" y="140680"/>
-            <a:ext cx="10018713" cy="1223887"/>
-          </a:xfrm>
-        </p:spPr>
-        <p:txBody>
-          <a:bodyPr/>
-          <a:lstStyle/>
-          <a:p>
-            <a:r>
-              <a:rPr lang="en-PH" b="1" dirty="0"/>
-              <a:t>Features (continued)</a:t>
-            </a:r>
-          </a:p>
-        </p:txBody>
-      </p:sp>
-      <p:sp>
-        <p:nvSpPr>
-          <p:cNvPr id="5" name="Rectangle 4"/>
-          <p:cNvSpPr/>
-          <p:nvPr/>
-        </p:nvSpPr>
-        <p:spPr>
-          <a:xfrm>
-            <a:off x="4777407" y="1353127"/>
-            <a:ext cx="3488788" cy="5162844"/>
-          </a:xfrm>
-          <a:prstGeom prst="rect">
-            <a:avLst/>
-          </a:prstGeom>
-          <a:solidFill>
-            <a:srgbClr val="1789A9"/>
-          </a:solidFill>
-          <a:ln>
-            <a:solidFill>
-              <a:srgbClr val="E38C59"/>
-            </a:solidFill>
-          </a:ln>
-        </p:spPr>
-        <p:style>
-          <a:lnRef idx="2">
-            <a:schemeClr val="accent1">
-              <a:shade val="50000"/>
-            </a:schemeClr>
-          </a:lnRef>
-          <a:fillRef idx="1">
-            <a:schemeClr val="accent1"/>
-          </a:fillRef>
-          <a:effectRef idx="0">
-            <a:schemeClr val="accent1"/>
-          </a:effectRef>
-          <a:fontRef idx="minor">
-            <a:schemeClr val="lt1"/>
-          </a:fontRef>
-        </p:style>
-        <p:txBody>
-          <a:bodyPr rtlCol="0" anchor="ctr"/>
-          <a:lstStyle/>
-          <a:p>
-            <a:pPr algn="ctr"/>
-            <a:endParaRPr lang="en-PH"/>
-          </a:p>
-        </p:txBody>
-      </p:sp>
-      <p:sp>
-        <p:nvSpPr>
-          <p:cNvPr id="7" name="TextBox 6"/>
-          <p:cNvSpPr txBox="1"/>
-          <p:nvPr/>
-        </p:nvSpPr>
-        <p:spPr>
-          <a:xfrm>
-            <a:off x="5284121" y="1816817"/>
-            <a:ext cx="2489552" cy="461665"/>
-          </a:xfrm>
-          <a:prstGeom prst="rect">
-            <a:avLst/>
-          </a:prstGeom>
-          <a:noFill/>
-        </p:spPr>
-        <p:txBody>
-          <a:bodyPr wrap="square" rtlCol="0">
-            <a:spAutoFit/>
-          </a:bodyPr>
-          <a:lstStyle/>
-          <a:p>
-            <a:pPr algn="ctr"/>
-            <a:r>
-              <a:rPr lang="en-PH" sz="2400" b="1" dirty="0">
-                <a:solidFill>
-                  <a:schemeClr val="bg1"/>
-                </a:solidFill>
-                <a:latin typeface="Arial" panose="020B0604020202020204" pitchFamily="34" charset="0"/>
-                <a:cs typeface="Arial" panose="020B0604020202020204" pitchFamily="34" charset="0"/>
-              </a:rPr>
-              <a:t>ELOUS STORE</a:t>
-            </a:r>
-          </a:p>
-        </p:txBody>
-      </p:sp>
-      <p:sp>
-        <p:nvSpPr>
-          <p:cNvPr id="8" name="TextBox 7"/>
-          <p:cNvSpPr txBox="1"/>
-          <p:nvPr/>
-        </p:nvSpPr>
-        <p:spPr>
-          <a:xfrm>
-            <a:off x="5385152" y="2551011"/>
-            <a:ext cx="2273300" cy="369332"/>
-          </a:xfrm>
-          <a:prstGeom prst="rect">
-            <a:avLst/>
-          </a:prstGeom>
-          <a:noFill/>
-        </p:spPr>
-        <p:txBody>
-          <a:bodyPr wrap="square" rtlCol="0">
-            <a:spAutoFit/>
-          </a:bodyPr>
-          <a:lstStyle/>
-          <a:p>
-            <a:pPr algn="ctr"/>
-            <a:r>
-              <a:rPr lang="en-PH" dirty="0">
-                <a:solidFill>
-                  <a:schemeClr val="bg1"/>
-                </a:solidFill>
-              </a:rPr>
-              <a:t>Welcome!</a:t>
-            </a:r>
-          </a:p>
-        </p:txBody>
-      </p:sp>
-      <p:pic>
-        <p:nvPicPr>
-          <p:cNvPr id="9" name="Picture 8"/>
-          <p:cNvPicPr>
-            <a:picLocks noChangeAspect="1"/>
-          </p:cNvPicPr>
-          <p:nvPr/>
-        </p:nvPicPr>
-        <p:blipFill>
-          <a:blip r:embed="rId2"/>
-          <a:stretch>
-            <a:fillRect/>
-          </a:stretch>
-        </p:blipFill>
-        <p:spPr>
-          <a:xfrm>
-            <a:off x="9555301" y="362098"/>
-            <a:ext cx="2133600" cy="781050"/>
-          </a:xfrm>
-          <a:prstGeom prst="rect">
-            <a:avLst/>
-          </a:prstGeom>
-        </p:spPr>
-      </p:pic>
-      <p:cxnSp>
-        <p:nvCxnSpPr>
-          <p:cNvPr id="15" name="Straight Connector 14"/>
-          <p:cNvCxnSpPr/>
-          <p:nvPr/>
-        </p:nvCxnSpPr>
-        <p:spPr>
-          <a:xfrm>
-            <a:off x="5138134" y="3035300"/>
-            <a:ext cx="2753391" cy="6232"/>
-          </a:xfrm>
-          <a:prstGeom prst="line">
-            <a:avLst/>
-          </a:prstGeom>
-          <a:ln>
-            <a:solidFill>
-              <a:srgbClr val="C2F3FD"/>
-            </a:solidFill>
-          </a:ln>
-        </p:spPr>
-        <p:style>
-          <a:lnRef idx="1">
-            <a:schemeClr val="accent1"/>
-          </a:lnRef>
-          <a:fillRef idx="0">
-            <a:schemeClr val="accent1"/>
-          </a:fillRef>
-          <a:effectRef idx="0">
-            <a:schemeClr val="accent1"/>
-          </a:effectRef>
-          <a:fontRef idx="minor">
-            <a:schemeClr val="tx1"/>
-          </a:fontRef>
-        </p:style>
-      </p:cxnSp>
-      <p:sp>
-        <p:nvSpPr>
-          <p:cNvPr id="21" name="Rounded Rectangle 20"/>
-          <p:cNvSpPr/>
-          <p:nvPr/>
-        </p:nvSpPr>
-        <p:spPr>
-          <a:xfrm>
-            <a:off x="5533848" y="3294793"/>
-            <a:ext cx="1933087" cy="478302"/>
-          </a:xfrm>
-          <a:prstGeom prst="roundRect">
-            <a:avLst/>
-          </a:prstGeom>
-          <a:solidFill>
-            <a:srgbClr val="FCD4BA"/>
-          </a:solidFill>
-          <a:ln>
-            <a:noFill/>
-          </a:ln>
-          <a:effectLst/>
-          <a:scene3d>
-            <a:camera prst="orthographicFront"/>
-            <a:lightRig rig="threePt" dir="t"/>
-          </a:scene3d>
-          <a:sp3d>
-            <a:bevelT/>
-          </a:sp3d>
-        </p:spPr>
-        <p:style>
-          <a:lnRef idx="2">
-            <a:schemeClr val="accent1">
-              <a:shade val="50000"/>
-            </a:schemeClr>
-          </a:lnRef>
-          <a:fillRef idx="1">
-            <a:schemeClr val="accent1"/>
-          </a:fillRef>
-          <a:effectRef idx="0">
-            <a:schemeClr val="accent1"/>
-          </a:effectRef>
-          <a:fontRef idx="minor">
-            <a:schemeClr val="lt1"/>
-          </a:fontRef>
-        </p:style>
-        <p:txBody>
-          <a:bodyPr rtlCol="0" anchor="ctr"/>
-          <a:lstStyle/>
-          <a:p>
-            <a:r>
-              <a:rPr lang="en-PH" b="1" dirty="0">
-                <a:solidFill>
-                  <a:srgbClr val="0B4555"/>
-                </a:solidFill>
-              </a:rPr>
-              <a:t>Sales</a:t>
-            </a:r>
-          </a:p>
-        </p:txBody>
-      </p:sp>
-      <p:sp>
-        <p:nvSpPr>
-          <p:cNvPr id="23" name="Rounded Rectangle 22"/>
-          <p:cNvSpPr/>
-          <p:nvPr/>
-        </p:nvSpPr>
-        <p:spPr>
-          <a:xfrm>
-            <a:off x="5533848" y="3909480"/>
-            <a:ext cx="1933087" cy="478302"/>
-          </a:xfrm>
-          <a:prstGeom prst="roundRect">
-            <a:avLst/>
-          </a:prstGeom>
-          <a:solidFill>
-            <a:srgbClr val="FCD4BA"/>
-          </a:solidFill>
-          <a:ln>
-            <a:solidFill>
-              <a:srgbClr val="71B8C7"/>
-            </a:solidFill>
-          </a:ln>
-          <a:scene3d>
-            <a:camera prst="orthographicFront"/>
-            <a:lightRig rig="threePt" dir="t"/>
-          </a:scene3d>
-          <a:sp3d>
-            <a:bevelT/>
-          </a:sp3d>
-        </p:spPr>
-        <p:style>
-          <a:lnRef idx="2">
-            <a:schemeClr val="accent1">
-              <a:shade val="50000"/>
-            </a:schemeClr>
-          </a:lnRef>
-          <a:fillRef idx="1">
-            <a:schemeClr val="accent1"/>
-          </a:fillRef>
-          <a:effectRef idx="0">
-            <a:schemeClr val="accent1"/>
-          </a:effectRef>
-          <a:fontRef idx="minor">
-            <a:schemeClr val="lt1"/>
-          </a:fontRef>
-        </p:style>
-        <p:txBody>
-          <a:bodyPr rtlCol="0" anchor="ctr"/>
-          <a:lstStyle/>
-          <a:p>
-            <a:r>
-              <a:rPr lang="en-PH" b="1" dirty="0">
-                <a:solidFill>
-                  <a:srgbClr val="0B4555"/>
-                </a:solidFill>
-              </a:rPr>
-              <a:t>Products</a:t>
-            </a:r>
-          </a:p>
-        </p:txBody>
-      </p:sp>
-      <p:sp>
-        <p:nvSpPr>
-          <p:cNvPr id="24" name="Rounded Rectangle 23"/>
-          <p:cNvSpPr/>
-          <p:nvPr/>
-        </p:nvSpPr>
-        <p:spPr>
-          <a:xfrm>
-            <a:off x="5533845" y="4539600"/>
-            <a:ext cx="1933087" cy="478302"/>
-          </a:xfrm>
-          <a:prstGeom prst="roundRect">
-            <a:avLst/>
-          </a:prstGeom>
-          <a:solidFill>
-            <a:srgbClr val="FCD4BA"/>
-          </a:solidFill>
-          <a:ln>
-            <a:solidFill>
-              <a:srgbClr val="71B8C7"/>
-            </a:solidFill>
-          </a:ln>
-          <a:scene3d>
-            <a:camera prst="orthographicFront"/>
-            <a:lightRig rig="threePt" dir="t"/>
-          </a:scene3d>
-          <a:sp3d>
-            <a:bevelT/>
-          </a:sp3d>
-        </p:spPr>
-        <p:style>
-          <a:lnRef idx="2">
-            <a:schemeClr val="accent1">
-              <a:shade val="50000"/>
-            </a:schemeClr>
-          </a:lnRef>
-          <a:fillRef idx="1">
-            <a:schemeClr val="accent1"/>
-          </a:fillRef>
-          <a:effectRef idx="0">
-            <a:schemeClr val="accent1"/>
-          </a:effectRef>
-          <a:fontRef idx="minor">
-            <a:schemeClr val="lt1"/>
-          </a:fontRef>
-        </p:style>
-        <p:txBody>
-          <a:bodyPr rtlCol="0" anchor="ctr"/>
-          <a:lstStyle/>
-          <a:p>
-            <a:r>
-              <a:rPr lang="en-PH" b="1" dirty="0">
-                <a:solidFill>
-                  <a:srgbClr val="0B4555"/>
-                </a:solidFill>
-              </a:rPr>
-              <a:t>Graph</a:t>
-            </a:r>
-          </a:p>
-        </p:txBody>
-      </p:sp>
-      <p:pic>
-        <p:nvPicPr>
-          <p:cNvPr id="14" name="Picture 13"/>
-          <p:cNvPicPr>
-            <a:picLocks noChangeAspect="1"/>
-          </p:cNvPicPr>
-          <p:nvPr/>
-        </p:nvPicPr>
-        <p:blipFill>
-          <a:blip r:embed="rId3">
-            <a:extLst>
-              <a:ext uri="{BEBA8EAE-BF5A-486C-A8C5-ECC9F3942E4B}">
-                <a14:imgProps xmlns:a14="http://schemas.microsoft.com/office/drawing/2010/main">
-                  <a14:imgLayer r:embed="rId4">
-                    <a14:imgEffect>
-                      <a14:brightnessContrast bright="20000"/>
-                    </a14:imgEffect>
-                  </a14:imgLayer>
-                </a14:imgProps>
-              </a:ext>
-            </a:extLst>
-          </a:blip>
-          <a:stretch>
-            <a:fillRect/>
-          </a:stretch>
-        </p:blipFill>
-        <p:spPr>
-          <a:xfrm>
-            <a:off x="6970996" y="4658209"/>
-            <a:ext cx="442148" cy="343892"/>
-          </a:xfrm>
-          <a:prstGeom prst="rect">
-            <a:avLst/>
-          </a:prstGeom>
-          <a:effectLst>
-            <a:softEdge rad="25400"/>
-          </a:effectLst>
-        </p:spPr>
-      </p:pic>
-      <p:pic>
-        <p:nvPicPr>
-          <p:cNvPr id="18" name="Picture 17"/>
-          <p:cNvPicPr>
-            <a:picLocks noChangeAspect="1"/>
-          </p:cNvPicPr>
-          <p:nvPr/>
-        </p:nvPicPr>
-        <p:blipFill>
-          <a:blip r:embed="rId5">
-            <a:extLst>
-              <a:ext uri="{BEBA8EAE-BF5A-486C-A8C5-ECC9F3942E4B}">
-                <a14:imgProps xmlns:a14="http://schemas.microsoft.com/office/drawing/2010/main">
-                  <a14:imgLayer r:embed="rId6">
-                    <a14:imgEffect>
-                      <a14:brightnessContrast bright="20000"/>
-                    </a14:imgEffect>
-                  </a14:imgLayer>
-                </a14:imgProps>
-              </a:ext>
-            </a:extLst>
-          </a:blip>
-          <a:stretch>
-            <a:fillRect/>
-          </a:stretch>
-        </p:blipFill>
-        <p:spPr>
-          <a:xfrm>
-            <a:off x="6970996" y="3362441"/>
-            <a:ext cx="442147" cy="341668"/>
-          </a:xfrm>
-          <a:prstGeom prst="rect">
-            <a:avLst/>
-          </a:prstGeom>
-          <a:effectLst>
-            <a:softEdge rad="25400"/>
-          </a:effectLst>
-        </p:spPr>
-      </p:pic>
-      <p:pic>
-        <p:nvPicPr>
-          <p:cNvPr id="26" name="Picture 25"/>
-          <p:cNvPicPr>
-            <a:picLocks noChangeAspect="1"/>
-          </p:cNvPicPr>
-          <p:nvPr/>
-        </p:nvPicPr>
-        <p:blipFill>
-          <a:blip r:embed="rId7">
-            <a:extLst>
-              <a:ext uri="{BEBA8EAE-BF5A-486C-A8C5-ECC9F3942E4B}">
-                <a14:imgProps xmlns:a14="http://schemas.microsoft.com/office/drawing/2010/main">
-                  <a14:imgLayer r:embed="rId8">
-                    <a14:imgEffect>
-                      <a14:brightnessContrast bright="20000"/>
-                    </a14:imgEffect>
-                  </a14:imgLayer>
-                </a14:imgProps>
-              </a:ext>
-            </a:extLst>
-          </a:blip>
-          <a:stretch>
-            <a:fillRect/>
-          </a:stretch>
-        </p:blipFill>
-        <p:spPr>
-          <a:xfrm>
-            <a:off x="6971993" y="3995343"/>
-            <a:ext cx="442147" cy="343892"/>
-          </a:xfrm>
-          <a:prstGeom prst="rect">
-            <a:avLst/>
-          </a:prstGeom>
-          <a:effectLst>
-            <a:softEdge rad="25400"/>
-          </a:effectLst>
-        </p:spPr>
-      </p:pic>
-      <p:sp>
-        <p:nvSpPr>
-          <p:cNvPr id="28" name="Rounded Rectangle 27"/>
-          <p:cNvSpPr/>
-          <p:nvPr/>
-        </p:nvSpPr>
-        <p:spPr>
-          <a:xfrm>
-            <a:off x="5533845" y="5181558"/>
-            <a:ext cx="1933087" cy="478302"/>
-          </a:xfrm>
-          <a:prstGeom prst="roundRect">
-            <a:avLst/>
-          </a:prstGeom>
-          <a:solidFill>
-            <a:srgbClr val="FCD4BA"/>
-          </a:solidFill>
-          <a:ln>
-            <a:solidFill>
-              <a:srgbClr val="71B8C7"/>
-            </a:solidFill>
-          </a:ln>
-          <a:scene3d>
-            <a:camera prst="orthographicFront"/>
-            <a:lightRig rig="threePt" dir="t"/>
-          </a:scene3d>
-          <a:sp3d>
-            <a:bevelT/>
-          </a:sp3d>
-        </p:spPr>
-        <p:style>
-          <a:lnRef idx="2">
-            <a:schemeClr val="accent1">
-              <a:shade val="50000"/>
-            </a:schemeClr>
-          </a:lnRef>
-          <a:fillRef idx="1">
-            <a:schemeClr val="accent1"/>
-          </a:fillRef>
-          <a:effectRef idx="0">
-            <a:schemeClr val="accent1"/>
-          </a:effectRef>
-          <a:fontRef idx="minor">
-            <a:schemeClr val="lt1"/>
-          </a:fontRef>
-        </p:style>
-        <p:txBody>
-          <a:bodyPr rtlCol="0" anchor="ctr"/>
-          <a:lstStyle/>
-          <a:p>
-            <a:r>
-              <a:rPr lang="en-PH" b="1" dirty="0">
-                <a:solidFill>
-                  <a:srgbClr val="0B4555"/>
-                </a:solidFill>
-              </a:rPr>
-              <a:t>Expenses</a:t>
-            </a:r>
-          </a:p>
-        </p:txBody>
-      </p:sp>
-      <p:pic>
-        <p:nvPicPr>
-          <p:cNvPr id="29" name="Picture 28"/>
-          <p:cNvPicPr>
-            <a:picLocks noChangeAspect="1"/>
-          </p:cNvPicPr>
-          <p:nvPr/>
-        </p:nvPicPr>
-        <p:blipFill>
-          <a:blip r:embed="rId9"/>
-          <a:stretch>
-            <a:fillRect/>
-          </a:stretch>
-        </p:blipFill>
-        <p:spPr>
-          <a:xfrm>
-            <a:off x="6970995" y="5240770"/>
-            <a:ext cx="442147" cy="343892"/>
-          </a:xfrm>
-          <a:prstGeom prst="rect">
-            <a:avLst/>
-          </a:prstGeom>
-        </p:spPr>
-      </p:pic>
-      <p:cxnSp>
-        <p:nvCxnSpPr>
-          <p:cNvPr id="30" name="Straight Connector 29"/>
-          <p:cNvCxnSpPr/>
-          <p:nvPr/>
-        </p:nvCxnSpPr>
-        <p:spPr>
-          <a:xfrm>
-            <a:off x="5123692" y="5934015"/>
-            <a:ext cx="2753391" cy="6232"/>
-          </a:xfrm>
-          <a:prstGeom prst="line">
-            <a:avLst/>
-          </a:prstGeom>
-          <a:ln>
-            <a:solidFill>
-              <a:srgbClr val="C2F3FD"/>
-            </a:solidFill>
-          </a:ln>
-        </p:spPr>
-        <p:style>
-          <a:lnRef idx="1">
-            <a:schemeClr val="accent1"/>
-          </a:lnRef>
-          <a:fillRef idx="0">
-            <a:schemeClr val="accent1"/>
-          </a:fillRef>
-          <a:effectRef idx="0">
-            <a:schemeClr val="accent1"/>
-          </a:effectRef>
-          <a:fontRef idx="minor">
-            <a:schemeClr val="tx1"/>
-          </a:fontRef>
-        </p:style>
-      </p:cxnSp>
-      <p:sp>
-        <p:nvSpPr>
-          <p:cNvPr id="32" name="TextBox 31"/>
-          <p:cNvSpPr txBox="1"/>
-          <p:nvPr/>
-        </p:nvSpPr>
-        <p:spPr>
-          <a:xfrm>
-            <a:off x="6059368" y="6019452"/>
-            <a:ext cx="939057" cy="369332"/>
-          </a:xfrm>
-          <a:prstGeom prst="rect">
-            <a:avLst/>
-          </a:prstGeom>
-          <a:noFill/>
-        </p:spPr>
-        <p:txBody>
-          <a:bodyPr wrap="square" rtlCol="0">
-            <a:spAutoFit/>
-          </a:bodyPr>
-          <a:lstStyle/>
-          <a:p>
-            <a:r>
-              <a:rPr lang="en-PH" u="sng" dirty="0">
-                <a:solidFill>
-                  <a:srgbClr val="C2F3FD"/>
-                </a:solidFill>
-              </a:rPr>
-              <a:t>Logout</a:t>
-            </a:r>
-          </a:p>
-        </p:txBody>
-      </p:sp>
-      <p:sp>
-        <p:nvSpPr>
-          <p:cNvPr id="36" name="TextBox 35"/>
-          <p:cNvSpPr txBox="1"/>
-          <p:nvPr/>
-        </p:nvSpPr>
-        <p:spPr>
-          <a:xfrm>
-            <a:off x="9494151" y="1324499"/>
-            <a:ext cx="2446326" cy="461665"/>
-          </a:xfrm>
-          <a:prstGeom prst="rect">
-            <a:avLst/>
-          </a:prstGeom>
-          <a:noFill/>
-        </p:spPr>
-        <p:txBody>
-          <a:bodyPr wrap="square" rtlCol="0">
-            <a:spAutoFit/>
-          </a:bodyPr>
-          <a:lstStyle/>
-          <a:p>
-            <a:r>
-              <a:rPr lang="en-PH" sz="2400" dirty="0"/>
-              <a:t>MAIN ACTIVITY</a:t>
-            </a:r>
-          </a:p>
-        </p:txBody>
-      </p:sp>
-      <p:sp>
-        <p:nvSpPr>
-          <p:cNvPr id="3" name="Oval 2"/>
-          <p:cNvSpPr/>
-          <p:nvPr/>
-        </p:nvSpPr>
-        <p:spPr>
-          <a:xfrm>
             <a:off x="5138134" y="4948023"/>
             <a:ext cx="2635540" cy="944242"/>
           </a:xfrm>
@@ -10654,7 +9880,7 @@
 </p:sld>
 </file>
 
-<file path=ppt/slides/slide16.xml><?xml version="1.0" encoding="utf-8"?>
+<file path=ppt/slides/slide15.xml><?xml version="1.0" encoding="utf-8"?>
 <p:sld xmlns:a="http://schemas.openxmlformats.org/drawingml/2006/main" xmlns:r="http://schemas.openxmlformats.org/officeDocument/2006/relationships" xmlns:p="http://schemas.openxmlformats.org/presentationml/2006/main">
   <p:cSld>
     <p:bg>
@@ -11908,7 +11134,12 @@
             <p:ph idx="1"/>
           </p:nvPr>
         </p:nvSpPr>
-        <p:spPr/>
+        <p:spPr>
+          <a:xfrm>
+            <a:off x="1484310" y="1787263"/>
+            <a:ext cx="10018713" cy="3124201"/>
+          </a:xfrm>
+        </p:spPr>
         <p:txBody>
           <a:bodyPr/>
           <a:lstStyle/>

--- a/Mobile Application.pptx
+++ b/Mobile Application.pptx
@@ -12,14 +12,16 @@
     <p:sldId id="260" r:id="rId6"/>
     <p:sldId id="261" r:id="rId7"/>
     <p:sldId id="262" r:id="rId8"/>
-    <p:sldId id="268" r:id="rId9"/>
+    <p:sldId id="274" r:id="rId9"/>
     <p:sldId id="263" r:id="rId10"/>
-    <p:sldId id="265" r:id="rId11"/>
-    <p:sldId id="272" r:id="rId12"/>
-    <p:sldId id="273" r:id="rId13"/>
-    <p:sldId id="269" r:id="rId14"/>
-    <p:sldId id="271" r:id="rId15"/>
-    <p:sldId id="266" r:id="rId16"/>
+    <p:sldId id="272" r:id="rId11"/>
+    <p:sldId id="273" r:id="rId12"/>
+    <p:sldId id="275" r:id="rId13"/>
+    <p:sldId id="277" r:id="rId14"/>
+    <p:sldId id="266" r:id="rId15"/>
+    <p:sldId id="276" r:id="rId16"/>
+    <p:sldId id="278" r:id="rId17"/>
+    <p:sldId id="265" r:id="rId18"/>
   </p:sldIdLst>
   <p:sldSz cx="12192000" cy="6858000"/>
   <p:notesSz cx="6858000" cy="9144000"/>
@@ -640,7 +642,7 @@
           <a:p>
             <a:fld id="{5FAC98C3-E17B-4BEE-BC07-0E797A641A8C}" type="datetimeFigureOut">
               <a:rPr lang="en-PH" smtClean="0"/>
-              <a:t>30/11/2016</a:t>
+              <a:t>09/12/2016</a:t>
             </a:fld>
             <a:endParaRPr lang="en-PH"/>
           </a:p>
@@ -936,7 +938,7 @@
           <a:p>
             <a:fld id="{5FAC98C3-E17B-4BEE-BC07-0E797A641A8C}" type="datetimeFigureOut">
               <a:rPr lang="en-PH" smtClean="0"/>
-              <a:t>30/11/2016</a:t>
+              <a:t>09/12/2016</a:t>
             </a:fld>
             <a:endParaRPr lang="en-PH"/>
           </a:p>
@@ -1184,7 +1186,7 @@
           <a:p>
             <a:fld id="{5FAC98C3-E17B-4BEE-BC07-0E797A641A8C}" type="datetimeFigureOut">
               <a:rPr lang="en-PH" smtClean="0"/>
-              <a:t>30/11/2016</a:t>
+              <a:t>09/12/2016</a:t>
             </a:fld>
             <a:endParaRPr lang="en-PH"/>
           </a:p>
@@ -1724,7 +1726,7 @@
           <a:p>
             <a:fld id="{5FAC98C3-E17B-4BEE-BC07-0E797A641A8C}" type="datetimeFigureOut">
               <a:rPr lang="en-PH" smtClean="0"/>
-              <a:t>30/11/2016</a:t>
+              <a:t>09/12/2016</a:t>
             </a:fld>
             <a:endParaRPr lang="en-PH"/>
           </a:p>
@@ -1972,7 +1974,7 @@
           <a:p>
             <a:fld id="{5FAC98C3-E17B-4BEE-BC07-0E797A641A8C}" type="datetimeFigureOut">
               <a:rPr lang="en-PH" smtClean="0"/>
-              <a:t>30/11/2016</a:t>
+              <a:t>09/12/2016</a:t>
             </a:fld>
             <a:endParaRPr lang="en-PH"/>
           </a:p>
@@ -2504,7 +2506,7 @@
           <a:p>
             <a:fld id="{5FAC98C3-E17B-4BEE-BC07-0E797A641A8C}" type="datetimeFigureOut">
               <a:rPr lang="en-PH" smtClean="0"/>
-              <a:t>30/11/2016</a:t>
+              <a:t>09/12/2016</a:t>
             </a:fld>
             <a:endParaRPr lang="en-PH"/>
           </a:p>
@@ -2801,7 +2803,7 @@
           <a:p>
             <a:fld id="{5FAC98C3-E17B-4BEE-BC07-0E797A641A8C}" type="datetimeFigureOut">
               <a:rPr lang="en-PH" smtClean="0"/>
-              <a:t>30/11/2016</a:t>
+              <a:t>09/12/2016</a:t>
             </a:fld>
             <a:endParaRPr lang="en-PH"/>
           </a:p>
@@ -2975,7 +2977,7 @@
           <a:p>
             <a:fld id="{5FAC98C3-E17B-4BEE-BC07-0E797A641A8C}" type="datetimeFigureOut">
               <a:rPr lang="en-PH" smtClean="0"/>
-              <a:t>30/11/2016</a:t>
+              <a:t>09/12/2016</a:t>
             </a:fld>
             <a:endParaRPr lang="en-PH"/>
           </a:p>
@@ -3155,7 +3157,7 @@
           <a:p>
             <a:fld id="{5FAC98C3-E17B-4BEE-BC07-0E797A641A8C}" type="datetimeFigureOut">
               <a:rPr lang="en-PH" smtClean="0"/>
-              <a:t>30/11/2016</a:t>
+              <a:t>09/12/2016</a:t>
             </a:fld>
             <a:endParaRPr lang="en-PH"/>
           </a:p>
@@ -3325,7 +3327,7 @@
           <a:p>
             <a:fld id="{5FAC98C3-E17B-4BEE-BC07-0E797A641A8C}" type="datetimeFigureOut">
               <a:rPr lang="en-PH" smtClean="0"/>
-              <a:t>30/11/2016</a:t>
+              <a:t>09/12/2016</a:t>
             </a:fld>
             <a:endParaRPr lang="en-PH"/>
           </a:p>
@@ -3576,7 +3578,7 @@
           <a:p>
             <a:fld id="{5FAC98C3-E17B-4BEE-BC07-0E797A641A8C}" type="datetimeFigureOut">
               <a:rPr lang="en-PH" smtClean="0"/>
-              <a:t>30/11/2016</a:t>
+              <a:t>09/12/2016</a:t>
             </a:fld>
             <a:endParaRPr lang="en-PH"/>
           </a:p>
@@ -3873,7 +3875,7 @@
           <a:p>
             <a:fld id="{5FAC98C3-E17B-4BEE-BC07-0E797A641A8C}" type="datetimeFigureOut">
               <a:rPr lang="en-PH" smtClean="0"/>
-              <a:t>30/11/2016</a:t>
+              <a:t>09/12/2016</a:t>
             </a:fld>
             <a:endParaRPr lang="en-PH"/>
           </a:p>
@@ -4315,7 +4317,7 @@
           <a:p>
             <a:fld id="{5FAC98C3-E17B-4BEE-BC07-0E797A641A8C}" type="datetimeFigureOut">
               <a:rPr lang="en-PH" smtClean="0"/>
-              <a:t>30/11/2016</a:t>
+              <a:t>09/12/2016</a:t>
             </a:fld>
             <a:endParaRPr lang="en-PH"/>
           </a:p>
@@ -4433,7 +4435,7 @@
           <a:p>
             <a:fld id="{5FAC98C3-E17B-4BEE-BC07-0E797A641A8C}" type="datetimeFigureOut">
               <a:rPr lang="en-PH" smtClean="0"/>
-              <a:t>30/11/2016</a:t>
+              <a:t>09/12/2016</a:t>
             </a:fld>
             <a:endParaRPr lang="en-PH"/>
           </a:p>
@@ -4528,7 +4530,7 @@
           <a:p>
             <a:fld id="{5FAC98C3-E17B-4BEE-BC07-0E797A641A8C}" type="datetimeFigureOut">
               <a:rPr lang="en-PH" smtClean="0"/>
-              <a:t>30/11/2016</a:t>
+              <a:t>09/12/2016</a:t>
             </a:fld>
             <a:endParaRPr lang="en-PH"/>
           </a:p>
@@ -4811,7 +4813,7 @@
           <a:p>
             <a:fld id="{5FAC98C3-E17B-4BEE-BC07-0E797A641A8C}" type="datetimeFigureOut">
               <a:rPr lang="en-PH" smtClean="0"/>
-              <a:t>30/11/2016</a:t>
+              <a:t>09/12/2016</a:t>
             </a:fld>
             <a:endParaRPr lang="en-PH"/>
           </a:p>
@@ -5102,7 +5104,7 @@
           <a:p>
             <a:fld id="{5FAC98C3-E17B-4BEE-BC07-0E797A641A8C}" type="datetimeFigureOut">
               <a:rPr lang="en-PH" smtClean="0"/>
-              <a:t>30/11/2016</a:t>
+              <a:t>09/12/2016</a:t>
             </a:fld>
             <a:endParaRPr lang="en-PH"/>
           </a:p>
@@ -5632,7 +5634,7 @@
           <a:p>
             <a:fld id="{5FAC98C3-E17B-4BEE-BC07-0E797A641A8C}" type="datetimeFigureOut">
               <a:rPr lang="en-PH" smtClean="0"/>
-              <a:t>30/11/2016</a:t>
+              <a:t>09/12/2016</a:t>
             </a:fld>
             <a:endParaRPr lang="en-PH"/>
           </a:p>
@@ -6274,31 +6276,6 @@
 <file path=ppt/slides/slide10.xml><?xml version="1.0" encoding="utf-8"?>
 <p:sld xmlns:a="http://schemas.openxmlformats.org/drawingml/2006/main" xmlns:r="http://schemas.openxmlformats.org/officeDocument/2006/relationships" xmlns:p="http://schemas.openxmlformats.org/presentationml/2006/main">
   <p:cSld>
-    <p:bg>
-      <p:bgPr>
-        <a:blipFill dpi="0" rotWithShape="1">
-          <a:blip r:embed="rId2">
-            <a:duotone>
-              <a:schemeClr val="bg2">
-                <a:shade val="76000"/>
-                <a:satMod val="180000"/>
-              </a:schemeClr>
-              <a:schemeClr val="bg2">
-                <a:tint val="80000"/>
-                <a:satMod val="120000"/>
-                <a:lumMod val="180000"/>
-              </a:schemeClr>
-            </a:duotone>
-            <a:lum/>
-          </a:blip>
-          <a:srcRect/>
-          <a:stretch>
-            <a:fillRect/>
-          </a:stretch>
-        </a:blipFill>
-        <a:effectLst/>
-      </p:bgPr>
-    </p:bg>
     <p:spTree>
       <p:nvGrpSpPr>
         <p:cNvPr id="1" name=""/>
@@ -6384,7 +6361,7 @@
           <a:lstStyle/>
           <a:p>
             <a:pPr algn="ctr"/>
-            <a:endParaRPr lang="en-PH"/>
+            <a:endParaRPr lang="en-PH" dirty="0"/>
           </a:p>
         </p:txBody>
       </p:sp>
@@ -6462,7 +6439,7 @@
           <p:nvPr/>
         </p:nvPicPr>
         <p:blipFill>
-          <a:blip r:embed="rId3"/>
+          <a:blip r:embed="rId2"/>
           <a:stretch>
             <a:fillRect/>
           </a:stretch>
@@ -6514,14 +6491,14 @@
       </p:cxnSp>
       <p:sp>
         <p:nvSpPr>
-          <p:cNvPr id="10" name="TextBox 9"/>
+          <p:cNvPr id="31" name="TextBox 30"/>
           <p:cNvSpPr txBox="1"/>
           <p:nvPr/>
         </p:nvSpPr>
         <p:spPr>
           <a:xfrm>
-            <a:off x="4791695" y="2295525"/>
-            <a:ext cx="1708165" cy="369332"/>
+            <a:off x="4830486" y="2295524"/>
+            <a:ext cx="3406691" cy="369332"/>
           </a:xfrm>
           <a:prstGeom prst="rect">
             <a:avLst/>
@@ -6546,45 +6523,6 @@
                   <a:srgbClr val="FDE4D3"/>
                 </a:solidFill>
               </a:rPr>
-              <a:t>INPUT SALES</a:t>
-            </a:r>
-          </a:p>
-        </p:txBody>
-      </p:sp>
-      <p:sp>
-        <p:nvSpPr>
-          <p:cNvPr id="31" name="TextBox 30"/>
-          <p:cNvSpPr txBox="1"/>
-          <p:nvPr/>
-        </p:nvSpPr>
-        <p:spPr>
-          <a:xfrm>
-            <a:off x="6514148" y="2295524"/>
-            <a:ext cx="1723029" cy="369332"/>
-          </a:xfrm>
-          <a:prstGeom prst="rect">
-            <a:avLst/>
-          </a:prstGeom>
-          <a:noFill/>
-          <a:ln>
-            <a:solidFill>
-              <a:srgbClr val="C2F3FD"/>
-            </a:solidFill>
-          </a:ln>
-        </p:spPr>
-        <p:txBody>
-          <a:bodyPr wrap="square" rtlCol="0">
-            <a:spAutoFit/>
-          </a:bodyPr>
-          <a:lstStyle/>
-          <a:p>
-            <a:pPr algn="ctr"/>
-            <a:r>
-              <a:rPr lang="en-PH" dirty="0">
-                <a:solidFill>
-                  <a:srgbClr val="FDE4D3"/>
-                </a:solidFill>
-              </a:rPr>
               <a:t>LIST OF SALES</a:t>
             </a:r>
           </a:p>
@@ -6597,9 +6535,9 @@
           <p:nvPr/>
         </p:nvCxnSpPr>
         <p:spPr>
-          <a:xfrm flipV="1">
-            <a:off x="6557963" y="2664856"/>
-            <a:ext cx="1665922" cy="1905"/>
+          <a:xfrm>
+            <a:off x="4830486" y="2664856"/>
+            <a:ext cx="3393399" cy="1"/>
           </a:xfrm>
           <a:prstGeom prst="line">
             <a:avLst/>
@@ -6627,14 +6565,14 @@
       </p:cxnSp>
       <p:sp>
         <p:nvSpPr>
-          <p:cNvPr id="3" name="TextBox 2"/>
+          <p:cNvPr id="29" name="TextBox 28"/>
           <p:cNvSpPr txBox="1"/>
           <p:nvPr/>
         </p:nvSpPr>
         <p:spPr>
           <a:xfrm>
-            <a:off x="5277025" y="2876550"/>
-            <a:ext cx="2381075" cy="338554"/>
+            <a:off x="4830486" y="2867444"/>
+            <a:ext cx="379690" cy="338554"/>
           </a:xfrm>
           <a:prstGeom prst="rect">
             <a:avLst/>
@@ -6648,28 +6586,28 @@
           <a:lstStyle/>
           <a:p>
             <a:r>
-              <a:rPr lang="en-PH" sz="1600" u="sng" dirty="0">
+              <a:rPr lang="en-PH" sz="1600" dirty="0">
                 <a:solidFill>
                   <a:schemeClr val="bg1"/>
                 </a:solidFill>
                 <a:latin typeface="Arial" panose="020B0604020202020204" pitchFamily="34" charset="0"/>
                 <a:cs typeface="Arial" panose="020B0604020202020204" pitchFamily="34" charset="0"/>
               </a:rPr>
-              <a:t>October 21, 1965</a:t>
-            </a:r>
-          </a:p>
-        </p:txBody>
-      </p:sp>
-      <p:sp>
-        <p:nvSpPr>
-          <p:cNvPr id="23" name="TextBox 22"/>
+              <a:t> </a:t>
+            </a:r>
+          </a:p>
+        </p:txBody>
+      </p:sp>
+      <p:sp>
+        <p:nvSpPr>
+          <p:cNvPr id="48" name="TextBox 47"/>
           <p:cNvSpPr txBox="1"/>
           <p:nvPr/>
         </p:nvSpPr>
         <p:spPr>
           <a:xfrm>
-            <a:off x="5277024" y="3331786"/>
-            <a:ext cx="2381075" cy="338554"/>
+            <a:off x="5331263" y="3499891"/>
+            <a:ext cx="2381075" cy="461665"/>
           </a:xfrm>
           <a:prstGeom prst="rect">
             <a:avLst/>
@@ -6682,29 +6620,30 @@
           </a:bodyPr>
           <a:lstStyle/>
           <a:p>
-            <a:r>
-              <a:rPr lang="en-PH" sz="1600" u="sng" dirty="0">
+            <a:pPr algn="ctr"/>
+            <a:r>
+              <a:rPr lang="en-PH" sz="2400" u="sng" dirty="0">
                 <a:solidFill>
                   <a:schemeClr val="bg1"/>
                 </a:solidFill>
                 <a:latin typeface="Arial" panose="020B0604020202020204" pitchFamily="34" charset="0"/>
                 <a:cs typeface="Arial" panose="020B0604020202020204" pitchFamily="34" charset="0"/>
               </a:rPr>
-              <a:t>March 5, 1967</a:t>
-            </a:r>
-          </a:p>
-        </p:txBody>
-      </p:sp>
-      <p:sp>
-        <p:nvSpPr>
-          <p:cNvPr id="24" name="TextBox 23"/>
+              <a:t>Sale 1</a:t>
+            </a:r>
+          </a:p>
+        </p:txBody>
+      </p:sp>
+      <p:sp>
+        <p:nvSpPr>
+          <p:cNvPr id="36" name="TextBox 35"/>
           <p:cNvSpPr txBox="1"/>
           <p:nvPr/>
         </p:nvSpPr>
         <p:spPr>
           <a:xfrm>
-            <a:off x="5277023" y="3787022"/>
-            <a:ext cx="2381075" cy="338554"/>
+            <a:off x="5341231" y="4377876"/>
+            <a:ext cx="2381075" cy="461665"/>
           </a:xfrm>
           <a:prstGeom prst="rect">
             <a:avLst/>
@@ -6717,29 +6656,65 @@
           </a:bodyPr>
           <a:lstStyle/>
           <a:p>
-            <a:r>
-              <a:rPr lang="en-PH" sz="1600" u="sng" dirty="0">
+            <a:pPr algn="ctr"/>
+            <a:r>
+              <a:rPr lang="en-PH" sz="2400" u="sng" dirty="0">
                 <a:solidFill>
                   <a:schemeClr val="bg1"/>
                 </a:solidFill>
                 <a:latin typeface="Arial" panose="020B0604020202020204" pitchFamily="34" charset="0"/>
                 <a:cs typeface="Arial" panose="020B0604020202020204" pitchFamily="34" charset="0"/>
               </a:rPr>
-              <a:t>March 20, 1999</a:t>
-            </a:r>
-          </a:p>
-        </p:txBody>
-      </p:sp>
-      <p:sp>
-        <p:nvSpPr>
-          <p:cNvPr id="25" name="TextBox 24"/>
+              <a:t>Sale 2</a:t>
+            </a:r>
+          </a:p>
+        </p:txBody>
+      </p:sp>
+      <p:cxnSp>
+        <p:nvCxnSpPr>
+          <p:cNvPr id="39" name="Straight Connector 38"/>
+          <p:cNvCxnSpPr/>
+          <p:nvPr/>
+        </p:nvCxnSpPr>
+        <p:spPr>
+          <a:xfrm>
+            <a:off x="5123692" y="5934015"/>
+            <a:ext cx="2753391" cy="6232"/>
+          </a:xfrm>
+          <a:prstGeom prst="line">
+            <a:avLst/>
+          </a:prstGeom>
+          <a:ln>
+            <a:solidFill>
+              <a:srgbClr val="C2F3FD"/>
+            </a:solidFill>
+          </a:ln>
+        </p:spPr>
+        <p:style>
+          <a:lnRef idx="1">
+            <a:schemeClr val="accent1"/>
+          </a:lnRef>
+          <a:fillRef idx="0">
+            <a:schemeClr val="accent1"/>
+          </a:fillRef>
+          <a:effectRef idx="0">
+            <a:schemeClr val="accent1"/>
+          </a:effectRef>
+          <a:fontRef idx="minor">
+            <a:schemeClr val="tx1"/>
+          </a:fontRef>
+        </p:style>
+      </p:cxnSp>
+      <p:sp>
+        <p:nvSpPr>
+          <p:cNvPr id="40" name="TextBox 39"/>
           <p:cNvSpPr txBox="1"/>
           <p:nvPr/>
         </p:nvSpPr>
         <p:spPr>
           <a:xfrm>
-            <a:off x="5277021" y="4695026"/>
-            <a:ext cx="2381075" cy="338554"/>
+            <a:off x="6059368" y="6019452"/>
+            <a:ext cx="939057" cy="369332"/>
           </a:xfrm>
           <a:prstGeom prst="rect">
             <a:avLst/>
@@ -6753,466 +6728,20 @@
           <a:lstStyle/>
           <a:p>
             <a:r>
-              <a:rPr lang="en-PH" sz="1600" u="sng" dirty="0">
-                <a:solidFill>
-                  <a:schemeClr val="bg1"/>
-                </a:solidFill>
-                <a:latin typeface="Arial" panose="020B0604020202020204" pitchFamily="34" charset="0"/>
-                <a:cs typeface="Arial" panose="020B0604020202020204" pitchFamily="34" charset="0"/>
+              <a:rPr lang="en-PH" u="sng" dirty="0">
+                <a:solidFill>
+                  <a:srgbClr val="C2F3FD"/>
+                </a:solidFill>
               </a:rPr>
-              <a:t>October 20, 1997</a:t>
-            </a:r>
-          </a:p>
-        </p:txBody>
-      </p:sp>
-      <p:sp>
-        <p:nvSpPr>
-          <p:cNvPr id="26" name="TextBox 25"/>
-          <p:cNvSpPr txBox="1"/>
-          <p:nvPr/>
-        </p:nvSpPr>
-        <p:spPr>
-          <a:xfrm>
-            <a:off x="5277022" y="4241024"/>
-            <a:ext cx="2381075" cy="338554"/>
-          </a:xfrm>
-          <a:prstGeom prst="rect">
-            <a:avLst/>
-          </a:prstGeom>
-          <a:noFill/>
-        </p:spPr>
-        <p:txBody>
-          <a:bodyPr wrap="square" rtlCol="0">
-            <a:spAutoFit/>
-          </a:bodyPr>
-          <a:lstStyle/>
-          <a:p>
-            <a:r>
-              <a:rPr lang="en-PH" sz="1600" u="sng" dirty="0">
-                <a:solidFill>
-                  <a:schemeClr val="bg1"/>
-                </a:solidFill>
-                <a:latin typeface="Arial" panose="020B0604020202020204" pitchFamily="34" charset="0"/>
-                <a:cs typeface="Arial" panose="020B0604020202020204" pitchFamily="34" charset="0"/>
-              </a:rPr>
-              <a:t>December 2, 1997</a:t>
-            </a:r>
-          </a:p>
-        </p:txBody>
-      </p:sp>
-      <p:sp>
-        <p:nvSpPr>
-          <p:cNvPr id="27" name="TextBox 26"/>
-          <p:cNvSpPr txBox="1"/>
-          <p:nvPr/>
-        </p:nvSpPr>
-        <p:spPr>
-          <a:xfrm>
-            <a:off x="5277020" y="5145015"/>
-            <a:ext cx="2381075" cy="338554"/>
-          </a:xfrm>
-          <a:prstGeom prst="rect">
-            <a:avLst/>
-          </a:prstGeom>
-          <a:noFill/>
-        </p:spPr>
-        <p:txBody>
-          <a:bodyPr wrap="square" rtlCol="0">
-            <a:spAutoFit/>
-          </a:bodyPr>
-          <a:lstStyle/>
-          <a:p>
-            <a:r>
-              <a:rPr lang="en-PH" sz="1600" u="sng" dirty="0">
-                <a:solidFill>
-                  <a:schemeClr val="bg1"/>
-                </a:solidFill>
-                <a:latin typeface="Arial" panose="020B0604020202020204" pitchFamily="34" charset="0"/>
-                <a:cs typeface="Arial" panose="020B0604020202020204" pitchFamily="34" charset="0"/>
-              </a:rPr>
-              <a:t>December 1, 1997</a:t>
-            </a:r>
-          </a:p>
-        </p:txBody>
-      </p:sp>
-      <p:sp>
-        <p:nvSpPr>
-          <p:cNvPr id="28" name="TextBox 27"/>
-          <p:cNvSpPr txBox="1"/>
-          <p:nvPr/>
-        </p:nvSpPr>
-        <p:spPr>
-          <a:xfrm>
-            <a:off x="5277019" y="5603030"/>
-            <a:ext cx="2381075" cy="338554"/>
-          </a:xfrm>
-          <a:prstGeom prst="rect">
-            <a:avLst/>
-          </a:prstGeom>
-          <a:noFill/>
-        </p:spPr>
-        <p:txBody>
-          <a:bodyPr wrap="square" rtlCol="0">
-            <a:spAutoFit/>
-          </a:bodyPr>
-          <a:lstStyle/>
-          <a:p>
-            <a:r>
-              <a:rPr lang="en-PH" sz="1600" u="sng" dirty="0">
-                <a:solidFill>
-                  <a:schemeClr val="bg1"/>
-                </a:solidFill>
-                <a:latin typeface="Arial" panose="020B0604020202020204" pitchFamily="34" charset="0"/>
-                <a:cs typeface="Arial" panose="020B0604020202020204" pitchFamily="34" charset="0"/>
-              </a:rPr>
-              <a:t>March 26, 1997</a:t>
-            </a:r>
-          </a:p>
-        </p:txBody>
-      </p:sp>
-      <p:sp>
-        <p:nvSpPr>
-          <p:cNvPr id="29" name="TextBox 28"/>
-          <p:cNvSpPr txBox="1"/>
-          <p:nvPr/>
-        </p:nvSpPr>
-        <p:spPr>
-          <a:xfrm>
-            <a:off x="4830486" y="2867444"/>
-            <a:ext cx="379690" cy="338554"/>
-          </a:xfrm>
-          <a:prstGeom prst="rect">
-            <a:avLst/>
-          </a:prstGeom>
-          <a:noFill/>
-        </p:spPr>
-        <p:txBody>
-          <a:bodyPr wrap="square" rtlCol="0">
-            <a:spAutoFit/>
-          </a:bodyPr>
-          <a:lstStyle/>
-          <a:p>
-            <a:r>
-              <a:rPr lang="en-PH" sz="1600" dirty="0">
-                <a:solidFill>
-                  <a:schemeClr val="bg1"/>
-                </a:solidFill>
-                <a:latin typeface="Arial" panose="020B0604020202020204" pitchFamily="34" charset="0"/>
-                <a:cs typeface="Arial" panose="020B0604020202020204" pitchFamily="34" charset="0"/>
-              </a:rPr>
-              <a:t>1. </a:t>
-            </a:r>
-          </a:p>
-        </p:txBody>
-      </p:sp>
-      <p:sp>
-        <p:nvSpPr>
-          <p:cNvPr id="30" name="TextBox 29"/>
-          <p:cNvSpPr txBox="1"/>
-          <p:nvPr/>
-        </p:nvSpPr>
-        <p:spPr>
-          <a:xfrm>
-            <a:off x="4837371" y="3331786"/>
-            <a:ext cx="379690" cy="338554"/>
-          </a:xfrm>
-          <a:prstGeom prst="rect">
-            <a:avLst/>
-          </a:prstGeom>
-          <a:noFill/>
-        </p:spPr>
-        <p:txBody>
-          <a:bodyPr wrap="square" rtlCol="0">
-            <a:spAutoFit/>
-          </a:bodyPr>
-          <a:lstStyle/>
-          <a:p>
-            <a:r>
-              <a:rPr lang="en-PH" sz="1600" dirty="0">
-                <a:solidFill>
-                  <a:schemeClr val="bg1"/>
-                </a:solidFill>
-                <a:latin typeface="Arial" panose="020B0604020202020204" pitchFamily="34" charset="0"/>
-                <a:cs typeface="Arial" panose="020B0604020202020204" pitchFamily="34" charset="0"/>
-              </a:rPr>
-              <a:t>2.</a:t>
-            </a:r>
-          </a:p>
-        </p:txBody>
-      </p:sp>
-      <p:sp>
-        <p:nvSpPr>
-          <p:cNvPr id="32" name="TextBox 31"/>
-          <p:cNvSpPr txBox="1"/>
-          <p:nvPr/>
-        </p:nvSpPr>
-        <p:spPr>
-          <a:xfrm>
-            <a:off x="4839602" y="3796393"/>
-            <a:ext cx="379690" cy="338554"/>
-          </a:xfrm>
-          <a:prstGeom prst="rect">
-            <a:avLst/>
-          </a:prstGeom>
-          <a:noFill/>
-        </p:spPr>
-        <p:txBody>
-          <a:bodyPr wrap="square" rtlCol="0">
-            <a:spAutoFit/>
-          </a:bodyPr>
-          <a:lstStyle/>
-          <a:p>
-            <a:r>
-              <a:rPr lang="en-PH" sz="1600" dirty="0">
-                <a:solidFill>
-                  <a:schemeClr val="bg1"/>
-                </a:solidFill>
-                <a:latin typeface="Arial" panose="020B0604020202020204" pitchFamily="34" charset="0"/>
-                <a:cs typeface="Arial" panose="020B0604020202020204" pitchFamily="34" charset="0"/>
-              </a:rPr>
-              <a:t>3. </a:t>
-            </a:r>
-          </a:p>
-        </p:txBody>
-      </p:sp>
-      <p:sp>
-        <p:nvSpPr>
-          <p:cNvPr id="33" name="TextBox 32"/>
-          <p:cNvSpPr txBox="1"/>
-          <p:nvPr/>
-        </p:nvSpPr>
-        <p:spPr>
-          <a:xfrm>
-            <a:off x="4837371" y="4241024"/>
-            <a:ext cx="379690" cy="338554"/>
-          </a:xfrm>
-          <a:prstGeom prst="rect">
-            <a:avLst/>
-          </a:prstGeom>
-          <a:noFill/>
-        </p:spPr>
-        <p:txBody>
-          <a:bodyPr wrap="square" rtlCol="0">
-            <a:spAutoFit/>
-          </a:bodyPr>
-          <a:lstStyle/>
-          <a:p>
-            <a:r>
-              <a:rPr lang="en-PH" sz="1600" dirty="0">
-                <a:solidFill>
-                  <a:schemeClr val="bg1"/>
-                </a:solidFill>
-                <a:latin typeface="Arial" panose="020B0604020202020204" pitchFamily="34" charset="0"/>
-                <a:cs typeface="Arial" panose="020B0604020202020204" pitchFamily="34" charset="0"/>
-              </a:rPr>
-              <a:t>4. </a:t>
-            </a:r>
-          </a:p>
-        </p:txBody>
-      </p:sp>
-      <p:sp>
-        <p:nvSpPr>
-          <p:cNvPr id="35" name="TextBox 34"/>
-          <p:cNvSpPr txBox="1"/>
-          <p:nvPr/>
-        </p:nvSpPr>
-        <p:spPr>
-          <a:xfrm>
-            <a:off x="4837371" y="4695026"/>
-            <a:ext cx="379690" cy="338554"/>
-          </a:xfrm>
-          <a:prstGeom prst="rect">
-            <a:avLst/>
-          </a:prstGeom>
-          <a:noFill/>
-        </p:spPr>
-        <p:txBody>
-          <a:bodyPr wrap="square" rtlCol="0">
-            <a:spAutoFit/>
-          </a:bodyPr>
-          <a:lstStyle/>
-          <a:p>
-            <a:r>
-              <a:rPr lang="en-PH" sz="1600" dirty="0">
-                <a:solidFill>
-                  <a:schemeClr val="bg1"/>
-                </a:solidFill>
-                <a:latin typeface="Arial" panose="020B0604020202020204" pitchFamily="34" charset="0"/>
-                <a:cs typeface="Arial" panose="020B0604020202020204" pitchFamily="34" charset="0"/>
-              </a:rPr>
-              <a:t>5. </a:t>
-            </a:r>
-          </a:p>
-        </p:txBody>
-      </p:sp>
-      <p:sp>
-        <p:nvSpPr>
-          <p:cNvPr id="37" name="TextBox 36"/>
-          <p:cNvSpPr txBox="1"/>
-          <p:nvPr/>
-        </p:nvSpPr>
-        <p:spPr>
-          <a:xfrm>
-            <a:off x="4837371" y="5145015"/>
-            <a:ext cx="379690" cy="338554"/>
-          </a:xfrm>
-          <a:prstGeom prst="rect">
-            <a:avLst/>
-          </a:prstGeom>
-          <a:noFill/>
-        </p:spPr>
-        <p:txBody>
-          <a:bodyPr wrap="square" rtlCol="0">
-            <a:spAutoFit/>
-          </a:bodyPr>
-          <a:lstStyle/>
-          <a:p>
-            <a:r>
-              <a:rPr lang="en-PH" sz="1600" dirty="0">
-                <a:solidFill>
-                  <a:schemeClr val="bg1"/>
-                </a:solidFill>
-                <a:latin typeface="Arial" panose="020B0604020202020204" pitchFamily="34" charset="0"/>
-                <a:cs typeface="Arial" panose="020B0604020202020204" pitchFamily="34" charset="0"/>
-              </a:rPr>
-              <a:t>6. </a:t>
-            </a:r>
-          </a:p>
-        </p:txBody>
-      </p:sp>
-      <p:sp>
-        <p:nvSpPr>
-          <p:cNvPr id="44" name="TextBox 43"/>
-          <p:cNvSpPr txBox="1"/>
-          <p:nvPr/>
-        </p:nvSpPr>
-        <p:spPr>
-          <a:xfrm>
-            <a:off x="4837371" y="5603030"/>
-            <a:ext cx="379690" cy="338554"/>
-          </a:xfrm>
-          <a:prstGeom prst="rect">
-            <a:avLst/>
-          </a:prstGeom>
-          <a:noFill/>
-        </p:spPr>
-        <p:txBody>
-          <a:bodyPr wrap="square" rtlCol="0">
-            <a:spAutoFit/>
-          </a:bodyPr>
-          <a:lstStyle/>
-          <a:p>
-            <a:r>
-              <a:rPr lang="en-PH" sz="1600" dirty="0">
-                <a:solidFill>
-                  <a:schemeClr val="bg1"/>
-                </a:solidFill>
-                <a:latin typeface="Arial" panose="020B0604020202020204" pitchFamily="34" charset="0"/>
-                <a:cs typeface="Arial" panose="020B0604020202020204" pitchFamily="34" charset="0"/>
-              </a:rPr>
-              <a:t>7. </a:t>
-            </a:r>
-          </a:p>
-        </p:txBody>
-      </p:sp>
-      <p:sp>
-        <p:nvSpPr>
-          <p:cNvPr id="48" name="TextBox 47"/>
-          <p:cNvSpPr txBox="1"/>
-          <p:nvPr/>
-        </p:nvSpPr>
-        <p:spPr>
-          <a:xfrm>
-            <a:off x="5277019" y="6055487"/>
-            <a:ext cx="2381075" cy="338554"/>
-          </a:xfrm>
-          <a:prstGeom prst="rect">
-            <a:avLst/>
-          </a:prstGeom>
-          <a:noFill/>
-        </p:spPr>
-        <p:txBody>
-          <a:bodyPr wrap="square" rtlCol="0">
-            <a:spAutoFit/>
-          </a:bodyPr>
-          <a:lstStyle/>
-          <a:p>
-            <a:r>
-              <a:rPr lang="en-PH" sz="1600" u="sng" dirty="0">
-                <a:solidFill>
-                  <a:schemeClr val="bg1"/>
-                </a:solidFill>
-                <a:latin typeface="Arial" panose="020B0604020202020204" pitchFamily="34" charset="0"/>
-                <a:cs typeface="Arial" panose="020B0604020202020204" pitchFamily="34" charset="0"/>
-              </a:rPr>
-              <a:t>March 10, 2090</a:t>
-            </a:r>
-          </a:p>
-        </p:txBody>
-      </p:sp>
-      <p:sp>
-        <p:nvSpPr>
-          <p:cNvPr id="49" name="TextBox 48"/>
-          <p:cNvSpPr txBox="1"/>
-          <p:nvPr/>
-        </p:nvSpPr>
-        <p:spPr>
-          <a:xfrm>
-            <a:off x="4837371" y="6055487"/>
-            <a:ext cx="379690" cy="338554"/>
-          </a:xfrm>
-          <a:prstGeom prst="rect">
-            <a:avLst/>
-          </a:prstGeom>
-          <a:noFill/>
-        </p:spPr>
-        <p:txBody>
-          <a:bodyPr wrap="square" rtlCol="0">
-            <a:spAutoFit/>
-          </a:bodyPr>
-          <a:lstStyle/>
-          <a:p>
-            <a:r>
-              <a:rPr lang="en-PH" sz="1600" dirty="0">
-                <a:solidFill>
-                  <a:schemeClr val="bg1"/>
-                </a:solidFill>
-                <a:latin typeface="Arial" panose="020B0604020202020204" pitchFamily="34" charset="0"/>
-                <a:cs typeface="Arial" panose="020B0604020202020204" pitchFamily="34" charset="0"/>
-              </a:rPr>
-              <a:t>8 </a:t>
-            </a:r>
-          </a:p>
-        </p:txBody>
-      </p:sp>
-      <p:pic>
-        <p:nvPicPr>
-          <p:cNvPr id="4" name="Picture 3"/>
-          <p:cNvPicPr>
-            <a:picLocks noChangeAspect="1"/>
-          </p:cNvPicPr>
-          <p:nvPr/>
-        </p:nvPicPr>
-        <p:blipFill>
-          <a:blip r:embed="rId4"/>
-          <a:stretch>
-            <a:fillRect/>
-          </a:stretch>
-        </p:blipFill>
-        <p:spPr>
-          <a:xfrm>
-            <a:off x="8057322" y="2690575"/>
-            <a:ext cx="195691" cy="3825396"/>
-          </a:xfrm>
-          <a:prstGeom prst="rect">
-            <a:avLst/>
-          </a:prstGeom>
-        </p:spPr>
-      </p:pic>
+              <a:t>Logout</a:t>
+            </a:r>
+          </a:p>
+        </p:txBody>
+      </p:sp>
     </p:spTree>
     <p:extLst>
       <p:ext uri="{BB962C8B-B14F-4D97-AF65-F5344CB8AC3E}">
-        <p14:creationId xmlns:p14="http://schemas.microsoft.com/office/powerpoint/2010/main" val="2261557444"/>
+        <p14:creationId xmlns:p14="http://schemas.microsoft.com/office/powerpoint/2010/main" val="2266409488"/>
       </p:ext>
     </p:extLst>
   </p:cSld>
@@ -7452,14 +6981,14 @@
       </p:cxnSp>
       <p:sp>
         <p:nvSpPr>
-          <p:cNvPr id="10" name="TextBox 9"/>
+          <p:cNvPr id="31" name="TextBox 30"/>
           <p:cNvSpPr txBox="1"/>
           <p:nvPr/>
         </p:nvSpPr>
         <p:spPr>
           <a:xfrm>
-            <a:off x="4791695" y="2295525"/>
-            <a:ext cx="1708165" cy="369332"/>
+            <a:off x="4830486" y="2295524"/>
+            <a:ext cx="3406691" cy="369332"/>
           </a:xfrm>
           <a:prstGeom prst="rect">
             <a:avLst/>
@@ -7484,45 +7013,6 @@
                   <a:srgbClr val="FDE4D3"/>
                 </a:solidFill>
               </a:rPr>
-              <a:t>INPUT SALES</a:t>
-            </a:r>
-          </a:p>
-        </p:txBody>
-      </p:sp>
-      <p:sp>
-        <p:nvSpPr>
-          <p:cNvPr id="31" name="TextBox 30"/>
-          <p:cNvSpPr txBox="1"/>
-          <p:nvPr/>
-        </p:nvSpPr>
-        <p:spPr>
-          <a:xfrm>
-            <a:off x="6514148" y="2295524"/>
-            <a:ext cx="1723029" cy="369332"/>
-          </a:xfrm>
-          <a:prstGeom prst="rect">
-            <a:avLst/>
-          </a:prstGeom>
-          <a:noFill/>
-          <a:ln>
-            <a:solidFill>
-              <a:srgbClr val="C2F3FD"/>
-            </a:solidFill>
-          </a:ln>
-        </p:spPr>
-        <p:txBody>
-          <a:bodyPr wrap="square" rtlCol="0">
-            <a:spAutoFit/>
-          </a:bodyPr>
-          <a:lstStyle/>
-          <a:p>
-            <a:pPr algn="ctr"/>
-            <a:r>
-              <a:rPr lang="en-PH" dirty="0">
-                <a:solidFill>
-                  <a:srgbClr val="FDE4D3"/>
-                </a:solidFill>
-              </a:rPr>
               <a:t>LIST OF SALES</a:t>
             </a:r>
           </a:p>
@@ -7535,9 +7025,9 @@
           <p:nvPr/>
         </p:nvCxnSpPr>
         <p:spPr>
-          <a:xfrm flipV="1">
-            <a:off x="6557963" y="2664856"/>
-            <a:ext cx="1665922" cy="1905"/>
+          <a:xfrm>
+            <a:off x="4830486" y="2664856"/>
+            <a:ext cx="3393399" cy="1"/>
           </a:xfrm>
           <a:prstGeom prst="line">
             <a:avLst/>
@@ -7622,7 +7112,42 @@
           <a:p>
             <a:pPr algn="ctr"/>
             <a:r>
-              <a:rPr lang="en-PH" sz="2400" u="sng" dirty="0">
+              <a:rPr lang="en-PH" sz="2400" dirty="0">
+                <a:solidFill>
+                  <a:schemeClr val="bg1"/>
+                </a:solidFill>
+                <a:latin typeface="Arial" panose="020B0604020202020204" pitchFamily="34" charset="0"/>
+                <a:cs typeface="Arial" panose="020B0604020202020204" pitchFamily="34" charset="0"/>
+              </a:rPr>
+              <a:t>OUTPUT</a:t>
+            </a:r>
+          </a:p>
+        </p:txBody>
+      </p:sp>
+      <p:sp>
+        <p:nvSpPr>
+          <p:cNvPr id="14" name="TextBox 13"/>
+          <p:cNvSpPr txBox="1"/>
+          <p:nvPr/>
+        </p:nvSpPr>
+        <p:spPr>
+          <a:xfrm>
+            <a:off x="4777407" y="2744333"/>
+            <a:ext cx="1175012" cy="338554"/>
+          </a:xfrm>
+          <a:prstGeom prst="rect">
+            <a:avLst/>
+          </a:prstGeom>
+          <a:noFill/>
+        </p:spPr>
+        <p:txBody>
+          <a:bodyPr wrap="square" rtlCol="0">
+            <a:spAutoFit/>
+          </a:bodyPr>
+          <a:lstStyle/>
+          <a:p>
+            <a:r>
+              <a:rPr lang="en-PH" sz="1600" dirty="0">
                 <a:solidFill>
                   <a:schemeClr val="bg1"/>
                 </a:solidFill>
@@ -7636,14 +7161,14 @@
       </p:sp>
       <p:sp>
         <p:nvSpPr>
-          <p:cNvPr id="36" name="TextBox 35"/>
+          <p:cNvPr id="16" name="TextBox 15"/>
           <p:cNvSpPr txBox="1"/>
           <p:nvPr/>
         </p:nvSpPr>
         <p:spPr>
           <a:xfrm>
-            <a:off x="5341231" y="4377876"/>
-            <a:ext cx="2381075" cy="461665"/>
+            <a:off x="5210176" y="5285191"/>
+            <a:ext cx="2744003" cy="338554"/>
           </a:xfrm>
           <a:prstGeom prst="rect">
             <a:avLst/>
@@ -7658,21 +7183,28 @@
           <a:p>
             <a:pPr algn="ctr"/>
             <a:r>
-              <a:rPr lang="en-PH" sz="2400" u="sng" dirty="0">
+              <a:rPr lang="en-PH" sz="1600" u="sng" dirty="0">
                 <a:solidFill>
                   <a:schemeClr val="bg1"/>
                 </a:solidFill>
                 <a:latin typeface="Arial" panose="020B0604020202020204" pitchFamily="34" charset="0"/>
                 <a:cs typeface="Arial" panose="020B0604020202020204" pitchFamily="34" charset="0"/>
               </a:rPr>
-              <a:t>Sale 2</a:t>
-            </a:r>
+              <a:t>To add expense, click here</a:t>
+            </a:r>
+            <a:endParaRPr lang="en-PH" sz="2000" u="sng" dirty="0">
+              <a:solidFill>
+                <a:schemeClr val="bg1"/>
+              </a:solidFill>
+              <a:latin typeface="Arial" panose="020B0604020202020204" pitchFamily="34" charset="0"/>
+              <a:cs typeface="Arial" panose="020B0604020202020204" pitchFamily="34" charset="0"/>
+            </a:endParaRPr>
           </a:p>
         </p:txBody>
       </p:sp>
       <p:cxnSp>
         <p:nvCxnSpPr>
-          <p:cNvPr id="39" name="Straight Connector 38"/>
+          <p:cNvPr id="17" name="Straight Connector 16"/>
           <p:cNvCxnSpPr/>
           <p:nvPr/>
         </p:nvCxnSpPr>
@@ -7707,7 +7239,7 @@
       </p:cxnSp>
       <p:sp>
         <p:nvSpPr>
-          <p:cNvPr id="40" name="TextBox 39"/>
+          <p:cNvPr id="18" name="TextBox 17"/>
           <p:cNvSpPr txBox="1"/>
           <p:nvPr/>
         </p:nvSpPr>
@@ -7741,7 +7273,7 @@
     </p:spTree>
     <p:extLst>
       <p:ext uri="{BB962C8B-B14F-4D97-AF65-F5344CB8AC3E}">
-        <p14:creationId xmlns:p14="http://schemas.microsoft.com/office/powerpoint/2010/main" val="2266409488"/>
+        <p14:creationId xmlns:p14="http://schemas.microsoft.com/office/powerpoint/2010/main" val="1496374706"/>
       </p:ext>
     </p:extLst>
   </p:cSld>
@@ -7851,36 +7383,7 @@
           <a:lstStyle/>
           <a:p>
             <a:pPr algn="ctr"/>
-            <a:endParaRPr lang="en-PH" dirty="0"/>
-          </a:p>
-        </p:txBody>
-      </p:sp>
-      <p:sp>
-        <p:nvSpPr>
-          <p:cNvPr id="6" name="TextBox 5"/>
-          <p:cNvSpPr txBox="1"/>
-          <p:nvPr/>
-        </p:nvSpPr>
-        <p:spPr>
-          <a:xfrm>
-            <a:off x="9555302" y="1355152"/>
-            <a:ext cx="2133600" cy="830997"/>
-          </a:xfrm>
-          <a:prstGeom prst="rect">
-            <a:avLst/>
-          </a:prstGeom>
-          <a:noFill/>
-        </p:spPr>
-        <p:txBody>
-          <a:bodyPr wrap="square" rtlCol="0">
-            <a:spAutoFit/>
-          </a:bodyPr>
-          <a:lstStyle/>
-          <a:p>
-            <a:r>
-              <a:rPr lang="en-PH" sz="2400" dirty="0"/>
-              <a:t>LIST OF SALES PAGE</a:t>
-            </a:r>
+            <a:endParaRPr lang="en-PH"/>
           </a:p>
         </p:txBody>
       </p:sp>
@@ -7892,7 +7395,7 @@
         </p:nvSpPr>
         <p:spPr>
           <a:xfrm>
-            <a:off x="5277025" y="1657674"/>
+            <a:off x="5284121" y="1816817"/>
             <a:ext cx="2489552" cy="461665"/>
           </a:xfrm>
           <a:prstGeom prst="rect">
@@ -7916,6 +7419,40 @@
                 <a:cs typeface="Arial" panose="020B0604020202020204" pitchFamily="34" charset="0"/>
               </a:rPr>
               <a:t>ELOUS STORE</a:t>
+            </a:r>
+          </a:p>
+        </p:txBody>
+      </p:sp>
+      <p:sp>
+        <p:nvSpPr>
+          <p:cNvPr id="8" name="TextBox 7"/>
+          <p:cNvSpPr txBox="1"/>
+          <p:nvPr/>
+        </p:nvSpPr>
+        <p:spPr>
+          <a:xfrm>
+            <a:off x="5385152" y="2551011"/>
+            <a:ext cx="2273300" cy="369332"/>
+          </a:xfrm>
+          <a:prstGeom prst="rect">
+            <a:avLst/>
+          </a:prstGeom>
+          <a:noFill/>
+        </p:spPr>
+        <p:txBody>
+          <a:bodyPr wrap="square" rtlCol="0">
+            <a:spAutoFit/>
+          </a:bodyPr>
+          <a:lstStyle/>
+          <a:p>
+            <a:pPr algn="ctr"/>
+            <a:r>
+              <a:rPr lang="en-PH" dirty="0">
+                <a:solidFill>
+                  <a:schemeClr val="bg1"/>
+                </a:solidFill>
+              </a:rPr>
+              <a:t>Welcome!</a:t>
             </a:r>
           </a:p>
         </p:txBody>
@@ -7946,19 +7483,19 @@
       </p:pic>
       <p:cxnSp>
         <p:nvCxnSpPr>
-          <p:cNvPr id="20" name="Straight Connector 19"/>
+          <p:cNvPr id="15" name="Straight Connector 14"/>
           <p:cNvCxnSpPr/>
           <p:nvPr/>
         </p:nvCxnSpPr>
         <p:spPr>
           <a:xfrm>
-            <a:off x="4833938" y="2295525"/>
-            <a:ext cx="3395662" cy="0"/>
+            <a:off x="5138134" y="3035300"/>
+            <a:ext cx="2753391" cy="6232"/>
           </a:xfrm>
           <a:prstGeom prst="line">
             <a:avLst/>
           </a:prstGeom>
-          <a:ln w="57150">
+          <a:ln>
             <a:solidFill>
               <a:srgbClr val="C2F3FD"/>
             </a:solidFill>
@@ -7981,97 +7518,403 @@
       </p:cxnSp>
       <p:sp>
         <p:nvSpPr>
-          <p:cNvPr id="10" name="TextBox 9"/>
-          <p:cNvSpPr txBox="1"/>
-          <p:nvPr/>
-        </p:nvSpPr>
-        <p:spPr>
-          <a:xfrm>
-            <a:off x="4791695" y="2295525"/>
-            <a:ext cx="1708165" cy="369332"/>
-          </a:xfrm>
-          <a:prstGeom prst="rect">
-            <a:avLst/>
-          </a:prstGeom>
-          <a:noFill/>
+          <p:cNvPr id="21" name="Rounded Rectangle 20"/>
+          <p:cNvSpPr/>
+          <p:nvPr/>
+        </p:nvSpPr>
+        <p:spPr>
+          <a:xfrm>
+            <a:off x="5533848" y="3096013"/>
+            <a:ext cx="1933087" cy="478302"/>
+          </a:xfrm>
+          <a:prstGeom prst="roundRect">
+            <a:avLst/>
+          </a:prstGeom>
+          <a:solidFill>
+            <a:srgbClr val="FCD4BA"/>
+          </a:solidFill>
+          <a:ln>
+            <a:noFill/>
+          </a:ln>
+          <a:effectLst/>
+          <a:scene3d>
+            <a:camera prst="orthographicFront"/>
+            <a:lightRig rig="threePt" dir="t"/>
+          </a:scene3d>
+          <a:sp3d>
+            <a:bevelT/>
+          </a:sp3d>
+        </p:spPr>
+        <p:style>
+          <a:lnRef idx="2">
+            <a:schemeClr val="accent1">
+              <a:shade val="50000"/>
+            </a:schemeClr>
+          </a:lnRef>
+          <a:fillRef idx="1">
+            <a:schemeClr val="accent1"/>
+          </a:fillRef>
+          <a:effectRef idx="0">
+            <a:schemeClr val="accent1"/>
+          </a:effectRef>
+          <a:fontRef idx="minor">
+            <a:schemeClr val="lt1"/>
+          </a:fontRef>
+        </p:style>
+        <p:txBody>
+          <a:bodyPr rtlCol="0" anchor="ctr"/>
+          <a:lstStyle/>
+          <a:p>
+            <a:r>
+              <a:rPr lang="en-PH" b="1" dirty="0">
+                <a:solidFill>
+                  <a:srgbClr val="0B4555"/>
+                </a:solidFill>
+              </a:rPr>
+              <a:t>Sales</a:t>
+            </a:r>
+          </a:p>
+        </p:txBody>
+      </p:sp>
+      <p:sp>
+        <p:nvSpPr>
+          <p:cNvPr id="23" name="Rounded Rectangle 22"/>
+          <p:cNvSpPr/>
+          <p:nvPr/>
+        </p:nvSpPr>
+        <p:spPr>
+          <a:xfrm>
+            <a:off x="5533848" y="3657692"/>
+            <a:ext cx="1933087" cy="478302"/>
+          </a:xfrm>
+          <a:prstGeom prst="roundRect">
+            <a:avLst/>
+          </a:prstGeom>
+          <a:solidFill>
+            <a:srgbClr val="FCD4BA"/>
+          </a:solidFill>
           <a:ln>
             <a:solidFill>
-              <a:srgbClr val="C2F3FD"/>
+              <a:srgbClr val="71B8C7"/>
             </a:solidFill>
           </a:ln>
-        </p:spPr>
-        <p:txBody>
-          <a:bodyPr wrap="square" rtlCol="0">
-            <a:spAutoFit/>
-          </a:bodyPr>
-          <a:lstStyle/>
-          <a:p>
-            <a:pPr algn="ctr"/>
-            <a:r>
-              <a:rPr lang="en-PH" dirty="0">
-                <a:solidFill>
-                  <a:srgbClr val="FDE4D3"/>
+          <a:scene3d>
+            <a:camera prst="orthographicFront"/>
+            <a:lightRig rig="threePt" dir="t"/>
+          </a:scene3d>
+          <a:sp3d>
+            <a:bevelT/>
+          </a:sp3d>
+        </p:spPr>
+        <p:style>
+          <a:lnRef idx="2">
+            <a:schemeClr val="accent1">
+              <a:shade val="50000"/>
+            </a:schemeClr>
+          </a:lnRef>
+          <a:fillRef idx="1">
+            <a:schemeClr val="accent1"/>
+          </a:fillRef>
+          <a:effectRef idx="0">
+            <a:schemeClr val="accent1"/>
+          </a:effectRef>
+          <a:fontRef idx="minor">
+            <a:schemeClr val="lt1"/>
+          </a:fontRef>
+        </p:style>
+        <p:txBody>
+          <a:bodyPr rtlCol="0" anchor="ctr"/>
+          <a:lstStyle/>
+          <a:p>
+            <a:r>
+              <a:rPr lang="en-PH" b="1" dirty="0">
+                <a:solidFill>
+                  <a:srgbClr val="0B4555"/>
                 </a:solidFill>
               </a:rPr>
-              <a:t>INPUT SALES</a:t>
-            </a:r>
-          </a:p>
-        </p:txBody>
-      </p:sp>
-      <p:sp>
-        <p:nvSpPr>
-          <p:cNvPr id="31" name="TextBox 30"/>
-          <p:cNvSpPr txBox="1"/>
-          <p:nvPr/>
-        </p:nvSpPr>
-        <p:spPr>
-          <a:xfrm>
-            <a:off x="6514148" y="2295524"/>
-            <a:ext cx="1723029" cy="369332"/>
-          </a:xfrm>
-          <a:prstGeom prst="rect">
-            <a:avLst/>
-          </a:prstGeom>
-          <a:noFill/>
+              <a:t>Products</a:t>
+            </a:r>
+          </a:p>
+        </p:txBody>
+      </p:sp>
+      <p:sp>
+        <p:nvSpPr>
+          <p:cNvPr id="24" name="Rounded Rectangle 23"/>
+          <p:cNvSpPr/>
+          <p:nvPr/>
+        </p:nvSpPr>
+        <p:spPr>
+          <a:xfrm>
+            <a:off x="5533845" y="4221552"/>
+            <a:ext cx="1933087" cy="478302"/>
+          </a:xfrm>
+          <a:prstGeom prst="roundRect">
+            <a:avLst/>
+          </a:prstGeom>
+          <a:solidFill>
+            <a:srgbClr val="FCD4BA"/>
+          </a:solidFill>
           <a:ln>
             <a:solidFill>
-              <a:srgbClr val="C2F3FD"/>
+              <a:srgbClr val="71B8C7"/>
             </a:solidFill>
           </a:ln>
-        </p:spPr>
-        <p:txBody>
-          <a:bodyPr wrap="square" rtlCol="0">
-            <a:spAutoFit/>
-          </a:bodyPr>
-          <a:lstStyle/>
-          <a:p>
-            <a:pPr algn="ctr"/>
-            <a:r>
-              <a:rPr lang="en-PH" dirty="0">
-                <a:solidFill>
-                  <a:srgbClr val="FDE4D3"/>
+          <a:scene3d>
+            <a:camera prst="orthographicFront"/>
+            <a:lightRig rig="threePt" dir="t"/>
+          </a:scene3d>
+          <a:sp3d>
+            <a:bevelT/>
+          </a:sp3d>
+        </p:spPr>
+        <p:style>
+          <a:lnRef idx="2">
+            <a:schemeClr val="accent1">
+              <a:shade val="50000"/>
+            </a:schemeClr>
+          </a:lnRef>
+          <a:fillRef idx="1">
+            <a:schemeClr val="accent1"/>
+          </a:fillRef>
+          <a:effectRef idx="0">
+            <a:schemeClr val="accent1"/>
+          </a:effectRef>
+          <a:fontRef idx="minor">
+            <a:schemeClr val="lt1"/>
+          </a:fontRef>
+        </p:style>
+        <p:txBody>
+          <a:bodyPr rtlCol="0" anchor="ctr"/>
+          <a:lstStyle/>
+          <a:p>
+            <a:r>
+              <a:rPr lang="en-PH" b="1" dirty="0">
+                <a:solidFill>
+                  <a:srgbClr val="0B4555"/>
                 </a:solidFill>
               </a:rPr>
-              <a:t>LIST OF SALES</a:t>
-            </a:r>
-          </a:p>
-        </p:txBody>
-      </p:sp>
+              <a:t>Graph</a:t>
+            </a:r>
+          </a:p>
+        </p:txBody>
+      </p:sp>
+      <p:pic>
+        <p:nvPicPr>
+          <p:cNvPr id="14" name="Picture 13"/>
+          <p:cNvPicPr>
+            <a:picLocks noChangeAspect="1"/>
+          </p:cNvPicPr>
+          <p:nvPr/>
+        </p:nvPicPr>
+        <p:blipFill>
+          <a:blip r:embed="rId3">
+            <a:extLst>
+              <a:ext uri="{BEBA8EAE-BF5A-486C-A8C5-ECC9F3942E4B}">
+                <a14:imgProps xmlns:a14="http://schemas.microsoft.com/office/drawing/2010/main">
+                  <a14:imgLayer r:embed="rId4">
+                    <a14:imgEffect>
+                      <a14:brightnessContrast bright="20000"/>
+                    </a14:imgEffect>
+                  </a14:imgLayer>
+                </a14:imgProps>
+              </a:ext>
+            </a:extLst>
+          </a:blip>
+          <a:stretch>
+            <a:fillRect/>
+          </a:stretch>
+        </p:blipFill>
+        <p:spPr>
+          <a:xfrm>
+            <a:off x="6970996" y="4340161"/>
+            <a:ext cx="442148" cy="343892"/>
+          </a:xfrm>
+          <a:prstGeom prst="rect">
+            <a:avLst/>
+          </a:prstGeom>
+          <a:effectLst>
+            <a:softEdge rad="25400"/>
+          </a:effectLst>
+        </p:spPr>
+      </p:pic>
+      <p:pic>
+        <p:nvPicPr>
+          <p:cNvPr id="18" name="Picture 17"/>
+          <p:cNvPicPr>
+            <a:picLocks noChangeAspect="1"/>
+          </p:cNvPicPr>
+          <p:nvPr/>
+        </p:nvPicPr>
+        <p:blipFill>
+          <a:blip r:embed="rId5">
+            <a:extLst>
+              <a:ext uri="{BEBA8EAE-BF5A-486C-A8C5-ECC9F3942E4B}">
+                <a14:imgProps xmlns:a14="http://schemas.microsoft.com/office/drawing/2010/main">
+                  <a14:imgLayer r:embed="rId6">
+                    <a14:imgEffect>
+                      <a14:brightnessContrast bright="20000"/>
+                    </a14:imgEffect>
+                  </a14:imgLayer>
+                </a14:imgProps>
+              </a:ext>
+            </a:extLst>
+          </a:blip>
+          <a:stretch>
+            <a:fillRect/>
+          </a:stretch>
+        </p:blipFill>
+        <p:spPr>
+          <a:xfrm>
+            <a:off x="6970996" y="3163661"/>
+            <a:ext cx="442147" cy="341668"/>
+          </a:xfrm>
+          <a:prstGeom prst="rect">
+            <a:avLst/>
+          </a:prstGeom>
+          <a:effectLst>
+            <a:softEdge rad="25400"/>
+          </a:effectLst>
+        </p:spPr>
+      </p:pic>
+      <p:pic>
+        <p:nvPicPr>
+          <p:cNvPr id="26" name="Picture 25"/>
+          <p:cNvPicPr>
+            <a:picLocks noChangeAspect="1"/>
+          </p:cNvPicPr>
+          <p:nvPr/>
+        </p:nvPicPr>
+        <p:blipFill>
+          <a:blip r:embed="rId7">
+            <a:extLst>
+              <a:ext uri="{BEBA8EAE-BF5A-486C-A8C5-ECC9F3942E4B}">
+                <a14:imgProps xmlns:a14="http://schemas.microsoft.com/office/drawing/2010/main">
+                  <a14:imgLayer r:embed="rId8">
+                    <a14:imgEffect>
+                      <a14:brightnessContrast bright="20000"/>
+                    </a14:imgEffect>
+                  </a14:imgLayer>
+                </a14:imgProps>
+              </a:ext>
+            </a:extLst>
+          </a:blip>
+          <a:stretch>
+            <a:fillRect/>
+          </a:stretch>
+        </p:blipFill>
+        <p:spPr>
+          <a:xfrm>
+            <a:off x="6971993" y="3743555"/>
+            <a:ext cx="442147" cy="343892"/>
+          </a:xfrm>
+          <a:prstGeom prst="rect">
+            <a:avLst/>
+          </a:prstGeom>
+          <a:effectLst>
+            <a:softEdge rad="25400"/>
+          </a:effectLst>
+        </p:spPr>
+      </p:pic>
+      <p:sp>
+        <p:nvSpPr>
+          <p:cNvPr id="28" name="Rounded Rectangle 27"/>
+          <p:cNvSpPr/>
+          <p:nvPr/>
+        </p:nvSpPr>
+        <p:spPr>
+          <a:xfrm>
+            <a:off x="5533845" y="4797250"/>
+            <a:ext cx="1933087" cy="478302"/>
+          </a:xfrm>
+          <a:prstGeom prst="roundRect">
+            <a:avLst/>
+          </a:prstGeom>
+          <a:solidFill>
+            <a:srgbClr val="FCD4BA"/>
+          </a:solidFill>
+          <a:ln>
+            <a:solidFill>
+              <a:srgbClr val="71B8C7"/>
+            </a:solidFill>
+          </a:ln>
+          <a:scene3d>
+            <a:camera prst="orthographicFront"/>
+            <a:lightRig rig="threePt" dir="t"/>
+          </a:scene3d>
+          <a:sp3d>
+            <a:bevelT/>
+          </a:sp3d>
+        </p:spPr>
+        <p:style>
+          <a:lnRef idx="2">
+            <a:schemeClr val="accent1">
+              <a:shade val="50000"/>
+            </a:schemeClr>
+          </a:lnRef>
+          <a:fillRef idx="1">
+            <a:schemeClr val="accent1"/>
+          </a:fillRef>
+          <a:effectRef idx="0">
+            <a:schemeClr val="accent1"/>
+          </a:effectRef>
+          <a:fontRef idx="minor">
+            <a:schemeClr val="lt1"/>
+          </a:fontRef>
+        </p:style>
+        <p:txBody>
+          <a:bodyPr rtlCol="0" anchor="ctr"/>
+          <a:lstStyle/>
+          <a:p>
+            <a:r>
+              <a:rPr lang="en-PH" b="1" dirty="0">
+                <a:solidFill>
+                  <a:srgbClr val="0B4555"/>
+                </a:solidFill>
+              </a:rPr>
+              <a:t>Expenses</a:t>
+            </a:r>
+          </a:p>
+        </p:txBody>
+      </p:sp>
+      <p:pic>
+        <p:nvPicPr>
+          <p:cNvPr id="29" name="Picture 28"/>
+          <p:cNvPicPr>
+            <a:picLocks noChangeAspect="1"/>
+          </p:cNvPicPr>
+          <p:nvPr/>
+        </p:nvPicPr>
+        <p:blipFill>
+          <a:blip r:embed="rId9"/>
+          <a:stretch>
+            <a:fillRect/>
+          </a:stretch>
+        </p:blipFill>
+        <p:spPr>
+          <a:xfrm>
+            <a:off x="6970995" y="4856462"/>
+            <a:ext cx="442147" cy="343892"/>
+          </a:xfrm>
+          <a:prstGeom prst="rect">
+            <a:avLst/>
+          </a:prstGeom>
+        </p:spPr>
+      </p:pic>
       <p:cxnSp>
         <p:nvCxnSpPr>
-          <p:cNvPr id="34" name="Straight Connector 33"/>
+          <p:cNvPr id="30" name="Straight Connector 29"/>
           <p:cNvCxnSpPr/>
           <p:nvPr/>
         </p:nvCxnSpPr>
         <p:spPr>
-          <a:xfrm flipV="1">
-            <a:off x="6557963" y="2664856"/>
-            <a:ext cx="1665922" cy="1905"/>
+          <a:xfrm>
+            <a:off x="5123692" y="5934015"/>
+            <a:ext cx="2753391" cy="6232"/>
           </a:xfrm>
           <a:prstGeom prst="line">
             <a:avLst/>
           </a:prstGeom>
-          <a:ln w="57150">
+          <a:ln>
             <a:solidFill>
               <a:srgbClr val="C2F3FD"/>
             </a:solidFill>
@@ -8094,14 +7937,14 @@
       </p:cxnSp>
       <p:sp>
         <p:nvSpPr>
-          <p:cNvPr id="29" name="TextBox 28"/>
+          <p:cNvPr id="32" name="TextBox 31"/>
           <p:cNvSpPr txBox="1"/>
           <p:nvPr/>
         </p:nvSpPr>
         <p:spPr>
           <a:xfrm>
-            <a:off x="4830486" y="2867444"/>
-            <a:ext cx="379690" cy="338554"/>
+            <a:off x="6059368" y="6019452"/>
+            <a:ext cx="939057" cy="369332"/>
           </a:xfrm>
           <a:prstGeom prst="rect">
             <a:avLst/>
@@ -8115,28 +7958,26 @@
           <a:lstStyle/>
           <a:p>
             <a:r>
-              <a:rPr lang="en-PH" sz="1600" dirty="0">
-                <a:solidFill>
-                  <a:schemeClr val="bg1"/>
-                </a:solidFill>
-                <a:latin typeface="Arial" panose="020B0604020202020204" pitchFamily="34" charset="0"/>
-                <a:cs typeface="Arial" panose="020B0604020202020204" pitchFamily="34" charset="0"/>
+              <a:rPr lang="en-PH" u="sng" dirty="0">
+                <a:solidFill>
+                  <a:srgbClr val="C2F3FD"/>
+                </a:solidFill>
               </a:rPr>
-              <a:t> </a:t>
-            </a:r>
-          </a:p>
-        </p:txBody>
-      </p:sp>
-      <p:sp>
-        <p:nvSpPr>
-          <p:cNvPr id="48" name="TextBox 47"/>
+              <a:t>Logout</a:t>
+            </a:r>
+          </a:p>
+        </p:txBody>
+      </p:sp>
+      <p:sp>
+        <p:nvSpPr>
+          <p:cNvPr id="36" name="TextBox 35"/>
           <p:cNvSpPr txBox="1"/>
           <p:nvPr/>
         </p:nvSpPr>
         <p:spPr>
           <a:xfrm>
-            <a:off x="5331263" y="3499891"/>
-            <a:ext cx="2381075" cy="461665"/>
+            <a:off x="9494151" y="1324499"/>
+            <a:ext cx="2446326" cy="461665"/>
           </a:xfrm>
           <a:prstGeom prst="rect">
             <a:avLst/>
@@ -8149,170 +7990,163 @@
           </a:bodyPr>
           <a:lstStyle/>
           <a:p>
-            <a:pPr algn="ctr"/>
-            <a:r>
-              <a:rPr lang="en-PH" sz="2400" dirty="0">
-                <a:solidFill>
-                  <a:schemeClr val="bg1"/>
-                </a:solidFill>
-                <a:latin typeface="Arial" panose="020B0604020202020204" pitchFamily="34" charset="0"/>
-                <a:cs typeface="Arial" panose="020B0604020202020204" pitchFamily="34" charset="0"/>
-              </a:rPr>
-              <a:t>OUTPUT</a:t>
-            </a:r>
-          </a:p>
-        </p:txBody>
-      </p:sp>
-      <p:sp>
-        <p:nvSpPr>
-          <p:cNvPr id="14" name="TextBox 13"/>
-          <p:cNvSpPr txBox="1"/>
-          <p:nvPr/>
-        </p:nvSpPr>
-        <p:spPr>
-          <a:xfrm>
-            <a:off x="4777407" y="2744333"/>
-            <a:ext cx="1175012" cy="338554"/>
-          </a:xfrm>
-          <a:prstGeom prst="rect">
-            <a:avLst/>
-          </a:prstGeom>
-          <a:noFill/>
-        </p:spPr>
-        <p:txBody>
-          <a:bodyPr wrap="square" rtlCol="0">
-            <a:spAutoFit/>
-          </a:bodyPr>
-          <a:lstStyle/>
-          <a:p>
-            <a:r>
-              <a:rPr lang="en-PH" sz="1600" dirty="0">
-                <a:solidFill>
-                  <a:schemeClr val="bg1"/>
-                </a:solidFill>
-                <a:latin typeface="Arial" panose="020B0604020202020204" pitchFamily="34" charset="0"/>
-                <a:cs typeface="Arial" panose="020B0604020202020204" pitchFamily="34" charset="0"/>
-              </a:rPr>
-              <a:t>Sale 1</a:t>
-            </a:r>
-          </a:p>
-        </p:txBody>
-      </p:sp>
-      <p:sp>
-        <p:nvSpPr>
-          <p:cNvPr id="16" name="TextBox 15"/>
-          <p:cNvSpPr txBox="1"/>
-          <p:nvPr/>
-        </p:nvSpPr>
-        <p:spPr>
-          <a:xfrm>
-            <a:off x="5210176" y="5285191"/>
-            <a:ext cx="2744003" cy="338554"/>
-          </a:xfrm>
-          <a:prstGeom prst="rect">
-            <a:avLst/>
-          </a:prstGeom>
-          <a:noFill/>
-        </p:spPr>
-        <p:txBody>
-          <a:bodyPr wrap="square" rtlCol="0">
-            <a:spAutoFit/>
-          </a:bodyPr>
-          <a:lstStyle/>
-          <a:p>
-            <a:pPr algn="ctr"/>
-            <a:r>
-              <a:rPr lang="en-PH" sz="1600" u="sng" dirty="0">
-                <a:solidFill>
-                  <a:schemeClr val="bg1"/>
-                </a:solidFill>
-                <a:latin typeface="Arial" panose="020B0604020202020204" pitchFamily="34" charset="0"/>
-                <a:cs typeface="Arial" panose="020B0604020202020204" pitchFamily="34" charset="0"/>
-              </a:rPr>
-              <a:t>To add expense, click here</a:t>
-            </a:r>
-            <a:endParaRPr lang="en-PH" sz="2000" u="sng" dirty="0">
-              <a:solidFill>
-                <a:schemeClr val="bg1"/>
-              </a:solidFill>
-              <a:latin typeface="Arial" panose="020B0604020202020204" pitchFamily="34" charset="0"/>
-              <a:cs typeface="Arial" panose="020B0604020202020204" pitchFamily="34" charset="0"/>
-            </a:endParaRPr>
-          </a:p>
-        </p:txBody>
-      </p:sp>
-      <p:cxnSp>
-        <p:nvCxnSpPr>
-          <p:cNvPr id="17" name="Straight Connector 16"/>
-          <p:cNvCxnSpPr/>
-          <p:nvPr/>
-        </p:nvCxnSpPr>
-        <p:spPr>
-          <a:xfrm>
-            <a:off x="5123692" y="5934015"/>
-            <a:ext cx="2753391" cy="6232"/>
-          </a:xfrm>
-          <a:prstGeom prst="line">
-            <a:avLst/>
-          </a:prstGeom>
+            <a:r>
+              <a:rPr lang="en-PH" sz="2400" dirty="0"/>
+              <a:t>MAIN ACTIVITY</a:t>
+            </a:r>
+          </a:p>
+        </p:txBody>
+      </p:sp>
+      <p:sp>
+        <p:nvSpPr>
+          <p:cNvPr id="39" name="Rounded Rectangle 38"/>
+          <p:cNvSpPr/>
+          <p:nvPr/>
+        </p:nvSpPr>
+        <p:spPr>
+          <a:xfrm>
+            <a:off x="5533845" y="5358792"/>
+            <a:ext cx="1933087" cy="478302"/>
+          </a:xfrm>
+          <a:prstGeom prst="roundRect">
+            <a:avLst/>
+          </a:prstGeom>
+          <a:solidFill>
+            <a:srgbClr val="FCD4BA"/>
+          </a:solidFill>
           <a:ln>
             <a:solidFill>
-              <a:srgbClr val="C2F3FD"/>
+              <a:srgbClr val="71B8C7"/>
             </a:solidFill>
           </a:ln>
+          <a:scene3d>
+            <a:camera prst="orthographicFront"/>
+            <a:lightRig rig="threePt" dir="t"/>
+          </a:scene3d>
+          <a:sp3d>
+            <a:bevelT/>
+          </a:sp3d>
         </p:spPr>
         <p:style>
-          <a:lnRef idx="1">
-            <a:schemeClr val="accent1"/>
+          <a:lnRef idx="2">
+            <a:schemeClr val="accent1">
+              <a:shade val="50000"/>
+            </a:schemeClr>
           </a:lnRef>
-          <a:fillRef idx="0">
+          <a:fillRef idx="1">
             <a:schemeClr val="accent1"/>
           </a:fillRef>
           <a:effectRef idx="0">
             <a:schemeClr val="accent1"/>
           </a:effectRef>
           <a:fontRef idx="minor">
-            <a:schemeClr val="tx1"/>
+            <a:schemeClr val="lt1"/>
           </a:fontRef>
         </p:style>
-      </p:cxnSp>
-      <p:sp>
-        <p:nvSpPr>
-          <p:cNvPr id="18" name="TextBox 17"/>
-          <p:cNvSpPr txBox="1"/>
-          <p:nvPr/>
-        </p:nvSpPr>
-        <p:spPr>
-          <a:xfrm>
-            <a:off x="6059368" y="6019452"/>
-            <a:ext cx="939057" cy="369332"/>
-          </a:xfrm>
-          <a:prstGeom prst="rect">
+        <p:txBody>
+          <a:bodyPr rtlCol="0" anchor="ctr"/>
+          <a:lstStyle/>
+          <a:p>
+            <a:r>
+              <a:rPr lang="en-PH" b="1" dirty="0">
+                <a:solidFill>
+                  <a:srgbClr val="0B4555"/>
+                </a:solidFill>
+              </a:rPr>
+              <a:t>Records</a:t>
+            </a:r>
+          </a:p>
+        </p:txBody>
+      </p:sp>
+      <p:pic>
+        <p:nvPicPr>
+          <p:cNvPr id="41" name="Picture 40"/>
+          <p:cNvPicPr>
+            <a:picLocks noChangeAspect="1"/>
+          </p:cNvPicPr>
+          <p:nvPr/>
+        </p:nvPicPr>
+        <p:blipFill>
+          <a:blip r:embed="rId7">
+            <a:extLst>
+              <a:ext uri="{BEBA8EAE-BF5A-486C-A8C5-ECC9F3942E4B}">
+                <a14:imgProps xmlns:a14="http://schemas.microsoft.com/office/drawing/2010/main">
+                  <a14:imgLayer r:embed="rId8">
+                    <a14:imgEffect>
+                      <a14:brightnessContrast bright="20000"/>
+                    </a14:imgEffect>
+                  </a14:imgLayer>
+                </a14:imgProps>
+              </a:ext>
+            </a:extLst>
+          </a:blip>
+          <a:stretch>
+            <a:fillRect/>
+          </a:stretch>
+        </p:blipFill>
+        <p:spPr>
+          <a:xfrm>
+            <a:off x="6970994" y="5425997"/>
+            <a:ext cx="442147" cy="343892"/>
+          </a:xfrm>
+          <a:prstGeom prst="rect">
+            <a:avLst/>
+          </a:prstGeom>
+          <a:effectLst>
+            <a:softEdge rad="25400"/>
+          </a:effectLst>
+        </p:spPr>
+      </p:pic>
+      <p:sp>
+        <p:nvSpPr>
+          <p:cNvPr id="40" name="Oval 39"/>
+          <p:cNvSpPr/>
+          <p:nvPr/>
+        </p:nvSpPr>
+        <p:spPr>
+          <a:xfrm>
+            <a:off x="5123692" y="3447270"/>
+            <a:ext cx="2635540" cy="944242"/>
+          </a:xfrm>
+          <a:prstGeom prst="ellipse">
             <a:avLst/>
           </a:prstGeom>
           <a:noFill/>
-        </p:spPr>
-        <p:txBody>
-          <a:bodyPr wrap="square" rtlCol="0">
-            <a:spAutoFit/>
-          </a:bodyPr>
-          <a:lstStyle/>
-          <a:p>
-            <a:r>
-              <a:rPr lang="en-PH" u="sng" dirty="0">
-                <a:solidFill>
-                  <a:srgbClr val="C2F3FD"/>
-                </a:solidFill>
-              </a:rPr>
-              <a:t>Logout</a:t>
-            </a:r>
+          <a:ln>
+            <a:solidFill>
+              <a:srgbClr val="FF0000"/>
+            </a:solidFill>
+          </a:ln>
+        </p:spPr>
+        <p:style>
+          <a:lnRef idx="2">
+            <a:schemeClr val="accent1">
+              <a:shade val="50000"/>
+            </a:schemeClr>
+          </a:lnRef>
+          <a:fillRef idx="1">
+            <a:schemeClr val="accent1"/>
+          </a:fillRef>
+          <a:effectRef idx="0">
+            <a:schemeClr val="accent1"/>
+          </a:effectRef>
+          <a:fontRef idx="minor">
+            <a:schemeClr val="lt1"/>
+          </a:fontRef>
+        </p:style>
+        <p:txBody>
+          <a:bodyPr rtlCol="0" anchor="ctr"/>
+          <a:lstStyle/>
+          <a:p>
+            <a:pPr algn="ctr"/>
+            <a:endParaRPr lang="en-PH"/>
           </a:p>
         </p:txBody>
       </p:sp>
     </p:spTree>
     <p:extLst>
       <p:ext uri="{BB962C8B-B14F-4D97-AF65-F5344CB8AC3E}">
-        <p14:creationId xmlns:p14="http://schemas.microsoft.com/office/powerpoint/2010/main" val="1496374706"/>
+        <p14:creationId xmlns:p14="http://schemas.microsoft.com/office/powerpoint/2010/main" val="3261198531"/>
       </p:ext>
     </p:extLst>
   </p:cSld>
@@ -8563,7 +8397,7 @@
         </p:nvSpPr>
         <p:spPr>
           <a:xfrm>
-            <a:off x="5533848" y="3294793"/>
+            <a:off x="5533848" y="3096013"/>
             <a:ext cx="1933087" cy="478302"/>
           </a:xfrm>
           <a:prstGeom prst="roundRect">
@@ -8623,7 +8457,7 @@
         </p:nvSpPr>
         <p:spPr>
           <a:xfrm>
-            <a:off x="5533848" y="3909480"/>
+            <a:off x="5533848" y="3657692"/>
             <a:ext cx="1933087" cy="478302"/>
           </a:xfrm>
           <a:prstGeom prst="roundRect">
@@ -8684,7 +8518,7 @@
         </p:nvSpPr>
         <p:spPr>
           <a:xfrm>
-            <a:off x="5533845" y="4539600"/>
+            <a:off x="5533845" y="4221552"/>
             <a:ext cx="1933087" cy="478302"/>
           </a:xfrm>
           <a:prstGeom prst="roundRect">
@@ -8765,7 +8599,7 @@
         </p:blipFill>
         <p:spPr>
           <a:xfrm>
-            <a:off x="6970996" y="4658209"/>
+            <a:off x="6970996" y="4340161"/>
             <a:ext cx="442148" cy="343892"/>
           </a:xfrm>
           <a:prstGeom prst="rect">
@@ -8804,7 +8638,7 @@
         </p:blipFill>
         <p:spPr>
           <a:xfrm>
-            <a:off x="6970996" y="3362441"/>
+            <a:off x="6970996" y="3163661"/>
             <a:ext cx="442147" cy="341668"/>
           </a:xfrm>
           <a:prstGeom prst="rect">
@@ -8843,7 +8677,7 @@
         </p:blipFill>
         <p:spPr>
           <a:xfrm>
-            <a:off x="6971993" y="3995343"/>
+            <a:off x="6971993" y="3743555"/>
             <a:ext cx="442147" cy="343892"/>
           </a:xfrm>
           <a:prstGeom prst="rect">
@@ -8862,7 +8696,7 @@
         </p:nvSpPr>
         <p:spPr>
           <a:xfrm>
-            <a:off x="5533845" y="5181558"/>
+            <a:off x="5533845" y="4797250"/>
             <a:ext cx="1933087" cy="478302"/>
           </a:xfrm>
           <a:prstGeom prst="roundRect">
@@ -8931,7 +8765,7 @@
         </p:blipFill>
         <p:spPr>
           <a:xfrm>
-            <a:off x="6970995" y="5240770"/>
+            <a:off x="6970995" y="4856462"/>
             <a:ext cx="442147" cy="343892"/>
           </a:xfrm>
           <a:prstGeom prst="rect">
@@ -9038,24 +8872,33 @@
       </p:sp>
       <p:sp>
         <p:nvSpPr>
-          <p:cNvPr id="3" name="Oval 2"/>
+          <p:cNvPr id="39" name="Rounded Rectangle 38"/>
           <p:cNvSpPr/>
           <p:nvPr/>
         </p:nvSpPr>
         <p:spPr>
           <a:xfrm>
-            <a:off x="5138134" y="3660578"/>
-            <a:ext cx="2635540" cy="944242"/>
-          </a:xfrm>
-          <a:prstGeom prst="ellipse">
-            <a:avLst/>
-          </a:prstGeom>
-          <a:noFill/>
+            <a:off x="5533845" y="5358792"/>
+            <a:ext cx="1933087" cy="478302"/>
+          </a:xfrm>
+          <a:prstGeom prst="roundRect">
+            <a:avLst/>
+          </a:prstGeom>
+          <a:solidFill>
+            <a:srgbClr val="FCD4BA"/>
+          </a:solidFill>
           <a:ln>
             <a:solidFill>
-              <a:srgbClr val="FF0000"/>
+              <a:srgbClr val="71B8C7"/>
             </a:solidFill>
           </a:ln>
+          <a:scene3d>
+            <a:camera prst="orthographicFront"/>
+            <a:lightRig rig="threePt" dir="t"/>
+          </a:scene3d>
+          <a:sp3d>
+            <a:bevelT/>
+          </a:sp3d>
         </p:spPr>
         <p:style>
           <a:lnRef idx="2">
@@ -9077,6 +8920,97 @@
           <a:bodyPr rtlCol="0" anchor="ctr"/>
           <a:lstStyle/>
           <a:p>
+            <a:r>
+              <a:rPr lang="en-PH" b="1" dirty="0">
+                <a:solidFill>
+                  <a:srgbClr val="0B4555"/>
+                </a:solidFill>
+              </a:rPr>
+              <a:t>Records</a:t>
+            </a:r>
+          </a:p>
+        </p:txBody>
+      </p:sp>
+      <p:pic>
+        <p:nvPicPr>
+          <p:cNvPr id="41" name="Picture 40"/>
+          <p:cNvPicPr>
+            <a:picLocks noChangeAspect="1"/>
+          </p:cNvPicPr>
+          <p:nvPr/>
+        </p:nvPicPr>
+        <p:blipFill>
+          <a:blip r:embed="rId7">
+            <a:extLst>
+              <a:ext uri="{BEBA8EAE-BF5A-486C-A8C5-ECC9F3942E4B}">
+                <a14:imgProps xmlns:a14="http://schemas.microsoft.com/office/drawing/2010/main">
+                  <a14:imgLayer r:embed="rId8">
+                    <a14:imgEffect>
+                      <a14:brightnessContrast bright="20000"/>
+                    </a14:imgEffect>
+                  </a14:imgLayer>
+                </a14:imgProps>
+              </a:ext>
+            </a:extLst>
+          </a:blip>
+          <a:stretch>
+            <a:fillRect/>
+          </a:stretch>
+        </p:blipFill>
+        <p:spPr>
+          <a:xfrm>
+            <a:off x="6970994" y="5425997"/>
+            <a:ext cx="442147" cy="343892"/>
+          </a:xfrm>
+          <a:prstGeom prst="rect">
+            <a:avLst/>
+          </a:prstGeom>
+          <a:effectLst>
+            <a:softEdge rad="25400"/>
+          </a:effectLst>
+        </p:spPr>
+      </p:pic>
+      <p:sp>
+        <p:nvSpPr>
+          <p:cNvPr id="40" name="Oval 39"/>
+          <p:cNvSpPr/>
+          <p:nvPr/>
+        </p:nvSpPr>
+        <p:spPr>
+          <a:xfrm>
+            <a:off x="5182617" y="4539514"/>
+            <a:ext cx="2635540" cy="944242"/>
+          </a:xfrm>
+          <a:prstGeom prst="ellipse">
+            <a:avLst/>
+          </a:prstGeom>
+          <a:noFill/>
+          <a:ln>
+            <a:solidFill>
+              <a:srgbClr val="FF0000"/>
+            </a:solidFill>
+          </a:ln>
+        </p:spPr>
+        <p:style>
+          <a:lnRef idx="2">
+            <a:schemeClr val="accent1">
+              <a:shade val="50000"/>
+            </a:schemeClr>
+          </a:lnRef>
+          <a:fillRef idx="1">
+            <a:schemeClr val="accent1"/>
+          </a:fillRef>
+          <a:effectRef idx="0">
+            <a:schemeClr val="accent1"/>
+          </a:effectRef>
+          <a:fontRef idx="minor">
+            <a:schemeClr val="lt1"/>
+          </a:fontRef>
+        </p:style>
+        <p:txBody>
+          <a:bodyPr rtlCol="0" anchor="ctr"/>
+          <a:lstStyle/>
+          <a:p>
             <a:pPr algn="ctr"/>
             <a:endParaRPr lang="en-PH"/>
           </a:p>
@@ -9085,7 +9019,7 @@
     </p:spTree>
     <p:extLst>
       <p:ext uri="{BB962C8B-B14F-4D97-AF65-F5344CB8AC3E}">
-        <p14:creationId xmlns:p14="http://schemas.microsoft.com/office/powerpoint/2010/main" val="2102585841"/>
+        <p14:creationId xmlns:p14="http://schemas.microsoft.com/office/powerpoint/2010/main" val="113259579"/>
       </p:ext>
     </p:extLst>
   </p:cSld>
@@ -9108,779 +9042,6 @@
 </file>
 
 <file path=ppt/slides/slide14.xml><?xml version="1.0" encoding="utf-8"?>
-<p:sld xmlns:a="http://schemas.openxmlformats.org/drawingml/2006/main" xmlns:r="http://schemas.openxmlformats.org/officeDocument/2006/relationships" xmlns:p="http://schemas.openxmlformats.org/presentationml/2006/main">
-  <p:cSld>
-    <p:spTree>
-      <p:nvGrpSpPr>
-        <p:cNvPr id="1" name=""/>
-        <p:cNvGrpSpPr/>
-        <p:nvPr/>
-      </p:nvGrpSpPr>
-      <p:grpSpPr>
-        <a:xfrm>
-          <a:off x="0" y="0"/>
-          <a:ext cx="0" cy="0"/>
-          <a:chOff x="0" y="0"/>
-          <a:chExt cx="0" cy="0"/>
-        </a:xfrm>
-      </p:grpSpPr>
-      <p:sp>
-        <p:nvSpPr>
-          <p:cNvPr id="2" name="Title 1"/>
-          <p:cNvSpPr>
-            <a:spLocks noGrp="1"/>
-          </p:cNvSpPr>
-          <p:nvPr>
-            <p:ph type="title"/>
-          </p:nvPr>
-        </p:nvSpPr>
-        <p:spPr>
-          <a:xfrm>
-            <a:off x="1512446" y="140680"/>
-            <a:ext cx="10018713" cy="1223887"/>
-          </a:xfrm>
-        </p:spPr>
-        <p:txBody>
-          <a:bodyPr/>
-          <a:lstStyle/>
-          <a:p>
-            <a:r>
-              <a:rPr lang="en-PH" b="1" dirty="0"/>
-              <a:t>Features (continued)</a:t>
-            </a:r>
-          </a:p>
-        </p:txBody>
-      </p:sp>
-      <p:sp>
-        <p:nvSpPr>
-          <p:cNvPr id="5" name="Rectangle 4"/>
-          <p:cNvSpPr/>
-          <p:nvPr/>
-        </p:nvSpPr>
-        <p:spPr>
-          <a:xfrm>
-            <a:off x="4777407" y="1353127"/>
-            <a:ext cx="3488788" cy="5162844"/>
-          </a:xfrm>
-          <a:prstGeom prst="rect">
-            <a:avLst/>
-          </a:prstGeom>
-          <a:solidFill>
-            <a:srgbClr val="1789A9"/>
-          </a:solidFill>
-          <a:ln>
-            <a:solidFill>
-              <a:srgbClr val="E38C59"/>
-            </a:solidFill>
-          </a:ln>
-        </p:spPr>
-        <p:style>
-          <a:lnRef idx="2">
-            <a:schemeClr val="accent1">
-              <a:shade val="50000"/>
-            </a:schemeClr>
-          </a:lnRef>
-          <a:fillRef idx="1">
-            <a:schemeClr val="accent1"/>
-          </a:fillRef>
-          <a:effectRef idx="0">
-            <a:schemeClr val="accent1"/>
-          </a:effectRef>
-          <a:fontRef idx="minor">
-            <a:schemeClr val="lt1"/>
-          </a:fontRef>
-        </p:style>
-        <p:txBody>
-          <a:bodyPr rtlCol="0" anchor="ctr"/>
-          <a:lstStyle/>
-          <a:p>
-            <a:pPr algn="ctr"/>
-            <a:endParaRPr lang="en-PH"/>
-          </a:p>
-        </p:txBody>
-      </p:sp>
-      <p:sp>
-        <p:nvSpPr>
-          <p:cNvPr id="7" name="TextBox 6"/>
-          <p:cNvSpPr txBox="1"/>
-          <p:nvPr/>
-        </p:nvSpPr>
-        <p:spPr>
-          <a:xfrm>
-            <a:off x="5284121" y="1816817"/>
-            <a:ext cx="2489552" cy="461665"/>
-          </a:xfrm>
-          <a:prstGeom prst="rect">
-            <a:avLst/>
-          </a:prstGeom>
-          <a:noFill/>
-        </p:spPr>
-        <p:txBody>
-          <a:bodyPr wrap="square" rtlCol="0">
-            <a:spAutoFit/>
-          </a:bodyPr>
-          <a:lstStyle/>
-          <a:p>
-            <a:pPr algn="ctr"/>
-            <a:r>
-              <a:rPr lang="en-PH" sz="2400" b="1" dirty="0">
-                <a:solidFill>
-                  <a:schemeClr val="bg1"/>
-                </a:solidFill>
-                <a:latin typeface="Arial" panose="020B0604020202020204" pitchFamily="34" charset="0"/>
-                <a:cs typeface="Arial" panose="020B0604020202020204" pitchFamily="34" charset="0"/>
-              </a:rPr>
-              <a:t>ELOUS STORE</a:t>
-            </a:r>
-          </a:p>
-        </p:txBody>
-      </p:sp>
-      <p:sp>
-        <p:nvSpPr>
-          <p:cNvPr id="8" name="TextBox 7"/>
-          <p:cNvSpPr txBox="1"/>
-          <p:nvPr/>
-        </p:nvSpPr>
-        <p:spPr>
-          <a:xfrm>
-            <a:off x="5385152" y="2551011"/>
-            <a:ext cx="2273300" cy="369332"/>
-          </a:xfrm>
-          <a:prstGeom prst="rect">
-            <a:avLst/>
-          </a:prstGeom>
-          <a:noFill/>
-        </p:spPr>
-        <p:txBody>
-          <a:bodyPr wrap="square" rtlCol="0">
-            <a:spAutoFit/>
-          </a:bodyPr>
-          <a:lstStyle/>
-          <a:p>
-            <a:pPr algn="ctr"/>
-            <a:r>
-              <a:rPr lang="en-PH" dirty="0">
-                <a:solidFill>
-                  <a:schemeClr val="bg1"/>
-                </a:solidFill>
-              </a:rPr>
-              <a:t>Welcome!</a:t>
-            </a:r>
-          </a:p>
-        </p:txBody>
-      </p:sp>
-      <p:pic>
-        <p:nvPicPr>
-          <p:cNvPr id="9" name="Picture 8"/>
-          <p:cNvPicPr>
-            <a:picLocks noChangeAspect="1"/>
-          </p:cNvPicPr>
-          <p:nvPr/>
-        </p:nvPicPr>
-        <p:blipFill>
-          <a:blip r:embed="rId2"/>
-          <a:stretch>
-            <a:fillRect/>
-          </a:stretch>
-        </p:blipFill>
-        <p:spPr>
-          <a:xfrm>
-            <a:off x="9555301" y="362098"/>
-            <a:ext cx="2133600" cy="781050"/>
-          </a:xfrm>
-          <a:prstGeom prst="rect">
-            <a:avLst/>
-          </a:prstGeom>
-        </p:spPr>
-      </p:pic>
-      <p:cxnSp>
-        <p:nvCxnSpPr>
-          <p:cNvPr id="15" name="Straight Connector 14"/>
-          <p:cNvCxnSpPr/>
-          <p:nvPr/>
-        </p:nvCxnSpPr>
-        <p:spPr>
-          <a:xfrm>
-            <a:off x="5138134" y="3035300"/>
-            <a:ext cx="2753391" cy="6232"/>
-          </a:xfrm>
-          <a:prstGeom prst="line">
-            <a:avLst/>
-          </a:prstGeom>
-          <a:ln>
-            <a:solidFill>
-              <a:srgbClr val="C2F3FD"/>
-            </a:solidFill>
-          </a:ln>
-        </p:spPr>
-        <p:style>
-          <a:lnRef idx="1">
-            <a:schemeClr val="accent1"/>
-          </a:lnRef>
-          <a:fillRef idx="0">
-            <a:schemeClr val="accent1"/>
-          </a:fillRef>
-          <a:effectRef idx="0">
-            <a:schemeClr val="accent1"/>
-          </a:effectRef>
-          <a:fontRef idx="minor">
-            <a:schemeClr val="tx1"/>
-          </a:fontRef>
-        </p:style>
-      </p:cxnSp>
-      <p:sp>
-        <p:nvSpPr>
-          <p:cNvPr id="21" name="Rounded Rectangle 20"/>
-          <p:cNvSpPr/>
-          <p:nvPr/>
-        </p:nvSpPr>
-        <p:spPr>
-          <a:xfrm>
-            <a:off x="5533848" y="3294793"/>
-            <a:ext cx="1933087" cy="478302"/>
-          </a:xfrm>
-          <a:prstGeom prst="roundRect">
-            <a:avLst/>
-          </a:prstGeom>
-          <a:solidFill>
-            <a:srgbClr val="FCD4BA"/>
-          </a:solidFill>
-          <a:ln>
-            <a:noFill/>
-          </a:ln>
-          <a:effectLst/>
-          <a:scene3d>
-            <a:camera prst="orthographicFront"/>
-            <a:lightRig rig="threePt" dir="t"/>
-          </a:scene3d>
-          <a:sp3d>
-            <a:bevelT/>
-          </a:sp3d>
-        </p:spPr>
-        <p:style>
-          <a:lnRef idx="2">
-            <a:schemeClr val="accent1">
-              <a:shade val="50000"/>
-            </a:schemeClr>
-          </a:lnRef>
-          <a:fillRef idx="1">
-            <a:schemeClr val="accent1"/>
-          </a:fillRef>
-          <a:effectRef idx="0">
-            <a:schemeClr val="accent1"/>
-          </a:effectRef>
-          <a:fontRef idx="minor">
-            <a:schemeClr val="lt1"/>
-          </a:fontRef>
-        </p:style>
-        <p:txBody>
-          <a:bodyPr rtlCol="0" anchor="ctr"/>
-          <a:lstStyle/>
-          <a:p>
-            <a:r>
-              <a:rPr lang="en-PH" b="1" dirty="0">
-                <a:solidFill>
-                  <a:srgbClr val="0B4555"/>
-                </a:solidFill>
-              </a:rPr>
-              <a:t>Sales</a:t>
-            </a:r>
-          </a:p>
-        </p:txBody>
-      </p:sp>
-      <p:sp>
-        <p:nvSpPr>
-          <p:cNvPr id="23" name="Rounded Rectangle 22"/>
-          <p:cNvSpPr/>
-          <p:nvPr/>
-        </p:nvSpPr>
-        <p:spPr>
-          <a:xfrm>
-            <a:off x="5533848" y="3909480"/>
-            <a:ext cx="1933087" cy="478302"/>
-          </a:xfrm>
-          <a:prstGeom prst="roundRect">
-            <a:avLst/>
-          </a:prstGeom>
-          <a:solidFill>
-            <a:srgbClr val="FCD4BA"/>
-          </a:solidFill>
-          <a:ln>
-            <a:solidFill>
-              <a:srgbClr val="71B8C7"/>
-            </a:solidFill>
-          </a:ln>
-          <a:scene3d>
-            <a:camera prst="orthographicFront"/>
-            <a:lightRig rig="threePt" dir="t"/>
-          </a:scene3d>
-          <a:sp3d>
-            <a:bevelT/>
-          </a:sp3d>
-        </p:spPr>
-        <p:style>
-          <a:lnRef idx="2">
-            <a:schemeClr val="accent1">
-              <a:shade val="50000"/>
-            </a:schemeClr>
-          </a:lnRef>
-          <a:fillRef idx="1">
-            <a:schemeClr val="accent1"/>
-          </a:fillRef>
-          <a:effectRef idx="0">
-            <a:schemeClr val="accent1"/>
-          </a:effectRef>
-          <a:fontRef idx="minor">
-            <a:schemeClr val="lt1"/>
-          </a:fontRef>
-        </p:style>
-        <p:txBody>
-          <a:bodyPr rtlCol="0" anchor="ctr"/>
-          <a:lstStyle/>
-          <a:p>
-            <a:r>
-              <a:rPr lang="en-PH" b="1" dirty="0">
-                <a:solidFill>
-                  <a:srgbClr val="0B4555"/>
-                </a:solidFill>
-              </a:rPr>
-              <a:t>Products</a:t>
-            </a:r>
-          </a:p>
-        </p:txBody>
-      </p:sp>
-      <p:sp>
-        <p:nvSpPr>
-          <p:cNvPr id="24" name="Rounded Rectangle 23"/>
-          <p:cNvSpPr/>
-          <p:nvPr/>
-        </p:nvSpPr>
-        <p:spPr>
-          <a:xfrm>
-            <a:off x="5533845" y="4539600"/>
-            <a:ext cx="1933087" cy="478302"/>
-          </a:xfrm>
-          <a:prstGeom prst="roundRect">
-            <a:avLst/>
-          </a:prstGeom>
-          <a:solidFill>
-            <a:srgbClr val="FCD4BA"/>
-          </a:solidFill>
-          <a:ln>
-            <a:solidFill>
-              <a:srgbClr val="71B8C7"/>
-            </a:solidFill>
-          </a:ln>
-          <a:scene3d>
-            <a:camera prst="orthographicFront"/>
-            <a:lightRig rig="threePt" dir="t"/>
-          </a:scene3d>
-          <a:sp3d>
-            <a:bevelT/>
-          </a:sp3d>
-        </p:spPr>
-        <p:style>
-          <a:lnRef idx="2">
-            <a:schemeClr val="accent1">
-              <a:shade val="50000"/>
-            </a:schemeClr>
-          </a:lnRef>
-          <a:fillRef idx="1">
-            <a:schemeClr val="accent1"/>
-          </a:fillRef>
-          <a:effectRef idx="0">
-            <a:schemeClr val="accent1"/>
-          </a:effectRef>
-          <a:fontRef idx="minor">
-            <a:schemeClr val="lt1"/>
-          </a:fontRef>
-        </p:style>
-        <p:txBody>
-          <a:bodyPr rtlCol="0" anchor="ctr"/>
-          <a:lstStyle/>
-          <a:p>
-            <a:r>
-              <a:rPr lang="en-PH" b="1" dirty="0">
-                <a:solidFill>
-                  <a:srgbClr val="0B4555"/>
-                </a:solidFill>
-              </a:rPr>
-              <a:t>Graph</a:t>
-            </a:r>
-          </a:p>
-        </p:txBody>
-      </p:sp>
-      <p:pic>
-        <p:nvPicPr>
-          <p:cNvPr id="14" name="Picture 13"/>
-          <p:cNvPicPr>
-            <a:picLocks noChangeAspect="1"/>
-          </p:cNvPicPr>
-          <p:nvPr/>
-        </p:nvPicPr>
-        <p:blipFill>
-          <a:blip r:embed="rId3">
-            <a:extLst>
-              <a:ext uri="{BEBA8EAE-BF5A-486C-A8C5-ECC9F3942E4B}">
-                <a14:imgProps xmlns:a14="http://schemas.microsoft.com/office/drawing/2010/main">
-                  <a14:imgLayer r:embed="rId4">
-                    <a14:imgEffect>
-                      <a14:brightnessContrast bright="20000"/>
-                    </a14:imgEffect>
-                  </a14:imgLayer>
-                </a14:imgProps>
-              </a:ext>
-            </a:extLst>
-          </a:blip>
-          <a:stretch>
-            <a:fillRect/>
-          </a:stretch>
-        </p:blipFill>
-        <p:spPr>
-          <a:xfrm>
-            <a:off x="6970996" y="4658209"/>
-            <a:ext cx="442148" cy="343892"/>
-          </a:xfrm>
-          <a:prstGeom prst="rect">
-            <a:avLst/>
-          </a:prstGeom>
-          <a:effectLst>
-            <a:softEdge rad="25400"/>
-          </a:effectLst>
-        </p:spPr>
-      </p:pic>
-      <p:pic>
-        <p:nvPicPr>
-          <p:cNvPr id="18" name="Picture 17"/>
-          <p:cNvPicPr>
-            <a:picLocks noChangeAspect="1"/>
-          </p:cNvPicPr>
-          <p:nvPr/>
-        </p:nvPicPr>
-        <p:blipFill>
-          <a:blip r:embed="rId5">
-            <a:extLst>
-              <a:ext uri="{BEBA8EAE-BF5A-486C-A8C5-ECC9F3942E4B}">
-                <a14:imgProps xmlns:a14="http://schemas.microsoft.com/office/drawing/2010/main">
-                  <a14:imgLayer r:embed="rId6">
-                    <a14:imgEffect>
-                      <a14:brightnessContrast bright="20000"/>
-                    </a14:imgEffect>
-                  </a14:imgLayer>
-                </a14:imgProps>
-              </a:ext>
-            </a:extLst>
-          </a:blip>
-          <a:stretch>
-            <a:fillRect/>
-          </a:stretch>
-        </p:blipFill>
-        <p:spPr>
-          <a:xfrm>
-            <a:off x="6970996" y="3362441"/>
-            <a:ext cx="442147" cy="341668"/>
-          </a:xfrm>
-          <a:prstGeom prst="rect">
-            <a:avLst/>
-          </a:prstGeom>
-          <a:effectLst>
-            <a:softEdge rad="25400"/>
-          </a:effectLst>
-        </p:spPr>
-      </p:pic>
-      <p:pic>
-        <p:nvPicPr>
-          <p:cNvPr id="26" name="Picture 25"/>
-          <p:cNvPicPr>
-            <a:picLocks noChangeAspect="1"/>
-          </p:cNvPicPr>
-          <p:nvPr/>
-        </p:nvPicPr>
-        <p:blipFill>
-          <a:blip r:embed="rId7">
-            <a:extLst>
-              <a:ext uri="{BEBA8EAE-BF5A-486C-A8C5-ECC9F3942E4B}">
-                <a14:imgProps xmlns:a14="http://schemas.microsoft.com/office/drawing/2010/main">
-                  <a14:imgLayer r:embed="rId8">
-                    <a14:imgEffect>
-                      <a14:brightnessContrast bright="20000"/>
-                    </a14:imgEffect>
-                  </a14:imgLayer>
-                </a14:imgProps>
-              </a:ext>
-            </a:extLst>
-          </a:blip>
-          <a:stretch>
-            <a:fillRect/>
-          </a:stretch>
-        </p:blipFill>
-        <p:spPr>
-          <a:xfrm>
-            <a:off x="6971993" y="3995343"/>
-            <a:ext cx="442147" cy="343892"/>
-          </a:xfrm>
-          <a:prstGeom prst="rect">
-            <a:avLst/>
-          </a:prstGeom>
-          <a:effectLst>
-            <a:softEdge rad="25400"/>
-          </a:effectLst>
-        </p:spPr>
-      </p:pic>
-      <p:sp>
-        <p:nvSpPr>
-          <p:cNvPr id="28" name="Rounded Rectangle 27"/>
-          <p:cNvSpPr/>
-          <p:nvPr/>
-        </p:nvSpPr>
-        <p:spPr>
-          <a:xfrm>
-            <a:off x="5533845" y="5181558"/>
-            <a:ext cx="1933087" cy="478302"/>
-          </a:xfrm>
-          <a:prstGeom prst="roundRect">
-            <a:avLst/>
-          </a:prstGeom>
-          <a:solidFill>
-            <a:srgbClr val="FCD4BA"/>
-          </a:solidFill>
-          <a:ln>
-            <a:solidFill>
-              <a:srgbClr val="71B8C7"/>
-            </a:solidFill>
-          </a:ln>
-          <a:scene3d>
-            <a:camera prst="orthographicFront"/>
-            <a:lightRig rig="threePt" dir="t"/>
-          </a:scene3d>
-          <a:sp3d>
-            <a:bevelT/>
-          </a:sp3d>
-        </p:spPr>
-        <p:style>
-          <a:lnRef idx="2">
-            <a:schemeClr val="accent1">
-              <a:shade val="50000"/>
-            </a:schemeClr>
-          </a:lnRef>
-          <a:fillRef idx="1">
-            <a:schemeClr val="accent1"/>
-          </a:fillRef>
-          <a:effectRef idx="0">
-            <a:schemeClr val="accent1"/>
-          </a:effectRef>
-          <a:fontRef idx="minor">
-            <a:schemeClr val="lt1"/>
-          </a:fontRef>
-        </p:style>
-        <p:txBody>
-          <a:bodyPr rtlCol="0" anchor="ctr"/>
-          <a:lstStyle/>
-          <a:p>
-            <a:r>
-              <a:rPr lang="en-PH" b="1" dirty="0">
-                <a:solidFill>
-                  <a:srgbClr val="0B4555"/>
-                </a:solidFill>
-              </a:rPr>
-              <a:t>Expenses</a:t>
-            </a:r>
-          </a:p>
-        </p:txBody>
-      </p:sp>
-      <p:pic>
-        <p:nvPicPr>
-          <p:cNvPr id="29" name="Picture 28"/>
-          <p:cNvPicPr>
-            <a:picLocks noChangeAspect="1"/>
-          </p:cNvPicPr>
-          <p:nvPr/>
-        </p:nvPicPr>
-        <p:blipFill>
-          <a:blip r:embed="rId9"/>
-          <a:stretch>
-            <a:fillRect/>
-          </a:stretch>
-        </p:blipFill>
-        <p:spPr>
-          <a:xfrm>
-            <a:off x="6970995" y="5240770"/>
-            <a:ext cx="442147" cy="343892"/>
-          </a:xfrm>
-          <a:prstGeom prst="rect">
-            <a:avLst/>
-          </a:prstGeom>
-        </p:spPr>
-      </p:pic>
-      <p:cxnSp>
-        <p:nvCxnSpPr>
-          <p:cNvPr id="30" name="Straight Connector 29"/>
-          <p:cNvCxnSpPr/>
-          <p:nvPr/>
-        </p:nvCxnSpPr>
-        <p:spPr>
-          <a:xfrm>
-            <a:off x="5123692" y="5934015"/>
-            <a:ext cx="2753391" cy="6232"/>
-          </a:xfrm>
-          <a:prstGeom prst="line">
-            <a:avLst/>
-          </a:prstGeom>
-          <a:ln>
-            <a:solidFill>
-              <a:srgbClr val="C2F3FD"/>
-            </a:solidFill>
-          </a:ln>
-        </p:spPr>
-        <p:style>
-          <a:lnRef idx="1">
-            <a:schemeClr val="accent1"/>
-          </a:lnRef>
-          <a:fillRef idx="0">
-            <a:schemeClr val="accent1"/>
-          </a:fillRef>
-          <a:effectRef idx="0">
-            <a:schemeClr val="accent1"/>
-          </a:effectRef>
-          <a:fontRef idx="minor">
-            <a:schemeClr val="tx1"/>
-          </a:fontRef>
-        </p:style>
-      </p:cxnSp>
-      <p:sp>
-        <p:nvSpPr>
-          <p:cNvPr id="32" name="TextBox 31"/>
-          <p:cNvSpPr txBox="1"/>
-          <p:nvPr/>
-        </p:nvSpPr>
-        <p:spPr>
-          <a:xfrm>
-            <a:off x="6059368" y="6019452"/>
-            <a:ext cx="939057" cy="369332"/>
-          </a:xfrm>
-          <a:prstGeom prst="rect">
-            <a:avLst/>
-          </a:prstGeom>
-          <a:noFill/>
-        </p:spPr>
-        <p:txBody>
-          <a:bodyPr wrap="square" rtlCol="0">
-            <a:spAutoFit/>
-          </a:bodyPr>
-          <a:lstStyle/>
-          <a:p>
-            <a:r>
-              <a:rPr lang="en-PH" u="sng" dirty="0">
-                <a:solidFill>
-                  <a:srgbClr val="C2F3FD"/>
-                </a:solidFill>
-              </a:rPr>
-              <a:t>Logout</a:t>
-            </a:r>
-          </a:p>
-        </p:txBody>
-      </p:sp>
-      <p:sp>
-        <p:nvSpPr>
-          <p:cNvPr id="36" name="TextBox 35"/>
-          <p:cNvSpPr txBox="1"/>
-          <p:nvPr/>
-        </p:nvSpPr>
-        <p:spPr>
-          <a:xfrm>
-            <a:off x="9494151" y="1324499"/>
-            <a:ext cx="2446326" cy="461665"/>
-          </a:xfrm>
-          <a:prstGeom prst="rect">
-            <a:avLst/>
-          </a:prstGeom>
-          <a:noFill/>
-        </p:spPr>
-        <p:txBody>
-          <a:bodyPr wrap="square" rtlCol="0">
-            <a:spAutoFit/>
-          </a:bodyPr>
-          <a:lstStyle/>
-          <a:p>
-            <a:r>
-              <a:rPr lang="en-PH" sz="2400" dirty="0"/>
-              <a:t>MAIN ACTIVITY</a:t>
-            </a:r>
-          </a:p>
-        </p:txBody>
-      </p:sp>
-      <p:sp>
-        <p:nvSpPr>
-          <p:cNvPr id="3" name="Oval 2"/>
-          <p:cNvSpPr/>
-          <p:nvPr/>
-        </p:nvSpPr>
-        <p:spPr>
-          <a:xfrm>
-            <a:off x="5138134" y="4948023"/>
-            <a:ext cx="2635540" cy="944242"/>
-          </a:xfrm>
-          <a:prstGeom prst="ellipse">
-            <a:avLst/>
-          </a:prstGeom>
-          <a:noFill/>
-          <a:ln>
-            <a:solidFill>
-              <a:srgbClr val="FF0000"/>
-            </a:solidFill>
-          </a:ln>
-        </p:spPr>
-        <p:style>
-          <a:lnRef idx="2">
-            <a:schemeClr val="accent1">
-              <a:shade val="50000"/>
-            </a:schemeClr>
-          </a:lnRef>
-          <a:fillRef idx="1">
-            <a:schemeClr val="accent1"/>
-          </a:fillRef>
-          <a:effectRef idx="0">
-            <a:schemeClr val="accent1"/>
-          </a:effectRef>
-          <a:fontRef idx="minor">
-            <a:schemeClr val="lt1"/>
-          </a:fontRef>
-        </p:style>
-        <p:txBody>
-          <a:bodyPr rtlCol="0" anchor="ctr"/>
-          <a:lstStyle/>
-          <a:p>
-            <a:pPr algn="ctr"/>
-            <a:endParaRPr lang="en-PH"/>
-          </a:p>
-        </p:txBody>
-      </p:sp>
-    </p:spTree>
-    <p:extLst>
-      <p:ext uri="{BB962C8B-B14F-4D97-AF65-F5344CB8AC3E}">
-        <p14:creationId xmlns:p14="http://schemas.microsoft.com/office/powerpoint/2010/main" val="698287339"/>
-      </p:ext>
-    </p:extLst>
-  </p:cSld>
-  <p:clrMapOvr>
-    <a:masterClrMapping/>
-  </p:clrMapOvr>
-  <mc:AlternateContent xmlns:mc="http://schemas.openxmlformats.org/markup-compatibility/2006" xmlns:p14="http://schemas.microsoft.com/office/powerpoint/2010/main">
-    <mc:Choice Requires="p14">
-      <p:transition spd="slow" p14:dur="1600">
-        <p14:prism isInverted="1"/>
-      </p:transition>
-    </mc:Choice>
-    <mc:Fallback xmlns="">
-      <p:transition spd="slow">
-        <p:fade/>
-      </p:transition>
-    </mc:Fallback>
-  </mc:AlternateContent>
-</p:sld>
-</file>
-
-<file path=ppt/slides/slide15.xml><?xml version="1.0" encoding="utf-8"?>
 <p:sld xmlns:a="http://schemas.openxmlformats.org/drawingml/2006/main" xmlns:r="http://schemas.openxmlformats.org/officeDocument/2006/relationships" xmlns:p="http://schemas.openxmlformats.org/presentationml/2006/main">
   <p:cSld>
     <p:bg>
@@ -10837,6 +9998,2758 @@
     <p:extLst>
       <p:ext uri="{BB962C8B-B14F-4D97-AF65-F5344CB8AC3E}">
         <p14:creationId xmlns:p14="http://schemas.microsoft.com/office/powerpoint/2010/main" val="2273938558"/>
+      </p:ext>
+    </p:extLst>
+  </p:cSld>
+  <p:clrMapOvr>
+    <a:masterClrMapping/>
+  </p:clrMapOvr>
+  <mc:AlternateContent xmlns:mc="http://schemas.openxmlformats.org/markup-compatibility/2006" xmlns:p14="http://schemas.microsoft.com/office/powerpoint/2010/main">
+    <mc:Choice Requires="p14">
+      <p:transition spd="slow" p14:dur="1600">
+        <p14:prism isInverted="1"/>
+      </p:transition>
+    </mc:Choice>
+    <mc:Fallback xmlns="">
+      <p:transition spd="slow">
+        <p:fade/>
+      </p:transition>
+    </mc:Fallback>
+  </mc:AlternateContent>
+</p:sld>
+</file>
+
+<file path=ppt/slides/slide15.xml><?xml version="1.0" encoding="utf-8"?>
+<p:sld xmlns:a="http://schemas.openxmlformats.org/drawingml/2006/main" xmlns:r="http://schemas.openxmlformats.org/officeDocument/2006/relationships" xmlns:p="http://schemas.openxmlformats.org/presentationml/2006/main">
+  <p:cSld>
+    <p:spTree>
+      <p:nvGrpSpPr>
+        <p:cNvPr id="1" name=""/>
+        <p:cNvGrpSpPr/>
+        <p:nvPr/>
+      </p:nvGrpSpPr>
+      <p:grpSpPr>
+        <a:xfrm>
+          <a:off x="0" y="0"/>
+          <a:ext cx="0" cy="0"/>
+          <a:chOff x="0" y="0"/>
+          <a:chExt cx="0" cy="0"/>
+        </a:xfrm>
+      </p:grpSpPr>
+      <p:sp>
+        <p:nvSpPr>
+          <p:cNvPr id="2" name="Title 1"/>
+          <p:cNvSpPr>
+            <a:spLocks noGrp="1"/>
+          </p:cNvSpPr>
+          <p:nvPr>
+            <p:ph type="title"/>
+          </p:nvPr>
+        </p:nvSpPr>
+        <p:spPr>
+          <a:xfrm>
+            <a:off x="1512446" y="140680"/>
+            <a:ext cx="10018713" cy="1223887"/>
+          </a:xfrm>
+        </p:spPr>
+        <p:txBody>
+          <a:bodyPr/>
+          <a:lstStyle/>
+          <a:p>
+            <a:r>
+              <a:rPr lang="en-PH" b="1" dirty="0"/>
+              <a:t>Features (continued)</a:t>
+            </a:r>
+          </a:p>
+        </p:txBody>
+      </p:sp>
+      <p:sp>
+        <p:nvSpPr>
+          <p:cNvPr id="5" name="Rectangle 4"/>
+          <p:cNvSpPr/>
+          <p:nvPr/>
+        </p:nvSpPr>
+        <p:spPr>
+          <a:xfrm>
+            <a:off x="4777407" y="1353127"/>
+            <a:ext cx="3488788" cy="5162844"/>
+          </a:xfrm>
+          <a:prstGeom prst="rect">
+            <a:avLst/>
+          </a:prstGeom>
+          <a:solidFill>
+            <a:srgbClr val="1789A9"/>
+          </a:solidFill>
+          <a:ln>
+            <a:solidFill>
+              <a:srgbClr val="E38C59"/>
+            </a:solidFill>
+          </a:ln>
+        </p:spPr>
+        <p:style>
+          <a:lnRef idx="2">
+            <a:schemeClr val="accent1">
+              <a:shade val="50000"/>
+            </a:schemeClr>
+          </a:lnRef>
+          <a:fillRef idx="1">
+            <a:schemeClr val="accent1"/>
+          </a:fillRef>
+          <a:effectRef idx="0">
+            <a:schemeClr val="accent1"/>
+          </a:effectRef>
+          <a:fontRef idx="minor">
+            <a:schemeClr val="lt1"/>
+          </a:fontRef>
+        </p:style>
+        <p:txBody>
+          <a:bodyPr rtlCol="0" anchor="ctr"/>
+          <a:lstStyle/>
+          <a:p>
+            <a:pPr algn="ctr"/>
+            <a:endParaRPr lang="en-PH"/>
+          </a:p>
+        </p:txBody>
+      </p:sp>
+      <p:sp>
+        <p:nvSpPr>
+          <p:cNvPr id="7" name="TextBox 6"/>
+          <p:cNvSpPr txBox="1"/>
+          <p:nvPr/>
+        </p:nvSpPr>
+        <p:spPr>
+          <a:xfrm>
+            <a:off x="5284121" y="1816817"/>
+            <a:ext cx="2489552" cy="461665"/>
+          </a:xfrm>
+          <a:prstGeom prst="rect">
+            <a:avLst/>
+          </a:prstGeom>
+          <a:noFill/>
+        </p:spPr>
+        <p:txBody>
+          <a:bodyPr wrap="square" rtlCol="0">
+            <a:spAutoFit/>
+          </a:bodyPr>
+          <a:lstStyle/>
+          <a:p>
+            <a:pPr algn="ctr"/>
+            <a:r>
+              <a:rPr lang="en-PH" sz="2400" b="1" dirty="0">
+                <a:solidFill>
+                  <a:schemeClr val="bg1"/>
+                </a:solidFill>
+                <a:latin typeface="Arial" panose="020B0604020202020204" pitchFamily="34" charset="0"/>
+                <a:cs typeface="Arial" panose="020B0604020202020204" pitchFamily="34" charset="0"/>
+              </a:rPr>
+              <a:t>ELOUS STORE</a:t>
+            </a:r>
+          </a:p>
+        </p:txBody>
+      </p:sp>
+      <p:sp>
+        <p:nvSpPr>
+          <p:cNvPr id="8" name="TextBox 7"/>
+          <p:cNvSpPr txBox="1"/>
+          <p:nvPr/>
+        </p:nvSpPr>
+        <p:spPr>
+          <a:xfrm>
+            <a:off x="5385152" y="2551011"/>
+            <a:ext cx="2273300" cy="369332"/>
+          </a:xfrm>
+          <a:prstGeom prst="rect">
+            <a:avLst/>
+          </a:prstGeom>
+          <a:noFill/>
+        </p:spPr>
+        <p:txBody>
+          <a:bodyPr wrap="square" rtlCol="0">
+            <a:spAutoFit/>
+          </a:bodyPr>
+          <a:lstStyle/>
+          <a:p>
+            <a:pPr algn="ctr"/>
+            <a:r>
+              <a:rPr lang="en-PH" dirty="0">
+                <a:solidFill>
+                  <a:schemeClr val="bg1"/>
+                </a:solidFill>
+              </a:rPr>
+              <a:t>Welcome!</a:t>
+            </a:r>
+          </a:p>
+        </p:txBody>
+      </p:sp>
+      <p:pic>
+        <p:nvPicPr>
+          <p:cNvPr id="9" name="Picture 8"/>
+          <p:cNvPicPr>
+            <a:picLocks noChangeAspect="1"/>
+          </p:cNvPicPr>
+          <p:nvPr/>
+        </p:nvPicPr>
+        <p:blipFill>
+          <a:blip r:embed="rId2"/>
+          <a:stretch>
+            <a:fillRect/>
+          </a:stretch>
+        </p:blipFill>
+        <p:spPr>
+          <a:xfrm>
+            <a:off x="9555301" y="362098"/>
+            <a:ext cx="2133600" cy="781050"/>
+          </a:xfrm>
+          <a:prstGeom prst="rect">
+            <a:avLst/>
+          </a:prstGeom>
+        </p:spPr>
+      </p:pic>
+      <p:cxnSp>
+        <p:nvCxnSpPr>
+          <p:cNvPr id="15" name="Straight Connector 14"/>
+          <p:cNvCxnSpPr/>
+          <p:nvPr/>
+        </p:nvCxnSpPr>
+        <p:spPr>
+          <a:xfrm>
+            <a:off x="5138134" y="3035300"/>
+            <a:ext cx="2753391" cy="6232"/>
+          </a:xfrm>
+          <a:prstGeom prst="line">
+            <a:avLst/>
+          </a:prstGeom>
+          <a:ln>
+            <a:solidFill>
+              <a:srgbClr val="C2F3FD"/>
+            </a:solidFill>
+          </a:ln>
+        </p:spPr>
+        <p:style>
+          <a:lnRef idx="1">
+            <a:schemeClr val="accent1"/>
+          </a:lnRef>
+          <a:fillRef idx="0">
+            <a:schemeClr val="accent1"/>
+          </a:fillRef>
+          <a:effectRef idx="0">
+            <a:schemeClr val="accent1"/>
+          </a:effectRef>
+          <a:fontRef idx="minor">
+            <a:schemeClr val="tx1"/>
+          </a:fontRef>
+        </p:style>
+      </p:cxnSp>
+      <p:sp>
+        <p:nvSpPr>
+          <p:cNvPr id="21" name="Rounded Rectangle 20"/>
+          <p:cNvSpPr/>
+          <p:nvPr/>
+        </p:nvSpPr>
+        <p:spPr>
+          <a:xfrm>
+            <a:off x="5533848" y="3096013"/>
+            <a:ext cx="1933087" cy="478302"/>
+          </a:xfrm>
+          <a:prstGeom prst="roundRect">
+            <a:avLst/>
+          </a:prstGeom>
+          <a:solidFill>
+            <a:srgbClr val="FCD4BA"/>
+          </a:solidFill>
+          <a:ln>
+            <a:noFill/>
+          </a:ln>
+          <a:effectLst/>
+          <a:scene3d>
+            <a:camera prst="orthographicFront"/>
+            <a:lightRig rig="threePt" dir="t"/>
+          </a:scene3d>
+          <a:sp3d>
+            <a:bevelT/>
+          </a:sp3d>
+        </p:spPr>
+        <p:style>
+          <a:lnRef idx="2">
+            <a:schemeClr val="accent1">
+              <a:shade val="50000"/>
+            </a:schemeClr>
+          </a:lnRef>
+          <a:fillRef idx="1">
+            <a:schemeClr val="accent1"/>
+          </a:fillRef>
+          <a:effectRef idx="0">
+            <a:schemeClr val="accent1"/>
+          </a:effectRef>
+          <a:fontRef idx="minor">
+            <a:schemeClr val="lt1"/>
+          </a:fontRef>
+        </p:style>
+        <p:txBody>
+          <a:bodyPr rtlCol="0" anchor="ctr"/>
+          <a:lstStyle/>
+          <a:p>
+            <a:r>
+              <a:rPr lang="en-PH" b="1" dirty="0">
+                <a:solidFill>
+                  <a:srgbClr val="0B4555"/>
+                </a:solidFill>
+              </a:rPr>
+              <a:t>Sales</a:t>
+            </a:r>
+          </a:p>
+        </p:txBody>
+      </p:sp>
+      <p:sp>
+        <p:nvSpPr>
+          <p:cNvPr id="23" name="Rounded Rectangle 22"/>
+          <p:cNvSpPr/>
+          <p:nvPr/>
+        </p:nvSpPr>
+        <p:spPr>
+          <a:xfrm>
+            <a:off x="5533848" y="3657692"/>
+            <a:ext cx="1933087" cy="478302"/>
+          </a:xfrm>
+          <a:prstGeom prst="roundRect">
+            <a:avLst/>
+          </a:prstGeom>
+          <a:solidFill>
+            <a:srgbClr val="FCD4BA"/>
+          </a:solidFill>
+          <a:ln>
+            <a:solidFill>
+              <a:srgbClr val="71B8C7"/>
+            </a:solidFill>
+          </a:ln>
+          <a:scene3d>
+            <a:camera prst="orthographicFront"/>
+            <a:lightRig rig="threePt" dir="t"/>
+          </a:scene3d>
+          <a:sp3d>
+            <a:bevelT/>
+          </a:sp3d>
+        </p:spPr>
+        <p:style>
+          <a:lnRef idx="2">
+            <a:schemeClr val="accent1">
+              <a:shade val="50000"/>
+            </a:schemeClr>
+          </a:lnRef>
+          <a:fillRef idx="1">
+            <a:schemeClr val="accent1"/>
+          </a:fillRef>
+          <a:effectRef idx="0">
+            <a:schemeClr val="accent1"/>
+          </a:effectRef>
+          <a:fontRef idx="minor">
+            <a:schemeClr val="lt1"/>
+          </a:fontRef>
+        </p:style>
+        <p:txBody>
+          <a:bodyPr rtlCol="0" anchor="ctr"/>
+          <a:lstStyle/>
+          <a:p>
+            <a:r>
+              <a:rPr lang="en-PH" b="1" dirty="0">
+                <a:solidFill>
+                  <a:srgbClr val="0B4555"/>
+                </a:solidFill>
+              </a:rPr>
+              <a:t>Products</a:t>
+            </a:r>
+          </a:p>
+        </p:txBody>
+      </p:sp>
+      <p:sp>
+        <p:nvSpPr>
+          <p:cNvPr id="24" name="Rounded Rectangle 23"/>
+          <p:cNvSpPr/>
+          <p:nvPr/>
+        </p:nvSpPr>
+        <p:spPr>
+          <a:xfrm>
+            <a:off x="5533845" y="4221552"/>
+            <a:ext cx="1933087" cy="478302"/>
+          </a:xfrm>
+          <a:prstGeom prst="roundRect">
+            <a:avLst/>
+          </a:prstGeom>
+          <a:solidFill>
+            <a:srgbClr val="FCD4BA"/>
+          </a:solidFill>
+          <a:ln>
+            <a:solidFill>
+              <a:srgbClr val="71B8C7"/>
+            </a:solidFill>
+          </a:ln>
+          <a:scene3d>
+            <a:camera prst="orthographicFront"/>
+            <a:lightRig rig="threePt" dir="t"/>
+          </a:scene3d>
+          <a:sp3d>
+            <a:bevelT/>
+          </a:sp3d>
+        </p:spPr>
+        <p:style>
+          <a:lnRef idx="2">
+            <a:schemeClr val="accent1">
+              <a:shade val="50000"/>
+            </a:schemeClr>
+          </a:lnRef>
+          <a:fillRef idx="1">
+            <a:schemeClr val="accent1"/>
+          </a:fillRef>
+          <a:effectRef idx="0">
+            <a:schemeClr val="accent1"/>
+          </a:effectRef>
+          <a:fontRef idx="minor">
+            <a:schemeClr val="lt1"/>
+          </a:fontRef>
+        </p:style>
+        <p:txBody>
+          <a:bodyPr rtlCol="0" anchor="ctr"/>
+          <a:lstStyle/>
+          <a:p>
+            <a:r>
+              <a:rPr lang="en-PH" b="1" dirty="0">
+                <a:solidFill>
+                  <a:srgbClr val="0B4555"/>
+                </a:solidFill>
+              </a:rPr>
+              <a:t>Graph</a:t>
+            </a:r>
+          </a:p>
+        </p:txBody>
+      </p:sp>
+      <p:pic>
+        <p:nvPicPr>
+          <p:cNvPr id="14" name="Picture 13"/>
+          <p:cNvPicPr>
+            <a:picLocks noChangeAspect="1"/>
+          </p:cNvPicPr>
+          <p:nvPr/>
+        </p:nvPicPr>
+        <p:blipFill>
+          <a:blip r:embed="rId3">
+            <a:extLst>
+              <a:ext uri="{BEBA8EAE-BF5A-486C-A8C5-ECC9F3942E4B}">
+                <a14:imgProps xmlns:a14="http://schemas.microsoft.com/office/drawing/2010/main">
+                  <a14:imgLayer r:embed="rId4">
+                    <a14:imgEffect>
+                      <a14:brightnessContrast bright="20000"/>
+                    </a14:imgEffect>
+                  </a14:imgLayer>
+                </a14:imgProps>
+              </a:ext>
+            </a:extLst>
+          </a:blip>
+          <a:stretch>
+            <a:fillRect/>
+          </a:stretch>
+        </p:blipFill>
+        <p:spPr>
+          <a:xfrm>
+            <a:off x="6970996" y="4340161"/>
+            <a:ext cx="442148" cy="343892"/>
+          </a:xfrm>
+          <a:prstGeom prst="rect">
+            <a:avLst/>
+          </a:prstGeom>
+          <a:effectLst>
+            <a:softEdge rad="25400"/>
+          </a:effectLst>
+        </p:spPr>
+      </p:pic>
+      <p:pic>
+        <p:nvPicPr>
+          <p:cNvPr id="18" name="Picture 17"/>
+          <p:cNvPicPr>
+            <a:picLocks noChangeAspect="1"/>
+          </p:cNvPicPr>
+          <p:nvPr/>
+        </p:nvPicPr>
+        <p:blipFill>
+          <a:blip r:embed="rId5">
+            <a:extLst>
+              <a:ext uri="{BEBA8EAE-BF5A-486C-A8C5-ECC9F3942E4B}">
+                <a14:imgProps xmlns:a14="http://schemas.microsoft.com/office/drawing/2010/main">
+                  <a14:imgLayer r:embed="rId6">
+                    <a14:imgEffect>
+                      <a14:brightnessContrast bright="20000"/>
+                    </a14:imgEffect>
+                  </a14:imgLayer>
+                </a14:imgProps>
+              </a:ext>
+            </a:extLst>
+          </a:blip>
+          <a:stretch>
+            <a:fillRect/>
+          </a:stretch>
+        </p:blipFill>
+        <p:spPr>
+          <a:xfrm>
+            <a:off x="6970996" y="3163661"/>
+            <a:ext cx="442147" cy="341668"/>
+          </a:xfrm>
+          <a:prstGeom prst="rect">
+            <a:avLst/>
+          </a:prstGeom>
+          <a:effectLst>
+            <a:softEdge rad="25400"/>
+          </a:effectLst>
+        </p:spPr>
+      </p:pic>
+      <p:pic>
+        <p:nvPicPr>
+          <p:cNvPr id="26" name="Picture 25"/>
+          <p:cNvPicPr>
+            <a:picLocks noChangeAspect="1"/>
+          </p:cNvPicPr>
+          <p:nvPr/>
+        </p:nvPicPr>
+        <p:blipFill>
+          <a:blip r:embed="rId7">
+            <a:extLst>
+              <a:ext uri="{BEBA8EAE-BF5A-486C-A8C5-ECC9F3942E4B}">
+                <a14:imgProps xmlns:a14="http://schemas.microsoft.com/office/drawing/2010/main">
+                  <a14:imgLayer r:embed="rId8">
+                    <a14:imgEffect>
+                      <a14:brightnessContrast bright="20000"/>
+                    </a14:imgEffect>
+                  </a14:imgLayer>
+                </a14:imgProps>
+              </a:ext>
+            </a:extLst>
+          </a:blip>
+          <a:stretch>
+            <a:fillRect/>
+          </a:stretch>
+        </p:blipFill>
+        <p:spPr>
+          <a:xfrm>
+            <a:off x="6971993" y="3743555"/>
+            <a:ext cx="442147" cy="343892"/>
+          </a:xfrm>
+          <a:prstGeom prst="rect">
+            <a:avLst/>
+          </a:prstGeom>
+          <a:effectLst>
+            <a:softEdge rad="25400"/>
+          </a:effectLst>
+        </p:spPr>
+      </p:pic>
+      <p:sp>
+        <p:nvSpPr>
+          <p:cNvPr id="28" name="Rounded Rectangle 27"/>
+          <p:cNvSpPr/>
+          <p:nvPr/>
+        </p:nvSpPr>
+        <p:spPr>
+          <a:xfrm>
+            <a:off x="5533845" y="4797250"/>
+            <a:ext cx="1933087" cy="478302"/>
+          </a:xfrm>
+          <a:prstGeom prst="roundRect">
+            <a:avLst/>
+          </a:prstGeom>
+          <a:solidFill>
+            <a:srgbClr val="FCD4BA"/>
+          </a:solidFill>
+          <a:ln>
+            <a:solidFill>
+              <a:srgbClr val="71B8C7"/>
+            </a:solidFill>
+          </a:ln>
+          <a:scene3d>
+            <a:camera prst="orthographicFront"/>
+            <a:lightRig rig="threePt" dir="t"/>
+          </a:scene3d>
+          <a:sp3d>
+            <a:bevelT/>
+          </a:sp3d>
+        </p:spPr>
+        <p:style>
+          <a:lnRef idx="2">
+            <a:schemeClr val="accent1">
+              <a:shade val="50000"/>
+            </a:schemeClr>
+          </a:lnRef>
+          <a:fillRef idx="1">
+            <a:schemeClr val="accent1"/>
+          </a:fillRef>
+          <a:effectRef idx="0">
+            <a:schemeClr val="accent1"/>
+          </a:effectRef>
+          <a:fontRef idx="minor">
+            <a:schemeClr val="lt1"/>
+          </a:fontRef>
+        </p:style>
+        <p:txBody>
+          <a:bodyPr rtlCol="0" anchor="ctr"/>
+          <a:lstStyle/>
+          <a:p>
+            <a:r>
+              <a:rPr lang="en-PH" b="1" dirty="0">
+                <a:solidFill>
+                  <a:srgbClr val="0B4555"/>
+                </a:solidFill>
+              </a:rPr>
+              <a:t>Expenses</a:t>
+            </a:r>
+          </a:p>
+        </p:txBody>
+      </p:sp>
+      <p:pic>
+        <p:nvPicPr>
+          <p:cNvPr id="29" name="Picture 28"/>
+          <p:cNvPicPr>
+            <a:picLocks noChangeAspect="1"/>
+          </p:cNvPicPr>
+          <p:nvPr/>
+        </p:nvPicPr>
+        <p:blipFill>
+          <a:blip r:embed="rId9"/>
+          <a:stretch>
+            <a:fillRect/>
+          </a:stretch>
+        </p:blipFill>
+        <p:spPr>
+          <a:xfrm>
+            <a:off x="6970995" y="4856462"/>
+            <a:ext cx="442147" cy="343892"/>
+          </a:xfrm>
+          <a:prstGeom prst="rect">
+            <a:avLst/>
+          </a:prstGeom>
+        </p:spPr>
+      </p:pic>
+      <p:cxnSp>
+        <p:nvCxnSpPr>
+          <p:cNvPr id="30" name="Straight Connector 29"/>
+          <p:cNvCxnSpPr/>
+          <p:nvPr/>
+        </p:nvCxnSpPr>
+        <p:spPr>
+          <a:xfrm>
+            <a:off x="5123692" y="5934015"/>
+            <a:ext cx="2753391" cy="6232"/>
+          </a:xfrm>
+          <a:prstGeom prst="line">
+            <a:avLst/>
+          </a:prstGeom>
+          <a:ln>
+            <a:solidFill>
+              <a:srgbClr val="C2F3FD"/>
+            </a:solidFill>
+          </a:ln>
+        </p:spPr>
+        <p:style>
+          <a:lnRef idx="1">
+            <a:schemeClr val="accent1"/>
+          </a:lnRef>
+          <a:fillRef idx="0">
+            <a:schemeClr val="accent1"/>
+          </a:fillRef>
+          <a:effectRef idx="0">
+            <a:schemeClr val="accent1"/>
+          </a:effectRef>
+          <a:fontRef idx="minor">
+            <a:schemeClr val="tx1"/>
+          </a:fontRef>
+        </p:style>
+      </p:cxnSp>
+      <p:sp>
+        <p:nvSpPr>
+          <p:cNvPr id="32" name="TextBox 31"/>
+          <p:cNvSpPr txBox="1"/>
+          <p:nvPr/>
+        </p:nvSpPr>
+        <p:spPr>
+          <a:xfrm>
+            <a:off x="6059368" y="6019452"/>
+            <a:ext cx="939057" cy="369332"/>
+          </a:xfrm>
+          <a:prstGeom prst="rect">
+            <a:avLst/>
+          </a:prstGeom>
+          <a:noFill/>
+        </p:spPr>
+        <p:txBody>
+          <a:bodyPr wrap="square" rtlCol="0">
+            <a:spAutoFit/>
+          </a:bodyPr>
+          <a:lstStyle/>
+          <a:p>
+            <a:r>
+              <a:rPr lang="en-PH" u="sng" dirty="0">
+                <a:solidFill>
+                  <a:srgbClr val="C2F3FD"/>
+                </a:solidFill>
+              </a:rPr>
+              <a:t>Logout</a:t>
+            </a:r>
+          </a:p>
+        </p:txBody>
+      </p:sp>
+      <p:sp>
+        <p:nvSpPr>
+          <p:cNvPr id="36" name="TextBox 35"/>
+          <p:cNvSpPr txBox="1"/>
+          <p:nvPr/>
+        </p:nvSpPr>
+        <p:spPr>
+          <a:xfrm>
+            <a:off x="9494151" y="1324499"/>
+            <a:ext cx="2446326" cy="461665"/>
+          </a:xfrm>
+          <a:prstGeom prst="rect">
+            <a:avLst/>
+          </a:prstGeom>
+          <a:noFill/>
+        </p:spPr>
+        <p:txBody>
+          <a:bodyPr wrap="square" rtlCol="0">
+            <a:spAutoFit/>
+          </a:bodyPr>
+          <a:lstStyle/>
+          <a:p>
+            <a:r>
+              <a:rPr lang="en-PH" sz="2400" dirty="0"/>
+              <a:t>MAIN ACTIVITY</a:t>
+            </a:r>
+          </a:p>
+        </p:txBody>
+      </p:sp>
+      <p:sp>
+        <p:nvSpPr>
+          <p:cNvPr id="39" name="Rounded Rectangle 38"/>
+          <p:cNvSpPr/>
+          <p:nvPr/>
+        </p:nvSpPr>
+        <p:spPr>
+          <a:xfrm>
+            <a:off x="5533845" y="5358792"/>
+            <a:ext cx="1933087" cy="478302"/>
+          </a:xfrm>
+          <a:prstGeom prst="roundRect">
+            <a:avLst/>
+          </a:prstGeom>
+          <a:solidFill>
+            <a:srgbClr val="FCD4BA"/>
+          </a:solidFill>
+          <a:ln>
+            <a:solidFill>
+              <a:srgbClr val="71B8C7"/>
+            </a:solidFill>
+          </a:ln>
+          <a:scene3d>
+            <a:camera prst="orthographicFront"/>
+            <a:lightRig rig="threePt" dir="t"/>
+          </a:scene3d>
+          <a:sp3d>
+            <a:bevelT/>
+          </a:sp3d>
+        </p:spPr>
+        <p:style>
+          <a:lnRef idx="2">
+            <a:schemeClr val="accent1">
+              <a:shade val="50000"/>
+            </a:schemeClr>
+          </a:lnRef>
+          <a:fillRef idx="1">
+            <a:schemeClr val="accent1"/>
+          </a:fillRef>
+          <a:effectRef idx="0">
+            <a:schemeClr val="accent1"/>
+          </a:effectRef>
+          <a:fontRef idx="minor">
+            <a:schemeClr val="lt1"/>
+          </a:fontRef>
+        </p:style>
+        <p:txBody>
+          <a:bodyPr rtlCol="0" anchor="ctr"/>
+          <a:lstStyle/>
+          <a:p>
+            <a:r>
+              <a:rPr lang="en-PH" b="1" dirty="0">
+                <a:solidFill>
+                  <a:srgbClr val="0B4555"/>
+                </a:solidFill>
+              </a:rPr>
+              <a:t>Records</a:t>
+            </a:r>
+          </a:p>
+        </p:txBody>
+      </p:sp>
+      <p:pic>
+        <p:nvPicPr>
+          <p:cNvPr id="41" name="Picture 40"/>
+          <p:cNvPicPr>
+            <a:picLocks noChangeAspect="1"/>
+          </p:cNvPicPr>
+          <p:nvPr/>
+        </p:nvPicPr>
+        <p:blipFill>
+          <a:blip r:embed="rId7">
+            <a:extLst>
+              <a:ext uri="{BEBA8EAE-BF5A-486C-A8C5-ECC9F3942E4B}">
+                <a14:imgProps xmlns:a14="http://schemas.microsoft.com/office/drawing/2010/main">
+                  <a14:imgLayer r:embed="rId8">
+                    <a14:imgEffect>
+                      <a14:brightnessContrast bright="20000"/>
+                    </a14:imgEffect>
+                  </a14:imgLayer>
+                </a14:imgProps>
+              </a:ext>
+            </a:extLst>
+          </a:blip>
+          <a:stretch>
+            <a:fillRect/>
+          </a:stretch>
+        </p:blipFill>
+        <p:spPr>
+          <a:xfrm>
+            <a:off x="6970994" y="5425997"/>
+            <a:ext cx="442147" cy="343892"/>
+          </a:xfrm>
+          <a:prstGeom prst="rect">
+            <a:avLst/>
+          </a:prstGeom>
+          <a:effectLst>
+            <a:softEdge rad="25400"/>
+          </a:effectLst>
+        </p:spPr>
+      </p:pic>
+      <p:sp>
+        <p:nvSpPr>
+          <p:cNvPr id="40" name="Oval 39"/>
+          <p:cNvSpPr/>
+          <p:nvPr/>
+        </p:nvSpPr>
+        <p:spPr>
+          <a:xfrm>
+            <a:off x="5123692" y="3934818"/>
+            <a:ext cx="2635540" cy="944242"/>
+          </a:xfrm>
+          <a:prstGeom prst="ellipse">
+            <a:avLst/>
+          </a:prstGeom>
+          <a:noFill/>
+          <a:ln>
+            <a:solidFill>
+              <a:srgbClr val="FF0000"/>
+            </a:solidFill>
+          </a:ln>
+        </p:spPr>
+        <p:style>
+          <a:lnRef idx="2">
+            <a:schemeClr val="accent1">
+              <a:shade val="50000"/>
+            </a:schemeClr>
+          </a:lnRef>
+          <a:fillRef idx="1">
+            <a:schemeClr val="accent1"/>
+          </a:fillRef>
+          <a:effectRef idx="0">
+            <a:schemeClr val="accent1"/>
+          </a:effectRef>
+          <a:fontRef idx="minor">
+            <a:schemeClr val="lt1"/>
+          </a:fontRef>
+        </p:style>
+        <p:txBody>
+          <a:bodyPr rtlCol="0" anchor="ctr"/>
+          <a:lstStyle/>
+          <a:p>
+            <a:pPr algn="ctr"/>
+            <a:endParaRPr lang="en-PH"/>
+          </a:p>
+        </p:txBody>
+      </p:sp>
+    </p:spTree>
+    <p:extLst>
+      <p:ext uri="{BB962C8B-B14F-4D97-AF65-F5344CB8AC3E}">
+        <p14:creationId xmlns:p14="http://schemas.microsoft.com/office/powerpoint/2010/main" val="468576702"/>
+      </p:ext>
+    </p:extLst>
+  </p:cSld>
+  <p:clrMapOvr>
+    <a:masterClrMapping/>
+  </p:clrMapOvr>
+  <mc:AlternateContent xmlns:mc="http://schemas.openxmlformats.org/markup-compatibility/2006" xmlns:p14="http://schemas.microsoft.com/office/powerpoint/2010/main">
+    <mc:Choice Requires="p14">
+      <p:transition spd="slow" p14:dur="1600">
+        <p14:prism isInverted="1"/>
+      </p:transition>
+    </mc:Choice>
+    <mc:Fallback xmlns="">
+      <p:transition spd="slow">
+        <p:fade/>
+      </p:transition>
+    </mc:Fallback>
+  </mc:AlternateContent>
+</p:sld>
+</file>
+
+<file path=ppt/slides/slide16.xml><?xml version="1.0" encoding="utf-8"?>
+<p:sld xmlns:a="http://schemas.openxmlformats.org/drawingml/2006/main" xmlns:r="http://schemas.openxmlformats.org/officeDocument/2006/relationships" xmlns:p="http://schemas.openxmlformats.org/presentationml/2006/main">
+  <p:cSld>
+    <p:spTree>
+      <p:nvGrpSpPr>
+        <p:cNvPr id="1" name=""/>
+        <p:cNvGrpSpPr/>
+        <p:nvPr/>
+      </p:nvGrpSpPr>
+      <p:grpSpPr>
+        <a:xfrm>
+          <a:off x="0" y="0"/>
+          <a:ext cx="0" cy="0"/>
+          <a:chOff x="0" y="0"/>
+          <a:chExt cx="0" cy="0"/>
+        </a:xfrm>
+      </p:grpSpPr>
+      <p:sp>
+        <p:nvSpPr>
+          <p:cNvPr id="2" name="Title 1"/>
+          <p:cNvSpPr>
+            <a:spLocks noGrp="1"/>
+          </p:cNvSpPr>
+          <p:nvPr>
+            <p:ph type="title"/>
+          </p:nvPr>
+        </p:nvSpPr>
+        <p:spPr>
+          <a:xfrm>
+            <a:off x="1512446" y="140680"/>
+            <a:ext cx="10018713" cy="1223887"/>
+          </a:xfrm>
+        </p:spPr>
+        <p:txBody>
+          <a:bodyPr/>
+          <a:lstStyle/>
+          <a:p>
+            <a:r>
+              <a:rPr lang="en-PH" b="1" dirty="0"/>
+              <a:t>Features (continued)</a:t>
+            </a:r>
+          </a:p>
+        </p:txBody>
+      </p:sp>
+      <p:sp>
+        <p:nvSpPr>
+          <p:cNvPr id="5" name="Rectangle 4"/>
+          <p:cNvSpPr/>
+          <p:nvPr/>
+        </p:nvSpPr>
+        <p:spPr>
+          <a:xfrm>
+            <a:off x="4777407" y="1353127"/>
+            <a:ext cx="3488788" cy="5162844"/>
+          </a:xfrm>
+          <a:prstGeom prst="rect">
+            <a:avLst/>
+          </a:prstGeom>
+          <a:solidFill>
+            <a:srgbClr val="1789A9"/>
+          </a:solidFill>
+          <a:ln>
+            <a:solidFill>
+              <a:srgbClr val="E38C59"/>
+            </a:solidFill>
+          </a:ln>
+        </p:spPr>
+        <p:style>
+          <a:lnRef idx="2">
+            <a:schemeClr val="accent1">
+              <a:shade val="50000"/>
+            </a:schemeClr>
+          </a:lnRef>
+          <a:fillRef idx="1">
+            <a:schemeClr val="accent1"/>
+          </a:fillRef>
+          <a:effectRef idx="0">
+            <a:schemeClr val="accent1"/>
+          </a:effectRef>
+          <a:fontRef idx="minor">
+            <a:schemeClr val="lt1"/>
+          </a:fontRef>
+        </p:style>
+        <p:txBody>
+          <a:bodyPr rtlCol="0" anchor="ctr"/>
+          <a:lstStyle/>
+          <a:p>
+            <a:pPr algn="ctr"/>
+            <a:endParaRPr lang="en-PH"/>
+          </a:p>
+        </p:txBody>
+      </p:sp>
+      <p:sp>
+        <p:nvSpPr>
+          <p:cNvPr id="7" name="TextBox 6"/>
+          <p:cNvSpPr txBox="1"/>
+          <p:nvPr/>
+        </p:nvSpPr>
+        <p:spPr>
+          <a:xfrm>
+            <a:off x="5284121" y="1816817"/>
+            <a:ext cx="2489552" cy="461665"/>
+          </a:xfrm>
+          <a:prstGeom prst="rect">
+            <a:avLst/>
+          </a:prstGeom>
+          <a:noFill/>
+        </p:spPr>
+        <p:txBody>
+          <a:bodyPr wrap="square" rtlCol="0">
+            <a:spAutoFit/>
+          </a:bodyPr>
+          <a:lstStyle/>
+          <a:p>
+            <a:pPr algn="ctr"/>
+            <a:r>
+              <a:rPr lang="en-PH" sz="2400" b="1" dirty="0">
+                <a:solidFill>
+                  <a:schemeClr val="bg1"/>
+                </a:solidFill>
+                <a:latin typeface="Arial" panose="020B0604020202020204" pitchFamily="34" charset="0"/>
+                <a:cs typeface="Arial" panose="020B0604020202020204" pitchFamily="34" charset="0"/>
+              </a:rPr>
+              <a:t>ELOUS STORE</a:t>
+            </a:r>
+          </a:p>
+        </p:txBody>
+      </p:sp>
+      <p:sp>
+        <p:nvSpPr>
+          <p:cNvPr id="8" name="TextBox 7"/>
+          <p:cNvSpPr txBox="1"/>
+          <p:nvPr/>
+        </p:nvSpPr>
+        <p:spPr>
+          <a:xfrm>
+            <a:off x="5385152" y="2551011"/>
+            <a:ext cx="2273300" cy="369332"/>
+          </a:xfrm>
+          <a:prstGeom prst="rect">
+            <a:avLst/>
+          </a:prstGeom>
+          <a:noFill/>
+        </p:spPr>
+        <p:txBody>
+          <a:bodyPr wrap="square" rtlCol="0">
+            <a:spAutoFit/>
+          </a:bodyPr>
+          <a:lstStyle/>
+          <a:p>
+            <a:pPr algn="ctr"/>
+            <a:r>
+              <a:rPr lang="en-PH" dirty="0">
+                <a:solidFill>
+                  <a:schemeClr val="bg1"/>
+                </a:solidFill>
+              </a:rPr>
+              <a:t>Welcome!</a:t>
+            </a:r>
+          </a:p>
+        </p:txBody>
+      </p:sp>
+      <p:pic>
+        <p:nvPicPr>
+          <p:cNvPr id="9" name="Picture 8"/>
+          <p:cNvPicPr>
+            <a:picLocks noChangeAspect="1"/>
+          </p:cNvPicPr>
+          <p:nvPr/>
+        </p:nvPicPr>
+        <p:blipFill>
+          <a:blip r:embed="rId2"/>
+          <a:stretch>
+            <a:fillRect/>
+          </a:stretch>
+        </p:blipFill>
+        <p:spPr>
+          <a:xfrm>
+            <a:off x="9555301" y="362098"/>
+            <a:ext cx="2133600" cy="781050"/>
+          </a:xfrm>
+          <a:prstGeom prst="rect">
+            <a:avLst/>
+          </a:prstGeom>
+        </p:spPr>
+      </p:pic>
+      <p:cxnSp>
+        <p:nvCxnSpPr>
+          <p:cNvPr id="15" name="Straight Connector 14"/>
+          <p:cNvCxnSpPr/>
+          <p:nvPr/>
+        </p:nvCxnSpPr>
+        <p:spPr>
+          <a:xfrm>
+            <a:off x="5138134" y="3035300"/>
+            <a:ext cx="2753391" cy="6232"/>
+          </a:xfrm>
+          <a:prstGeom prst="line">
+            <a:avLst/>
+          </a:prstGeom>
+          <a:ln>
+            <a:solidFill>
+              <a:srgbClr val="C2F3FD"/>
+            </a:solidFill>
+          </a:ln>
+        </p:spPr>
+        <p:style>
+          <a:lnRef idx="1">
+            <a:schemeClr val="accent1"/>
+          </a:lnRef>
+          <a:fillRef idx="0">
+            <a:schemeClr val="accent1"/>
+          </a:fillRef>
+          <a:effectRef idx="0">
+            <a:schemeClr val="accent1"/>
+          </a:effectRef>
+          <a:fontRef idx="minor">
+            <a:schemeClr val="tx1"/>
+          </a:fontRef>
+        </p:style>
+      </p:cxnSp>
+      <p:sp>
+        <p:nvSpPr>
+          <p:cNvPr id="21" name="Rounded Rectangle 20"/>
+          <p:cNvSpPr/>
+          <p:nvPr/>
+        </p:nvSpPr>
+        <p:spPr>
+          <a:xfrm>
+            <a:off x="5533848" y="3096013"/>
+            <a:ext cx="1933087" cy="478302"/>
+          </a:xfrm>
+          <a:prstGeom prst="roundRect">
+            <a:avLst/>
+          </a:prstGeom>
+          <a:solidFill>
+            <a:srgbClr val="FCD4BA"/>
+          </a:solidFill>
+          <a:ln>
+            <a:noFill/>
+          </a:ln>
+          <a:effectLst/>
+          <a:scene3d>
+            <a:camera prst="orthographicFront"/>
+            <a:lightRig rig="threePt" dir="t"/>
+          </a:scene3d>
+          <a:sp3d>
+            <a:bevelT/>
+          </a:sp3d>
+        </p:spPr>
+        <p:style>
+          <a:lnRef idx="2">
+            <a:schemeClr val="accent1">
+              <a:shade val="50000"/>
+            </a:schemeClr>
+          </a:lnRef>
+          <a:fillRef idx="1">
+            <a:schemeClr val="accent1"/>
+          </a:fillRef>
+          <a:effectRef idx="0">
+            <a:schemeClr val="accent1"/>
+          </a:effectRef>
+          <a:fontRef idx="minor">
+            <a:schemeClr val="lt1"/>
+          </a:fontRef>
+        </p:style>
+        <p:txBody>
+          <a:bodyPr rtlCol="0" anchor="ctr"/>
+          <a:lstStyle/>
+          <a:p>
+            <a:r>
+              <a:rPr lang="en-PH" b="1" dirty="0">
+                <a:solidFill>
+                  <a:srgbClr val="0B4555"/>
+                </a:solidFill>
+              </a:rPr>
+              <a:t>Sales</a:t>
+            </a:r>
+          </a:p>
+        </p:txBody>
+      </p:sp>
+      <p:sp>
+        <p:nvSpPr>
+          <p:cNvPr id="23" name="Rounded Rectangle 22"/>
+          <p:cNvSpPr/>
+          <p:nvPr/>
+        </p:nvSpPr>
+        <p:spPr>
+          <a:xfrm>
+            <a:off x="5533848" y="3657692"/>
+            <a:ext cx="1933087" cy="478302"/>
+          </a:xfrm>
+          <a:prstGeom prst="roundRect">
+            <a:avLst/>
+          </a:prstGeom>
+          <a:solidFill>
+            <a:srgbClr val="FCD4BA"/>
+          </a:solidFill>
+          <a:ln>
+            <a:solidFill>
+              <a:srgbClr val="71B8C7"/>
+            </a:solidFill>
+          </a:ln>
+          <a:scene3d>
+            <a:camera prst="orthographicFront"/>
+            <a:lightRig rig="threePt" dir="t"/>
+          </a:scene3d>
+          <a:sp3d>
+            <a:bevelT/>
+          </a:sp3d>
+        </p:spPr>
+        <p:style>
+          <a:lnRef idx="2">
+            <a:schemeClr val="accent1">
+              <a:shade val="50000"/>
+            </a:schemeClr>
+          </a:lnRef>
+          <a:fillRef idx="1">
+            <a:schemeClr val="accent1"/>
+          </a:fillRef>
+          <a:effectRef idx="0">
+            <a:schemeClr val="accent1"/>
+          </a:effectRef>
+          <a:fontRef idx="minor">
+            <a:schemeClr val="lt1"/>
+          </a:fontRef>
+        </p:style>
+        <p:txBody>
+          <a:bodyPr rtlCol="0" anchor="ctr"/>
+          <a:lstStyle/>
+          <a:p>
+            <a:r>
+              <a:rPr lang="en-PH" b="1" dirty="0">
+                <a:solidFill>
+                  <a:srgbClr val="0B4555"/>
+                </a:solidFill>
+              </a:rPr>
+              <a:t>Products</a:t>
+            </a:r>
+          </a:p>
+        </p:txBody>
+      </p:sp>
+      <p:sp>
+        <p:nvSpPr>
+          <p:cNvPr id="24" name="Rounded Rectangle 23"/>
+          <p:cNvSpPr/>
+          <p:nvPr/>
+        </p:nvSpPr>
+        <p:spPr>
+          <a:xfrm>
+            <a:off x="5533845" y="4221552"/>
+            <a:ext cx="1933087" cy="478302"/>
+          </a:xfrm>
+          <a:prstGeom prst="roundRect">
+            <a:avLst/>
+          </a:prstGeom>
+          <a:solidFill>
+            <a:srgbClr val="FCD4BA"/>
+          </a:solidFill>
+          <a:ln>
+            <a:solidFill>
+              <a:srgbClr val="71B8C7"/>
+            </a:solidFill>
+          </a:ln>
+          <a:scene3d>
+            <a:camera prst="orthographicFront"/>
+            <a:lightRig rig="threePt" dir="t"/>
+          </a:scene3d>
+          <a:sp3d>
+            <a:bevelT/>
+          </a:sp3d>
+        </p:spPr>
+        <p:style>
+          <a:lnRef idx="2">
+            <a:schemeClr val="accent1">
+              <a:shade val="50000"/>
+            </a:schemeClr>
+          </a:lnRef>
+          <a:fillRef idx="1">
+            <a:schemeClr val="accent1"/>
+          </a:fillRef>
+          <a:effectRef idx="0">
+            <a:schemeClr val="accent1"/>
+          </a:effectRef>
+          <a:fontRef idx="minor">
+            <a:schemeClr val="lt1"/>
+          </a:fontRef>
+        </p:style>
+        <p:txBody>
+          <a:bodyPr rtlCol="0" anchor="ctr"/>
+          <a:lstStyle/>
+          <a:p>
+            <a:r>
+              <a:rPr lang="en-PH" b="1" dirty="0">
+                <a:solidFill>
+                  <a:srgbClr val="0B4555"/>
+                </a:solidFill>
+              </a:rPr>
+              <a:t>Graph</a:t>
+            </a:r>
+          </a:p>
+        </p:txBody>
+      </p:sp>
+      <p:pic>
+        <p:nvPicPr>
+          <p:cNvPr id="14" name="Picture 13"/>
+          <p:cNvPicPr>
+            <a:picLocks noChangeAspect="1"/>
+          </p:cNvPicPr>
+          <p:nvPr/>
+        </p:nvPicPr>
+        <p:blipFill>
+          <a:blip r:embed="rId3">
+            <a:extLst>
+              <a:ext uri="{BEBA8EAE-BF5A-486C-A8C5-ECC9F3942E4B}">
+                <a14:imgProps xmlns:a14="http://schemas.microsoft.com/office/drawing/2010/main">
+                  <a14:imgLayer r:embed="rId4">
+                    <a14:imgEffect>
+                      <a14:brightnessContrast bright="20000"/>
+                    </a14:imgEffect>
+                  </a14:imgLayer>
+                </a14:imgProps>
+              </a:ext>
+            </a:extLst>
+          </a:blip>
+          <a:stretch>
+            <a:fillRect/>
+          </a:stretch>
+        </p:blipFill>
+        <p:spPr>
+          <a:xfrm>
+            <a:off x="6970996" y="4340161"/>
+            <a:ext cx="442148" cy="343892"/>
+          </a:xfrm>
+          <a:prstGeom prst="rect">
+            <a:avLst/>
+          </a:prstGeom>
+          <a:effectLst>
+            <a:softEdge rad="25400"/>
+          </a:effectLst>
+        </p:spPr>
+      </p:pic>
+      <p:pic>
+        <p:nvPicPr>
+          <p:cNvPr id="18" name="Picture 17"/>
+          <p:cNvPicPr>
+            <a:picLocks noChangeAspect="1"/>
+          </p:cNvPicPr>
+          <p:nvPr/>
+        </p:nvPicPr>
+        <p:blipFill>
+          <a:blip r:embed="rId5">
+            <a:extLst>
+              <a:ext uri="{BEBA8EAE-BF5A-486C-A8C5-ECC9F3942E4B}">
+                <a14:imgProps xmlns:a14="http://schemas.microsoft.com/office/drawing/2010/main">
+                  <a14:imgLayer r:embed="rId6">
+                    <a14:imgEffect>
+                      <a14:brightnessContrast bright="20000"/>
+                    </a14:imgEffect>
+                  </a14:imgLayer>
+                </a14:imgProps>
+              </a:ext>
+            </a:extLst>
+          </a:blip>
+          <a:stretch>
+            <a:fillRect/>
+          </a:stretch>
+        </p:blipFill>
+        <p:spPr>
+          <a:xfrm>
+            <a:off x="6970996" y="3163661"/>
+            <a:ext cx="442147" cy="341668"/>
+          </a:xfrm>
+          <a:prstGeom prst="rect">
+            <a:avLst/>
+          </a:prstGeom>
+          <a:effectLst>
+            <a:softEdge rad="25400"/>
+          </a:effectLst>
+        </p:spPr>
+      </p:pic>
+      <p:pic>
+        <p:nvPicPr>
+          <p:cNvPr id="26" name="Picture 25"/>
+          <p:cNvPicPr>
+            <a:picLocks noChangeAspect="1"/>
+          </p:cNvPicPr>
+          <p:nvPr/>
+        </p:nvPicPr>
+        <p:blipFill>
+          <a:blip r:embed="rId7">
+            <a:extLst>
+              <a:ext uri="{BEBA8EAE-BF5A-486C-A8C5-ECC9F3942E4B}">
+                <a14:imgProps xmlns:a14="http://schemas.microsoft.com/office/drawing/2010/main">
+                  <a14:imgLayer r:embed="rId8">
+                    <a14:imgEffect>
+                      <a14:brightnessContrast bright="20000"/>
+                    </a14:imgEffect>
+                  </a14:imgLayer>
+                </a14:imgProps>
+              </a:ext>
+            </a:extLst>
+          </a:blip>
+          <a:stretch>
+            <a:fillRect/>
+          </a:stretch>
+        </p:blipFill>
+        <p:spPr>
+          <a:xfrm>
+            <a:off x="6971993" y="3743555"/>
+            <a:ext cx="442147" cy="343892"/>
+          </a:xfrm>
+          <a:prstGeom prst="rect">
+            <a:avLst/>
+          </a:prstGeom>
+          <a:effectLst>
+            <a:softEdge rad="25400"/>
+          </a:effectLst>
+        </p:spPr>
+      </p:pic>
+      <p:sp>
+        <p:nvSpPr>
+          <p:cNvPr id="28" name="Rounded Rectangle 27"/>
+          <p:cNvSpPr/>
+          <p:nvPr/>
+        </p:nvSpPr>
+        <p:spPr>
+          <a:xfrm>
+            <a:off x="5533845" y="4797250"/>
+            <a:ext cx="1933087" cy="478302"/>
+          </a:xfrm>
+          <a:prstGeom prst="roundRect">
+            <a:avLst/>
+          </a:prstGeom>
+          <a:solidFill>
+            <a:srgbClr val="FCD4BA"/>
+          </a:solidFill>
+          <a:ln>
+            <a:solidFill>
+              <a:srgbClr val="71B8C7"/>
+            </a:solidFill>
+          </a:ln>
+          <a:scene3d>
+            <a:camera prst="orthographicFront"/>
+            <a:lightRig rig="threePt" dir="t"/>
+          </a:scene3d>
+          <a:sp3d>
+            <a:bevelT/>
+          </a:sp3d>
+        </p:spPr>
+        <p:style>
+          <a:lnRef idx="2">
+            <a:schemeClr val="accent1">
+              <a:shade val="50000"/>
+            </a:schemeClr>
+          </a:lnRef>
+          <a:fillRef idx="1">
+            <a:schemeClr val="accent1"/>
+          </a:fillRef>
+          <a:effectRef idx="0">
+            <a:schemeClr val="accent1"/>
+          </a:effectRef>
+          <a:fontRef idx="minor">
+            <a:schemeClr val="lt1"/>
+          </a:fontRef>
+        </p:style>
+        <p:txBody>
+          <a:bodyPr rtlCol="0" anchor="ctr"/>
+          <a:lstStyle/>
+          <a:p>
+            <a:r>
+              <a:rPr lang="en-PH" b="1" dirty="0">
+                <a:solidFill>
+                  <a:srgbClr val="0B4555"/>
+                </a:solidFill>
+              </a:rPr>
+              <a:t>Expenses</a:t>
+            </a:r>
+          </a:p>
+        </p:txBody>
+      </p:sp>
+      <p:pic>
+        <p:nvPicPr>
+          <p:cNvPr id="29" name="Picture 28"/>
+          <p:cNvPicPr>
+            <a:picLocks noChangeAspect="1"/>
+          </p:cNvPicPr>
+          <p:nvPr/>
+        </p:nvPicPr>
+        <p:blipFill>
+          <a:blip r:embed="rId9"/>
+          <a:stretch>
+            <a:fillRect/>
+          </a:stretch>
+        </p:blipFill>
+        <p:spPr>
+          <a:xfrm>
+            <a:off x="6970995" y="4856462"/>
+            <a:ext cx="442147" cy="343892"/>
+          </a:xfrm>
+          <a:prstGeom prst="rect">
+            <a:avLst/>
+          </a:prstGeom>
+        </p:spPr>
+      </p:pic>
+      <p:cxnSp>
+        <p:nvCxnSpPr>
+          <p:cNvPr id="30" name="Straight Connector 29"/>
+          <p:cNvCxnSpPr/>
+          <p:nvPr/>
+        </p:nvCxnSpPr>
+        <p:spPr>
+          <a:xfrm>
+            <a:off x="5123692" y="5934015"/>
+            <a:ext cx="2753391" cy="6232"/>
+          </a:xfrm>
+          <a:prstGeom prst="line">
+            <a:avLst/>
+          </a:prstGeom>
+          <a:ln>
+            <a:solidFill>
+              <a:srgbClr val="C2F3FD"/>
+            </a:solidFill>
+          </a:ln>
+        </p:spPr>
+        <p:style>
+          <a:lnRef idx="1">
+            <a:schemeClr val="accent1"/>
+          </a:lnRef>
+          <a:fillRef idx="0">
+            <a:schemeClr val="accent1"/>
+          </a:fillRef>
+          <a:effectRef idx="0">
+            <a:schemeClr val="accent1"/>
+          </a:effectRef>
+          <a:fontRef idx="minor">
+            <a:schemeClr val="tx1"/>
+          </a:fontRef>
+        </p:style>
+      </p:cxnSp>
+      <p:sp>
+        <p:nvSpPr>
+          <p:cNvPr id="32" name="TextBox 31"/>
+          <p:cNvSpPr txBox="1"/>
+          <p:nvPr/>
+        </p:nvSpPr>
+        <p:spPr>
+          <a:xfrm>
+            <a:off x="6059368" y="6019452"/>
+            <a:ext cx="939057" cy="369332"/>
+          </a:xfrm>
+          <a:prstGeom prst="rect">
+            <a:avLst/>
+          </a:prstGeom>
+          <a:noFill/>
+        </p:spPr>
+        <p:txBody>
+          <a:bodyPr wrap="square" rtlCol="0">
+            <a:spAutoFit/>
+          </a:bodyPr>
+          <a:lstStyle/>
+          <a:p>
+            <a:r>
+              <a:rPr lang="en-PH" u="sng" dirty="0">
+                <a:solidFill>
+                  <a:srgbClr val="C2F3FD"/>
+                </a:solidFill>
+              </a:rPr>
+              <a:t>Logout</a:t>
+            </a:r>
+          </a:p>
+        </p:txBody>
+      </p:sp>
+      <p:sp>
+        <p:nvSpPr>
+          <p:cNvPr id="36" name="TextBox 35"/>
+          <p:cNvSpPr txBox="1"/>
+          <p:nvPr/>
+        </p:nvSpPr>
+        <p:spPr>
+          <a:xfrm>
+            <a:off x="9494151" y="1324499"/>
+            <a:ext cx="2446326" cy="461665"/>
+          </a:xfrm>
+          <a:prstGeom prst="rect">
+            <a:avLst/>
+          </a:prstGeom>
+          <a:noFill/>
+        </p:spPr>
+        <p:txBody>
+          <a:bodyPr wrap="square" rtlCol="0">
+            <a:spAutoFit/>
+          </a:bodyPr>
+          <a:lstStyle/>
+          <a:p>
+            <a:r>
+              <a:rPr lang="en-PH" sz="2400" dirty="0"/>
+              <a:t>MAIN ACTIVITY</a:t>
+            </a:r>
+          </a:p>
+        </p:txBody>
+      </p:sp>
+      <p:sp>
+        <p:nvSpPr>
+          <p:cNvPr id="39" name="Rounded Rectangle 38"/>
+          <p:cNvSpPr/>
+          <p:nvPr/>
+        </p:nvSpPr>
+        <p:spPr>
+          <a:xfrm>
+            <a:off x="5533845" y="5358792"/>
+            <a:ext cx="1933087" cy="478302"/>
+          </a:xfrm>
+          <a:prstGeom prst="roundRect">
+            <a:avLst/>
+          </a:prstGeom>
+          <a:solidFill>
+            <a:srgbClr val="FCD4BA"/>
+          </a:solidFill>
+          <a:ln>
+            <a:solidFill>
+              <a:srgbClr val="71B8C7"/>
+            </a:solidFill>
+          </a:ln>
+          <a:scene3d>
+            <a:camera prst="orthographicFront"/>
+            <a:lightRig rig="threePt" dir="t"/>
+          </a:scene3d>
+          <a:sp3d>
+            <a:bevelT/>
+          </a:sp3d>
+        </p:spPr>
+        <p:style>
+          <a:lnRef idx="2">
+            <a:schemeClr val="accent1">
+              <a:shade val="50000"/>
+            </a:schemeClr>
+          </a:lnRef>
+          <a:fillRef idx="1">
+            <a:schemeClr val="accent1"/>
+          </a:fillRef>
+          <a:effectRef idx="0">
+            <a:schemeClr val="accent1"/>
+          </a:effectRef>
+          <a:fontRef idx="minor">
+            <a:schemeClr val="lt1"/>
+          </a:fontRef>
+        </p:style>
+        <p:txBody>
+          <a:bodyPr rtlCol="0" anchor="ctr"/>
+          <a:lstStyle/>
+          <a:p>
+            <a:r>
+              <a:rPr lang="en-PH" b="1" dirty="0">
+                <a:solidFill>
+                  <a:srgbClr val="0B4555"/>
+                </a:solidFill>
+              </a:rPr>
+              <a:t>Records</a:t>
+            </a:r>
+          </a:p>
+        </p:txBody>
+      </p:sp>
+      <p:pic>
+        <p:nvPicPr>
+          <p:cNvPr id="41" name="Picture 40"/>
+          <p:cNvPicPr>
+            <a:picLocks noChangeAspect="1"/>
+          </p:cNvPicPr>
+          <p:nvPr/>
+        </p:nvPicPr>
+        <p:blipFill>
+          <a:blip r:embed="rId7">
+            <a:extLst>
+              <a:ext uri="{BEBA8EAE-BF5A-486C-A8C5-ECC9F3942E4B}">
+                <a14:imgProps xmlns:a14="http://schemas.microsoft.com/office/drawing/2010/main">
+                  <a14:imgLayer r:embed="rId8">
+                    <a14:imgEffect>
+                      <a14:brightnessContrast bright="20000"/>
+                    </a14:imgEffect>
+                  </a14:imgLayer>
+                </a14:imgProps>
+              </a:ext>
+            </a:extLst>
+          </a:blip>
+          <a:stretch>
+            <a:fillRect/>
+          </a:stretch>
+        </p:blipFill>
+        <p:spPr>
+          <a:xfrm>
+            <a:off x="6970994" y="5425997"/>
+            <a:ext cx="442147" cy="343892"/>
+          </a:xfrm>
+          <a:prstGeom prst="rect">
+            <a:avLst/>
+          </a:prstGeom>
+          <a:effectLst>
+            <a:softEdge rad="25400"/>
+          </a:effectLst>
+        </p:spPr>
+      </p:pic>
+      <p:sp>
+        <p:nvSpPr>
+          <p:cNvPr id="40" name="Oval 39"/>
+          <p:cNvSpPr/>
+          <p:nvPr/>
+        </p:nvSpPr>
+        <p:spPr>
+          <a:xfrm>
+            <a:off x="5211126" y="5081246"/>
+            <a:ext cx="2635540" cy="944242"/>
+          </a:xfrm>
+          <a:prstGeom prst="ellipse">
+            <a:avLst/>
+          </a:prstGeom>
+          <a:noFill/>
+          <a:ln>
+            <a:solidFill>
+              <a:srgbClr val="FF0000"/>
+            </a:solidFill>
+          </a:ln>
+        </p:spPr>
+        <p:style>
+          <a:lnRef idx="2">
+            <a:schemeClr val="accent1">
+              <a:shade val="50000"/>
+            </a:schemeClr>
+          </a:lnRef>
+          <a:fillRef idx="1">
+            <a:schemeClr val="accent1"/>
+          </a:fillRef>
+          <a:effectRef idx="0">
+            <a:schemeClr val="accent1"/>
+          </a:effectRef>
+          <a:fontRef idx="minor">
+            <a:schemeClr val="lt1"/>
+          </a:fontRef>
+        </p:style>
+        <p:txBody>
+          <a:bodyPr rtlCol="0" anchor="ctr"/>
+          <a:lstStyle/>
+          <a:p>
+            <a:pPr algn="ctr"/>
+            <a:endParaRPr lang="en-PH"/>
+          </a:p>
+        </p:txBody>
+      </p:sp>
+    </p:spTree>
+    <p:extLst>
+      <p:ext uri="{BB962C8B-B14F-4D97-AF65-F5344CB8AC3E}">
+        <p14:creationId xmlns:p14="http://schemas.microsoft.com/office/powerpoint/2010/main" val="3044510411"/>
+      </p:ext>
+    </p:extLst>
+  </p:cSld>
+  <p:clrMapOvr>
+    <a:masterClrMapping/>
+  </p:clrMapOvr>
+  <mc:AlternateContent xmlns:mc="http://schemas.openxmlformats.org/markup-compatibility/2006" xmlns:p14="http://schemas.microsoft.com/office/powerpoint/2010/main">
+    <mc:Choice Requires="p14">
+      <p:transition spd="slow" p14:dur="1600">
+        <p14:prism isInverted="1"/>
+      </p:transition>
+    </mc:Choice>
+    <mc:Fallback xmlns="">
+      <p:transition spd="slow">
+        <p:fade/>
+      </p:transition>
+    </mc:Fallback>
+  </mc:AlternateContent>
+</p:sld>
+</file>
+
+<file path=ppt/slides/slide17.xml><?xml version="1.0" encoding="utf-8"?>
+<p:sld xmlns:a="http://schemas.openxmlformats.org/drawingml/2006/main" xmlns:r="http://schemas.openxmlformats.org/officeDocument/2006/relationships" xmlns:p="http://schemas.openxmlformats.org/presentationml/2006/main">
+  <p:cSld>
+    <p:bg>
+      <p:bgPr>
+        <a:blipFill dpi="0" rotWithShape="1">
+          <a:blip r:embed="rId2">
+            <a:duotone>
+              <a:schemeClr val="bg2">
+                <a:shade val="76000"/>
+                <a:satMod val="180000"/>
+              </a:schemeClr>
+              <a:schemeClr val="bg2">
+                <a:tint val="80000"/>
+                <a:satMod val="120000"/>
+                <a:lumMod val="180000"/>
+              </a:schemeClr>
+            </a:duotone>
+            <a:lum/>
+          </a:blip>
+          <a:srcRect/>
+          <a:stretch>
+            <a:fillRect/>
+          </a:stretch>
+        </a:blipFill>
+        <a:effectLst/>
+      </p:bgPr>
+    </p:bg>
+    <p:spTree>
+      <p:nvGrpSpPr>
+        <p:cNvPr id="1" name=""/>
+        <p:cNvGrpSpPr/>
+        <p:nvPr/>
+      </p:nvGrpSpPr>
+      <p:grpSpPr>
+        <a:xfrm>
+          <a:off x="0" y="0"/>
+          <a:ext cx="0" cy="0"/>
+          <a:chOff x="0" y="0"/>
+          <a:chExt cx="0" cy="0"/>
+        </a:xfrm>
+      </p:grpSpPr>
+      <p:sp>
+        <p:nvSpPr>
+          <p:cNvPr id="2" name="Title 1"/>
+          <p:cNvSpPr>
+            <a:spLocks noGrp="1"/>
+          </p:cNvSpPr>
+          <p:nvPr>
+            <p:ph type="title"/>
+          </p:nvPr>
+        </p:nvSpPr>
+        <p:spPr>
+          <a:xfrm>
+            <a:off x="1512446" y="140680"/>
+            <a:ext cx="10018713" cy="1223887"/>
+          </a:xfrm>
+        </p:spPr>
+        <p:txBody>
+          <a:bodyPr/>
+          <a:lstStyle/>
+          <a:p>
+            <a:r>
+              <a:rPr lang="en-PH" b="1" dirty="0"/>
+              <a:t>Features (continued)</a:t>
+            </a:r>
+          </a:p>
+        </p:txBody>
+      </p:sp>
+      <p:sp>
+        <p:nvSpPr>
+          <p:cNvPr id="5" name="Rectangle 4"/>
+          <p:cNvSpPr/>
+          <p:nvPr/>
+        </p:nvSpPr>
+        <p:spPr>
+          <a:xfrm>
+            <a:off x="4777407" y="1353127"/>
+            <a:ext cx="3488788" cy="5162844"/>
+          </a:xfrm>
+          <a:prstGeom prst="rect">
+            <a:avLst/>
+          </a:prstGeom>
+          <a:solidFill>
+            <a:srgbClr val="1789A9"/>
+          </a:solidFill>
+          <a:ln>
+            <a:solidFill>
+              <a:srgbClr val="E38C59"/>
+            </a:solidFill>
+          </a:ln>
+        </p:spPr>
+        <p:style>
+          <a:lnRef idx="2">
+            <a:schemeClr val="accent1">
+              <a:shade val="50000"/>
+            </a:schemeClr>
+          </a:lnRef>
+          <a:fillRef idx="1">
+            <a:schemeClr val="accent1"/>
+          </a:fillRef>
+          <a:effectRef idx="0">
+            <a:schemeClr val="accent1"/>
+          </a:effectRef>
+          <a:fontRef idx="minor">
+            <a:schemeClr val="lt1"/>
+          </a:fontRef>
+        </p:style>
+        <p:txBody>
+          <a:bodyPr rtlCol="0" anchor="ctr"/>
+          <a:lstStyle/>
+          <a:p>
+            <a:pPr algn="ctr"/>
+            <a:endParaRPr lang="en-PH"/>
+          </a:p>
+        </p:txBody>
+      </p:sp>
+      <p:sp>
+        <p:nvSpPr>
+          <p:cNvPr id="6" name="TextBox 5"/>
+          <p:cNvSpPr txBox="1"/>
+          <p:nvPr/>
+        </p:nvSpPr>
+        <p:spPr>
+          <a:xfrm>
+            <a:off x="9555302" y="1355152"/>
+            <a:ext cx="2133600" cy="830997"/>
+          </a:xfrm>
+          <a:prstGeom prst="rect">
+            <a:avLst/>
+          </a:prstGeom>
+          <a:noFill/>
+        </p:spPr>
+        <p:txBody>
+          <a:bodyPr wrap="square" rtlCol="0">
+            <a:spAutoFit/>
+          </a:bodyPr>
+          <a:lstStyle/>
+          <a:p>
+            <a:r>
+              <a:rPr lang="en-PH" sz="2400" dirty="0"/>
+              <a:t>LIST OF SALES PAGE</a:t>
+            </a:r>
+          </a:p>
+        </p:txBody>
+      </p:sp>
+      <p:sp>
+        <p:nvSpPr>
+          <p:cNvPr id="7" name="TextBox 6"/>
+          <p:cNvSpPr txBox="1"/>
+          <p:nvPr/>
+        </p:nvSpPr>
+        <p:spPr>
+          <a:xfrm>
+            <a:off x="5277025" y="1657674"/>
+            <a:ext cx="2489552" cy="461665"/>
+          </a:xfrm>
+          <a:prstGeom prst="rect">
+            <a:avLst/>
+          </a:prstGeom>
+          <a:noFill/>
+        </p:spPr>
+        <p:txBody>
+          <a:bodyPr wrap="square" rtlCol="0">
+            <a:spAutoFit/>
+          </a:bodyPr>
+          <a:lstStyle/>
+          <a:p>
+            <a:pPr algn="ctr"/>
+            <a:r>
+              <a:rPr lang="en-PH" sz="2400" b="1" dirty="0">
+                <a:solidFill>
+                  <a:schemeClr val="bg1"/>
+                </a:solidFill>
+                <a:latin typeface="Arial" panose="020B0604020202020204" pitchFamily="34" charset="0"/>
+                <a:cs typeface="Arial" panose="020B0604020202020204" pitchFamily="34" charset="0"/>
+              </a:rPr>
+              <a:t>ELOUS STORE</a:t>
+            </a:r>
+          </a:p>
+        </p:txBody>
+      </p:sp>
+      <p:pic>
+        <p:nvPicPr>
+          <p:cNvPr id="9" name="Picture 8"/>
+          <p:cNvPicPr>
+            <a:picLocks noChangeAspect="1"/>
+          </p:cNvPicPr>
+          <p:nvPr/>
+        </p:nvPicPr>
+        <p:blipFill>
+          <a:blip r:embed="rId3"/>
+          <a:stretch>
+            <a:fillRect/>
+          </a:stretch>
+        </p:blipFill>
+        <p:spPr>
+          <a:xfrm>
+            <a:off x="9555301" y="362098"/>
+            <a:ext cx="2133600" cy="781050"/>
+          </a:xfrm>
+          <a:prstGeom prst="rect">
+            <a:avLst/>
+          </a:prstGeom>
+        </p:spPr>
+      </p:pic>
+      <p:cxnSp>
+        <p:nvCxnSpPr>
+          <p:cNvPr id="20" name="Straight Connector 19"/>
+          <p:cNvCxnSpPr/>
+          <p:nvPr/>
+        </p:nvCxnSpPr>
+        <p:spPr>
+          <a:xfrm>
+            <a:off x="4833938" y="2295525"/>
+            <a:ext cx="3395662" cy="0"/>
+          </a:xfrm>
+          <a:prstGeom prst="line">
+            <a:avLst/>
+          </a:prstGeom>
+          <a:ln w="57150">
+            <a:solidFill>
+              <a:srgbClr val="C2F3FD"/>
+            </a:solidFill>
+          </a:ln>
+        </p:spPr>
+        <p:style>
+          <a:lnRef idx="1">
+            <a:schemeClr val="accent1"/>
+          </a:lnRef>
+          <a:fillRef idx="0">
+            <a:schemeClr val="accent1"/>
+          </a:fillRef>
+          <a:effectRef idx="0">
+            <a:schemeClr val="accent1"/>
+          </a:effectRef>
+          <a:fontRef idx="minor">
+            <a:schemeClr val="tx1"/>
+          </a:fontRef>
+        </p:style>
+      </p:cxnSp>
+      <p:sp>
+        <p:nvSpPr>
+          <p:cNvPr id="31" name="TextBox 30"/>
+          <p:cNvSpPr txBox="1"/>
+          <p:nvPr/>
+        </p:nvSpPr>
+        <p:spPr>
+          <a:xfrm>
+            <a:off x="4837373" y="2295524"/>
+            <a:ext cx="918316" cy="369332"/>
+          </a:xfrm>
+          <a:prstGeom prst="rect">
+            <a:avLst/>
+          </a:prstGeom>
+          <a:noFill/>
+          <a:ln>
+            <a:solidFill>
+              <a:srgbClr val="C2F3FD"/>
+            </a:solidFill>
+          </a:ln>
+        </p:spPr>
+        <p:txBody>
+          <a:bodyPr wrap="square" rtlCol="0">
+            <a:spAutoFit/>
+          </a:bodyPr>
+          <a:lstStyle/>
+          <a:p>
+            <a:pPr algn="ctr"/>
+            <a:r>
+              <a:rPr lang="en-PH" b="1" dirty="0">
+                <a:solidFill>
+                  <a:schemeClr val="bg1"/>
+                </a:solidFill>
+              </a:rPr>
+              <a:t>SALES</a:t>
+            </a:r>
+          </a:p>
+        </p:txBody>
+      </p:sp>
+      <p:cxnSp>
+        <p:nvCxnSpPr>
+          <p:cNvPr id="34" name="Straight Connector 33"/>
+          <p:cNvCxnSpPr/>
+          <p:nvPr/>
+        </p:nvCxnSpPr>
+        <p:spPr>
+          <a:xfrm>
+            <a:off x="4837371" y="2690575"/>
+            <a:ext cx="912389" cy="0"/>
+          </a:xfrm>
+          <a:prstGeom prst="line">
+            <a:avLst/>
+          </a:prstGeom>
+          <a:ln w="57150">
+            <a:solidFill>
+              <a:srgbClr val="C2F3FD"/>
+            </a:solidFill>
+          </a:ln>
+        </p:spPr>
+        <p:style>
+          <a:lnRef idx="1">
+            <a:schemeClr val="accent1"/>
+          </a:lnRef>
+          <a:fillRef idx="0">
+            <a:schemeClr val="accent1"/>
+          </a:fillRef>
+          <a:effectRef idx="0">
+            <a:schemeClr val="accent1"/>
+          </a:effectRef>
+          <a:fontRef idx="minor">
+            <a:schemeClr val="tx1"/>
+          </a:fontRef>
+        </p:style>
+      </p:cxnSp>
+      <p:sp>
+        <p:nvSpPr>
+          <p:cNvPr id="3" name="TextBox 2"/>
+          <p:cNvSpPr txBox="1"/>
+          <p:nvPr/>
+        </p:nvSpPr>
+        <p:spPr>
+          <a:xfrm>
+            <a:off x="5277025" y="2876550"/>
+            <a:ext cx="2381075" cy="338554"/>
+          </a:xfrm>
+          <a:prstGeom prst="rect">
+            <a:avLst/>
+          </a:prstGeom>
+          <a:noFill/>
+        </p:spPr>
+        <p:txBody>
+          <a:bodyPr wrap="square" rtlCol="0">
+            <a:spAutoFit/>
+          </a:bodyPr>
+          <a:lstStyle/>
+          <a:p>
+            <a:r>
+              <a:rPr lang="en-PH" sz="1600" u="sng" dirty="0">
+                <a:solidFill>
+                  <a:schemeClr val="bg1"/>
+                </a:solidFill>
+                <a:latin typeface="Arial" panose="020B0604020202020204" pitchFamily="34" charset="0"/>
+                <a:cs typeface="Arial" panose="020B0604020202020204" pitchFamily="34" charset="0"/>
+              </a:rPr>
+              <a:t>October 21, 1965</a:t>
+            </a:r>
+          </a:p>
+        </p:txBody>
+      </p:sp>
+      <p:sp>
+        <p:nvSpPr>
+          <p:cNvPr id="23" name="TextBox 22"/>
+          <p:cNvSpPr txBox="1"/>
+          <p:nvPr/>
+        </p:nvSpPr>
+        <p:spPr>
+          <a:xfrm>
+            <a:off x="5277024" y="3331786"/>
+            <a:ext cx="2381075" cy="338554"/>
+          </a:xfrm>
+          <a:prstGeom prst="rect">
+            <a:avLst/>
+          </a:prstGeom>
+          <a:noFill/>
+        </p:spPr>
+        <p:txBody>
+          <a:bodyPr wrap="square" rtlCol="0">
+            <a:spAutoFit/>
+          </a:bodyPr>
+          <a:lstStyle/>
+          <a:p>
+            <a:r>
+              <a:rPr lang="en-PH" sz="1600" u="sng" dirty="0">
+                <a:solidFill>
+                  <a:schemeClr val="bg1"/>
+                </a:solidFill>
+                <a:latin typeface="Arial" panose="020B0604020202020204" pitchFamily="34" charset="0"/>
+                <a:cs typeface="Arial" panose="020B0604020202020204" pitchFamily="34" charset="0"/>
+              </a:rPr>
+              <a:t>March 5, 1967</a:t>
+            </a:r>
+          </a:p>
+        </p:txBody>
+      </p:sp>
+      <p:sp>
+        <p:nvSpPr>
+          <p:cNvPr id="24" name="TextBox 23"/>
+          <p:cNvSpPr txBox="1"/>
+          <p:nvPr/>
+        </p:nvSpPr>
+        <p:spPr>
+          <a:xfrm>
+            <a:off x="5277023" y="3787022"/>
+            <a:ext cx="2381075" cy="338554"/>
+          </a:xfrm>
+          <a:prstGeom prst="rect">
+            <a:avLst/>
+          </a:prstGeom>
+          <a:noFill/>
+        </p:spPr>
+        <p:txBody>
+          <a:bodyPr wrap="square" rtlCol="0">
+            <a:spAutoFit/>
+          </a:bodyPr>
+          <a:lstStyle/>
+          <a:p>
+            <a:r>
+              <a:rPr lang="en-PH" sz="1600" u="sng" dirty="0">
+                <a:solidFill>
+                  <a:schemeClr val="bg1"/>
+                </a:solidFill>
+                <a:latin typeface="Arial" panose="020B0604020202020204" pitchFamily="34" charset="0"/>
+                <a:cs typeface="Arial" panose="020B0604020202020204" pitchFamily="34" charset="0"/>
+              </a:rPr>
+              <a:t>March 20, 1999</a:t>
+            </a:r>
+          </a:p>
+        </p:txBody>
+      </p:sp>
+      <p:sp>
+        <p:nvSpPr>
+          <p:cNvPr id="25" name="TextBox 24"/>
+          <p:cNvSpPr txBox="1"/>
+          <p:nvPr/>
+        </p:nvSpPr>
+        <p:spPr>
+          <a:xfrm>
+            <a:off x="5277021" y="4695026"/>
+            <a:ext cx="2381075" cy="338554"/>
+          </a:xfrm>
+          <a:prstGeom prst="rect">
+            <a:avLst/>
+          </a:prstGeom>
+          <a:noFill/>
+        </p:spPr>
+        <p:txBody>
+          <a:bodyPr wrap="square" rtlCol="0">
+            <a:spAutoFit/>
+          </a:bodyPr>
+          <a:lstStyle/>
+          <a:p>
+            <a:r>
+              <a:rPr lang="en-PH" sz="1600" u="sng" dirty="0">
+                <a:solidFill>
+                  <a:schemeClr val="bg1"/>
+                </a:solidFill>
+                <a:latin typeface="Arial" panose="020B0604020202020204" pitchFamily="34" charset="0"/>
+                <a:cs typeface="Arial" panose="020B0604020202020204" pitchFamily="34" charset="0"/>
+              </a:rPr>
+              <a:t>October 20, 1997</a:t>
+            </a:r>
+          </a:p>
+        </p:txBody>
+      </p:sp>
+      <p:sp>
+        <p:nvSpPr>
+          <p:cNvPr id="26" name="TextBox 25"/>
+          <p:cNvSpPr txBox="1"/>
+          <p:nvPr/>
+        </p:nvSpPr>
+        <p:spPr>
+          <a:xfrm>
+            <a:off x="5277022" y="4241024"/>
+            <a:ext cx="2381075" cy="338554"/>
+          </a:xfrm>
+          <a:prstGeom prst="rect">
+            <a:avLst/>
+          </a:prstGeom>
+          <a:noFill/>
+        </p:spPr>
+        <p:txBody>
+          <a:bodyPr wrap="square" rtlCol="0">
+            <a:spAutoFit/>
+          </a:bodyPr>
+          <a:lstStyle/>
+          <a:p>
+            <a:r>
+              <a:rPr lang="en-PH" sz="1600" u="sng" dirty="0">
+                <a:solidFill>
+                  <a:schemeClr val="bg1"/>
+                </a:solidFill>
+                <a:latin typeface="Arial" panose="020B0604020202020204" pitchFamily="34" charset="0"/>
+                <a:cs typeface="Arial" panose="020B0604020202020204" pitchFamily="34" charset="0"/>
+              </a:rPr>
+              <a:t>December 2, 1997</a:t>
+            </a:r>
+          </a:p>
+        </p:txBody>
+      </p:sp>
+      <p:sp>
+        <p:nvSpPr>
+          <p:cNvPr id="27" name="TextBox 26"/>
+          <p:cNvSpPr txBox="1"/>
+          <p:nvPr/>
+        </p:nvSpPr>
+        <p:spPr>
+          <a:xfrm>
+            <a:off x="5277020" y="5145015"/>
+            <a:ext cx="2381075" cy="338554"/>
+          </a:xfrm>
+          <a:prstGeom prst="rect">
+            <a:avLst/>
+          </a:prstGeom>
+          <a:noFill/>
+        </p:spPr>
+        <p:txBody>
+          <a:bodyPr wrap="square" rtlCol="0">
+            <a:spAutoFit/>
+          </a:bodyPr>
+          <a:lstStyle/>
+          <a:p>
+            <a:r>
+              <a:rPr lang="en-PH" sz="1600" u="sng" dirty="0">
+                <a:solidFill>
+                  <a:schemeClr val="bg1"/>
+                </a:solidFill>
+                <a:latin typeface="Arial" panose="020B0604020202020204" pitchFamily="34" charset="0"/>
+                <a:cs typeface="Arial" panose="020B0604020202020204" pitchFamily="34" charset="0"/>
+              </a:rPr>
+              <a:t>December 1, 1997</a:t>
+            </a:r>
+          </a:p>
+        </p:txBody>
+      </p:sp>
+      <p:sp>
+        <p:nvSpPr>
+          <p:cNvPr id="28" name="TextBox 27"/>
+          <p:cNvSpPr txBox="1"/>
+          <p:nvPr/>
+        </p:nvSpPr>
+        <p:spPr>
+          <a:xfrm>
+            <a:off x="5277019" y="5603030"/>
+            <a:ext cx="2381075" cy="338554"/>
+          </a:xfrm>
+          <a:prstGeom prst="rect">
+            <a:avLst/>
+          </a:prstGeom>
+          <a:noFill/>
+        </p:spPr>
+        <p:txBody>
+          <a:bodyPr wrap="square" rtlCol="0">
+            <a:spAutoFit/>
+          </a:bodyPr>
+          <a:lstStyle/>
+          <a:p>
+            <a:r>
+              <a:rPr lang="en-PH" sz="1600" u="sng" dirty="0">
+                <a:solidFill>
+                  <a:schemeClr val="bg1"/>
+                </a:solidFill>
+                <a:latin typeface="Arial" panose="020B0604020202020204" pitchFamily="34" charset="0"/>
+                <a:cs typeface="Arial" panose="020B0604020202020204" pitchFamily="34" charset="0"/>
+              </a:rPr>
+              <a:t>March 26, 1997</a:t>
+            </a:r>
+          </a:p>
+        </p:txBody>
+      </p:sp>
+      <p:sp>
+        <p:nvSpPr>
+          <p:cNvPr id="29" name="TextBox 28"/>
+          <p:cNvSpPr txBox="1"/>
+          <p:nvPr/>
+        </p:nvSpPr>
+        <p:spPr>
+          <a:xfrm>
+            <a:off x="4830486" y="2867444"/>
+            <a:ext cx="379690" cy="338554"/>
+          </a:xfrm>
+          <a:prstGeom prst="rect">
+            <a:avLst/>
+          </a:prstGeom>
+          <a:noFill/>
+        </p:spPr>
+        <p:txBody>
+          <a:bodyPr wrap="square" rtlCol="0">
+            <a:spAutoFit/>
+          </a:bodyPr>
+          <a:lstStyle/>
+          <a:p>
+            <a:r>
+              <a:rPr lang="en-PH" sz="1600" dirty="0">
+                <a:solidFill>
+                  <a:schemeClr val="bg1"/>
+                </a:solidFill>
+                <a:latin typeface="Arial" panose="020B0604020202020204" pitchFamily="34" charset="0"/>
+                <a:cs typeface="Arial" panose="020B0604020202020204" pitchFamily="34" charset="0"/>
+              </a:rPr>
+              <a:t>1. </a:t>
+            </a:r>
+          </a:p>
+        </p:txBody>
+      </p:sp>
+      <p:sp>
+        <p:nvSpPr>
+          <p:cNvPr id="30" name="TextBox 29"/>
+          <p:cNvSpPr txBox="1"/>
+          <p:nvPr/>
+        </p:nvSpPr>
+        <p:spPr>
+          <a:xfrm>
+            <a:off x="4837371" y="3331786"/>
+            <a:ext cx="379690" cy="338554"/>
+          </a:xfrm>
+          <a:prstGeom prst="rect">
+            <a:avLst/>
+          </a:prstGeom>
+          <a:noFill/>
+        </p:spPr>
+        <p:txBody>
+          <a:bodyPr wrap="square" rtlCol="0">
+            <a:spAutoFit/>
+          </a:bodyPr>
+          <a:lstStyle/>
+          <a:p>
+            <a:r>
+              <a:rPr lang="en-PH" sz="1600" dirty="0">
+                <a:solidFill>
+                  <a:schemeClr val="bg1"/>
+                </a:solidFill>
+                <a:latin typeface="Arial" panose="020B0604020202020204" pitchFamily="34" charset="0"/>
+                <a:cs typeface="Arial" panose="020B0604020202020204" pitchFamily="34" charset="0"/>
+              </a:rPr>
+              <a:t>2.</a:t>
+            </a:r>
+          </a:p>
+        </p:txBody>
+      </p:sp>
+      <p:sp>
+        <p:nvSpPr>
+          <p:cNvPr id="32" name="TextBox 31"/>
+          <p:cNvSpPr txBox="1"/>
+          <p:nvPr/>
+        </p:nvSpPr>
+        <p:spPr>
+          <a:xfrm>
+            <a:off x="4839602" y="3796393"/>
+            <a:ext cx="379690" cy="338554"/>
+          </a:xfrm>
+          <a:prstGeom prst="rect">
+            <a:avLst/>
+          </a:prstGeom>
+          <a:noFill/>
+        </p:spPr>
+        <p:txBody>
+          <a:bodyPr wrap="square" rtlCol="0">
+            <a:spAutoFit/>
+          </a:bodyPr>
+          <a:lstStyle/>
+          <a:p>
+            <a:r>
+              <a:rPr lang="en-PH" sz="1600" dirty="0">
+                <a:solidFill>
+                  <a:schemeClr val="bg1"/>
+                </a:solidFill>
+                <a:latin typeface="Arial" panose="020B0604020202020204" pitchFamily="34" charset="0"/>
+                <a:cs typeface="Arial" panose="020B0604020202020204" pitchFamily="34" charset="0"/>
+              </a:rPr>
+              <a:t>3. </a:t>
+            </a:r>
+          </a:p>
+        </p:txBody>
+      </p:sp>
+      <p:sp>
+        <p:nvSpPr>
+          <p:cNvPr id="33" name="TextBox 32"/>
+          <p:cNvSpPr txBox="1"/>
+          <p:nvPr/>
+        </p:nvSpPr>
+        <p:spPr>
+          <a:xfrm>
+            <a:off x="4837371" y="4241024"/>
+            <a:ext cx="379690" cy="338554"/>
+          </a:xfrm>
+          <a:prstGeom prst="rect">
+            <a:avLst/>
+          </a:prstGeom>
+          <a:noFill/>
+        </p:spPr>
+        <p:txBody>
+          <a:bodyPr wrap="square" rtlCol="0">
+            <a:spAutoFit/>
+          </a:bodyPr>
+          <a:lstStyle/>
+          <a:p>
+            <a:r>
+              <a:rPr lang="en-PH" sz="1600" dirty="0">
+                <a:solidFill>
+                  <a:schemeClr val="bg1"/>
+                </a:solidFill>
+                <a:latin typeface="Arial" panose="020B0604020202020204" pitchFamily="34" charset="0"/>
+                <a:cs typeface="Arial" panose="020B0604020202020204" pitchFamily="34" charset="0"/>
+              </a:rPr>
+              <a:t>4. </a:t>
+            </a:r>
+          </a:p>
+        </p:txBody>
+      </p:sp>
+      <p:sp>
+        <p:nvSpPr>
+          <p:cNvPr id="35" name="TextBox 34"/>
+          <p:cNvSpPr txBox="1"/>
+          <p:nvPr/>
+        </p:nvSpPr>
+        <p:spPr>
+          <a:xfrm>
+            <a:off x="4837371" y="4695026"/>
+            <a:ext cx="379690" cy="338554"/>
+          </a:xfrm>
+          <a:prstGeom prst="rect">
+            <a:avLst/>
+          </a:prstGeom>
+          <a:noFill/>
+        </p:spPr>
+        <p:txBody>
+          <a:bodyPr wrap="square" rtlCol="0">
+            <a:spAutoFit/>
+          </a:bodyPr>
+          <a:lstStyle/>
+          <a:p>
+            <a:r>
+              <a:rPr lang="en-PH" sz="1600" dirty="0">
+                <a:solidFill>
+                  <a:schemeClr val="bg1"/>
+                </a:solidFill>
+                <a:latin typeface="Arial" panose="020B0604020202020204" pitchFamily="34" charset="0"/>
+                <a:cs typeface="Arial" panose="020B0604020202020204" pitchFamily="34" charset="0"/>
+              </a:rPr>
+              <a:t>5. </a:t>
+            </a:r>
+          </a:p>
+        </p:txBody>
+      </p:sp>
+      <p:sp>
+        <p:nvSpPr>
+          <p:cNvPr id="37" name="TextBox 36"/>
+          <p:cNvSpPr txBox="1"/>
+          <p:nvPr/>
+        </p:nvSpPr>
+        <p:spPr>
+          <a:xfrm>
+            <a:off x="4837371" y="5145015"/>
+            <a:ext cx="379690" cy="338554"/>
+          </a:xfrm>
+          <a:prstGeom prst="rect">
+            <a:avLst/>
+          </a:prstGeom>
+          <a:noFill/>
+        </p:spPr>
+        <p:txBody>
+          <a:bodyPr wrap="square" rtlCol="0">
+            <a:spAutoFit/>
+          </a:bodyPr>
+          <a:lstStyle/>
+          <a:p>
+            <a:r>
+              <a:rPr lang="en-PH" sz="1600" dirty="0">
+                <a:solidFill>
+                  <a:schemeClr val="bg1"/>
+                </a:solidFill>
+                <a:latin typeface="Arial" panose="020B0604020202020204" pitchFamily="34" charset="0"/>
+                <a:cs typeface="Arial" panose="020B0604020202020204" pitchFamily="34" charset="0"/>
+              </a:rPr>
+              <a:t>6. </a:t>
+            </a:r>
+          </a:p>
+        </p:txBody>
+      </p:sp>
+      <p:sp>
+        <p:nvSpPr>
+          <p:cNvPr id="44" name="TextBox 43"/>
+          <p:cNvSpPr txBox="1"/>
+          <p:nvPr/>
+        </p:nvSpPr>
+        <p:spPr>
+          <a:xfrm>
+            <a:off x="4837371" y="5603030"/>
+            <a:ext cx="379690" cy="338554"/>
+          </a:xfrm>
+          <a:prstGeom prst="rect">
+            <a:avLst/>
+          </a:prstGeom>
+          <a:noFill/>
+        </p:spPr>
+        <p:txBody>
+          <a:bodyPr wrap="square" rtlCol="0">
+            <a:spAutoFit/>
+          </a:bodyPr>
+          <a:lstStyle/>
+          <a:p>
+            <a:r>
+              <a:rPr lang="en-PH" sz="1600" dirty="0">
+                <a:solidFill>
+                  <a:schemeClr val="bg1"/>
+                </a:solidFill>
+                <a:latin typeface="Arial" panose="020B0604020202020204" pitchFamily="34" charset="0"/>
+                <a:cs typeface="Arial" panose="020B0604020202020204" pitchFamily="34" charset="0"/>
+              </a:rPr>
+              <a:t>7. </a:t>
+            </a:r>
+          </a:p>
+        </p:txBody>
+      </p:sp>
+      <p:sp>
+        <p:nvSpPr>
+          <p:cNvPr id="48" name="TextBox 47"/>
+          <p:cNvSpPr txBox="1"/>
+          <p:nvPr/>
+        </p:nvSpPr>
+        <p:spPr>
+          <a:xfrm>
+            <a:off x="5277019" y="6055487"/>
+            <a:ext cx="2381075" cy="338554"/>
+          </a:xfrm>
+          <a:prstGeom prst="rect">
+            <a:avLst/>
+          </a:prstGeom>
+          <a:noFill/>
+        </p:spPr>
+        <p:txBody>
+          <a:bodyPr wrap="square" rtlCol="0">
+            <a:spAutoFit/>
+          </a:bodyPr>
+          <a:lstStyle/>
+          <a:p>
+            <a:r>
+              <a:rPr lang="en-PH" sz="1600" u="sng" dirty="0">
+                <a:solidFill>
+                  <a:schemeClr val="bg1"/>
+                </a:solidFill>
+                <a:latin typeface="Arial" panose="020B0604020202020204" pitchFamily="34" charset="0"/>
+                <a:cs typeface="Arial" panose="020B0604020202020204" pitchFamily="34" charset="0"/>
+              </a:rPr>
+              <a:t>March 10, 2090</a:t>
+            </a:r>
+          </a:p>
+        </p:txBody>
+      </p:sp>
+      <p:sp>
+        <p:nvSpPr>
+          <p:cNvPr id="49" name="TextBox 48"/>
+          <p:cNvSpPr txBox="1"/>
+          <p:nvPr/>
+        </p:nvSpPr>
+        <p:spPr>
+          <a:xfrm>
+            <a:off x="4837371" y="6055487"/>
+            <a:ext cx="379690" cy="338554"/>
+          </a:xfrm>
+          <a:prstGeom prst="rect">
+            <a:avLst/>
+          </a:prstGeom>
+          <a:noFill/>
+        </p:spPr>
+        <p:txBody>
+          <a:bodyPr wrap="square" rtlCol="0">
+            <a:spAutoFit/>
+          </a:bodyPr>
+          <a:lstStyle/>
+          <a:p>
+            <a:r>
+              <a:rPr lang="en-PH" sz="1600" dirty="0">
+                <a:solidFill>
+                  <a:schemeClr val="bg1"/>
+                </a:solidFill>
+                <a:latin typeface="Arial" panose="020B0604020202020204" pitchFamily="34" charset="0"/>
+                <a:cs typeface="Arial" panose="020B0604020202020204" pitchFamily="34" charset="0"/>
+              </a:rPr>
+              <a:t>8 </a:t>
+            </a:r>
+          </a:p>
+        </p:txBody>
+      </p:sp>
+      <p:pic>
+        <p:nvPicPr>
+          <p:cNvPr id="4" name="Picture 3"/>
+          <p:cNvPicPr>
+            <a:picLocks noChangeAspect="1"/>
+          </p:cNvPicPr>
+          <p:nvPr/>
+        </p:nvPicPr>
+        <p:blipFill>
+          <a:blip r:embed="rId4"/>
+          <a:stretch>
+            <a:fillRect/>
+          </a:stretch>
+        </p:blipFill>
+        <p:spPr>
+          <a:xfrm>
+            <a:off x="8057322" y="2690575"/>
+            <a:ext cx="195691" cy="3825396"/>
+          </a:xfrm>
+          <a:prstGeom prst="rect">
+            <a:avLst/>
+          </a:prstGeom>
+        </p:spPr>
+      </p:pic>
+      <p:sp>
+        <p:nvSpPr>
+          <p:cNvPr id="36" name="TextBox 35"/>
+          <p:cNvSpPr txBox="1"/>
+          <p:nvPr/>
+        </p:nvSpPr>
+        <p:spPr>
+          <a:xfrm>
+            <a:off x="5749760" y="2294216"/>
+            <a:ext cx="1261181" cy="369332"/>
+          </a:xfrm>
+          <a:prstGeom prst="rect">
+            <a:avLst/>
+          </a:prstGeom>
+          <a:noFill/>
+          <a:ln>
+            <a:solidFill>
+              <a:srgbClr val="C2F3FD"/>
+            </a:solidFill>
+          </a:ln>
+        </p:spPr>
+        <p:txBody>
+          <a:bodyPr wrap="square" rtlCol="0">
+            <a:spAutoFit/>
+          </a:bodyPr>
+          <a:lstStyle/>
+          <a:p>
+            <a:pPr algn="ctr"/>
+            <a:r>
+              <a:rPr lang="en-PH" dirty="0">
+                <a:solidFill>
+                  <a:schemeClr val="bg1">
+                    <a:lumMod val="75000"/>
+                  </a:schemeClr>
+                </a:solidFill>
+              </a:rPr>
+              <a:t>EXPENSES</a:t>
+            </a:r>
+          </a:p>
+        </p:txBody>
+      </p:sp>
+      <p:sp>
+        <p:nvSpPr>
+          <p:cNvPr id="38" name="TextBox 37"/>
+          <p:cNvSpPr txBox="1"/>
+          <p:nvPr/>
+        </p:nvSpPr>
+        <p:spPr>
+          <a:xfrm>
+            <a:off x="7010941" y="2289326"/>
+            <a:ext cx="1210415" cy="369332"/>
+          </a:xfrm>
+          <a:prstGeom prst="rect">
+            <a:avLst/>
+          </a:prstGeom>
+          <a:noFill/>
+          <a:ln>
+            <a:solidFill>
+              <a:srgbClr val="C2F3FD"/>
+            </a:solidFill>
+          </a:ln>
+        </p:spPr>
+        <p:txBody>
+          <a:bodyPr wrap="square" rtlCol="0">
+            <a:spAutoFit/>
+          </a:bodyPr>
+          <a:lstStyle/>
+          <a:p>
+            <a:pPr algn="ctr"/>
+            <a:r>
+              <a:rPr lang="en-PH" dirty="0">
+                <a:solidFill>
+                  <a:schemeClr val="bg1">
+                    <a:lumMod val="75000"/>
+                  </a:schemeClr>
+                </a:solidFill>
+              </a:rPr>
+              <a:t>PRODUCT</a:t>
+            </a:r>
+          </a:p>
+        </p:txBody>
+      </p:sp>
+    </p:spTree>
+    <p:extLst>
+      <p:ext uri="{BB962C8B-B14F-4D97-AF65-F5344CB8AC3E}">
+        <p14:creationId xmlns:p14="http://schemas.microsoft.com/office/powerpoint/2010/main" val="2261557444"/>
       </p:ext>
     </p:extLst>
   </p:cSld>
@@ -11434,7 +13347,7 @@
                   </a:schemeClr>
                 </a:solidFill>
               </a:rPr>
-              <a:t>Username</a:t>
+              <a:t>Email</a:t>
             </a:r>
           </a:p>
         </p:txBody>
@@ -13020,7 +14933,7 @@
         </p:nvSpPr>
         <p:spPr>
           <a:xfrm>
-            <a:off x="5533848" y="3294793"/>
+            <a:off x="5533848" y="3096013"/>
             <a:ext cx="1933087" cy="478302"/>
           </a:xfrm>
           <a:prstGeom prst="roundRect">
@@ -13080,7 +14993,7 @@
         </p:nvSpPr>
         <p:spPr>
           <a:xfrm>
-            <a:off x="5533848" y="3909480"/>
+            <a:off x="5533848" y="3657692"/>
             <a:ext cx="1933087" cy="478302"/>
           </a:xfrm>
           <a:prstGeom prst="roundRect">
@@ -13141,7 +15054,7 @@
         </p:nvSpPr>
         <p:spPr>
           <a:xfrm>
-            <a:off x="5533845" y="4539600"/>
+            <a:off x="5533845" y="4221552"/>
             <a:ext cx="1933087" cy="478302"/>
           </a:xfrm>
           <a:prstGeom prst="roundRect">
@@ -13222,7 +15135,7 @@
         </p:blipFill>
         <p:spPr>
           <a:xfrm>
-            <a:off x="6970996" y="4658209"/>
+            <a:off x="6970996" y="4340161"/>
             <a:ext cx="442148" cy="343892"/>
           </a:xfrm>
           <a:prstGeom prst="rect">
@@ -13261,7 +15174,7 @@
         </p:blipFill>
         <p:spPr>
           <a:xfrm>
-            <a:off x="6970996" y="3362441"/>
+            <a:off x="6970996" y="3163661"/>
             <a:ext cx="442147" cy="341668"/>
           </a:xfrm>
           <a:prstGeom prst="rect">
@@ -13300,7 +15213,7 @@
         </p:blipFill>
         <p:spPr>
           <a:xfrm>
-            <a:off x="6971993" y="3995343"/>
+            <a:off x="6971993" y="3743555"/>
             <a:ext cx="442147" cy="343892"/>
           </a:xfrm>
           <a:prstGeom prst="rect">
@@ -13319,7 +15232,7 @@
         </p:nvSpPr>
         <p:spPr>
           <a:xfrm>
-            <a:off x="5533845" y="5181558"/>
+            <a:off x="5533845" y="4797250"/>
             <a:ext cx="1933087" cy="478302"/>
           </a:xfrm>
           <a:prstGeom prst="roundRect">
@@ -13388,7 +15301,7 @@
         </p:blipFill>
         <p:spPr>
           <a:xfrm>
-            <a:off x="6970995" y="5240770"/>
+            <a:off x="6970995" y="4856462"/>
             <a:ext cx="442147" cy="343892"/>
           </a:xfrm>
           <a:prstGeom prst="rect">
@@ -13575,9 +15488,9 @@
           <p:nvPr/>
         </p:nvCxnSpPr>
         <p:spPr>
-          <a:xfrm flipH="1">
-            <a:off x="7466935" y="4077935"/>
-            <a:ext cx="1341388" cy="70696"/>
+          <a:xfrm flipH="1" flipV="1">
+            <a:off x="7466935" y="3896843"/>
+            <a:ext cx="1341388" cy="181092"/>
           </a:xfrm>
           <a:prstGeom prst="straightConnector1">
             <a:avLst/>
@@ -13652,8 +15565,8 @@
         </p:nvCxnSpPr>
         <p:spPr>
           <a:xfrm flipV="1">
-            <a:off x="4127539" y="4778751"/>
-            <a:ext cx="1406306" cy="138499"/>
+            <a:off x="4127539" y="4460703"/>
+            <a:ext cx="1406306" cy="456547"/>
           </a:xfrm>
           <a:prstGeom prst="straightConnector1">
             <a:avLst/>
@@ -13724,9 +15637,9 @@
           <p:nvPr/>
         </p:nvCxnSpPr>
         <p:spPr>
-          <a:xfrm flipH="1">
-            <a:off x="7466932" y="5411919"/>
-            <a:ext cx="1342384" cy="8790"/>
+          <a:xfrm flipH="1" flipV="1">
+            <a:off x="7466932" y="5036401"/>
+            <a:ext cx="1342384" cy="375518"/>
           </a:xfrm>
           <a:prstGeom prst="straightConnector1">
             <a:avLst/>
@@ -13863,6 +15776,106 @@
           </a:p>
         </p:txBody>
       </p:sp>
+      <p:sp>
+        <p:nvSpPr>
+          <p:cNvPr id="39" name="Rounded Rectangle 38"/>
+          <p:cNvSpPr/>
+          <p:nvPr/>
+        </p:nvSpPr>
+        <p:spPr>
+          <a:xfrm>
+            <a:off x="5533845" y="5358792"/>
+            <a:ext cx="1933087" cy="478302"/>
+          </a:xfrm>
+          <a:prstGeom prst="roundRect">
+            <a:avLst/>
+          </a:prstGeom>
+          <a:solidFill>
+            <a:srgbClr val="FCD4BA"/>
+          </a:solidFill>
+          <a:ln>
+            <a:solidFill>
+              <a:srgbClr val="71B8C7"/>
+            </a:solidFill>
+          </a:ln>
+          <a:scene3d>
+            <a:camera prst="orthographicFront"/>
+            <a:lightRig rig="threePt" dir="t"/>
+          </a:scene3d>
+          <a:sp3d>
+            <a:bevelT/>
+          </a:sp3d>
+        </p:spPr>
+        <p:style>
+          <a:lnRef idx="2">
+            <a:schemeClr val="accent1">
+              <a:shade val="50000"/>
+            </a:schemeClr>
+          </a:lnRef>
+          <a:fillRef idx="1">
+            <a:schemeClr val="accent1"/>
+          </a:fillRef>
+          <a:effectRef idx="0">
+            <a:schemeClr val="accent1"/>
+          </a:effectRef>
+          <a:fontRef idx="minor">
+            <a:schemeClr val="lt1"/>
+          </a:fontRef>
+        </p:style>
+        <p:txBody>
+          <a:bodyPr rtlCol="0" anchor="ctr"/>
+          <a:lstStyle/>
+          <a:p>
+            <a:r>
+              <a:rPr lang="en-PH" b="1" dirty="0">
+                <a:solidFill>
+                  <a:srgbClr val="0B4555"/>
+                </a:solidFill>
+              </a:rPr>
+              <a:t>Records</a:t>
+            </a:r>
+          </a:p>
+        </p:txBody>
+      </p:sp>
+      <p:pic>
+        <p:nvPicPr>
+          <p:cNvPr id="41" name="Picture 40"/>
+          <p:cNvPicPr>
+            <a:picLocks noChangeAspect="1"/>
+          </p:cNvPicPr>
+          <p:nvPr/>
+        </p:nvPicPr>
+        <p:blipFill>
+          <a:blip r:embed="rId8">
+            <a:extLst>
+              <a:ext uri="{BEBA8EAE-BF5A-486C-A8C5-ECC9F3942E4B}">
+                <a14:imgProps xmlns:a14="http://schemas.microsoft.com/office/drawing/2010/main">
+                  <a14:imgLayer r:embed="rId9">
+                    <a14:imgEffect>
+                      <a14:brightnessContrast bright="20000"/>
+                    </a14:imgEffect>
+                  </a14:imgLayer>
+                </a14:imgProps>
+              </a:ext>
+            </a:extLst>
+          </a:blip>
+          <a:stretch>
+            <a:fillRect/>
+          </a:stretch>
+        </p:blipFill>
+        <p:spPr>
+          <a:xfrm>
+            <a:off x="6970994" y="5425997"/>
+            <a:ext cx="442147" cy="343892"/>
+          </a:xfrm>
+          <a:prstGeom prst="rect">
+            <a:avLst/>
+          </a:prstGeom>
+          <a:effectLst>
+            <a:softEdge rad="25400"/>
+          </a:effectLst>
+        </p:spPr>
+      </p:pic>
     </p:spTree>
     <p:extLst>
       <p:ext uri="{BB962C8B-B14F-4D97-AF65-F5344CB8AC3E}">
@@ -14117,7 +16130,7 @@
         </p:nvSpPr>
         <p:spPr>
           <a:xfrm>
-            <a:off x="5533848" y="3294793"/>
+            <a:off x="5533848" y="3096013"/>
             <a:ext cx="1933087" cy="478302"/>
           </a:xfrm>
           <a:prstGeom prst="roundRect">
@@ -14177,7 +16190,7 @@
         </p:nvSpPr>
         <p:spPr>
           <a:xfrm>
-            <a:off x="5533848" y="3909480"/>
+            <a:off x="5533848" y="3657692"/>
             <a:ext cx="1933087" cy="478302"/>
           </a:xfrm>
           <a:prstGeom prst="roundRect">
@@ -14238,7 +16251,7 @@
         </p:nvSpPr>
         <p:spPr>
           <a:xfrm>
-            <a:off x="5533845" y="4539600"/>
+            <a:off x="5533845" y="4221552"/>
             <a:ext cx="1933087" cy="478302"/>
           </a:xfrm>
           <a:prstGeom prst="roundRect">
@@ -14319,7 +16332,7 @@
         </p:blipFill>
         <p:spPr>
           <a:xfrm>
-            <a:off x="6970996" y="4658209"/>
+            <a:off x="6970996" y="4340161"/>
             <a:ext cx="442148" cy="343892"/>
           </a:xfrm>
           <a:prstGeom prst="rect">
@@ -14358,7 +16371,7 @@
         </p:blipFill>
         <p:spPr>
           <a:xfrm>
-            <a:off x="6970996" y="3362441"/>
+            <a:off x="6970996" y="3163661"/>
             <a:ext cx="442147" cy="341668"/>
           </a:xfrm>
           <a:prstGeom prst="rect">
@@ -14397,7 +16410,7 @@
         </p:blipFill>
         <p:spPr>
           <a:xfrm>
-            <a:off x="6971993" y="3995343"/>
+            <a:off x="6971993" y="3743555"/>
             <a:ext cx="442147" cy="343892"/>
           </a:xfrm>
           <a:prstGeom prst="rect">
@@ -14416,7 +16429,7 @@
         </p:nvSpPr>
         <p:spPr>
           <a:xfrm>
-            <a:off x="5533845" y="5181558"/>
+            <a:off x="5533845" y="4797250"/>
             <a:ext cx="1933087" cy="478302"/>
           </a:xfrm>
           <a:prstGeom prst="roundRect">
@@ -14485,7 +16498,7 @@
         </p:blipFill>
         <p:spPr>
           <a:xfrm>
-            <a:off x="6970995" y="5240770"/>
+            <a:off x="6970995" y="4856462"/>
             <a:ext cx="442147" cy="343892"/>
           </a:xfrm>
           <a:prstGeom prst="rect">
@@ -14592,24 +16605,33 @@
       </p:sp>
       <p:sp>
         <p:nvSpPr>
-          <p:cNvPr id="3" name="Oval 2"/>
+          <p:cNvPr id="39" name="Rounded Rectangle 38"/>
           <p:cNvSpPr/>
           <p:nvPr/>
         </p:nvSpPr>
         <p:spPr>
           <a:xfrm>
-            <a:off x="5138134" y="3035301"/>
-            <a:ext cx="2635540" cy="944242"/>
-          </a:xfrm>
-          <a:prstGeom prst="ellipse">
-            <a:avLst/>
-          </a:prstGeom>
-          <a:noFill/>
+            <a:off x="5533845" y="5358792"/>
+            <a:ext cx="1933087" cy="478302"/>
+          </a:xfrm>
+          <a:prstGeom prst="roundRect">
+            <a:avLst/>
+          </a:prstGeom>
+          <a:solidFill>
+            <a:srgbClr val="FCD4BA"/>
+          </a:solidFill>
           <a:ln>
             <a:solidFill>
-              <a:srgbClr val="FF0000"/>
+              <a:srgbClr val="71B8C7"/>
             </a:solidFill>
           </a:ln>
+          <a:scene3d>
+            <a:camera prst="orthographicFront"/>
+            <a:lightRig rig="threePt" dir="t"/>
+          </a:scene3d>
+          <a:sp3d>
+            <a:bevelT/>
+          </a:sp3d>
         </p:spPr>
         <p:style>
           <a:lnRef idx="2">
@@ -14631,6 +16653,97 @@
           <a:bodyPr rtlCol="0" anchor="ctr"/>
           <a:lstStyle/>
           <a:p>
+            <a:r>
+              <a:rPr lang="en-PH" b="1" dirty="0">
+                <a:solidFill>
+                  <a:srgbClr val="0B4555"/>
+                </a:solidFill>
+              </a:rPr>
+              <a:t>Records</a:t>
+            </a:r>
+          </a:p>
+        </p:txBody>
+      </p:sp>
+      <p:pic>
+        <p:nvPicPr>
+          <p:cNvPr id="41" name="Picture 40"/>
+          <p:cNvPicPr>
+            <a:picLocks noChangeAspect="1"/>
+          </p:cNvPicPr>
+          <p:nvPr/>
+        </p:nvPicPr>
+        <p:blipFill>
+          <a:blip r:embed="rId7">
+            <a:extLst>
+              <a:ext uri="{BEBA8EAE-BF5A-486C-A8C5-ECC9F3942E4B}">
+                <a14:imgProps xmlns:a14="http://schemas.microsoft.com/office/drawing/2010/main">
+                  <a14:imgLayer r:embed="rId8">
+                    <a14:imgEffect>
+                      <a14:brightnessContrast bright="20000"/>
+                    </a14:imgEffect>
+                  </a14:imgLayer>
+                </a14:imgProps>
+              </a:ext>
+            </a:extLst>
+          </a:blip>
+          <a:stretch>
+            <a:fillRect/>
+          </a:stretch>
+        </p:blipFill>
+        <p:spPr>
+          <a:xfrm>
+            <a:off x="6970994" y="5425997"/>
+            <a:ext cx="442147" cy="343892"/>
+          </a:xfrm>
+          <a:prstGeom prst="rect">
+            <a:avLst/>
+          </a:prstGeom>
+          <a:effectLst>
+            <a:softEdge rad="25400"/>
+          </a:effectLst>
+        </p:spPr>
+      </p:pic>
+      <p:sp>
+        <p:nvSpPr>
+          <p:cNvPr id="40" name="Oval 39"/>
+          <p:cNvSpPr/>
+          <p:nvPr/>
+        </p:nvSpPr>
+        <p:spPr>
+          <a:xfrm>
+            <a:off x="5123692" y="2890196"/>
+            <a:ext cx="2635540" cy="944242"/>
+          </a:xfrm>
+          <a:prstGeom prst="ellipse">
+            <a:avLst/>
+          </a:prstGeom>
+          <a:noFill/>
+          <a:ln>
+            <a:solidFill>
+              <a:srgbClr val="FF0000"/>
+            </a:solidFill>
+          </a:ln>
+        </p:spPr>
+        <p:style>
+          <a:lnRef idx="2">
+            <a:schemeClr val="accent1">
+              <a:shade val="50000"/>
+            </a:schemeClr>
+          </a:lnRef>
+          <a:fillRef idx="1">
+            <a:schemeClr val="accent1"/>
+          </a:fillRef>
+          <a:effectRef idx="0">
+            <a:schemeClr val="accent1"/>
+          </a:effectRef>
+          <a:fontRef idx="minor">
+            <a:schemeClr val="lt1"/>
+          </a:fontRef>
+        </p:style>
+        <p:txBody>
+          <a:bodyPr rtlCol="0" anchor="ctr"/>
+          <a:lstStyle/>
+          <a:p>
             <a:pPr algn="ctr"/>
             <a:endParaRPr lang="en-PH"/>
           </a:p>
@@ -14639,7 +16752,7 @@
     </p:spTree>
     <p:extLst>
       <p:ext uri="{BB962C8B-B14F-4D97-AF65-F5344CB8AC3E}">
-        <p14:creationId xmlns:p14="http://schemas.microsoft.com/office/powerpoint/2010/main" val="2986606923"/>
+        <p14:creationId xmlns:p14="http://schemas.microsoft.com/office/powerpoint/2010/main" val="306833573"/>
       </p:ext>
     </p:extLst>
   </p:cSld>
@@ -14875,7 +16988,7 @@
         </p:nvCxnSpPr>
         <p:spPr>
           <a:xfrm>
-            <a:off x="4833938" y="2295525"/>
+            <a:off x="4820686" y="2295525"/>
             <a:ext cx="3395662" cy="0"/>
           </a:xfrm>
           <a:prstGeom prst="line">
@@ -14910,8 +17023,8 @@
         </p:nvSpPr>
         <p:spPr>
           <a:xfrm>
-            <a:off x="4791695" y="2295525"/>
-            <a:ext cx="1708165" cy="369332"/>
+            <a:off x="4804947" y="2295525"/>
+            <a:ext cx="3424653" cy="369332"/>
           </a:xfrm>
           <a:prstGeom prst="rect">
             <a:avLst/>
@@ -14941,45 +17054,6 @@
           </a:p>
         </p:txBody>
       </p:sp>
-      <p:sp>
-        <p:nvSpPr>
-          <p:cNvPr id="31" name="TextBox 30"/>
-          <p:cNvSpPr txBox="1"/>
-          <p:nvPr/>
-        </p:nvSpPr>
-        <p:spPr>
-          <a:xfrm>
-            <a:off x="6514148" y="2295524"/>
-            <a:ext cx="1723029" cy="369332"/>
-          </a:xfrm>
-          <a:prstGeom prst="rect">
-            <a:avLst/>
-          </a:prstGeom>
-          <a:noFill/>
-          <a:ln>
-            <a:solidFill>
-              <a:srgbClr val="C2F3FD"/>
-            </a:solidFill>
-          </a:ln>
-        </p:spPr>
-        <p:txBody>
-          <a:bodyPr wrap="square" rtlCol="0">
-            <a:spAutoFit/>
-          </a:bodyPr>
-          <a:lstStyle/>
-          <a:p>
-            <a:pPr algn="ctr"/>
-            <a:r>
-              <a:rPr lang="en-PH" dirty="0">
-                <a:solidFill>
-                  <a:srgbClr val="FDE4D3"/>
-                </a:solidFill>
-              </a:rPr>
-              <a:t>LIST OF SALES</a:t>
-            </a:r>
-          </a:p>
-        </p:txBody>
-      </p:sp>
       <p:cxnSp>
         <p:nvCxnSpPr>
           <p:cNvPr id="34" name="Straight Connector 33"/>
@@ -14988,8 +17062,8 @@
         </p:nvCxnSpPr>
         <p:spPr>
           <a:xfrm flipV="1">
-            <a:off x="4833938" y="2664856"/>
-            <a:ext cx="1665922" cy="1905"/>
+            <a:off x="4820686" y="2664857"/>
+            <a:ext cx="3395662" cy="1905"/>
           </a:xfrm>
           <a:prstGeom prst="line">
             <a:avLst/>
@@ -15544,39 +17618,6 @@
                 </a:solidFill>
               </a:rPr>
               <a:t>Compute</a:t>
-            </a:r>
-          </a:p>
-        </p:txBody>
-      </p:sp>
-      <p:sp>
-        <p:nvSpPr>
-          <p:cNvPr id="33" name="TextBox 32"/>
-          <p:cNvSpPr txBox="1"/>
-          <p:nvPr/>
-        </p:nvSpPr>
-        <p:spPr>
-          <a:xfrm>
-            <a:off x="6062240" y="6019766"/>
-            <a:ext cx="939057" cy="369332"/>
-          </a:xfrm>
-          <a:prstGeom prst="rect">
-            <a:avLst/>
-          </a:prstGeom>
-          <a:noFill/>
-        </p:spPr>
-        <p:txBody>
-          <a:bodyPr wrap="square" rtlCol="0">
-            <a:spAutoFit/>
-          </a:bodyPr>
-          <a:lstStyle/>
-          <a:p>
-            <a:r>
-              <a:rPr lang="en-PH" u="sng" dirty="0">
-                <a:solidFill>
-                  <a:srgbClr val="C2F3FD"/>
-                </a:solidFill>
-              </a:rPr>
-              <a:t>Logout</a:t>
             </a:r>
           </a:p>
         </p:txBody>
